--- a/Proposal/Design/Design_Presentation.pptx
+++ b/Proposal/Design/Design_Presentation.pptx
@@ -14,6 +14,15 @@
     <p:sldId id="262" r:id="rId8"/>
     <p:sldId id="263" r:id="rId9"/>
     <p:sldId id="264" r:id="rId10"/>
+    <p:sldId id="265" r:id="rId11"/>
+    <p:sldId id="266" r:id="rId12"/>
+    <p:sldId id="267" r:id="rId13"/>
+    <p:sldId id="268" r:id="rId14"/>
+    <p:sldId id="269" r:id="rId15"/>
+    <p:sldId id="270" r:id="rId16"/>
+    <p:sldId id="271" r:id="rId17"/>
+    <p:sldId id="272" r:id="rId18"/>
+    <p:sldId id="273" r:id="rId19"/>
   </p:sldIdLst>
   <p:sldSz cx="9144000" cy="6858000" type="screen4x3"/>
   <p:notesSz cx="6858000" cy="9144000"/>
@@ -3626,9 +3635,4530 @@
     </p:spTree>
     <p:extLst>
       <p:ext uri="{BB962C8B-B14F-4D97-AF65-F5344CB8AC3E}">
-        <p14:creationId xmlns:p14="http://schemas.microsoft.com/office/powerpoint/2010/main" xmlns="" val="1381402738"/>
+        <p14:creationId xmlns="" xmlns:p14="http://schemas.microsoft.com/office/powerpoint/2010/main" val="1381402738"/>
       </p:ext>
     </p:extLst>
+  </p:cSld>
+  <p:clrMapOvr>
+    <a:masterClrMapping/>
+  </p:clrMapOvr>
+</p:sld>
+</file>
+
+<file path=ppt/slides/slide10.xml><?xml version="1.0" encoding="utf-8"?>
+<p:sld xmlns:a="http://schemas.openxmlformats.org/drawingml/2006/main" xmlns:r="http://schemas.openxmlformats.org/officeDocument/2006/relationships" xmlns:p="http://schemas.openxmlformats.org/presentationml/2006/main">
+  <p:cSld>
+    <p:spTree>
+      <p:nvGrpSpPr>
+        <p:cNvPr id="1" name=""/>
+        <p:cNvGrpSpPr/>
+        <p:nvPr/>
+      </p:nvGrpSpPr>
+      <p:grpSpPr>
+        <a:xfrm>
+          <a:off x="0" y="0"/>
+          <a:ext cx="0" cy="0"/>
+          <a:chOff x="0" y="0"/>
+          <a:chExt cx="0" cy="0"/>
+        </a:xfrm>
+      </p:grpSpPr>
+      <p:sp>
+        <p:nvSpPr>
+          <p:cNvPr id="2" name="Title 1"/>
+          <p:cNvSpPr>
+            <a:spLocks noGrp="1"/>
+          </p:cNvSpPr>
+          <p:nvPr>
+            <p:ph type="title"/>
+          </p:nvPr>
+        </p:nvSpPr>
+        <p:spPr/>
+        <p:txBody>
+          <a:bodyPr/>
+          <a:lstStyle/>
+          <a:p>
+            <a:r>
+              <a:rPr lang="en-US" dirty="0" smtClean="0"/>
+              <a:t>Registered User</a:t>
+            </a:r>
+            <a:endParaRPr lang="en-US" dirty="0"/>
+          </a:p>
+        </p:txBody>
+      </p:sp>
+      <p:pic>
+        <p:nvPicPr>
+          <p:cNvPr id="4" name="Picture 3" descr="C:\wamp\www\CapstoneProject\Proposal\Design\Registered User Use Case Diagram.JPG"/>
+          <p:cNvPicPr/>
+          <p:nvPr/>
+        </p:nvPicPr>
+        <p:blipFill>
+          <a:blip r:embed="rId2" cstate="print"/>
+          <a:srcRect/>
+          <a:stretch>
+            <a:fillRect/>
+          </a:stretch>
+        </p:blipFill>
+        <p:spPr bwMode="auto">
+          <a:xfrm>
+            <a:off x="1981199" y="847725"/>
+            <a:ext cx="4981575" cy="4029075"/>
+          </a:xfrm>
+          <a:prstGeom prst="rect">
+            <a:avLst/>
+          </a:prstGeom>
+          <a:noFill/>
+          <a:ln w="9525">
+            <a:noFill/>
+            <a:miter lim="800000"/>
+            <a:headEnd/>
+            <a:tailEnd/>
+          </a:ln>
+        </p:spPr>
+      </p:pic>
+    </p:spTree>
+  </p:cSld>
+  <p:clrMapOvr>
+    <a:masterClrMapping/>
+  </p:clrMapOvr>
+</p:sld>
+</file>
+
+<file path=ppt/slides/slide11.xml><?xml version="1.0" encoding="utf-8"?>
+<p:sld xmlns:a="http://schemas.openxmlformats.org/drawingml/2006/main" xmlns:r="http://schemas.openxmlformats.org/officeDocument/2006/relationships" xmlns:p="http://schemas.openxmlformats.org/presentationml/2006/main">
+  <p:cSld>
+    <p:spTree>
+      <p:nvGrpSpPr>
+        <p:cNvPr id="1" name=""/>
+        <p:cNvGrpSpPr/>
+        <p:nvPr/>
+      </p:nvGrpSpPr>
+      <p:grpSpPr>
+        <a:xfrm>
+          <a:off x="0" y="0"/>
+          <a:ext cx="0" cy="0"/>
+          <a:chOff x="0" y="0"/>
+          <a:chExt cx="0" cy="0"/>
+        </a:xfrm>
+      </p:grpSpPr>
+      <p:sp>
+        <p:nvSpPr>
+          <p:cNvPr id="2" name="Title 1"/>
+          <p:cNvSpPr>
+            <a:spLocks noGrp="1"/>
+          </p:cNvSpPr>
+          <p:nvPr>
+            <p:ph type="title"/>
+          </p:nvPr>
+        </p:nvSpPr>
+        <p:spPr>
+          <a:xfrm>
+            <a:off x="762000" y="4572000"/>
+            <a:ext cx="6972300" cy="1600200"/>
+          </a:xfrm>
+        </p:spPr>
+        <p:txBody>
+          <a:bodyPr>
+            <a:normAutofit fontScale="90000"/>
+          </a:bodyPr>
+          <a:lstStyle/>
+          <a:p>
+            <a:r>
+              <a:rPr lang="en-US" dirty="0" smtClean="0"/>
+              <a:t>Reg. User - Post Question</a:t>
+            </a:r>
+            <a:endParaRPr lang="en-US" dirty="0"/>
+          </a:p>
+        </p:txBody>
+      </p:sp>
+      <p:graphicFrame>
+        <p:nvGraphicFramePr>
+          <p:cNvPr id="4" name="Table 3"/>
+          <p:cNvGraphicFramePr>
+            <a:graphicFrameLocks noGrp="1"/>
+          </p:cNvGraphicFramePr>
+          <p:nvPr/>
+        </p:nvGraphicFramePr>
+        <p:xfrm>
+          <a:off x="1390650" y="1409700"/>
+          <a:ext cx="6096000" cy="3038477"/>
+        </p:xfrm>
+        <a:graphic>
+          <a:graphicData uri="http://schemas.openxmlformats.org/drawingml/2006/table">
+            <a:tbl>
+              <a:tblPr/>
+              <a:tblGrid>
+                <a:gridCol w="2862682"/>
+                <a:gridCol w="3233318"/>
+              </a:tblGrid>
+              <a:tr h="312466">
+                <a:tc>
+                  <a:txBody>
+                    <a:bodyPr/>
+                    <a:lstStyle/>
+                    <a:p>
+                      <a:pPr marL="0" marR="0" algn="ctr">
+                        <a:lnSpc>
+                          <a:spcPct val="115000"/>
+                        </a:lnSpc>
+                        <a:spcBef>
+                          <a:spcPts val="0"/>
+                        </a:spcBef>
+                        <a:spcAft>
+                          <a:spcPts val="0"/>
+                        </a:spcAft>
+                      </a:pPr>
+                      <a:r>
+                        <a:rPr lang="en-US" sz="1600" b="1" i="1">
+                          <a:solidFill>
+                            <a:srgbClr val="000000"/>
+                          </a:solidFill>
+                          <a:latin typeface="Calibri"/>
+                          <a:ea typeface="Times New Roman"/>
+                          <a:cs typeface="Times New Roman"/>
+                        </a:rPr>
+                        <a:t>Registered User</a:t>
+                      </a:r>
+                      <a:endParaRPr lang="en-US" sz="1100">
+                        <a:latin typeface="Calibri"/>
+                        <a:ea typeface="Calibri"/>
+                        <a:cs typeface="Times New Roman"/>
+                      </a:endParaRPr>
+                    </a:p>
+                  </a:txBody>
+                  <a:tcPr marL="68580" marR="68580" marT="0" marB="0" anchor="b">
+                    <a:lnL>
+                      <a:noFill/>
+                    </a:lnL>
+                    <a:lnR>
+                      <a:noFill/>
+                    </a:lnR>
+                    <a:lnT>
+                      <a:noFill/>
+                    </a:lnT>
+                    <a:lnB w="12700" cap="flat" cmpd="sng" algn="ctr">
+                      <a:solidFill>
+                        <a:srgbClr val="000000"/>
+                      </a:solidFill>
+                      <a:prstDash val="solid"/>
+                      <a:round/>
+                      <a:headEnd type="none" w="med" len="med"/>
+                      <a:tailEnd type="none" w="med" len="med"/>
+                    </a:lnB>
+                  </a:tcPr>
+                </a:tc>
+                <a:tc>
+                  <a:txBody>
+                    <a:bodyPr/>
+                    <a:lstStyle/>
+                    <a:p>
+                      <a:pPr algn="l">
+                        <a:lnSpc>
+                          <a:spcPct val="115000"/>
+                        </a:lnSpc>
+                      </a:pPr>
+                      <a:endParaRPr lang="en-US" sz="1100">
+                        <a:latin typeface="Calibri"/>
+                        <a:ea typeface="Times New Roman"/>
+                      </a:endParaRPr>
+                    </a:p>
+                  </a:txBody>
+                  <a:tcPr marL="68580" marR="68580" marT="0" marB="0" anchor="b">
+                    <a:lnL>
+                      <a:noFill/>
+                    </a:lnL>
+                    <a:lnR>
+                      <a:noFill/>
+                    </a:lnR>
+                    <a:lnT>
+                      <a:noFill/>
+                    </a:lnT>
+                    <a:lnB w="12700" cap="flat" cmpd="sng" algn="ctr">
+                      <a:solidFill>
+                        <a:srgbClr val="000000"/>
+                      </a:solidFill>
+                      <a:prstDash val="solid"/>
+                      <a:round/>
+                      <a:headEnd type="none" w="med" len="med"/>
+                      <a:tailEnd type="none" w="med" len="med"/>
+                    </a:lnB>
+                  </a:tcPr>
+                </a:tc>
+              </a:tr>
+              <a:tr h="273408">
+                <a:tc>
+                  <a:txBody>
+                    <a:bodyPr/>
+                    <a:lstStyle/>
+                    <a:p>
+                      <a:pPr marL="0" marR="0" algn="ctr">
+                        <a:lnSpc>
+                          <a:spcPct val="115000"/>
+                        </a:lnSpc>
+                        <a:spcBef>
+                          <a:spcPts val="0"/>
+                        </a:spcBef>
+                        <a:spcAft>
+                          <a:spcPts val="0"/>
+                        </a:spcAft>
+                      </a:pPr>
+                      <a:r>
+                        <a:rPr lang="en-US" sz="1400">
+                          <a:solidFill>
+                            <a:srgbClr val="000000"/>
+                          </a:solidFill>
+                          <a:latin typeface="Calibri"/>
+                          <a:ea typeface="Times New Roman"/>
+                          <a:cs typeface="Times New Roman"/>
+                        </a:rPr>
+                        <a:t>Title</a:t>
+                      </a:r>
+                      <a:endParaRPr lang="en-US" sz="1100">
+                        <a:latin typeface="Calibri"/>
+                        <a:ea typeface="Calibri"/>
+                        <a:cs typeface="Times New Roman"/>
+                      </a:endParaRPr>
+                    </a:p>
+                  </a:txBody>
+                  <a:tcPr marL="68580" marR="68580" marT="0" marB="0" anchor="b">
+                    <a:lnL w="12700" cap="flat" cmpd="sng" algn="ctr">
+                      <a:solidFill>
+                        <a:srgbClr val="000000"/>
+                      </a:solidFill>
+                      <a:prstDash val="solid"/>
+                      <a:round/>
+                      <a:headEnd type="none" w="med" len="med"/>
+                      <a:tailEnd type="none" w="med" len="med"/>
+                    </a:lnL>
+                    <a:lnR w="12700" cap="flat" cmpd="sng" algn="ctr">
+                      <a:solidFill>
+                        <a:srgbClr val="000000"/>
+                      </a:solidFill>
+                      <a:prstDash val="solid"/>
+                      <a:round/>
+                      <a:headEnd type="none" w="med" len="med"/>
+                      <a:tailEnd type="none" w="med" len="med"/>
+                    </a:lnR>
+                    <a:lnT w="12700" cap="flat" cmpd="sng" algn="ctr">
+                      <a:solidFill>
+                        <a:srgbClr val="000000"/>
+                      </a:solidFill>
+                      <a:prstDash val="solid"/>
+                      <a:round/>
+                      <a:headEnd type="none" w="med" len="med"/>
+                      <a:tailEnd type="none" w="med" len="med"/>
+                    </a:lnT>
+                    <a:lnB w="12700" cap="flat" cmpd="sng" algn="ctr">
+                      <a:solidFill>
+                        <a:srgbClr val="000000"/>
+                      </a:solidFill>
+                      <a:prstDash val="solid"/>
+                      <a:round/>
+                      <a:headEnd type="none" w="med" len="med"/>
+                      <a:tailEnd type="none" w="med" len="med"/>
+                    </a:lnB>
+                  </a:tcPr>
+                </a:tc>
+                <a:tc>
+                  <a:txBody>
+                    <a:bodyPr/>
+                    <a:lstStyle/>
+                    <a:p>
+                      <a:pPr marL="0" marR="0" indent="178435" algn="l">
+                        <a:lnSpc>
+                          <a:spcPct val="115000"/>
+                        </a:lnSpc>
+                        <a:spcBef>
+                          <a:spcPts val="0"/>
+                        </a:spcBef>
+                        <a:spcAft>
+                          <a:spcPts val="0"/>
+                        </a:spcAft>
+                      </a:pPr>
+                      <a:r>
+                        <a:rPr lang="en-US" sz="1400" b="1">
+                          <a:solidFill>
+                            <a:srgbClr val="000000"/>
+                          </a:solidFill>
+                          <a:latin typeface="Calibri"/>
+                          <a:ea typeface="Times New Roman"/>
+                          <a:cs typeface="Times New Roman"/>
+                        </a:rPr>
+                        <a:t>Post Question</a:t>
+                      </a:r>
+                      <a:endParaRPr lang="en-US" sz="1100">
+                        <a:latin typeface="Calibri"/>
+                        <a:ea typeface="Calibri"/>
+                        <a:cs typeface="Times New Roman"/>
+                      </a:endParaRPr>
+                    </a:p>
+                  </a:txBody>
+                  <a:tcPr marL="68580" marR="68580" marT="0" marB="0" anchor="b">
+                    <a:lnL w="12700" cap="flat" cmpd="sng" algn="ctr">
+                      <a:solidFill>
+                        <a:srgbClr val="000000"/>
+                      </a:solidFill>
+                      <a:prstDash val="solid"/>
+                      <a:round/>
+                      <a:headEnd type="none" w="med" len="med"/>
+                      <a:tailEnd type="none" w="med" len="med"/>
+                    </a:lnL>
+                    <a:lnR w="12700" cap="flat" cmpd="sng" algn="ctr">
+                      <a:solidFill>
+                        <a:srgbClr val="000000"/>
+                      </a:solidFill>
+                      <a:prstDash val="solid"/>
+                      <a:round/>
+                      <a:headEnd type="none" w="med" len="med"/>
+                      <a:tailEnd type="none" w="med" len="med"/>
+                    </a:lnR>
+                    <a:lnT w="12700" cap="flat" cmpd="sng" algn="ctr">
+                      <a:solidFill>
+                        <a:srgbClr val="000000"/>
+                      </a:solidFill>
+                      <a:prstDash val="solid"/>
+                      <a:round/>
+                      <a:headEnd type="none" w="med" len="med"/>
+                      <a:tailEnd type="none" w="med" len="med"/>
+                    </a:lnT>
+                    <a:lnB w="12700" cap="flat" cmpd="sng" algn="ctr">
+                      <a:solidFill>
+                        <a:srgbClr val="000000"/>
+                      </a:solidFill>
+                      <a:prstDash val="solid"/>
+                      <a:round/>
+                      <a:headEnd type="none" w="med" len="med"/>
+                      <a:tailEnd type="none" w="med" len="med"/>
+                    </a:lnB>
+                  </a:tcPr>
+                </a:tc>
+              </a:tr>
+              <a:tr h="546815">
+                <a:tc>
+                  <a:txBody>
+                    <a:bodyPr/>
+                    <a:lstStyle/>
+                    <a:p>
+                      <a:pPr marL="0" marR="0" algn="ctr">
+                        <a:lnSpc>
+                          <a:spcPct val="115000"/>
+                        </a:lnSpc>
+                        <a:spcBef>
+                          <a:spcPts val="0"/>
+                        </a:spcBef>
+                        <a:spcAft>
+                          <a:spcPts val="0"/>
+                        </a:spcAft>
+                      </a:pPr>
+                      <a:r>
+                        <a:rPr lang="en-US" sz="1400">
+                          <a:solidFill>
+                            <a:srgbClr val="000000"/>
+                          </a:solidFill>
+                          <a:latin typeface="Calibri"/>
+                          <a:ea typeface="Times New Roman"/>
+                          <a:cs typeface="Times New Roman"/>
+                        </a:rPr>
+                        <a:t>Summary</a:t>
+                      </a:r>
+                      <a:endParaRPr lang="en-US" sz="1100">
+                        <a:latin typeface="Calibri"/>
+                        <a:ea typeface="Calibri"/>
+                        <a:cs typeface="Times New Roman"/>
+                      </a:endParaRPr>
+                    </a:p>
+                  </a:txBody>
+                  <a:tcPr marL="68580" marR="68580" marT="0" marB="0" anchor="b">
+                    <a:lnL w="12700" cap="flat" cmpd="sng" algn="ctr">
+                      <a:solidFill>
+                        <a:srgbClr val="000000"/>
+                      </a:solidFill>
+                      <a:prstDash val="solid"/>
+                      <a:round/>
+                      <a:headEnd type="none" w="med" len="med"/>
+                      <a:tailEnd type="none" w="med" len="med"/>
+                    </a:lnL>
+                    <a:lnR w="12700" cap="flat" cmpd="sng" algn="ctr">
+                      <a:solidFill>
+                        <a:srgbClr val="000000"/>
+                      </a:solidFill>
+                      <a:prstDash val="solid"/>
+                      <a:round/>
+                      <a:headEnd type="none" w="med" len="med"/>
+                      <a:tailEnd type="none" w="med" len="med"/>
+                    </a:lnR>
+                    <a:lnT w="12700" cap="flat" cmpd="sng" algn="ctr">
+                      <a:solidFill>
+                        <a:srgbClr val="000000"/>
+                      </a:solidFill>
+                      <a:prstDash val="solid"/>
+                      <a:round/>
+                      <a:headEnd type="none" w="med" len="med"/>
+                      <a:tailEnd type="none" w="med" len="med"/>
+                    </a:lnT>
+                    <a:lnB w="12700" cap="flat" cmpd="sng" algn="ctr">
+                      <a:solidFill>
+                        <a:srgbClr val="000000"/>
+                      </a:solidFill>
+                      <a:prstDash val="solid"/>
+                      <a:round/>
+                      <a:headEnd type="none" w="med" len="med"/>
+                      <a:tailEnd type="none" w="med" len="med"/>
+                    </a:lnB>
+                  </a:tcPr>
+                </a:tc>
+                <a:tc>
+                  <a:txBody>
+                    <a:bodyPr/>
+                    <a:lstStyle/>
+                    <a:p>
+                      <a:pPr marL="0" marR="0" indent="177800" algn="l">
+                        <a:lnSpc>
+                          <a:spcPct val="115000"/>
+                        </a:lnSpc>
+                        <a:spcBef>
+                          <a:spcPts val="0"/>
+                        </a:spcBef>
+                        <a:spcAft>
+                          <a:spcPts val="0"/>
+                        </a:spcAft>
+                      </a:pPr>
+                      <a:r>
+                        <a:rPr lang="en-US" sz="1400">
+                          <a:solidFill>
+                            <a:srgbClr val="000000"/>
+                          </a:solidFill>
+                          <a:latin typeface="Calibri"/>
+                          <a:ea typeface="Times New Roman"/>
+                          <a:cs typeface="Times New Roman"/>
+                        </a:rPr>
+                        <a:t>The registered user can post new questions on the blog</a:t>
+                      </a:r>
+                      <a:endParaRPr lang="en-US" sz="1100">
+                        <a:latin typeface="Calibri"/>
+                        <a:ea typeface="Calibri"/>
+                        <a:cs typeface="Times New Roman"/>
+                      </a:endParaRPr>
+                    </a:p>
+                  </a:txBody>
+                  <a:tcPr marL="68580" marR="68580" marT="0" marB="0" anchor="b">
+                    <a:lnL w="12700" cap="flat" cmpd="sng" algn="ctr">
+                      <a:solidFill>
+                        <a:srgbClr val="000000"/>
+                      </a:solidFill>
+                      <a:prstDash val="solid"/>
+                      <a:round/>
+                      <a:headEnd type="none" w="med" len="med"/>
+                      <a:tailEnd type="none" w="med" len="med"/>
+                    </a:lnL>
+                    <a:lnR w="12700" cap="flat" cmpd="sng" algn="ctr">
+                      <a:solidFill>
+                        <a:srgbClr val="000000"/>
+                      </a:solidFill>
+                      <a:prstDash val="solid"/>
+                      <a:round/>
+                      <a:headEnd type="none" w="med" len="med"/>
+                      <a:tailEnd type="none" w="med" len="med"/>
+                    </a:lnR>
+                    <a:lnT w="12700" cap="flat" cmpd="sng" algn="ctr">
+                      <a:solidFill>
+                        <a:srgbClr val="000000"/>
+                      </a:solidFill>
+                      <a:prstDash val="solid"/>
+                      <a:round/>
+                      <a:headEnd type="none" w="med" len="med"/>
+                      <a:tailEnd type="none" w="med" len="med"/>
+                    </a:lnT>
+                    <a:lnB w="12700" cap="flat" cmpd="sng" algn="ctr">
+                      <a:solidFill>
+                        <a:srgbClr val="000000"/>
+                      </a:solidFill>
+                      <a:prstDash val="solid"/>
+                      <a:round/>
+                      <a:headEnd type="none" w="med" len="med"/>
+                      <a:tailEnd type="none" w="med" len="med"/>
+                    </a:lnB>
+                  </a:tcPr>
+                </a:tc>
+              </a:tr>
+              <a:tr h="273408">
+                <a:tc>
+                  <a:txBody>
+                    <a:bodyPr/>
+                    <a:lstStyle/>
+                    <a:p>
+                      <a:pPr marL="0" marR="0" algn="ctr">
+                        <a:lnSpc>
+                          <a:spcPct val="115000"/>
+                        </a:lnSpc>
+                        <a:spcBef>
+                          <a:spcPts val="0"/>
+                        </a:spcBef>
+                        <a:spcAft>
+                          <a:spcPts val="0"/>
+                        </a:spcAft>
+                      </a:pPr>
+                      <a:r>
+                        <a:rPr lang="en-US" sz="1400">
+                          <a:solidFill>
+                            <a:srgbClr val="000000"/>
+                          </a:solidFill>
+                          <a:latin typeface="Calibri"/>
+                          <a:ea typeface="Times New Roman"/>
+                          <a:cs typeface="Times New Roman"/>
+                        </a:rPr>
+                        <a:t>Preconditions</a:t>
+                      </a:r>
+                      <a:endParaRPr lang="en-US" sz="1100">
+                        <a:latin typeface="Calibri"/>
+                        <a:ea typeface="Calibri"/>
+                        <a:cs typeface="Times New Roman"/>
+                      </a:endParaRPr>
+                    </a:p>
+                  </a:txBody>
+                  <a:tcPr marL="68580" marR="68580" marT="0" marB="0" anchor="b">
+                    <a:lnL w="12700" cap="flat" cmpd="sng" algn="ctr">
+                      <a:solidFill>
+                        <a:srgbClr val="000000"/>
+                      </a:solidFill>
+                      <a:prstDash val="solid"/>
+                      <a:round/>
+                      <a:headEnd type="none" w="med" len="med"/>
+                      <a:tailEnd type="none" w="med" len="med"/>
+                    </a:lnL>
+                    <a:lnR w="12700" cap="flat" cmpd="sng" algn="ctr">
+                      <a:solidFill>
+                        <a:srgbClr val="000000"/>
+                      </a:solidFill>
+                      <a:prstDash val="solid"/>
+                      <a:round/>
+                      <a:headEnd type="none" w="med" len="med"/>
+                      <a:tailEnd type="none" w="med" len="med"/>
+                    </a:lnR>
+                    <a:lnT w="12700" cap="flat" cmpd="sng" algn="ctr">
+                      <a:solidFill>
+                        <a:srgbClr val="000000"/>
+                      </a:solidFill>
+                      <a:prstDash val="solid"/>
+                      <a:round/>
+                      <a:headEnd type="none" w="med" len="med"/>
+                      <a:tailEnd type="none" w="med" len="med"/>
+                    </a:lnT>
+                    <a:lnB w="12700" cap="flat" cmpd="sng" algn="ctr">
+                      <a:solidFill>
+                        <a:srgbClr val="000000"/>
+                      </a:solidFill>
+                      <a:prstDash val="solid"/>
+                      <a:round/>
+                      <a:headEnd type="none" w="med" len="med"/>
+                      <a:tailEnd type="none" w="med" len="med"/>
+                    </a:lnB>
+                  </a:tcPr>
+                </a:tc>
+                <a:tc>
+                  <a:txBody>
+                    <a:bodyPr/>
+                    <a:lstStyle/>
+                    <a:p>
+                      <a:pPr marL="0" marR="0" indent="177800" algn="l">
+                        <a:lnSpc>
+                          <a:spcPct val="115000"/>
+                        </a:lnSpc>
+                        <a:spcBef>
+                          <a:spcPts val="0"/>
+                        </a:spcBef>
+                        <a:spcAft>
+                          <a:spcPts val="0"/>
+                        </a:spcAft>
+                      </a:pPr>
+                      <a:r>
+                        <a:rPr lang="en-US" sz="1400">
+                          <a:solidFill>
+                            <a:srgbClr val="000000"/>
+                          </a:solidFill>
+                          <a:latin typeface="Calibri"/>
+                          <a:ea typeface="Times New Roman"/>
+                          <a:cs typeface="Times New Roman"/>
+                        </a:rPr>
+                        <a:t>The user is registered and logged in</a:t>
+                      </a:r>
+                      <a:endParaRPr lang="en-US" sz="1100">
+                        <a:latin typeface="Calibri"/>
+                        <a:ea typeface="Calibri"/>
+                        <a:cs typeface="Times New Roman"/>
+                      </a:endParaRPr>
+                    </a:p>
+                  </a:txBody>
+                  <a:tcPr marL="68580" marR="68580" marT="0" marB="0" anchor="b">
+                    <a:lnL w="12700" cap="flat" cmpd="sng" algn="ctr">
+                      <a:solidFill>
+                        <a:srgbClr val="000000"/>
+                      </a:solidFill>
+                      <a:prstDash val="solid"/>
+                      <a:round/>
+                      <a:headEnd type="none" w="med" len="med"/>
+                      <a:tailEnd type="none" w="med" len="med"/>
+                    </a:lnL>
+                    <a:lnR w="12700" cap="flat" cmpd="sng" algn="ctr">
+                      <a:solidFill>
+                        <a:srgbClr val="000000"/>
+                      </a:solidFill>
+                      <a:prstDash val="solid"/>
+                      <a:round/>
+                      <a:headEnd type="none" w="med" len="med"/>
+                      <a:tailEnd type="none" w="med" len="med"/>
+                    </a:lnR>
+                    <a:lnT w="12700" cap="flat" cmpd="sng" algn="ctr">
+                      <a:solidFill>
+                        <a:srgbClr val="000000"/>
+                      </a:solidFill>
+                      <a:prstDash val="solid"/>
+                      <a:round/>
+                      <a:headEnd type="none" w="med" len="med"/>
+                      <a:tailEnd type="none" w="med" len="med"/>
+                    </a:lnT>
+                    <a:lnB w="12700" cap="flat" cmpd="sng" algn="ctr">
+                      <a:solidFill>
+                        <a:srgbClr val="000000"/>
+                      </a:solidFill>
+                      <a:prstDash val="solid"/>
+                      <a:round/>
+                      <a:headEnd type="none" w="med" len="med"/>
+                      <a:tailEnd type="none" w="med" len="med"/>
+                    </a:lnB>
+                  </a:tcPr>
+                </a:tc>
+              </a:tr>
+              <a:tr h="273408">
+                <a:tc>
+                  <a:txBody>
+                    <a:bodyPr/>
+                    <a:lstStyle/>
+                    <a:p>
+                      <a:pPr marL="0" marR="0" algn="ctr">
+                        <a:lnSpc>
+                          <a:spcPct val="115000"/>
+                        </a:lnSpc>
+                        <a:spcBef>
+                          <a:spcPts val="0"/>
+                        </a:spcBef>
+                        <a:spcAft>
+                          <a:spcPts val="0"/>
+                        </a:spcAft>
+                      </a:pPr>
+                      <a:r>
+                        <a:rPr lang="en-US" sz="1400">
+                          <a:solidFill>
+                            <a:srgbClr val="000000"/>
+                          </a:solidFill>
+                          <a:latin typeface="Calibri"/>
+                          <a:ea typeface="Times New Roman"/>
+                          <a:cs typeface="Times New Roman"/>
+                        </a:rPr>
+                        <a:t>Post-conditions</a:t>
+                      </a:r>
+                      <a:endParaRPr lang="en-US" sz="1100">
+                        <a:latin typeface="Calibri"/>
+                        <a:ea typeface="Calibri"/>
+                        <a:cs typeface="Times New Roman"/>
+                      </a:endParaRPr>
+                    </a:p>
+                  </a:txBody>
+                  <a:tcPr marL="68580" marR="68580" marT="0" marB="0" anchor="b">
+                    <a:lnL w="12700" cap="flat" cmpd="sng" algn="ctr">
+                      <a:solidFill>
+                        <a:srgbClr val="000000"/>
+                      </a:solidFill>
+                      <a:prstDash val="solid"/>
+                      <a:round/>
+                      <a:headEnd type="none" w="med" len="med"/>
+                      <a:tailEnd type="none" w="med" len="med"/>
+                    </a:lnL>
+                    <a:lnR w="12700" cap="flat" cmpd="sng" algn="ctr">
+                      <a:solidFill>
+                        <a:srgbClr val="000000"/>
+                      </a:solidFill>
+                      <a:prstDash val="solid"/>
+                      <a:round/>
+                      <a:headEnd type="none" w="med" len="med"/>
+                      <a:tailEnd type="none" w="med" len="med"/>
+                    </a:lnR>
+                    <a:lnT w="12700" cap="flat" cmpd="sng" algn="ctr">
+                      <a:solidFill>
+                        <a:srgbClr val="000000"/>
+                      </a:solidFill>
+                      <a:prstDash val="solid"/>
+                      <a:round/>
+                      <a:headEnd type="none" w="med" len="med"/>
+                      <a:tailEnd type="none" w="med" len="med"/>
+                    </a:lnT>
+                    <a:lnB w="12700" cap="flat" cmpd="sng" algn="ctr">
+                      <a:solidFill>
+                        <a:srgbClr val="000000"/>
+                      </a:solidFill>
+                      <a:prstDash val="solid"/>
+                      <a:round/>
+                      <a:headEnd type="none" w="med" len="med"/>
+                      <a:tailEnd type="none" w="med" len="med"/>
+                    </a:lnB>
+                  </a:tcPr>
+                </a:tc>
+                <a:tc>
+                  <a:txBody>
+                    <a:bodyPr/>
+                    <a:lstStyle/>
+                    <a:p>
+                      <a:pPr marL="0" marR="0" indent="177800" algn="l">
+                        <a:lnSpc>
+                          <a:spcPct val="115000"/>
+                        </a:lnSpc>
+                        <a:spcBef>
+                          <a:spcPts val="0"/>
+                        </a:spcBef>
+                        <a:spcAft>
+                          <a:spcPts val="0"/>
+                        </a:spcAft>
+                      </a:pPr>
+                      <a:r>
+                        <a:rPr lang="en-US" sz="1400">
+                          <a:solidFill>
+                            <a:srgbClr val="000000"/>
+                          </a:solidFill>
+                          <a:latin typeface="Calibri"/>
+                          <a:ea typeface="Times New Roman"/>
+                          <a:cs typeface="Times New Roman"/>
+                        </a:rPr>
+                        <a:t>A new question is posted onto the blog</a:t>
+                      </a:r>
+                      <a:endParaRPr lang="en-US" sz="1100">
+                        <a:latin typeface="Calibri"/>
+                        <a:ea typeface="Calibri"/>
+                        <a:cs typeface="Times New Roman"/>
+                      </a:endParaRPr>
+                    </a:p>
+                  </a:txBody>
+                  <a:tcPr marL="68580" marR="68580" marT="0" marB="0" anchor="b">
+                    <a:lnL w="12700" cap="flat" cmpd="sng" algn="ctr">
+                      <a:solidFill>
+                        <a:srgbClr val="000000"/>
+                      </a:solidFill>
+                      <a:prstDash val="solid"/>
+                      <a:round/>
+                      <a:headEnd type="none" w="med" len="med"/>
+                      <a:tailEnd type="none" w="med" len="med"/>
+                    </a:lnL>
+                    <a:lnR w="12700" cap="flat" cmpd="sng" algn="ctr">
+                      <a:solidFill>
+                        <a:srgbClr val="000000"/>
+                      </a:solidFill>
+                      <a:prstDash val="solid"/>
+                      <a:round/>
+                      <a:headEnd type="none" w="med" len="med"/>
+                      <a:tailEnd type="none" w="med" len="med"/>
+                    </a:lnR>
+                    <a:lnT w="12700" cap="flat" cmpd="sng" algn="ctr">
+                      <a:solidFill>
+                        <a:srgbClr val="000000"/>
+                      </a:solidFill>
+                      <a:prstDash val="solid"/>
+                      <a:round/>
+                      <a:headEnd type="none" w="med" len="med"/>
+                      <a:tailEnd type="none" w="med" len="med"/>
+                    </a:lnT>
+                    <a:lnB w="12700" cap="flat" cmpd="sng" algn="ctr">
+                      <a:solidFill>
+                        <a:srgbClr val="000000"/>
+                      </a:solidFill>
+                      <a:prstDash val="solid"/>
+                      <a:round/>
+                      <a:headEnd type="none" w="med" len="med"/>
+                      <a:tailEnd type="none" w="med" len="med"/>
+                    </a:lnB>
+                  </a:tcPr>
+                </a:tc>
+              </a:tr>
+              <a:tr h="265341">
+                <a:tc>
+                  <a:txBody>
+                    <a:bodyPr/>
+                    <a:lstStyle/>
+                    <a:p>
+                      <a:pPr algn="l">
+                        <a:lnSpc>
+                          <a:spcPct val="115000"/>
+                        </a:lnSpc>
+                      </a:pPr>
+                      <a:endParaRPr lang="en-US" sz="1100">
+                        <a:latin typeface="Calibri"/>
+                        <a:ea typeface="Times New Roman"/>
+                      </a:endParaRPr>
+                    </a:p>
+                  </a:txBody>
+                  <a:tcPr marL="68580" marR="68580" marT="0" marB="0" anchor="b">
+                    <a:lnL>
+                      <a:noFill/>
+                    </a:lnL>
+                    <a:lnR>
+                      <a:noFill/>
+                    </a:lnR>
+                    <a:lnT w="12700" cap="flat" cmpd="sng" algn="ctr">
+                      <a:solidFill>
+                        <a:srgbClr val="000000"/>
+                      </a:solidFill>
+                      <a:prstDash val="solid"/>
+                      <a:round/>
+                      <a:headEnd type="none" w="med" len="med"/>
+                      <a:tailEnd type="none" w="med" len="med"/>
+                    </a:lnT>
+                    <a:lnB w="12700" cap="flat" cmpd="sng" algn="ctr">
+                      <a:solidFill>
+                        <a:srgbClr val="000000"/>
+                      </a:solidFill>
+                      <a:prstDash val="solid"/>
+                      <a:round/>
+                      <a:headEnd type="none" w="med" len="med"/>
+                      <a:tailEnd type="none" w="med" len="med"/>
+                    </a:lnB>
+                  </a:tcPr>
+                </a:tc>
+                <a:tc>
+                  <a:txBody>
+                    <a:bodyPr/>
+                    <a:lstStyle/>
+                    <a:p>
+                      <a:pPr algn="l">
+                        <a:lnSpc>
+                          <a:spcPct val="115000"/>
+                        </a:lnSpc>
+                      </a:pPr>
+                      <a:endParaRPr lang="en-US" sz="1100">
+                        <a:latin typeface="Calibri"/>
+                        <a:ea typeface="Times New Roman"/>
+                      </a:endParaRPr>
+                    </a:p>
+                  </a:txBody>
+                  <a:tcPr marL="68580" marR="68580" marT="0" marB="0" anchor="b">
+                    <a:lnL>
+                      <a:noFill/>
+                    </a:lnL>
+                    <a:lnR>
+                      <a:noFill/>
+                    </a:lnR>
+                    <a:lnT w="12700" cap="flat" cmpd="sng" algn="ctr">
+                      <a:solidFill>
+                        <a:srgbClr val="000000"/>
+                      </a:solidFill>
+                      <a:prstDash val="solid"/>
+                      <a:round/>
+                      <a:headEnd type="none" w="med" len="med"/>
+                      <a:tailEnd type="none" w="med" len="med"/>
+                    </a:lnT>
+                    <a:lnB w="12700" cap="flat" cmpd="sng" algn="ctr">
+                      <a:solidFill>
+                        <a:srgbClr val="000000"/>
+                      </a:solidFill>
+                      <a:prstDash val="solid"/>
+                      <a:round/>
+                      <a:headEnd type="none" w="med" len="med"/>
+                      <a:tailEnd type="none" w="med" len="med"/>
+                    </a:lnB>
+                  </a:tcPr>
+                </a:tc>
+              </a:tr>
+              <a:tr h="273408">
+                <a:tc>
+                  <a:txBody>
+                    <a:bodyPr/>
+                    <a:lstStyle/>
+                    <a:p>
+                      <a:pPr marL="0" marR="0" algn="ctr">
+                        <a:lnSpc>
+                          <a:spcPct val="115000"/>
+                        </a:lnSpc>
+                        <a:spcBef>
+                          <a:spcPts val="0"/>
+                        </a:spcBef>
+                        <a:spcAft>
+                          <a:spcPts val="0"/>
+                        </a:spcAft>
+                      </a:pPr>
+                      <a:r>
+                        <a:rPr lang="en-US" sz="1400">
+                          <a:solidFill>
+                            <a:srgbClr val="000000"/>
+                          </a:solidFill>
+                          <a:latin typeface="Calibri"/>
+                          <a:ea typeface="Times New Roman"/>
+                          <a:cs typeface="Times New Roman"/>
+                        </a:rPr>
+                        <a:t>Actor : Registered User</a:t>
+                      </a:r>
+                      <a:endParaRPr lang="en-US" sz="1100">
+                        <a:latin typeface="Calibri"/>
+                        <a:ea typeface="Calibri"/>
+                        <a:cs typeface="Times New Roman"/>
+                      </a:endParaRPr>
+                    </a:p>
+                  </a:txBody>
+                  <a:tcPr marL="68580" marR="68580" marT="0" marB="0" anchor="b">
+                    <a:lnL w="12700" cap="flat" cmpd="sng" algn="ctr">
+                      <a:solidFill>
+                        <a:srgbClr val="000000"/>
+                      </a:solidFill>
+                      <a:prstDash val="solid"/>
+                      <a:round/>
+                      <a:headEnd type="none" w="med" len="med"/>
+                      <a:tailEnd type="none" w="med" len="med"/>
+                    </a:lnL>
+                    <a:lnR w="12700" cap="flat" cmpd="sng" algn="ctr">
+                      <a:solidFill>
+                        <a:srgbClr val="000000"/>
+                      </a:solidFill>
+                      <a:prstDash val="solid"/>
+                      <a:round/>
+                      <a:headEnd type="none" w="med" len="med"/>
+                      <a:tailEnd type="none" w="med" len="med"/>
+                    </a:lnR>
+                    <a:lnT w="12700" cap="flat" cmpd="sng" algn="ctr">
+                      <a:solidFill>
+                        <a:srgbClr val="000000"/>
+                      </a:solidFill>
+                      <a:prstDash val="solid"/>
+                      <a:round/>
+                      <a:headEnd type="none" w="med" len="med"/>
+                      <a:tailEnd type="none" w="med" len="med"/>
+                    </a:lnT>
+                    <a:lnB w="12700" cap="flat" cmpd="sng" algn="ctr">
+                      <a:solidFill>
+                        <a:srgbClr val="000000"/>
+                      </a:solidFill>
+                      <a:prstDash val="solid"/>
+                      <a:round/>
+                      <a:headEnd type="none" w="med" len="med"/>
+                      <a:tailEnd type="none" w="med" len="med"/>
+                    </a:lnB>
+                  </a:tcPr>
+                </a:tc>
+                <a:tc>
+                  <a:txBody>
+                    <a:bodyPr/>
+                    <a:lstStyle/>
+                    <a:p>
+                      <a:pPr marL="0" marR="0" algn="ctr">
+                        <a:lnSpc>
+                          <a:spcPct val="115000"/>
+                        </a:lnSpc>
+                        <a:spcBef>
+                          <a:spcPts val="0"/>
+                        </a:spcBef>
+                        <a:spcAft>
+                          <a:spcPts val="0"/>
+                        </a:spcAft>
+                      </a:pPr>
+                      <a:r>
+                        <a:rPr lang="en-US" sz="1400">
+                          <a:solidFill>
+                            <a:srgbClr val="000000"/>
+                          </a:solidFill>
+                          <a:latin typeface="Calibri"/>
+                          <a:ea typeface="Times New Roman"/>
+                          <a:cs typeface="Times New Roman"/>
+                        </a:rPr>
+                        <a:t>System</a:t>
+                      </a:r>
+                      <a:endParaRPr lang="en-US" sz="1100">
+                        <a:latin typeface="Calibri"/>
+                        <a:ea typeface="Calibri"/>
+                        <a:cs typeface="Times New Roman"/>
+                      </a:endParaRPr>
+                    </a:p>
+                  </a:txBody>
+                  <a:tcPr marL="68580" marR="68580" marT="0" marB="0" anchor="b">
+                    <a:lnL w="12700" cap="flat" cmpd="sng" algn="ctr">
+                      <a:solidFill>
+                        <a:srgbClr val="000000"/>
+                      </a:solidFill>
+                      <a:prstDash val="solid"/>
+                      <a:round/>
+                      <a:headEnd type="none" w="med" len="med"/>
+                      <a:tailEnd type="none" w="med" len="med"/>
+                    </a:lnL>
+                    <a:lnR w="12700" cap="flat" cmpd="sng" algn="ctr">
+                      <a:solidFill>
+                        <a:srgbClr val="000000"/>
+                      </a:solidFill>
+                      <a:prstDash val="solid"/>
+                      <a:round/>
+                      <a:headEnd type="none" w="med" len="med"/>
+                      <a:tailEnd type="none" w="med" len="med"/>
+                    </a:lnR>
+                    <a:lnT w="12700" cap="flat" cmpd="sng" algn="ctr">
+                      <a:solidFill>
+                        <a:srgbClr val="000000"/>
+                      </a:solidFill>
+                      <a:prstDash val="solid"/>
+                      <a:round/>
+                      <a:headEnd type="none" w="med" len="med"/>
+                      <a:tailEnd type="none" w="med" len="med"/>
+                    </a:lnT>
+                    <a:lnB w="12700" cap="flat" cmpd="sng" algn="ctr">
+                      <a:solidFill>
+                        <a:srgbClr val="000000"/>
+                      </a:solidFill>
+                      <a:prstDash val="solid"/>
+                      <a:round/>
+                      <a:headEnd type="none" w="med" len="med"/>
+                      <a:tailEnd type="none" w="med" len="med"/>
+                    </a:lnB>
+                  </a:tcPr>
+                </a:tc>
+              </a:tr>
+              <a:tr h="273408">
+                <a:tc>
+                  <a:txBody>
+                    <a:bodyPr/>
+                    <a:lstStyle/>
+                    <a:p>
+                      <a:pPr marL="0" marR="0" algn="l">
+                        <a:lnSpc>
+                          <a:spcPct val="115000"/>
+                        </a:lnSpc>
+                        <a:spcBef>
+                          <a:spcPts val="0"/>
+                        </a:spcBef>
+                        <a:spcAft>
+                          <a:spcPts val="0"/>
+                        </a:spcAft>
+                      </a:pPr>
+                      <a:r>
+                        <a:rPr lang="en-US" sz="1400">
+                          <a:solidFill>
+                            <a:srgbClr val="000000"/>
+                          </a:solidFill>
+                          <a:latin typeface="Calibri"/>
+                          <a:ea typeface="Times New Roman"/>
+                          <a:cs typeface="Times New Roman"/>
+                        </a:rPr>
+                        <a:t>0. The user clicks the 'Post' button</a:t>
+                      </a:r>
+                      <a:endParaRPr lang="en-US" sz="1100">
+                        <a:latin typeface="Calibri"/>
+                        <a:ea typeface="Calibri"/>
+                        <a:cs typeface="Times New Roman"/>
+                      </a:endParaRPr>
+                    </a:p>
+                  </a:txBody>
+                  <a:tcPr marL="68580" marR="68580" marT="0" marB="0" anchor="b">
+                    <a:lnL w="12700" cap="flat" cmpd="sng" algn="ctr">
+                      <a:solidFill>
+                        <a:srgbClr val="000000"/>
+                      </a:solidFill>
+                      <a:prstDash val="solid"/>
+                      <a:round/>
+                      <a:headEnd type="none" w="med" len="med"/>
+                      <a:tailEnd type="none" w="med" len="med"/>
+                    </a:lnL>
+                    <a:lnR w="12700" cap="flat" cmpd="sng" algn="ctr">
+                      <a:solidFill>
+                        <a:srgbClr val="000000"/>
+                      </a:solidFill>
+                      <a:prstDash val="solid"/>
+                      <a:round/>
+                      <a:headEnd type="none" w="med" len="med"/>
+                      <a:tailEnd type="none" w="med" len="med"/>
+                    </a:lnR>
+                    <a:lnT w="12700" cap="flat" cmpd="sng" algn="ctr">
+                      <a:solidFill>
+                        <a:srgbClr val="000000"/>
+                      </a:solidFill>
+                      <a:prstDash val="solid"/>
+                      <a:round/>
+                      <a:headEnd type="none" w="med" len="med"/>
+                      <a:tailEnd type="none" w="med" len="med"/>
+                    </a:lnT>
+                    <a:lnB w="12700" cap="flat" cmpd="sng" algn="ctr">
+                      <a:solidFill>
+                        <a:srgbClr val="000000"/>
+                      </a:solidFill>
+                      <a:prstDash val="solid"/>
+                      <a:round/>
+                      <a:headEnd type="none" w="med" len="med"/>
+                      <a:tailEnd type="none" w="med" len="med"/>
+                    </a:lnB>
+                  </a:tcPr>
+                </a:tc>
+                <a:tc>
+                  <a:txBody>
+                    <a:bodyPr/>
+                    <a:lstStyle/>
+                    <a:p>
+                      <a:pPr marL="0" marR="0" indent="177800" algn="l">
+                        <a:lnSpc>
+                          <a:spcPct val="115000"/>
+                        </a:lnSpc>
+                        <a:spcBef>
+                          <a:spcPts val="0"/>
+                        </a:spcBef>
+                        <a:spcAft>
+                          <a:spcPts val="0"/>
+                        </a:spcAft>
+                      </a:pPr>
+                      <a:r>
+                        <a:rPr lang="en-US" sz="1400">
+                          <a:solidFill>
+                            <a:srgbClr val="000000"/>
+                          </a:solidFill>
+                          <a:latin typeface="Calibri"/>
+                          <a:ea typeface="Times New Roman"/>
+                          <a:cs typeface="Times New Roman"/>
+                        </a:rPr>
+                        <a:t>1. System displays PostTemplate page</a:t>
+                      </a:r>
+                      <a:endParaRPr lang="en-US" sz="1100">
+                        <a:latin typeface="Calibri"/>
+                        <a:ea typeface="Calibri"/>
+                        <a:cs typeface="Times New Roman"/>
+                      </a:endParaRPr>
+                    </a:p>
+                  </a:txBody>
+                  <a:tcPr marL="68580" marR="68580" marT="0" marB="0" anchor="b">
+                    <a:lnL w="12700" cap="flat" cmpd="sng" algn="ctr">
+                      <a:solidFill>
+                        <a:srgbClr val="000000"/>
+                      </a:solidFill>
+                      <a:prstDash val="solid"/>
+                      <a:round/>
+                      <a:headEnd type="none" w="med" len="med"/>
+                      <a:tailEnd type="none" w="med" len="med"/>
+                    </a:lnL>
+                    <a:lnR w="12700" cap="flat" cmpd="sng" algn="ctr">
+                      <a:solidFill>
+                        <a:srgbClr val="000000"/>
+                      </a:solidFill>
+                      <a:prstDash val="solid"/>
+                      <a:round/>
+                      <a:headEnd type="none" w="med" len="med"/>
+                      <a:tailEnd type="none" w="med" len="med"/>
+                    </a:lnR>
+                    <a:lnT w="12700" cap="flat" cmpd="sng" algn="ctr">
+                      <a:solidFill>
+                        <a:srgbClr val="000000"/>
+                      </a:solidFill>
+                      <a:prstDash val="solid"/>
+                      <a:round/>
+                      <a:headEnd type="none" w="med" len="med"/>
+                      <a:tailEnd type="none" w="med" len="med"/>
+                    </a:lnT>
+                    <a:lnB w="12700" cap="flat" cmpd="sng" algn="ctr">
+                      <a:solidFill>
+                        <a:srgbClr val="000000"/>
+                      </a:solidFill>
+                      <a:prstDash val="solid"/>
+                      <a:round/>
+                      <a:headEnd type="none" w="med" len="med"/>
+                      <a:tailEnd type="none" w="med" len="med"/>
+                    </a:lnB>
+                  </a:tcPr>
+                </a:tc>
+              </a:tr>
+              <a:tr h="546815">
+                <a:tc>
+                  <a:txBody>
+                    <a:bodyPr/>
+                    <a:lstStyle/>
+                    <a:p>
+                      <a:pPr marL="0" marR="0" algn="l">
+                        <a:lnSpc>
+                          <a:spcPct val="115000"/>
+                        </a:lnSpc>
+                        <a:spcBef>
+                          <a:spcPts val="0"/>
+                        </a:spcBef>
+                        <a:spcAft>
+                          <a:spcPts val="0"/>
+                        </a:spcAft>
+                      </a:pPr>
+                      <a:r>
+                        <a:rPr lang="en-US" sz="1400">
+                          <a:solidFill>
+                            <a:srgbClr val="000000"/>
+                          </a:solidFill>
+                          <a:latin typeface="Calibri"/>
+                          <a:ea typeface="Times New Roman"/>
+                          <a:cs typeface="Times New Roman"/>
+                        </a:rPr>
+                        <a:t>2. The user fills out the template for their question</a:t>
+                      </a:r>
+                      <a:endParaRPr lang="en-US" sz="1100">
+                        <a:latin typeface="Calibri"/>
+                        <a:ea typeface="Calibri"/>
+                        <a:cs typeface="Times New Roman"/>
+                      </a:endParaRPr>
+                    </a:p>
+                  </a:txBody>
+                  <a:tcPr marL="68580" marR="68580" marT="0" marB="0" anchor="b">
+                    <a:lnL w="12700" cap="flat" cmpd="sng" algn="ctr">
+                      <a:solidFill>
+                        <a:srgbClr val="000000"/>
+                      </a:solidFill>
+                      <a:prstDash val="solid"/>
+                      <a:round/>
+                      <a:headEnd type="none" w="med" len="med"/>
+                      <a:tailEnd type="none" w="med" len="med"/>
+                    </a:lnL>
+                    <a:lnR w="12700" cap="flat" cmpd="sng" algn="ctr">
+                      <a:solidFill>
+                        <a:srgbClr val="000000"/>
+                      </a:solidFill>
+                      <a:prstDash val="solid"/>
+                      <a:round/>
+                      <a:headEnd type="none" w="med" len="med"/>
+                      <a:tailEnd type="none" w="med" len="med"/>
+                    </a:lnR>
+                    <a:lnT w="12700" cap="flat" cmpd="sng" algn="ctr">
+                      <a:solidFill>
+                        <a:srgbClr val="000000"/>
+                      </a:solidFill>
+                      <a:prstDash val="solid"/>
+                      <a:round/>
+                      <a:headEnd type="none" w="med" len="med"/>
+                      <a:tailEnd type="none" w="med" len="med"/>
+                    </a:lnT>
+                    <a:lnB w="12700" cap="flat" cmpd="sng" algn="ctr">
+                      <a:solidFill>
+                        <a:srgbClr val="000000"/>
+                      </a:solidFill>
+                      <a:prstDash val="solid"/>
+                      <a:round/>
+                      <a:headEnd type="none" w="med" len="med"/>
+                      <a:tailEnd type="none" w="med" len="med"/>
+                    </a:lnB>
+                  </a:tcPr>
+                </a:tc>
+                <a:tc>
+                  <a:txBody>
+                    <a:bodyPr/>
+                    <a:lstStyle/>
+                    <a:p>
+                      <a:pPr marL="0" marR="0" indent="177800" algn="l">
+                        <a:lnSpc>
+                          <a:spcPct val="115000"/>
+                        </a:lnSpc>
+                        <a:spcBef>
+                          <a:spcPts val="0"/>
+                        </a:spcBef>
+                        <a:spcAft>
+                          <a:spcPts val="0"/>
+                        </a:spcAft>
+                      </a:pPr>
+                      <a:r>
+                        <a:rPr lang="en-US" sz="1400" dirty="0">
+                          <a:solidFill>
+                            <a:srgbClr val="000000"/>
+                          </a:solidFill>
+                          <a:latin typeface="Calibri"/>
+                          <a:ea typeface="Times New Roman"/>
+                          <a:cs typeface="Times New Roman"/>
+                        </a:rPr>
+                        <a:t>3. System creates a new post page for the user's question</a:t>
+                      </a:r>
+                      <a:endParaRPr lang="en-US" sz="1100" dirty="0">
+                        <a:latin typeface="Calibri"/>
+                        <a:ea typeface="Calibri"/>
+                        <a:cs typeface="Times New Roman"/>
+                      </a:endParaRPr>
+                    </a:p>
+                  </a:txBody>
+                  <a:tcPr marL="68580" marR="68580" marT="0" marB="0" anchor="b">
+                    <a:lnL w="12700" cap="flat" cmpd="sng" algn="ctr">
+                      <a:solidFill>
+                        <a:srgbClr val="000000"/>
+                      </a:solidFill>
+                      <a:prstDash val="solid"/>
+                      <a:round/>
+                      <a:headEnd type="none" w="med" len="med"/>
+                      <a:tailEnd type="none" w="med" len="med"/>
+                    </a:lnL>
+                    <a:lnR w="12700" cap="flat" cmpd="sng" algn="ctr">
+                      <a:solidFill>
+                        <a:srgbClr val="000000"/>
+                      </a:solidFill>
+                      <a:prstDash val="solid"/>
+                      <a:round/>
+                      <a:headEnd type="none" w="med" len="med"/>
+                      <a:tailEnd type="none" w="med" len="med"/>
+                    </a:lnR>
+                    <a:lnT w="12700" cap="flat" cmpd="sng" algn="ctr">
+                      <a:solidFill>
+                        <a:srgbClr val="000000"/>
+                      </a:solidFill>
+                      <a:prstDash val="solid"/>
+                      <a:round/>
+                      <a:headEnd type="none" w="med" len="med"/>
+                      <a:tailEnd type="none" w="med" len="med"/>
+                    </a:lnT>
+                    <a:lnB w="12700" cap="flat" cmpd="sng" algn="ctr">
+                      <a:solidFill>
+                        <a:srgbClr val="000000"/>
+                      </a:solidFill>
+                      <a:prstDash val="solid"/>
+                      <a:round/>
+                      <a:headEnd type="none" w="med" len="med"/>
+                      <a:tailEnd type="none" w="med" len="med"/>
+                    </a:lnB>
+                  </a:tcPr>
+                </a:tc>
+              </a:tr>
+            </a:tbl>
+          </a:graphicData>
+        </a:graphic>
+      </p:graphicFrame>
+    </p:spTree>
+  </p:cSld>
+  <p:clrMapOvr>
+    <a:masterClrMapping/>
+  </p:clrMapOvr>
+</p:sld>
+</file>
+
+<file path=ppt/slides/slide12.xml><?xml version="1.0" encoding="utf-8"?>
+<p:sld xmlns:a="http://schemas.openxmlformats.org/drawingml/2006/main" xmlns:r="http://schemas.openxmlformats.org/officeDocument/2006/relationships" xmlns:p="http://schemas.openxmlformats.org/presentationml/2006/main">
+  <p:cSld>
+    <p:spTree>
+      <p:nvGrpSpPr>
+        <p:cNvPr id="1" name=""/>
+        <p:cNvGrpSpPr/>
+        <p:nvPr/>
+      </p:nvGrpSpPr>
+      <p:grpSpPr>
+        <a:xfrm>
+          <a:off x="0" y="0"/>
+          <a:ext cx="0" cy="0"/>
+          <a:chOff x="0" y="0"/>
+          <a:chExt cx="0" cy="0"/>
+        </a:xfrm>
+      </p:grpSpPr>
+      <p:sp>
+        <p:nvSpPr>
+          <p:cNvPr id="2" name="Title 1"/>
+          <p:cNvSpPr>
+            <a:spLocks noGrp="1"/>
+          </p:cNvSpPr>
+          <p:nvPr>
+            <p:ph type="title"/>
+          </p:nvPr>
+        </p:nvSpPr>
+        <p:spPr/>
+        <p:txBody>
+          <a:bodyPr/>
+          <a:lstStyle/>
+          <a:p>
+            <a:r>
+              <a:rPr lang="en-US" dirty="0" smtClean="0"/>
+              <a:t>Post Question</a:t>
+            </a:r>
+            <a:endParaRPr lang="en-US" dirty="0"/>
+          </a:p>
+        </p:txBody>
+      </p:sp>
+      <p:pic>
+        <p:nvPicPr>
+          <p:cNvPr id="4" name="Picture 3"/>
+          <p:cNvPicPr/>
+          <p:nvPr/>
+        </p:nvPicPr>
+        <p:blipFill>
+          <a:blip r:embed="rId2" cstate="print"/>
+          <a:srcRect/>
+          <a:stretch>
+            <a:fillRect/>
+          </a:stretch>
+        </p:blipFill>
+        <p:spPr bwMode="auto">
+          <a:xfrm>
+            <a:off x="1071191" y="854157"/>
+            <a:ext cx="7001617" cy="3111336"/>
+          </a:xfrm>
+          <a:prstGeom prst="rect">
+            <a:avLst/>
+          </a:prstGeom>
+          <a:noFill/>
+          <a:ln w="9525">
+            <a:noFill/>
+            <a:miter lim="800000"/>
+            <a:headEnd/>
+            <a:tailEnd/>
+          </a:ln>
+        </p:spPr>
+      </p:pic>
+    </p:spTree>
+  </p:cSld>
+  <p:clrMapOvr>
+    <a:masterClrMapping/>
+  </p:clrMapOvr>
+</p:sld>
+</file>
+
+<file path=ppt/slides/slide13.xml><?xml version="1.0" encoding="utf-8"?>
+<p:sld xmlns:a="http://schemas.openxmlformats.org/drawingml/2006/main" xmlns:r="http://schemas.openxmlformats.org/officeDocument/2006/relationships" xmlns:p="http://schemas.openxmlformats.org/presentationml/2006/main">
+  <p:cSld>
+    <p:spTree>
+      <p:nvGrpSpPr>
+        <p:cNvPr id="1" name=""/>
+        <p:cNvGrpSpPr/>
+        <p:nvPr/>
+      </p:nvGrpSpPr>
+      <p:grpSpPr>
+        <a:xfrm>
+          <a:off x="0" y="0"/>
+          <a:ext cx="0" cy="0"/>
+          <a:chOff x="0" y="0"/>
+          <a:chExt cx="0" cy="0"/>
+        </a:xfrm>
+      </p:grpSpPr>
+      <p:sp>
+        <p:nvSpPr>
+          <p:cNvPr id="2" name="Title 1"/>
+          <p:cNvSpPr>
+            <a:spLocks noGrp="1"/>
+          </p:cNvSpPr>
+          <p:nvPr>
+            <p:ph type="title"/>
+          </p:nvPr>
+        </p:nvSpPr>
+        <p:spPr/>
+        <p:txBody>
+          <a:bodyPr/>
+          <a:lstStyle/>
+          <a:p>
+            <a:r>
+              <a:rPr lang="en-US" dirty="0" smtClean="0"/>
+              <a:t>Guest User</a:t>
+            </a:r>
+            <a:endParaRPr lang="en-US" dirty="0"/>
+          </a:p>
+        </p:txBody>
+      </p:sp>
+      <p:pic>
+        <p:nvPicPr>
+          <p:cNvPr id="4" name="Picture 3" descr="C:\wamp\www\CapstoneProject\Proposal\Design\Guest User Use Case Diagram.JPG"/>
+          <p:cNvPicPr/>
+          <p:nvPr/>
+        </p:nvPicPr>
+        <p:blipFill>
+          <a:blip r:embed="rId2" cstate="print"/>
+          <a:srcRect/>
+          <a:stretch>
+            <a:fillRect/>
+          </a:stretch>
+        </p:blipFill>
+        <p:spPr bwMode="auto">
+          <a:xfrm>
+            <a:off x="2276932" y="1686297"/>
+            <a:ext cx="4447717" cy="3047628"/>
+          </a:xfrm>
+          <a:prstGeom prst="rect">
+            <a:avLst/>
+          </a:prstGeom>
+          <a:noFill/>
+          <a:ln w="9525">
+            <a:noFill/>
+            <a:miter lim="800000"/>
+            <a:headEnd/>
+            <a:tailEnd/>
+          </a:ln>
+        </p:spPr>
+      </p:pic>
+    </p:spTree>
+  </p:cSld>
+  <p:clrMapOvr>
+    <a:masterClrMapping/>
+  </p:clrMapOvr>
+</p:sld>
+</file>
+
+<file path=ppt/slides/slide14.xml><?xml version="1.0" encoding="utf-8"?>
+<p:sld xmlns:a="http://schemas.openxmlformats.org/drawingml/2006/main" xmlns:r="http://schemas.openxmlformats.org/officeDocument/2006/relationships" xmlns:p="http://schemas.openxmlformats.org/presentationml/2006/main">
+  <p:cSld>
+    <p:spTree>
+      <p:nvGrpSpPr>
+        <p:cNvPr id="1" name=""/>
+        <p:cNvGrpSpPr/>
+        <p:nvPr/>
+      </p:nvGrpSpPr>
+      <p:grpSpPr>
+        <a:xfrm>
+          <a:off x="0" y="0"/>
+          <a:ext cx="0" cy="0"/>
+          <a:chOff x="0" y="0"/>
+          <a:chExt cx="0" cy="0"/>
+        </a:xfrm>
+      </p:grpSpPr>
+      <p:sp>
+        <p:nvSpPr>
+          <p:cNvPr id="2" name="Title 1"/>
+          <p:cNvSpPr>
+            <a:spLocks noGrp="1"/>
+          </p:cNvSpPr>
+          <p:nvPr>
+            <p:ph type="title"/>
+          </p:nvPr>
+        </p:nvSpPr>
+        <p:spPr/>
+        <p:txBody>
+          <a:bodyPr/>
+          <a:lstStyle/>
+          <a:p>
+            <a:r>
+              <a:rPr lang="en-US" dirty="0" smtClean="0"/>
+              <a:t>Guest User - Search</a:t>
+            </a:r>
+            <a:endParaRPr lang="en-US" dirty="0"/>
+          </a:p>
+        </p:txBody>
+      </p:sp>
+      <p:graphicFrame>
+        <p:nvGraphicFramePr>
+          <p:cNvPr id="4" name="Table 3"/>
+          <p:cNvGraphicFramePr>
+            <a:graphicFrameLocks noGrp="1"/>
+          </p:cNvGraphicFramePr>
+          <p:nvPr/>
+        </p:nvGraphicFramePr>
+        <p:xfrm>
+          <a:off x="1375038" y="647700"/>
+          <a:ext cx="5974823" cy="4141690"/>
+        </p:xfrm>
+        <a:graphic>
+          <a:graphicData uri="http://schemas.openxmlformats.org/drawingml/2006/table">
+            <a:tbl>
+              <a:tblPr/>
+              <a:tblGrid>
+                <a:gridCol w="2454457"/>
+                <a:gridCol w="3520366"/>
+              </a:tblGrid>
+              <a:tr h="463796">
+                <a:tc>
+                  <a:txBody>
+                    <a:bodyPr/>
+                    <a:lstStyle/>
+                    <a:p>
+                      <a:pPr marL="0" marR="0" algn="l">
+                        <a:lnSpc>
+                          <a:spcPct val="115000"/>
+                        </a:lnSpc>
+                        <a:spcBef>
+                          <a:spcPts val="0"/>
+                        </a:spcBef>
+                        <a:spcAft>
+                          <a:spcPts val="0"/>
+                        </a:spcAft>
+                      </a:pPr>
+                      <a:endParaRPr lang="en-US" sz="1100">
+                        <a:latin typeface="Calibri"/>
+                        <a:ea typeface="Calibri"/>
+                        <a:cs typeface="Times New Roman"/>
+                      </a:endParaRPr>
+                    </a:p>
+                    <a:p>
+                      <a:pPr marL="0" marR="0" algn="l">
+                        <a:lnSpc>
+                          <a:spcPct val="115000"/>
+                        </a:lnSpc>
+                        <a:spcBef>
+                          <a:spcPts val="0"/>
+                        </a:spcBef>
+                        <a:spcAft>
+                          <a:spcPts val="0"/>
+                        </a:spcAft>
+                      </a:pPr>
+                      <a:r>
+                        <a:rPr lang="en-US" sz="1600" b="1" i="1">
+                          <a:solidFill>
+                            <a:srgbClr val="000000"/>
+                          </a:solidFill>
+                          <a:latin typeface="Calibri"/>
+                          <a:ea typeface="Times New Roman"/>
+                          <a:cs typeface="Times New Roman"/>
+                        </a:rPr>
+                        <a:t>Guest</a:t>
+                      </a:r>
+                      <a:endParaRPr lang="en-US" sz="1100">
+                        <a:latin typeface="Calibri"/>
+                        <a:ea typeface="Calibri"/>
+                        <a:cs typeface="Times New Roman"/>
+                      </a:endParaRPr>
+                    </a:p>
+                  </a:txBody>
+                  <a:tcPr marL="67217" marR="67217" marT="0" marB="0" anchor="b">
+                    <a:lnL>
+                      <a:noFill/>
+                    </a:lnL>
+                    <a:lnR>
+                      <a:noFill/>
+                    </a:lnR>
+                    <a:lnT>
+                      <a:noFill/>
+                    </a:lnT>
+                    <a:lnB w="12700" cap="flat" cmpd="sng" algn="ctr">
+                      <a:solidFill>
+                        <a:srgbClr val="000000"/>
+                      </a:solidFill>
+                      <a:prstDash val="solid"/>
+                      <a:round/>
+                      <a:headEnd type="none" w="med" len="med"/>
+                      <a:tailEnd type="none" w="med" len="med"/>
+                    </a:lnB>
+                  </a:tcPr>
+                </a:tc>
+                <a:tc>
+                  <a:txBody>
+                    <a:bodyPr/>
+                    <a:lstStyle/>
+                    <a:p>
+                      <a:pPr marL="0" marR="0" algn="l">
+                        <a:lnSpc>
+                          <a:spcPct val="115000"/>
+                        </a:lnSpc>
+                        <a:spcBef>
+                          <a:spcPts val="0"/>
+                        </a:spcBef>
+                        <a:spcAft>
+                          <a:spcPts val="0"/>
+                        </a:spcAft>
+                      </a:pPr>
+                      <a:endParaRPr lang="en-US" sz="1100">
+                        <a:solidFill>
+                          <a:srgbClr val="000000"/>
+                        </a:solidFill>
+                        <a:latin typeface="Calibri"/>
+                        <a:ea typeface="Times New Roman"/>
+                        <a:cs typeface="Times New Roman"/>
+                      </a:endParaRPr>
+                    </a:p>
+                  </a:txBody>
+                  <a:tcPr marL="67217" marR="67217" marT="0" marB="0" anchor="b">
+                    <a:lnL>
+                      <a:noFill/>
+                    </a:lnL>
+                    <a:lnR>
+                      <a:noFill/>
+                    </a:lnR>
+                    <a:lnT>
+                      <a:noFill/>
+                    </a:lnT>
+                    <a:lnB w="12700" cap="flat" cmpd="sng" algn="ctr">
+                      <a:solidFill>
+                        <a:srgbClr val="000000"/>
+                      </a:solidFill>
+                      <a:prstDash val="solid"/>
+                      <a:round/>
+                      <a:headEnd type="none" w="med" len="med"/>
+                      <a:tailEnd type="none" w="med" len="med"/>
+                    </a:lnB>
+                  </a:tcPr>
+                </a:tc>
+              </a:tr>
+              <a:tr h="240487">
+                <a:tc>
+                  <a:txBody>
+                    <a:bodyPr/>
+                    <a:lstStyle/>
+                    <a:p>
+                      <a:pPr marL="0" marR="0" algn="l">
+                        <a:lnSpc>
+                          <a:spcPct val="115000"/>
+                        </a:lnSpc>
+                        <a:spcBef>
+                          <a:spcPts val="0"/>
+                        </a:spcBef>
+                        <a:spcAft>
+                          <a:spcPts val="0"/>
+                        </a:spcAft>
+                      </a:pPr>
+                      <a:r>
+                        <a:rPr lang="en-US" sz="1400">
+                          <a:solidFill>
+                            <a:srgbClr val="000000"/>
+                          </a:solidFill>
+                          <a:latin typeface="Calibri"/>
+                          <a:ea typeface="Times New Roman"/>
+                          <a:cs typeface="Times New Roman"/>
+                        </a:rPr>
+                        <a:t>Title</a:t>
+                      </a:r>
+                      <a:endParaRPr lang="en-US" sz="1100">
+                        <a:latin typeface="Calibri"/>
+                        <a:ea typeface="Calibri"/>
+                        <a:cs typeface="Times New Roman"/>
+                      </a:endParaRPr>
+                    </a:p>
+                  </a:txBody>
+                  <a:tcPr marL="67217" marR="67217" marT="0" marB="0" anchor="b">
+                    <a:lnL w="12700" cap="flat" cmpd="sng" algn="ctr">
+                      <a:solidFill>
+                        <a:srgbClr val="000000"/>
+                      </a:solidFill>
+                      <a:prstDash val="solid"/>
+                      <a:round/>
+                      <a:headEnd type="none" w="med" len="med"/>
+                      <a:tailEnd type="none" w="med" len="med"/>
+                    </a:lnL>
+                    <a:lnR w="12700" cap="flat" cmpd="sng" algn="ctr">
+                      <a:solidFill>
+                        <a:srgbClr val="000000"/>
+                      </a:solidFill>
+                      <a:prstDash val="solid"/>
+                      <a:round/>
+                      <a:headEnd type="none" w="med" len="med"/>
+                      <a:tailEnd type="none" w="med" len="med"/>
+                    </a:lnR>
+                    <a:lnT w="12700" cap="flat" cmpd="sng" algn="ctr">
+                      <a:solidFill>
+                        <a:srgbClr val="000000"/>
+                      </a:solidFill>
+                      <a:prstDash val="solid"/>
+                      <a:round/>
+                      <a:headEnd type="none" w="med" len="med"/>
+                      <a:tailEnd type="none" w="med" len="med"/>
+                    </a:lnT>
+                    <a:lnB w="12700" cap="flat" cmpd="sng" algn="ctr">
+                      <a:solidFill>
+                        <a:srgbClr val="000000"/>
+                      </a:solidFill>
+                      <a:prstDash val="solid"/>
+                      <a:round/>
+                      <a:headEnd type="none" w="med" len="med"/>
+                      <a:tailEnd type="none" w="med" len="med"/>
+                    </a:lnB>
+                  </a:tcPr>
+                </a:tc>
+                <a:tc>
+                  <a:txBody>
+                    <a:bodyPr/>
+                    <a:lstStyle/>
+                    <a:p>
+                      <a:pPr marL="0" marR="0" indent="177800" algn="l">
+                        <a:lnSpc>
+                          <a:spcPct val="115000"/>
+                        </a:lnSpc>
+                        <a:spcBef>
+                          <a:spcPts val="0"/>
+                        </a:spcBef>
+                        <a:spcAft>
+                          <a:spcPts val="0"/>
+                        </a:spcAft>
+                      </a:pPr>
+                      <a:r>
+                        <a:rPr lang="en-US" sz="1400">
+                          <a:solidFill>
+                            <a:srgbClr val="000000"/>
+                          </a:solidFill>
+                          <a:latin typeface="Calibri"/>
+                          <a:ea typeface="Times New Roman"/>
+                          <a:cs typeface="Times New Roman"/>
+                        </a:rPr>
+                        <a:t>Search</a:t>
+                      </a:r>
+                      <a:endParaRPr lang="en-US" sz="1100">
+                        <a:latin typeface="Calibri"/>
+                        <a:ea typeface="Calibri"/>
+                        <a:cs typeface="Times New Roman"/>
+                      </a:endParaRPr>
+                    </a:p>
+                  </a:txBody>
+                  <a:tcPr marL="67217" marR="67217" marT="0" marB="0" anchor="b">
+                    <a:lnL w="12700" cap="flat" cmpd="sng" algn="ctr">
+                      <a:solidFill>
+                        <a:srgbClr val="000000"/>
+                      </a:solidFill>
+                      <a:prstDash val="solid"/>
+                      <a:round/>
+                      <a:headEnd type="none" w="med" len="med"/>
+                      <a:tailEnd type="none" w="med" len="med"/>
+                    </a:lnL>
+                    <a:lnR w="12700" cap="flat" cmpd="sng" algn="ctr">
+                      <a:solidFill>
+                        <a:srgbClr val="000000"/>
+                      </a:solidFill>
+                      <a:prstDash val="solid"/>
+                      <a:round/>
+                      <a:headEnd type="none" w="med" len="med"/>
+                      <a:tailEnd type="none" w="med" len="med"/>
+                    </a:lnR>
+                    <a:lnT w="12700" cap="flat" cmpd="sng" algn="ctr">
+                      <a:solidFill>
+                        <a:srgbClr val="000000"/>
+                      </a:solidFill>
+                      <a:prstDash val="solid"/>
+                      <a:round/>
+                      <a:headEnd type="none" w="med" len="med"/>
+                      <a:tailEnd type="none" w="med" len="med"/>
+                    </a:lnT>
+                    <a:lnB w="12700" cap="flat" cmpd="sng" algn="ctr">
+                      <a:solidFill>
+                        <a:srgbClr val="000000"/>
+                      </a:solidFill>
+                      <a:prstDash val="solid"/>
+                      <a:round/>
+                      <a:headEnd type="none" w="med" len="med"/>
+                      <a:tailEnd type="none" w="med" len="med"/>
+                    </a:lnB>
+                  </a:tcPr>
+                </a:tc>
+              </a:tr>
+              <a:tr h="480973">
+                <a:tc>
+                  <a:txBody>
+                    <a:bodyPr/>
+                    <a:lstStyle/>
+                    <a:p>
+                      <a:pPr marL="0" marR="0" algn="l">
+                        <a:lnSpc>
+                          <a:spcPct val="115000"/>
+                        </a:lnSpc>
+                        <a:spcBef>
+                          <a:spcPts val="0"/>
+                        </a:spcBef>
+                        <a:spcAft>
+                          <a:spcPts val="0"/>
+                        </a:spcAft>
+                      </a:pPr>
+                      <a:r>
+                        <a:rPr lang="en-US" sz="1400">
+                          <a:solidFill>
+                            <a:srgbClr val="000000"/>
+                          </a:solidFill>
+                          <a:latin typeface="Calibri"/>
+                          <a:ea typeface="Times New Roman"/>
+                          <a:cs typeface="Times New Roman"/>
+                        </a:rPr>
+                        <a:t>Summary</a:t>
+                      </a:r>
+                      <a:endParaRPr lang="en-US" sz="1100">
+                        <a:latin typeface="Calibri"/>
+                        <a:ea typeface="Calibri"/>
+                        <a:cs typeface="Times New Roman"/>
+                      </a:endParaRPr>
+                    </a:p>
+                  </a:txBody>
+                  <a:tcPr marL="67217" marR="67217" marT="0" marB="0" anchor="b">
+                    <a:lnL w="12700" cap="flat" cmpd="sng" algn="ctr">
+                      <a:solidFill>
+                        <a:srgbClr val="000000"/>
+                      </a:solidFill>
+                      <a:prstDash val="solid"/>
+                      <a:round/>
+                      <a:headEnd type="none" w="med" len="med"/>
+                      <a:tailEnd type="none" w="med" len="med"/>
+                    </a:lnL>
+                    <a:lnR w="12700" cap="flat" cmpd="sng" algn="ctr">
+                      <a:solidFill>
+                        <a:srgbClr val="000000"/>
+                      </a:solidFill>
+                      <a:prstDash val="solid"/>
+                      <a:round/>
+                      <a:headEnd type="none" w="med" len="med"/>
+                      <a:tailEnd type="none" w="med" len="med"/>
+                    </a:lnR>
+                    <a:lnT w="12700" cap="flat" cmpd="sng" algn="ctr">
+                      <a:solidFill>
+                        <a:srgbClr val="000000"/>
+                      </a:solidFill>
+                      <a:prstDash val="solid"/>
+                      <a:round/>
+                      <a:headEnd type="none" w="med" len="med"/>
+                      <a:tailEnd type="none" w="med" len="med"/>
+                    </a:lnT>
+                    <a:lnB w="12700" cap="flat" cmpd="sng" algn="ctr">
+                      <a:solidFill>
+                        <a:srgbClr val="000000"/>
+                      </a:solidFill>
+                      <a:prstDash val="solid"/>
+                      <a:round/>
+                      <a:headEnd type="none" w="med" len="med"/>
+                      <a:tailEnd type="none" w="med" len="med"/>
+                    </a:lnB>
+                  </a:tcPr>
+                </a:tc>
+                <a:tc>
+                  <a:txBody>
+                    <a:bodyPr/>
+                    <a:lstStyle/>
+                    <a:p>
+                      <a:pPr marL="0" marR="0" indent="177800" algn="l">
+                        <a:lnSpc>
+                          <a:spcPct val="115000"/>
+                        </a:lnSpc>
+                        <a:spcBef>
+                          <a:spcPts val="0"/>
+                        </a:spcBef>
+                        <a:spcAft>
+                          <a:spcPts val="0"/>
+                        </a:spcAft>
+                      </a:pPr>
+                      <a:r>
+                        <a:rPr lang="en-US" sz="1400">
+                          <a:solidFill>
+                            <a:srgbClr val="000000"/>
+                          </a:solidFill>
+                          <a:latin typeface="Calibri"/>
+                          <a:ea typeface="Times New Roman"/>
+                          <a:cs typeface="Times New Roman"/>
+                        </a:rPr>
+                        <a:t>The guest user can search the forums by entering a search criteria in the search bar.</a:t>
+                      </a:r>
+                      <a:endParaRPr lang="en-US" sz="1100">
+                        <a:latin typeface="Calibri"/>
+                        <a:ea typeface="Calibri"/>
+                        <a:cs typeface="Times New Roman"/>
+                      </a:endParaRPr>
+                    </a:p>
+                  </a:txBody>
+                  <a:tcPr marL="67217" marR="67217" marT="0" marB="0" anchor="b">
+                    <a:lnL w="12700" cap="flat" cmpd="sng" algn="ctr">
+                      <a:solidFill>
+                        <a:srgbClr val="000000"/>
+                      </a:solidFill>
+                      <a:prstDash val="solid"/>
+                      <a:round/>
+                      <a:headEnd type="none" w="med" len="med"/>
+                      <a:tailEnd type="none" w="med" len="med"/>
+                    </a:lnL>
+                    <a:lnR w="12700" cap="flat" cmpd="sng" algn="ctr">
+                      <a:solidFill>
+                        <a:srgbClr val="000000"/>
+                      </a:solidFill>
+                      <a:prstDash val="solid"/>
+                      <a:round/>
+                      <a:headEnd type="none" w="med" len="med"/>
+                      <a:tailEnd type="none" w="med" len="med"/>
+                    </a:lnR>
+                    <a:lnT w="12700" cap="flat" cmpd="sng" algn="ctr">
+                      <a:solidFill>
+                        <a:srgbClr val="000000"/>
+                      </a:solidFill>
+                      <a:prstDash val="solid"/>
+                      <a:round/>
+                      <a:headEnd type="none" w="med" len="med"/>
+                      <a:tailEnd type="none" w="med" len="med"/>
+                    </a:lnT>
+                    <a:lnB w="12700" cap="flat" cmpd="sng" algn="ctr">
+                      <a:solidFill>
+                        <a:srgbClr val="000000"/>
+                      </a:solidFill>
+                      <a:prstDash val="solid"/>
+                      <a:round/>
+                      <a:headEnd type="none" w="med" len="med"/>
+                      <a:tailEnd type="none" w="med" len="med"/>
+                    </a:lnB>
+                  </a:tcPr>
+                </a:tc>
+              </a:tr>
+              <a:tr h="480973">
+                <a:tc>
+                  <a:txBody>
+                    <a:bodyPr/>
+                    <a:lstStyle/>
+                    <a:p>
+                      <a:pPr marL="0" marR="0" algn="l">
+                        <a:lnSpc>
+                          <a:spcPct val="115000"/>
+                        </a:lnSpc>
+                        <a:spcBef>
+                          <a:spcPts val="0"/>
+                        </a:spcBef>
+                        <a:spcAft>
+                          <a:spcPts val="0"/>
+                        </a:spcAft>
+                      </a:pPr>
+                      <a:r>
+                        <a:rPr lang="en-US" sz="1400">
+                          <a:solidFill>
+                            <a:srgbClr val="000000"/>
+                          </a:solidFill>
+                          <a:latin typeface="Calibri"/>
+                          <a:ea typeface="Times New Roman"/>
+                          <a:cs typeface="Times New Roman"/>
+                        </a:rPr>
+                        <a:t>Preconditions</a:t>
+                      </a:r>
+                      <a:endParaRPr lang="en-US" sz="1100">
+                        <a:latin typeface="Calibri"/>
+                        <a:ea typeface="Calibri"/>
+                        <a:cs typeface="Times New Roman"/>
+                      </a:endParaRPr>
+                    </a:p>
+                  </a:txBody>
+                  <a:tcPr marL="67217" marR="67217" marT="0" marB="0" anchor="b">
+                    <a:lnL w="12700" cap="flat" cmpd="sng" algn="ctr">
+                      <a:solidFill>
+                        <a:srgbClr val="000000"/>
+                      </a:solidFill>
+                      <a:prstDash val="solid"/>
+                      <a:round/>
+                      <a:headEnd type="none" w="med" len="med"/>
+                      <a:tailEnd type="none" w="med" len="med"/>
+                    </a:lnL>
+                    <a:lnR w="12700" cap="flat" cmpd="sng" algn="ctr">
+                      <a:solidFill>
+                        <a:srgbClr val="000000"/>
+                      </a:solidFill>
+                      <a:prstDash val="solid"/>
+                      <a:round/>
+                      <a:headEnd type="none" w="med" len="med"/>
+                      <a:tailEnd type="none" w="med" len="med"/>
+                    </a:lnR>
+                    <a:lnT w="12700" cap="flat" cmpd="sng" algn="ctr">
+                      <a:solidFill>
+                        <a:srgbClr val="000000"/>
+                      </a:solidFill>
+                      <a:prstDash val="solid"/>
+                      <a:round/>
+                      <a:headEnd type="none" w="med" len="med"/>
+                      <a:tailEnd type="none" w="med" len="med"/>
+                    </a:lnT>
+                    <a:lnB w="12700" cap="flat" cmpd="sng" algn="ctr">
+                      <a:solidFill>
+                        <a:srgbClr val="000000"/>
+                      </a:solidFill>
+                      <a:prstDash val="solid"/>
+                      <a:round/>
+                      <a:headEnd type="none" w="med" len="med"/>
+                      <a:tailEnd type="none" w="med" len="med"/>
+                    </a:lnB>
+                  </a:tcPr>
+                </a:tc>
+                <a:tc>
+                  <a:txBody>
+                    <a:bodyPr/>
+                    <a:lstStyle/>
+                    <a:p>
+                      <a:pPr marL="0" marR="0" indent="177800" algn="l">
+                        <a:lnSpc>
+                          <a:spcPct val="115000"/>
+                        </a:lnSpc>
+                        <a:spcBef>
+                          <a:spcPts val="0"/>
+                        </a:spcBef>
+                        <a:spcAft>
+                          <a:spcPts val="0"/>
+                        </a:spcAft>
+                      </a:pPr>
+                      <a:r>
+                        <a:rPr lang="en-US" sz="1400">
+                          <a:solidFill>
+                            <a:srgbClr val="000000"/>
+                          </a:solidFill>
+                          <a:latin typeface="Calibri"/>
+                          <a:ea typeface="Times New Roman"/>
+                          <a:cs typeface="Times New Roman"/>
+                        </a:rPr>
+                        <a:t>The guest user must be on the forum domain.</a:t>
+                      </a:r>
+                      <a:endParaRPr lang="en-US" sz="1100">
+                        <a:latin typeface="Calibri"/>
+                        <a:ea typeface="Calibri"/>
+                        <a:cs typeface="Times New Roman"/>
+                      </a:endParaRPr>
+                    </a:p>
+                  </a:txBody>
+                  <a:tcPr marL="67217" marR="67217" marT="0" marB="0" anchor="b">
+                    <a:lnL w="12700" cap="flat" cmpd="sng" algn="ctr">
+                      <a:solidFill>
+                        <a:srgbClr val="000000"/>
+                      </a:solidFill>
+                      <a:prstDash val="solid"/>
+                      <a:round/>
+                      <a:headEnd type="none" w="med" len="med"/>
+                      <a:tailEnd type="none" w="med" len="med"/>
+                    </a:lnL>
+                    <a:lnR w="12700" cap="flat" cmpd="sng" algn="ctr">
+                      <a:solidFill>
+                        <a:srgbClr val="000000"/>
+                      </a:solidFill>
+                      <a:prstDash val="solid"/>
+                      <a:round/>
+                      <a:headEnd type="none" w="med" len="med"/>
+                      <a:tailEnd type="none" w="med" len="med"/>
+                    </a:lnR>
+                    <a:lnT w="12700" cap="flat" cmpd="sng" algn="ctr">
+                      <a:solidFill>
+                        <a:srgbClr val="000000"/>
+                      </a:solidFill>
+                      <a:prstDash val="solid"/>
+                      <a:round/>
+                      <a:headEnd type="none" w="med" len="med"/>
+                      <a:tailEnd type="none" w="med" len="med"/>
+                    </a:lnT>
+                    <a:lnB w="12700" cap="flat" cmpd="sng" algn="ctr">
+                      <a:solidFill>
+                        <a:srgbClr val="000000"/>
+                      </a:solidFill>
+                      <a:prstDash val="solid"/>
+                      <a:round/>
+                      <a:headEnd type="none" w="med" len="med"/>
+                      <a:tailEnd type="none" w="med" len="med"/>
+                    </a:lnB>
+                  </a:tcPr>
+                </a:tc>
+              </a:tr>
+              <a:tr h="480973">
+                <a:tc>
+                  <a:txBody>
+                    <a:bodyPr/>
+                    <a:lstStyle/>
+                    <a:p>
+                      <a:pPr marL="0" marR="0" algn="l">
+                        <a:lnSpc>
+                          <a:spcPct val="115000"/>
+                        </a:lnSpc>
+                        <a:spcBef>
+                          <a:spcPts val="0"/>
+                        </a:spcBef>
+                        <a:spcAft>
+                          <a:spcPts val="0"/>
+                        </a:spcAft>
+                      </a:pPr>
+                      <a:r>
+                        <a:rPr lang="en-US" sz="1400">
+                          <a:solidFill>
+                            <a:srgbClr val="000000"/>
+                          </a:solidFill>
+                          <a:latin typeface="Calibri"/>
+                          <a:ea typeface="Times New Roman"/>
+                          <a:cs typeface="Times New Roman"/>
+                        </a:rPr>
+                        <a:t>Post-conditions</a:t>
+                      </a:r>
+                      <a:endParaRPr lang="en-US" sz="1100">
+                        <a:latin typeface="Calibri"/>
+                        <a:ea typeface="Calibri"/>
+                        <a:cs typeface="Times New Roman"/>
+                      </a:endParaRPr>
+                    </a:p>
+                  </a:txBody>
+                  <a:tcPr marL="67217" marR="67217" marT="0" marB="0" anchor="b">
+                    <a:lnL w="12700" cap="flat" cmpd="sng" algn="ctr">
+                      <a:solidFill>
+                        <a:srgbClr val="000000"/>
+                      </a:solidFill>
+                      <a:prstDash val="solid"/>
+                      <a:round/>
+                      <a:headEnd type="none" w="med" len="med"/>
+                      <a:tailEnd type="none" w="med" len="med"/>
+                    </a:lnL>
+                    <a:lnR w="12700" cap="flat" cmpd="sng" algn="ctr">
+                      <a:solidFill>
+                        <a:srgbClr val="000000"/>
+                      </a:solidFill>
+                      <a:prstDash val="solid"/>
+                      <a:round/>
+                      <a:headEnd type="none" w="med" len="med"/>
+                      <a:tailEnd type="none" w="med" len="med"/>
+                    </a:lnR>
+                    <a:lnT w="12700" cap="flat" cmpd="sng" algn="ctr">
+                      <a:solidFill>
+                        <a:srgbClr val="000000"/>
+                      </a:solidFill>
+                      <a:prstDash val="solid"/>
+                      <a:round/>
+                      <a:headEnd type="none" w="med" len="med"/>
+                      <a:tailEnd type="none" w="med" len="med"/>
+                    </a:lnT>
+                    <a:lnB w="12700" cap="flat" cmpd="sng" algn="ctr">
+                      <a:solidFill>
+                        <a:srgbClr val="000000"/>
+                      </a:solidFill>
+                      <a:prstDash val="solid"/>
+                      <a:round/>
+                      <a:headEnd type="none" w="med" len="med"/>
+                      <a:tailEnd type="none" w="med" len="med"/>
+                    </a:lnB>
+                  </a:tcPr>
+                </a:tc>
+                <a:tc>
+                  <a:txBody>
+                    <a:bodyPr/>
+                    <a:lstStyle/>
+                    <a:p>
+                      <a:pPr marL="0" marR="0" indent="177800" algn="l">
+                        <a:lnSpc>
+                          <a:spcPct val="115000"/>
+                        </a:lnSpc>
+                        <a:spcBef>
+                          <a:spcPts val="0"/>
+                        </a:spcBef>
+                        <a:spcAft>
+                          <a:spcPts val="0"/>
+                        </a:spcAft>
+                      </a:pPr>
+                      <a:r>
+                        <a:rPr lang="en-US" sz="1400">
+                          <a:solidFill>
+                            <a:srgbClr val="000000"/>
+                          </a:solidFill>
+                          <a:latin typeface="Calibri"/>
+                          <a:ea typeface="Times New Roman"/>
+                          <a:cs typeface="Times New Roman"/>
+                        </a:rPr>
+                        <a:t>The guest user will have results on the searched criteria.</a:t>
+                      </a:r>
+                      <a:endParaRPr lang="en-US" sz="1100">
+                        <a:latin typeface="Calibri"/>
+                        <a:ea typeface="Calibri"/>
+                        <a:cs typeface="Times New Roman"/>
+                      </a:endParaRPr>
+                    </a:p>
+                  </a:txBody>
+                  <a:tcPr marL="67217" marR="67217" marT="0" marB="0" anchor="b">
+                    <a:lnL w="12700" cap="flat" cmpd="sng" algn="ctr">
+                      <a:solidFill>
+                        <a:srgbClr val="000000"/>
+                      </a:solidFill>
+                      <a:prstDash val="solid"/>
+                      <a:round/>
+                      <a:headEnd type="none" w="med" len="med"/>
+                      <a:tailEnd type="none" w="med" len="med"/>
+                    </a:lnL>
+                    <a:lnR w="12700" cap="flat" cmpd="sng" algn="ctr">
+                      <a:solidFill>
+                        <a:srgbClr val="000000"/>
+                      </a:solidFill>
+                      <a:prstDash val="solid"/>
+                      <a:round/>
+                      <a:headEnd type="none" w="med" len="med"/>
+                      <a:tailEnd type="none" w="med" len="med"/>
+                    </a:lnR>
+                    <a:lnT w="12700" cap="flat" cmpd="sng" algn="ctr">
+                      <a:solidFill>
+                        <a:srgbClr val="000000"/>
+                      </a:solidFill>
+                      <a:prstDash val="solid"/>
+                      <a:round/>
+                      <a:headEnd type="none" w="med" len="med"/>
+                      <a:tailEnd type="none" w="med" len="med"/>
+                    </a:lnT>
+                    <a:lnB w="12700" cap="flat" cmpd="sng" algn="ctr">
+                      <a:solidFill>
+                        <a:srgbClr val="000000"/>
+                      </a:solidFill>
+                      <a:prstDash val="solid"/>
+                      <a:round/>
+                      <a:headEnd type="none" w="med" len="med"/>
+                      <a:tailEnd type="none" w="med" len="med"/>
+                    </a:lnB>
+                  </a:tcPr>
+                </a:tc>
+              </a:tr>
+              <a:tr h="233392">
+                <a:tc>
+                  <a:txBody>
+                    <a:bodyPr/>
+                    <a:lstStyle/>
+                    <a:p>
+                      <a:pPr algn="l">
+                        <a:lnSpc>
+                          <a:spcPct val="115000"/>
+                        </a:lnSpc>
+                      </a:pPr>
+                      <a:endParaRPr lang="en-US" sz="1100">
+                        <a:latin typeface="Calibri"/>
+                        <a:ea typeface="Times New Roman"/>
+                      </a:endParaRPr>
+                    </a:p>
+                  </a:txBody>
+                  <a:tcPr marL="67217" marR="67217" marT="0" marB="0" anchor="b">
+                    <a:lnL>
+                      <a:noFill/>
+                    </a:lnL>
+                    <a:lnR>
+                      <a:noFill/>
+                    </a:lnR>
+                    <a:lnT w="12700" cap="flat" cmpd="sng" algn="ctr">
+                      <a:solidFill>
+                        <a:srgbClr val="000000"/>
+                      </a:solidFill>
+                      <a:prstDash val="solid"/>
+                      <a:round/>
+                      <a:headEnd type="none" w="med" len="med"/>
+                      <a:tailEnd type="none" w="med" len="med"/>
+                    </a:lnT>
+                    <a:lnB w="12700" cap="flat" cmpd="sng" algn="ctr">
+                      <a:solidFill>
+                        <a:srgbClr val="000000"/>
+                      </a:solidFill>
+                      <a:prstDash val="solid"/>
+                      <a:round/>
+                      <a:headEnd type="none" w="med" len="med"/>
+                      <a:tailEnd type="none" w="med" len="med"/>
+                    </a:lnB>
+                  </a:tcPr>
+                </a:tc>
+                <a:tc>
+                  <a:txBody>
+                    <a:bodyPr/>
+                    <a:lstStyle/>
+                    <a:p>
+                      <a:pPr algn="l">
+                        <a:lnSpc>
+                          <a:spcPct val="115000"/>
+                        </a:lnSpc>
+                      </a:pPr>
+                      <a:endParaRPr lang="en-US" sz="1100">
+                        <a:latin typeface="Calibri"/>
+                        <a:ea typeface="Times New Roman"/>
+                      </a:endParaRPr>
+                    </a:p>
+                  </a:txBody>
+                  <a:tcPr marL="67217" marR="67217" marT="0" marB="0" anchor="b">
+                    <a:lnL>
+                      <a:noFill/>
+                    </a:lnL>
+                    <a:lnR>
+                      <a:noFill/>
+                    </a:lnR>
+                    <a:lnT w="12700" cap="flat" cmpd="sng" algn="ctr">
+                      <a:solidFill>
+                        <a:srgbClr val="000000"/>
+                      </a:solidFill>
+                      <a:prstDash val="solid"/>
+                      <a:round/>
+                      <a:headEnd type="none" w="med" len="med"/>
+                      <a:tailEnd type="none" w="med" len="med"/>
+                    </a:lnT>
+                    <a:lnB w="12700" cap="flat" cmpd="sng" algn="ctr">
+                      <a:solidFill>
+                        <a:srgbClr val="000000"/>
+                      </a:solidFill>
+                      <a:prstDash val="solid"/>
+                      <a:round/>
+                      <a:headEnd type="none" w="med" len="med"/>
+                      <a:tailEnd type="none" w="med" len="med"/>
+                    </a:lnB>
+                  </a:tcPr>
+                </a:tc>
+              </a:tr>
+              <a:tr h="240487">
+                <a:tc>
+                  <a:txBody>
+                    <a:bodyPr/>
+                    <a:lstStyle/>
+                    <a:p>
+                      <a:pPr marL="0" marR="0" algn="ctr">
+                        <a:lnSpc>
+                          <a:spcPct val="115000"/>
+                        </a:lnSpc>
+                        <a:spcBef>
+                          <a:spcPts val="0"/>
+                        </a:spcBef>
+                        <a:spcAft>
+                          <a:spcPts val="0"/>
+                        </a:spcAft>
+                      </a:pPr>
+                      <a:r>
+                        <a:rPr lang="en-US" sz="1400">
+                          <a:solidFill>
+                            <a:srgbClr val="000000"/>
+                          </a:solidFill>
+                          <a:latin typeface="Calibri"/>
+                          <a:ea typeface="Times New Roman"/>
+                          <a:cs typeface="Times New Roman"/>
+                        </a:rPr>
+                        <a:t>Actor : Guest</a:t>
+                      </a:r>
+                      <a:endParaRPr lang="en-US" sz="1100">
+                        <a:latin typeface="Calibri"/>
+                        <a:ea typeface="Calibri"/>
+                        <a:cs typeface="Times New Roman"/>
+                      </a:endParaRPr>
+                    </a:p>
+                  </a:txBody>
+                  <a:tcPr marL="67217" marR="67217" marT="0" marB="0" anchor="b">
+                    <a:lnL w="12700" cap="flat" cmpd="sng" algn="ctr">
+                      <a:solidFill>
+                        <a:srgbClr val="000000"/>
+                      </a:solidFill>
+                      <a:prstDash val="solid"/>
+                      <a:round/>
+                      <a:headEnd type="none" w="med" len="med"/>
+                      <a:tailEnd type="none" w="med" len="med"/>
+                    </a:lnL>
+                    <a:lnR w="12700" cap="flat" cmpd="sng" algn="ctr">
+                      <a:solidFill>
+                        <a:srgbClr val="000000"/>
+                      </a:solidFill>
+                      <a:prstDash val="solid"/>
+                      <a:round/>
+                      <a:headEnd type="none" w="med" len="med"/>
+                      <a:tailEnd type="none" w="med" len="med"/>
+                    </a:lnR>
+                    <a:lnT w="12700" cap="flat" cmpd="sng" algn="ctr">
+                      <a:solidFill>
+                        <a:srgbClr val="000000"/>
+                      </a:solidFill>
+                      <a:prstDash val="solid"/>
+                      <a:round/>
+                      <a:headEnd type="none" w="med" len="med"/>
+                      <a:tailEnd type="none" w="med" len="med"/>
+                    </a:lnT>
+                    <a:lnB w="12700" cap="flat" cmpd="sng" algn="ctr">
+                      <a:solidFill>
+                        <a:srgbClr val="000000"/>
+                      </a:solidFill>
+                      <a:prstDash val="solid"/>
+                      <a:round/>
+                      <a:headEnd type="none" w="med" len="med"/>
+                      <a:tailEnd type="none" w="med" len="med"/>
+                    </a:lnB>
+                  </a:tcPr>
+                </a:tc>
+                <a:tc>
+                  <a:txBody>
+                    <a:bodyPr/>
+                    <a:lstStyle/>
+                    <a:p>
+                      <a:pPr marL="0" marR="0" algn="ctr">
+                        <a:lnSpc>
+                          <a:spcPct val="115000"/>
+                        </a:lnSpc>
+                        <a:spcBef>
+                          <a:spcPts val="0"/>
+                        </a:spcBef>
+                        <a:spcAft>
+                          <a:spcPts val="0"/>
+                        </a:spcAft>
+                      </a:pPr>
+                      <a:r>
+                        <a:rPr lang="en-US" sz="1400">
+                          <a:solidFill>
+                            <a:srgbClr val="000000"/>
+                          </a:solidFill>
+                          <a:latin typeface="Calibri"/>
+                          <a:ea typeface="Times New Roman"/>
+                          <a:cs typeface="Times New Roman"/>
+                        </a:rPr>
+                        <a:t>System</a:t>
+                      </a:r>
+                      <a:endParaRPr lang="en-US" sz="1100">
+                        <a:latin typeface="Calibri"/>
+                        <a:ea typeface="Calibri"/>
+                        <a:cs typeface="Times New Roman"/>
+                      </a:endParaRPr>
+                    </a:p>
+                  </a:txBody>
+                  <a:tcPr marL="67217" marR="67217" marT="0" marB="0" anchor="b">
+                    <a:lnL w="12700" cap="flat" cmpd="sng" algn="ctr">
+                      <a:solidFill>
+                        <a:srgbClr val="000000"/>
+                      </a:solidFill>
+                      <a:prstDash val="solid"/>
+                      <a:round/>
+                      <a:headEnd type="none" w="med" len="med"/>
+                      <a:tailEnd type="none" w="med" len="med"/>
+                    </a:lnL>
+                    <a:lnR w="12700" cap="flat" cmpd="sng" algn="ctr">
+                      <a:solidFill>
+                        <a:srgbClr val="000000"/>
+                      </a:solidFill>
+                      <a:prstDash val="solid"/>
+                      <a:round/>
+                      <a:headEnd type="none" w="med" len="med"/>
+                      <a:tailEnd type="none" w="med" len="med"/>
+                    </a:lnR>
+                    <a:lnT w="12700" cap="flat" cmpd="sng" algn="ctr">
+                      <a:solidFill>
+                        <a:srgbClr val="000000"/>
+                      </a:solidFill>
+                      <a:prstDash val="solid"/>
+                      <a:round/>
+                      <a:headEnd type="none" w="med" len="med"/>
+                      <a:tailEnd type="none" w="med" len="med"/>
+                    </a:lnT>
+                    <a:lnB w="12700" cap="flat" cmpd="sng" algn="ctr">
+                      <a:solidFill>
+                        <a:srgbClr val="000000"/>
+                      </a:solidFill>
+                      <a:prstDash val="solid"/>
+                      <a:round/>
+                      <a:headEnd type="none" w="med" len="med"/>
+                      <a:tailEnd type="none" w="med" len="med"/>
+                    </a:lnB>
+                  </a:tcPr>
+                </a:tc>
+              </a:tr>
+              <a:tr h="480973">
+                <a:tc>
+                  <a:txBody>
+                    <a:bodyPr/>
+                    <a:lstStyle/>
+                    <a:p>
+                      <a:pPr marL="0" marR="0" algn="l">
+                        <a:lnSpc>
+                          <a:spcPct val="115000"/>
+                        </a:lnSpc>
+                        <a:spcBef>
+                          <a:spcPts val="0"/>
+                        </a:spcBef>
+                        <a:spcAft>
+                          <a:spcPts val="0"/>
+                        </a:spcAft>
+                      </a:pPr>
+                      <a:r>
+                        <a:rPr lang="en-US" sz="1400">
+                          <a:solidFill>
+                            <a:srgbClr val="000000"/>
+                          </a:solidFill>
+                          <a:latin typeface="Calibri"/>
+                          <a:ea typeface="Times New Roman"/>
+                          <a:cs typeface="Times New Roman"/>
+                        </a:rPr>
+                        <a:t> </a:t>
+                      </a:r>
+                      <a:endParaRPr lang="en-US" sz="1100">
+                        <a:latin typeface="Calibri"/>
+                        <a:ea typeface="Calibri"/>
+                        <a:cs typeface="Times New Roman"/>
+                      </a:endParaRPr>
+                    </a:p>
+                  </a:txBody>
+                  <a:tcPr marL="67217" marR="67217" marT="0" marB="0" anchor="b">
+                    <a:lnL w="12700" cap="flat" cmpd="sng" algn="ctr">
+                      <a:solidFill>
+                        <a:srgbClr val="000000"/>
+                      </a:solidFill>
+                      <a:prstDash val="solid"/>
+                      <a:round/>
+                      <a:headEnd type="none" w="med" len="med"/>
+                      <a:tailEnd type="none" w="med" len="med"/>
+                    </a:lnL>
+                    <a:lnR w="12700" cap="flat" cmpd="sng" algn="ctr">
+                      <a:solidFill>
+                        <a:srgbClr val="000000"/>
+                      </a:solidFill>
+                      <a:prstDash val="solid"/>
+                      <a:round/>
+                      <a:headEnd type="none" w="med" len="med"/>
+                      <a:tailEnd type="none" w="med" len="med"/>
+                    </a:lnR>
+                    <a:lnT w="12700" cap="flat" cmpd="sng" algn="ctr">
+                      <a:solidFill>
+                        <a:srgbClr val="000000"/>
+                      </a:solidFill>
+                      <a:prstDash val="solid"/>
+                      <a:round/>
+                      <a:headEnd type="none" w="med" len="med"/>
+                      <a:tailEnd type="none" w="med" len="med"/>
+                    </a:lnT>
+                    <a:lnB w="12700" cap="flat" cmpd="sng" algn="ctr">
+                      <a:solidFill>
+                        <a:srgbClr val="000000"/>
+                      </a:solidFill>
+                      <a:prstDash val="solid"/>
+                      <a:round/>
+                      <a:headEnd type="none" w="med" len="med"/>
+                      <a:tailEnd type="none" w="med" len="med"/>
+                    </a:lnB>
+                  </a:tcPr>
+                </a:tc>
+                <a:tc>
+                  <a:txBody>
+                    <a:bodyPr/>
+                    <a:lstStyle/>
+                    <a:p>
+                      <a:pPr marL="0" marR="0" indent="177800" algn="l">
+                        <a:lnSpc>
+                          <a:spcPct val="115000"/>
+                        </a:lnSpc>
+                        <a:spcBef>
+                          <a:spcPts val="0"/>
+                        </a:spcBef>
+                        <a:spcAft>
+                          <a:spcPts val="0"/>
+                        </a:spcAft>
+                      </a:pPr>
+                      <a:r>
+                        <a:rPr lang="en-US" sz="1400">
+                          <a:solidFill>
+                            <a:srgbClr val="000000"/>
+                          </a:solidFill>
+                          <a:latin typeface="Calibri"/>
+                          <a:ea typeface="Times New Roman"/>
+                          <a:cs typeface="Times New Roman"/>
+                        </a:rPr>
+                        <a:t>0. The system displays any page on the forum domain.</a:t>
+                      </a:r>
+                      <a:endParaRPr lang="en-US" sz="1100">
+                        <a:latin typeface="Calibri"/>
+                        <a:ea typeface="Calibri"/>
+                        <a:cs typeface="Times New Roman"/>
+                      </a:endParaRPr>
+                    </a:p>
+                  </a:txBody>
+                  <a:tcPr marL="67217" marR="67217" marT="0" marB="0" anchor="b">
+                    <a:lnL w="12700" cap="flat" cmpd="sng" algn="ctr">
+                      <a:solidFill>
+                        <a:srgbClr val="000000"/>
+                      </a:solidFill>
+                      <a:prstDash val="solid"/>
+                      <a:round/>
+                      <a:headEnd type="none" w="med" len="med"/>
+                      <a:tailEnd type="none" w="med" len="med"/>
+                    </a:lnL>
+                    <a:lnR w="12700" cap="flat" cmpd="sng" algn="ctr">
+                      <a:solidFill>
+                        <a:srgbClr val="000000"/>
+                      </a:solidFill>
+                      <a:prstDash val="solid"/>
+                      <a:round/>
+                      <a:headEnd type="none" w="med" len="med"/>
+                      <a:tailEnd type="none" w="med" len="med"/>
+                    </a:lnR>
+                    <a:lnT w="12700" cap="flat" cmpd="sng" algn="ctr">
+                      <a:solidFill>
+                        <a:srgbClr val="000000"/>
+                      </a:solidFill>
+                      <a:prstDash val="solid"/>
+                      <a:round/>
+                      <a:headEnd type="none" w="med" len="med"/>
+                      <a:tailEnd type="none" w="med" len="med"/>
+                    </a:lnT>
+                    <a:lnB w="12700" cap="flat" cmpd="sng" algn="ctr">
+                      <a:solidFill>
+                        <a:srgbClr val="000000"/>
+                      </a:solidFill>
+                      <a:prstDash val="solid"/>
+                      <a:round/>
+                      <a:headEnd type="none" w="med" len="med"/>
+                      <a:tailEnd type="none" w="med" len="med"/>
+                    </a:lnB>
+                  </a:tcPr>
+                </a:tc>
+              </a:tr>
+              <a:tr h="480973">
+                <a:tc>
+                  <a:txBody>
+                    <a:bodyPr/>
+                    <a:lstStyle/>
+                    <a:p>
+                      <a:pPr marL="0" marR="0" indent="177800" algn="l">
+                        <a:lnSpc>
+                          <a:spcPct val="115000"/>
+                        </a:lnSpc>
+                        <a:spcBef>
+                          <a:spcPts val="0"/>
+                        </a:spcBef>
+                        <a:spcAft>
+                          <a:spcPts val="0"/>
+                        </a:spcAft>
+                      </a:pPr>
+                      <a:r>
+                        <a:rPr lang="en-US" sz="1400">
+                          <a:solidFill>
+                            <a:srgbClr val="000000"/>
+                          </a:solidFill>
+                          <a:latin typeface="Calibri"/>
+                          <a:ea typeface="Times New Roman"/>
+                          <a:cs typeface="Times New Roman"/>
+                        </a:rPr>
+                        <a:t>1. The guest user enters a search criteria in the search bar.</a:t>
+                      </a:r>
+                      <a:endParaRPr lang="en-US" sz="1100">
+                        <a:latin typeface="Calibri"/>
+                        <a:ea typeface="Calibri"/>
+                        <a:cs typeface="Times New Roman"/>
+                      </a:endParaRPr>
+                    </a:p>
+                  </a:txBody>
+                  <a:tcPr marL="67217" marR="67217" marT="0" marB="0" anchor="b">
+                    <a:lnL w="12700" cap="flat" cmpd="sng" algn="ctr">
+                      <a:solidFill>
+                        <a:srgbClr val="000000"/>
+                      </a:solidFill>
+                      <a:prstDash val="solid"/>
+                      <a:round/>
+                      <a:headEnd type="none" w="med" len="med"/>
+                      <a:tailEnd type="none" w="med" len="med"/>
+                    </a:lnL>
+                    <a:lnR w="12700" cap="flat" cmpd="sng" algn="ctr">
+                      <a:solidFill>
+                        <a:srgbClr val="000000"/>
+                      </a:solidFill>
+                      <a:prstDash val="solid"/>
+                      <a:round/>
+                      <a:headEnd type="none" w="med" len="med"/>
+                      <a:tailEnd type="none" w="med" len="med"/>
+                    </a:lnR>
+                    <a:lnT w="12700" cap="flat" cmpd="sng" algn="ctr">
+                      <a:solidFill>
+                        <a:srgbClr val="000000"/>
+                      </a:solidFill>
+                      <a:prstDash val="solid"/>
+                      <a:round/>
+                      <a:headEnd type="none" w="med" len="med"/>
+                      <a:tailEnd type="none" w="med" len="med"/>
+                    </a:lnT>
+                    <a:lnB w="12700" cap="flat" cmpd="sng" algn="ctr">
+                      <a:solidFill>
+                        <a:srgbClr val="000000"/>
+                      </a:solidFill>
+                      <a:prstDash val="solid"/>
+                      <a:round/>
+                      <a:headEnd type="none" w="med" len="med"/>
+                      <a:tailEnd type="none" w="med" len="med"/>
+                    </a:lnB>
+                  </a:tcPr>
+                </a:tc>
+                <a:tc>
+                  <a:txBody>
+                    <a:bodyPr/>
+                    <a:lstStyle/>
+                    <a:p>
+                      <a:pPr marL="0" marR="0" indent="177800" algn="l">
+                        <a:lnSpc>
+                          <a:spcPct val="115000"/>
+                        </a:lnSpc>
+                        <a:spcBef>
+                          <a:spcPts val="0"/>
+                        </a:spcBef>
+                        <a:spcAft>
+                          <a:spcPts val="0"/>
+                        </a:spcAft>
+                      </a:pPr>
+                      <a:r>
+                        <a:rPr lang="en-US" sz="1400">
+                          <a:solidFill>
+                            <a:srgbClr val="000000"/>
+                          </a:solidFill>
+                          <a:latin typeface="Calibri"/>
+                          <a:ea typeface="Times New Roman"/>
+                          <a:cs typeface="Times New Roman"/>
+                        </a:rPr>
+                        <a:t>2. The system displays any topics from the given search criteria.</a:t>
+                      </a:r>
+                      <a:endParaRPr lang="en-US" sz="1100">
+                        <a:latin typeface="Calibri"/>
+                        <a:ea typeface="Calibri"/>
+                        <a:cs typeface="Times New Roman"/>
+                      </a:endParaRPr>
+                    </a:p>
+                  </a:txBody>
+                  <a:tcPr marL="67217" marR="67217" marT="0" marB="0" anchor="b">
+                    <a:lnL w="12700" cap="flat" cmpd="sng" algn="ctr">
+                      <a:solidFill>
+                        <a:srgbClr val="000000"/>
+                      </a:solidFill>
+                      <a:prstDash val="solid"/>
+                      <a:round/>
+                      <a:headEnd type="none" w="med" len="med"/>
+                      <a:tailEnd type="none" w="med" len="med"/>
+                    </a:lnL>
+                    <a:lnR w="12700" cap="flat" cmpd="sng" algn="ctr">
+                      <a:solidFill>
+                        <a:srgbClr val="000000"/>
+                      </a:solidFill>
+                      <a:prstDash val="solid"/>
+                      <a:round/>
+                      <a:headEnd type="none" w="med" len="med"/>
+                      <a:tailEnd type="none" w="med" len="med"/>
+                    </a:lnR>
+                    <a:lnT w="12700" cap="flat" cmpd="sng" algn="ctr">
+                      <a:solidFill>
+                        <a:srgbClr val="000000"/>
+                      </a:solidFill>
+                      <a:prstDash val="solid"/>
+                      <a:round/>
+                      <a:headEnd type="none" w="med" len="med"/>
+                      <a:tailEnd type="none" w="med" len="med"/>
+                    </a:lnT>
+                    <a:lnB w="12700" cap="flat" cmpd="sng" algn="ctr">
+                      <a:solidFill>
+                        <a:srgbClr val="000000"/>
+                      </a:solidFill>
+                      <a:prstDash val="solid"/>
+                      <a:round/>
+                      <a:headEnd type="none" w="med" len="med"/>
+                      <a:tailEnd type="none" w="med" len="med"/>
+                    </a:lnB>
+                  </a:tcPr>
+                </a:tc>
+              </a:tr>
+              <a:tr h="480973">
+                <a:tc>
+                  <a:txBody>
+                    <a:bodyPr/>
+                    <a:lstStyle/>
+                    <a:p>
+                      <a:pPr marL="0" marR="0" indent="177800" algn="l">
+                        <a:lnSpc>
+                          <a:spcPct val="115000"/>
+                        </a:lnSpc>
+                        <a:spcBef>
+                          <a:spcPts val="0"/>
+                        </a:spcBef>
+                        <a:spcAft>
+                          <a:spcPts val="0"/>
+                        </a:spcAft>
+                      </a:pPr>
+                      <a:r>
+                        <a:rPr lang="en-US" sz="1400">
+                          <a:solidFill>
+                            <a:srgbClr val="000000"/>
+                          </a:solidFill>
+                          <a:latin typeface="Calibri"/>
+                          <a:ea typeface="Times New Roman"/>
+                          <a:cs typeface="Times New Roman"/>
+                        </a:rPr>
+                        <a:t>3. The guest user may select from the given results.</a:t>
+                      </a:r>
+                      <a:endParaRPr lang="en-US" sz="1100">
+                        <a:latin typeface="Calibri"/>
+                        <a:ea typeface="Calibri"/>
+                        <a:cs typeface="Times New Roman"/>
+                      </a:endParaRPr>
+                    </a:p>
+                  </a:txBody>
+                  <a:tcPr marL="67217" marR="67217" marT="0" marB="0" anchor="b">
+                    <a:lnL w="12700" cap="flat" cmpd="sng" algn="ctr">
+                      <a:solidFill>
+                        <a:srgbClr val="000000"/>
+                      </a:solidFill>
+                      <a:prstDash val="solid"/>
+                      <a:round/>
+                      <a:headEnd type="none" w="med" len="med"/>
+                      <a:tailEnd type="none" w="med" len="med"/>
+                    </a:lnL>
+                    <a:lnR w="12700" cap="flat" cmpd="sng" algn="ctr">
+                      <a:solidFill>
+                        <a:srgbClr val="000000"/>
+                      </a:solidFill>
+                      <a:prstDash val="solid"/>
+                      <a:round/>
+                      <a:headEnd type="none" w="med" len="med"/>
+                      <a:tailEnd type="none" w="med" len="med"/>
+                    </a:lnR>
+                    <a:lnT w="12700" cap="flat" cmpd="sng" algn="ctr">
+                      <a:solidFill>
+                        <a:srgbClr val="000000"/>
+                      </a:solidFill>
+                      <a:prstDash val="solid"/>
+                      <a:round/>
+                      <a:headEnd type="none" w="med" len="med"/>
+                      <a:tailEnd type="none" w="med" len="med"/>
+                    </a:lnT>
+                    <a:lnB w="12700" cap="flat" cmpd="sng" algn="ctr">
+                      <a:solidFill>
+                        <a:srgbClr val="000000"/>
+                      </a:solidFill>
+                      <a:prstDash val="solid"/>
+                      <a:round/>
+                      <a:headEnd type="none" w="med" len="med"/>
+                      <a:tailEnd type="none" w="med" len="med"/>
+                    </a:lnB>
+                  </a:tcPr>
+                </a:tc>
+                <a:tc>
+                  <a:txBody>
+                    <a:bodyPr/>
+                    <a:lstStyle/>
+                    <a:p>
+                      <a:pPr marL="0" marR="0" indent="177800" algn="l">
+                        <a:lnSpc>
+                          <a:spcPct val="115000"/>
+                        </a:lnSpc>
+                        <a:spcBef>
+                          <a:spcPts val="0"/>
+                        </a:spcBef>
+                        <a:spcAft>
+                          <a:spcPts val="0"/>
+                        </a:spcAft>
+                      </a:pPr>
+                      <a:r>
+                        <a:rPr lang="en-US" sz="1400" dirty="0">
+                          <a:solidFill>
+                            <a:srgbClr val="000000"/>
+                          </a:solidFill>
+                          <a:latin typeface="Calibri"/>
+                          <a:ea typeface="Times New Roman"/>
+                          <a:cs typeface="Times New Roman"/>
+                        </a:rPr>
+                        <a:t>3. The system will display the selected thread.</a:t>
+                      </a:r>
+                      <a:endParaRPr lang="en-US" sz="1100" dirty="0">
+                        <a:latin typeface="Calibri"/>
+                        <a:ea typeface="Calibri"/>
+                        <a:cs typeface="Times New Roman"/>
+                      </a:endParaRPr>
+                    </a:p>
+                  </a:txBody>
+                  <a:tcPr marL="67217" marR="67217" marT="0" marB="0" anchor="b">
+                    <a:lnL w="12700" cap="flat" cmpd="sng" algn="ctr">
+                      <a:solidFill>
+                        <a:srgbClr val="000000"/>
+                      </a:solidFill>
+                      <a:prstDash val="solid"/>
+                      <a:round/>
+                      <a:headEnd type="none" w="med" len="med"/>
+                      <a:tailEnd type="none" w="med" len="med"/>
+                    </a:lnL>
+                    <a:lnR w="12700" cap="flat" cmpd="sng" algn="ctr">
+                      <a:solidFill>
+                        <a:srgbClr val="000000"/>
+                      </a:solidFill>
+                      <a:prstDash val="solid"/>
+                      <a:round/>
+                      <a:headEnd type="none" w="med" len="med"/>
+                      <a:tailEnd type="none" w="med" len="med"/>
+                    </a:lnR>
+                    <a:lnT w="12700" cap="flat" cmpd="sng" algn="ctr">
+                      <a:solidFill>
+                        <a:srgbClr val="000000"/>
+                      </a:solidFill>
+                      <a:prstDash val="solid"/>
+                      <a:round/>
+                      <a:headEnd type="none" w="med" len="med"/>
+                      <a:tailEnd type="none" w="med" len="med"/>
+                    </a:lnT>
+                    <a:lnB w="12700" cap="flat" cmpd="sng" algn="ctr">
+                      <a:solidFill>
+                        <a:srgbClr val="000000"/>
+                      </a:solidFill>
+                      <a:prstDash val="solid"/>
+                      <a:round/>
+                      <a:headEnd type="none" w="med" len="med"/>
+                      <a:tailEnd type="none" w="med" len="med"/>
+                    </a:lnB>
+                  </a:tcPr>
+                </a:tc>
+              </a:tr>
+            </a:tbl>
+          </a:graphicData>
+        </a:graphic>
+      </p:graphicFrame>
+    </p:spTree>
+  </p:cSld>
+  <p:clrMapOvr>
+    <a:masterClrMapping/>
+  </p:clrMapOvr>
+</p:sld>
+</file>
+
+<file path=ppt/slides/slide15.xml><?xml version="1.0" encoding="utf-8"?>
+<p:sld xmlns:a="http://schemas.openxmlformats.org/drawingml/2006/main" xmlns:r="http://schemas.openxmlformats.org/officeDocument/2006/relationships" xmlns:p="http://schemas.openxmlformats.org/presentationml/2006/main">
+  <p:cSld>
+    <p:spTree>
+      <p:nvGrpSpPr>
+        <p:cNvPr id="1" name=""/>
+        <p:cNvGrpSpPr/>
+        <p:nvPr/>
+      </p:nvGrpSpPr>
+      <p:grpSpPr>
+        <a:xfrm>
+          <a:off x="0" y="0"/>
+          <a:ext cx="0" cy="0"/>
+          <a:chOff x="0" y="0"/>
+          <a:chExt cx="0" cy="0"/>
+        </a:xfrm>
+      </p:grpSpPr>
+      <p:sp>
+        <p:nvSpPr>
+          <p:cNvPr id="2" name="Title 1"/>
+          <p:cNvSpPr>
+            <a:spLocks noGrp="1"/>
+          </p:cNvSpPr>
+          <p:nvPr>
+            <p:ph type="title"/>
+          </p:nvPr>
+        </p:nvSpPr>
+        <p:spPr/>
+        <p:txBody>
+          <a:bodyPr/>
+          <a:lstStyle/>
+          <a:p>
+            <a:r>
+              <a:rPr lang="en-US" dirty="0" smtClean="0"/>
+              <a:t>Search</a:t>
+            </a:r>
+            <a:endParaRPr lang="en-US" dirty="0"/>
+          </a:p>
+        </p:txBody>
+      </p:sp>
+      <p:pic>
+        <p:nvPicPr>
+          <p:cNvPr id="4" name="Picture 3"/>
+          <p:cNvPicPr/>
+          <p:nvPr/>
+        </p:nvPicPr>
+        <p:blipFill>
+          <a:blip r:embed="rId2" cstate="print"/>
+          <a:srcRect/>
+          <a:stretch>
+            <a:fillRect/>
+          </a:stretch>
+        </p:blipFill>
+        <p:spPr bwMode="auto">
+          <a:xfrm>
+            <a:off x="1390279" y="782782"/>
+            <a:ext cx="6239246" cy="4073236"/>
+          </a:xfrm>
+          <a:prstGeom prst="rect">
+            <a:avLst/>
+          </a:prstGeom>
+          <a:noFill/>
+          <a:ln w="9525">
+            <a:noFill/>
+            <a:miter lim="800000"/>
+            <a:headEnd/>
+            <a:tailEnd/>
+          </a:ln>
+        </p:spPr>
+      </p:pic>
+    </p:spTree>
+  </p:cSld>
+  <p:clrMapOvr>
+    <a:masterClrMapping/>
+  </p:clrMapOvr>
+</p:sld>
+</file>
+
+<file path=ppt/slides/slide16.xml><?xml version="1.0" encoding="utf-8"?>
+<p:sld xmlns:a="http://schemas.openxmlformats.org/drawingml/2006/main" xmlns:r="http://schemas.openxmlformats.org/officeDocument/2006/relationships" xmlns:p="http://schemas.openxmlformats.org/presentationml/2006/main">
+  <p:cSld>
+    <p:spTree>
+      <p:nvGrpSpPr>
+        <p:cNvPr id="1" name=""/>
+        <p:cNvGrpSpPr/>
+        <p:nvPr/>
+      </p:nvGrpSpPr>
+      <p:grpSpPr>
+        <a:xfrm>
+          <a:off x="0" y="0"/>
+          <a:ext cx="0" cy="0"/>
+          <a:chOff x="0" y="0"/>
+          <a:chExt cx="0" cy="0"/>
+        </a:xfrm>
+      </p:grpSpPr>
+      <p:sp>
+        <p:nvSpPr>
+          <p:cNvPr id="2" name="Title 1"/>
+          <p:cNvSpPr>
+            <a:spLocks noGrp="1"/>
+          </p:cNvSpPr>
+          <p:nvPr>
+            <p:ph type="title"/>
+          </p:nvPr>
+        </p:nvSpPr>
+        <p:spPr/>
+        <p:txBody>
+          <a:bodyPr/>
+          <a:lstStyle/>
+          <a:p>
+            <a:r>
+              <a:rPr lang="en-US" dirty="0" smtClean="0"/>
+              <a:t>Faculty User</a:t>
+            </a:r>
+            <a:endParaRPr lang="en-US" dirty="0"/>
+          </a:p>
+        </p:txBody>
+      </p:sp>
+      <p:pic>
+        <p:nvPicPr>
+          <p:cNvPr id="4" name="Picture 3" descr="C:\wamp\www\CapstoneProject\Proposal\Design\Faculty User Use Case Diagram.JPG"/>
+          <p:cNvPicPr/>
+          <p:nvPr/>
+        </p:nvPicPr>
+        <p:blipFill>
+          <a:blip r:embed="rId2" cstate="print"/>
+          <a:srcRect/>
+          <a:stretch>
+            <a:fillRect/>
+          </a:stretch>
+        </p:blipFill>
+        <p:spPr bwMode="auto">
+          <a:xfrm>
+            <a:off x="2011568" y="672068"/>
+            <a:ext cx="4579732" cy="3499881"/>
+          </a:xfrm>
+          <a:prstGeom prst="rect">
+            <a:avLst/>
+          </a:prstGeom>
+          <a:noFill/>
+          <a:ln w="9525">
+            <a:noFill/>
+            <a:miter lim="800000"/>
+            <a:headEnd/>
+            <a:tailEnd/>
+          </a:ln>
+        </p:spPr>
+      </p:pic>
+    </p:spTree>
+  </p:cSld>
+  <p:clrMapOvr>
+    <a:masterClrMapping/>
+  </p:clrMapOvr>
+</p:sld>
+</file>
+
+<file path=ppt/slides/slide17.xml><?xml version="1.0" encoding="utf-8"?>
+<p:sld xmlns:a="http://schemas.openxmlformats.org/drawingml/2006/main" xmlns:r="http://schemas.openxmlformats.org/officeDocument/2006/relationships" xmlns:p="http://schemas.openxmlformats.org/presentationml/2006/main">
+  <p:cSld>
+    <p:spTree>
+      <p:nvGrpSpPr>
+        <p:cNvPr id="1" name=""/>
+        <p:cNvGrpSpPr/>
+        <p:nvPr/>
+      </p:nvGrpSpPr>
+      <p:grpSpPr>
+        <a:xfrm>
+          <a:off x="0" y="0"/>
+          <a:ext cx="0" cy="0"/>
+          <a:chOff x="0" y="0"/>
+          <a:chExt cx="0" cy="0"/>
+        </a:xfrm>
+      </p:grpSpPr>
+      <p:sp>
+        <p:nvSpPr>
+          <p:cNvPr id="2" name="Title 1"/>
+          <p:cNvSpPr>
+            <a:spLocks noGrp="1"/>
+          </p:cNvSpPr>
+          <p:nvPr>
+            <p:ph type="title"/>
+          </p:nvPr>
+        </p:nvSpPr>
+        <p:spPr/>
+        <p:txBody>
+          <a:bodyPr/>
+          <a:lstStyle/>
+          <a:p>
+            <a:r>
+              <a:rPr lang="en-US" dirty="0" smtClean="0"/>
+              <a:t>Faculty - Login</a:t>
+            </a:r>
+            <a:endParaRPr lang="en-US" dirty="0"/>
+          </a:p>
+        </p:txBody>
+      </p:sp>
+      <p:graphicFrame>
+        <p:nvGraphicFramePr>
+          <p:cNvPr id="4" name="Table 3"/>
+          <p:cNvGraphicFramePr>
+            <a:graphicFrameLocks noGrp="1"/>
+          </p:cNvGraphicFramePr>
+          <p:nvPr/>
+        </p:nvGraphicFramePr>
+        <p:xfrm>
+          <a:off x="1447800" y="923925"/>
+          <a:ext cx="6096000" cy="2924175"/>
+        </p:xfrm>
+        <a:graphic>
+          <a:graphicData uri="http://schemas.openxmlformats.org/drawingml/2006/table">
+            <a:tbl>
+              <a:tblPr/>
+              <a:tblGrid>
+                <a:gridCol w="3058973"/>
+                <a:gridCol w="3037027"/>
+              </a:tblGrid>
+              <a:tr h="306589">
+                <a:tc>
+                  <a:txBody>
+                    <a:bodyPr/>
+                    <a:lstStyle/>
+                    <a:p>
+                      <a:pPr marL="0" marR="0" algn="ctr">
+                        <a:lnSpc>
+                          <a:spcPct val="115000"/>
+                        </a:lnSpc>
+                        <a:spcBef>
+                          <a:spcPts val="0"/>
+                        </a:spcBef>
+                        <a:spcAft>
+                          <a:spcPts val="0"/>
+                        </a:spcAft>
+                      </a:pPr>
+                      <a:r>
+                        <a:rPr lang="en-US" sz="1600" b="1" i="1">
+                          <a:solidFill>
+                            <a:srgbClr val="000000"/>
+                          </a:solidFill>
+                          <a:latin typeface="Calibri"/>
+                          <a:ea typeface="Times New Roman"/>
+                          <a:cs typeface="Times New Roman"/>
+                        </a:rPr>
+                        <a:t>Faculty</a:t>
+                      </a:r>
+                      <a:endParaRPr lang="en-US" sz="1100">
+                        <a:latin typeface="Calibri"/>
+                        <a:ea typeface="Calibri"/>
+                        <a:cs typeface="Times New Roman"/>
+                      </a:endParaRPr>
+                    </a:p>
+                  </a:txBody>
+                  <a:tcPr marL="68580" marR="68580" marT="0" marB="0" anchor="b">
+                    <a:lnL>
+                      <a:noFill/>
+                    </a:lnL>
+                    <a:lnR>
+                      <a:noFill/>
+                    </a:lnR>
+                    <a:lnT>
+                      <a:noFill/>
+                    </a:lnT>
+                    <a:lnB w="12700" cap="flat" cmpd="sng" algn="ctr">
+                      <a:solidFill>
+                        <a:srgbClr val="000000"/>
+                      </a:solidFill>
+                      <a:prstDash val="solid"/>
+                      <a:round/>
+                      <a:headEnd type="none" w="med" len="med"/>
+                      <a:tailEnd type="none" w="med" len="med"/>
+                    </a:lnB>
+                  </a:tcPr>
+                </a:tc>
+                <a:tc>
+                  <a:txBody>
+                    <a:bodyPr/>
+                    <a:lstStyle/>
+                    <a:p>
+                      <a:pPr algn="l">
+                        <a:lnSpc>
+                          <a:spcPct val="115000"/>
+                        </a:lnSpc>
+                      </a:pPr>
+                      <a:endParaRPr lang="en-US" sz="1100">
+                        <a:latin typeface="Calibri"/>
+                        <a:ea typeface="Times New Roman"/>
+                      </a:endParaRPr>
+                    </a:p>
+                  </a:txBody>
+                  <a:tcPr marL="68580" marR="68580" marT="0" marB="0" anchor="b">
+                    <a:lnL>
+                      <a:noFill/>
+                    </a:lnL>
+                    <a:lnR>
+                      <a:noFill/>
+                    </a:lnR>
+                    <a:lnT>
+                      <a:noFill/>
+                    </a:lnT>
+                    <a:lnB w="12700" cap="flat" cmpd="sng" algn="ctr">
+                      <a:solidFill>
+                        <a:srgbClr val="000000"/>
+                      </a:solidFill>
+                      <a:prstDash val="solid"/>
+                      <a:round/>
+                      <a:headEnd type="none" w="med" len="med"/>
+                      <a:tailEnd type="none" w="med" len="med"/>
+                    </a:lnB>
+                  </a:tcPr>
+                </a:tc>
+              </a:tr>
+              <a:tr h="268265">
+                <a:tc>
+                  <a:txBody>
+                    <a:bodyPr/>
+                    <a:lstStyle/>
+                    <a:p>
+                      <a:pPr marL="0" marR="0" algn="ctr">
+                        <a:lnSpc>
+                          <a:spcPct val="115000"/>
+                        </a:lnSpc>
+                        <a:spcBef>
+                          <a:spcPts val="0"/>
+                        </a:spcBef>
+                        <a:spcAft>
+                          <a:spcPts val="0"/>
+                        </a:spcAft>
+                      </a:pPr>
+                      <a:r>
+                        <a:rPr lang="en-US" sz="1400">
+                          <a:solidFill>
+                            <a:srgbClr val="000000"/>
+                          </a:solidFill>
+                          <a:latin typeface="Calibri"/>
+                          <a:ea typeface="Times New Roman"/>
+                          <a:cs typeface="Times New Roman"/>
+                        </a:rPr>
+                        <a:t>Title</a:t>
+                      </a:r>
+                      <a:endParaRPr lang="en-US" sz="1100">
+                        <a:latin typeface="Calibri"/>
+                        <a:ea typeface="Calibri"/>
+                        <a:cs typeface="Times New Roman"/>
+                      </a:endParaRPr>
+                    </a:p>
+                  </a:txBody>
+                  <a:tcPr marL="68580" marR="68580" marT="0" marB="0" anchor="b">
+                    <a:lnL w="12700" cap="flat" cmpd="sng" algn="ctr">
+                      <a:solidFill>
+                        <a:srgbClr val="000000"/>
+                      </a:solidFill>
+                      <a:prstDash val="solid"/>
+                      <a:round/>
+                      <a:headEnd type="none" w="med" len="med"/>
+                      <a:tailEnd type="none" w="med" len="med"/>
+                    </a:lnL>
+                    <a:lnR w="12700" cap="flat" cmpd="sng" algn="ctr">
+                      <a:solidFill>
+                        <a:srgbClr val="000000"/>
+                      </a:solidFill>
+                      <a:prstDash val="solid"/>
+                      <a:round/>
+                      <a:headEnd type="none" w="med" len="med"/>
+                      <a:tailEnd type="none" w="med" len="med"/>
+                    </a:lnR>
+                    <a:lnT w="12700" cap="flat" cmpd="sng" algn="ctr">
+                      <a:solidFill>
+                        <a:srgbClr val="000000"/>
+                      </a:solidFill>
+                      <a:prstDash val="solid"/>
+                      <a:round/>
+                      <a:headEnd type="none" w="med" len="med"/>
+                      <a:tailEnd type="none" w="med" len="med"/>
+                    </a:lnT>
+                    <a:lnB w="12700" cap="flat" cmpd="sng" algn="ctr">
+                      <a:solidFill>
+                        <a:srgbClr val="000000"/>
+                      </a:solidFill>
+                      <a:prstDash val="solid"/>
+                      <a:round/>
+                      <a:headEnd type="none" w="med" len="med"/>
+                      <a:tailEnd type="none" w="med" len="med"/>
+                    </a:lnB>
+                  </a:tcPr>
+                </a:tc>
+                <a:tc>
+                  <a:txBody>
+                    <a:bodyPr/>
+                    <a:lstStyle/>
+                    <a:p>
+                      <a:pPr marL="0" marR="0" indent="178435" algn="l">
+                        <a:lnSpc>
+                          <a:spcPct val="115000"/>
+                        </a:lnSpc>
+                        <a:spcBef>
+                          <a:spcPts val="0"/>
+                        </a:spcBef>
+                        <a:spcAft>
+                          <a:spcPts val="0"/>
+                        </a:spcAft>
+                      </a:pPr>
+                      <a:r>
+                        <a:rPr lang="en-US" sz="1400" b="1">
+                          <a:solidFill>
+                            <a:srgbClr val="000000"/>
+                          </a:solidFill>
+                          <a:latin typeface="Calibri"/>
+                          <a:ea typeface="Times New Roman"/>
+                          <a:cs typeface="Times New Roman"/>
+                        </a:rPr>
+                        <a:t>Login</a:t>
+                      </a:r>
+                      <a:endParaRPr lang="en-US" sz="1100">
+                        <a:latin typeface="Calibri"/>
+                        <a:ea typeface="Calibri"/>
+                        <a:cs typeface="Times New Roman"/>
+                      </a:endParaRPr>
+                    </a:p>
+                  </a:txBody>
+                  <a:tcPr marL="68580" marR="68580" marT="0" marB="0" anchor="b">
+                    <a:lnL w="12700" cap="flat" cmpd="sng" algn="ctr">
+                      <a:solidFill>
+                        <a:srgbClr val="000000"/>
+                      </a:solidFill>
+                      <a:prstDash val="solid"/>
+                      <a:round/>
+                      <a:headEnd type="none" w="med" len="med"/>
+                      <a:tailEnd type="none" w="med" len="med"/>
+                    </a:lnL>
+                    <a:lnR w="12700" cap="flat" cmpd="sng" algn="ctr">
+                      <a:solidFill>
+                        <a:srgbClr val="000000"/>
+                      </a:solidFill>
+                      <a:prstDash val="solid"/>
+                      <a:round/>
+                      <a:headEnd type="none" w="med" len="med"/>
+                      <a:tailEnd type="none" w="med" len="med"/>
+                    </a:lnR>
+                    <a:lnT w="12700" cap="flat" cmpd="sng" algn="ctr">
+                      <a:solidFill>
+                        <a:srgbClr val="000000"/>
+                      </a:solidFill>
+                      <a:prstDash val="solid"/>
+                      <a:round/>
+                      <a:headEnd type="none" w="med" len="med"/>
+                      <a:tailEnd type="none" w="med" len="med"/>
+                    </a:lnT>
+                    <a:lnB w="12700" cap="flat" cmpd="sng" algn="ctr">
+                      <a:solidFill>
+                        <a:srgbClr val="000000"/>
+                      </a:solidFill>
+                      <a:prstDash val="solid"/>
+                      <a:round/>
+                      <a:headEnd type="none" w="med" len="med"/>
+                      <a:tailEnd type="none" w="med" len="med"/>
+                    </a:lnB>
+                  </a:tcPr>
+                </a:tc>
+              </a:tr>
+              <a:tr h="268265">
+                <a:tc>
+                  <a:txBody>
+                    <a:bodyPr/>
+                    <a:lstStyle/>
+                    <a:p>
+                      <a:pPr marL="0" marR="0" algn="ctr">
+                        <a:lnSpc>
+                          <a:spcPct val="115000"/>
+                        </a:lnSpc>
+                        <a:spcBef>
+                          <a:spcPts val="0"/>
+                        </a:spcBef>
+                        <a:spcAft>
+                          <a:spcPts val="0"/>
+                        </a:spcAft>
+                      </a:pPr>
+                      <a:r>
+                        <a:rPr lang="en-US" sz="1400">
+                          <a:solidFill>
+                            <a:srgbClr val="000000"/>
+                          </a:solidFill>
+                          <a:latin typeface="Calibri"/>
+                          <a:ea typeface="Times New Roman"/>
+                          <a:cs typeface="Times New Roman"/>
+                        </a:rPr>
+                        <a:t>Summary</a:t>
+                      </a:r>
+                      <a:endParaRPr lang="en-US" sz="1100">
+                        <a:latin typeface="Calibri"/>
+                        <a:ea typeface="Calibri"/>
+                        <a:cs typeface="Times New Roman"/>
+                      </a:endParaRPr>
+                    </a:p>
+                  </a:txBody>
+                  <a:tcPr marL="68580" marR="68580" marT="0" marB="0" anchor="b">
+                    <a:lnL w="12700" cap="flat" cmpd="sng" algn="ctr">
+                      <a:solidFill>
+                        <a:srgbClr val="000000"/>
+                      </a:solidFill>
+                      <a:prstDash val="solid"/>
+                      <a:round/>
+                      <a:headEnd type="none" w="med" len="med"/>
+                      <a:tailEnd type="none" w="med" len="med"/>
+                    </a:lnL>
+                    <a:lnR w="12700" cap="flat" cmpd="sng" algn="ctr">
+                      <a:solidFill>
+                        <a:srgbClr val="000000"/>
+                      </a:solidFill>
+                      <a:prstDash val="solid"/>
+                      <a:round/>
+                      <a:headEnd type="none" w="med" len="med"/>
+                      <a:tailEnd type="none" w="med" len="med"/>
+                    </a:lnR>
+                    <a:lnT w="12700" cap="flat" cmpd="sng" algn="ctr">
+                      <a:solidFill>
+                        <a:srgbClr val="000000"/>
+                      </a:solidFill>
+                      <a:prstDash val="solid"/>
+                      <a:round/>
+                      <a:headEnd type="none" w="med" len="med"/>
+                      <a:tailEnd type="none" w="med" len="med"/>
+                    </a:lnT>
+                    <a:lnB w="12700" cap="flat" cmpd="sng" algn="ctr">
+                      <a:solidFill>
+                        <a:srgbClr val="000000"/>
+                      </a:solidFill>
+                      <a:prstDash val="solid"/>
+                      <a:round/>
+                      <a:headEnd type="none" w="med" len="med"/>
+                      <a:tailEnd type="none" w="med" len="med"/>
+                    </a:lnB>
+                  </a:tcPr>
+                </a:tc>
+                <a:tc>
+                  <a:txBody>
+                    <a:bodyPr/>
+                    <a:lstStyle/>
+                    <a:p>
+                      <a:pPr marL="0" marR="0" indent="177800" algn="l">
+                        <a:lnSpc>
+                          <a:spcPct val="115000"/>
+                        </a:lnSpc>
+                        <a:spcBef>
+                          <a:spcPts val="0"/>
+                        </a:spcBef>
+                        <a:spcAft>
+                          <a:spcPts val="0"/>
+                        </a:spcAft>
+                      </a:pPr>
+                      <a:r>
+                        <a:rPr lang="en-US" sz="1400">
+                          <a:solidFill>
+                            <a:srgbClr val="000000"/>
+                          </a:solidFill>
+                          <a:latin typeface="Calibri"/>
+                          <a:ea typeface="Times New Roman"/>
+                          <a:cs typeface="Times New Roman"/>
+                        </a:rPr>
+                        <a:t>Users with accounts can login</a:t>
+                      </a:r>
+                      <a:endParaRPr lang="en-US" sz="1100">
+                        <a:latin typeface="Calibri"/>
+                        <a:ea typeface="Calibri"/>
+                        <a:cs typeface="Times New Roman"/>
+                      </a:endParaRPr>
+                    </a:p>
+                  </a:txBody>
+                  <a:tcPr marL="68580" marR="68580" marT="0" marB="0" anchor="b">
+                    <a:lnL w="12700" cap="flat" cmpd="sng" algn="ctr">
+                      <a:solidFill>
+                        <a:srgbClr val="000000"/>
+                      </a:solidFill>
+                      <a:prstDash val="solid"/>
+                      <a:round/>
+                      <a:headEnd type="none" w="med" len="med"/>
+                      <a:tailEnd type="none" w="med" len="med"/>
+                    </a:lnL>
+                    <a:lnR w="12700" cap="flat" cmpd="sng" algn="ctr">
+                      <a:solidFill>
+                        <a:srgbClr val="000000"/>
+                      </a:solidFill>
+                      <a:prstDash val="solid"/>
+                      <a:round/>
+                      <a:headEnd type="none" w="med" len="med"/>
+                      <a:tailEnd type="none" w="med" len="med"/>
+                    </a:lnR>
+                    <a:lnT w="12700" cap="flat" cmpd="sng" algn="ctr">
+                      <a:solidFill>
+                        <a:srgbClr val="000000"/>
+                      </a:solidFill>
+                      <a:prstDash val="solid"/>
+                      <a:round/>
+                      <a:headEnd type="none" w="med" len="med"/>
+                      <a:tailEnd type="none" w="med" len="med"/>
+                    </a:lnT>
+                    <a:lnB w="12700" cap="flat" cmpd="sng" algn="ctr">
+                      <a:solidFill>
+                        <a:srgbClr val="000000"/>
+                      </a:solidFill>
+                      <a:prstDash val="solid"/>
+                      <a:round/>
+                      <a:headEnd type="none" w="med" len="med"/>
+                      <a:tailEnd type="none" w="med" len="med"/>
+                    </a:lnB>
+                  </a:tcPr>
+                </a:tc>
+              </a:tr>
+              <a:tr h="268265">
+                <a:tc>
+                  <a:txBody>
+                    <a:bodyPr/>
+                    <a:lstStyle/>
+                    <a:p>
+                      <a:pPr marL="0" marR="0" algn="ctr">
+                        <a:lnSpc>
+                          <a:spcPct val="115000"/>
+                        </a:lnSpc>
+                        <a:spcBef>
+                          <a:spcPts val="0"/>
+                        </a:spcBef>
+                        <a:spcAft>
+                          <a:spcPts val="0"/>
+                        </a:spcAft>
+                      </a:pPr>
+                      <a:r>
+                        <a:rPr lang="en-US" sz="1400">
+                          <a:solidFill>
+                            <a:srgbClr val="000000"/>
+                          </a:solidFill>
+                          <a:latin typeface="Calibri"/>
+                          <a:ea typeface="Times New Roman"/>
+                          <a:cs typeface="Times New Roman"/>
+                        </a:rPr>
+                        <a:t>Preconditions</a:t>
+                      </a:r>
+                      <a:endParaRPr lang="en-US" sz="1100">
+                        <a:latin typeface="Calibri"/>
+                        <a:ea typeface="Calibri"/>
+                        <a:cs typeface="Times New Roman"/>
+                      </a:endParaRPr>
+                    </a:p>
+                  </a:txBody>
+                  <a:tcPr marL="68580" marR="68580" marT="0" marB="0" anchor="b">
+                    <a:lnL w="12700" cap="flat" cmpd="sng" algn="ctr">
+                      <a:solidFill>
+                        <a:srgbClr val="000000"/>
+                      </a:solidFill>
+                      <a:prstDash val="solid"/>
+                      <a:round/>
+                      <a:headEnd type="none" w="med" len="med"/>
+                      <a:tailEnd type="none" w="med" len="med"/>
+                    </a:lnL>
+                    <a:lnR w="12700" cap="flat" cmpd="sng" algn="ctr">
+                      <a:solidFill>
+                        <a:srgbClr val="000000"/>
+                      </a:solidFill>
+                      <a:prstDash val="solid"/>
+                      <a:round/>
+                      <a:headEnd type="none" w="med" len="med"/>
+                      <a:tailEnd type="none" w="med" len="med"/>
+                    </a:lnR>
+                    <a:lnT w="12700" cap="flat" cmpd="sng" algn="ctr">
+                      <a:solidFill>
+                        <a:srgbClr val="000000"/>
+                      </a:solidFill>
+                      <a:prstDash val="solid"/>
+                      <a:round/>
+                      <a:headEnd type="none" w="med" len="med"/>
+                      <a:tailEnd type="none" w="med" len="med"/>
+                    </a:lnT>
+                    <a:lnB w="12700" cap="flat" cmpd="sng" algn="ctr">
+                      <a:solidFill>
+                        <a:srgbClr val="000000"/>
+                      </a:solidFill>
+                      <a:prstDash val="solid"/>
+                      <a:round/>
+                      <a:headEnd type="none" w="med" len="med"/>
+                      <a:tailEnd type="none" w="med" len="med"/>
+                    </a:lnB>
+                  </a:tcPr>
+                </a:tc>
+                <a:tc>
+                  <a:txBody>
+                    <a:bodyPr/>
+                    <a:lstStyle/>
+                    <a:p>
+                      <a:pPr marL="0" marR="0" indent="177800" algn="l">
+                        <a:lnSpc>
+                          <a:spcPct val="115000"/>
+                        </a:lnSpc>
+                        <a:spcBef>
+                          <a:spcPts val="0"/>
+                        </a:spcBef>
+                        <a:spcAft>
+                          <a:spcPts val="0"/>
+                        </a:spcAft>
+                      </a:pPr>
+                      <a:r>
+                        <a:rPr lang="en-US" sz="1400">
+                          <a:solidFill>
+                            <a:srgbClr val="000000"/>
+                          </a:solidFill>
+                          <a:latin typeface="Calibri"/>
+                          <a:ea typeface="Times New Roman"/>
+                          <a:cs typeface="Times New Roman"/>
+                        </a:rPr>
+                        <a:t>The user has account on the blog</a:t>
+                      </a:r>
+                      <a:endParaRPr lang="en-US" sz="1100">
+                        <a:latin typeface="Calibri"/>
+                        <a:ea typeface="Calibri"/>
+                        <a:cs typeface="Times New Roman"/>
+                      </a:endParaRPr>
+                    </a:p>
+                  </a:txBody>
+                  <a:tcPr marL="68580" marR="68580" marT="0" marB="0" anchor="b">
+                    <a:lnL w="12700" cap="flat" cmpd="sng" algn="ctr">
+                      <a:solidFill>
+                        <a:srgbClr val="000000"/>
+                      </a:solidFill>
+                      <a:prstDash val="solid"/>
+                      <a:round/>
+                      <a:headEnd type="none" w="med" len="med"/>
+                      <a:tailEnd type="none" w="med" len="med"/>
+                    </a:lnL>
+                    <a:lnR w="12700" cap="flat" cmpd="sng" algn="ctr">
+                      <a:solidFill>
+                        <a:srgbClr val="000000"/>
+                      </a:solidFill>
+                      <a:prstDash val="solid"/>
+                      <a:round/>
+                      <a:headEnd type="none" w="med" len="med"/>
+                      <a:tailEnd type="none" w="med" len="med"/>
+                    </a:lnR>
+                    <a:lnT w="12700" cap="flat" cmpd="sng" algn="ctr">
+                      <a:solidFill>
+                        <a:srgbClr val="000000"/>
+                      </a:solidFill>
+                      <a:prstDash val="solid"/>
+                      <a:round/>
+                      <a:headEnd type="none" w="med" len="med"/>
+                      <a:tailEnd type="none" w="med" len="med"/>
+                    </a:lnT>
+                    <a:lnB w="12700" cap="flat" cmpd="sng" algn="ctr">
+                      <a:solidFill>
+                        <a:srgbClr val="000000"/>
+                      </a:solidFill>
+                      <a:prstDash val="solid"/>
+                      <a:round/>
+                      <a:headEnd type="none" w="med" len="med"/>
+                      <a:tailEnd type="none" w="med" len="med"/>
+                    </a:lnB>
+                  </a:tcPr>
+                </a:tc>
+              </a:tr>
+              <a:tr h="268265">
+                <a:tc>
+                  <a:txBody>
+                    <a:bodyPr/>
+                    <a:lstStyle/>
+                    <a:p>
+                      <a:pPr marL="0" marR="0" algn="ctr">
+                        <a:lnSpc>
+                          <a:spcPct val="115000"/>
+                        </a:lnSpc>
+                        <a:spcBef>
+                          <a:spcPts val="0"/>
+                        </a:spcBef>
+                        <a:spcAft>
+                          <a:spcPts val="0"/>
+                        </a:spcAft>
+                      </a:pPr>
+                      <a:r>
+                        <a:rPr lang="en-US" sz="1400">
+                          <a:solidFill>
+                            <a:srgbClr val="000000"/>
+                          </a:solidFill>
+                          <a:latin typeface="Calibri"/>
+                          <a:ea typeface="Times New Roman"/>
+                          <a:cs typeface="Times New Roman"/>
+                        </a:rPr>
+                        <a:t>Post-conditions</a:t>
+                      </a:r>
+                      <a:endParaRPr lang="en-US" sz="1100">
+                        <a:latin typeface="Calibri"/>
+                        <a:ea typeface="Calibri"/>
+                        <a:cs typeface="Times New Roman"/>
+                      </a:endParaRPr>
+                    </a:p>
+                  </a:txBody>
+                  <a:tcPr marL="68580" marR="68580" marT="0" marB="0" anchor="b">
+                    <a:lnL w="12700" cap="flat" cmpd="sng" algn="ctr">
+                      <a:solidFill>
+                        <a:srgbClr val="000000"/>
+                      </a:solidFill>
+                      <a:prstDash val="solid"/>
+                      <a:round/>
+                      <a:headEnd type="none" w="med" len="med"/>
+                      <a:tailEnd type="none" w="med" len="med"/>
+                    </a:lnL>
+                    <a:lnR w="12700" cap="flat" cmpd="sng" algn="ctr">
+                      <a:solidFill>
+                        <a:srgbClr val="000000"/>
+                      </a:solidFill>
+                      <a:prstDash val="solid"/>
+                      <a:round/>
+                      <a:headEnd type="none" w="med" len="med"/>
+                      <a:tailEnd type="none" w="med" len="med"/>
+                    </a:lnR>
+                    <a:lnT w="12700" cap="flat" cmpd="sng" algn="ctr">
+                      <a:solidFill>
+                        <a:srgbClr val="000000"/>
+                      </a:solidFill>
+                      <a:prstDash val="solid"/>
+                      <a:round/>
+                      <a:headEnd type="none" w="med" len="med"/>
+                      <a:tailEnd type="none" w="med" len="med"/>
+                    </a:lnT>
+                    <a:lnB w="12700" cap="flat" cmpd="sng" algn="ctr">
+                      <a:solidFill>
+                        <a:srgbClr val="000000"/>
+                      </a:solidFill>
+                      <a:prstDash val="solid"/>
+                      <a:round/>
+                      <a:headEnd type="none" w="med" len="med"/>
+                      <a:tailEnd type="none" w="med" len="med"/>
+                    </a:lnB>
+                  </a:tcPr>
+                </a:tc>
+                <a:tc>
+                  <a:txBody>
+                    <a:bodyPr/>
+                    <a:lstStyle/>
+                    <a:p>
+                      <a:pPr marL="0" marR="0" indent="177800" algn="l">
+                        <a:lnSpc>
+                          <a:spcPct val="115000"/>
+                        </a:lnSpc>
+                        <a:spcBef>
+                          <a:spcPts val="0"/>
+                        </a:spcBef>
+                        <a:spcAft>
+                          <a:spcPts val="0"/>
+                        </a:spcAft>
+                      </a:pPr>
+                      <a:r>
+                        <a:rPr lang="en-US" sz="1400">
+                          <a:solidFill>
+                            <a:srgbClr val="000000"/>
+                          </a:solidFill>
+                          <a:latin typeface="Calibri"/>
+                          <a:ea typeface="Times New Roman"/>
+                          <a:cs typeface="Times New Roman"/>
+                        </a:rPr>
+                        <a:t>The user logs into the blog</a:t>
+                      </a:r>
+                      <a:endParaRPr lang="en-US" sz="1100">
+                        <a:latin typeface="Calibri"/>
+                        <a:ea typeface="Calibri"/>
+                        <a:cs typeface="Times New Roman"/>
+                      </a:endParaRPr>
+                    </a:p>
+                  </a:txBody>
+                  <a:tcPr marL="68580" marR="68580" marT="0" marB="0" anchor="b">
+                    <a:lnL w="12700" cap="flat" cmpd="sng" algn="ctr">
+                      <a:solidFill>
+                        <a:srgbClr val="000000"/>
+                      </a:solidFill>
+                      <a:prstDash val="solid"/>
+                      <a:round/>
+                      <a:headEnd type="none" w="med" len="med"/>
+                      <a:tailEnd type="none" w="med" len="med"/>
+                    </a:lnL>
+                    <a:lnR w="12700" cap="flat" cmpd="sng" algn="ctr">
+                      <a:solidFill>
+                        <a:srgbClr val="000000"/>
+                      </a:solidFill>
+                      <a:prstDash val="solid"/>
+                      <a:round/>
+                      <a:headEnd type="none" w="med" len="med"/>
+                      <a:tailEnd type="none" w="med" len="med"/>
+                    </a:lnR>
+                    <a:lnT w="12700" cap="flat" cmpd="sng" algn="ctr">
+                      <a:solidFill>
+                        <a:srgbClr val="000000"/>
+                      </a:solidFill>
+                      <a:prstDash val="solid"/>
+                      <a:round/>
+                      <a:headEnd type="none" w="med" len="med"/>
+                      <a:tailEnd type="none" w="med" len="med"/>
+                    </a:lnT>
+                    <a:lnB w="12700" cap="flat" cmpd="sng" algn="ctr">
+                      <a:solidFill>
+                        <a:srgbClr val="000000"/>
+                      </a:solidFill>
+                      <a:prstDash val="solid"/>
+                      <a:round/>
+                      <a:headEnd type="none" w="med" len="med"/>
+                      <a:tailEnd type="none" w="med" len="med"/>
+                    </a:lnB>
+                  </a:tcPr>
+                </a:tc>
+              </a:tr>
+              <a:tr h="260350">
+                <a:tc>
+                  <a:txBody>
+                    <a:bodyPr/>
+                    <a:lstStyle/>
+                    <a:p>
+                      <a:pPr algn="l">
+                        <a:lnSpc>
+                          <a:spcPct val="115000"/>
+                        </a:lnSpc>
+                      </a:pPr>
+                      <a:endParaRPr lang="en-US" sz="1100">
+                        <a:latin typeface="Calibri"/>
+                        <a:ea typeface="Times New Roman"/>
+                      </a:endParaRPr>
+                    </a:p>
+                  </a:txBody>
+                  <a:tcPr marL="68580" marR="68580" marT="0" marB="0" anchor="b">
+                    <a:lnL>
+                      <a:noFill/>
+                    </a:lnL>
+                    <a:lnR>
+                      <a:noFill/>
+                    </a:lnR>
+                    <a:lnT w="12700" cap="flat" cmpd="sng" algn="ctr">
+                      <a:solidFill>
+                        <a:srgbClr val="000000"/>
+                      </a:solidFill>
+                      <a:prstDash val="solid"/>
+                      <a:round/>
+                      <a:headEnd type="none" w="med" len="med"/>
+                      <a:tailEnd type="none" w="med" len="med"/>
+                    </a:lnT>
+                    <a:lnB w="12700" cap="flat" cmpd="sng" algn="ctr">
+                      <a:solidFill>
+                        <a:srgbClr val="000000"/>
+                      </a:solidFill>
+                      <a:prstDash val="solid"/>
+                      <a:round/>
+                      <a:headEnd type="none" w="med" len="med"/>
+                      <a:tailEnd type="none" w="med" len="med"/>
+                    </a:lnB>
+                  </a:tcPr>
+                </a:tc>
+                <a:tc>
+                  <a:txBody>
+                    <a:bodyPr/>
+                    <a:lstStyle/>
+                    <a:p>
+                      <a:pPr algn="l">
+                        <a:lnSpc>
+                          <a:spcPct val="115000"/>
+                        </a:lnSpc>
+                      </a:pPr>
+                      <a:endParaRPr lang="en-US" sz="1100">
+                        <a:latin typeface="Calibri"/>
+                        <a:ea typeface="Times New Roman"/>
+                      </a:endParaRPr>
+                    </a:p>
+                  </a:txBody>
+                  <a:tcPr marL="68580" marR="68580" marT="0" marB="0" anchor="b">
+                    <a:lnL>
+                      <a:noFill/>
+                    </a:lnL>
+                    <a:lnR>
+                      <a:noFill/>
+                    </a:lnR>
+                    <a:lnT w="12700" cap="flat" cmpd="sng" algn="ctr">
+                      <a:solidFill>
+                        <a:srgbClr val="000000"/>
+                      </a:solidFill>
+                      <a:prstDash val="solid"/>
+                      <a:round/>
+                      <a:headEnd type="none" w="med" len="med"/>
+                      <a:tailEnd type="none" w="med" len="med"/>
+                    </a:lnT>
+                    <a:lnB w="12700" cap="flat" cmpd="sng" algn="ctr">
+                      <a:solidFill>
+                        <a:srgbClr val="000000"/>
+                      </a:solidFill>
+                      <a:prstDash val="solid"/>
+                      <a:round/>
+                      <a:headEnd type="none" w="med" len="med"/>
+                      <a:tailEnd type="none" w="med" len="med"/>
+                    </a:lnB>
+                  </a:tcPr>
+                </a:tc>
+              </a:tr>
+              <a:tr h="268265">
+                <a:tc>
+                  <a:txBody>
+                    <a:bodyPr/>
+                    <a:lstStyle/>
+                    <a:p>
+                      <a:pPr marL="0" marR="0" algn="ctr">
+                        <a:lnSpc>
+                          <a:spcPct val="115000"/>
+                        </a:lnSpc>
+                        <a:spcBef>
+                          <a:spcPts val="0"/>
+                        </a:spcBef>
+                        <a:spcAft>
+                          <a:spcPts val="0"/>
+                        </a:spcAft>
+                      </a:pPr>
+                      <a:r>
+                        <a:rPr lang="en-US" sz="1400">
+                          <a:solidFill>
+                            <a:srgbClr val="000000"/>
+                          </a:solidFill>
+                          <a:latin typeface="Calibri"/>
+                          <a:ea typeface="Times New Roman"/>
+                          <a:cs typeface="Times New Roman"/>
+                        </a:rPr>
+                        <a:t>Actor : Registered User</a:t>
+                      </a:r>
+                      <a:endParaRPr lang="en-US" sz="1100">
+                        <a:latin typeface="Calibri"/>
+                        <a:ea typeface="Calibri"/>
+                        <a:cs typeface="Times New Roman"/>
+                      </a:endParaRPr>
+                    </a:p>
+                  </a:txBody>
+                  <a:tcPr marL="68580" marR="68580" marT="0" marB="0" anchor="b">
+                    <a:lnL w="12700" cap="flat" cmpd="sng" algn="ctr">
+                      <a:solidFill>
+                        <a:srgbClr val="000000"/>
+                      </a:solidFill>
+                      <a:prstDash val="solid"/>
+                      <a:round/>
+                      <a:headEnd type="none" w="med" len="med"/>
+                      <a:tailEnd type="none" w="med" len="med"/>
+                    </a:lnL>
+                    <a:lnR w="12700" cap="flat" cmpd="sng" algn="ctr">
+                      <a:solidFill>
+                        <a:srgbClr val="000000"/>
+                      </a:solidFill>
+                      <a:prstDash val="solid"/>
+                      <a:round/>
+                      <a:headEnd type="none" w="med" len="med"/>
+                      <a:tailEnd type="none" w="med" len="med"/>
+                    </a:lnR>
+                    <a:lnT w="12700" cap="flat" cmpd="sng" algn="ctr">
+                      <a:solidFill>
+                        <a:srgbClr val="000000"/>
+                      </a:solidFill>
+                      <a:prstDash val="solid"/>
+                      <a:round/>
+                      <a:headEnd type="none" w="med" len="med"/>
+                      <a:tailEnd type="none" w="med" len="med"/>
+                    </a:lnT>
+                    <a:lnB w="12700" cap="flat" cmpd="sng" algn="ctr">
+                      <a:solidFill>
+                        <a:srgbClr val="000000"/>
+                      </a:solidFill>
+                      <a:prstDash val="solid"/>
+                      <a:round/>
+                      <a:headEnd type="none" w="med" len="med"/>
+                      <a:tailEnd type="none" w="med" len="med"/>
+                    </a:lnB>
+                  </a:tcPr>
+                </a:tc>
+                <a:tc>
+                  <a:txBody>
+                    <a:bodyPr/>
+                    <a:lstStyle/>
+                    <a:p>
+                      <a:pPr marL="0" marR="0" algn="ctr">
+                        <a:lnSpc>
+                          <a:spcPct val="115000"/>
+                        </a:lnSpc>
+                        <a:spcBef>
+                          <a:spcPts val="0"/>
+                        </a:spcBef>
+                        <a:spcAft>
+                          <a:spcPts val="0"/>
+                        </a:spcAft>
+                      </a:pPr>
+                      <a:r>
+                        <a:rPr lang="en-US" sz="1400">
+                          <a:solidFill>
+                            <a:srgbClr val="000000"/>
+                          </a:solidFill>
+                          <a:latin typeface="Calibri"/>
+                          <a:ea typeface="Times New Roman"/>
+                          <a:cs typeface="Times New Roman"/>
+                        </a:rPr>
+                        <a:t>System</a:t>
+                      </a:r>
+                      <a:endParaRPr lang="en-US" sz="1100">
+                        <a:latin typeface="Calibri"/>
+                        <a:ea typeface="Calibri"/>
+                        <a:cs typeface="Times New Roman"/>
+                      </a:endParaRPr>
+                    </a:p>
+                  </a:txBody>
+                  <a:tcPr marL="68580" marR="68580" marT="0" marB="0" anchor="b">
+                    <a:lnL w="12700" cap="flat" cmpd="sng" algn="ctr">
+                      <a:solidFill>
+                        <a:srgbClr val="000000"/>
+                      </a:solidFill>
+                      <a:prstDash val="solid"/>
+                      <a:round/>
+                      <a:headEnd type="none" w="med" len="med"/>
+                      <a:tailEnd type="none" w="med" len="med"/>
+                    </a:lnL>
+                    <a:lnR w="12700" cap="flat" cmpd="sng" algn="ctr">
+                      <a:solidFill>
+                        <a:srgbClr val="000000"/>
+                      </a:solidFill>
+                      <a:prstDash val="solid"/>
+                      <a:round/>
+                      <a:headEnd type="none" w="med" len="med"/>
+                      <a:tailEnd type="none" w="med" len="med"/>
+                    </a:lnR>
+                    <a:lnT w="12700" cap="flat" cmpd="sng" algn="ctr">
+                      <a:solidFill>
+                        <a:srgbClr val="000000"/>
+                      </a:solidFill>
+                      <a:prstDash val="solid"/>
+                      <a:round/>
+                      <a:headEnd type="none" w="med" len="med"/>
+                      <a:tailEnd type="none" w="med" len="med"/>
+                    </a:lnT>
+                    <a:lnB w="12700" cap="flat" cmpd="sng" algn="ctr">
+                      <a:solidFill>
+                        <a:srgbClr val="000000"/>
+                      </a:solidFill>
+                      <a:prstDash val="solid"/>
+                      <a:round/>
+                      <a:headEnd type="none" w="med" len="med"/>
+                      <a:tailEnd type="none" w="med" len="med"/>
+                    </a:lnB>
+                  </a:tcPr>
+                </a:tc>
+              </a:tr>
+              <a:tr h="536530">
+                <a:tc>
+                  <a:txBody>
+                    <a:bodyPr/>
+                    <a:lstStyle/>
+                    <a:p>
+                      <a:pPr marL="0" marR="0" algn="l">
+                        <a:lnSpc>
+                          <a:spcPct val="115000"/>
+                        </a:lnSpc>
+                        <a:spcBef>
+                          <a:spcPts val="0"/>
+                        </a:spcBef>
+                        <a:spcAft>
+                          <a:spcPts val="0"/>
+                        </a:spcAft>
+                      </a:pPr>
+                      <a:r>
+                        <a:rPr lang="en-US" sz="1400">
+                          <a:solidFill>
+                            <a:srgbClr val="000000"/>
+                          </a:solidFill>
+                          <a:latin typeface="Calibri"/>
+                          <a:ea typeface="Times New Roman"/>
+                          <a:cs typeface="Times New Roman"/>
+                        </a:rPr>
+                        <a:t>0. The user opens the webpage</a:t>
+                      </a:r>
+                      <a:endParaRPr lang="en-US" sz="1100">
+                        <a:latin typeface="Calibri"/>
+                        <a:ea typeface="Calibri"/>
+                        <a:cs typeface="Times New Roman"/>
+                      </a:endParaRPr>
+                    </a:p>
+                  </a:txBody>
+                  <a:tcPr marL="68580" marR="68580" marT="0" marB="0" anchor="b">
+                    <a:lnL w="12700" cap="flat" cmpd="sng" algn="ctr">
+                      <a:solidFill>
+                        <a:srgbClr val="000000"/>
+                      </a:solidFill>
+                      <a:prstDash val="solid"/>
+                      <a:round/>
+                      <a:headEnd type="none" w="med" len="med"/>
+                      <a:tailEnd type="none" w="med" len="med"/>
+                    </a:lnL>
+                    <a:lnR w="12700" cap="flat" cmpd="sng" algn="ctr">
+                      <a:solidFill>
+                        <a:srgbClr val="000000"/>
+                      </a:solidFill>
+                      <a:prstDash val="solid"/>
+                      <a:round/>
+                      <a:headEnd type="none" w="med" len="med"/>
+                      <a:tailEnd type="none" w="med" len="med"/>
+                    </a:lnR>
+                    <a:lnT w="12700" cap="flat" cmpd="sng" algn="ctr">
+                      <a:solidFill>
+                        <a:srgbClr val="000000"/>
+                      </a:solidFill>
+                      <a:prstDash val="solid"/>
+                      <a:round/>
+                      <a:headEnd type="none" w="med" len="med"/>
+                      <a:tailEnd type="none" w="med" len="med"/>
+                    </a:lnT>
+                    <a:lnB w="12700" cap="flat" cmpd="sng" algn="ctr">
+                      <a:solidFill>
+                        <a:srgbClr val="000000"/>
+                      </a:solidFill>
+                      <a:prstDash val="solid"/>
+                      <a:round/>
+                      <a:headEnd type="none" w="med" len="med"/>
+                      <a:tailEnd type="none" w="med" len="med"/>
+                    </a:lnB>
+                  </a:tcPr>
+                </a:tc>
+                <a:tc>
+                  <a:txBody>
+                    <a:bodyPr/>
+                    <a:lstStyle/>
+                    <a:p>
+                      <a:pPr marL="0" marR="0" indent="177800" algn="l">
+                        <a:lnSpc>
+                          <a:spcPct val="115000"/>
+                        </a:lnSpc>
+                        <a:spcBef>
+                          <a:spcPts val="0"/>
+                        </a:spcBef>
+                        <a:spcAft>
+                          <a:spcPts val="0"/>
+                        </a:spcAft>
+                      </a:pPr>
+                      <a:r>
+                        <a:rPr lang="en-US" sz="1400">
+                          <a:solidFill>
+                            <a:srgbClr val="000000"/>
+                          </a:solidFill>
+                          <a:latin typeface="Calibri"/>
+                          <a:ea typeface="Times New Roman"/>
+                          <a:cs typeface="Times New Roman"/>
+                        </a:rPr>
+                        <a:t>1. System displays the blog homepage</a:t>
+                      </a:r>
+                      <a:endParaRPr lang="en-US" sz="1100">
+                        <a:latin typeface="Calibri"/>
+                        <a:ea typeface="Calibri"/>
+                        <a:cs typeface="Times New Roman"/>
+                      </a:endParaRPr>
+                    </a:p>
+                  </a:txBody>
+                  <a:tcPr marL="68580" marR="68580" marT="0" marB="0" anchor="b">
+                    <a:lnL w="12700" cap="flat" cmpd="sng" algn="ctr">
+                      <a:solidFill>
+                        <a:srgbClr val="000000"/>
+                      </a:solidFill>
+                      <a:prstDash val="solid"/>
+                      <a:round/>
+                      <a:headEnd type="none" w="med" len="med"/>
+                      <a:tailEnd type="none" w="med" len="med"/>
+                    </a:lnL>
+                    <a:lnR w="12700" cap="flat" cmpd="sng" algn="ctr">
+                      <a:solidFill>
+                        <a:srgbClr val="000000"/>
+                      </a:solidFill>
+                      <a:prstDash val="solid"/>
+                      <a:round/>
+                      <a:headEnd type="none" w="med" len="med"/>
+                      <a:tailEnd type="none" w="med" len="med"/>
+                    </a:lnR>
+                    <a:lnT w="12700" cap="flat" cmpd="sng" algn="ctr">
+                      <a:solidFill>
+                        <a:srgbClr val="000000"/>
+                      </a:solidFill>
+                      <a:prstDash val="solid"/>
+                      <a:round/>
+                      <a:headEnd type="none" w="med" len="med"/>
+                      <a:tailEnd type="none" w="med" len="med"/>
+                    </a:lnT>
+                    <a:lnB w="12700" cap="flat" cmpd="sng" algn="ctr">
+                      <a:solidFill>
+                        <a:srgbClr val="000000"/>
+                      </a:solidFill>
+                      <a:prstDash val="solid"/>
+                      <a:round/>
+                      <a:headEnd type="none" w="med" len="med"/>
+                      <a:tailEnd type="none" w="med" len="med"/>
+                    </a:lnB>
+                  </a:tcPr>
+                </a:tc>
+              </a:tr>
+              <a:tr h="479381">
+                <a:tc>
+                  <a:txBody>
+                    <a:bodyPr/>
+                    <a:lstStyle/>
+                    <a:p>
+                      <a:pPr marL="0" marR="0" algn="l">
+                        <a:lnSpc>
+                          <a:spcPct val="115000"/>
+                        </a:lnSpc>
+                        <a:spcBef>
+                          <a:spcPts val="0"/>
+                        </a:spcBef>
+                        <a:spcAft>
+                          <a:spcPts val="0"/>
+                        </a:spcAft>
+                      </a:pPr>
+                      <a:r>
+                        <a:rPr lang="en-US" sz="1400">
+                          <a:solidFill>
+                            <a:srgbClr val="000000"/>
+                          </a:solidFill>
+                          <a:latin typeface="Calibri"/>
+                          <a:ea typeface="Times New Roman"/>
+                          <a:cs typeface="Times New Roman"/>
+                        </a:rPr>
+                        <a:t>2. The user enters their login credentials and clicks 'Login'</a:t>
+                      </a:r>
+                      <a:endParaRPr lang="en-US" sz="1100">
+                        <a:latin typeface="Calibri"/>
+                        <a:ea typeface="Calibri"/>
+                        <a:cs typeface="Times New Roman"/>
+                      </a:endParaRPr>
+                    </a:p>
+                  </a:txBody>
+                  <a:tcPr marL="68580" marR="68580" marT="0" marB="0" anchor="b">
+                    <a:lnL w="12700" cap="flat" cmpd="sng" algn="ctr">
+                      <a:solidFill>
+                        <a:srgbClr val="000000"/>
+                      </a:solidFill>
+                      <a:prstDash val="solid"/>
+                      <a:round/>
+                      <a:headEnd type="none" w="med" len="med"/>
+                      <a:tailEnd type="none" w="med" len="med"/>
+                    </a:lnL>
+                    <a:lnR w="12700" cap="flat" cmpd="sng" algn="ctr">
+                      <a:solidFill>
+                        <a:srgbClr val="000000"/>
+                      </a:solidFill>
+                      <a:prstDash val="solid"/>
+                      <a:round/>
+                      <a:headEnd type="none" w="med" len="med"/>
+                      <a:tailEnd type="none" w="med" len="med"/>
+                    </a:lnR>
+                    <a:lnT w="12700" cap="flat" cmpd="sng" algn="ctr">
+                      <a:solidFill>
+                        <a:srgbClr val="000000"/>
+                      </a:solidFill>
+                      <a:prstDash val="solid"/>
+                      <a:round/>
+                      <a:headEnd type="none" w="med" len="med"/>
+                      <a:tailEnd type="none" w="med" len="med"/>
+                    </a:lnT>
+                    <a:lnB w="12700" cap="flat" cmpd="sng" algn="ctr">
+                      <a:solidFill>
+                        <a:srgbClr val="000000"/>
+                      </a:solidFill>
+                      <a:prstDash val="solid"/>
+                      <a:round/>
+                      <a:headEnd type="none" w="med" len="med"/>
+                      <a:tailEnd type="none" w="med" len="med"/>
+                    </a:lnB>
+                  </a:tcPr>
+                </a:tc>
+                <a:tc>
+                  <a:txBody>
+                    <a:bodyPr/>
+                    <a:lstStyle/>
+                    <a:p>
+                      <a:pPr marL="0" marR="0" indent="177800" algn="l">
+                        <a:lnSpc>
+                          <a:spcPct val="115000"/>
+                        </a:lnSpc>
+                        <a:spcBef>
+                          <a:spcPts val="0"/>
+                        </a:spcBef>
+                        <a:spcAft>
+                          <a:spcPts val="0"/>
+                        </a:spcAft>
+                      </a:pPr>
+                      <a:r>
+                        <a:rPr lang="en-US" sz="1400" dirty="0">
+                          <a:solidFill>
+                            <a:srgbClr val="000000"/>
+                          </a:solidFill>
+                          <a:latin typeface="Calibri"/>
+                          <a:ea typeface="Times New Roman"/>
+                          <a:cs typeface="Times New Roman"/>
+                        </a:rPr>
+                        <a:t>3. System verifies user's login credentials and logs user in</a:t>
+                      </a:r>
+                      <a:endParaRPr lang="en-US" sz="1100" dirty="0">
+                        <a:latin typeface="Calibri"/>
+                        <a:ea typeface="Calibri"/>
+                        <a:cs typeface="Times New Roman"/>
+                      </a:endParaRPr>
+                    </a:p>
+                  </a:txBody>
+                  <a:tcPr marL="68580" marR="68580" marT="0" marB="0" anchor="b">
+                    <a:lnL w="12700" cap="flat" cmpd="sng" algn="ctr">
+                      <a:solidFill>
+                        <a:srgbClr val="000000"/>
+                      </a:solidFill>
+                      <a:prstDash val="solid"/>
+                      <a:round/>
+                      <a:headEnd type="none" w="med" len="med"/>
+                      <a:tailEnd type="none" w="med" len="med"/>
+                    </a:lnL>
+                    <a:lnR w="12700" cap="flat" cmpd="sng" algn="ctr">
+                      <a:solidFill>
+                        <a:srgbClr val="000000"/>
+                      </a:solidFill>
+                      <a:prstDash val="solid"/>
+                      <a:round/>
+                      <a:headEnd type="none" w="med" len="med"/>
+                      <a:tailEnd type="none" w="med" len="med"/>
+                    </a:lnR>
+                    <a:lnT w="12700" cap="flat" cmpd="sng" algn="ctr">
+                      <a:solidFill>
+                        <a:srgbClr val="000000"/>
+                      </a:solidFill>
+                      <a:prstDash val="solid"/>
+                      <a:round/>
+                      <a:headEnd type="none" w="med" len="med"/>
+                      <a:tailEnd type="none" w="med" len="med"/>
+                    </a:lnT>
+                    <a:lnB w="12700" cap="flat" cmpd="sng" algn="ctr">
+                      <a:solidFill>
+                        <a:srgbClr val="000000"/>
+                      </a:solidFill>
+                      <a:prstDash val="solid"/>
+                      <a:round/>
+                      <a:headEnd type="none" w="med" len="med"/>
+                      <a:tailEnd type="none" w="med" len="med"/>
+                    </a:lnB>
+                  </a:tcPr>
+                </a:tc>
+              </a:tr>
+            </a:tbl>
+          </a:graphicData>
+        </a:graphic>
+      </p:graphicFrame>
+    </p:spTree>
+  </p:cSld>
+  <p:clrMapOvr>
+    <a:masterClrMapping/>
+  </p:clrMapOvr>
+</p:sld>
+</file>
+
+<file path=ppt/slides/slide18.xml><?xml version="1.0" encoding="utf-8"?>
+<p:sld xmlns:a="http://schemas.openxmlformats.org/drawingml/2006/main" xmlns:r="http://schemas.openxmlformats.org/officeDocument/2006/relationships" xmlns:p="http://schemas.openxmlformats.org/presentationml/2006/main">
+  <p:cSld>
+    <p:spTree>
+      <p:nvGrpSpPr>
+        <p:cNvPr id="1" name=""/>
+        <p:cNvGrpSpPr/>
+        <p:nvPr/>
+      </p:nvGrpSpPr>
+      <p:grpSpPr>
+        <a:xfrm>
+          <a:off x="0" y="0"/>
+          <a:ext cx="0" cy="0"/>
+          <a:chOff x="0" y="0"/>
+          <a:chExt cx="0" cy="0"/>
+        </a:xfrm>
+      </p:grpSpPr>
+      <p:sp>
+        <p:nvSpPr>
+          <p:cNvPr id="2" name="Title 1"/>
+          <p:cNvSpPr>
+            <a:spLocks noGrp="1"/>
+          </p:cNvSpPr>
+          <p:nvPr>
+            <p:ph type="title"/>
+          </p:nvPr>
+        </p:nvSpPr>
+        <p:spPr/>
+        <p:txBody>
+          <a:bodyPr/>
+          <a:lstStyle/>
+          <a:p>
+            <a:r>
+              <a:rPr lang="en-US" dirty="0" smtClean="0"/>
+              <a:t>Login</a:t>
+            </a:r>
+            <a:endParaRPr lang="en-US" dirty="0"/>
+          </a:p>
+        </p:txBody>
+      </p:sp>
+      <p:pic>
+        <p:nvPicPr>
+          <p:cNvPr id="4" name="Picture 3" descr="C:\wamp\www\CapstoneProject\Proposal\Design\Registered User Log In Sequence Diagram.JPG"/>
+          <p:cNvPicPr/>
+          <p:nvPr/>
+        </p:nvPicPr>
+        <p:blipFill>
+          <a:blip r:embed="rId2" cstate="print"/>
+          <a:srcRect/>
+          <a:stretch>
+            <a:fillRect/>
+          </a:stretch>
+        </p:blipFill>
+        <p:spPr bwMode="auto">
+          <a:xfrm>
+            <a:off x="1397329" y="735280"/>
+            <a:ext cx="6203621" cy="4168239"/>
+          </a:xfrm>
+          <a:prstGeom prst="rect">
+            <a:avLst/>
+          </a:prstGeom>
+          <a:noFill/>
+          <a:ln w="9525">
+            <a:noFill/>
+            <a:miter lim="800000"/>
+            <a:headEnd/>
+            <a:tailEnd/>
+          </a:ln>
+        </p:spPr>
+      </p:pic>
+    </p:spTree>
   </p:cSld>
   <p:clrMapOvr>
     <a:masterClrMapping/>
@@ -3705,13 +8235,8 @@
             </a:pPr>
             <a:r>
               <a:rPr lang="en-US" sz="2600" b="1" dirty="0" smtClean="0"/>
-              <a:t>User </a:t>
+              <a:t>User Requirements</a:t>
             </a:r>
-            <a:r>
-              <a:rPr lang="en-US" sz="2600" b="1" dirty="0" smtClean="0"/>
-              <a:t>Requirements</a:t>
-            </a:r>
-            <a:endParaRPr lang="en-US" sz="2600" b="1" dirty="0" smtClean="0"/>
           </a:p>
           <a:p>
             <a:pPr lvl="0"/>
@@ -3763,7 +8288,7 @@
     </p:spTree>
     <p:extLst>
       <p:ext uri="{BB962C8B-B14F-4D97-AF65-F5344CB8AC3E}">
-        <p14:creationId xmlns:p14="http://schemas.microsoft.com/office/powerpoint/2010/main" xmlns="" val="1939236698"/>
+        <p14:creationId xmlns="" xmlns:p14="http://schemas.microsoft.com/office/powerpoint/2010/main" val="1939236698"/>
       </p:ext>
     </p:extLst>
   </p:cSld>
@@ -3919,7 +8444,7 @@
     </p:spTree>
     <p:extLst>
       <p:ext uri="{BB962C8B-B14F-4D97-AF65-F5344CB8AC3E}">
-        <p14:creationId xmlns:p14="http://schemas.microsoft.com/office/powerpoint/2010/main" xmlns="" val="1939236698"/>
+        <p14:creationId xmlns="" xmlns:p14="http://schemas.microsoft.com/office/powerpoint/2010/main" val="1939236698"/>
       </p:ext>
     </p:extLst>
   </p:cSld>
@@ -5480,7 +10005,15 @@
           <a:p>
             <a:r>
               <a:rPr lang="en-US" dirty="0" smtClean="0"/>
-              <a:t>Admin Move Post</a:t>
+              <a:t>Admin </a:t>
+            </a:r>
+            <a:r>
+              <a:rPr lang="en-US" dirty="0" smtClean="0"/>
+              <a:t>- Move </a:t>
+            </a:r>
+            <a:r>
+              <a:rPr lang="en-US" dirty="0" smtClean="0"/>
+              <a:t>Post</a:t>
             </a:r>
             <a:endParaRPr lang="en-US" dirty="0"/>
           </a:p>
@@ -6958,8 +11491,8 @@
         </p:nvSpPr>
         <p:spPr>
           <a:xfrm>
-            <a:off x="762000" y="4572000"/>
-            <a:ext cx="7715250" cy="1600200"/>
+            <a:off x="761999" y="4572000"/>
+            <a:ext cx="7972425" cy="1600200"/>
           </a:xfrm>
         </p:spPr>
         <p:txBody>
@@ -6970,7 +11503,15 @@
           <a:p>
             <a:r>
               <a:rPr lang="en-US" dirty="0" smtClean="0"/>
-              <a:t>Blog Manager Reward Points</a:t>
+              <a:t>Blog Manager </a:t>
+            </a:r>
+            <a:r>
+              <a:rPr lang="en-US" dirty="0" smtClean="0"/>
+              <a:t>- Reward </a:t>
+            </a:r>
+            <a:r>
+              <a:rPr lang="en-US" dirty="0" smtClean="0"/>
+              <a:t>Points</a:t>
             </a:r>
             <a:endParaRPr lang="en-US" dirty="0"/>
           </a:p>
@@ -8255,29 +12796,44 @@
           <a:bodyPr/>
           <a:lstStyle/>
           <a:p>
+            <a:r>
+              <a:rPr lang="en-US" dirty="0" smtClean="0"/>
+              <a:t>Reward Points</a:t>
+            </a:r>
             <a:endParaRPr lang="en-US" dirty="0"/>
           </a:p>
         </p:txBody>
       </p:sp>
-      <p:sp>
-        <p:nvSpPr>
-          <p:cNvPr id="3" name="Content Placeholder 2"/>
-          <p:cNvSpPr>
-            <a:spLocks noGrp="1"/>
-          </p:cNvSpPr>
-          <p:nvPr>
-            <p:ph idx="1"/>
-          </p:nvPr>
-        </p:nvSpPr>
-        <p:spPr/>
-        <p:txBody>
-          <a:bodyPr/>
-          <a:lstStyle/>
-          <a:p>
-            <a:endParaRPr lang="en-US"/>
-          </a:p>
-        </p:txBody>
-      </p:sp>
+      <p:pic>
+        <p:nvPicPr>
+          <p:cNvPr id="4" name="Picture 3"/>
+          <p:cNvPicPr/>
+          <p:nvPr/>
+        </p:nvPicPr>
+        <p:blipFill>
+          <a:blip r:embed="rId2" cstate="print"/>
+          <a:srcRect/>
+          <a:stretch>
+            <a:fillRect/>
+          </a:stretch>
+        </p:blipFill>
+        <p:spPr bwMode="auto">
+          <a:xfrm>
+            <a:off x="1043297" y="754331"/>
+            <a:ext cx="7072003" cy="3655744"/>
+          </a:xfrm>
+          <a:prstGeom prst="rect">
+            <a:avLst/>
+          </a:prstGeom>
+          <a:noFill/>
+          <a:ln w="9525">
+            <a:noFill/>
+            <a:miter lim="800000"/>
+            <a:headEnd/>
+            <a:tailEnd/>
+          </a:ln>
+        </p:spPr>
+      </p:pic>
     </p:spTree>
   </p:cSld>
   <p:clrMapOvr>

--- a/Proposal/Design/Design_Presentation.pptx
+++ b/Proposal/Design/Design_Presentation.pptx
@@ -23,6 +23,7 @@
     <p:sldId id="271" r:id="rId17"/>
     <p:sldId id="272" r:id="rId18"/>
     <p:sldId id="273" r:id="rId19"/>
+    <p:sldId id="274" r:id="rId20"/>
   </p:sldIdLst>
   <p:sldSz cx="9144000" cy="6858000" type="screen4x3"/>
   <p:notesSz cx="6858000" cy="9144000"/>
@@ -3635,7 +3636,7 @@
     </p:spTree>
     <p:extLst>
       <p:ext uri="{BB962C8B-B14F-4D97-AF65-F5344CB8AC3E}">
-        <p14:creationId xmlns="" xmlns:p14="http://schemas.microsoft.com/office/powerpoint/2010/main" val="1381402738"/>
+        <p14:creationId xmlns:p14="http://schemas.microsoft.com/office/powerpoint/2010/main" val="1381402738"/>
       </p:ext>
     </p:extLst>
   </p:cSld>
@@ -6848,7 +6849,7 @@
         </p:nvGraphicFramePr>
         <p:xfrm>
           <a:off x="1447800" y="923925"/>
-          <a:ext cx="6096000" cy="2924175"/>
+          <a:ext cx="6096000" cy="2935522"/>
         </p:xfrm>
         <a:graphic>
           <a:graphicData uri="http://schemas.openxmlformats.org/drawingml/2006/table">
@@ -8166,6 +8167,80 @@
 </p:sld>
 </file>
 
+<file path=ppt/slides/slide19.xml><?xml version="1.0" encoding="utf-8"?>
+<p:sld xmlns:a="http://schemas.openxmlformats.org/drawingml/2006/main" xmlns:r="http://schemas.openxmlformats.org/officeDocument/2006/relationships" xmlns:p="http://schemas.openxmlformats.org/presentationml/2006/main">
+  <p:cSld>
+    <p:spTree>
+      <p:nvGrpSpPr>
+        <p:cNvPr id="1" name=""/>
+        <p:cNvGrpSpPr/>
+        <p:nvPr/>
+      </p:nvGrpSpPr>
+      <p:grpSpPr>
+        <a:xfrm>
+          <a:off x="0" y="0"/>
+          <a:ext cx="0" cy="0"/>
+          <a:chOff x="0" y="0"/>
+          <a:chExt cx="0" cy="0"/>
+        </a:xfrm>
+      </p:grpSpPr>
+      <p:sp>
+        <p:nvSpPr>
+          <p:cNvPr id="2" name="Title 1"/>
+          <p:cNvSpPr>
+            <a:spLocks noGrp="1"/>
+          </p:cNvSpPr>
+          <p:nvPr>
+            <p:ph type="title"/>
+          </p:nvPr>
+        </p:nvSpPr>
+        <p:spPr/>
+        <p:txBody>
+          <a:bodyPr>
+            <a:normAutofit/>
+          </a:bodyPr>
+          <a:lstStyle/>
+          <a:p>
+            <a:r>
+              <a:rPr lang="en-US" dirty="0" smtClean="0"/>
+              <a:t>UML Class Diagram</a:t>
+            </a:r>
+            <a:endParaRPr lang="en-US" dirty="0"/>
+          </a:p>
+        </p:txBody>
+      </p:sp>
+      <p:sp>
+        <p:nvSpPr>
+          <p:cNvPr id="3" name="Content Placeholder 2"/>
+          <p:cNvSpPr>
+            <a:spLocks noGrp="1"/>
+          </p:cNvSpPr>
+          <p:nvPr>
+            <p:ph idx="1"/>
+          </p:nvPr>
+        </p:nvSpPr>
+        <p:spPr/>
+        <p:txBody>
+          <a:bodyPr/>
+          <a:lstStyle/>
+          <a:p>
+            <a:endParaRPr lang="en-US"/>
+          </a:p>
+        </p:txBody>
+      </p:sp>
+    </p:spTree>
+    <p:extLst>
+      <p:ext uri="{BB962C8B-B14F-4D97-AF65-F5344CB8AC3E}">
+        <p14:creationId xmlns:p14="http://schemas.microsoft.com/office/powerpoint/2010/main" val="3978106633"/>
+      </p:ext>
+    </p:extLst>
+  </p:cSld>
+  <p:clrMapOvr>
+    <a:masterClrMapping/>
+  </p:clrMapOvr>
+</p:sld>
+</file>
+
 <file path=ppt/slides/slide2.xml><?xml version="1.0" encoding="utf-8"?>
 <p:sld xmlns:a="http://schemas.openxmlformats.org/drawingml/2006/main" xmlns:r="http://schemas.openxmlformats.org/officeDocument/2006/relationships" xmlns:p="http://schemas.openxmlformats.org/presentationml/2006/main">
   <p:cSld>
@@ -8288,7 +8363,7 @@
     </p:spTree>
     <p:extLst>
       <p:ext uri="{BB962C8B-B14F-4D97-AF65-F5344CB8AC3E}">
-        <p14:creationId xmlns="" xmlns:p14="http://schemas.microsoft.com/office/powerpoint/2010/main" val="1939236698"/>
+        <p14:creationId xmlns:p14="http://schemas.microsoft.com/office/powerpoint/2010/main" val="1939236698"/>
       </p:ext>
     </p:extLst>
   </p:cSld>
@@ -8400,7 +8475,23 @@
             </a:pPr>
             <a:r>
               <a:rPr lang="en-US" dirty="0" smtClean="0"/>
-              <a:t>The system shall automatically email the user who made a post when another use has attempted to answer.</a:t>
+              <a:t>The system shall automatically </a:t>
+            </a:r>
+            <a:r>
+              <a:rPr lang="en-US" dirty="0" smtClean="0"/>
+              <a:t>notify </a:t>
+            </a:r>
+            <a:r>
+              <a:rPr lang="en-US" dirty="0" smtClean="0"/>
+              <a:t>the user who made a post when another </a:t>
+            </a:r>
+            <a:r>
+              <a:rPr lang="en-US" dirty="0" smtClean="0"/>
+              <a:t>user </a:t>
+            </a:r>
+            <a:r>
+              <a:rPr lang="en-US" dirty="0" smtClean="0"/>
+              <a:t>has attempted to answer.</a:t>
             </a:r>
           </a:p>
           <a:p>
@@ -8444,7 +8535,7 @@
     </p:spTree>
     <p:extLst>
       <p:ext uri="{BB962C8B-B14F-4D97-AF65-F5344CB8AC3E}">
-        <p14:creationId xmlns="" xmlns:p14="http://schemas.microsoft.com/office/powerpoint/2010/main" val="1939236698"/>
+        <p14:creationId xmlns:p14="http://schemas.microsoft.com/office/powerpoint/2010/main" val="1939236698"/>
       </p:ext>
     </p:extLst>
   </p:cSld>
@@ -8488,7 +8579,7 @@
           <a:p>
             <a:r>
               <a:rPr lang="en-US" dirty="0" smtClean="0"/>
-              <a:t>Administrator</a:t>
+              <a:t>Administrator Use Case</a:t>
             </a:r>
             <a:endParaRPr lang="en-US" dirty="0"/>
           </a:p>
@@ -8513,8 +8604,8 @@
         </p:blipFill>
         <p:spPr bwMode="auto">
           <a:xfrm>
-            <a:off x="2808210" y="514350"/>
-            <a:ext cx="3451380" cy="3886200"/>
+            <a:off x="2562225" y="609600"/>
+            <a:ext cx="3943350" cy="4095750"/>
           </a:xfrm>
           <a:prstGeom prst="rect">
             <a:avLst/>
@@ -8570,7 +8661,15 @@
           <a:p>
             <a:r>
               <a:rPr lang="en-US" dirty="0" smtClean="0"/>
-              <a:t>Admin Close Post</a:t>
+              <a:t>Admin </a:t>
+            </a:r>
+            <a:r>
+              <a:rPr lang="en-US" dirty="0" smtClean="0"/>
+              <a:t>- Close </a:t>
+            </a:r>
+            <a:r>
+              <a:rPr lang="en-US" dirty="0" smtClean="0"/>
+              <a:t>Post</a:t>
             </a:r>
             <a:endParaRPr lang="en-US" dirty="0"/>
           </a:p>
@@ -10005,15 +10104,7 @@
           <a:p>
             <a:r>
               <a:rPr lang="en-US" dirty="0" smtClean="0"/>
-              <a:t>Admin </a:t>
-            </a:r>
-            <a:r>
-              <a:rPr lang="en-US" dirty="0" smtClean="0"/>
-              <a:t>- Move </a:t>
-            </a:r>
-            <a:r>
-              <a:rPr lang="en-US" dirty="0" smtClean="0"/>
-              <a:t>Post</a:t>
+              <a:t>Admin - Move Post</a:t>
             </a:r>
             <a:endParaRPr lang="en-US" dirty="0"/>
           </a:p>
@@ -11454,6 +11545,47 @@
           </a:p>
         </p:txBody>
       </p:sp>
+      <p:pic>
+        <p:nvPicPr>
+          <p:cNvPr id="1026" name="Picture 2" descr="C:\wamp\www\CapstoneProject\Proposal\Design\Blog Manager Use Case Diagram.JPG"/>
+          <p:cNvPicPr>
+            <a:picLocks noChangeAspect="1" noChangeArrowheads="1"/>
+          </p:cNvPicPr>
+          <p:nvPr/>
+        </p:nvPicPr>
+        <p:blipFill>
+          <a:blip r:embed="rId2">
+            <a:extLst>
+              <a:ext uri="{28A0092B-C50C-407E-A947-70E740481C1C}">
+                <a14:useLocalDpi xmlns:a14="http://schemas.microsoft.com/office/drawing/2010/main" val="0"/>
+              </a:ext>
+            </a:extLst>
+          </a:blip>
+          <a:srcRect/>
+          <a:stretch>
+            <a:fillRect/>
+          </a:stretch>
+        </p:blipFill>
+        <p:spPr bwMode="auto">
+          <a:xfrm>
+            <a:off x="2428875" y="759025"/>
+            <a:ext cx="3943350" cy="4025502"/>
+          </a:xfrm>
+          <a:prstGeom prst="rect">
+            <a:avLst/>
+          </a:prstGeom>
+          <a:noFill/>
+          <a:extLst>
+            <a:ext uri="{909E8E84-426E-40DD-AFC4-6F175D3DCCD1}">
+              <a14:hiddenFill xmlns:a14="http://schemas.microsoft.com/office/drawing/2010/main">
+                <a:solidFill>
+                  <a:srgbClr val="FFFFFF"/>
+                </a:solidFill>
+              </a14:hiddenFill>
+            </a:ext>
+          </a:extLst>
+        </p:spPr>
+      </p:pic>
     </p:spTree>
   </p:cSld>
   <p:clrMapOvr>
@@ -11503,15 +11635,7 @@
           <a:p>
             <a:r>
               <a:rPr lang="en-US" dirty="0" smtClean="0"/>
-              <a:t>Blog Manager </a:t>
-            </a:r>
-            <a:r>
-              <a:rPr lang="en-US" dirty="0" smtClean="0"/>
-              <a:t>- Reward </a:t>
-            </a:r>
-            <a:r>
-              <a:rPr lang="en-US" dirty="0" smtClean="0"/>
-              <a:t>Points</a:t>
+              <a:t>Blog Manager - Reward Points</a:t>
             </a:r>
             <a:endParaRPr lang="en-US" dirty="0"/>
           </a:p>

--- a/Proposal/Design/Design_Presentation.pptx
+++ b/Proposal/Design/Design_Presentation.pptx
@@ -8475,23 +8475,7 @@
             </a:pPr>
             <a:r>
               <a:rPr lang="en-US" dirty="0" smtClean="0"/>
-              <a:t>The system shall automatically </a:t>
-            </a:r>
-            <a:r>
-              <a:rPr lang="en-US" dirty="0" smtClean="0"/>
-              <a:t>notify </a:t>
-            </a:r>
-            <a:r>
-              <a:rPr lang="en-US" dirty="0" smtClean="0"/>
-              <a:t>the user who made a post when another </a:t>
-            </a:r>
-            <a:r>
-              <a:rPr lang="en-US" dirty="0" smtClean="0"/>
-              <a:t>user </a:t>
-            </a:r>
-            <a:r>
-              <a:rPr lang="en-US" dirty="0" smtClean="0"/>
-              <a:t>has attempted to answer.</a:t>
+              <a:t>The system shall automatically notify the user who made a post when another user has attempted to answer.</a:t>
             </a:r>
           </a:p>
           <a:p>
@@ -8587,16 +8571,20 @@
       </p:sp>
       <p:pic>
         <p:nvPicPr>
-          <p:cNvPr id="4" name="Content Placeholder 3" descr="C:\wamp\www\CapstoneProject\Proposal\Design\Administrator User Use Case Diagram.JPG"/>
+          <p:cNvPr id="1026" name="Picture 2" descr="C:\wamp\www\CapstoneProject\Proposal\Design\Administrator User Use Case Diagram.JPG"/>
           <p:cNvPicPr>
-            <a:picLocks noGrp="1"/>
+            <a:picLocks noChangeAspect="1" noChangeArrowheads="1"/>
           </p:cNvPicPr>
-          <p:nvPr>
-            <p:ph idx="1"/>
-          </p:nvPr>
+          <p:nvPr/>
         </p:nvPicPr>
         <p:blipFill>
-          <a:blip r:embed="rId2" cstate="print"/>
+          <a:blip r:embed="rId2">
+            <a:extLst>
+              <a:ext uri="{28A0092B-C50C-407E-A947-70E740481C1C}">
+                <a14:useLocalDpi xmlns:a14="http://schemas.microsoft.com/office/drawing/2010/main" val="0"/>
+              </a:ext>
+            </a:extLst>
+          </a:blip>
           <a:srcRect/>
           <a:stretch>
             <a:fillRect/>
@@ -8604,19 +8592,22 @@
         </p:blipFill>
         <p:spPr bwMode="auto">
           <a:xfrm>
-            <a:off x="2562225" y="609600"/>
-            <a:ext cx="3943350" cy="4095750"/>
+            <a:off x="2343149" y="723900"/>
+            <a:ext cx="4143375" cy="3780296"/>
           </a:xfrm>
           <a:prstGeom prst="rect">
             <a:avLst/>
           </a:prstGeom>
           <a:noFill/>
-          <a:ln w="9525">
-            <a:noFill/>
-            <a:miter lim="800000"/>
-            <a:headEnd/>
-            <a:tailEnd/>
-          </a:ln>
+          <a:extLst>
+            <a:ext uri="{909E8E84-426E-40DD-AFC4-6F175D3DCCD1}">
+              <a14:hiddenFill xmlns:a14="http://schemas.microsoft.com/office/drawing/2010/main">
+                <a:solidFill>
+                  <a:srgbClr val="FFFFFF"/>
+                </a:solidFill>
+              </a14:hiddenFill>
+            </a:ext>
+          </a:extLst>
         </p:spPr>
       </p:pic>
     </p:spTree>
@@ -8661,15 +8652,7 @@
           <a:p>
             <a:r>
               <a:rPr lang="en-US" dirty="0" smtClean="0"/>
-              <a:t>Admin </a:t>
-            </a:r>
-            <a:r>
-              <a:rPr lang="en-US" dirty="0" smtClean="0"/>
-              <a:t>- Close </a:t>
-            </a:r>
-            <a:r>
-              <a:rPr lang="en-US" dirty="0" smtClean="0"/>
-              <a:t>Post</a:t>
+              <a:t>Admin - Close Post</a:t>
             </a:r>
             <a:endParaRPr lang="en-US" dirty="0"/>
           </a:p>

--- a/Proposal/Design/Design_Presentation.pptx
+++ b/Proposal/Design/Design_Presentation.pptx
@@ -14,16 +14,18 @@
     <p:sldId id="262" r:id="rId8"/>
     <p:sldId id="263" r:id="rId9"/>
     <p:sldId id="264" r:id="rId10"/>
-    <p:sldId id="265" r:id="rId11"/>
-    <p:sldId id="266" r:id="rId12"/>
-    <p:sldId id="267" r:id="rId13"/>
-    <p:sldId id="268" r:id="rId14"/>
-    <p:sldId id="269" r:id="rId15"/>
-    <p:sldId id="270" r:id="rId16"/>
-    <p:sldId id="271" r:id="rId17"/>
-    <p:sldId id="272" r:id="rId18"/>
-    <p:sldId id="273" r:id="rId19"/>
-    <p:sldId id="274" r:id="rId20"/>
+    <p:sldId id="275" r:id="rId11"/>
+    <p:sldId id="276" r:id="rId12"/>
+    <p:sldId id="265" r:id="rId13"/>
+    <p:sldId id="266" r:id="rId14"/>
+    <p:sldId id="267" r:id="rId15"/>
+    <p:sldId id="268" r:id="rId16"/>
+    <p:sldId id="269" r:id="rId17"/>
+    <p:sldId id="270" r:id="rId18"/>
+    <p:sldId id="271" r:id="rId19"/>
+    <p:sldId id="272" r:id="rId20"/>
+    <p:sldId id="273" r:id="rId21"/>
+    <p:sldId id="274" r:id="rId22"/>
   </p:sldIdLst>
   <p:sldSz cx="9144000" cy="6858000" type="screen4x3"/>
   <p:notesSz cx="6858000" cy="9144000"/>
@@ -3673,14 +3675,21 @@
             <p:ph type="title"/>
           </p:nvPr>
         </p:nvSpPr>
-        <p:spPr/>
+        <p:spPr>
+          <a:xfrm>
+            <a:off x="761999" y="4572000"/>
+            <a:ext cx="7077075" cy="1600200"/>
+          </a:xfrm>
+        </p:spPr>
         <p:txBody>
-          <a:bodyPr/>
+          <a:bodyPr>
+            <a:normAutofit fontScale="90000"/>
+          </a:bodyPr>
           <a:lstStyle/>
           <a:p>
             <a:r>
               <a:rPr lang="en-US" dirty="0" smtClean="0"/>
-              <a:t>Registered User</a:t>
+              <a:t>Blog Manager – Move Post</a:t>
             </a:r>
             <a:endParaRPr lang="en-US" dirty="0"/>
           </a:p>
@@ -3688,12 +3697,20 @@
       </p:sp>
       <p:pic>
         <p:nvPicPr>
-          <p:cNvPr id="4" name="Picture 3" descr="C:\wamp\www\CapstoneProject\Proposal\Design\Registered User Use Case Diagram.JPG"/>
-          <p:cNvPicPr/>
+          <p:cNvPr id="1027" name="Picture 3" descr="C:\wamp\www\CapstoneProject\Proposal\Design\System Mark Post Sequence Diagram.JPG"/>
+          <p:cNvPicPr>
+            <a:picLocks noChangeAspect="1" noChangeArrowheads="1"/>
+          </p:cNvPicPr>
           <p:nvPr/>
         </p:nvPicPr>
         <p:blipFill>
-          <a:blip r:embed="rId2" cstate="print"/>
+          <a:blip r:embed="rId2" cstate="email">
+            <a:extLst>
+              <a:ext uri="{28A0092B-C50C-407E-A947-70E740481C1C}">
+                <a14:useLocalDpi xmlns:a14="http://schemas.microsoft.com/office/drawing/2010/main" val="0"/>
+              </a:ext>
+            </a:extLst>
+          </a:blip>
           <a:srcRect/>
           <a:stretch>
             <a:fillRect/>
@@ -3701,22 +3718,30 @@
         </p:blipFill>
         <p:spPr bwMode="auto">
           <a:xfrm>
-            <a:off x="1981199" y="847725"/>
-            <a:ext cx="4981575" cy="4029075"/>
+            <a:off x="1371600" y="662463"/>
+            <a:ext cx="6572250" cy="3570924"/>
           </a:xfrm>
           <a:prstGeom prst="rect">
             <a:avLst/>
           </a:prstGeom>
           <a:noFill/>
-          <a:ln w="9525">
-            <a:noFill/>
-            <a:miter lim="800000"/>
-            <a:headEnd/>
-            <a:tailEnd/>
-          </a:ln>
+          <a:extLst>
+            <a:ext uri="{909E8E84-426E-40DD-AFC4-6F175D3DCCD1}">
+              <a14:hiddenFill xmlns:a14="http://schemas.microsoft.com/office/drawing/2010/main">
+                <a:solidFill>
+                  <a:srgbClr val="FFFFFF"/>
+                </a:solidFill>
+              </a14:hiddenFill>
+            </a:ext>
+          </a:extLst>
         </p:spPr>
       </p:pic>
     </p:spTree>
+    <p:extLst>
+      <p:ext uri="{BB962C8B-B14F-4D97-AF65-F5344CB8AC3E}">
+        <p14:creationId xmlns:p14="http://schemas.microsoft.com/office/powerpoint/2010/main" val="1118152890"/>
+      </p:ext>
+    </p:extLst>
   </p:cSld>
   <p:clrMapOvr>
     <a:masterClrMapping/>
@@ -3753,8 +3778,8 @@
         </p:nvSpPr>
         <p:spPr>
           <a:xfrm>
-            <a:off x="762000" y="4572000"/>
-            <a:ext cx="6972300" cy="1600200"/>
+            <a:off x="647700" y="4572000"/>
+            <a:ext cx="7715250" cy="1600200"/>
           </a:xfrm>
         </p:spPr>
         <p:txBody>
@@ -3765,1255 +3790,59 @@
           <a:p>
             <a:r>
               <a:rPr lang="en-US" dirty="0" smtClean="0"/>
-              <a:t>Reg. User - Post Question</a:t>
+              <a:t>Blog Manager – Time Out Post</a:t>
             </a:r>
             <a:endParaRPr lang="en-US" dirty="0"/>
           </a:p>
         </p:txBody>
       </p:sp>
-      <p:graphicFrame>
-        <p:nvGraphicFramePr>
-          <p:cNvPr id="4" name="Table 3"/>
-          <p:cNvGraphicFramePr>
-            <a:graphicFrameLocks noGrp="1"/>
-          </p:cNvGraphicFramePr>
+      <p:pic>
+        <p:nvPicPr>
+          <p:cNvPr id="2050" name="Picture 2" descr="C:\wamp\www\CapstoneProject\Proposal\Design\System Time Out Post Sequence Diagram.JPG"/>
+          <p:cNvPicPr>
+            <a:picLocks noChangeAspect="1" noChangeArrowheads="1"/>
+          </p:cNvPicPr>
           <p:nvPr/>
-        </p:nvGraphicFramePr>
-        <p:xfrm>
-          <a:off x="1390650" y="1409700"/>
-          <a:ext cx="6096000" cy="3038477"/>
-        </p:xfrm>
-        <a:graphic>
-          <a:graphicData uri="http://schemas.openxmlformats.org/drawingml/2006/table">
-            <a:tbl>
-              <a:tblPr/>
-              <a:tblGrid>
-                <a:gridCol w="2862682"/>
-                <a:gridCol w="3233318"/>
-              </a:tblGrid>
-              <a:tr h="312466">
-                <a:tc>
-                  <a:txBody>
-                    <a:bodyPr/>
-                    <a:lstStyle/>
-                    <a:p>
-                      <a:pPr marL="0" marR="0" algn="ctr">
-                        <a:lnSpc>
-                          <a:spcPct val="115000"/>
-                        </a:lnSpc>
-                        <a:spcBef>
-                          <a:spcPts val="0"/>
-                        </a:spcBef>
-                        <a:spcAft>
-                          <a:spcPts val="0"/>
-                        </a:spcAft>
-                      </a:pPr>
-                      <a:r>
-                        <a:rPr lang="en-US" sz="1600" b="1" i="1">
-                          <a:solidFill>
-                            <a:srgbClr val="000000"/>
-                          </a:solidFill>
-                          <a:latin typeface="Calibri"/>
-                          <a:ea typeface="Times New Roman"/>
-                          <a:cs typeface="Times New Roman"/>
-                        </a:rPr>
-                        <a:t>Registered User</a:t>
-                      </a:r>
-                      <a:endParaRPr lang="en-US" sz="1100">
-                        <a:latin typeface="Calibri"/>
-                        <a:ea typeface="Calibri"/>
-                        <a:cs typeface="Times New Roman"/>
-                      </a:endParaRPr>
-                    </a:p>
-                  </a:txBody>
-                  <a:tcPr marL="68580" marR="68580" marT="0" marB="0" anchor="b">
-                    <a:lnL>
-                      <a:noFill/>
-                    </a:lnL>
-                    <a:lnR>
-                      <a:noFill/>
-                    </a:lnR>
-                    <a:lnT>
-                      <a:noFill/>
-                    </a:lnT>
-                    <a:lnB w="12700" cap="flat" cmpd="sng" algn="ctr">
-                      <a:solidFill>
-                        <a:srgbClr val="000000"/>
-                      </a:solidFill>
-                      <a:prstDash val="solid"/>
-                      <a:round/>
-                      <a:headEnd type="none" w="med" len="med"/>
-                      <a:tailEnd type="none" w="med" len="med"/>
-                    </a:lnB>
-                  </a:tcPr>
-                </a:tc>
-                <a:tc>
-                  <a:txBody>
-                    <a:bodyPr/>
-                    <a:lstStyle/>
-                    <a:p>
-                      <a:pPr algn="l">
-                        <a:lnSpc>
-                          <a:spcPct val="115000"/>
-                        </a:lnSpc>
-                      </a:pPr>
-                      <a:endParaRPr lang="en-US" sz="1100">
-                        <a:latin typeface="Calibri"/>
-                        <a:ea typeface="Times New Roman"/>
-                      </a:endParaRPr>
-                    </a:p>
-                  </a:txBody>
-                  <a:tcPr marL="68580" marR="68580" marT="0" marB="0" anchor="b">
-                    <a:lnL>
-                      <a:noFill/>
-                    </a:lnL>
-                    <a:lnR>
-                      <a:noFill/>
-                    </a:lnR>
-                    <a:lnT>
-                      <a:noFill/>
-                    </a:lnT>
-                    <a:lnB w="12700" cap="flat" cmpd="sng" algn="ctr">
-                      <a:solidFill>
-                        <a:srgbClr val="000000"/>
-                      </a:solidFill>
-                      <a:prstDash val="solid"/>
-                      <a:round/>
-                      <a:headEnd type="none" w="med" len="med"/>
-                      <a:tailEnd type="none" w="med" len="med"/>
-                    </a:lnB>
-                  </a:tcPr>
-                </a:tc>
-              </a:tr>
-              <a:tr h="273408">
-                <a:tc>
-                  <a:txBody>
-                    <a:bodyPr/>
-                    <a:lstStyle/>
-                    <a:p>
-                      <a:pPr marL="0" marR="0" algn="ctr">
-                        <a:lnSpc>
-                          <a:spcPct val="115000"/>
-                        </a:lnSpc>
-                        <a:spcBef>
-                          <a:spcPts val="0"/>
-                        </a:spcBef>
-                        <a:spcAft>
-                          <a:spcPts val="0"/>
-                        </a:spcAft>
-                      </a:pPr>
-                      <a:r>
-                        <a:rPr lang="en-US" sz="1400">
-                          <a:solidFill>
-                            <a:srgbClr val="000000"/>
-                          </a:solidFill>
-                          <a:latin typeface="Calibri"/>
-                          <a:ea typeface="Times New Roman"/>
-                          <a:cs typeface="Times New Roman"/>
-                        </a:rPr>
-                        <a:t>Title</a:t>
-                      </a:r>
-                      <a:endParaRPr lang="en-US" sz="1100">
-                        <a:latin typeface="Calibri"/>
-                        <a:ea typeface="Calibri"/>
-                        <a:cs typeface="Times New Roman"/>
-                      </a:endParaRPr>
-                    </a:p>
-                  </a:txBody>
-                  <a:tcPr marL="68580" marR="68580" marT="0" marB="0" anchor="b">
-                    <a:lnL w="12700" cap="flat" cmpd="sng" algn="ctr">
-                      <a:solidFill>
-                        <a:srgbClr val="000000"/>
-                      </a:solidFill>
-                      <a:prstDash val="solid"/>
-                      <a:round/>
-                      <a:headEnd type="none" w="med" len="med"/>
-                      <a:tailEnd type="none" w="med" len="med"/>
-                    </a:lnL>
-                    <a:lnR w="12700" cap="flat" cmpd="sng" algn="ctr">
-                      <a:solidFill>
-                        <a:srgbClr val="000000"/>
-                      </a:solidFill>
-                      <a:prstDash val="solid"/>
-                      <a:round/>
-                      <a:headEnd type="none" w="med" len="med"/>
-                      <a:tailEnd type="none" w="med" len="med"/>
-                    </a:lnR>
-                    <a:lnT w="12700" cap="flat" cmpd="sng" algn="ctr">
-                      <a:solidFill>
-                        <a:srgbClr val="000000"/>
-                      </a:solidFill>
-                      <a:prstDash val="solid"/>
-                      <a:round/>
-                      <a:headEnd type="none" w="med" len="med"/>
-                      <a:tailEnd type="none" w="med" len="med"/>
-                    </a:lnT>
-                    <a:lnB w="12700" cap="flat" cmpd="sng" algn="ctr">
-                      <a:solidFill>
-                        <a:srgbClr val="000000"/>
-                      </a:solidFill>
-                      <a:prstDash val="solid"/>
-                      <a:round/>
-                      <a:headEnd type="none" w="med" len="med"/>
-                      <a:tailEnd type="none" w="med" len="med"/>
-                    </a:lnB>
-                  </a:tcPr>
-                </a:tc>
-                <a:tc>
-                  <a:txBody>
-                    <a:bodyPr/>
-                    <a:lstStyle/>
-                    <a:p>
-                      <a:pPr marL="0" marR="0" indent="178435" algn="l">
-                        <a:lnSpc>
-                          <a:spcPct val="115000"/>
-                        </a:lnSpc>
-                        <a:spcBef>
-                          <a:spcPts val="0"/>
-                        </a:spcBef>
-                        <a:spcAft>
-                          <a:spcPts val="0"/>
-                        </a:spcAft>
-                      </a:pPr>
-                      <a:r>
-                        <a:rPr lang="en-US" sz="1400" b="1">
-                          <a:solidFill>
-                            <a:srgbClr val="000000"/>
-                          </a:solidFill>
-                          <a:latin typeface="Calibri"/>
-                          <a:ea typeface="Times New Roman"/>
-                          <a:cs typeface="Times New Roman"/>
-                        </a:rPr>
-                        <a:t>Post Question</a:t>
-                      </a:r>
-                      <a:endParaRPr lang="en-US" sz="1100">
-                        <a:latin typeface="Calibri"/>
-                        <a:ea typeface="Calibri"/>
-                        <a:cs typeface="Times New Roman"/>
-                      </a:endParaRPr>
-                    </a:p>
-                  </a:txBody>
-                  <a:tcPr marL="68580" marR="68580" marT="0" marB="0" anchor="b">
-                    <a:lnL w="12700" cap="flat" cmpd="sng" algn="ctr">
-                      <a:solidFill>
-                        <a:srgbClr val="000000"/>
-                      </a:solidFill>
-                      <a:prstDash val="solid"/>
-                      <a:round/>
-                      <a:headEnd type="none" w="med" len="med"/>
-                      <a:tailEnd type="none" w="med" len="med"/>
-                    </a:lnL>
-                    <a:lnR w="12700" cap="flat" cmpd="sng" algn="ctr">
-                      <a:solidFill>
-                        <a:srgbClr val="000000"/>
-                      </a:solidFill>
-                      <a:prstDash val="solid"/>
-                      <a:round/>
-                      <a:headEnd type="none" w="med" len="med"/>
-                      <a:tailEnd type="none" w="med" len="med"/>
-                    </a:lnR>
-                    <a:lnT w="12700" cap="flat" cmpd="sng" algn="ctr">
-                      <a:solidFill>
-                        <a:srgbClr val="000000"/>
-                      </a:solidFill>
-                      <a:prstDash val="solid"/>
-                      <a:round/>
-                      <a:headEnd type="none" w="med" len="med"/>
-                      <a:tailEnd type="none" w="med" len="med"/>
-                    </a:lnT>
-                    <a:lnB w="12700" cap="flat" cmpd="sng" algn="ctr">
-                      <a:solidFill>
-                        <a:srgbClr val="000000"/>
-                      </a:solidFill>
-                      <a:prstDash val="solid"/>
-                      <a:round/>
-                      <a:headEnd type="none" w="med" len="med"/>
-                      <a:tailEnd type="none" w="med" len="med"/>
-                    </a:lnB>
-                  </a:tcPr>
-                </a:tc>
-              </a:tr>
-              <a:tr h="546815">
-                <a:tc>
-                  <a:txBody>
-                    <a:bodyPr/>
-                    <a:lstStyle/>
-                    <a:p>
-                      <a:pPr marL="0" marR="0" algn="ctr">
-                        <a:lnSpc>
-                          <a:spcPct val="115000"/>
-                        </a:lnSpc>
-                        <a:spcBef>
-                          <a:spcPts val="0"/>
-                        </a:spcBef>
-                        <a:spcAft>
-                          <a:spcPts val="0"/>
-                        </a:spcAft>
-                      </a:pPr>
-                      <a:r>
-                        <a:rPr lang="en-US" sz="1400">
-                          <a:solidFill>
-                            <a:srgbClr val="000000"/>
-                          </a:solidFill>
-                          <a:latin typeface="Calibri"/>
-                          <a:ea typeface="Times New Roman"/>
-                          <a:cs typeface="Times New Roman"/>
-                        </a:rPr>
-                        <a:t>Summary</a:t>
-                      </a:r>
-                      <a:endParaRPr lang="en-US" sz="1100">
-                        <a:latin typeface="Calibri"/>
-                        <a:ea typeface="Calibri"/>
-                        <a:cs typeface="Times New Roman"/>
-                      </a:endParaRPr>
-                    </a:p>
-                  </a:txBody>
-                  <a:tcPr marL="68580" marR="68580" marT="0" marB="0" anchor="b">
-                    <a:lnL w="12700" cap="flat" cmpd="sng" algn="ctr">
-                      <a:solidFill>
-                        <a:srgbClr val="000000"/>
-                      </a:solidFill>
-                      <a:prstDash val="solid"/>
-                      <a:round/>
-                      <a:headEnd type="none" w="med" len="med"/>
-                      <a:tailEnd type="none" w="med" len="med"/>
-                    </a:lnL>
-                    <a:lnR w="12700" cap="flat" cmpd="sng" algn="ctr">
-                      <a:solidFill>
-                        <a:srgbClr val="000000"/>
-                      </a:solidFill>
-                      <a:prstDash val="solid"/>
-                      <a:round/>
-                      <a:headEnd type="none" w="med" len="med"/>
-                      <a:tailEnd type="none" w="med" len="med"/>
-                    </a:lnR>
-                    <a:lnT w="12700" cap="flat" cmpd="sng" algn="ctr">
-                      <a:solidFill>
-                        <a:srgbClr val="000000"/>
-                      </a:solidFill>
-                      <a:prstDash val="solid"/>
-                      <a:round/>
-                      <a:headEnd type="none" w="med" len="med"/>
-                      <a:tailEnd type="none" w="med" len="med"/>
-                    </a:lnT>
-                    <a:lnB w="12700" cap="flat" cmpd="sng" algn="ctr">
-                      <a:solidFill>
-                        <a:srgbClr val="000000"/>
-                      </a:solidFill>
-                      <a:prstDash val="solid"/>
-                      <a:round/>
-                      <a:headEnd type="none" w="med" len="med"/>
-                      <a:tailEnd type="none" w="med" len="med"/>
-                    </a:lnB>
-                  </a:tcPr>
-                </a:tc>
-                <a:tc>
-                  <a:txBody>
-                    <a:bodyPr/>
-                    <a:lstStyle/>
-                    <a:p>
-                      <a:pPr marL="0" marR="0" indent="177800" algn="l">
-                        <a:lnSpc>
-                          <a:spcPct val="115000"/>
-                        </a:lnSpc>
-                        <a:spcBef>
-                          <a:spcPts val="0"/>
-                        </a:spcBef>
-                        <a:spcAft>
-                          <a:spcPts val="0"/>
-                        </a:spcAft>
-                      </a:pPr>
-                      <a:r>
-                        <a:rPr lang="en-US" sz="1400">
-                          <a:solidFill>
-                            <a:srgbClr val="000000"/>
-                          </a:solidFill>
-                          <a:latin typeface="Calibri"/>
-                          <a:ea typeface="Times New Roman"/>
-                          <a:cs typeface="Times New Roman"/>
-                        </a:rPr>
-                        <a:t>The registered user can post new questions on the blog</a:t>
-                      </a:r>
-                      <a:endParaRPr lang="en-US" sz="1100">
-                        <a:latin typeface="Calibri"/>
-                        <a:ea typeface="Calibri"/>
-                        <a:cs typeface="Times New Roman"/>
-                      </a:endParaRPr>
-                    </a:p>
-                  </a:txBody>
-                  <a:tcPr marL="68580" marR="68580" marT="0" marB="0" anchor="b">
-                    <a:lnL w="12700" cap="flat" cmpd="sng" algn="ctr">
-                      <a:solidFill>
-                        <a:srgbClr val="000000"/>
-                      </a:solidFill>
-                      <a:prstDash val="solid"/>
-                      <a:round/>
-                      <a:headEnd type="none" w="med" len="med"/>
-                      <a:tailEnd type="none" w="med" len="med"/>
-                    </a:lnL>
-                    <a:lnR w="12700" cap="flat" cmpd="sng" algn="ctr">
-                      <a:solidFill>
-                        <a:srgbClr val="000000"/>
-                      </a:solidFill>
-                      <a:prstDash val="solid"/>
-                      <a:round/>
-                      <a:headEnd type="none" w="med" len="med"/>
-                      <a:tailEnd type="none" w="med" len="med"/>
-                    </a:lnR>
-                    <a:lnT w="12700" cap="flat" cmpd="sng" algn="ctr">
-                      <a:solidFill>
-                        <a:srgbClr val="000000"/>
-                      </a:solidFill>
-                      <a:prstDash val="solid"/>
-                      <a:round/>
-                      <a:headEnd type="none" w="med" len="med"/>
-                      <a:tailEnd type="none" w="med" len="med"/>
-                    </a:lnT>
-                    <a:lnB w="12700" cap="flat" cmpd="sng" algn="ctr">
-                      <a:solidFill>
-                        <a:srgbClr val="000000"/>
-                      </a:solidFill>
-                      <a:prstDash val="solid"/>
-                      <a:round/>
-                      <a:headEnd type="none" w="med" len="med"/>
-                      <a:tailEnd type="none" w="med" len="med"/>
-                    </a:lnB>
-                  </a:tcPr>
-                </a:tc>
-              </a:tr>
-              <a:tr h="273408">
-                <a:tc>
-                  <a:txBody>
-                    <a:bodyPr/>
-                    <a:lstStyle/>
-                    <a:p>
-                      <a:pPr marL="0" marR="0" algn="ctr">
-                        <a:lnSpc>
-                          <a:spcPct val="115000"/>
-                        </a:lnSpc>
-                        <a:spcBef>
-                          <a:spcPts val="0"/>
-                        </a:spcBef>
-                        <a:spcAft>
-                          <a:spcPts val="0"/>
-                        </a:spcAft>
-                      </a:pPr>
-                      <a:r>
-                        <a:rPr lang="en-US" sz="1400">
-                          <a:solidFill>
-                            <a:srgbClr val="000000"/>
-                          </a:solidFill>
-                          <a:latin typeface="Calibri"/>
-                          <a:ea typeface="Times New Roman"/>
-                          <a:cs typeface="Times New Roman"/>
-                        </a:rPr>
-                        <a:t>Preconditions</a:t>
-                      </a:r>
-                      <a:endParaRPr lang="en-US" sz="1100">
-                        <a:latin typeface="Calibri"/>
-                        <a:ea typeface="Calibri"/>
-                        <a:cs typeface="Times New Roman"/>
-                      </a:endParaRPr>
-                    </a:p>
-                  </a:txBody>
-                  <a:tcPr marL="68580" marR="68580" marT="0" marB="0" anchor="b">
-                    <a:lnL w="12700" cap="flat" cmpd="sng" algn="ctr">
-                      <a:solidFill>
-                        <a:srgbClr val="000000"/>
-                      </a:solidFill>
-                      <a:prstDash val="solid"/>
-                      <a:round/>
-                      <a:headEnd type="none" w="med" len="med"/>
-                      <a:tailEnd type="none" w="med" len="med"/>
-                    </a:lnL>
-                    <a:lnR w="12700" cap="flat" cmpd="sng" algn="ctr">
-                      <a:solidFill>
-                        <a:srgbClr val="000000"/>
-                      </a:solidFill>
-                      <a:prstDash val="solid"/>
-                      <a:round/>
-                      <a:headEnd type="none" w="med" len="med"/>
-                      <a:tailEnd type="none" w="med" len="med"/>
-                    </a:lnR>
-                    <a:lnT w="12700" cap="flat" cmpd="sng" algn="ctr">
-                      <a:solidFill>
-                        <a:srgbClr val="000000"/>
-                      </a:solidFill>
-                      <a:prstDash val="solid"/>
-                      <a:round/>
-                      <a:headEnd type="none" w="med" len="med"/>
-                      <a:tailEnd type="none" w="med" len="med"/>
-                    </a:lnT>
-                    <a:lnB w="12700" cap="flat" cmpd="sng" algn="ctr">
-                      <a:solidFill>
-                        <a:srgbClr val="000000"/>
-                      </a:solidFill>
-                      <a:prstDash val="solid"/>
-                      <a:round/>
-                      <a:headEnd type="none" w="med" len="med"/>
-                      <a:tailEnd type="none" w="med" len="med"/>
-                    </a:lnB>
-                  </a:tcPr>
-                </a:tc>
-                <a:tc>
-                  <a:txBody>
-                    <a:bodyPr/>
-                    <a:lstStyle/>
-                    <a:p>
-                      <a:pPr marL="0" marR="0" indent="177800" algn="l">
-                        <a:lnSpc>
-                          <a:spcPct val="115000"/>
-                        </a:lnSpc>
-                        <a:spcBef>
-                          <a:spcPts val="0"/>
-                        </a:spcBef>
-                        <a:spcAft>
-                          <a:spcPts val="0"/>
-                        </a:spcAft>
-                      </a:pPr>
-                      <a:r>
-                        <a:rPr lang="en-US" sz="1400">
-                          <a:solidFill>
-                            <a:srgbClr val="000000"/>
-                          </a:solidFill>
-                          <a:latin typeface="Calibri"/>
-                          <a:ea typeface="Times New Roman"/>
-                          <a:cs typeface="Times New Roman"/>
-                        </a:rPr>
-                        <a:t>The user is registered and logged in</a:t>
-                      </a:r>
-                      <a:endParaRPr lang="en-US" sz="1100">
-                        <a:latin typeface="Calibri"/>
-                        <a:ea typeface="Calibri"/>
-                        <a:cs typeface="Times New Roman"/>
-                      </a:endParaRPr>
-                    </a:p>
-                  </a:txBody>
-                  <a:tcPr marL="68580" marR="68580" marT="0" marB="0" anchor="b">
-                    <a:lnL w="12700" cap="flat" cmpd="sng" algn="ctr">
-                      <a:solidFill>
-                        <a:srgbClr val="000000"/>
-                      </a:solidFill>
-                      <a:prstDash val="solid"/>
-                      <a:round/>
-                      <a:headEnd type="none" w="med" len="med"/>
-                      <a:tailEnd type="none" w="med" len="med"/>
-                    </a:lnL>
-                    <a:lnR w="12700" cap="flat" cmpd="sng" algn="ctr">
-                      <a:solidFill>
-                        <a:srgbClr val="000000"/>
-                      </a:solidFill>
-                      <a:prstDash val="solid"/>
-                      <a:round/>
-                      <a:headEnd type="none" w="med" len="med"/>
-                      <a:tailEnd type="none" w="med" len="med"/>
-                    </a:lnR>
-                    <a:lnT w="12700" cap="flat" cmpd="sng" algn="ctr">
-                      <a:solidFill>
-                        <a:srgbClr val="000000"/>
-                      </a:solidFill>
-                      <a:prstDash val="solid"/>
-                      <a:round/>
-                      <a:headEnd type="none" w="med" len="med"/>
-                      <a:tailEnd type="none" w="med" len="med"/>
-                    </a:lnT>
-                    <a:lnB w="12700" cap="flat" cmpd="sng" algn="ctr">
-                      <a:solidFill>
-                        <a:srgbClr val="000000"/>
-                      </a:solidFill>
-                      <a:prstDash val="solid"/>
-                      <a:round/>
-                      <a:headEnd type="none" w="med" len="med"/>
-                      <a:tailEnd type="none" w="med" len="med"/>
-                    </a:lnB>
-                  </a:tcPr>
-                </a:tc>
-              </a:tr>
-              <a:tr h="273408">
-                <a:tc>
-                  <a:txBody>
-                    <a:bodyPr/>
-                    <a:lstStyle/>
-                    <a:p>
-                      <a:pPr marL="0" marR="0" algn="ctr">
-                        <a:lnSpc>
-                          <a:spcPct val="115000"/>
-                        </a:lnSpc>
-                        <a:spcBef>
-                          <a:spcPts val="0"/>
-                        </a:spcBef>
-                        <a:spcAft>
-                          <a:spcPts val="0"/>
-                        </a:spcAft>
-                      </a:pPr>
-                      <a:r>
-                        <a:rPr lang="en-US" sz="1400">
-                          <a:solidFill>
-                            <a:srgbClr val="000000"/>
-                          </a:solidFill>
-                          <a:latin typeface="Calibri"/>
-                          <a:ea typeface="Times New Roman"/>
-                          <a:cs typeface="Times New Roman"/>
-                        </a:rPr>
-                        <a:t>Post-conditions</a:t>
-                      </a:r>
-                      <a:endParaRPr lang="en-US" sz="1100">
-                        <a:latin typeface="Calibri"/>
-                        <a:ea typeface="Calibri"/>
-                        <a:cs typeface="Times New Roman"/>
-                      </a:endParaRPr>
-                    </a:p>
-                  </a:txBody>
-                  <a:tcPr marL="68580" marR="68580" marT="0" marB="0" anchor="b">
-                    <a:lnL w="12700" cap="flat" cmpd="sng" algn="ctr">
-                      <a:solidFill>
-                        <a:srgbClr val="000000"/>
-                      </a:solidFill>
-                      <a:prstDash val="solid"/>
-                      <a:round/>
-                      <a:headEnd type="none" w="med" len="med"/>
-                      <a:tailEnd type="none" w="med" len="med"/>
-                    </a:lnL>
-                    <a:lnR w="12700" cap="flat" cmpd="sng" algn="ctr">
-                      <a:solidFill>
-                        <a:srgbClr val="000000"/>
-                      </a:solidFill>
-                      <a:prstDash val="solid"/>
-                      <a:round/>
-                      <a:headEnd type="none" w="med" len="med"/>
-                      <a:tailEnd type="none" w="med" len="med"/>
-                    </a:lnR>
-                    <a:lnT w="12700" cap="flat" cmpd="sng" algn="ctr">
-                      <a:solidFill>
-                        <a:srgbClr val="000000"/>
-                      </a:solidFill>
-                      <a:prstDash val="solid"/>
-                      <a:round/>
-                      <a:headEnd type="none" w="med" len="med"/>
-                      <a:tailEnd type="none" w="med" len="med"/>
-                    </a:lnT>
-                    <a:lnB w="12700" cap="flat" cmpd="sng" algn="ctr">
-                      <a:solidFill>
-                        <a:srgbClr val="000000"/>
-                      </a:solidFill>
-                      <a:prstDash val="solid"/>
-                      <a:round/>
-                      <a:headEnd type="none" w="med" len="med"/>
-                      <a:tailEnd type="none" w="med" len="med"/>
-                    </a:lnB>
-                  </a:tcPr>
-                </a:tc>
-                <a:tc>
-                  <a:txBody>
-                    <a:bodyPr/>
-                    <a:lstStyle/>
-                    <a:p>
-                      <a:pPr marL="0" marR="0" indent="177800" algn="l">
-                        <a:lnSpc>
-                          <a:spcPct val="115000"/>
-                        </a:lnSpc>
-                        <a:spcBef>
-                          <a:spcPts val="0"/>
-                        </a:spcBef>
-                        <a:spcAft>
-                          <a:spcPts val="0"/>
-                        </a:spcAft>
-                      </a:pPr>
-                      <a:r>
-                        <a:rPr lang="en-US" sz="1400">
-                          <a:solidFill>
-                            <a:srgbClr val="000000"/>
-                          </a:solidFill>
-                          <a:latin typeface="Calibri"/>
-                          <a:ea typeface="Times New Roman"/>
-                          <a:cs typeface="Times New Roman"/>
-                        </a:rPr>
-                        <a:t>A new question is posted onto the blog</a:t>
-                      </a:r>
-                      <a:endParaRPr lang="en-US" sz="1100">
-                        <a:latin typeface="Calibri"/>
-                        <a:ea typeface="Calibri"/>
-                        <a:cs typeface="Times New Roman"/>
-                      </a:endParaRPr>
-                    </a:p>
-                  </a:txBody>
-                  <a:tcPr marL="68580" marR="68580" marT="0" marB="0" anchor="b">
-                    <a:lnL w="12700" cap="flat" cmpd="sng" algn="ctr">
-                      <a:solidFill>
-                        <a:srgbClr val="000000"/>
-                      </a:solidFill>
-                      <a:prstDash val="solid"/>
-                      <a:round/>
-                      <a:headEnd type="none" w="med" len="med"/>
-                      <a:tailEnd type="none" w="med" len="med"/>
-                    </a:lnL>
-                    <a:lnR w="12700" cap="flat" cmpd="sng" algn="ctr">
-                      <a:solidFill>
-                        <a:srgbClr val="000000"/>
-                      </a:solidFill>
-                      <a:prstDash val="solid"/>
-                      <a:round/>
-                      <a:headEnd type="none" w="med" len="med"/>
-                      <a:tailEnd type="none" w="med" len="med"/>
-                    </a:lnR>
-                    <a:lnT w="12700" cap="flat" cmpd="sng" algn="ctr">
-                      <a:solidFill>
-                        <a:srgbClr val="000000"/>
-                      </a:solidFill>
-                      <a:prstDash val="solid"/>
-                      <a:round/>
-                      <a:headEnd type="none" w="med" len="med"/>
-                      <a:tailEnd type="none" w="med" len="med"/>
-                    </a:lnT>
-                    <a:lnB w="12700" cap="flat" cmpd="sng" algn="ctr">
-                      <a:solidFill>
-                        <a:srgbClr val="000000"/>
-                      </a:solidFill>
-                      <a:prstDash val="solid"/>
-                      <a:round/>
-                      <a:headEnd type="none" w="med" len="med"/>
-                      <a:tailEnd type="none" w="med" len="med"/>
-                    </a:lnB>
-                  </a:tcPr>
-                </a:tc>
-              </a:tr>
-              <a:tr h="265341">
-                <a:tc>
-                  <a:txBody>
-                    <a:bodyPr/>
-                    <a:lstStyle/>
-                    <a:p>
-                      <a:pPr algn="l">
-                        <a:lnSpc>
-                          <a:spcPct val="115000"/>
-                        </a:lnSpc>
-                      </a:pPr>
-                      <a:endParaRPr lang="en-US" sz="1100">
-                        <a:latin typeface="Calibri"/>
-                        <a:ea typeface="Times New Roman"/>
-                      </a:endParaRPr>
-                    </a:p>
-                  </a:txBody>
-                  <a:tcPr marL="68580" marR="68580" marT="0" marB="0" anchor="b">
-                    <a:lnL>
-                      <a:noFill/>
-                    </a:lnL>
-                    <a:lnR>
-                      <a:noFill/>
-                    </a:lnR>
-                    <a:lnT w="12700" cap="flat" cmpd="sng" algn="ctr">
-                      <a:solidFill>
-                        <a:srgbClr val="000000"/>
-                      </a:solidFill>
-                      <a:prstDash val="solid"/>
-                      <a:round/>
-                      <a:headEnd type="none" w="med" len="med"/>
-                      <a:tailEnd type="none" w="med" len="med"/>
-                    </a:lnT>
-                    <a:lnB w="12700" cap="flat" cmpd="sng" algn="ctr">
-                      <a:solidFill>
-                        <a:srgbClr val="000000"/>
-                      </a:solidFill>
-                      <a:prstDash val="solid"/>
-                      <a:round/>
-                      <a:headEnd type="none" w="med" len="med"/>
-                      <a:tailEnd type="none" w="med" len="med"/>
-                    </a:lnB>
-                  </a:tcPr>
-                </a:tc>
-                <a:tc>
-                  <a:txBody>
-                    <a:bodyPr/>
-                    <a:lstStyle/>
-                    <a:p>
-                      <a:pPr algn="l">
-                        <a:lnSpc>
-                          <a:spcPct val="115000"/>
-                        </a:lnSpc>
-                      </a:pPr>
-                      <a:endParaRPr lang="en-US" sz="1100">
-                        <a:latin typeface="Calibri"/>
-                        <a:ea typeface="Times New Roman"/>
-                      </a:endParaRPr>
-                    </a:p>
-                  </a:txBody>
-                  <a:tcPr marL="68580" marR="68580" marT="0" marB="0" anchor="b">
-                    <a:lnL>
-                      <a:noFill/>
-                    </a:lnL>
-                    <a:lnR>
-                      <a:noFill/>
-                    </a:lnR>
-                    <a:lnT w="12700" cap="flat" cmpd="sng" algn="ctr">
-                      <a:solidFill>
-                        <a:srgbClr val="000000"/>
-                      </a:solidFill>
-                      <a:prstDash val="solid"/>
-                      <a:round/>
-                      <a:headEnd type="none" w="med" len="med"/>
-                      <a:tailEnd type="none" w="med" len="med"/>
-                    </a:lnT>
-                    <a:lnB w="12700" cap="flat" cmpd="sng" algn="ctr">
-                      <a:solidFill>
-                        <a:srgbClr val="000000"/>
-                      </a:solidFill>
-                      <a:prstDash val="solid"/>
-                      <a:round/>
-                      <a:headEnd type="none" w="med" len="med"/>
-                      <a:tailEnd type="none" w="med" len="med"/>
-                    </a:lnB>
-                  </a:tcPr>
-                </a:tc>
-              </a:tr>
-              <a:tr h="273408">
-                <a:tc>
-                  <a:txBody>
-                    <a:bodyPr/>
-                    <a:lstStyle/>
-                    <a:p>
-                      <a:pPr marL="0" marR="0" algn="ctr">
-                        <a:lnSpc>
-                          <a:spcPct val="115000"/>
-                        </a:lnSpc>
-                        <a:spcBef>
-                          <a:spcPts val="0"/>
-                        </a:spcBef>
-                        <a:spcAft>
-                          <a:spcPts val="0"/>
-                        </a:spcAft>
-                      </a:pPr>
-                      <a:r>
-                        <a:rPr lang="en-US" sz="1400">
-                          <a:solidFill>
-                            <a:srgbClr val="000000"/>
-                          </a:solidFill>
-                          <a:latin typeface="Calibri"/>
-                          <a:ea typeface="Times New Roman"/>
-                          <a:cs typeface="Times New Roman"/>
-                        </a:rPr>
-                        <a:t>Actor : Registered User</a:t>
-                      </a:r>
-                      <a:endParaRPr lang="en-US" sz="1100">
-                        <a:latin typeface="Calibri"/>
-                        <a:ea typeface="Calibri"/>
-                        <a:cs typeface="Times New Roman"/>
-                      </a:endParaRPr>
-                    </a:p>
-                  </a:txBody>
-                  <a:tcPr marL="68580" marR="68580" marT="0" marB="0" anchor="b">
-                    <a:lnL w="12700" cap="flat" cmpd="sng" algn="ctr">
-                      <a:solidFill>
-                        <a:srgbClr val="000000"/>
-                      </a:solidFill>
-                      <a:prstDash val="solid"/>
-                      <a:round/>
-                      <a:headEnd type="none" w="med" len="med"/>
-                      <a:tailEnd type="none" w="med" len="med"/>
-                    </a:lnL>
-                    <a:lnR w="12700" cap="flat" cmpd="sng" algn="ctr">
-                      <a:solidFill>
-                        <a:srgbClr val="000000"/>
-                      </a:solidFill>
-                      <a:prstDash val="solid"/>
-                      <a:round/>
-                      <a:headEnd type="none" w="med" len="med"/>
-                      <a:tailEnd type="none" w="med" len="med"/>
-                    </a:lnR>
-                    <a:lnT w="12700" cap="flat" cmpd="sng" algn="ctr">
-                      <a:solidFill>
-                        <a:srgbClr val="000000"/>
-                      </a:solidFill>
-                      <a:prstDash val="solid"/>
-                      <a:round/>
-                      <a:headEnd type="none" w="med" len="med"/>
-                      <a:tailEnd type="none" w="med" len="med"/>
-                    </a:lnT>
-                    <a:lnB w="12700" cap="flat" cmpd="sng" algn="ctr">
-                      <a:solidFill>
-                        <a:srgbClr val="000000"/>
-                      </a:solidFill>
-                      <a:prstDash val="solid"/>
-                      <a:round/>
-                      <a:headEnd type="none" w="med" len="med"/>
-                      <a:tailEnd type="none" w="med" len="med"/>
-                    </a:lnB>
-                  </a:tcPr>
-                </a:tc>
-                <a:tc>
-                  <a:txBody>
-                    <a:bodyPr/>
-                    <a:lstStyle/>
-                    <a:p>
-                      <a:pPr marL="0" marR="0" algn="ctr">
-                        <a:lnSpc>
-                          <a:spcPct val="115000"/>
-                        </a:lnSpc>
-                        <a:spcBef>
-                          <a:spcPts val="0"/>
-                        </a:spcBef>
-                        <a:spcAft>
-                          <a:spcPts val="0"/>
-                        </a:spcAft>
-                      </a:pPr>
-                      <a:r>
-                        <a:rPr lang="en-US" sz="1400">
-                          <a:solidFill>
-                            <a:srgbClr val="000000"/>
-                          </a:solidFill>
-                          <a:latin typeface="Calibri"/>
-                          <a:ea typeface="Times New Roman"/>
-                          <a:cs typeface="Times New Roman"/>
-                        </a:rPr>
-                        <a:t>System</a:t>
-                      </a:r>
-                      <a:endParaRPr lang="en-US" sz="1100">
-                        <a:latin typeface="Calibri"/>
-                        <a:ea typeface="Calibri"/>
-                        <a:cs typeface="Times New Roman"/>
-                      </a:endParaRPr>
-                    </a:p>
-                  </a:txBody>
-                  <a:tcPr marL="68580" marR="68580" marT="0" marB="0" anchor="b">
-                    <a:lnL w="12700" cap="flat" cmpd="sng" algn="ctr">
-                      <a:solidFill>
-                        <a:srgbClr val="000000"/>
-                      </a:solidFill>
-                      <a:prstDash val="solid"/>
-                      <a:round/>
-                      <a:headEnd type="none" w="med" len="med"/>
-                      <a:tailEnd type="none" w="med" len="med"/>
-                    </a:lnL>
-                    <a:lnR w="12700" cap="flat" cmpd="sng" algn="ctr">
-                      <a:solidFill>
-                        <a:srgbClr val="000000"/>
-                      </a:solidFill>
-                      <a:prstDash val="solid"/>
-                      <a:round/>
-                      <a:headEnd type="none" w="med" len="med"/>
-                      <a:tailEnd type="none" w="med" len="med"/>
-                    </a:lnR>
-                    <a:lnT w="12700" cap="flat" cmpd="sng" algn="ctr">
-                      <a:solidFill>
-                        <a:srgbClr val="000000"/>
-                      </a:solidFill>
-                      <a:prstDash val="solid"/>
-                      <a:round/>
-                      <a:headEnd type="none" w="med" len="med"/>
-                      <a:tailEnd type="none" w="med" len="med"/>
-                    </a:lnT>
-                    <a:lnB w="12700" cap="flat" cmpd="sng" algn="ctr">
-                      <a:solidFill>
-                        <a:srgbClr val="000000"/>
-                      </a:solidFill>
-                      <a:prstDash val="solid"/>
-                      <a:round/>
-                      <a:headEnd type="none" w="med" len="med"/>
-                      <a:tailEnd type="none" w="med" len="med"/>
-                    </a:lnB>
-                  </a:tcPr>
-                </a:tc>
-              </a:tr>
-              <a:tr h="273408">
-                <a:tc>
-                  <a:txBody>
-                    <a:bodyPr/>
-                    <a:lstStyle/>
-                    <a:p>
-                      <a:pPr marL="0" marR="0" algn="l">
-                        <a:lnSpc>
-                          <a:spcPct val="115000"/>
-                        </a:lnSpc>
-                        <a:spcBef>
-                          <a:spcPts val="0"/>
-                        </a:spcBef>
-                        <a:spcAft>
-                          <a:spcPts val="0"/>
-                        </a:spcAft>
-                      </a:pPr>
-                      <a:r>
-                        <a:rPr lang="en-US" sz="1400">
-                          <a:solidFill>
-                            <a:srgbClr val="000000"/>
-                          </a:solidFill>
-                          <a:latin typeface="Calibri"/>
-                          <a:ea typeface="Times New Roman"/>
-                          <a:cs typeface="Times New Roman"/>
-                        </a:rPr>
-                        <a:t>0. The user clicks the 'Post' button</a:t>
-                      </a:r>
-                      <a:endParaRPr lang="en-US" sz="1100">
-                        <a:latin typeface="Calibri"/>
-                        <a:ea typeface="Calibri"/>
-                        <a:cs typeface="Times New Roman"/>
-                      </a:endParaRPr>
-                    </a:p>
-                  </a:txBody>
-                  <a:tcPr marL="68580" marR="68580" marT="0" marB="0" anchor="b">
-                    <a:lnL w="12700" cap="flat" cmpd="sng" algn="ctr">
-                      <a:solidFill>
-                        <a:srgbClr val="000000"/>
-                      </a:solidFill>
-                      <a:prstDash val="solid"/>
-                      <a:round/>
-                      <a:headEnd type="none" w="med" len="med"/>
-                      <a:tailEnd type="none" w="med" len="med"/>
-                    </a:lnL>
-                    <a:lnR w="12700" cap="flat" cmpd="sng" algn="ctr">
-                      <a:solidFill>
-                        <a:srgbClr val="000000"/>
-                      </a:solidFill>
-                      <a:prstDash val="solid"/>
-                      <a:round/>
-                      <a:headEnd type="none" w="med" len="med"/>
-                      <a:tailEnd type="none" w="med" len="med"/>
-                    </a:lnR>
-                    <a:lnT w="12700" cap="flat" cmpd="sng" algn="ctr">
-                      <a:solidFill>
-                        <a:srgbClr val="000000"/>
-                      </a:solidFill>
-                      <a:prstDash val="solid"/>
-                      <a:round/>
-                      <a:headEnd type="none" w="med" len="med"/>
-                      <a:tailEnd type="none" w="med" len="med"/>
-                    </a:lnT>
-                    <a:lnB w="12700" cap="flat" cmpd="sng" algn="ctr">
-                      <a:solidFill>
-                        <a:srgbClr val="000000"/>
-                      </a:solidFill>
-                      <a:prstDash val="solid"/>
-                      <a:round/>
-                      <a:headEnd type="none" w="med" len="med"/>
-                      <a:tailEnd type="none" w="med" len="med"/>
-                    </a:lnB>
-                  </a:tcPr>
-                </a:tc>
-                <a:tc>
-                  <a:txBody>
-                    <a:bodyPr/>
-                    <a:lstStyle/>
-                    <a:p>
-                      <a:pPr marL="0" marR="0" indent="177800" algn="l">
-                        <a:lnSpc>
-                          <a:spcPct val="115000"/>
-                        </a:lnSpc>
-                        <a:spcBef>
-                          <a:spcPts val="0"/>
-                        </a:spcBef>
-                        <a:spcAft>
-                          <a:spcPts val="0"/>
-                        </a:spcAft>
-                      </a:pPr>
-                      <a:r>
-                        <a:rPr lang="en-US" sz="1400">
-                          <a:solidFill>
-                            <a:srgbClr val="000000"/>
-                          </a:solidFill>
-                          <a:latin typeface="Calibri"/>
-                          <a:ea typeface="Times New Roman"/>
-                          <a:cs typeface="Times New Roman"/>
-                        </a:rPr>
-                        <a:t>1. System displays PostTemplate page</a:t>
-                      </a:r>
-                      <a:endParaRPr lang="en-US" sz="1100">
-                        <a:latin typeface="Calibri"/>
-                        <a:ea typeface="Calibri"/>
-                        <a:cs typeface="Times New Roman"/>
-                      </a:endParaRPr>
-                    </a:p>
-                  </a:txBody>
-                  <a:tcPr marL="68580" marR="68580" marT="0" marB="0" anchor="b">
-                    <a:lnL w="12700" cap="flat" cmpd="sng" algn="ctr">
-                      <a:solidFill>
-                        <a:srgbClr val="000000"/>
-                      </a:solidFill>
-                      <a:prstDash val="solid"/>
-                      <a:round/>
-                      <a:headEnd type="none" w="med" len="med"/>
-                      <a:tailEnd type="none" w="med" len="med"/>
-                    </a:lnL>
-                    <a:lnR w="12700" cap="flat" cmpd="sng" algn="ctr">
-                      <a:solidFill>
-                        <a:srgbClr val="000000"/>
-                      </a:solidFill>
-                      <a:prstDash val="solid"/>
-                      <a:round/>
-                      <a:headEnd type="none" w="med" len="med"/>
-                      <a:tailEnd type="none" w="med" len="med"/>
-                    </a:lnR>
-                    <a:lnT w="12700" cap="flat" cmpd="sng" algn="ctr">
-                      <a:solidFill>
-                        <a:srgbClr val="000000"/>
-                      </a:solidFill>
-                      <a:prstDash val="solid"/>
-                      <a:round/>
-                      <a:headEnd type="none" w="med" len="med"/>
-                      <a:tailEnd type="none" w="med" len="med"/>
-                    </a:lnT>
-                    <a:lnB w="12700" cap="flat" cmpd="sng" algn="ctr">
-                      <a:solidFill>
-                        <a:srgbClr val="000000"/>
-                      </a:solidFill>
-                      <a:prstDash val="solid"/>
-                      <a:round/>
-                      <a:headEnd type="none" w="med" len="med"/>
-                      <a:tailEnd type="none" w="med" len="med"/>
-                    </a:lnB>
-                  </a:tcPr>
-                </a:tc>
-              </a:tr>
-              <a:tr h="546815">
-                <a:tc>
-                  <a:txBody>
-                    <a:bodyPr/>
-                    <a:lstStyle/>
-                    <a:p>
-                      <a:pPr marL="0" marR="0" algn="l">
-                        <a:lnSpc>
-                          <a:spcPct val="115000"/>
-                        </a:lnSpc>
-                        <a:spcBef>
-                          <a:spcPts val="0"/>
-                        </a:spcBef>
-                        <a:spcAft>
-                          <a:spcPts val="0"/>
-                        </a:spcAft>
-                      </a:pPr>
-                      <a:r>
-                        <a:rPr lang="en-US" sz="1400">
-                          <a:solidFill>
-                            <a:srgbClr val="000000"/>
-                          </a:solidFill>
-                          <a:latin typeface="Calibri"/>
-                          <a:ea typeface="Times New Roman"/>
-                          <a:cs typeface="Times New Roman"/>
-                        </a:rPr>
-                        <a:t>2. The user fills out the template for their question</a:t>
-                      </a:r>
-                      <a:endParaRPr lang="en-US" sz="1100">
-                        <a:latin typeface="Calibri"/>
-                        <a:ea typeface="Calibri"/>
-                        <a:cs typeface="Times New Roman"/>
-                      </a:endParaRPr>
-                    </a:p>
-                  </a:txBody>
-                  <a:tcPr marL="68580" marR="68580" marT="0" marB="0" anchor="b">
-                    <a:lnL w="12700" cap="flat" cmpd="sng" algn="ctr">
-                      <a:solidFill>
-                        <a:srgbClr val="000000"/>
-                      </a:solidFill>
-                      <a:prstDash val="solid"/>
-                      <a:round/>
-                      <a:headEnd type="none" w="med" len="med"/>
-                      <a:tailEnd type="none" w="med" len="med"/>
-                    </a:lnL>
-                    <a:lnR w="12700" cap="flat" cmpd="sng" algn="ctr">
-                      <a:solidFill>
-                        <a:srgbClr val="000000"/>
-                      </a:solidFill>
-                      <a:prstDash val="solid"/>
-                      <a:round/>
-                      <a:headEnd type="none" w="med" len="med"/>
-                      <a:tailEnd type="none" w="med" len="med"/>
-                    </a:lnR>
-                    <a:lnT w="12700" cap="flat" cmpd="sng" algn="ctr">
-                      <a:solidFill>
-                        <a:srgbClr val="000000"/>
-                      </a:solidFill>
-                      <a:prstDash val="solid"/>
-                      <a:round/>
-                      <a:headEnd type="none" w="med" len="med"/>
-                      <a:tailEnd type="none" w="med" len="med"/>
-                    </a:lnT>
-                    <a:lnB w="12700" cap="flat" cmpd="sng" algn="ctr">
-                      <a:solidFill>
-                        <a:srgbClr val="000000"/>
-                      </a:solidFill>
-                      <a:prstDash val="solid"/>
-                      <a:round/>
-                      <a:headEnd type="none" w="med" len="med"/>
-                      <a:tailEnd type="none" w="med" len="med"/>
-                    </a:lnB>
-                  </a:tcPr>
-                </a:tc>
-                <a:tc>
-                  <a:txBody>
-                    <a:bodyPr/>
-                    <a:lstStyle/>
-                    <a:p>
-                      <a:pPr marL="0" marR="0" indent="177800" algn="l">
-                        <a:lnSpc>
-                          <a:spcPct val="115000"/>
-                        </a:lnSpc>
-                        <a:spcBef>
-                          <a:spcPts val="0"/>
-                        </a:spcBef>
-                        <a:spcAft>
-                          <a:spcPts val="0"/>
-                        </a:spcAft>
-                      </a:pPr>
-                      <a:r>
-                        <a:rPr lang="en-US" sz="1400" dirty="0">
-                          <a:solidFill>
-                            <a:srgbClr val="000000"/>
-                          </a:solidFill>
-                          <a:latin typeface="Calibri"/>
-                          <a:ea typeface="Times New Roman"/>
-                          <a:cs typeface="Times New Roman"/>
-                        </a:rPr>
-                        <a:t>3. System creates a new post page for the user's question</a:t>
-                      </a:r>
-                      <a:endParaRPr lang="en-US" sz="1100" dirty="0">
-                        <a:latin typeface="Calibri"/>
-                        <a:ea typeface="Calibri"/>
-                        <a:cs typeface="Times New Roman"/>
-                      </a:endParaRPr>
-                    </a:p>
-                  </a:txBody>
-                  <a:tcPr marL="68580" marR="68580" marT="0" marB="0" anchor="b">
-                    <a:lnL w="12700" cap="flat" cmpd="sng" algn="ctr">
-                      <a:solidFill>
-                        <a:srgbClr val="000000"/>
-                      </a:solidFill>
-                      <a:prstDash val="solid"/>
-                      <a:round/>
-                      <a:headEnd type="none" w="med" len="med"/>
-                      <a:tailEnd type="none" w="med" len="med"/>
-                    </a:lnL>
-                    <a:lnR w="12700" cap="flat" cmpd="sng" algn="ctr">
-                      <a:solidFill>
-                        <a:srgbClr val="000000"/>
-                      </a:solidFill>
-                      <a:prstDash val="solid"/>
-                      <a:round/>
-                      <a:headEnd type="none" w="med" len="med"/>
-                      <a:tailEnd type="none" w="med" len="med"/>
-                    </a:lnR>
-                    <a:lnT w="12700" cap="flat" cmpd="sng" algn="ctr">
-                      <a:solidFill>
-                        <a:srgbClr val="000000"/>
-                      </a:solidFill>
-                      <a:prstDash val="solid"/>
-                      <a:round/>
-                      <a:headEnd type="none" w="med" len="med"/>
-                      <a:tailEnd type="none" w="med" len="med"/>
-                    </a:lnT>
-                    <a:lnB w="12700" cap="flat" cmpd="sng" algn="ctr">
-                      <a:solidFill>
-                        <a:srgbClr val="000000"/>
-                      </a:solidFill>
-                      <a:prstDash val="solid"/>
-                      <a:round/>
-                      <a:headEnd type="none" w="med" len="med"/>
-                      <a:tailEnd type="none" w="med" len="med"/>
-                    </a:lnB>
-                  </a:tcPr>
-                </a:tc>
-              </a:tr>
-            </a:tbl>
-          </a:graphicData>
-        </a:graphic>
-      </p:graphicFrame>
+        </p:nvPicPr>
+        <p:blipFill>
+          <a:blip r:embed="rId2" cstate="email">
+            <a:extLst>
+              <a:ext uri="{28A0092B-C50C-407E-A947-70E740481C1C}">
+                <a14:useLocalDpi xmlns:a14="http://schemas.microsoft.com/office/drawing/2010/main" val="0"/>
+              </a:ext>
+            </a:extLst>
+          </a:blip>
+          <a:srcRect/>
+          <a:stretch>
+            <a:fillRect/>
+          </a:stretch>
+        </p:blipFill>
+        <p:spPr bwMode="auto">
+          <a:xfrm>
+            <a:off x="1857375" y="674134"/>
+            <a:ext cx="5429250" cy="3699982"/>
+          </a:xfrm>
+          <a:prstGeom prst="rect">
+            <a:avLst/>
+          </a:prstGeom>
+          <a:noFill/>
+          <a:extLst>
+            <a:ext uri="{909E8E84-426E-40DD-AFC4-6F175D3DCCD1}">
+              <a14:hiddenFill xmlns:a14="http://schemas.microsoft.com/office/drawing/2010/main">
+                <a:solidFill>
+                  <a:srgbClr val="FFFFFF"/>
+                </a:solidFill>
+              </a14:hiddenFill>
+            </a:ext>
+          </a:extLst>
+        </p:spPr>
+      </p:pic>
     </p:spTree>
+    <p:extLst>
+      <p:ext uri="{BB962C8B-B14F-4D97-AF65-F5344CB8AC3E}">
+        <p14:creationId xmlns:p14="http://schemas.microsoft.com/office/powerpoint/2010/main" val="1586904439"/>
+      </p:ext>
+    </p:extLst>
   </p:cSld>
   <p:clrMapOvr>
     <a:masterClrMapping/>
@@ -5055,7 +3884,7 @@
           <a:p>
             <a:r>
               <a:rPr lang="en-US" dirty="0" smtClean="0"/>
-              <a:t>Post Question</a:t>
+              <a:t>Registered User</a:t>
             </a:r>
             <a:endParaRPr lang="en-US" dirty="0"/>
           </a:p>
@@ -5063,7 +3892,7 @@
       </p:sp>
       <p:pic>
         <p:nvPicPr>
-          <p:cNvPr id="4" name="Picture 3"/>
+          <p:cNvPr id="4" name="Picture 3" descr="C:\wamp\www\CapstoneProject\Proposal\Design\Registered User Use Case Diagram.JPG"/>
           <p:cNvPicPr/>
           <p:nvPr/>
         </p:nvPicPr>
@@ -5076,8 +3905,8 @@
         </p:blipFill>
         <p:spPr bwMode="auto">
           <a:xfrm>
-            <a:off x="1071191" y="854157"/>
-            <a:ext cx="7001617" cy="3111336"/>
+            <a:off x="1981199" y="847725"/>
+            <a:ext cx="4981575" cy="4029075"/>
           </a:xfrm>
           <a:prstGeom prst="rect">
             <a:avLst/>
@@ -5126,49 +3955,1268 @@
             <p:ph type="title"/>
           </p:nvPr>
         </p:nvSpPr>
-        <p:spPr/>
+        <p:spPr>
+          <a:xfrm>
+            <a:off x="762000" y="4572000"/>
+            <a:ext cx="6972300" cy="1600200"/>
+          </a:xfrm>
+        </p:spPr>
         <p:txBody>
-          <a:bodyPr/>
+          <a:bodyPr>
+            <a:normAutofit fontScale="90000"/>
+          </a:bodyPr>
           <a:lstStyle/>
           <a:p>
             <a:r>
               <a:rPr lang="en-US" dirty="0" smtClean="0"/>
-              <a:t>Guest User</a:t>
+              <a:t>Reg. User - Post Question</a:t>
             </a:r>
             <a:endParaRPr lang="en-US" dirty="0"/>
           </a:p>
         </p:txBody>
       </p:sp>
-      <p:pic>
-        <p:nvPicPr>
-          <p:cNvPr id="4" name="Picture 3" descr="C:\wamp\www\CapstoneProject\Proposal\Design\Guest User Use Case Diagram.JPG"/>
-          <p:cNvPicPr/>
+      <p:graphicFrame>
+        <p:nvGraphicFramePr>
+          <p:cNvPr id="4" name="Table 3"/>
+          <p:cNvGraphicFramePr>
+            <a:graphicFrameLocks noGrp="1"/>
+          </p:cNvGraphicFramePr>
           <p:nvPr/>
-        </p:nvPicPr>
-        <p:blipFill>
-          <a:blip r:embed="rId2" cstate="print"/>
-          <a:srcRect/>
-          <a:stretch>
-            <a:fillRect/>
-          </a:stretch>
-        </p:blipFill>
-        <p:spPr bwMode="auto">
-          <a:xfrm>
-            <a:off x="2276932" y="1686297"/>
-            <a:ext cx="4447717" cy="3047628"/>
-          </a:xfrm>
-          <a:prstGeom prst="rect">
-            <a:avLst/>
-          </a:prstGeom>
-          <a:noFill/>
-          <a:ln w="9525">
-            <a:noFill/>
-            <a:miter lim="800000"/>
-            <a:headEnd/>
-            <a:tailEnd/>
-          </a:ln>
-        </p:spPr>
-      </p:pic>
+        </p:nvGraphicFramePr>
+        <p:xfrm>
+          <a:off x="1390650" y="1409700"/>
+          <a:ext cx="6096000" cy="3038477"/>
+        </p:xfrm>
+        <a:graphic>
+          <a:graphicData uri="http://schemas.openxmlformats.org/drawingml/2006/table">
+            <a:tbl>
+              <a:tblPr/>
+              <a:tblGrid>
+                <a:gridCol w="2862682"/>
+                <a:gridCol w="3233318"/>
+              </a:tblGrid>
+              <a:tr h="312466">
+                <a:tc>
+                  <a:txBody>
+                    <a:bodyPr/>
+                    <a:lstStyle/>
+                    <a:p>
+                      <a:pPr marL="0" marR="0" algn="ctr">
+                        <a:lnSpc>
+                          <a:spcPct val="115000"/>
+                        </a:lnSpc>
+                        <a:spcBef>
+                          <a:spcPts val="0"/>
+                        </a:spcBef>
+                        <a:spcAft>
+                          <a:spcPts val="0"/>
+                        </a:spcAft>
+                      </a:pPr>
+                      <a:r>
+                        <a:rPr lang="en-US" sz="1600" b="1" i="1">
+                          <a:solidFill>
+                            <a:srgbClr val="000000"/>
+                          </a:solidFill>
+                          <a:latin typeface="Calibri"/>
+                          <a:ea typeface="Times New Roman"/>
+                          <a:cs typeface="Times New Roman"/>
+                        </a:rPr>
+                        <a:t>Registered User</a:t>
+                      </a:r>
+                      <a:endParaRPr lang="en-US" sz="1100">
+                        <a:latin typeface="Calibri"/>
+                        <a:ea typeface="Calibri"/>
+                        <a:cs typeface="Times New Roman"/>
+                      </a:endParaRPr>
+                    </a:p>
+                  </a:txBody>
+                  <a:tcPr marL="68580" marR="68580" marT="0" marB="0" anchor="b">
+                    <a:lnL>
+                      <a:noFill/>
+                    </a:lnL>
+                    <a:lnR>
+                      <a:noFill/>
+                    </a:lnR>
+                    <a:lnT>
+                      <a:noFill/>
+                    </a:lnT>
+                    <a:lnB w="12700" cap="flat" cmpd="sng" algn="ctr">
+                      <a:solidFill>
+                        <a:srgbClr val="000000"/>
+                      </a:solidFill>
+                      <a:prstDash val="solid"/>
+                      <a:round/>
+                      <a:headEnd type="none" w="med" len="med"/>
+                      <a:tailEnd type="none" w="med" len="med"/>
+                    </a:lnB>
+                  </a:tcPr>
+                </a:tc>
+                <a:tc>
+                  <a:txBody>
+                    <a:bodyPr/>
+                    <a:lstStyle/>
+                    <a:p>
+                      <a:pPr algn="l">
+                        <a:lnSpc>
+                          <a:spcPct val="115000"/>
+                        </a:lnSpc>
+                      </a:pPr>
+                      <a:endParaRPr lang="en-US" sz="1100">
+                        <a:latin typeface="Calibri"/>
+                        <a:ea typeface="Times New Roman"/>
+                      </a:endParaRPr>
+                    </a:p>
+                  </a:txBody>
+                  <a:tcPr marL="68580" marR="68580" marT="0" marB="0" anchor="b">
+                    <a:lnL>
+                      <a:noFill/>
+                    </a:lnL>
+                    <a:lnR>
+                      <a:noFill/>
+                    </a:lnR>
+                    <a:lnT>
+                      <a:noFill/>
+                    </a:lnT>
+                    <a:lnB w="12700" cap="flat" cmpd="sng" algn="ctr">
+                      <a:solidFill>
+                        <a:srgbClr val="000000"/>
+                      </a:solidFill>
+                      <a:prstDash val="solid"/>
+                      <a:round/>
+                      <a:headEnd type="none" w="med" len="med"/>
+                      <a:tailEnd type="none" w="med" len="med"/>
+                    </a:lnB>
+                  </a:tcPr>
+                </a:tc>
+              </a:tr>
+              <a:tr h="273408">
+                <a:tc>
+                  <a:txBody>
+                    <a:bodyPr/>
+                    <a:lstStyle/>
+                    <a:p>
+                      <a:pPr marL="0" marR="0" algn="ctr">
+                        <a:lnSpc>
+                          <a:spcPct val="115000"/>
+                        </a:lnSpc>
+                        <a:spcBef>
+                          <a:spcPts val="0"/>
+                        </a:spcBef>
+                        <a:spcAft>
+                          <a:spcPts val="0"/>
+                        </a:spcAft>
+                      </a:pPr>
+                      <a:r>
+                        <a:rPr lang="en-US" sz="1400">
+                          <a:solidFill>
+                            <a:srgbClr val="000000"/>
+                          </a:solidFill>
+                          <a:latin typeface="Calibri"/>
+                          <a:ea typeface="Times New Roman"/>
+                          <a:cs typeface="Times New Roman"/>
+                        </a:rPr>
+                        <a:t>Title</a:t>
+                      </a:r>
+                      <a:endParaRPr lang="en-US" sz="1100">
+                        <a:latin typeface="Calibri"/>
+                        <a:ea typeface="Calibri"/>
+                        <a:cs typeface="Times New Roman"/>
+                      </a:endParaRPr>
+                    </a:p>
+                  </a:txBody>
+                  <a:tcPr marL="68580" marR="68580" marT="0" marB="0" anchor="b">
+                    <a:lnL w="12700" cap="flat" cmpd="sng" algn="ctr">
+                      <a:solidFill>
+                        <a:srgbClr val="000000"/>
+                      </a:solidFill>
+                      <a:prstDash val="solid"/>
+                      <a:round/>
+                      <a:headEnd type="none" w="med" len="med"/>
+                      <a:tailEnd type="none" w="med" len="med"/>
+                    </a:lnL>
+                    <a:lnR w="12700" cap="flat" cmpd="sng" algn="ctr">
+                      <a:solidFill>
+                        <a:srgbClr val="000000"/>
+                      </a:solidFill>
+                      <a:prstDash val="solid"/>
+                      <a:round/>
+                      <a:headEnd type="none" w="med" len="med"/>
+                      <a:tailEnd type="none" w="med" len="med"/>
+                    </a:lnR>
+                    <a:lnT w="12700" cap="flat" cmpd="sng" algn="ctr">
+                      <a:solidFill>
+                        <a:srgbClr val="000000"/>
+                      </a:solidFill>
+                      <a:prstDash val="solid"/>
+                      <a:round/>
+                      <a:headEnd type="none" w="med" len="med"/>
+                      <a:tailEnd type="none" w="med" len="med"/>
+                    </a:lnT>
+                    <a:lnB w="12700" cap="flat" cmpd="sng" algn="ctr">
+                      <a:solidFill>
+                        <a:srgbClr val="000000"/>
+                      </a:solidFill>
+                      <a:prstDash val="solid"/>
+                      <a:round/>
+                      <a:headEnd type="none" w="med" len="med"/>
+                      <a:tailEnd type="none" w="med" len="med"/>
+                    </a:lnB>
+                  </a:tcPr>
+                </a:tc>
+                <a:tc>
+                  <a:txBody>
+                    <a:bodyPr/>
+                    <a:lstStyle/>
+                    <a:p>
+                      <a:pPr marL="0" marR="0" indent="178435" algn="l">
+                        <a:lnSpc>
+                          <a:spcPct val="115000"/>
+                        </a:lnSpc>
+                        <a:spcBef>
+                          <a:spcPts val="0"/>
+                        </a:spcBef>
+                        <a:spcAft>
+                          <a:spcPts val="0"/>
+                        </a:spcAft>
+                      </a:pPr>
+                      <a:r>
+                        <a:rPr lang="en-US" sz="1400" b="1">
+                          <a:solidFill>
+                            <a:srgbClr val="000000"/>
+                          </a:solidFill>
+                          <a:latin typeface="Calibri"/>
+                          <a:ea typeface="Times New Roman"/>
+                          <a:cs typeface="Times New Roman"/>
+                        </a:rPr>
+                        <a:t>Post Question</a:t>
+                      </a:r>
+                      <a:endParaRPr lang="en-US" sz="1100">
+                        <a:latin typeface="Calibri"/>
+                        <a:ea typeface="Calibri"/>
+                        <a:cs typeface="Times New Roman"/>
+                      </a:endParaRPr>
+                    </a:p>
+                  </a:txBody>
+                  <a:tcPr marL="68580" marR="68580" marT="0" marB="0" anchor="b">
+                    <a:lnL w="12700" cap="flat" cmpd="sng" algn="ctr">
+                      <a:solidFill>
+                        <a:srgbClr val="000000"/>
+                      </a:solidFill>
+                      <a:prstDash val="solid"/>
+                      <a:round/>
+                      <a:headEnd type="none" w="med" len="med"/>
+                      <a:tailEnd type="none" w="med" len="med"/>
+                    </a:lnL>
+                    <a:lnR w="12700" cap="flat" cmpd="sng" algn="ctr">
+                      <a:solidFill>
+                        <a:srgbClr val="000000"/>
+                      </a:solidFill>
+                      <a:prstDash val="solid"/>
+                      <a:round/>
+                      <a:headEnd type="none" w="med" len="med"/>
+                      <a:tailEnd type="none" w="med" len="med"/>
+                    </a:lnR>
+                    <a:lnT w="12700" cap="flat" cmpd="sng" algn="ctr">
+                      <a:solidFill>
+                        <a:srgbClr val="000000"/>
+                      </a:solidFill>
+                      <a:prstDash val="solid"/>
+                      <a:round/>
+                      <a:headEnd type="none" w="med" len="med"/>
+                      <a:tailEnd type="none" w="med" len="med"/>
+                    </a:lnT>
+                    <a:lnB w="12700" cap="flat" cmpd="sng" algn="ctr">
+                      <a:solidFill>
+                        <a:srgbClr val="000000"/>
+                      </a:solidFill>
+                      <a:prstDash val="solid"/>
+                      <a:round/>
+                      <a:headEnd type="none" w="med" len="med"/>
+                      <a:tailEnd type="none" w="med" len="med"/>
+                    </a:lnB>
+                  </a:tcPr>
+                </a:tc>
+              </a:tr>
+              <a:tr h="546815">
+                <a:tc>
+                  <a:txBody>
+                    <a:bodyPr/>
+                    <a:lstStyle/>
+                    <a:p>
+                      <a:pPr marL="0" marR="0" algn="ctr">
+                        <a:lnSpc>
+                          <a:spcPct val="115000"/>
+                        </a:lnSpc>
+                        <a:spcBef>
+                          <a:spcPts val="0"/>
+                        </a:spcBef>
+                        <a:spcAft>
+                          <a:spcPts val="0"/>
+                        </a:spcAft>
+                      </a:pPr>
+                      <a:r>
+                        <a:rPr lang="en-US" sz="1400">
+                          <a:solidFill>
+                            <a:srgbClr val="000000"/>
+                          </a:solidFill>
+                          <a:latin typeface="Calibri"/>
+                          <a:ea typeface="Times New Roman"/>
+                          <a:cs typeface="Times New Roman"/>
+                        </a:rPr>
+                        <a:t>Summary</a:t>
+                      </a:r>
+                      <a:endParaRPr lang="en-US" sz="1100">
+                        <a:latin typeface="Calibri"/>
+                        <a:ea typeface="Calibri"/>
+                        <a:cs typeface="Times New Roman"/>
+                      </a:endParaRPr>
+                    </a:p>
+                  </a:txBody>
+                  <a:tcPr marL="68580" marR="68580" marT="0" marB="0" anchor="b">
+                    <a:lnL w="12700" cap="flat" cmpd="sng" algn="ctr">
+                      <a:solidFill>
+                        <a:srgbClr val="000000"/>
+                      </a:solidFill>
+                      <a:prstDash val="solid"/>
+                      <a:round/>
+                      <a:headEnd type="none" w="med" len="med"/>
+                      <a:tailEnd type="none" w="med" len="med"/>
+                    </a:lnL>
+                    <a:lnR w="12700" cap="flat" cmpd="sng" algn="ctr">
+                      <a:solidFill>
+                        <a:srgbClr val="000000"/>
+                      </a:solidFill>
+                      <a:prstDash val="solid"/>
+                      <a:round/>
+                      <a:headEnd type="none" w="med" len="med"/>
+                      <a:tailEnd type="none" w="med" len="med"/>
+                    </a:lnR>
+                    <a:lnT w="12700" cap="flat" cmpd="sng" algn="ctr">
+                      <a:solidFill>
+                        <a:srgbClr val="000000"/>
+                      </a:solidFill>
+                      <a:prstDash val="solid"/>
+                      <a:round/>
+                      <a:headEnd type="none" w="med" len="med"/>
+                      <a:tailEnd type="none" w="med" len="med"/>
+                    </a:lnT>
+                    <a:lnB w="12700" cap="flat" cmpd="sng" algn="ctr">
+                      <a:solidFill>
+                        <a:srgbClr val="000000"/>
+                      </a:solidFill>
+                      <a:prstDash val="solid"/>
+                      <a:round/>
+                      <a:headEnd type="none" w="med" len="med"/>
+                      <a:tailEnd type="none" w="med" len="med"/>
+                    </a:lnB>
+                  </a:tcPr>
+                </a:tc>
+                <a:tc>
+                  <a:txBody>
+                    <a:bodyPr/>
+                    <a:lstStyle/>
+                    <a:p>
+                      <a:pPr marL="0" marR="0" indent="177800" algn="l">
+                        <a:lnSpc>
+                          <a:spcPct val="115000"/>
+                        </a:lnSpc>
+                        <a:spcBef>
+                          <a:spcPts val="0"/>
+                        </a:spcBef>
+                        <a:spcAft>
+                          <a:spcPts val="0"/>
+                        </a:spcAft>
+                      </a:pPr>
+                      <a:r>
+                        <a:rPr lang="en-US" sz="1400">
+                          <a:solidFill>
+                            <a:srgbClr val="000000"/>
+                          </a:solidFill>
+                          <a:latin typeface="Calibri"/>
+                          <a:ea typeface="Times New Roman"/>
+                          <a:cs typeface="Times New Roman"/>
+                        </a:rPr>
+                        <a:t>The registered user can post new questions on the blog</a:t>
+                      </a:r>
+                      <a:endParaRPr lang="en-US" sz="1100">
+                        <a:latin typeface="Calibri"/>
+                        <a:ea typeface="Calibri"/>
+                        <a:cs typeface="Times New Roman"/>
+                      </a:endParaRPr>
+                    </a:p>
+                  </a:txBody>
+                  <a:tcPr marL="68580" marR="68580" marT="0" marB="0" anchor="b">
+                    <a:lnL w="12700" cap="flat" cmpd="sng" algn="ctr">
+                      <a:solidFill>
+                        <a:srgbClr val="000000"/>
+                      </a:solidFill>
+                      <a:prstDash val="solid"/>
+                      <a:round/>
+                      <a:headEnd type="none" w="med" len="med"/>
+                      <a:tailEnd type="none" w="med" len="med"/>
+                    </a:lnL>
+                    <a:lnR w="12700" cap="flat" cmpd="sng" algn="ctr">
+                      <a:solidFill>
+                        <a:srgbClr val="000000"/>
+                      </a:solidFill>
+                      <a:prstDash val="solid"/>
+                      <a:round/>
+                      <a:headEnd type="none" w="med" len="med"/>
+                      <a:tailEnd type="none" w="med" len="med"/>
+                    </a:lnR>
+                    <a:lnT w="12700" cap="flat" cmpd="sng" algn="ctr">
+                      <a:solidFill>
+                        <a:srgbClr val="000000"/>
+                      </a:solidFill>
+                      <a:prstDash val="solid"/>
+                      <a:round/>
+                      <a:headEnd type="none" w="med" len="med"/>
+                      <a:tailEnd type="none" w="med" len="med"/>
+                    </a:lnT>
+                    <a:lnB w="12700" cap="flat" cmpd="sng" algn="ctr">
+                      <a:solidFill>
+                        <a:srgbClr val="000000"/>
+                      </a:solidFill>
+                      <a:prstDash val="solid"/>
+                      <a:round/>
+                      <a:headEnd type="none" w="med" len="med"/>
+                      <a:tailEnd type="none" w="med" len="med"/>
+                    </a:lnB>
+                  </a:tcPr>
+                </a:tc>
+              </a:tr>
+              <a:tr h="273408">
+                <a:tc>
+                  <a:txBody>
+                    <a:bodyPr/>
+                    <a:lstStyle/>
+                    <a:p>
+                      <a:pPr marL="0" marR="0" algn="ctr">
+                        <a:lnSpc>
+                          <a:spcPct val="115000"/>
+                        </a:lnSpc>
+                        <a:spcBef>
+                          <a:spcPts val="0"/>
+                        </a:spcBef>
+                        <a:spcAft>
+                          <a:spcPts val="0"/>
+                        </a:spcAft>
+                      </a:pPr>
+                      <a:r>
+                        <a:rPr lang="en-US" sz="1400">
+                          <a:solidFill>
+                            <a:srgbClr val="000000"/>
+                          </a:solidFill>
+                          <a:latin typeface="Calibri"/>
+                          <a:ea typeface="Times New Roman"/>
+                          <a:cs typeface="Times New Roman"/>
+                        </a:rPr>
+                        <a:t>Preconditions</a:t>
+                      </a:r>
+                      <a:endParaRPr lang="en-US" sz="1100">
+                        <a:latin typeface="Calibri"/>
+                        <a:ea typeface="Calibri"/>
+                        <a:cs typeface="Times New Roman"/>
+                      </a:endParaRPr>
+                    </a:p>
+                  </a:txBody>
+                  <a:tcPr marL="68580" marR="68580" marT="0" marB="0" anchor="b">
+                    <a:lnL w="12700" cap="flat" cmpd="sng" algn="ctr">
+                      <a:solidFill>
+                        <a:srgbClr val="000000"/>
+                      </a:solidFill>
+                      <a:prstDash val="solid"/>
+                      <a:round/>
+                      <a:headEnd type="none" w="med" len="med"/>
+                      <a:tailEnd type="none" w="med" len="med"/>
+                    </a:lnL>
+                    <a:lnR w="12700" cap="flat" cmpd="sng" algn="ctr">
+                      <a:solidFill>
+                        <a:srgbClr val="000000"/>
+                      </a:solidFill>
+                      <a:prstDash val="solid"/>
+                      <a:round/>
+                      <a:headEnd type="none" w="med" len="med"/>
+                      <a:tailEnd type="none" w="med" len="med"/>
+                    </a:lnR>
+                    <a:lnT w="12700" cap="flat" cmpd="sng" algn="ctr">
+                      <a:solidFill>
+                        <a:srgbClr val="000000"/>
+                      </a:solidFill>
+                      <a:prstDash val="solid"/>
+                      <a:round/>
+                      <a:headEnd type="none" w="med" len="med"/>
+                      <a:tailEnd type="none" w="med" len="med"/>
+                    </a:lnT>
+                    <a:lnB w="12700" cap="flat" cmpd="sng" algn="ctr">
+                      <a:solidFill>
+                        <a:srgbClr val="000000"/>
+                      </a:solidFill>
+                      <a:prstDash val="solid"/>
+                      <a:round/>
+                      <a:headEnd type="none" w="med" len="med"/>
+                      <a:tailEnd type="none" w="med" len="med"/>
+                    </a:lnB>
+                  </a:tcPr>
+                </a:tc>
+                <a:tc>
+                  <a:txBody>
+                    <a:bodyPr/>
+                    <a:lstStyle/>
+                    <a:p>
+                      <a:pPr marL="0" marR="0" indent="177800" algn="l">
+                        <a:lnSpc>
+                          <a:spcPct val="115000"/>
+                        </a:lnSpc>
+                        <a:spcBef>
+                          <a:spcPts val="0"/>
+                        </a:spcBef>
+                        <a:spcAft>
+                          <a:spcPts val="0"/>
+                        </a:spcAft>
+                      </a:pPr>
+                      <a:r>
+                        <a:rPr lang="en-US" sz="1400">
+                          <a:solidFill>
+                            <a:srgbClr val="000000"/>
+                          </a:solidFill>
+                          <a:latin typeface="Calibri"/>
+                          <a:ea typeface="Times New Roman"/>
+                          <a:cs typeface="Times New Roman"/>
+                        </a:rPr>
+                        <a:t>The user is registered and logged in</a:t>
+                      </a:r>
+                      <a:endParaRPr lang="en-US" sz="1100">
+                        <a:latin typeface="Calibri"/>
+                        <a:ea typeface="Calibri"/>
+                        <a:cs typeface="Times New Roman"/>
+                      </a:endParaRPr>
+                    </a:p>
+                  </a:txBody>
+                  <a:tcPr marL="68580" marR="68580" marT="0" marB="0" anchor="b">
+                    <a:lnL w="12700" cap="flat" cmpd="sng" algn="ctr">
+                      <a:solidFill>
+                        <a:srgbClr val="000000"/>
+                      </a:solidFill>
+                      <a:prstDash val="solid"/>
+                      <a:round/>
+                      <a:headEnd type="none" w="med" len="med"/>
+                      <a:tailEnd type="none" w="med" len="med"/>
+                    </a:lnL>
+                    <a:lnR w="12700" cap="flat" cmpd="sng" algn="ctr">
+                      <a:solidFill>
+                        <a:srgbClr val="000000"/>
+                      </a:solidFill>
+                      <a:prstDash val="solid"/>
+                      <a:round/>
+                      <a:headEnd type="none" w="med" len="med"/>
+                      <a:tailEnd type="none" w="med" len="med"/>
+                    </a:lnR>
+                    <a:lnT w="12700" cap="flat" cmpd="sng" algn="ctr">
+                      <a:solidFill>
+                        <a:srgbClr val="000000"/>
+                      </a:solidFill>
+                      <a:prstDash val="solid"/>
+                      <a:round/>
+                      <a:headEnd type="none" w="med" len="med"/>
+                      <a:tailEnd type="none" w="med" len="med"/>
+                    </a:lnT>
+                    <a:lnB w="12700" cap="flat" cmpd="sng" algn="ctr">
+                      <a:solidFill>
+                        <a:srgbClr val="000000"/>
+                      </a:solidFill>
+                      <a:prstDash val="solid"/>
+                      <a:round/>
+                      <a:headEnd type="none" w="med" len="med"/>
+                      <a:tailEnd type="none" w="med" len="med"/>
+                    </a:lnB>
+                  </a:tcPr>
+                </a:tc>
+              </a:tr>
+              <a:tr h="273408">
+                <a:tc>
+                  <a:txBody>
+                    <a:bodyPr/>
+                    <a:lstStyle/>
+                    <a:p>
+                      <a:pPr marL="0" marR="0" algn="ctr">
+                        <a:lnSpc>
+                          <a:spcPct val="115000"/>
+                        </a:lnSpc>
+                        <a:spcBef>
+                          <a:spcPts val="0"/>
+                        </a:spcBef>
+                        <a:spcAft>
+                          <a:spcPts val="0"/>
+                        </a:spcAft>
+                      </a:pPr>
+                      <a:r>
+                        <a:rPr lang="en-US" sz="1400">
+                          <a:solidFill>
+                            <a:srgbClr val="000000"/>
+                          </a:solidFill>
+                          <a:latin typeface="Calibri"/>
+                          <a:ea typeface="Times New Roman"/>
+                          <a:cs typeface="Times New Roman"/>
+                        </a:rPr>
+                        <a:t>Post-conditions</a:t>
+                      </a:r>
+                      <a:endParaRPr lang="en-US" sz="1100">
+                        <a:latin typeface="Calibri"/>
+                        <a:ea typeface="Calibri"/>
+                        <a:cs typeface="Times New Roman"/>
+                      </a:endParaRPr>
+                    </a:p>
+                  </a:txBody>
+                  <a:tcPr marL="68580" marR="68580" marT="0" marB="0" anchor="b">
+                    <a:lnL w="12700" cap="flat" cmpd="sng" algn="ctr">
+                      <a:solidFill>
+                        <a:srgbClr val="000000"/>
+                      </a:solidFill>
+                      <a:prstDash val="solid"/>
+                      <a:round/>
+                      <a:headEnd type="none" w="med" len="med"/>
+                      <a:tailEnd type="none" w="med" len="med"/>
+                    </a:lnL>
+                    <a:lnR w="12700" cap="flat" cmpd="sng" algn="ctr">
+                      <a:solidFill>
+                        <a:srgbClr val="000000"/>
+                      </a:solidFill>
+                      <a:prstDash val="solid"/>
+                      <a:round/>
+                      <a:headEnd type="none" w="med" len="med"/>
+                      <a:tailEnd type="none" w="med" len="med"/>
+                    </a:lnR>
+                    <a:lnT w="12700" cap="flat" cmpd="sng" algn="ctr">
+                      <a:solidFill>
+                        <a:srgbClr val="000000"/>
+                      </a:solidFill>
+                      <a:prstDash val="solid"/>
+                      <a:round/>
+                      <a:headEnd type="none" w="med" len="med"/>
+                      <a:tailEnd type="none" w="med" len="med"/>
+                    </a:lnT>
+                    <a:lnB w="12700" cap="flat" cmpd="sng" algn="ctr">
+                      <a:solidFill>
+                        <a:srgbClr val="000000"/>
+                      </a:solidFill>
+                      <a:prstDash val="solid"/>
+                      <a:round/>
+                      <a:headEnd type="none" w="med" len="med"/>
+                      <a:tailEnd type="none" w="med" len="med"/>
+                    </a:lnB>
+                  </a:tcPr>
+                </a:tc>
+                <a:tc>
+                  <a:txBody>
+                    <a:bodyPr/>
+                    <a:lstStyle/>
+                    <a:p>
+                      <a:pPr marL="0" marR="0" indent="177800" algn="l">
+                        <a:lnSpc>
+                          <a:spcPct val="115000"/>
+                        </a:lnSpc>
+                        <a:spcBef>
+                          <a:spcPts val="0"/>
+                        </a:spcBef>
+                        <a:spcAft>
+                          <a:spcPts val="0"/>
+                        </a:spcAft>
+                      </a:pPr>
+                      <a:r>
+                        <a:rPr lang="en-US" sz="1400">
+                          <a:solidFill>
+                            <a:srgbClr val="000000"/>
+                          </a:solidFill>
+                          <a:latin typeface="Calibri"/>
+                          <a:ea typeface="Times New Roman"/>
+                          <a:cs typeface="Times New Roman"/>
+                        </a:rPr>
+                        <a:t>A new question is posted onto the blog</a:t>
+                      </a:r>
+                      <a:endParaRPr lang="en-US" sz="1100">
+                        <a:latin typeface="Calibri"/>
+                        <a:ea typeface="Calibri"/>
+                        <a:cs typeface="Times New Roman"/>
+                      </a:endParaRPr>
+                    </a:p>
+                  </a:txBody>
+                  <a:tcPr marL="68580" marR="68580" marT="0" marB="0" anchor="b">
+                    <a:lnL w="12700" cap="flat" cmpd="sng" algn="ctr">
+                      <a:solidFill>
+                        <a:srgbClr val="000000"/>
+                      </a:solidFill>
+                      <a:prstDash val="solid"/>
+                      <a:round/>
+                      <a:headEnd type="none" w="med" len="med"/>
+                      <a:tailEnd type="none" w="med" len="med"/>
+                    </a:lnL>
+                    <a:lnR w="12700" cap="flat" cmpd="sng" algn="ctr">
+                      <a:solidFill>
+                        <a:srgbClr val="000000"/>
+                      </a:solidFill>
+                      <a:prstDash val="solid"/>
+                      <a:round/>
+                      <a:headEnd type="none" w="med" len="med"/>
+                      <a:tailEnd type="none" w="med" len="med"/>
+                    </a:lnR>
+                    <a:lnT w="12700" cap="flat" cmpd="sng" algn="ctr">
+                      <a:solidFill>
+                        <a:srgbClr val="000000"/>
+                      </a:solidFill>
+                      <a:prstDash val="solid"/>
+                      <a:round/>
+                      <a:headEnd type="none" w="med" len="med"/>
+                      <a:tailEnd type="none" w="med" len="med"/>
+                    </a:lnT>
+                    <a:lnB w="12700" cap="flat" cmpd="sng" algn="ctr">
+                      <a:solidFill>
+                        <a:srgbClr val="000000"/>
+                      </a:solidFill>
+                      <a:prstDash val="solid"/>
+                      <a:round/>
+                      <a:headEnd type="none" w="med" len="med"/>
+                      <a:tailEnd type="none" w="med" len="med"/>
+                    </a:lnB>
+                  </a:tcPr>
+                </a:tc>
+              </a:tr>
+              <a:tr h="265341">
+                <a:tc>
+                  <a:txBody>
+                    <a:bodyPr/>
+                    <a:lstStyle/>
+                    <a:p>
+                      <a:pPr algn="l">
+                        <a:lnSpc>
+                          <a:spcPct val="115000"/>
+                        </a:lnSpc>
+                      </a:pPr>
+                      <a:endParaRPr lang="en-US" sz="1100">
+                        <a:latin typeface="Calibri"/>
+                        <a:ea typeface="Times New Roman"/>
+                      </a:endParaRPr>
+                    </a:p>
+                  </a:txBody>
+                  <a:tcPr marL="68580" marR="68580" marT="0" marB="0" anchor="b">
+                    <a:lnL>
+                      <a:noFill/>
+                    </a:lnL>
+                    <a:lnR>
+                      <a:noFill/>
+                    </a:lnR>
+                    <a:lnT w="12700" cap="flat" cmpd="sng" algn="ctr">
+                      <a:solidFill>
+                        <a:srgbClr val="000000"/>
+                      </a:solidFill>
+                      <a:prstDash val="solid"/>
+                      <a:round/>
+                      <a:headEnd type="none" w="med" len="med"/>
+                      <a:tailEnd type="none" w="med" len="med"/>
+                    </a:lnT>
+                    <a:lnB w="12700" cap="flat" cmpd="sng" algn="ctr">
+                      <a:solidFill>
+                        <a:srgbClr val="000000"/>
+                      </a:solidFill>
+                      <a:prstDash val="solid"/>
+                      <a:round/>
+                      <a:headEnd type="none" w="med" len="med"/>
+                      <a:tailEnd type="none" w="med" len="med"/>
+                    </a:lnB>
+                  </a:tcPr>
+                </a:tc>
+                <a:tc>
+                  <a:txBody>
+                    <a:bodyPr/>
+                    <a:lstStyle/>
+                    <a:p>
+                      <a:pPr algn="l">
+                        <a:lnSpc>
+                          <a:spcPct val="115000"/>
+                        </a:lnSpc>
+                      </a:pPr>
+                      <a:endParaRPr lang="en-US" sz="1100">
+                        <a:latin typeface="Calibri"/>
+                        <a:ea typeface="Times New Roman"/>
+                      </a:endParaRPr>
+                    </a:p>
+                  </a:txBody>
+                  <a:tcPr marL="68580" marR="68580" marT="0" marB="0" anchor="b">
+                    <a:lnL>
+                      <a:noFill/>
+                    </a:lnL>
+                    <a:lnR>
+                      <a:noFill/>
+                    </a:lnR>
+                    <a:lnT w="12700" cap="flat" cmpd="sng" algn="ctr">
+                      <a:solidFill>
+                        <a:srgbClr val="000000"/>
+                      </a:solidFill>
+                      <a:prstDash val="solid"/>
+                      <a:round/>
+                      <a:headEnd type="none" w="med" len="med"/>
+                      <a:tailEnd type="none" w="med" len="med"/>
+                    </a:lnT>
+                    <a:lnB w="12700" cap="flat" cmpd="sng" algn="ctr">
+                      <a:solidFill>
+                        <a:srgbClr val="000000"/>
+                      </a:solidFill>
+                      <a:prstDash val="solid"/>
+                      <a:round/>
+                      <a:headEnd type="none" w="med" len="med"/>
+                      <a:tailEnd type="none" w="med" len="med"/>
+                    </a:lnB>
+                  </a:tcPr>
+                </a:tc>
+              </a:tr>
+              <a:tr h="273408">
+                <a:tc>
+                  <a:txBody>
+                    <a:bodyPr/>
+                    <a:lstStyle/>
+                    <a:p>
+                      <a:pPr marL="0" marR="0" algn="ctr">
+                        <a:lnSpc>
+                          <a:spcPct val="115000"/>
+                        </a:lnSpc>
+                        <a:spcBef>
+                          <a:spcPts val="0"/>
+                        </a:spcBef>
+                        <a:spcAft>
+                          <a:spcPts val="0"/>
+                        </a:spcAft>
+                      </a:pPr>
+                      <a:r>
+                        <a:rPr lang="en-US" sz="1400">
+                          <a:solidFill>
+                            <a:srgbClr val="000000"/>
+                          </a:solidFill>
+                          <a:latin typeface="Calibri"/>
+                          <a:ea typeface="Times New Roman"/>
+                          <a:cs typeface="Times New Roman"/>
+                        </a:rPr>
+                        <a:t>Actor : Registered User</a:t>
+                      </a:r>
+                      <a:endParaRPr lang="en-US" sz="1100">
+                        <a:latin typeface="Calibri"/>
+                        <a:ea typeface="Calibri"/>
+                        <a:cs typeface="Times New Roman"/>
+                      </a:endParaRPr>
+                    </a:p>
+                  </a:txBody>
+                  <a:tcPr marL="68580" marR="68580" marT="0" marB="0" anchor="b">
+                    <a:lnL w="12700" cap="flat" cmpd="sng" algn="ctr">
+                      <a:solidFill>
+                        <a:srgbClr val="000000"/>
+                      </a:solidFill>
+                      <a:prstDash val="solid"/>
+                      <a:round/>
+                      <a:headEnd type="none" w="med" len="med"/>
+                      <a:tailEnd type="none" w="med" len="med"/>
+                    </a:lnL>
+                    <a:lnR w="12700" cap="flat" cmpd="sng" algn="ctr">
+                      <a:solidFill>
+                        <a:srgbClr val="000000"/>
+                      </a:solidFill>
+                      <a:prstDash val="solid"/>
+                      <a:round/>
+                      <a:headEnd type="none" w="med" len="med"/>
+                      <a:tailEnd type="none" w="med" len="med"/>
+                    </a:lnR>
+                    <a:lnT w="12700" cap="flat" cmpd="sng" algn="ctr">
+                      <a:solidFill>
+                        <a:srgbClr val="000000"/>
+                      </a:solidFill>
+                      <a:prstDash val="solid"/>
+                      <a:round/>
+                      <a:headEnd type="none" w="med" len="med"/>
+                      <a:tailEnd type="none" w="med" len="med"/>
+                    </a:lnT>
+                    <a:lnB w="12700" cap="flat" cmpd="sng" algn="ctr">
+                      <a:solidFill>
+                        <a:srgbClr val="000000"/>
+                      </a:solidFill>
+                      <a:prstDash val="solid"/>
+                      <a:round/>
+                      <a:headEnd type="none" w="med" len="med"/>
+                      <a:tailEnd type="none" w="med" len="med"/>
+                    </a:lnB>
+                  </a:tcPr>
+                </a:tc>
+                <a:tc>
+                  <a:txBody>
+                    <a:bodyPr/>
+                    <a:lstStyle/>
+                    <a:p>
+                      <a:pPr marL="0" marR="0" algn="ctr">
+                        <a:lnSpc>
+                          <a:spcPct val="115000"/>
+                        </a:lnSpc>
+                        <a:spcBef>
+                          <a:spcPts val="0"/>
+                        </a:spcBef>
+                        <a:spcAft>
+                          <a:spcPts val="0"/>
+                        </a:spcAft>
+                      </a:pPr>
+                      <a:r>
+                        <a:rPr lang="en-US" sz="1400">
+                          <a:solidFill>
+                            <a:srgbClr val="000000"/>
+                          </a:solidFill>
+                          <a:latin typeface="Calibri"/>
+                          <a:ea typeface="Times New Roman"/>
+                          <a:cs typeface="Times New Roman"/>
+                        </a:rPr>
+                        <a:t>System</a:t>
+                      </a:r>
+                      <a:endParaRPr lang="en-US" sz="1100">
+                        <a:latin typeface="Calibri"/>
+                        <a:ea typeface="Calibri"/>
+                        <a:cs typeface="Times New Roman"/>
+                      </a:endParaRPr>
+                    </a:p>
+                  </a:txBody>
+                  <a:tcPr marL="68580" marR="68580" marT="0" marB="0" anchor="b">
+                    <a:lnL w="12700" cap="flat" cmpd="sng" algn="ctr">
+                      <a:solidFill>
+                        <a:srgbClr val="000000"/>
+                      </a:solidFill>
+                      <a:prstDash val="solid"/>
+                      <a:round/>
+                      <a:headEnd type="none" w="med" len="med"/>
+                      <a:tailEnd type="none" w="med" len="med"/>
+                    </a:lnL>
+                    <a:lnR w="12700" cap="flat" cmpd="sng" algn="ctr">
+                      <a:solidFill>
+                        <a:srgbClr val="000000"/>
+                      </a:solidFill>
+                      <a:prstDash val="solid"/>
+                      <a:round/>
+                      <a:headEnd type="none" w="med" len="med"/>
+                      <a:tailEnd type="none" w="med" len="med"/>
+                    </a:lnR>
+                    <a:lnT w="12700" cap="flat" cmpd="sng" algn="ctr">
+                      <a:solidFill>
+                        <a:srgbClr val="000000"/>
+                      </a:solidFill>
+                      <a:prstDash val="solid"/>
+                      <a:round/>
+                      <a:headEnd type="none" w="med" len="med"/>
+                      <a:tailEnd type="none" w="med" len="med"/>
+                    </a:lnT>
+                    <a:lnB w="12700" cap="flat" cmpd="sng" algn="ctr">
+                      <a:solidFill>
+                        <a:srgbClr val="000000"/>
+                      </a:solidFill>
+                      <a:prstDash val="solid"/>
+                      <a:round/>
+                      <a:headEnd type="none" w="med" len="med"/>
+                      <a:tailEnd type="none" w="med" len="med"/>
+                    </a:lnB>
+                  </a:tcPr>
+                </a:tc>
+              </a:tr>
+              <a:tr h="273408">
+                <a:tc>
+                  <a:txBody>
+                    <a:bodyPr/>
+                    <a:lstStyle/>
+                    <a:p>
+                      <a:pPr marL="0" marR="0" algn="l">
+                        <a:lnSpc>
+                          <a:spcPct val="115000"/>
+                        </a:lnSpc>
+                        <a:spcBef>
+                          <a:spcPts val="0"/>
+                        </a:spcBef>
+                        <a:spcAft>
+                          <a:spcPts val="0"/>
+                        </a:spcAft>
+                      </a:pPr>
+                      <a:r>
+                        <a:rPr lang="en-US" sz="1400">
+                          <a:solidFill>
+                            <a:srgbClr val="000000"/>
+                          </a:solidFill>
+                          <a:latin typeface="Calibri"/>
+                          <a:ea typeface="Times New Roman"/>
+                          <a:cs typeface="Times New Roman"/>
+                        </a:rPr>
+                        <a:t>0. The user clicks the 'Post' button</a:t>
+                      </a:r>
+                      <a:endParaRPr lang="en-US" sz="1100">
+                        <a:latin typeface="Calibri"/>
+                        <a:ea typeface="Calibri"/>
+                        <a:cs typeface="Times New Roman"/>
+                      </a:endParaRPr>
+                    </a:p>
+                  </a:txBody>
+                  <a:tcPr marL="68580" marR="68580" marT="0" marB="0" anchor="b">
+                    <a:lnL w="12700" cap="flat" cmpd="sng" algn="ctr">
+                      <a:solidFill>
+                        <a:srgbClr val="000000"/>
+                      </a:solidFill>
+                      <a:prstDash val="solid"/>
+                      <a:round/>
+                      <a:headEnd type="none" w="med" len="med"/>
+                      <a:tailEnd type="none" w="med" len="med"/>
+                    </a:lnL>
+                    <a:lnR w="12700" cap="flat" cmpd="sng" algn="ctr">
+                      <a:solidFill>
+                        <a:srgbClr val="000000"/>
+                      </a:solidFill>
+                      <a:prstDash val="solid"/>
+                      <a:round/>
+                      <a:headEnd type="none" w="med" len="med"/>
+                      <a:tailEnd type="none" w="med" len="med"/>
+                    </a:lnR>
+                    <a:lnT w="12700" cap="flat" cmpd="sng" algn="ctr">
+                      <a:solidFill>
+                        <a:srgbClr val="000000"/>
+                      </a:solidFill>
+                      <a:prstDash val="solid"/>
+                      <a:round/>
+                      <a:headEnd type="none" w="med" len="med"/>
+                      <a:tailEnd type="none" w="med" len="med"/>
+                    </a:lnT>
+                    <a:lnB w="12700" cap="flat" cmpd="sng" algn="ctr">
+                      <a:solidFill>
+                        <a:srgbClr val="000000"/>
+                      </a:solidFill>
+                      <a:prstDash val="solid"/>
+                      <a:round/>
+                      <a:headEnd type="none" w="med" len="med"/>
+                      <a:tailEnd type="none" w="med" len="med"/>
+                    </a:lnB>
+                  </a:tcPr>
+                </a:tc>
+                <a:tc>
+                  <a:txBody>
+                    <a:bodyPr/>
+                    <a:lstStyle/>
+                    <a:p>
+                      <a:pPr marL="0" marR="0" indent="177800" algn="l">
+                        <a:lnSpc>
+                          <a:spcPct val="115000"/>
+                        </a:lnSpc>
+                        <a:spcBef>
+                          <a:spcPts val="0"/>
+                        </a:spcBef>
+                        <a:spcAft>
+                          <a:spcPts val="0"/>
+                        </a:spcAft>
+                      </a:pPr>
+                      <a:r>
+                        <a:rPr lang="en-US" sz="1400">
+                          <a:solidFill>
+                            <a:srgbClr val="000000"/>
+                          </a:solidFill>
+                          <a:latin typeface="Calibri"/>
+                          <a:ea typeface="Times New Roman"/>
+                          <a:cs typeface="Times New Roman"/>
+                        </a:rPr>
+                        <a:t>1. System displays PostTemplate page</a:t>
+                      </a:r>
+                      <a:endParaRPr lang="en-US" sz="1100">
+                        <a:latin typeface="Calibri"/>
+                        <a:ea typeface="Calibri"/>
+                        <a:cs typeface="Times New Roman"/>
+                      </a:endParaRPr>
+                    </a:p>
+                  </a:txBody>
+                  <a:tcPr marL="68580" marR="68580" marT="0" marB="0" anchor="b">
+                    <a:lnL w="12700" cap="flat" cmpd="sng" algn="ctr">
+                      <a:solidFill>
+                        <a:srgbClr val="000000"/>
+                      </a:solidFill>
+                      <a:prstDash val="solid"/>
+                      <a:round/>
+                      <a:headEnd type="none" w="med" len="med"/>
+                      <a:tailEnd type="none" w="med" len="med"/>
+                    </a:lnL>
+                    <a:lnR w="12700" cap="flat" cmpd="sng" algn="ctr">
+                      <a:solidFill>
+                        <a:srgbClr val="000000"/>
+                      </a:solidFill>
+                      <a:prstDash val="solid"/>
+                      <a:round/>
+                      <a:headEnd type="none" w="med" len="med"/>
+                      <a:tailEnd type="none" w="med" len="med"/>
+                    </a:lnR>
+                    <a:lnT w="12700" cap="flat" cmpd="sng" algn="ctr">
+                      <a:solidFill>
+                        <a:srgbClr val="000000"/>
+                      </a:solidFill>
+                      <a:prstDash val="solid"/>
+                      <a:round/>
+                      <a:headEnd type="none" w="med" len="med"/>
+                      <a:tailEnd type="none" w="med" len="med"/>
+                    </a:lnT>
+                    <a:lnB w="12700" cap="flat" cmpd="sng" algn="ctr">
+                      <a:solidFill>
+                        <a:srgbClr val="000000"/>
+                      </a:solidFill>
+                      <a:prstDash val="solid"/>
+                      <a:round/>
+                      <a:headEnd type="none" w="med" len="med"/>
+                      <a:tailEnd type="none" w="med" len="med"/>
+                    </a:lnB>
+                  </a:tcPr>
+                </a:tc>
+              </a:tr>
+              <a:tr h="546815">
+                <a:tc>
+                  <a:txBody>
+                    <a:bodyPr/>
+                    <a:lstStyle/>
+                    <a:p>
+                      <a:pPr marL="0" marR="0" algn="l">
+                        <a:lnSpc>
+                          <a:spcPct val="115000"/>
+                        </a:lnSpc>
+                        <a:spcBef>
+                          <a:spcPts val="0"/>
+                        </a:spcBef>
+                        <a:spcAft>
+                          <a:spcPts val="0"/>
+                        </a:spcAft>
+                      </a:pPr>
+                      <a:r>
+                        <a:rPr lang="en-US" sz="1400">
+                          <a:solidFill>
+                            <a:srgbClr val="000000"/>
+                          </a:solidFill>
+                          <a:latin typeface="Calibri"/>
+                          <a:ea typeface="Times New Roman"/>
+                          <a:cs typeface="Times New Roman"/>
+                        </a:rPr>
+                        <a:t>2. The user fills out the template for their question</a:t>
+                      </a:r>
+                      <a:endParaRPr lang="en-US" sz="1100">
+                        <a:latin typeface="Calibri"/>
+                        <a:ea typeface="Calibri"/>
+                        <a:cs typeface="Times New Roman"/>
+                      </a:endParaRPr>
+                    </a:p>
+                  </a:txBody>
+                  <a:tcPr marL="68580" marR="68580" marT="0" marB="0" anchor="b">
+                    <a:lnL w="12700" cap="flat" cmpd="sng" algn="ctr">
+                      <a:solidFill>
+                        <a:srgbClr val="000000"/>
+                      </a:solidFill>
+                      <a:prstDash val="solid"/>
+                      <a:round/>
+                      <a:headEnd type="none" w="med" len="med"/>
+                      <a:tailEnd type="none" w="med" len="med"/>
+                    </a:lnL>
+                    <a:lnR w="12700" cap="flat" cmpd="sng" algn="ctr">
+                      <a:solidFill>
+                        <a:srgbClr val="000000"/>
+                      </a:solidFill>
+                      <a:prstDash val="solid"/>
+                      <a:round/>
+                      <a:headEnd type="none" w="med" len="med"/>
+                      <a:tailEnd type="none" w="med" len="med"/>
+                    </a:lnR>
+                    <a:lnT w="12700" cap="flat" cmpd="sng" algn="ctr">
+                      <a:solidFill>
+                        <a:srgbClr val="000000"/>
+                      </a:solidFill>
+                      <a:prstDash val="solid"/>
+                      <a:round/>
+                      <a:headEnd type="none" w="med" len="med"/>
+                      <a:tailEnd type="none" w="med" len="med"/>
+                    </a:lnT>
+                    <a:lnB w="12700" cap="flat" cmpd="sng" algn="ctr">
+                      <a:solidFill>
+                        <a:srgbClr val="000000"/>
+                      </a:solidFill>
+                      <a:prstDash val="solid"/>
+                      <a:round/>
+                      <a:headEnd type="none" w="med" len="med"/>
+                      <a:tailEnd type="none" w="med" len="med"/>
+                    </a:lnB>
+                  </a:tcPr>
+                </a:tc>
+                <a:tc>
+                  <a:txBody>
+                    <a:bodyPr/>
+                    <a:lstStyle/>
+                    <a:p>
+                      <a:pPr marL="0" marR="0" indent="177800" algn="l">
+                        <a:lnSpc>
+                          <a:spcPct val="115000"/>
+                        </a:lnSpc>
+                        <a:spcBef>
+                          <a:spcPts val="0"/>
+                        </a:spcBef>
+                        <a:spcAft>
+                          <a:spcPts val="0"/>
+                        </a:spcAft>
+                      </a:pPr>
+                      <a:r>
+                        <a:rPr lang="en-US" sz="1400" dirty="0">
+                          <a:solidFill>
+                            <a:srgbClr val="000000"/>
+                          </a:solidFill>
+                          <a:latin typeface="Calibri"/>
+                          <a:ea typeface="Times New Roman"/>
+                          <a:cs typeface="Times New Roman"/>
+                        </a:rPr>
+                        <a:t>3. System creates a new post page for the user's question</a:t>
+                      </a:r>
+                      <a:endParaRPr lang="en-US" sz="1100" dirty="0">
+                        <a:latin typeface="Calibri"/>
+                        <a:ea typeface="Calibri"/>
+                        <a:cs typeface="Times New Roman"/>
+                      </a:endParaRPr>
+                    </a:p>
+                  </a:txBody>
+                  <a:tcPr marL="68580" marR="68580" marT="0" marB="0" anchor="b">
+                    <a:lnL w="12700" cap="flat" cmpd="sng" algn="ctr">
+                      <a:solidFill>
+                        <a:srgbClr val="000000"/>
+                      </a:solidFill>
+                      <a:prstDash val="solid"/>
+                      <a:round/>
+                      <a:headEnd type="none" w="med" len="med"/>
+                      <a:tailEnd type="none" w="med" len="med"/>
+                    </a:lnL>
+                    <a:lnR w="12700" cap="flat" cmpd="sng" algn="ctr">
+                      <a:solidFill>
+                        <a:srgbClr val="000000"/>
+                      </a:solidFill>
+                      <a:prstDash val="solid"/>
+                      <a:round/>
+                      <a:headEnd type="none" w="med" len="med"/>
+                      <a:tailEnd type="none" w="med" len="med"/>
+                    </a:lnR>
+                    <a:lnT w="12700" cap="flat" cmpd="sng" algn="ctr">
+                      <a:solidFill>
+                        <a:srgbClr val="000000"/>
+                      </a:solidFill>
+                      <a:prstDash val="solid"/>
+                      <a:round/>
+                      <a:headEnd type="none" w="med" len="med"/>
+                      <a:tailEnd type="none" w="med" len="med"/>
+                    </a:lnT>
+                    <a:lnB w="12700" cap="flat" cmpd="sng" algn="ctr">
+                      <a:solidFill>
+                        <a:srgbClr val="000000"/>
+                      </a:solidFill>
+                      <a:prstDash val="solid"/>
+                      <a:round/>
+                      <a:headEnd type="none" w="med" len="med"/>
+                      <a:tailEnd type="none" w="med" len="med"/>
+                    </a:lnB>
+                  </a:tcPr>
+                </a:tc>
+              </a:tr>
+            </a:tbl>
+          </a:graphicData>
+        </a:graphic>
+      </p:graphicFrame>
     </p:spTree>
   </p:cSld>
   <p:clrMapOvr>
@@ -5211,1430 +5259,42 @@
           <a:p>
             <a:r>
               <a:rPr lang="en-US" dirty="0" smtClean="0"/>
-              <a:t>Guest User - Search</a:t>
+              <a:t>Post Question</a:t>
             </a:r>
             <a:endParaRPr lang="en-US" dirty="0"/>
           </a:p>
         </p:txBody>
       </p:sp>
-      <p:graphicFrame>
-        <p:nvGraphicFramePr>
-          <p:cNvPr id="4" name="Table 3"/>
-          <p:cNvGraphicFramePr>
-            <a:graphicFrameLocks noGrp="1"/>
-          </p:cNvGraphicFramePr>
+      <p:pic>
+        <p:nvPicPr>
+          <p:cNvPr id="4" name="Picture 3"/>
+          <p:cNvPicPr/>
           <p:nvPr/>
-        </p:nvGraphicFramePr>
-        <p:xfrm>
-          <a:off x="1375038" y="647700"/>
-          <a:ext cx="5974823" cy="4141690"/>
-        </p:xfrm>
-        <a:graphic>
-          <a:graphicData uri="http://schemas.openxmlformats.org/drawingml/2006/table">
-            <a:tbl>
-              <a:tblPr/>
-              <a:tblGrid>
-                <a:gridCol w="2454457"/>
-                <a:gridCol w="3520366"/>
-              </a:tblGrid>
-              <a:tr h="463796">
-                <a:tc>
-                  <a:txBody>
-                    <a:bodyPr/>
-                    <a:lstStyle/>
-                    <a:p>
-                      <a:pPr marL="0" marR="0" algn="l">
-                        <a:lnSpc>
-                          <a:spcPct val="115000"/>
-                        </a:lnSpc>
-                        <a:spcBef>
-                          <a:spcPts val="0"/>
-                        </a:spcBef>
-                        <a:spcAft>
-                          <a:spcPts val="0"/>
-                        </a:spcAft>
-                      </a:pPr>
-                      <a:endParaRPr lang="en-US" sz="1100">
-                        <a:latin typeface="Calibri"/>
-                        <a:ea typeface="Calibri"/>
-                        <a:cs typeface="Times New Roman"/>
-                      </a:endParaRPr>
-                    </a:p>
-                    <a:p>
-                      <a:pPr marL="0" marR="0" algn="l">
-                        <a:lnSpc>
-                          <a:spcPct val="115000"/>
-                        </a:lnSpc>
-                        <a:spcBef>
-                          <a:spcPts val="0"/>
-                        </a:spcBef>
-                        <a:spcAft>
-                          <a:spcPts val="0"/>
-                        </a:spcAft>
-                      </a:pPr>
-                      <a:r>
-                        <a:rPr lang="en-US" sz="1600" b="1" i="1">
-                          <a:solidFill>
-                            <a:srgbClr val="000000"/>
-                          </a:solidFill>
-                          <a:latin typeface="Calibri"/>
-                          <a:ea typeface="Times New Roman"/>
-                          <a:cs typeface="Times New Roman"/>
-                        </a:rPr>
-                        <a:t>Guest</a:t>
-                      </a:r>
-                      <a:endParaRPr lang="en-US" sz="1100">
-                        <a:latin typeface="Calibri"/>
-                        <a:ea typeface="Calibri"/>
-                        <a:cs typeface="Times New Roman"/>
-                      </a:endParaRPr>
-                    </a:p>
-                  </a:txBody>
-                  <a:tcPr marL="67217" marR="67217" marT="0" marB="0" anchor="b">
-                    <a:lnL>
-                      <a:noFill/>
-                    </a:lnL>
-                    <a:lnR>
-                      <a:noFill/>
-                    </a:lnR>
-                    <a:lnT>
-                      <a:noFill/>
-                    </a:lnT>
-                    <a:lnB w="12700" cap="flat" cmpd="sng" algn="ctr">
-                      <a:solidFill>
-                        <a:srgbClr val="000000"/>
-                      </a:solidFill>
-                      <a:prstDash val="solid"/>
-                      <a:round/>
-                      <a:headEnd type="none" w="med" len="med"/>
-                      <a:tailEnd type="none" w="med" len="med"/>
-                    </a:lnB>
-                  </a:tcPr>
-                </a:tc>
-                <a:tc>
-                  <a:txBody>
-                    <a:bodyPr/>
-                    <a:lstStyle/>
-                    <a:p>
-                      <a:pPr marL="0" marR="0" algn="l">
-                        <a:lnSpc>
-                          <a:spcPct val="115000"/>
-                        </a:lnSpc>
-                        <a:spcBef>
-                          <a:spcPts val="0"/>
-                        </a:spcBef>
-                        <a:spcAft>
-                          <a:spcPts val="0"/>
-                        </a:spcAft>
-                      </a:pPr>
-                      <a:endParaRPr lang="en-US" sz="1100">
-                        <a:solidFill>
-                          <a:srgbClr val="000000"/>
-                        </a:solidFill>
-                        <a:latin typeface="Calibri"/>
-                        <a:ea typeface="Times New Roman"/>
-                        <a:cs typeface="Times New Roman"/>
-                      </a:endParaRPr>
-                    </a:p>
-                  </a:txBody>
-                  <a:tcPr marL="67217" marR="67217" marT="0" marB="0" anchor="b">
-                    <a:lnL>
-                      <a:noFill/>
-                    </a:lnL>
-                    <a:lnR>
-                      <a:noFill/>
-                    </a:lnR>
-                    <a:lnT>
-                      <a:noFill/>
-                    </a:lnT>
-                    <a:lnB w="12700" cap="flat" cmpd="sng" algn="ctr">
-                      <a:solidFill>
-                        <a:srgbClr val="000000"/>
-                      </a:solidFill>
-                      <a:prstDash val="solid"/>
-                      <a:round/>
-                      <a:headEnd type="none" w="med" len="med"/>
-                      <a:tailEnd type="none" w="med" len="med"/>
-                    </a:lnB>
-                  </a:tcPr>
-                </a:tc>
-              </a:tr>
-              <a:tr h="240487">
-                <a:tc>
-                  <a:txBody>
-                    <a:bodyPr/>
-                    <a:lstStyle/>
-                    <a:p>
-                      <a:pPr marL="0" marR="0" algn="l">
-                        <a:lnSpc>
-                          <a:spcPct val="115000"/>
-                        </a:lnSpc>
-                        <a:spcBef>
-                          <a:spcPts val="0"/>
-                        </a:spcBef>
-                        <a:spcAft>
-                          <a:spcPts val="0"/>
-                        </a:spcAft>
-                      </a:pPr>
-                      <a:r>
-                        <a:rPr lang="en-US" sz="1400">
-                          <a:solidFill>
-                            <a:srgbClr val="000000"/>
-                          </a:solidFill>
-                          <a:latin typeface="Calibri"/>
-                          <a:ea typeface="Times New Roman"/>
-                          <a:cs typeface="Times New Roman"/>
-                        </a:rPr>
-                        <a:t>Title</a:t>
-                      </a:r>
-                      <a:endParaRPr lang="en-US" sz="1100">
-                        <a:latin typeface="Calibri"/>
-                        <a:ea typeface="Calibri"/>
-                        <a:cs typeface="Times New Roman"/>
-                      </a:endParaRPr>
-                    </a:p>
-                  </a:txBody>
-                  <a:tcPr marL="67217" marR="67217" marT="0" marB="0" anchor="b">
-                    <a:lnL w="12700" cap="flat" cmpd="sng" algn="ctr">
-                      <a:solidFill>
-                        <a:srgbClr val="000000"/>
-                      </a:solidFill>
-                      <a:prstDash val="solid"/>
-                      <a:round/>
-                      <a:headEnd type="none" w="med" len="med"/>
-                      <a:tailEnd type="none" w="med" len="med"/>
-                    </a:lnL>
-                    <a:lnR w="12700" cap="flat" cmpd="sng" algn="ctr">
-                      <a:solidFill>
-                        <a:srgbClr val="000000"/>
-                      </a:solidFill>
-                      <a:prstDash val="solid"/>
-                      <a:round/>
-                      <a:headEnd type="none" w="med" len="med"/>
-                      <a:tailEnd type="none" w="med" len="med"/>
-                    </a:lnR>
-                    <a:lnT w="12700" cap="flat" cmpd="sng" algn="ctr">
-                      <a:solidFill>
-                        <a:srgbClr val="000000"/>
-                      </a:solidFill>
-                      <a:prstDash val="solid"/>
-                      <a:round/>
-                      <a:headEnd type="none" w="med" len="med"/>
-                      <a:tailEnd type="none" w="med" len="med"/>
-                    </a:lnT>
-                    <a:lnB w="12700" cap="flat" cmpd="sng" algn="ctr">
-                      <a:solidFill>
-                        <a:srgbClr val="000000"/>
-                      </a:solidFill>
-                      <a:prstDash val="solid"/>
-                      <a:round/>
-                      <a:headEnd type="none" w="med" len="med"/>
-                      <a:tailEnd type="none" w="med" len="med"/>
-                    </a:lnB>
-                  </a:tcPr>
-                </a:tc>
-                <a:tc>
-                  <a:txBody>
-                    <a:bodyPr/>
-                    <a:lstStyle/>
-                    <a:p>
-                      <a:pPr marL="0" marR="0" indent="177800" algn="l">
-                        <a:lnSpc>
-                          <a:spcPct val="115000"/>
-                        </a:lnSpc>
-                        <a:spcBef>
-                          <a:spcPts val="0"/>
-                        </a:spcBef>
-                        <a:spcAft>
-                          <a:spcPts val="0"/>
-                        </a:spcAft>
-                      </a:pPr>
-                      <a:r>
-                        <a:rPr lang="en-US" sz="1400">
-                          <a:solidFill>
-                            <a:srgbClr val="000000"/>
-                          </a:solidFill>
-                          <a:latin typeface="Calibri"/>
-                          <a:ea typeface="Times New Roman"/>
-                          <a:cs typeface="Times New Roman"/>
-                        </a:rPr>
-                        <a:t>Search</a:t>
-                      </a:r>
-                      <a:endParaRPr lang="en-US" sz="1100">
-                        <a:latin typeface="Calibri"/>
-                        <a:ea typeface="Calibri"/>
-                        <a:cs typeface="Times New Roman"/>
-                      </a:endParaRPr>
-                    </a:p>
-                  </a:txBody>
-                  <a:tcPr marL="67217" marR="67217" marT="0" marB="0" anchor="b">
-                    <a:lnL w="12700" cap="flat" cmpd="sng" algn="ctr">
-                      <a:solidFill>
-                        <a:srgbClr val="000000"/>
-                      </a:solidFill>
-                      <a:prstDash val="solid"/>
-                      <a:round/>
-                      <a:headEnd type="none" w="med" len="med"/>
-                      <a:tailEnd type="none" w="med" len="med"/>
-                    </a:lnL>
-                    <a:lnR w="12700" cap="flat" cmpd="sng" algn="ctr">
-                      <a:solidFill>
-                        <a:srgbClr val="000000"/>
-                      </a:solidFill>
-                      <a:prstDash val="solid"/>
-                      <a:round/>
-                      <a:headEnd type="none" w="med" len="med"/>
-                      <a:tailEnd type="none" w="med" len="med"/>
-                    </a:lnR>
-                    <a:lnT w="12700" cap="flat" cmpd="sng" algn="ctr">
-                      <a:solidFill>
-                        <a:srgbClr val="000000"/>
-                      </a:solidFill>
-                      <a:prstDash val="solid"/>
-                      <a:round/>
-                      <a:headEnd type="none" w="med" len="med"/>
-                      <a:tailEnd type="none" w="med" len="med"/>
-                    </a:lnT>
-                    <a:lnB w="12700" cap="flat" cmpd="sng" algn="ctr">
-                      <a:solidFill>
-                        <a:srgbClr val="000000"/>
-                      </a:solidFill>
-                      <a:prstDash val="solid"/>
-                      <a:round/>
-                      <a:headEnd type="none" w="med" len="med"/>
-                      <a:tailEnd type="none" w="med" len="med"/>
-                    </a:lnB>
-                  </a:tcPr>
-                </a:tc>
-              </a:tr>
-              <a:tr h="480973">
-                <a:tc>
-                  <a:txBody>
-                    <a:bodyPr/>
-                    <a:lstStyle/>
-                    <a:p>
-                      <a:pPr marL="0" marR="0" algn="l">
-                        <a:lnSpc>
-                          <a:spcPct val="115000"/>
-                        </a:lnSpc>
-                        <a:spcBef>
-                          <a:spcPts val="0"/>
-                        </a:spcBef>
-                        <a:spcAft>
-                          <a:spcPts val="0"/>
-                        </a:spcAft>
-                      </a:pPr>
-                      <a:r>
-                        <a:rPr lang="en-US" sz="1400">
-                          <a:solidFill>
-                            <a:srgbClr val="000000"/>
-                          </a:solidFill>
-                          <a:latin typeface="Calibri"/>
-                          <a:ea typeface="Times New Roman"/>
-                          <a:cs typeface="Times New Roman"/>
-                        </a:rPr>
-                        <a:t>Summary</a:t>
-                      </a:r>
-                      <a:endParaRPr lang="en-US" sz="1100">
-                        <a:latin typeface="Calibri"/>
-                        <a:ea typeface="Calibri"/>
-                        <a:cs typeface="Times New Roman"/>
-                      </a:endParaRPr>
-                    </a:p>
-                  </a:txBody>
-                  <a:tcPr marL="67217" marR="67217" marT="0" marB="0" anchor="b">
-                    <a:lnL w="12700" cap="flat" cmpd="sng" algn="ctr">
-                      <a:solidFill>
-                        <a:srgbClr val="000000"/>
-                      </a:solidFill>
-                      <a:prstDash val="solid"/>
-                      <a:round/>
-                      <a:headEnd type="none" w="med" len="med"/>
-                      <a:tailEnd type="none" w="med" len="med"/>
-                    </a:lnL>
-                    <a:lnR w="12700" cap="flat" cmpd="sng" algn="ctr">
-                      <a:solidFill>
-                        <a:srgbClr val="000000"/>
-                      </a:solidFill>
-                      <a:prstDash val="solid"/>
-                      <a:round/>
-                      <a:headEnd type="none" w="med" len="med"/>
-                      <a:tailEnd type="none" w="med" len="med"/>
-                    </a:lnR>
-                    <a:lnT w="12700" cap="flat" cmpd="sng" algn="ctr">
-                      <a:solidFill>
-                        <a:srgbClr val="000000"/>
-                      </a:solidFill>
-                      <a:prstDash val="solid"/>
-                      <a:round/>
-                      <a:headEnd type="none" w="med" len="med"/>
-                      <a:tailEnd type="none" w="med" len="med"/>
-                    </a:lnT>
-                    <a:lnB w="12700" cap="flat" cmpd="sng" algn="ctr">
-                      <a:solidFill>
-                        <a:srgbClr val="000000"/>
-                      </a:solidFill>
-                      <a:prstDash val="solid"/>
-                      <a:round/>
-                      <a:headEnd type="none" w="med" len="med"/>
-                      <a:tailEnd type="none" w="med" len="med"/>
-                    </a:lnB>
-                  </a:tcPr>
-                </a:tc>
-                <a:tc>
-                  <a:txBody>
-                    <a:bodyPr/>
-                    <a:lstStyle/>
-                    <a:p>
-                      <a:pPr marL="0" marR="0" indent="177800" algn="l">
-                        <a:lnSpc>
-                          <a:spcPct val="115000"/>
-                        </a:lnSpc>
-                        <a:spcBef>
-                          <a:spcPts val="0"/>
-                        </a:spcBef>
-                        <a:spcAft>
-                          <a:spcPts val="0"/>
-                        </a:spcAft>
-                      </a:pPr>
-                      <a:r>
-                        <a:rPr lang="en-US" sz="1400">
-                          <a:solidFill>
-                            <a:srgbClr val="000000"/>
-                          </a:solidFill>
-                          <a:latin typeface="Calibri"/>
-                          <a:ea typeface="Times New Roman"/>
-                          <a:cs typeface="Times New Roman"/>
-                        </a:rPr>
-                        <a:t>The guest user can search the forums by entering a search criteria in the search bar.</a:t>
-                      </a:r>
-                      <a:endParaRPr lang="en-US" sz="1100">
-                        <a:latin typeface="Calibri"/>
-                        <a:ea typeface="Calibri"/>
-                        <a:cs typeface="Times New Roman"/>
-                      </a:endParaRPr>
-                    </a:p>
-                  </a:txBody>
-                  <a:tcPr marL="67217" marR="67217" marT="0" marB="0" anchor="b">
-                    <a:lnL w="12700" cap="flat" cmpd="sng" algn="ctr">
-                      <a:solidFill>
-                        <a:srgbClr val="000000"/>
-                      </a:solidFill>
-                      <a:prstDash val="solid"/>
-                      <a:round/>
-                      <a:headEnd type="none" w="med" len="med"/>
-                      <a:tailEnd type="none" w="med" len="med"/>
-                    </a:lnL>
-                    <a:lnR w="12700" cap="flat" cmpd="sng" algn="ctr">
-                      <a:solidFill>
-                        <a:srgbClr val="000000"/>
-                      </a:solidFill>
-                      <a:prstDash val="solid"/>
-                      <a:round/>
-                      <a:headEnd type="none" w="med" len="med"/>
-                      <a:tailEnd type="none" w="med" len="med"/>
-                    </a:lnR>
-                    <a:lnT w="12700" cap="flat" cmpd="sng" algn="ctr">
-                      <a:solidFill>
-                        <a:srgbClr val="000000"/>
-                      </a:solidFill>
-                      <a:prstDash val="solid"/>
-                      <a:round/>
-                      <a:headEnd type="none" w="med" len="med"/>
-                      <a:tailEnd type="none" w="med" len="med"/>
-                    </a:lnT>
-                    <a:lnB w="12700" cap="flat" cmpd="sng" algn="ctr">
-                      <a:solidFill>
-                        <a:srgbClr val="000000"/>
-                      </a:solidFill>
-                      <a:prstDash val="solid"/>
-                      <a:round/>
-                      <a:headEnd type="none" w="med" len="med"/>
-                      <a:tailEnd type="none" w="med" len="med"/>
-                    </a:lnB>
-                  </a:tcPr>
-                </a:tc>
-              </a:tr>
-              <a:tr h="480973">
-                <a:tc>
-                  <a:txBody>
-                    <a:bodyPr/>
-                    <a:lstStyle/>
-                    <a:p>
-                      <a:pPr marL="0" marR="0" algn="l">
-                        <a:lnSpc>
-                          <a:spcPct val="115000"/>
-                        </a:lnSpc>
-                        <a:spcBef>
-                          <a:spcPts val="0"/>
-                        </a:spcBef>
-                        <a:spcAft>
-                          <a:spcPts val="0"/>
-                        </a:spcAft>
-                      </a:pPr>
-                      <a:r>
-                        <a:rPr lang="en-US" sz="1400">
-                          <a:solidFill>
-                            <a:srgbClr val="000000"/>
-                          </a:solidFill>
-                          <a:latin typeface="Calibri"/>
-                          <a:ea typeface="Times New Roman"/>
-                          <a:cs typeface="Times New Roman"/>
-                        </a:rPr>
-                        <a:t>Preconditions</a:t>
-                      </a:r>
-                      <a:endParaRPr lang="en-US" sz="1100">
-                        <a:latin typeface="Calibri"/>
-                        <a:ea typeface="Calibri"/>
-                        <a:cs typeface="Times New Roman"/>
-                      </a:endParaRPr>
-                    </a:p>
-                  </a:txBody>
-                  <a:tcPr marL="67217" marR="67217" marT="0" marB="0" anchor="b">
-                    <a:lnL w="12700" cap="flat" cmpd="sng" algn="ctr">
-                      <a:solidFill>
-                        <a:srgbClr val="000000"/>
-                      </a:solidFill>
-                      <a:prstDash val="solid"/>
-                      <a:round/>
-                      <a:headEnd type="none" w="med" len="med"/>
-                      <a:tailEnd type="none" w="med" len="med"/>
-                    </a:lnL>
-                    <a:lnR w="12700" cap="flat" cmpd="sng" algn="ctr">
-                      <a:solidFill>
-                        <a:srgbClr val="000000"/>
-                      </a:solidFill>
-                      <a:prstDash val="solid"/>
-                      <a:round/>
-                      <a:headEnd type="none" w="med" len="med"/>
-                      <a:tailEnd type="none" w="med" len="med"/>
-                    </a:lnR>
-                    <a:lnT w="12700" cap="flat" cmpd="sng" algn="ctr">
-                      <a:solidFill>
-                        <a:srgbClr val="000000"/>
-                      </a:solidFill>
-                      <a:prstDash val="solid"/>
-                      <a:round/>
-                      <a:headEnd type="none" w="med" len="med"/>
-                      <a:tailEnd type="none" w="med" len="med"/>
-                    </a:lnT>
-                    <a:lnB w="12700" cap="flat" cmpd="sng" algn="ctr">
-                      <a:solidFill>
-                        <a:srgbClr val="000000"/>
-                      </a:solidFill>
-                      <a:prstDash val="solid"/>
-                      <a:round/>
-                      <a:headEnd type="none" w="med" len="med"/>
-                      <a:tailEnd type="none" w="med" len="med"/>
-                    </a:lnB>
-                  </a:tcPr>
-                </a:tc>
-                <a:tc>
-                  <a:txBody>
-                    <a:bodyPr/>
-                    <a:lstStyle/>
-                    <a:p>
-                      <a:pPr marL="0" marR="0" indent="177800" algn="l">
-                        <a:lnSpc>
-                          <a:spcPct val="115000"/>
-                        </a:lnSpc>
-                        <a:spcBef>
-                          <a:spcPts val="0"/>
-                        </a:spcBef>
-                        <a:spcAft>
-                          <a:spcPts val="0"/>
-                        </a:spcAft>
-                      </a:pPr>
-                      <a:r>
-                        <a:rPr lang="en-US" sz="1400">
-                          <a:solidFill>
-                            <a:srgbClr val="000000"/>
-                          </a:solidFill>
-                          <a:latin typeface="Calibri"/>
-                          <a:ea typeface="Times New Roman"/>
-                          <a:cs typeface="Times New Roman"/>
-                        </a:rPr>
-                        <a:t>The guest user must be on the forum domain.</a:t>
-                      </a:r>
-                      <a:endParaRPr lang="en-US" sz="1100">
-                        <a:latin typeface="Calibri"/>
-                        <a:ea typeface="Calibri"/>
-                        <a:cs typeface="Times New Roman"/>
-                      </a:endParaRPr>
-                    </a:p>
-                  </a:txBody>
-                  <a:tcPr marL="67217" marR="67217" marT="0" marB="0" anchor="b">
-                    <a:lnL w="12700" cap="flat" cmpd="sng" algn="ctr">
-                      <a:solidFill>
-                        <a:srgbClr val="000000"/>
-                      </a:solidFill>
-                      <a:prstDash val="solid"/>
-                      <a:round/>
-                      <a:headEnd type="none" w="med" len="med"/>
-                      <a:tailEnd type="none" w="med" len="med"/>
-                    </a:lnL>
-                    <a:lnR w="12700" cap="flat" cmpd="sng" algn="ctr">
-                      <a:solidFill>
-                        <a:srgbClr val="000000"/>
-                      </a:solidFill>
-                      <a:prstDash val="solid"/>
-                      <a:round/>
-                      <a:headEnd type="none" w="med" len="med"/>
-                      <a:tailEnd type="none" w="med" len="med"/>
-                    </a:lnR>
-                    <a:lnT w="12700" cap="flat" cmpd="sng" algn="ctr">
-                      <a:solidFill>
-                        <a:srgbClr val="000000"/>
-                      </a:solidFill>
-                      <a:prstDash val="solid"/>
-                      <a:round/>
-                      <a:headEnd type="none" w="med" len="med"/>
-                      <a:tailEnd type="none" w="med" len="med"/>
-                    </a:lnT>
-                    <a:lnB w="12700" cap="flat" cmpd="sng" algn="ctr">
-                      <a:solidFill>
-                        <a:srgbClr val="000000"/>
-                      </a:solidFill>
-                      <a:prstDash val="solid"/>
-                      <a:round/>
-                      <a:headEnd type="none" w="med" len="med"/>
-                      <a:tailEnd type="none" w="med" len="med"/>
-                    </a:lnB>
-                  </a:tcPr>
-                </a:tc>
-              </a:tr>
-              <a:tr h="480973">
-                <a:tc>
-                  <a:txBody>
-                    <a:bodyPr/>
-                    <a:lstStyle/>
-                    <a:p>
-                      <a:pPr marL="0" marR="0" algn="l">
-                        <a:lnSpc>
-                          <a:spcPct val="115000"/>
-                        </a:lnSpc>
-                        <a:spcBef>
-                          <a:spcPts val="0"/>
-                        </a:spcBef>
-                        <a:spcAft>
-                          <a:spcPts val="0"/>
-                        </a:spcAft>
-                      </a:pPr>
-                      <a:r>
-                        <a:rPr lang="en-US" sz="1400">
-                          <a:solidFill>
-                            <a:srgbClr val="000000"/>
-                          </a:solidFill>
-                          <a:latin typeface="Calibri"/>
-                          <a:ea typeface="Times New Roman"/>
-                          <a:cs typeface="Times New Roman"/>
-                        </a:rPr>
-                        <a:t>Post-conditions</a:t>
-                      </a:r>
-                      <a:endParaRPr lang="en-US" sz="1100">
-                        <a:latin typeface="Calibri"/>
-                        <a:ea typeface="Calibri"/>
-                        <a:cs typeface="Times New Roman"/>
-                      </a:endParaRPr>
-                    </a:p>
-                  </a:txBody>
-                  <a:tcPr marL="67217" marR="67217" marT="0" marB="0" anchor="b">
-                    <a:lnL w="12700" cap="flat" cmpd="sng" algn="ctr">
-                      <a:solidFill>
-                        <a:srgbClr val="000000"/>
-                      </a:solidFill>
-                      <a:prstDash val="solid"/>
-                      <a:round/>
-                      <a:headEnd type="none" w="med" len="med"/>
-                      <a:tailEnd type="none" w="med" len="med"/>
-                    </a:lnL>
-                    <a:lnR w="12700" cap="flat" cmpd="sng" algn="ctr">
-                      <a:solidFill>
-                        <a:srgbClr val="000000"/>
-                      </a:solidFill>
-                      <a:prstDash val="solid"/>
-                      <a:round/>
-                      <a:headEnd type="none" w="med" len="med"/>
-                      <a:tailEnd type="none" w="med" len="med"/>
-                    </a:lnR>
-                    <a:lnT w="12700" cap="flat" cmpd="sng" algn="ctr">
-                      <a:solidFill>
-                        <a:srgbClr val="000000"/>
-                      </a:solidFill>
-                      <a:prstDash val="solid"/>
-                      <a:round/>
-                      <a:headEnd type="none" w="med" len="med"/>
-                      <a:tailEnd type="none" w="med" len="med"/>
-                    </a:lnT>
-                    <a:lnB w="12700" cap="flat" cmpd="sng" algn="ctr">
-                      <a:solidFill>
-                        <a:srgbClr val="000000"/>
-                      </a:solidFill>
-                      <a:prstDash val="solid"/>
-                      <a:round/>
-                      <a:headEnd type="none" w="med" len="med"/>
-                      <a:tailEnd type="none" w="med" len="med"/>
-                    </a:lnB>
-                  </a:tcPr>
-                </a:tc>
-                <a:tc>
-                  <a:txBody>
-                    <a:bodyPr/>
-                    <a:lstStyle/>
-                    <a:p>
-                      <a:pPr marL="0" marR="0" indent="177800" algn="l">
-                        <a:lnSpc>
-                          <a:spcPct val="115000"/>
-                        </a:lnSpc>
-                        <a:spcBef>
-                          <a:spcPts val="0"/>
-                        </a:spcBef>
-                        <a:spcAft>
-                          <a:spcPts val="0"/>
-                        </a:spcAft>
-                      </a:pPr>
-                      <a:r>
-                        <a:rPr lang="en-US" sz="1400">
-                          <a:solidFill>
-                            <a:srgbClr val="000000"/>
-                          </a:solidFill>
-                          <a:latin typeface="Calibri"/>
-                          <a:ea typeface="Times New Roman"/>
-                          <a:cs typeface="Times New Roman"/>
-                        </a:rPr>
-                        <a:t>The guest user will have results on the searched criteria.</a:t>
-                      </a:r>
-                      <a:endParaRPr lang="en-US" sz="1100">
-                        <a:latin typeface="Calibri"/>
-                        <a:ea typeface="Calibri"/>
-                        <a:cs typeface="Times New Roman"/>
-                      </a:endParaRPr>
-                    </a:p>
-                  </a:txBody>
-                  <a:tcPr marL="67217" marR="67217" marT="0" marB="0" anchor="b">
-                    <a:lnL w="12700" cap="flat" cmpd="sng" algn="ctr">
-                      <a:solidFill>
-                        <a:srgbClr val="000000"/>
-                      </a:solidFill>
-                      <a:prstDash val="solid"/>
-                      <a:round/>
-                      <a:headEnd type="none" w="med" len="med"/>
-                      <a:tailEnd type="none" w="med" len="med"/>
-                    </a:lnL>
-                    <a:lnR w="12700" cap="flat" cmpd="sng" algn="ctr">
-                      <a:solidFill>
-                        <a:srgbClr val="000000"/>
-                      </a:solidFill>
-                      <a:prstDash val="solid"/>
-                      <a:round/>
-                      <a:headEnd type="none" w="med" len="med"/>
-                      <a:tailEnd type="none" w="med" len="med"/>
-                    </a:lnR>
-                    <a:lnT w="12700" cap="flat" cmpd="sng" algn="ctr">
-                      <a:solidFill>
-                        <a:srgbClr val="000000"/>
-                      </a:solidFill>
-                      <a:prstDash val="solid"/>
-                      <a:round/>
-                      <a:headEnd type="none" w="med" len="med"/>
-                      <a:tailEnd type="none" w="med" len="med"/>
-                    </a:lnT>
-                    <a:lnB w="12700" cap="flat" cmpd="sng" algn="ctr">
-                      <a:solidFill>
-                        <a:srgbClr val="000000"/>
-                      </a:solidFill>
-                      <a:prstDash val="solid"/>
-                      <a:round/>
-                      <a:headEnd type="none" w="med" len="med"/>
-                      <a:tailEnd type="none" w="med" len="med"/>
-                    </a:lnB>
-                  </a:tcPr>
-                </a:tc>
-              </a:tr>
-              <a:tr h="233392">
-                <a:tc>
-                  <a:txBody>
-                    <a:bodyPr/>
-                    <a:lstStyle/>
-                    <a:p>
-                      <a:pPr algn="l">
-                        <a:lnSpc>
-                          <a:spcPct val="115000"/>
-                        </a:lnSpc>
-                      </a:pPr>
-                      <a:endParaRPr lang="en-US" sz="1100">
-                        <a:latin typeface="Calibri"/>
-                        <a:ea typeface="Times New Roman"/>
-                      </a:endParaRPr>
-                    </a:p>
-                  </a:txBody>
-                  <a:tcPr marL="67217" marR="67217" marT="0" marB="0" anchor="b">
-                    <a:lnL>
-                      <a:noFill/>
-                    </a:lnL>
-                    <a:lnR>
-                      <a:noFill/>
-                    </a:lnR>
-                    <a:lnT w="12700" cap="flat" cmpd="sng" algn="ctr">
-                      <a:solidFill>
-                        <a:srgbClr val="000000"/>
-                      </a:solidFill>
-                      <a:prstDash val="solid"/>
-                      <a:round/>
-                      <a:headEnd type="none" w="med" len="med"/>
-                      <a:tailEnd type="none" w="med" len="med"/>
-                    </a:lnT>
-                    <a:lnB w="12700" cap="flat" cmpd="sng" algn="ctr">
-                      <a:solidFill>
-                        <a:srgbClr val="000000"/>
-                      </a:solidFill>
-                      <a:prstDash val="solid"/>
-                      <a:round/>
-                      <a:headEnd type="none" w="med" len="med"/>
-                      <a:tailEnd type="none" w="med" len="med"/>
-                    </a:lnB>
-                  </a:tcPr>
-                </a:tc>
-                <a:tc>
-                  <a:txBody>
-                    <a:bodyPr/>
-                    <a:lstStyle/>
-                    <a:p>
-                      <a:pPr algn="l">
-                        <a:lnSpc>
-                          <a:spcPct val="115000"/>
-                        </a:lnSpc>
-                      </a:pPr>
-                      <a:endParaRPr lang="en-US" sz="1100">
-                        <a:latin typeface="Calibri"/>
-                        <a:ea typeface="Times New Roman"/>
-                      </a:endParaRPr>
-                    </a:p>
-                  </a:txBody>
-                  <a:tcPr marL="67217" marR="67217" marT="0" marB="0" anchor="b">
-                    <a:lnL>
-                      <a:noFill/>
-                    </a:lnL>
-                    <a:lnR>
-                      <a:noFill/>
-                    </a:lnR>
-                    <a:lnT w="12700" cap="flat" cmpd="sng" algn="ctr">
-                      <a:solidFill>
-                        <a:srgbClr val="000000"/>
-                      </a:solidFill>
-                      <a:prstDash val="solid"/>
-                      <a:round/>
-                      <a:headEnd type="none" w="med" len="med"/>
-                      <a:tailEnd type="none" w="med" len="med"/>
-                    </a:lnT>
-                    <a:lnB w="12700" cap="flat" cmpd="sng" algn="ctr">
-                      <a:solidFill>
-                        <a:srgbClr val="000000"/>
-                      </a:solidFill>
-                      <a:prstDash val="solid"/>
-                      <a:round/>
-                      <a:headEnd type="none" w="med" len="med"/>
-                      <a:tailEnd type="none" w="med" len="med"/>
-                    </a:lnB>
-                  </a:tcPr>
-                </a:tc>
-              </a:tr>
-              <a:tr h="240487">
-                <a:tc>
-                  <a:txBody>
-                    <a:bodyPr/>
-                    <a:lstStyle/>
-                    <a:p>
-                      <a:pPr marL="0" marR="0" algn="ctr">
-                        <a:lnSpc>
-                          <a:spcPct val="115000"/>
-                        </a:lnSpc>
-                        <a:spcBef>
-                          <a:spcPts val="0"/>
-                        </a:spcBef>
-                        <a:spcAft>
-                          <a:spcPts val="0"/>
-                        </a:spcAft>
-                      </a:pPr>
-                      <a:r>
-                        <a:rPr lang="en-US" sz="1400">
-                          <a:solidFill>
-                            <a:srgbClr val="000000"/>
-                          </a:solidFill>
-                          <a:latin typeface="Calibri"/>
-                          <a:ea typeface="Times New Roman"/>
-                          <a:cs typeface="Times New Roman"/>
-                        </a:rPr>
-                        <a:t>Actor : Guest</a:t>
-                      </a:r>
-                      <a:endParaRPr lang="en-US" sz="1100">
-                        <a:latin typeface="Calibri"/>
-                        <a:ea typeface="Calibri"/>
-                        <a:cs typeface="Times New Roman"/>
-                      </a:endParaRPr>
-                    </a:p>
-                  </a:txBody>
-                  <a:tcPr marL="67217" marR="67217" marT="0" marB="0" anchor="b">
-                    <a:lnL w="12700" cap="flat" cmpd="sng" algn="ctr">
-                      <a:solidFill>
-                        <a:srgbClr val="000000"/>
-                      </a:solidFill>
-                      <a:prstDash val="solid"/>
-                      <a:round/>
-                      <a:headEnd type="none" w="med" len="med"/>
-                      <a:tailEnd type="none" w="med" len="med"/>
-                    </a:lnL>
-                    <a:lnR w="12700" cap="flat" cmpd="sng" algn="ctr">
-                      <a:solidFill>
-                        <a:srgbClr val="000000"/>
-                      </a:solidFill>
-                      <a:prstDash val="solid"/>
-                      <a:round/>
-                      <a:headEnd type="none" w="med" len="med"/>
-                      <a:tailEnd type="none" w="med" len="med"/>
-                    </a:lnR>
-                    <a:lnT w="12700" cap="flat" cmpd="sng" algn="ctr">
-                      <a:solidFill>
-                        <a:srgbClr val="000000"/>
-                      </a:solidFill>
-                      <a:prstDash val="solid"/>
-                      <a:round/>
-                      <a:headEnd type="none" w="med" len="med"/>
-                      <a:tailEnd type="none" w="med" len="med"/>
-                    </a:lnT>
-                    <a:lnB w="12700" cap="flat" cmpd="sng" algn="ctr">
-                      <a:solidFill>
-                        <a:srgbClr val="000000"/>
-                      </a:solidFill>
-                      <a:prstDash val="solid"/>
-                      <a:round/>
-                      <a:headEnd type="none" w="med" len="med"/>
-                      <a:tailEnd type="none" w="med" len="med"/>
-                    </a:lnB>
-                  </a:tcPr>
-                </a:tc>
-                <a:tc>
-                  <a:txBody>
-                    <a:bodyPr/>
-                    <a:lstStyle/>
-                    <a:p>
-                      <a:pPr marL="0" marR="0" algn="ctr">
-                        <a:lnSpc>
-                          <a:spcPct val="115000"/>
-                        </a:lnSpc>
-                        <a:spcBef>
-                          <a:spcPts val="0"/>
-                        </a:spcBef>
-                        <a:spcAft>
-                          <a:spcPts val="0"/>
-                        </a:spcAft>
-                      </a:pPr>
-                      <a:r>
-                        <a:rPr lang="en-US" sz="1400">
-                          <a:solidFill>
-                            <a:srgbClr val="000000"/>
-                          </a:solidFill>
-                          <a:latin typeface="Calibri"/>
-                          <a:ea typeface="Times New Roman"/>
-                          <a:cs typeface="Times New Roman"/>
-                        </a:rPr>
-                        <a:t>System</a:t>
-                      </a:r>
-                      <a:endParaRPr lang="en-US" sz="1100">
-                        <a:latin typeface="Calibri"/>
-                        <a:ea typeface="Calibri"/>
-                        <a:cs typeface="Times New Roman"/>
-                      </a:endParaRPr>
-                    </a:p>
-                  </a:txBody>
-                  <a:tcPr marL="67217" marR="67217" marT="0" marB="0" anchor="b">
-                    <a:lnL w="12700" cap="flat" cmpd="sng" algn="ctr">
-                      <a:solidFill>
-                        <a:srgbClr val="000000"/>
-                      </a:solidFill>
-                      <a:prstDash val="solid"/>
-                      <a:round/>
-                      <a:headEnd type="none" w="med" len="med"/>
-                      <a:tailEnd type="none" w="med" len="med"/>
-                    </a:lnL>
-                    <a:lnR w="12700" cap="flat" cmpd="sng" algn="ctr">
-                      <a:solidFill>
-                        <a:srgbClr val="000000"/>
-                      </a:solidFill>
-                      <a:prstDash val="solid"/>
-                      <a:round/>
-                      <a:headEnd type="none" w="med" len="med"/>
-                      <a:tailEnd type="none" w="med" len="med"/>
-                    </a:lnR>
-                    <a:lnT w="12700" cap="flat" cmpd="sng" algn="ctr">
-                      <a:solidFill>
-                        <a:srgbClr val="000000"/>
-                      </a:solidFill>
-                      <a:prstDash val="solid"/>
-                      <a:round/>
-                      <a:headEnd type="none" w="med" len="med"/>
-                      <a:tailEnd type="none" w="med" len="med"/>
-                    </a:lnT>
-                    <a:lnB w="12700" cap="flat" cmpd="sng" algn="ctr">
-                      <a:solidFill>
-                        <a:srgbClr val="000000"/>
-                      </a:solidFill>
-                      <a:prstDash val="solid"/>
-                      <a:round/>
-                      <a:headEnd type="none" w="med" len="med"/>
-                      <a:tailEnd type="none" w="med" len="med"/>
-                    </a:lnB>
-                  </a:tcPr>
-                </a:tc>
-              </a:tr>
-              <a:tr h="480973">
-                <a:tc>
-                  <a:txBody>
-                    <a:bodyPr/>
-                    <a:lstStyle/>
-                    <a:p>
-                      <a:pPr marL="0" marR="0" algn="l">
-                        <a:lnSpc>
-                          <a:spcPct val="115000"/>
-                        </a:lnSpc>
-                        <a:spcBef>
-                          <a:spcPts val="0"/>
-                        </a:spcBef>
-                        <a:spcAft>
-                          <a:spcPts val="0"/>
-                        </a:spcAft>
-                      </a:pPr>
-                      <a:r>
-                        <a:rPr lang="en-US" sz="1400">
-                          <a:solidFill>
-                            <a:srgbClr val="000000"/>
-                          </a:solidFill>
-                          <a:latin typeface="Calibri"/>
-                          <a:ea typeface="Times New Roman"/>
-                          <a:cs typeface="Times New Roman"/>
-                        </a:rPr>
-                        <a:t> </a:t>
-                      </a:r>
-                      <a:endParaRPr lang="en-US" sz="1100">
-                        <a:latin typeface="Calibri"/>
-                        <a:ea typeface="Calibri"/>
-                        <a:cs typeface="Times New Roman"/>
-                      </a:endParaRPr>
-                    </a:p>
-                  </a:txBody>
-                  <a:tcPr marL="67217" marR="67217" marT="0" marB="0" anchor="b">
-                    <a:lnL w="12700" cap="flat" cmpd="sng" algn="ctr">
-                      <a:solidFill>
-                        <a:srgbClr val="000000"/>
-                      </a:solidFill>
-                      <a:prstDash val="solid"/>
-                      <a:round/>
-                      <a:headEnd type="none" w="med" len="med"/>
-                      <a:tailEnd type="none" w="med" len="med"/>
-                    </a:lnL>
-                    <a:lnR w="12700" cap="flat" cmpd="sng" algn="ctr">
-                      <a:solidFill>
-                        <a:srgbClr val="000000"/>
-                      </a:solidFill>
-                      <a:prstDash val="solid"/>
-                      <a:round/>
-                      <a:headEnd type="none" w="med" len="med"/>
-                      <a:tailEnd type="none" w="med" len="med"/>
-                    </a:lnR>
-                    <a:lnT w="12700" cap="flat" cmpd="sng" algn="ctr">
-                      <a:solidFill>
-                        <a:srgbClr val="000000"/>
-                      </a:solidFill>
-                      <a:prstDash val="solid"/>
-                      <a:round/>
-                      <a:headEnd type="none" w="med" len="med"/>
-                      <a:tailEnd type="none" w="med" len="med"/>
-                    </a:lnT>
-                    <a:lnB w="12700" cap="flat" cmpd="sng" algn="ctr">
-                      <a:solidFill>
-                        <a:srgbClr val="000000"/>
-                      </a:solidFill>
-                      <a:prstDash val="solid"/>
-                      <a:round/>
-                      <a:headEnd type="none" w="med" len="med"/>
-                      <a:tailEnd type="none" w="med" len="med"/>
-                    </a:lnB>
-                  </a:tcPr>
-                </a:tc>
-                <a:tc>
-                  <a:txBody>
-                    <a:bodyPr/>
-                    <a:lstStyle/>
-                    <a:p>
-                      <a:pPr marL="0" marR="0" indent="177800" algn="l">
-                        <a:lnSpc>
-                          <a:spcPct val="115000"/>
-                        </a:lnSpc>
-                        <a:spcBef>
-                          <a:spcPts val="0"/>
-                        </a:spcBef>
-                        <a:spcAft>
-                          <a:spcPts val="0"/>
-                        </a:spcAft>
-                      </a:pPr>
-                      <a:r>
-                        <a:rPr lang="en-US" sz="1400">
-                          <a:solidFill>
-                            <a:srgbClr val="000000"/>
-                          </a:solidFill>
-                          <a:latin typeface="Calibri"/>
-                          <a:ea typeface="Times New Roman"/>
-                          <a:cs typeface="Times New Roman"/>
-                        </a:rPr>
-                        <a:t>0. The system displays any page on the forum domain.</a:t>
-                      </a:r>
-                      <a:endParaRPr lang="en-US" sz="1100">
-                        <a:latin typeface="Calibri"/>
-                        <a:ea typeface="Calibri"/>
-                        <a:cs typeface="Times New Roman"/>
-                      </a:endParaRPr>
-                    </a:p>
-                  </a:txBody>
-                  <a:tcPr marL="67217" marR="67217" marT="0" marB="0" anchor="b">
-                    <a:lnL w="12700" cap="flat" cmpd="sng" algn="ctr">
-                      <a:solidFill>
-                        <a:srgbClr val="000000"/>
-                      </a:solidFill>
-                      <a:prstDash val="solid"/>
-                      <a:round/>
-                      <a:headEnd type="none" w="med" len="med"/>
-                      <a:tailEnd type="none" w="med" len="med"/>
-                    </a:lnL>
-                    <a:lnR w="12700" cap="flat" cmpd="sng" algn="ctr">
-                      <a:solidFill>
-                        <a:srgbClr val="000000"/>
-                      </a:solidFill>
-                      <a:prstDash val="solid"/>
-                      <a:round/>
-                      <a:headEnd type="none" w="med" len="med"/>
-                      <a:tailEnd type="none" w="med" len="med"/>
-                    </a:lnR>
-                    <a:lnT w="12700" cap="flat" cmpd="sng" algn="ctr">
-                      <a:solidFill>
-                        <a:srgbClr val="000000"/>
-                      </a:solidFill>
-                      <a:prstDash val="solid"/>
-                      <a:round/>
-                      <a:headEnd type="none" w="med" len="med"/>
-                      <a:tailEnd type="none" w="med" len="med"/>
-                    </a:lnT>
-                    <a:lnB w="12700" cap="flat" cmpd="sng" algn="ctr">
-                      <a:solidFill>
-                        <a:srgbClr val="000000"/>
-                      </a:solidFill>
-                      <a:prstDash val="solid"/>
-                      <a:round/>
-                      <a:headEnd type="none" w="med" len="med"/>
-                      <a:tailEnd type="none" w="med" len="med"/>
-                    </a:lnB>
-                  </a:tcPr>
-                </a:tc>
-              </a:tr>
-              <a:tr h="480973">
-                <a:tc>
-                  <a:txBody>
-                    <a:bodyPr/>
-                    <a:lstStyle/>
-                    <a:p>
-                      <a:pPr marL="0" marR="0" indent="177800" algn="l">
-                        <a:lnSpc>
-                          <a:spcPct val="115000"/>
-                        </a:lnSpc>
-                        <a:spcBef>
-                          <a:spcPts val="0"/>
-                        </a:spcBef>
-                        <a:spcAft>
-                          <a:spcPts val="0"/>
-                        </a:spcAft>
-                      </a:pPr>
-                      <a:r>
-                        <a:rPr lang="en-US" sz="1400">
-                          <a:solidFill>
-                            <a:srgbClr val="000000"/>
-                          </a:solidFill>
-                          <a:latin typeface="Calibri"/>
-                          <a:ea typeface="Times New Roman"/>
-                          <a:cs typeface="Times New Roman"/>
-                        </a:rPr>
-                        <a:t>1. The guest user enters a search criteria in the search bar.</a:t>
-                      </a:r>
-                      <a:endParaRPr lang="en-US" sz="1100">
-                        <a:latin typeface="Calibri"/>
-                        <a:ea typeface="Calibri"/>
-                        <a:cs typeface="Times New Roman"/>
-                      </a:endParaRPr>
-                    </a:p>
-                  </a:txBody>
-                  <a:tcPr marL="67217" marR="67217" marT="0" marB="0" anchor="b">
-                    <a:lnL w="12700" cap="flat" cmpd="sng" algn="ctr">
-                      <a:solidFill>
-                        <a:srgbClr val="000000"/>
-                      </a:solidFill>
-                      <a:prstDash val="solid"/>
-                      <a:round/>
-                      <a:headEnd type="none" w="med" len="med"/>
-                      <a:tailEnd type="none" w="med" len="med"/>
-                    </a:lnL>
-                    <a:lnR w="12700" cap="flat" cmpd="sng" algn="ctr">
-                      <a:solidFill>
-                        <a:srgbClr val="000000"/>
-                      </a:solidFill>
-                      <a:prstDash val="solid"/>
-                      <a:round/>
-                      <a:headEnd type="none" w="med" len="med"/>
-                      <a:tailEnd type="none" w="med" len="med"/>
-                    </a:lnR>
-                    <a:lnT w="12700" cap="flat" cmpd="sng" algn="ctr">
-                      <a:solidFill>
-                        <a:srgbClr val="000000"/>
-                      </a:solidFill>
-                      <a:prstDash val="solid"/>
-                      <a:round/>
-                      <a:headEnd type="none" w="med" len="med"/>
-                      <a:tailEnd type="none" w="med" len="med"/>
-                    </a:lnT>
-                    <a:lnB w="12700" cap="flat" cmpd="sng" algn="ctr">
-                      <a:solidFill>
-                        <a:srgbClr val="000000"/>
-                      </a:solidFill>
-                      <a:prstDash val="solid"/>
-                      <a:round/>
-                      <a:headEnd type="none" w="med" len="med"/>
-                      <a:tailEnd type="none" w="med" len="med"/>
-                    </a:lnB>
-                  </a:tcPr>
-                </a:tc>
-                <a:tc>
-                  <a:txBody>
-                    <a:bodyPr/>
-                    <a:lstStyle/>
-                    <a:p>
-                      <a:pPr marL="0" marR="0" indent="177800" algn="l">
-                        <a:lnSpc>
-                          <a:spcPct val="115000"/>
-                        </a:lnSpc>
-                        <a:spcBef>
-                          <a:spcPts val="0"/>
-                        </a:spcBef>
-                        <a:spcAft>
-                          <a:spcPts val="0"/>
-                        </a:spcAft>
-                      </a:pPr>
-                      <a:r>
-                        <a:rPr lang="en-US" sz="1400">
-                          <a:solidFill>
-                            <a:srgbClr val="000000"/>
-                          </a:solidFill>
-                          <a:latin typeface="Calibri"/>
-                          <a:ea typeface="Times New Roman"/>
-                          <a:cs typeface="Times New Roman"/>
-                        </a:rPr>
-                        <a:t>2. The system displays any topics from the given search criteria.</a:t>
-                      </a:r>
-                      <a:endParaRPr lang="en-US" sz="1100">
-                        <a:latin typeface="Calibri"/>
-                        <a:ea typeface="Calibri"/>
-                        <a:cs typeface="Times New Roman"/>
-                      </a:endParaRPr>
-                    </a:p>
-                  </a:txBody>
-                  <a:tcPr marL="67217" marR="67217" marT="0" marB="0" anchor="b">
-                    <a:lnL w="12700" cap="flat" cmpd="sng" algn="ctr">
-                      <a:solidFill>
-                        <a:srgbClr val="000000"/>
-                      </a:solidFill>
-                      <a:prstDash val="solid"/>
-                      <a:round/>
-                      <a:headEnd type="none" w="med" len="med"/>
-                      <a:tailEnd type="none" w="med" len="med"/>
-                    </a:lnL>
-                    <a:lnR w="12700" cap="flat" cmpd="sng" algn="ctr">
-                      <a:solidFill>
-                        <a:srgbClr val="000000"/>
-                      </a:solidFill>
-                      <a:prstDash val="solid"/>
-                      <a:round/>
-                      <a:headEnd type="none" w="med" len="med"/>
-                      <a:tailEnd type="none" w="med" len="med"/>
-                    </a:lnR>
-                    <a:lnT w="12700" cap="flat" cmpd="sng" algn="ctr">
-                      <a:solidFill>
-                        <a:srgbClr val="000000"/>
-                      </a:solidFill>
-                      <a:prstDash val="solid"/>
-                      <a:round/>
-                      <a:headEnd type="none" w="med" len="med"/>
-                      <a:tailEnd type="none" w="med" len="med"/>
-                    </a:lnT>
-                    <a:lnB w="12700" cap="flat" cmpd="sng" algn="ctr">
-                      <a:solidFill>
-                        <a:srgbClr val="000000"/>
-                      </a:solidFill>
-                      <a:prstDash val="solid"/>
-                      <a:round/>
-                      <a:headEnd type="none" w="med" len="med"/>
-                      <a:tailEnd type="none" w="med" len="med"/>
-                    </a:lnB>
-                  </a:tcPr>
-                </a:tc>
-              </a:tr>
-              <a:tr h="480973">
-                <a:tc>
-                  <a:txBody>
-                    <a:bodyPr/>
-                    <a:lstStyle/>
-                    <a:p>
-                      <a:pPr marL="0" marR="0" indent="177800" algn="l">
-                        <a:lnSpc>
-                          <a:spcPct val="115000"/>
-                        </a:lnSpc>
-                        <a:spcBef>
-                          <a:spcPts val="0"/>
-                        </a:spcBef>
-                        <a:spcAft>
-                          <a:spcPts val="0"/>
-                        </a:spcAft>
-                      </a:pPr>
-                      <a:r>
-                        <a:rPr lang="en-US" sz="1400">
-                          <a:solidFill>
-                            <a:srgbClr val="000000"/>
-                          </a:solidFill>
-                          <a:latin typeface="Calibri"/>
-                          <a:ea typeface="Times New Roman"/>
-                          <a:cs typeface="Times New Roman"/>
-                        </a:rPr>
-                        <a:t>3. The guest user may select from the given results.</a:t>
-                      </a:r>
-                      <a:endParaRPr lang="en-US" sz="1100">
-                        <a:latin typeface="Calibri"/>
-                        <a:ea typeface="Calibri"/>
-                        <a:cs typeface="Times New Roman"/>
-                      </a:endParaRPr>
-                    </a:p>
-                  </a:txBody>
-                  <a:tcPr marL="67217" marR="67217" marT="0" marB="0" anchor="b">
-                    <a:lnL w="12700" cap="flat" cmpd="sng" algn="ctr">
-                      <a:solidFill>
-                        <a:srgbClr val="000000"/>
-                      </a:solidFill>
-                      <a:prstDash val="solid"/>
-                      <a:round/>
-                      <a:headEnd type="none" w="med" len="med"/>
-                      <a:tailEnd type="none" w="med" len="med"/>
-                    </a:lnL>
-                    <a:lnR w="12700" cap="flat" cmpd="sng" algn="ctr">
-                      <a:solidFill>
-                        <a:srgbClr val="000000"/>
-                      </a:solidFill>
-                      <a:prstDash val="solid"/>
-                      <a:round/>
-                      <a:headEnd type="none" w="med" len="med"/>
-                      <a:tailEnd type="none" w="med" len="med"/>
-                    </a:lnR>
-                    <a:lnT w="12700" cap="flat" cmpd="sng" algn="ctr">
-                      <a:solidFill>
-                        <a:srgbClr val="000000"/>
-                      </a:solidFill>
-                      <a:prstDash val="solid"/>
-                      <a:round/>
-                      <a:headEnd type="none" w="med" len="med"/>
-                      <a:tailEnd type="none" w="med" len="med"/>
-                    </a:lnT>
-                    <a:lnB w="12700" cap="flat" cmpd="sng" algn="ctr">
-                      <a:solidFill>
-                        <a:srgbClr val="000000"/>
-                      </a:solidFill>
-                      <a:prstDash val="solid"/>
-                      <a:round/>
-                      <a:headEnd type="none" w="med" len="med"/>
-                      <a:tailEnd type="none" w="med" len="med"/>
-                    </a:lnB>
-                  </a:tcPr>
-                </a:tc>
-                <a:tc>
-                  <a:txBody>
-                    <a:bodyPr/>
-                    <a:lstStyle/>
-                    <a:p>
-                      <a:pPr marL="0" marR="0" indent="177800" algn="l">
-                        <a:lnSpc>
-                          <a:spcPct val="115000"/>
-                        </a:lnSpc>
-                        <a:spcBef>
-                          <a:spcPts val="0"/>
-                        </a:spcBef>
-                        <a:spcAft>
-                          <a:spcPts val="0"/>
-                        </a:spcAft>
-                      </a:pPr>
-                      <a:r>
-                        <a:rPr lang="en-US" sz="1400" dirty="0">
-                          <a:solidFill>
-                            <a:srgbClr val="000000"/>
-                          </a:solidFill>
-                          <a:latin typeface="Calibri"/>
-                          <a:ea typeface="Times New Roman"/>
-                          <a:cs typeface="Times New Roman"/>
-                        </a:rPr>
-                        <a:t>3. The system will display the selected thread.</a:t>
-                      </a:r>
-                      <a:endParaRPr lang="en-US" sz="1100" dirty="0">
-                        <a:latin typeface="Calibri"/>
-                        <a:ea typeface="Calibri"/>
-                        <a:cs typeface="Times New Roman"/>
-                      </a:endParaRPr>
-                    </a:p>
-                  </a:txBody>
-                  <a:tcPr marL="67217" marR="67217" marT="0" marB="0" anchor="b">
-                    <a:lnL w="12700" cap="flat" cmpd="sng" algn="ctr">
-                      <a:solidFill>
-                        <a:srgbClr val="000000"/>
-                      </a:solidFill>
-                      <a:prstDash val="solid"/>
-                      <a:round/>
-                      <a:headEnd type="none" w="med" len="med"/>
-                      <a:tailEnd type="none" w="med" len="med"/>
-                    </a:lnL>
-                    <a:lnR w="12700" cap="flat" cmpd="sng" algn="ctr">
-                      <a:solidFill>
-                        <a:srgbClr val="000000"/>
-                      </a:solidFill>
-                      <a:prstDash val="solid"/>
-                      <a:round/>
-                      <a:headEnd type="none" w="med" len="med"/>
-                      <a:tailEnd type="none" w="med" len="med"/>
-                    </a:lnR>
-                    <a:lnT w="12700" cap="flat" cmpd="sng" algn="ctr">
-                      <a:solidFill>
-                        <a:srgbClr val="000000"/>
-                      </a:solidFill>
-                      <a:prstDash val="solid"/>
-                      <a:round/>
-                      <a:headEnd type="none" w="med" len="med"/>
-                      <a:tailEnd type="none" w="med" len="med"/>
-                    </a:lnT>
-                    <a:lnB w="12700" cap="flat" cmpd="sng" algn="ctr">
-                      <a:solidFill>
-                        <a:srgbClr val="000000"/>
-                      </a:solidFill>
-                      <a:prstDash val="solid"/>
-                      <a:round/>
-                      <a:headEnd type="none" w="med" len="med"/>
-                      <a:tailEnd type="none" w="med" len="med"/>
-                    </a:lnB>
-                  </a:tcPr>
-                </a:tc>
-              </a:tr>
-            </a:tbl>
-          </a:graphicData>
-        </a:graphic>
-      </p:graphicFrame>
+        </p:nvPicPr>
+        <p:blipFill>
+          <a:blip r:embed="rId2" cstate="print"/>
+          <a:srcRect/>
+          <a:stretch>
+            <a:fillRect/>
+          </a:stretch>
+        </p:blipFill>
+        <p:spPr bwMode="auto">
+          <a:xfrm>
+            <a:off x="1071191" y="854157"/>
+            <a:ext cx="7001617" cy="3111336"/>
+          </a:xfrm>
+          <a:prstGeom prst="rect">
+            <a:avLst/>
+          </a:prstGeom>
+          <a:noFill/>
+          <a:ln w="9525">
+            <a:noFill/>
+            <a:miter lim="800000"/>
+            <a:headEnd/>
+            <a:tailEnd/>
+          </a:ln>
+        </p:spPr>
+      </p:pic>
     </p:spTree>
   </p:cSld>
   <p:clrMapOvr>
@@ -6677,7 +5337,7 @@
           <a:p>
             <a:r>
               <a:rPr lang="en-US" dirty="0" smtClean="0"/>
-              <a:t>Search</a:t>
+              <a:t>Guest User</a:t>
             </a:r>
             <a:endParaRPr lang="en-US" dirty="0"/>
           </a:p>
@@ -6685,7 +5345,7 @@
       </p:sp>
       <p:pic>
         <p:nvPicPr>
-          <p:cNvPr id="4" name="Picture 3"/>
+          <p:cNvPr id="4" name="Picture 3" descr="C:\wamp\www\CapstoneProject\Proposal\Design\Guest User Use Case Diagram.JPG"/>
           <p:cNvPicPr/>
           <p:nvPr/>
         </p:nvPicPr>
@@ -6698,8 +5358,8 @@
         </p:blipFill>
         <p:spPr bwMode="auto">
           <a:xfrm>
-            <a:off x="1390279" y="782782"/>
-            <a:ext cx="6239246" cy="4073236"/>
+            <a:off x="2276932" y="1686297"/>
+            <a:ext cx="4447717" cy="3047628"/>
           </a:xfrm>
           <a:prstGeom prst="rect">
             <a:avLst/>
@@ -6755,42 +5415,1430 @@
           <a:p>
             <a:r>
               <a:rPr lang="en-US" dirty="0" smtClean="0"/>
-              <a:t>Faculty User</a:t>
+              <a:t>Guest User - Search</a:t>
             </a:r>
             <a:endParaRPr lang="en-US" dirty="0"/>
           </a:p>
         </p:txBody>
       </p:sp>
-      <p:pic>
-        <p:nvPicPr>
-          <p:cNvPr id="4" name="Picture 3" descr="C:\wamp\www\CapstoneProject\Proposal\Design\Faculty User Use Case Diagram.JPG"/>
-          <p:cNvPicPr/>
+      <p:graphicFrame>
+        <p:nvGraphicFramePr>
+          <p:cNvPr id="4" name="Table 3"/>
+          <p:cNvGraphicFramePr>
+            <a:graphicFrameLocks noGrp="1"/>
+          </p:cNvGraphicFramePr>
           <p:nvPr/>
-        </p:nvPicPr>
-        <p:blipFill>
-          <a:blip r:embed="rId2" cstate="print"/>
-          <a:srcRect/>
-          <a:stretch>
-            <a:fillRect/>
-          </a:stretch>
-        </p:blipFill>
-        <p:spPr bwMode="auto">
-          <a:xfrm>
-            <a:off x="2011568" y="672068"/>
-            <a:ext cx="4579732" cy="3499881"/>
-          </a:xfrm>
-          <a:prstGeom prst="rect">
-            <a:avLst/>
-          </a:prstGeom>
-          <a:noFill/>
-          <a:ln w="9525">
-            <a:noFill/>
-            <a:miter lim="800000"/>
-            <a:headEnd/>
-            <a:tailEnd/>
-          </a:ln>
-        </p:spPr>
-      </p:pic>
+        </p:nvGraphicFramePr>
+        <p:xfrm>
+          <a:off x="1375038" y="647700"/>
+          <a:ext cx="5974823" cy="4141690"/>
+        </p:xfrm>
+        <a:graphic>
+          <a:graphicData uri="http://schemas.openxmlformats.org/drawingml/2006/table">
+            <a:tbl>
+              <a:tblPr/>
+              <a:tblGrid>
+                <a:gridCol w="2454457"/>
+                <a:gridCol w="3520366"/>
+              </a:tblGrid>
+              <a:tr h="463796">
+                <a:tc>
+                  <a:txBody>
+                    <a:bodyPr/>
+                    <a:lstStyle/>
+                    <a:p>
+                      <a:pPr marL="0" marR="0" algn="l">
+                        <a:lnSpc>
+                          <a:spcPct val="115000"/>
+                        </a:lnSpc>
+                        <a:spcBef>
+                          <a:spcPts val="0"/>
+                        </a:spcBef>
+                        <a:spcAft>
+                          <a:spcPts val="0"/>
+                        </a:spcAft>
+                      </a:pPr>
+                      <a:endParaRPr lang="en-US" sz="1100">
+                        <a:latin typeface="Calibri"/>
+                        <a:ea typeface="Calibri"/>
+                        <a:cs typeface="Times New Roman"/>
+                      </a:endParaRPr>
+                    </a:p>
+                    <a:p>
+                      <a:pPr marL="0" marR="0" algn="l">
+                        <a:lnSpc>
+                          <a:spcPct val="115000"/>
+                        </a:lnSpc>
+                        <a:spcBef>
+                          <a:spcPts val="0"/>
+                        </a:spcBef>
+                        <a:spcAft>
+                          <a:spcPts val="0"/>
+                        </a:spcAft>
+                      </a:pPr>
+                      <a:r>
+                        <a:rPr lang="en-US" sz="1600" b="1" i="1">
+                          <a:solidFill>
+                            <a:srgbClr val="000000"/>
+                          </a:solidFill>
+                          <a:latin typeface="Calibri"/>
+                          <a:ea typeface="Times New Roman"/>
+                          <a:cs typeface="Times New Roman"/>
+                        </a:rPr>
+                        <a:t>Guest</a:t>
+                      </a:r>
+                      <a:endParaRPr lang="en-US" sz="1100">
+                        <a:latin typeface="Calibri"/>
+                        <a:ea typeface="Calibri"/>
+                        <a:cs typeface="Times New Roman"/>
+                      </a:endParaRPr>
+                    </a:p>
+                  </a:txBody>
+                  <a:tcPr marL="67217" marR="67217" marT="0" marB="0" anchor="b">
+                    <a:lnL>
+                      <a:noFill/>
+                    </a:lnL>
+                    <a:lnR>
+                      <a:noFill/>
+                    </a:lnR>
+                    <a:lnT>
+                      <a:noFill/>
+                    </a:lnT>
+                    <a:lnB w="12700" cap="flat" cmpd="sng" algn="ctr">
+                      <a:solidFill>
+                        <a:srgbClr val="000000"/>
+                      </a:solidFill>
+                      <a:prstDash val="solid"/>
+                      <a:round/>
+                      <a:headEnd type="none" w="med" len="med"/>
+                      <a:tailEnd type="none" w="med" len="med"/>
+                    </a:lnB>
+                  </a:tcPr>
+                </a:tc>
+                <a:tc>
+                  <a:txBody>
+                    <a:bodyPr/>
+                    <a:lstStyle/>
+                    <a:p>
+                      <a:pPr marL="0" marR="0" algn="l">
+                        <a:lnSpc>
+                          <a:spcPct val="115000"/>
+                        </a:lnSpc>
+                        <a:spcBef>
+                          <a:spcPts val="0"/>
+                        </a:spcBef>
+                        <a:spcAft>
+                          <a:spcPts val="0"/>
+                        </a:spcAft>
+                      </a:pPr>
+                      <a:endParaRPr lang="en-US" sz="1100">
+                        <a:solidFill>
+                          <a:srgbClr val="000000"/>
+                        </a:solidFill>
+                        <a:latin typeface="Calibri"/>
+                        <a:ea typeface="Times New Roman"/>
+                        <a:cs typeface="Times New Roman"/>
+                      </a:endParaRPr>
+                    </a:p>
+                  </a:txBody>
+                  <a:tcPr marL="67217" marR="67217" marT="0" marB="0" anchor="b">
+                    <a:lnL>
+                      <a:noFill/>
+                    </a:lnL>
+                    <a:lnR>
+                      <a:noFill/>
+                    </a:lnR>
+                    <a:lnT>
+                      <a:noFill/>
+                    </a:lnT>
+                    <a:lnB w="12700" cap="flat" cmpd="sng" algn="ctr">
+                      <a:solidFill>
+                        <a:srgbClr val="000000"/>
+                      </a:solidFill>
+                      <a:prstDash val="solid"/>
+                      <a:round/>
+                      <a:headEnd type="none" w="med" len="med"/>
+                      <a:tailEnd type="none" w="med" len="med"/>
+                    </a:lnB>
+                  </a:tcPr>
+                </a:tc>
+              </a:tr>
+              <a:tr h="240487">
+                <a:tc>
+                  <a:txBody>
+                    <a:bodyPr/>
+                    <a:lstStyle/>
+                    <a:p>
+                      <a:pPr marL="0" marR="0" algn="l">
+                        <a:lnSpc>
+                          <a:spcPct val="115000"/>
+                        </a:lnSpc>
+                        <a:spcBef>
+                          <a:spcPts val="0"/>
+                        </a:spcBef>
+                        <a:spcAft>
+                          <a:spcPts val="0"/>
+                        </a:spcAft>
+                      </a:pPr>
+                      <a:r>
+                        <a:rPr lang="en-US" sz="1400">
+                          <a:solidFill>
+                            <a:srgbClr val="000000"/>
+                          </a:solidFill>
+                          <a:latin typeface="Calibri"/>
+                          <a:ea typeface="Times New Roman"/>
+                          <a:cs typeface="Times New Roman"/>
+                        </a:rPr>
+                        <a:t>Title</a:t>
+                      </a:r>
+                      <a:endParaRPr lang="en-US" sz="1100">
+                        <a:latin typeface="Calibri"/>
+                        <a:ea typeface="Calibri"/>
+                        <a:cs typeface="Times New Roman"/>
+                      </a:endParaRPr>
+                    </a:p>
+                  </a:txBody>
+                  <a:tcPr marL="67217" marR="67217" marT="0" marB="0" anchor="b">
+                    <a:lnL w="12700" cap="flat" cmpd="sng" algn="ctr">
+                      <a:solidFill>
+                        <a:srgbClr val="000000"/>
+                      </a:solidFill>
+                      <a:prstDash val="solid"/>
+                      <a:round/>
+                      <a:headEnd type="none" w="med" len="med"/>
+                      <a:tailEnd type="none" w="med" len="med"/>
+                    </a:lnL>
+                    <a:lnR w="12700" cap="flat" cmpd="sng" algn="ctr">
+                      <a:solidFill>
+                        <a:srgbClr val="000000"/>
+                      </a:solidFill>
+                      <a:prstDash val="solid"/>
+                      <a:round/>
+                      <a:headEnd type="none" w="med" len="med"/>
+                      <a:tailEnd type="none" w="med" len="med"/>
+                    </a:lnR>
+                    <a:lnT w="12700" cap="flat" cmpd="sng" algn="ctr">
+                      <a:solidFill>
+                        <a:srgbClr val="000000"/>
+                      </a:solidFill>
+                      <a:prstDash val="solid"/>
+                      <a:round/>
+                      <a:headEnd type="none" w="med" len="med"/>
+                      <a:tailEnd type="none" w="med" len="med"/>
+                    </a:lnT>
+                    <a:lnB w="12700" cap="flat" cmpd="sng" algn="ctr">
+                      <a:solidFill>
+                        <a:srgbClr val="000000"/>
+                      </a:solidFill>
+                      <a:prstDash val="solid"/>
+                      <a:round/>
+                      <a:headEnd type="none" w="med" len="med"/>
+                      <a:tailEnd type="none" w="med" len="med"/>
+                    </a:lnB>
+                  </a:tcPr>
+                </a:tc>
+                <a:tc>
+                  <a:txBody>
+                    <a:bodyPr/>
+                    <a:lstStyle/>
+                    <a:p>
+                      <a:pPr marL="0" marR="0" indent="177800" algn="l">
+                        <a:lnSpc>
+                          <a:spcPct val="115000"/>
+                        </a:lnSpc>
+                        <a:spcBef>
+                          <a:spcPts val="0"/>
+                        </a:spcBef>
+                        <a:spcAft>
+                          <a:spcPts val="0"/>
+                        </a:spcAft>
+                      </a:pPr>
+                      <a:r>
+                        <a:rPr lang="en-US" sz="1400">
+                          <a:solidFill>
+                            <a:srgbClr val="000000"/>
+                          </a:solidFill>
+                          <a:latin typeface="Calibri"/>
+                          <a:ea typeface="Times New Roman"/>
+                          <a:cs typeface="Times New Roman"/>
+                        </a:rPr>
+                        <a:t>Search</a:t>
+                      </a:r>
+                      <a:endParaRPr lang="en-US" sz="1100">
+                        <a:latin typeface="Calibri"/>
+                        <a:ea typeface="Calibri"/>
+                        <a:cs typeface="Times New Roman"/>
+                      </a:endParaRPr>
+                    </a:p>
+                  </a:txBody>
+                  <a:tcPr marL="67217" marR="67217" marT="0" marB="0" anchor="b">
+                    <a:lnL w="12700" cap="flat" cmpd="sng" algn="ctr">
+                      <a:solidFill>
+                        <a:srgbClr val="000000"/>
+                      </a:solidFill>
+                      <a:prstDash val="solid"/>
+                      <a:round/>
+                      <a:headEnd type="none" w="med" len="med"/>
+                      <a:tailEnd type="none" w="med" len="med"/>
+                    </a:lnL>
+                    <a:lnR w="12700" cap="flat" cmpd="sng" algn="ctr">
+                      <a:solidFill>
+                        <a:srgbClr val="000000"/>
+                      </a:solidFill>
+                      <a:prstDash val="solid"/>
+                      <a:round/>
+                      <a:headEnd type="none" w="med" len="med"/>
+                      <a:tailEnd type="none" w="med" len="med"/>
+                    </a:lnR>
+                    <a:lnT w="12700" cap="flat" cmpd="sng" algn="ctr">
+                      <a:solidFill>
+                        <a:srgbClr val="000000"/>
+                      </a:solidFill>
+                      <a:prstDash val="solid"/>
+                      <a:round/>
+                      <a:headEnd type="none" w="med" len="med"/>
+                      <a:tailEnd type="none" w="med" len="med"/>
+                    </a:lnT>
+                    <a:lnB w="12700" cap="flat" cmpd="sng" algn="ctr">
+                      <a:solidFill>
+                        <a:srgbClr val="000000"/>
+                      </a:solidFill>
+                      <a:prstDash val="solid"/>
+                      <a:round/>
+                      <a:headEnd type="none" w="med" len="med"/>
+                      <a:tailEnd type="none" w="med" len="med"/>
+                    </a:lnB>
+                  </a:tcPr>
+                </a:tc>
+              </a:tr>
+              <a:tr h="480973">
+                <a:tc>
+                  <a:txBody>
+                    <a:bodyPr/>
+                    <a:lstStyle/>
+                    <a:p>
+                      <a:pPr marL="0" marR="0" algn="l">
+                        <a:lnSpc>
+                          <a:spcPct val="115000"/>
+                        </a:lnSpc>
+                        <a:spcBef>
+                          <a:spcPts val="0"/>
+                        </a:spcBef>
+                        <a:spcAft>
+                          <a:spcPts val="0"/>
+                        </a:spcAft>
+                      </a:pPr>
+                      <a:r>
+                        <a:rPr lang="en-US" sz="1400">
+                          <a:solidFill>
+                            <a:srgbClr val="000000"/>
+                          </a:solidFill>
+                          <a:latin typeface="Calibri"/>
+                          <a:ea typeface="Times New Roman"/>
+                          <a:cs typeface="Times New Roman"/>
+                        </a:rPr>
+                        <a:t>Summary</a:t>
+                      </a:r>
+                      <a:endParaRPr lang="en-US" sz="1100">
+                        <a:latin typeface="Calibri"/>
+                        <a:ea typeface="Calibri"/>
+                        <a:cs typeface="Times New Roman"/>
+                      </a:endParaRPr>
+                    </a:p>
+                  </a:txBody>
+                  <a:tcPr marL="67217" marR="67217" marT="0" marB="0" anchor="b">
+                    <a:lnL w="12700" cap="flat" cmpd="sng" algn="ctr">
+                      <a:solidFill>
+                        <a:srgbClr val="000000"/>
+                      </a:solidFill>
+                      <a:prstDash val="solid"/>
+                      <a:round/>
+                      <a:headEnd type="none" w="med" len="med"/>
+                      <a:tailEnd type="none" w="med" len="med"/>
+                    </a:lnL>
+                    <a:lnR w="12700" cap="flat" cmpd="sng" algn="ctr">
+                      <a:solidFill>
+                        <a:srgbClr val="000000"/>
+                      </a:solidFill>
+                      <a:prstDash val="solid"/>
+                      <a:round/>
+                      <a:headEnd type="none" w="med" len="med"/>
+                      <a:tailEnd type="none" w="med" len="med"/>
+                    </a:lnR>
+                    <a:lnT w="12700" cap="flat" cmpd="sng" algn="ctr">
+                      <a:solidFill>
+                        <a:srgbClr val="000000"/>
+                      </a:solidFill>
+                      <a:prstDash val="solid"/>
+                      <a:round/>
+                      <a:headEnd type="none" w="med" len="med"/>
+                      <a:tailEnd type="none" w="med" len="med"/>
+                    </a:lnT>
+                    <a:lnB w="12700" cap="flat" cmpd="sng" algn="ctr">
+                      <a:solidFill>
+                        <a:srgbClr val="000000"/>
+                      </a:solidFill>
+                      <a:prstDash val="solid"/>
+                      <a:round/>
+                      <a:headEnd type="none" w="med" len="med"/>
+                      <a:tailEnd type="none" w="med" len="med"/>
+                    </a:lnB>
+                  </a:tcPr>
+                </a:tc>
+                <a:tc>
+                  <a:txBody>
+                    <a:bodyPr/>
+                    <a:lstStyle/>
+                    <a:p>
+                      <a:pPr marL="0" marR="0" indent="177800" algn="l">
+                        <a:lnSpc>
+                          <a:spcPct val="115000"/>
+                        </a:lnSpc>
+                        <a:spcBef>
+                          <a:spcPts val="0"/>
+                        </a:spcBef>
+                        <a:spcAft>
+                          <a:spcPts val="0"/>
+                        </a:spcAft>
+                      </a:pPr>
+                      <a:r>
+                        <a:rPr lang="en-US" sz="1400">
+                          <a:solidFill>
+                            <a:srgbClr val="000000"/>
+                          </a:solidFill>
+                          <a:latin typeface="Calibri"/>
+                          <a:ea typeface="Times New Roman"/>
+                          <a:cs typeface="Times New Roman"/>
+                        </a:rPr>
+                        <a:t>The guest user can search the forums by entering a search criteria in the search bar.</a:t>
+                      </a:r>
+                      <a:endParaRPr lang="en-US" sz="1100">
+                        <a:latin typeface="Calibri"/>
+                        <a:ea typeface="Calibri"/>
+                        <a:cs typeface="Times New Roman"/>
+                      </a:endParaRPr>
+                    </a:p>
+                  </a:txBody>
+                  <a:tcPr marL="67217" marR="67217" marT="0" marB="0" anchor="b">
+                    <a:lnL w="12700" cap="flat" cmpd="sng" algn="ctr">
+                      <a:solidFill>
+                        <a:srgbClr val="000000"/>
+                      </a:solidFill>
+                      <a:prstDash val="solid"/>
+                      <a:round/>
+                      <a:headEnd type="none" w="med" len="med"/>
+                      <a:tailEnd type="none" w="med" len="med"/>
+                    </a:lnL>
+                    <a:lnR w="12700" cap="flat" cmpd="sng" algn="ctr">
+                      <a:solidFill>
+                        <a:srgbClr val="000000"/>
+                      </a:solidFill>
+                      <a:prstDash val="solid"/>
+                      <a:round/>
+                      <a:headEnd type="none" w="med" len="med"/>
+                      <a:tailEnd type="none" w="med" len="med"/>
+                    </a:lnR>
+                    <a:lnT w="12700" cap="flat" cmpd="sng" algn="ctr">
+                      <a:solidFill>
+                        <a:srgbClr val="000000"/>
+                      </a:solidFill>
+                      <a:prstDash val="solid"/>
+                      <a:round/>
+                      <a:headEnd type="none" w="med" len="med"/>
+                      <a:tailEnd type="none" w="med" len="med"/>
+                    </a:lnT>
+                    <a:lnB w="12700" cap="flat" cmpd="sng" algn="ctr">
+                      <a:solidFill>
+                        <a:srgbClr val="000000"/>
+                      </a:solidFill>
+                      <a:prstDash val="solid"/>
+                      <a:round/>
+                      <a:headEnd type="none" w="med" len="med"/>
+                      <a:tailEnd type="none" w="med" len="med"/>
+                    </a:lnB>
+                  </a:tcPr>
+                </a:tc>
+              </a:tr>
+              <a:tr h="480973">
+                <a:tc>
+                  <a:txBody>
+                    <a:bodyPr/>
+                    <a:lstStyle/>
+                    <a:p>
+                      <a:pPr marL="0" marR="0" algn="l">
+                        <a:lnSpc>
+                          <a:spcPct val="115000"/>
+                        </a:lnSpc>
+                        <a:spcBef>
+                          <a:spcPts val="0"/>
+                        </a:spcBef>
+                        <a:spcAft>
+                          <a:spcPts val="0"/>
+                        </a:spcAft>
+                      </a:pPr>
+                      <a:r>
+                        <a:rPr lang="en-US" sz="1400">
+                          <a:solidFill>
+                            <a:srgbClr val="000000"/>
+                          </a:solidFill>
+                          <a:latin typeface="Calibri"/>
+                          <a:ea typeface="Times New Roman"/>
+                          <a:cs typeface="Times New Roman"/>
+                        </a:rPr>
+                        <a:t>Preconditions</a:t>
+                      </a:r>
+                      <a:endParaRPr lang="en-US" sz="1100">
+                        <a:latin typeface="Calibri"/>
+                        <a:ea typeface="Calibri"/>
+                        <a:cs typeface="Times New Roman"/>
+                      </a:endParaRPr>
+                    </a:p>
+                  </a:txBody>
+                  <a:tcPr marL="67217" marR="67217" marT="0" marB="0" anchor="b">
+                    <a:lnL w="12700" cap="flat" cmpd="sng" algn="ctr">
+                      <a:solidFill>
+                        <a:srgbClr val="000000"/>
+                      </a:solidFill>
+                      <a:prstDash val="solid"/>
+                      <a:round/>
+                      <a:headEnd type="none" w="med" len="med"/>
+                      <a:tailEnd type="none" w="med" len="med"/>
+                    </a:lnL>
+                    <a:lnR w="12700" cap="flat" cmpd="sng" algn="ctr">
+                      <a:solidFill>
+                        <a:srgbClr val="000000"/>
+                      </a:solidFill>
+                      <a:prstDash val="solid"/>
+                      <a:round/>
+                      <a:headEnd type="none" w="med" len="med"/>
+                      <a:tailEnd type="none" w="med" len="med"/>
+                    </a:lnR>
+                    <a:lnT w="12700" cap="flat" cmpd="sng" algn="ctr">
+                      <a:solidFill>
+                        <a:srgbClr val="000000"/>
+                      </a:solidFill>
+                      <a:prstDash val="solid"/>
+                      <a:round/>
+                      <a:headEnd type="none" w="med" len="med"/>
+                      <a:tailEnd type="none" w="med" len="med"/>
+                    </a:lnT>
+                    <a:lnB w="12700" cap="flat" cmpd="sng" algn="ctr">
+                      <a:solidFill>
+                        <a:srgbClr val="000000"/>
+                      </a:solidFill>
+                      <a:prstDash val="solid"/>
+                      <a:round/>
+                      <a:headEnd type="none" w="med" len="med"/>
+                      <a:tailEnd type="none" w="med" len="med"/>
+                    </a:lnB>
+                  </a:tcPr>
+                </a:tc>
+                <a:tc>
+                  <a:txBody>
+                    <a:bodyPr/>
+                    <a:lstStyle/>
+                    <a:p>
+                      <a:pPr marL="0" marR="0" indent="177800" algn="l">
+                        <a:lnSpc>
+                          <a:spcPct val="115000"/>
+                        </a:lnSpc>
+                        <a:spcBef>
+                          <a:spcPts val="0"/>
+                        </a:spcBef>
+                        <a:spcAft>
+                          <a:spcPts val="0"/>
+                        </a:spcAft>
+                      </a:pPr>
+                      <a:r>
+                        <a:rPr lang="en-US" sz="1400">
+                          <a:solidFill>
+                            <a:srgbClr val="000000"/>
+                          </a:solidFill>
+                          <a:latin typeface="Calibri"/>
+                          <a:ea typeface="Times New Roman"/>
+                          <a:cs typeface="Times New Roman"/>
+                        </a:rPr>
+                        <a:t>The guest user must be on the forum domain.</a:t>
+                      </a:r>
+                      <a:endParaRPr lang="en-US" sz="1100">
+                        <a:latin typeface="Calibri"/>
+                        <a:ea typeface="Calibri"/>
+                        <a:cs typeface="Times New Roman"/>
+                      </a:endParaRPr>
+                    </a:p>
+                  </a:txBody>
+                  <a:tcPr marL="67217" marR="67217" marT="0" marB="0" anchor="b">
+                    <a:lnL w="12700" cap="flat" cmpd="sng" algn="ctr">
+                      <a:solidFill>
+                        <a:srgbClr val="000000"/>
+                      </a:solidFill>
+                      <a:prstDash val="solid"/>
+                      <a:round/>
+                      <a:headEnd type="none" w="med" len="med"/>
+                      <a:tailEnd type="none" w="med" len="med"/>
+                    </a:lnL>
+                    <a:lnR w="12700" cap="flat" cmpd="sng" algn="ctr">
+                      <a:solidFill>
+                        <a:srgbClr val="000000"/>
+                      </a:solidFill>
+                      <a:prstDash val="solid"/>
+                      <a:round/>
+                      <a:headEnd type="none" w="med" len="med"/>
+                      <a:tailEnd type="none" w="med" len="med"/>
+                    </a:lnR>
+                    <a:lnT w="12700" cap="flat" cmpd="sng" algn="ctr">
+                      <a:solidFill>
+                        <a:srgbClr val="000000"/>
+                      </a:solidFill>
+                      <a:prstDash val="solid"/>
+                      <a:round/>
+                      <a:headEnd type="none" w="med" len="med"/>
+                      <a:tailEnd type="none" w="med" len="med"/>
+                    </a:lnT>
+                    <a:lnB w="12700" cap="flat" cmpd="sng" algn="ctr">
+                      <a:solidFill>
+                        <a:srgbClr val="000000"/>
+                      </a:solidFill>
+                      <a:prstDash val="solid"/>
+                      <a:round/>
+                      <a:headEnd type="none" w="med" len="med"/>
+                      <a:tailEnd type="none" w="med" len="med"/>
+                    </a:lnB>
+                  </a:tcPr>
+                </a:tc>
+              </a:tr>
+              <a:tr h="480973">
+                <a:tc>
+                  <a:txBody>
+                    <a:bodyPr/>
+                    <a:lstStyle/>
+                    <a:p>
+                      <a:pPr marL="0" marR="0" algn="l">
+                        <a:lnSpc>
+                          <a:spcPct val="115000"/>
+                        </a:lnSpc>
+                        <a:spcBef>
+                          <a:spcPts val="0"/>
+                        </a:spcBef>
+                        <a:spcAft>
+                          <a:spcPts val="0"/>
+                        </a:spcAft>
+                      </a:pPr>
+                      <a:r>
+                        <a:rPr lang="en-US" sz="1400">
+                          <a:solidFill>
+                            <a:srgbClr val="000000"/>
+                          </a:solidFill>
+                          <a:latin typeface="Calibri"/>
+                          <a:ea typeface="Times New Roman"/>
+                          <a:cs typeface="Times New Roman"/>
+                        </a:rPr>
+                        <a:t>Post-conditions</a:t>
+                      </a:r>
+                      <a:endParaRPr lang="en-US" sz="1100">
+                        <a:latin typeface="Calibri"/>
+                        <a:ea typeface="Calibri"/>
+                        <a:cs typeface="Times New Roman"/>
+                      </a:endParaRPr>
+                    </a:p>
+                  </a:txBody>
+                  <a:tcPr marL="67217" marR="67217" marT="0" marB="0" anchor="b">
+                    <a:lnL w="12700" cap="flat" cmpd="sng" algn="ctr">
+                      <a:solidFill>
+                        <a:srgbClr val="000000"/>
+                      </a:solidFill>
+                      <a:prstDash val="solid"/>
+                      <a:round/>
+                      <a:headEnd type="none" w="med" len="med"/>
+                      <a:tailEnd type="none" w="med" len="med"/>
+                    </a:lnL>
+                    <a:lnR w="12700" cap="flat" cmpd="sng" algn="ctr">
+                      <a:solidFill>
+                        <a:srgbClr val="000000"/>
+                      </a:solidFill>
+                      <a:prstDash val="solid"/>
+                      <a:round/>
+                      <a:headEnd type="none" w="med" len="med"/>
+                      <a:tailEnd type="none" w="med" len="med"/>
+                    </a:lnR>
+                    <a:lnT w="12700" cap="flat" cmpd="sng" algn="ctr">
+                      <a:solidFill>
+                        <a:srgbClr val="000000"/>
+                      </a:solidFill>
+                      <a:prstDash val="solid"/>
+                      <a:round/>
+                      <a:headEnd type="none" w="med" len="med"/>
+                      <a:tailEnd type="none" w="med" len="med"/>
+                    </a:lnT>
+                    <a:lnB w="12700" cap="flat" cmpd="sng" algn="ctr">
+                      <a:solidFill>
+                        <a:srgbClr val="000000"/>
+                      </a:solidFill>
+                      <a:prstDash val="solid"/>
+                      <a:round/>
+                      <a:headEnd type="none" w="med" len="med"/>
+                      <a:tailEnd type="none" w="med" len="med"/>
+                    </a:lnB>
+                  </a:tcPr>
+                </a:tc>
+                <a:tc>
+                  <a:txBody>
+                    <a:bodyPr/>
+                    <a:lstStyle/>
+                    <a:p>
+                      <a:pPr marL="0" marR="0" indent="177800" algn="l">
+                        <a:lnSpc>
+                          <a:spcPct val="115000"/>
+                        </a:lnSpc>
+                        <a:spcBef>
+                          <a:spcPts val="0"/>
+                        </a:spcBef>
+                        <a:spcAft>
+                          <a:spcPts val="0"/>
+                        </a:spcAft>
+                      </a:pPr>
+                      <a:r>
+                        <a:rPr lang="en-US" sz="1400">
+                          <a:solidFill>
+                            <a:srgbClr val="000000"/>
+                          </a:solidFill>
+                          <a:latin typeface="Calibri"/>
+                          <a:ea typeface="Times New Roman"/>
+                          <a:cs typeface="Times New Roman"/>
+                        </a:rPr>
+                        <a:t>The guest user will have results on the searched criteria.</a:t>
+                      </a:r>
+                      <a:endParaRPr lang="en-US" sz="1100">
+                        <a:latin typeface="Calibri"/>
+                        <a:ea typeface="Calibri"/>
+                        <a:cs typeface="Times New Roman"/>
+                      </a:endParaRPr>
+                    </a:p>
+                  </a:txBody>
+                  <a:tcPr marL="67217" marR="67217" marT="0" marB="0" anchor="b">
+                    <a:lnL w="12700" cap="flat" cmpd="sng" algn="ctr">
+                      <a:solidFill>
+                        <a:srgbClr val="000000"/>
+                      </a:solidFill>
+                      <a:prstDash val="solid"/>
+                      <a:round/>
+                      <a:headEnd type="none" w="med" len="med"/>
+                      <a:tailEnd type="none" w="med" len="med"/>
+                    </a:lnL>
+                    <a:lnR w="12700" cap="flat" cmpd="sng" algn="ctr">
+                      <a:solidFill>
+                        <a:srgbClr val="000000"/>
+                      </a:solidFill>
+                      <a:prstDash val="solid"/>
+                      <a:round/>
+                      <a:headEnd type="none" w="med" len="med"/>
+                      <a:tailEnd type="none" w="med" len="med"/>
+                    </a:lnR>
+                    <a:lnT w="12700" cap="flat" cmpd="sng" algn="ctr">
+                      <a:solidFill>
+                        <a:srgbClr val="000000"/>
+                      </a:solidFill>
+                      <a:prstDash val="solid"/>
+                      <a:round/>
+                      <a:headEnd type="none" w="med" len="med"/>
+                      <a:tailEnd type="none" w="med" len="med"/>
+                    </a:lnT>
+                    <a:lnB w="12700" cap="flat" cmpd="sng" algn="ctr">
+                      <a:solidFill>
+                        <a:srgbClr val="000000"/>
+                      </a:solidFill>
+                      <a:prstDash val="solid"/>
+                      <a:round/>
+                      <a:headEnd type="none" w="med" len="med"/>
+                      <a:tailEnd type="none" w="med" len="med"/>
+                    </a:lnB>
+                  </a:tcPr>
+                </a:tc>
+              </a:tr>
+              <a:tr h="233392">
+                <a:tc>
+                  <a:txBody>
+                    <a:bodyPr/>
+                    <a:lstStyle/>
+                    <a:p>
+                      <a:pPr algn="l">
+                        <a:lnSpc>
+                          <a:spcPct val="115000"/>
+                        </a:lnSpc>
+                      </a:pPr>
+                      <a:endParaRPr lang="en-US" sz="1100">
+                        <a:latin typeface="Calibri"/>
+                        <a:ea typeface="Times New Roman"/>
+                      </a:endParaRPr>
+                    </a:p>
+                  </a:txBody>
+                  <a:tcPr marL="67217" marR="67217" marT="0" marB="0" anchor="b">
+                    <a:lnL>
+                      <a:noFill/>
+                    </a:lnL>
+                    <a:lnR>
+                      <a:noFill/>
+                    </a:lnR>
+                    <a:lnT w="12700" cap="flat" cmpd="sng" algn="ctr">
+                      <a:solidFill>
+                        <a:srgbClr val="000000"/>
+                      </a:solidFill>
+                      <a:prstDash val="solid"/>
+                      <a:round/>
+                      <a:headEnd type="none" w="med" len="med"/>
+                      <a:tailEnd type="none" w="med" len="med"/>
+                    </a:lnT>
+                    <a:lnB w="12700" cap="flat" cmpd="sng" algn="ctr">
+                      <a:solidFill>
+                        <a:srgbClr val="000000"/>
+                      </a:solidFill>
+                      <a:prstDash val="solid"/>
+                      <a:round/>
+                      <a:headEnd type="none" w="med" len="med"/>
+                      <a:tailEnd type="none" w="med" len="med"/>
+                    </a:lnB>
+                  </a:tcPr>
+                </a:tc>
+                <a:tc>
+                  <a:txBody>
+                    <a:bodyPr/>
+                    <a:lstStyle/>
+                    <a:p>
+                      <a:pPr algn="l">
+                        <a:lnSpc>
+                          <a:spcPct val="115000"/>
+                        </a:lnSpc>
+                      </a:pPr>
+                      <a:endParaRPr lang="en-US" sz="1100">
+                        <a:latin typeface="Calibri"/>
+                        <a:ea typeface="Times New Roman"/>
+                      </a:endParaRPr>
+                    </a:p>
+                  </a:txBody>
+                  <a:tcPr marL="67217" marR="67217" marT="0" marB="0" anchor="b">
+                    <a:lnL>
+                      <a:noFill/>
+                    </a:lnL>
+                    <a:lnR>
+                      <a:noFill/>
+                    </a:lnR>
+                    <a:lnT w="12700" cap="flat" cmpd="sng" algn="ctr">
+                      <a:solidFill>
+                        <a:srgbClr val="000000"/>
+                      </a:solidFill>
+                      <a:prstDash val="solid"/>
+                      <a:round/>
+                      <a:headEnd type="none" w="med" len="med"/>
+                      <a:tailEnd type="none" w="med" len="med"/>
+                    </a:lnT>
+                    <a:lnB w="12700" cap="flat" cmpd="sng" algn="ctr">
+                      <a:solidFill>
+                        <a:srgbClr val="000000"/>
+                      </a:solidFill>
+                      <a:prstDash val="solid"/>
+                      <a:round/>
+                      <a:headEnd type="none" w="med" len="med"/>
+                      <a:tailEnd type="none" w="med" len="med"/>
+                    </a:lnB>
+                  </a:tcPr>
+                </a:tc>
+              </a:tr>
+              <a:tr h="240487">
+                <a:tc>
+                  <a:txBody>
+                    <a:bodyPr/>
+                    <a:lstStyle/>
+                    <a:p>
+                      <a:pPr marL="0" marR="0" algn="ctr">
+                        <a:lnSpc>
+                          <a:spcPct val="115000"/>
+                        </a:lnSpc>
+                        <a:spcBef>
+                          <a:spcPts val="0"/>
+                        </a:spcBef>
+                        <a:spcAft>
+                          <a:spcPts val="0"/>
+                        </a:spcAft>
+                      </a:pPr>
+                      <a:r>
+                        <a:rPr lang="en-US" sz="1400">
+                          <a:solidFill>
+                            <a:srgbClr val="000000"/>
+                          </a:solidFill>
+                          <a:latin typeface="Calibri"/>
+                          <a:ea typeface="Times New Roman"/>
+                          <a:cs typeface="Times New Roman"/>
+                        </a:rPr>
+                        <a:t>Actor : Guest</a:t>
+                      </a:r>
+                      <a:endParaRPr lang="en-US" sz="1100">
+                        <a:latin typeface="Calibri"/>
+                        <a:ea typeface="Calibri"/>
+                        <a:cs typeface="Times New Roman"/>
+                      </a:endParaRPr>
+                    </a:p>
+                  </a:txBody>
+                  <a:tcPr marL="67217" marR="67217" marT="0" marB="0" anchor="b">
+                    <a:lnL w="12700" cap="flat" cmpd="sng" algn="ctr">
+                      <a:solidFill>
+                        <a:srgbClr val="000000"/>
+                      </a:solidFill>
+                      <a:prstDash val="solid"/>
+                      <a:round/>
+                      <a:headEnd type="none" w="med" len="med"/>
+                      <a:tailEnd type="none" w="med" len="med"/>
+                    </a:lnL>
+                    <a:lnR w="12700" cap="flat" cmpd="sng" algn="ctr">
+                      <a:solidFill>
+                        <a:srgbClr val="000000"/>
+                      </a:solidFill>
+                      <a:prstDash val="solid"/>
+                      <a:round/>
+                      <a:headEnd type="none" w="med" len="med"/>
+                      <a:tailEnd type="none" w="med" len="med"/>
+                    </a:lnR>
+                    <a:lnT w="12700" cap="flat" cmpd="sng" algn="ctr">
+                      <a:solidFill>
+                        <a:srgbClr val="000000"/>
+                      </a:solidFill>
+                      <a:prstDash val="solid"/>
+                      <a:round/>
+                      <a:headEnd type="none" w="med" len="med"/>
+                      <a:tailEnd type="none" w="med" len="med"/>
+                    </a:lnT>
+                    <a:lnB w="12700" cap="flat" cmpd="sng" algn="ctr">
+                      <a:solidFill>
+                        <a:srgbClr val="000000"/>
+                      </a:solidFill>
+                      <a:prstDash val="solid"/>
+                      <a:round/>
+                      <a:headEnd type="none" w="med" len="med"/>
+                      <a:tailEnd type="none" w="med" len="med"/>
+                    </a:lnB>
+                  </a:tcPr>
+                </a:tc>
+                <a:tc>
+                  <a:txBody>
+                    <a:bodyPr/>
+                    <a:lstStyle/>
+                    <a:p>
+                      <a:pPr marL="0" marR="0" algn="ctr">
+                        <a:lnSpc>
+                          <a:spcPct val="115000"/>
+                        </a:lnSpc>
+                        <a:spcBef>
+                          <a:spcPts val="0"/>
+                        </a:spcBef>
+                        <a:spcAft>
+                          <a:spcPts val="0"/>
+                        </a:spcAft>
+                      </a:pPr>
+                      <a:r>
+                        <a:rPr lang="en-US" sz="1400">
+                          <a:solidFill>
+                            <a:srgbClr val="000000"/>
+                          </a:solidFill>
+                          <a:latin typeface="Calibri"/>
+                          <a:ea typeface="Times New Roman"/>
+                          <a:cs typeface="Times New Roman"/>
+                        </a:rPr>
+                        <a:t>System</a:t>
+                      </a:r>
+                      <a:endParaRPr lang="en-US" sz="1100">
+                        <a:latin typeface="Calibri"/>
+                        <a:ea typeface="Calibri"/>
+                        <a:cs typeface="Times New Roman"/>
+                      </a:endParaRPr>
+                    </a:p>
+                  </a:txBody>
+                  <a:tcPr marL="67217" marR="67217" marT="0" marB="0" anchor="b">
+                    <a:lnL w="12700" cap="flat" cmpd="sng" algn="ctr">
+                      <a:solidFill>
+                        <a:srgbClr val="000000"/>
+                      </a:solidFill>
+                      <a:prstDash val="solid"/>
+                      <a:round/>
+                      <a:headEnd type="none" w="med" len="med"/>
+                      <a:tailEnd type="none" w="med" len="med"/>
+                    </a:lnL>
+                    <a:lnR w="12700" cap="flat" cmpd="sng" algn="ctr">
+                      <a:solidFill>
+                        <a:srgbClr val="000000"/>
+                      </a:solidFill>
+                      <a:prstDash val="solid"/>
+                      <a:round/>
+                      <a:headEnd type="none" w="med" len="med"/>
+                      <a:tailEnd type="none" w="med" len="med"/>
+                    </a:lnR>
+                    <a:lnT w="12700" cap="flat" cmpd="sng" algn="ctr">
+                      <a:solidFill>
+                        <a:srgbClr val="000000"/>
+                      </a:solidFill>
+                      <a:prstDash val="solid"/>
+                      <a:round/>
+                      <a:headEnd type="none" w="med" len="med"/>
+                      <a:tailEnd type="none" w="med" len="med"/>
+                    </a:lnT>
+                    <a:lnB w="12700" cap="flat" cmpd="sng" algn="ctr">
+                      <a:solidFill>
+                        <a:srgbClr val="000000"/>
+                      </a:solidFill>
+                      <a:prstDash val="solid"/>
+                      <a:round/>
+                      <a:headEnd type="none" w="med" len="med"/>
+                      <a:tailEnd type="none" w="med" len="med"/>
+                    </a:lnB>
+                  </a:tcPr>
+                </a:tc>
+              </a:tr>
+              <a:tr h="480973">
+                <a:tc>
+                  <a:txBody>
+                    <a:bodyPr/>
+                    <a:lstStyle/>
+                    <a:p>
+                      <a:pPr marL="0" marR="0" algn="l">
+                        <a:lnSpc>
+                          <a:spcPct val="115000"/>
+                        </a:lnSpc>
+                        <a:spcBef>
+                          <a:spcPts val="0"/>
+                        </a:spcBef>
+                        <a:spcAft>
+                          <a:spcPts val="0"/>
+                        </a:spcAft>
+                      </a:pPr>
+                      <a:r>
+                        <a:rPr lang="en-US" sz="1400">
+                          <a:solidFill>
+                            <a:srgbClr val="000000"/>
+                          </a:solidFill>
+                          <a:latin typeface="Calibri"/>
+                          <a:ea typeface="Times New Roman"/>
+                          <a:cs typeface="Times New Roman"/>
+                        </a:rPr>
+                        <a:t> </a:t>
+                      </a:r>
+                      <a:endParaRPr lang="en-US" sz="1100">
+                        <a:latin typeface="Calibri"/>
+                        <a:ea typeface="Calibri"/>
+                        <a:cs typeface="Times New Roman"/>
+                      </a:endParaRPr>
+                    </a:p>
+                  </a:txBody>
+                  <a:tcPr marL="67217" marR="67217" marT="0" marB="0" anchor="b">
+                    <a:lnL w="12700" cap="flat" cmpd="sng" algn="ctr">
+                      <a:solidFill>
+                        <a:srgbClr val="000000"/>
+                      </a:solidFill>
+                      <a:prstDash val="solid"/>
+                      <a:round/>
+                      <a:headEnd type="none" w="med" len="med"/>
+                      <a:tailEnd type="none" w="med" len="med"/>
+                    </a:lnL>
+                    <a:lnR w="12700" cap="flat" cmpd="sng" algn="ctr">
+                      <a:solidFill>
+                        <a:srgbClr val="000000"/>
+                      </a:solidFill>
+                      <a:prstDash val="solid"/>
+                      <a:round/>
+                      <a:headEnd type="none" w="med" len="med"/>
+                      <a:tailEnd type="none" w="med" len="med"/>
+                    </a:lnR>
+                    <a:lnT w="12700" cap="flat" cmpd="sng" algn="ctr">
+                      <a:solidFill>
+                        <a:srgbClr val="000000"/>
+                      </a:solidFill>
+                      <a:prstDash val="solid"/>
+                      <a:round/>
+                      <a:headEnd type="none" w="med" len="med"/>
+                      <a:tailEnd type="none" w="med" len="med"/>
+                    </a:lnT>
+                    <a:lnB w="12700" cap="flat" cmpd="sng" algn="ctr">
+                      <a:solidFill>
+                        <a:srgbClr val="000000"/>
+                      </a:solidFill>
+                      <a:prstDash val="solid"/>
+                      <a:round/>
+                      <a:headEnd type="none" w="med" len="med"/>
+                      <a:tailEnd type="none" w="med" len="med"/>
+                    </a:lnB>
+                  </a:tcPr>
+                </a:tc>
+                <a:tc>
+                  <a:txBody>
+                    <a:bodyPr/>
+                    <a:lstStyle/>
+                    <a:p>
+                      <a:pPr marL="0" marR="0" indent="177800" algn="l">
+                        <a:lnSpc>
+                          <a:spcPct val="115000"/>
+                        </a:lnSpc>
+                        <a:spcBef>
+                          <a:spcPts val="0"/>
+                        </a:spcBef>
+                        <a:spcAft>
+                          <a:spcPts val="0"/>
+                        </a:spcAft>
+                      </a:pPr>
+                      <a:r>
+                        <a:rPr lang="en-US" sz="1400">
+                          <a:solidFill>
+                            <a:srgbClr val="000000"/>
+                          </a:solidFill>
+                          <a:latin typeface="Calibri"/>
+                          <a:ea typeface="Times New Roman"/>
+                          <a:cs typeface="Times New Roman"/>
+                        </a:rPr>
+                        <a:t>0. The system displays any page on the forum domain.</a:t>
+                      </a:r>
+                      <a:endParaRPr lang="en-US" sz="1100">
+                        <a:latin typeface="Calibri"/>
+                        <a:ea typeface="Calibri"/>
+                        <a:cs typeface="Times New Roman"/>
+                      </a:endParaRPr>
+                    </a:p>
+                  </a:txBody>
+                  <a:tcPr marL="67217" marR="67217" marT="0" marB="0" anchor="b">
+                    <a:lnL w="12700" cap="flat" cmpd="sng" algn="ctr">
+                      <a:solidFill>
+                        <a:srgbClr val="000000"/>
+                      </a:solidFill>
+                      <a:prstDash val="solid"/>
+                      <a:round/>
+                      <a:headEnd type="none" w="med" len="med"/>
+                      <a:tailEnd type="none" w="med" len="med"/>
+                    </a:lnL>
+                    <a:lnR w="12700" cap="flat" cmpd="sng" algn="ctr">
+                      <a:solidFill>
+                        <a:srgbClr val="000000"/>
+                      </a:solidFill>
+                      <a:prstDash val="solid"/>
+                      <a:round/>
+                      <a:headEnd type="none" w="med" len="med"/>
+                      <a:tailEnd type="none" w="med" len="med"/>
+                    </a:lnR>
+                    <a:lnT w="12700" cap="flat" cmpd="sng" algn="ctr">
+                      <a:solidFill>
+                        <a:srgbClr val="000000"/>
+                      </a:solidFill>
+                      <a:prstDash val="solid"/>
+                      <a:round/>
+                      <a:headEnd type="none" w="med" len="med"/>
+                      <a:tailEnd type="none" w="med" len="med"/>
+                    </a:lnT>
+                    <a:lnB w="12700" cap="flat" cmpd="sng" algn="ctr">
+                      <a:solidFill>
+                        <a:srgbClr val="000000"/>
+                      </a:solidFill>
+                      <a:prstDash val="solid"/>
+                      <a:round/>
+                      <a:headEnd type="none" w="med" len="med"/>
+                      <a:tailEnd type="none" w="med" len="med"/>
+                    </a:lnB>
+                  </a:tcPr>
+                </a:tc>
+              </a:tr>
+              <a:tr h="480973">
+                <a:tc>
+                  <a:txBody>
+                    <a:bodyPr/>
+                    <a:lstStyle/>
+                    <a:p>
+                      <a:pPr marL="0" marR="0" indent="177800" algn="l">
+                        <a:lnSpc>
+                          <a:spcPct val="115000"/>
+                        </a:lnSpc>
+                        <a:spcBef>
+                          <a:spcPts val="0"/>
+                        </a:spcBef>
+                        <a:spcAft>
+                          <a:spcPts val="0"/>
+                        </a:spcAft>
+                      </a:pPr>
+                      <a:r>
+                        <a:rPr lang="en-US" sz="1400">
+                          <a:solidFill>
+                            <a:srgbClr val="000000"/>
+                          </a:solidFill>
+                          <a:latin typeface="Calibri"/>
+                          <a:ea typeface="Times New Roman"/>
+                          <a:cs typeface="Times New Roman"/>
+                        </a:rPr>
+                        <a:t>1. The guest user enters a search criteria in the search bar.</a:t>
+                      </a:r>
+                      <a:endParaRPr lang="en-US" sz="1100">
+                        <a:latin typeface="Calibri"/>
+                        <a:ea typeface="Calibri"/>
+                        <a:cs typeface="Times New Roman"/>
+                      </a:endParaRPr>
+                    </a:p>
+                  </a:txBody>
+                  <a:tcPr marL="67217" marR="67217" marT="0" marB="0" anchor="b">
+                    <a:lnL w="12700" cap="flat" cmpd="sng" algn="ctr">
+                      <a:solidFill>
+                        <a:srgbClr val="000000"/>
+                      </a:solidFill>
+                      <a:prstDash val="solid"/>
+                      <a:round/>
+                      <a:headEnd type="none" w="med" len="med"/>
+                      <a:tailEnd type="none" w="med" len="med"/>
+                    </a:lnL>
+                    <a:lnR w="12700" cap="flat" cmpd="sng" algn="ctr">
+                      <a:solidFill>
+                        <a:srgbClr val="000000"/>
+                      </a:solidFill>
+                      <a:prstDash val="solid"/>
+                      <a:round/>
+                      <a:headEnd type="none" w="med" len="med"/>
+                      <a:tailEnd type="none" w="med" len="med"/>
+                    </a:lnR>
+                    <a:lnT w="12700" cap="flat" cmpd="sng" algn="ctr">
+                      <a:solidFill>
+                        <a:srgbClr val="000000"/>
+                      </a:solidFill>
+                      <a:prstDash val="solid"/>
+                      <a:round/>
+                      <a:headEnd type="none" w="med" len="med"/>
+                      <a:tailEnd type="none" w="med" len="med"/>
+                    </a:lnT>
+                    <a:lnB w="12700" cap="flat" cmpd="sng" algn="ctr">
+                      <a:solidFill>
+                        <a:srgbClr val="000000"/>
+                      </a:solidFill>
+                      <a:prstDash val="solid"/>
+                      <a:round/>
+                      <a:headEnd type="none" w="med" len="med"/>
+                      <a:tailEnd type="none" w="med" len="med"/>
+                    </a:lnB>
+                  </a:tcPr>
+                </a:tc>
+                <a:tc>
+                  <a:txBody>
+                    <a:bodyPr/>
+                    <a:lstStyle/>
+                    <a:p>
+                      <a:pPr marL="0" marR="0" indent="177800" algn="l">
+                        <a:lnSpc>
+                          <a:spcPct val="115000"/>
+                        </a:lnSpc>
+                        <a:spcBef>
+                          <a:spcPts val="0"/>
+                        </a:spcBef>
+                        <a:spcAft>
+                          <a:spcPts val="0"/>
+                        </a:spcAft>
+                      </a:pPr>
+                      <a:r>
+                        <a:rPr lang="en-US" sz="1400">
+                          <a:solidFill>
+                            <a:srgbClr val="000000"/>
+                          </a:solidFill>
+                          <a:latin typeface="Calibri"/>
+                          <a:ea typeface="Times New Roman"/>
+                          <a:cs typeface="Times New Roman"/>
+                        </a:rPr>
+                        <a:t>2. The system displays any topics from the given search criteria.</a:t>
+                      </a:r>
+                      <a:endParaRPr lang="en-US" sz="1100">
+                        <a:latin typeface="Calibri"/>
+                        <a:ea typeface="Calibri"/>
+                        <a:cs typeface="Times New Roman"/>
+                      </a:endParaRPr>
+                    </a:p>
+                  </a:txBody>
+                  <a:tcPr marL="67217" marR="67217" marT="0" marB="0" anchor="b">
+                    <a:lnL w="12700" cap="flat" cmpd="sng" algn="ctr">
+                      <a:solidFill>
+                        <a:srgbClr val="000000"/>
+                      </a:solidFill>
+                      <a:prstDash val="solid"/>
+                      <a:round/>
+                      <a:headEnd type="none" w="med" len="med"/>
+                      <a:tailEnd type="none" w="med" len="med"/>
+                    </a:lnL>
+                    <a:lnR w="12700" cap="flat" cmpd="sng" algn="ctr">
+                      <a:solidFill>
+                        <a:srgbClr val="000000"/>
+                      </a:solidFill>
+                      <a:prstDash val="solid"/>
+                      <a:round/>
+                      <a:headEnd type="none" w="med" len="med"/>
+                      <a:tailEnd type="none" w="med" len="med"/>
+                    </a:lnR>
+                    <a:lnT w="12700" cap="flat" cmpd="sng" algn="ctr">
+                      <a:solidFill>
+                        <a:srgbClr val="000000"/>
+                      </a:solidFill>
+                      <a:prstDash val="solid"/>
+                      <a:round/>
+                      <a:headEnd type="none" w="med" len="med"/>
+                      <a:tailEnd type="none" w="med" len="med"/>
+                    </a:lnT>
+                    <a:lnB w="12700" cap="flat" cmpd="sng" algn="ctr">
+                      <a:solidFill>
+                        <a:srgbClr val="000000"/>
+                      </a:solidFill>
+                      <a:prstDash val="solid"/>
+                      <a:round/>
+                      <a:headEnd type="none" w="med" len="med"/>
+                      <a:tailEnd type="none" w="med" len="med"/>
+                    </a:lnB>
+                  </a:tcPr>
+                </a:tc>
+              </a:tr>
+              <a:tr h="480973">
+                <a:tc>
+                  <a:txBody>
+                    <a:bodyPr/>
+                    <a:lstStyle/>
+                    <a:p>
+                      <a:pPr marL="0" marR="0" indent="177800" algn="l">
+                        <a:lnSpc>
+                          <a:spcPct val="115000"/>
+                        </a:lnSpc>
+                        <a:spcBef>
+                          <a:spcPts val="0"/>
+                        </a:spcBef>
+                        <a:spcAft>
+                          <a:spcPts val="0"/>
+                        </a:spcAft>
+                      </a:pPr>
+                      <a:r>
+                        <a:rPr lang="en-US" sz="1400">
+                          <a:solidFill>
+                            <a:srgbClr val="000000"/>
+                          </a:solidFill>
+                          <a:latin typeface="Calibri"/>
+                          <a:ea typeface="Times New Roman"/>
+                          <a:cs typeface="Times New Roman"/>
+                        </a:rPr>
+                        <a:t>3. The guest user may select from the given results.</a:t>
+                      </a:r>
+                      <a:endParaRPr lang="en-US" sz="1100">
+                        <a:latin typeface="Calibri"/>
+                        <a:ea typeface="Calibri"/>
+                        <a:cs typeface="Times New Roman"/>
+                      </a:endParaRPr>
+                    </a:p>
+                  </a:txBody>
+                  <a:tcPr marL="67217" marR="67217" marT="0" marB="0" anchor="b">
+                    <a:lnL w="12700" cap="flat" cmpd="sng" algn="ctr">
+                      <a:solidFill>
+                        <a:srgbClr val="000000"/>
+                      </a:solidFill>
+                      <a:prstDash val="solid"/>
+                      <a:round/>
+                      <a:headEnd type="none" w="med" len="med"/>
+                      <a:tailEnd type="none" w="med" len="med"/>
+                    </a:lnL>
+                    <a:lnR w="12700" cap="flat" cmpd="sng" algn="ctr">
+                      <a:solidFill>
+                        <a:srgbClr val="000000"/>
+                      </a:solidFill>
+                      <a:prstDash val="solid"/>
+                      <a:round/>
+                      <a:headEnd type="none" w="med" len="med"/>
+                      <a:tailEnd type="none" w="med" len="med"/>
+                    </a:lnR>
+                    <a:lnT w="12700" cap="flat" cmpd="sng" algn="ctr">
+                      <a:solidFill>
+                        <a:srgbClr val="000000"/>
+                      </a:solidFill>
+                      <a:prstDash val="solid"/>
+                      <a:round/>
+                      <a:headEnd type="none" w="med" len="med"/>
+                      <a:tailEnd type="none" w="med" len="med"/>
+                    </a:lnT>
+                    <a:lnB w="12700" cap="flat" cmpd="sng" algn="ctr">
+                      <a:solidFill>
+                        <a:srgbClr val="000000"/>
+                      </a:solidFill>
+                      <a:prstDash val="solid"/>
+                      <a:round/>
+                      <a:headEnd type="none" w="med" len="med"/>
+                      <a:tailEnd type="none" w="med" len="med"/>
+                    </a:lnB>
+                  </a:tcPr>
+                </a:tc>
+                <a:tc>
+                  <a:txBody>
+                    <a:bodyPr/>
+                    <a:lstStyle/>
+                    <a:p>
+                      <a:pPr marL="0" marR="0" indent="177800" algn="l">
+                        <a:lnSpc>
+                          <a:spcPct val="115000"/>
+                        </a:lnSpc>
+                        <a:spcBef>
+                          <a:spcPts val="0"/>
+                        </a:spcBef>
+                        <a:spcAft>
+                          <a:spcPts val="0"/>
+                        </a:spcAft>
+                      </a:pPr>
+                      <a:r>
+                        <a:rPr lang="en-US" sz="1400" dirty="0">
+                          <a:solidFill>
+                            <a:srgbClr val="000000"/>
+                          </a:solidFill>
+                          <a:latin typeface="Calibri"/>
+                          <a:ea typeface="Times New Roman"/>
+                          <a:cs typeface="Times New Roman"/>
+                        </a:rPr>
+                        <a:t>3. The system will display the selected thread.</a:t>
+                      </a:r>
+                      <a:endParaRPr lang="en-US" sz="1100" dirty="0">
+                        <a:latin typeface="Calibri"/>
+                        <a:ea typeface="Calibri"/>
+                        <a:cs typeface="Times New Roman"/>
+                      </a:endParaRPr>
+                    </a:p>
+                  </a:txBody>
+                  <a:tcPr marL="67217" marR="67217" marT="0" marB="0" anchor="b">
+                    <a:lnL w="12700" cap="flat" cmpd="sng" algn="ctr">
+                      <a:solidFill>
+                        <a:srgbClr val="000000"/>
+                      </a:solidFill>
+                      <a:prstDash val="solid"/>
+                      <a:round/>
+                      <a:headEnd type="none" w="med" len="med"/>
+                      <a:tailEnd type="none" w="med" len="med"/>
+                    </a:lnL>
+                    <a:lnR w="12700" cap="flat" cmpd="sng" algn="ctr">
+                      <a:solidFill>
+                        <a:srgbClr val="000000"/>
+                      </a:solidFill>
+                      <a:prstDash val="solid"/>
+                      <a:round/>
+                      <a:headEnd type="none" w="med" len="med"/>
+                      <a:tailEnd type="none" w="med" len="med"/>
+                    </a:lnR>
+                    <a:lnT w="12700" cap="flat" cmpd="sng" algn="ctr">
+                      <a:solidFill>
+                        <a:srgbClr val="000000"/>
+                      </a:solidFill>
+                      <a:prstDash val="solid"/>
+                      <a:round/>
+                      <a:headEnd type="none" w="med" len="med"/>
+                      <a:tailEnd type="none" w="med" len="med"/>
+                    </a:lnT>
+                    <a:lnB w="12700" cap="flat" cmpd="sng" algn="ctr">
+                      <a:solidFill>
+                        <a:srgbClr val="000000"/>
+                      </a:solidFill>
+                      <a:prstDash val="solid"/>
+                      <a:round/>
+                      <a:headEnd type="none" w="med" len="med"/>
+                      <a:tailEnd type="none" w="med" len="med"/>
+                    </a:lnB>
+                  </a:tcPr>
+                </a:tc>
+              </a:tr>
+            </a:tbl>
+          </a:graphicData>
+        </a:graphic>
+      </p:graphicFrame>
     </p:spTree>
   </p:cSld>
   <p:clrMapOvr>
@@ -6833,1254 +6881,42 @@
           <a:p>
             <a:r>
               <a:rPr lang="en-US" dirty="0" smtClean="0"/>
-              <a:t>Faculty - Login</a:t>
+              <a:t>Search</a:t>
             </a:r>
             <a:endParaRPr lang="en-US" dirty="0"/>
           </a:p>
         </p:txBody>
       </p:sp>
-      <p:graphicFrame>
-        <p:nvGraphicFramePr>
-          <p:cNvPr id="4" name="Table 3"/>
-          <p:cNvGraphicFramePr>
-            <a:graphicFrameLocks noGrp="1"/>
-          </p:cNvGraphicFramePr>
+      <p:pic>
+        <p:nvPicPr>
+          <p:cNvPr id="4" name="Picture 3"/>
+          <p:cNvPicPr/>
           <p:nvPr/>
-        </p:nvGraphicFramePr>
-        <p:xfrm>
-          <a:off x="1447800" y="923925"/>
-          <a:ext cx="6096000" cy="2935522"/>
-        </p:xfrm>
-        <a:graphic>
-          <a:graphicData uri="http://schemas.openxmlformats.org/drawingml/2006/table">
-            <a:tbl>
-              <a:tblPr/>
-              <a:tblGrid>
-                <a:gridCol w="3058973"/>
-                <a:gridCol w="3037027"/>
-              </a:tblGrid>
-              <a:tr h="306589">
-                <a:tc>
-                  <a:txBody>
-                    <a:bodyPr/>
-                    <a:lstStyle/>
-                    <a:p>
-                      <a:pPr marL="0" marR="0" algn="ctr">
-                        <a:lnSpc>
-                          <a:spcPct val="115000"/>
-                        </a:lnSpc>
-                        <a:spcBef>
-                          <a:spcPts val="0"/>
-                        </a:spcBef>
-                        <a:spcAft>
-                          <a:spcPts val="0"/>
-                        </a:spcAft>
-                      </a:pPr>
-                      <a:r>
-                        <a:rPr lang="en-US" sz="1600" b="1" i="1">
-                          <a:solidFill>
-                            <a:srgbClr val="000000"/>
-                          </a:solidFill>
-                          <a:latin typeface="Calibri"/>
-                          <a:ea typeface="Times New Roman"/>
-                          <a:cs typeface="Times New Roman"/>
-                        </a:rPr>
-                        <a:t>Faculty</a:t>
-                      </a:r>
-                      <a:endParaRPr lang="en-US" sz="1100">
-                        <a:latin typeface="Calibri"/>
-                        <a:ea typeface="Calibri"/>
-                        <a:cs typeface="Times New Roman"/>
-                      </a:endParaRPr>
-                    </a:p>
-                  </a:txBody>
-                  <a:tcPr marL="68580" marR="68580" marT="0" marB="0" anchor="b">
-                    <a:lnL>
-                      <a:noFill/>
-                    </a:lnL>
-                    <a:lnR>
-                      <a:noFill/>
-                    </a:lnR>
-                    <a:lnT>
-                      <a:noFill/>
-                    </a:lnT>
-                    <a:lnB w="12700" cap="flat" cmpd="sng" algn="ctr">
-                      <a:solidFill>
-                        <a:srgbClr val="000000"/>
-                      </a:solidFill>
-                      <a:prstDash val="solid"/>
-                      <a:round/>
-                      <a:headEnd type="none" w="med" len="med"/>
-                      <a:tailEnd type="none" w="med" len="med"/>
-                    </a:lnB>
-                  </a:tcPr>
-                </a:tc>
-                <a:tc>
-                  <a:txBody>
-                    <a:bodyPr/>
-                    <a:lstStyle/>
-                    <a:p>
-                      <a:pPr algn="l">
-                        <a:lnSpc>
-                          <a:spcPct val="115000"/>
-                        </a:lnSpc>
-                      </a:pPr>
-                      <a:endParaRPr lang="en-US" sz="1100">
-                        <a:latin typeface="Calibri"/>
-                        <a:ea typeface="Times New Roman"/>
-                      </a:endParaRPr>
-                    </a:p>
-                  </a:txBody>
-                  <a:tcPr marL="68580" marR="68580" marT="0" marB="0" anchor="b">
-                    <a:lnL>
-                      <a:noFill/>
-                    </a:lnL>
-                    <a:lnR>
-                      <a:noFill/>
-                    </a:lnR>
-                    <a:lnT>
-                      <a:noFill/>
-                    </a:lnT>
-                    <a:lnB w="12700" cap="flat" cmpd="sng" algn="ctr">
-                      <a:solidFill>
-                        <a:srgbClr val="000000"/>
-                      </a:solidFill>
-                      <a:prstDash val="solid"/>
-                      <a:round/>
-                      <a:headEnd type="none" w="med" len="med"/>
-                      <a:tailEnd type="none" w="med" len="med"/>
-                    </a:lnB>
-                  </a:tcPr>
-                </a:tc>
-              </a:tr>
-              <a:tr h="268265">
-                <a:tc>
-                  <a:txBody>
-                    <a:bodyPr/>
-                    <a:lstStyle/>
-                    <a:p>
-                      <a:pPr marL="0" marR="0" algn="ctr">
-                        <a:lnSpc>
-                          <a:spcPct val="115000"/>
-                        </a:lnSpc>
-                        <a:spcBef>
-                          <a:spcPts val="0"/>
-                        </a:spcBef>
-                        <a:spcAft>
-                          <a:spcPts val="0"/>
-                        </a:spcAft>
-                      </a:pPr>
-                      <a:r>
-                        <a:rPr lang="en-US" sz="1400">
-                          <a:solidFill>
-                            <a:srgbClr val="000000"/>
-                          </a:solidFill>
-                          <a:latin typeface="Calibri"/>
-                          <a:ea typeface="Times New Roman"/>
-                          <a:cs typeface="Times New Roman"/>
-                        </a:rPr>
-                        <a:t>Title</a:t>
-                      </a:r>
-                      <a:endParaRPr lang="en-US" sz="1100">
-                        <a:latin typeface="Calibri"/>
-                        <a:ea typeface="Calibri"/>
-                        <a:cs typeface="Times New Roman"/>
-                      </a:endParaRPr>
-                    </a:p>
-                  </a:txBody>
-                  <a:tcPr marL="68580" marR="68580" marT="0" marB="0" anchor="b">
-                    <a:lnL w="12700" cap="flat" cmpd="sng" algn="ctr">
-                      <a:solidFill>
-                        <a:srgbClr val="000000"/>
-                      </a:solidFill>
-                      <a:prstDash val="solid"/>
-                      <a:round/>
-                      <a:headEnd type="none" w="med" len="med"/>
-                      <a:tailEnd type="none" w="med" len="med"/>
-                    </a:lnL>
-                    <a:lnR w="12700" cap="flat" cmpd="sng" algn="ctr">
-                      <a:solidFill>
-                        <a:srgbClr val="000000"/>
-                      </a:solidFill>
-                      <a:prstDash val="solid"/>
-                      <a:round/>
-                      <a:headEnd type="none" w="med" len="med"/>
-                      <a:tailEnd type="none" w="med" len="med"/>
-                    </a:lnR>
-                    <a:lnT w="12700" cap="flat" cmpd="sng" algn="ctr">
-                      <a:solidFill>
-                        <a:srgbClr val="000000"/>
-                      </a:solidFill>
-                      <a:prstDash val="solid"/>
-                      <a:round/>
-                      <a:headEnd type="none" w="med" len="med"/>
-                      <a:tailEnd type="none" w="med" len="med"/>
-                    </a:lnT>
-                    <a:lnB w="12700" cap="flat" cmpd="sng" algn="ctr">
-                      <a:solidFill>
-                        <a:srgbClr val="000000"/>
-                      </a:solidFill>
-                      <a:prstDash val="solid"/>
-                      <a:round/>
-                      <a:headEnd type="none" w="med" len="med"/>
-                      <a:tailEnd type="none" w="med" len="med"/>
-                    </a:lnB>
-                  </a:tcPr>
-                </a:tc>
-                <a:tc>
-                  <a:txBody>
-                    <a:bodyPr/>
-                    <a:lstStyle/>
-                    <a:p>
-                      <a:pPr marL="0" marR="0" indent="178435" algn="l">
-                        <a:lnSpc>
-                          <a:spcPct val="115000"/>
-                        </a:lnSpc>
-                        <a:spcBef>
-                          <a:spcPts val="0"/>
-                        </a:spcBef>
-                        <a:spcAft>
-                          <a:spcPts val="0"/>
-                        </a:spcAft>
-                      </a:pPr>
-                      <a:r>
-                        <a:rPr lang="en-US" sz="1400" b="1">
-                          <a:solidFill>
-                            <a:srgbClr val="000000"/>
-                          </a:solidFill>
-                          <a:latin typeface="Calibri"/>
-                          <a:ea typeface="Times New Roman"/>
-                          <a:cs typeface="Times New Roman"/>
-                        </a:rPr>
-                        <a:t>Login</a:t>
-                      </a:r>
-                      <a:endParaRPr lang="en-US" sz="1100">
-                        <a:latin typeface="Calibri"/>
-                        <a:ea typeface="Calibri"/>
-                        <a:cs typeface="Times New Roman"/>
-                      </a:endParaRPr>
-                    </a:p>
-                  </a:txBody>
-                  <a:tcPr marL="68580" marR="68580" marT="0" marB="0" anchor="b">
-                    <a:lnL w="12700" cap="flat" cmpd="sng" algn="ctr">
-                      <a:solidFill>
-                        <a:srgbClr val="000000"/>
-                      </a:solidFill>
-                      <a:prstDash val="solid"/>
-                      <a:round/>
-                      <a:headEnd type="none" w="med" len="med"/>
-                      <a:tailEnd type="none" w="med" len="med"/>
-                    </a:lnL>
-                    <a:lnR w="12700" cap="flat" cmpd="sng" algn="ctr">
-                      <a:solidFill>
-                        <a:srgbClr val="000000"/>
-                      </a:solidFill>
-                      <a:prstDash val="solid"/>
-                      <a:round/>
-                      <a:headEnd type="none" w="med" len="med"/>
-                      <a:tailEnd type="none" w="med" len="med"/>
-                    </a:lnR>
-                    <a:lnT w="12700" cap="flat" cmpd="sng" algn="ctr">
-                      <a:solidFill>
-                        <a:srgbClr val="000000"/>
-                      </a:solidFill>
-                      <a:prstDash val="solid"/>
-                      <a:round/>
-                      <a:headEnd type="none" w="med" len="med"/>
-                      <a:tailEnd type="none" w="med" len="med"/>
-                    </a:lnT>
-                    <a:lnB w="12700" cap="flat" cmpd="sng" algn="ctr">
-                      <a:solidFill>
-                        <a:srgbClr val="000000"/>
-                      </a:solidFill>
-                      <a:prstDash val="solid"/>
-                      <a:round/>
-                      <a:headEnd type="none" w="med" len="med"/>
-                      <a:tailEnd type="none" w="med" len="med"/>
-                    </a:lnB>
-                  </a:tcPr>
-                </a:tc>
-              </a:tr>
-              <a:tr h="268265">
-                <a:tc>
-                  <a:txBody>
-                    <a:bodyPr/>
-                    <a:lstStyle/>
-                    <a:p>
-                      <a:pPr marL="0" marR="0" algn="ctr">
-                        <a:lnSpc>
-                          <a:spcPct val="115000"/>
-                        </a:lnSpc>
-                        <a:spcBef>
-                          <a:spcPts val="0"/>
-                        </a:spcBef>
-                        <a:spcAft>
-                          <a:spcPts val="0"/>
-                        </a:spcAft>
-                      </a:pPr>
-                      <a:r>
-                        <a:rPr lang="en-US" sz="1400">
-                          <a:solidFill>
-                            <a:srgbClr val="000000"/>
-                          </a:solidFill>
-                          <a:latin typeface="Calibri"/>
-                          <a:ea typeface="Times New Roman"/>
-                          <a:cs typeface="Times New Roman"/>
-                        </a:rPr>
-                        <a:t>Summary</a:t>
-                      </a:r>
-                      <a:endParaRPr lang="en-US" sz="1100">
-                        <a:latin typeface="Calibri"/>
-                        <a:ea typeface="Calibri"/>
-                        <a:cs typeface="Times New Roman"/>
-                      </a:endParaRPr>
-                    </a:p>
-                  </a:txBody>
-                  <a:tcPr marL="68580" marR="68580" marT="0" marB="0" anchor="b">
-                    <a:lnL w="12700" cap="flat" cmpd="sng" algn="ctr">
-                      <a:solidFill>
-                        <a:srgbClr val="000000"/>
-                      </a:solidFill>
-                      <a:prstDash val="solid"/>
-                      <a:round/>
-                      <a:headEnd type="none" w="med" len="med"/>
-                      <a:tailEnd type="none" w="med" len="med"/>
-                    </a:lnL>
-                    <a:lnR w="12700" cap="flat" cmpd="sng" algn="ctr">
-                      <a:solidFill>
-                        <a:srgbClr val="000000"/>
-                      </a:solidFill>
-                      <a:prstDash val="solid"/>
-                      <a:round/>
-                      <a:headEnd type="none" w="med" len="med"/>
-                      <a:tailEnd type="none" w="med" len="med"/>
-                    </a:lnR>
-                    <a:lnT w="12700" cap="flat" cmpd="sng" algn="ctr">
-                      <a:solidFill>
-                        <a:srgbClr val="000000"/>
-                      </a:solidFill>
-                      <a:prstDash val="solid"/>
-                      <a:round/>
-                      <a:headEnd type="none" w="med" len="med"/>
-                      <a:tailEnd type="none" w="med" len="med"/>
-                    </a:lnT>
-                    <a:lnB w="12700" cap="flat" cmpd="sng" algn="ctr">
-                      <a:solidFill>
-                        <a:srgbClr val="000000"/>
-                      </a:solidFill>
-                      <a:prstDash val="solid"/>
-                      <a:round/>
-                      <a:headEnd type="none" w="med" len="med"/>
-                      <a:tailEnd type="none" w="med" len="med"/>
-                    </a:lnB>
-                  </a:tcPr>
-                </a:tc>
-                <a:tc>
-                  <a:txBody>
-                    <a:bodyPr/>
-                    <a:lstStyle/>
-                    <a:p>
-                      <a:pPr marL="0" marR="0" indent="177800" algn="l">
-                        <a:lnSpc>
-                          <a:spcPct val="115000"/>
-                        </a:lnSpc>
-                        <a:spcBef>
-                          <a:spcPts val="0"/>
-                        </a:spcBef>
-                        <a:spcAft>
-                          <a:spcPts val="0"/>
-                        </a:spcAft>
-                      </a:pPr>
-                      <a:r>
-                        <a:rPr lang="en-US" sz="1400">
-                          <a:solidFill>
-                            <a:srgbClr val="000000"/>
-                          </a:solidFill>
-                          <a:latin typeface="Calibri"/>
-                          <a:ea typeface="Times New Roman"/>
-                          <a:cs typeface="Times New Roman"/>
-                        </a:rPr>
-                        <a:t>Users with accounts can login</a:t>
-                      </a:r>
-                      <a:endParaRPr lang="en-US" sz="1100">
-                        <a:latin typeface="Calibri"/>
-                        <a:ea typeface="Calibri"/>
-                        <a:cs typeface="Times New Roman"/>
-                      </a:endParaRPr>
-                    </a:p>
-                  </a:txBody>
-                  <a:tcPr marL="68580" marR="68580" marT="0" marB="0" anchor="b">
-                    <a:lnL w="12700" cap="flat" cmpd="sng" algn="ctr">
-                      <a:solidFill>
-                        <a:srgbClr val="000000"/>
-                      </a:solidFill>
-                      <a:prstDash val="solid"/>
-                      <a:round/>
-                      <a:headEnd type="none" w="med" len="med"/>
-                      <a:tailEnd type="none" w="med" len="med"/>
-                    </a:lnL>
-                    <a:lnR w="12700" cap="flat" cmpd="sng" algn="ctr">
-                      <a:solidFill>
-                        <a:srgbClr val="000000"/>
-                      </a:solidFill>
-                      <a:prstDash val="solid"/>
-                      <a:round/>
-                      <a:headEnd type="none" w="med" len="med"/>
-                      <a:tailEnd type="none" w="med" len="med"/>
-                    </a:lnR>
-                    <a:lnT w="12700" cap="flat" cmpd="sng" algn="ctr">
-                      <a:solidFill>
-                        <a:srgbClr val="000000"/>
-                      </a:solidFill>
-                      <a:prstDash val="solid"/>
-                      <a:round/>
-                      <a:headEnd type="none" w="med" len="med"/>
-                      <a:tailEnd type="none" w="med" len="med"/>
-                    </a:lnT>
-                    <a:lnB w="12700" cap="flat" cmpd="sng" algn="ctr">
-                      <a:solidFill>
-                        <a:srgbClr val="000000"/>
-                      </a:solidFill>
-                      <a:prstDash val="solid"/>
-                      <a:round/>
-                      <a:headEnd type="none" w="med" len="med"/>
-                      <a:tailEnd type="none" w="med" len="med"/>
-                    </a:lnB>
-                  </a:tcPr>
-                </a:tc>
-              </a:tr>
-              <a:tr h="268265">
-                <a:tc>
-                  <a:txBody>
-                    <a:bodyPr/>
-                    <a:lstStyle/>
-                    <a:p>
-                      <a:pPr marL="0" marR="0" algn="ctr">
-                        <a:lnSpc>
-                          <a:spcPct val="115000"/>
-                        </a:lnSpc>
-                        <a:spcBef>
-                          <a:spcPts val="0"/>
-                        </a:spcBef>
-                        <a:spcAft>
-                          <a:spcPts val="0"/>
-                        </a:spcAft>
-                      </a:pPr>
-                      <a:r>
-                        <a:rPr lang="en-US" sz="1400">
-                          <a:solidFill>
-                            <a:srgbClr val="000000"/>
-                          </a:solidFill>
-                          <a:latin typeface="Calibri"/>
-                          <a:ea typeface="Times New Roman"/>
-                          <a:cs typeface="Times New Roman"/>
-                        </a:rPr>
-                        <a:t>Preconditions</a:t>
-                      </a:r>
-                      <a:endParaRPr lang="en-US" sz="1100">
-                        <a:latin typeface="Calibri"/>
-                        <a:ea typeface="Calibri"/>
-                        <a:cs typeface="Times New Roman"/>
-                      </a:endParaRPr>
-                    </a:p>
-                  </a:txBody>
-                  <a:tcPr marL="68580" marR="68580" marT="0" marB="0" anchor="b">
-                    <a:lnL w="12700" cap="flat" cmpd="sng" algn="ctr">
-                      <a:solidFill>
-                        <a:srgbClr val="000000"/>
-                      </a:solidFill>
-                      <a:prstDash val="solid"/>
-                      <a:round/>
-                      <a:headEnd type="none" w="med" len="med"/>
-                      <a:tailEnd type="none" w="med" len="med"/>
-                    </a:lnL>
-                    <a:lnR w="12700" cap="flat" cmpd="sng" algn="ctr">
-                      <a:solidFill>
-                        <a:srgbClr val="000000"/>
-                      </a:solidFill>
-                      <a:prstDash val="solid"/>
-                      <a:round/>
-                      <a:headEnd type="none" w="med" len="med"/>
-                      <a:tailEnd type="none" w="med" len="med"/>
-                    </a:lnR>
-                    <a:lnT w="12700" cap="flat" cmpd="sng" algn="ctr">
-                      <a:solidFill>
-                        <a:srgbClr val="000000"/>
-                      </a:solidFill>
-                      <a:prstDash val="solid"/>
-                      <a:round/>
-                      <a:headEnd type="none" w="med" len="med"/>
-                      <a:tailEnd type="none" w="med" len="med"/>
-                    </a:lnT>
-                    <a:lnB w="12700" cap="flat" cmpd="sng" algn="ctr">
-                      <a:solidFill>
-                        <a:srgbClr val="000000"/>
-                      </a:solidFill>
-                      <a:prstDash val="solid"/>
-                      <a:round/>
-                      <a:headEnd type="none" w="med" len="med"/>
-                      <a:tailEnd type="none" w="med" len="med"/>
-                    </a:lnB>
-                  </a:tcPr>
-                </a:tc>
-                <a:tc>
-                  <a:txBody>
-                    <a:bodyPr/>
-                    <a:lstStyle/>
-                    <a:p>
-                      <a:pPr marL="0" marR="0" indent="177800" algn="l">
-                        <a:lnSpc>
-                          <a:spcPct val="115000"/>
-                        </a:lnSpc>
-                        <a:spcBef>
-                          <a:spcPts val="0"/>
-                        </a:spcBef>
-                        <a:spcAft>
-                          <a:spcPts val="0"/>
-                        </a:spcAft>
-                      </a:pPr>
-                      <a:r>
-                        <a:rPr lang="en-US" sz="1400">
-                          <a:solidFill>
-                            <a:srgbClr val="000000"/>
-                          </a:solidFill>
-                          <a:latin typeface="Calibri"/>
-                          <a:ea typeface="Times New Roman"/>
-                          <a:cs typeface="Times New Roman"/>
-                        </a:rPr>
-                        <a:t>The user has account on the blog</a:t>
-                      </a:r>
-                      <a:endParaRPr lang="en-US" sz="1100">
-                        <a:latin typeface="Calibri"/>
-                        <a:ea typeface="Calibri"/>
-                        <a:cs typeface="Times New Roman"/>
-                      </a:endParaRPr>
-                    </a:p>
-                  </a:txBody>
-                  <a:tcPr marL="68580" marR="68580" marT="0" marB="0" anchor="b">
-                    <a:lnL w="12700" cap="flat" cmpd="sng" algn="ctr">
-                      <a:solidFill>
-                        <a:srgbClr val="000000"/>
-                      </a:solidFill>
-                      <a:prstDash val="solid"/>
-                      <a:round/>
-                      <a:headEnd type="none" w="med" len="med"/>
-                      <a:tailEnd type="none" w="med" len="med"/>
-                    </a:lnL>
-                    <a:lnR w="12700" cap="flat" cmpd="sng" algn="ctr">
-                      <a:solidFill>
-                        <a:srgbClr val="000000"/>
-                      </a:solidFill>
-                      <a:prstDash val="solid"/>
-                      <a:round/>
-                      <a:headEnd type="none" w="med" len="med"/>
-                      <a:tailEnd type="none" w="med" len="med"/>
-                    </a:lnR>
-                    <a:lnT w="12700" cap="flat" cmpd="sng" algn="ctr">
-                      <a:solidFill>
-                        <a:srgbClr val="000000"/>
-                      </a:solidFill>
-                      <a:prstDash val="solid"/>
-                      <a:round/>
-                      <a:headEnd type="none" w="med" len="med"/>
-                      <a:tailEnd type="none" w="med" len="med"/>
-                    </a:lnT>
-                    <a:lnB w="12700" cap="flat" cmpd="sng" algn="ctr">
-                      <a:solidFill>
-                        <a:srgbClr val="000000"/>
-                      </a:solidFill>
-                      <a:prstDash val="solid"/>
-                      <a:round/>
-                      <a:headEnd type="none" w="med" len="med"/>
-                      <a:tailEnd type="none" w="med" len="med"/>
-                    </a:lnB>
-                  </a:tcPr>
-                </a:tc>
-              </a:tr>
-              <a:tr h="268265">
-                <a:tc>
-                  <a:txBody>
-                    <a:bodyPr/>
-                    <a:lstStyle/>
-                    <a:p>
-                      <a:pPr marL="0" marR="0" algn="ctr">
-                        <a:lnSpc>
-                          <a:spcPct val="115000"/>
-                        </a:lnSpc>
-                        <a:spcBef>
-                          <a:spcPts val="0"/>
-                        </a:spcBef>
-                        <a:spcAft>
-                          <a:spcPts val="0"/>
-                        </a:spcAft>
-                      </a:pPr>
-                      <a:r>
-                        <a:rPr lang="en-US" sz="1400">
-                          <a:solidFill>
-                            <a:srgbClr val="000000"/>
-                          </a:solidFill>
-                          <a:latin typeface="Calibri"/>
-                          <a:ea typeface="Times New Roman"/>
-                          <a:cs typeface="Times New Roman"/>
-                        </a:rPr>
-                        <a:t>Post-conditions</a:t>
-                      </a:r>
-                      <a:endParaRPr lang="en-US" sz="1100">
-                        <a:latin typeface="Calibri"/>
-                        <a:ea typeface="Calibri"/>
-                        <a:cs typeface="Times New Roman"/>
-                      </a:endParaRPr>
-                    </a:p>
-                  </a:txBody>
-                  <a:tcPr marL="68580" marR="68580" marT="0" marB="0" anchor="b">
-                    <a:lnL w="12700" cap="flat" cmpd="sng" algn="ctr">
-                      <a:solidFill>
-                        <a:srgbClr val="000000"/>
-                      </a:solidFill>
-                      <a:prstDash val="solid"/>
-                      <a:round/>
-                      <a:headEnd type="none" w="med" len="med"/>
-                      <a:tailEnd type="none" w="med" len="med"/>
-                    </a:lnL>
-                    <a:lnR w="12700" cap="flat" cmpd="sng" algn="ctr">
-                      <a:solidFill>
-                        <a:srgbClr val="000000"/>
-                      </a:solidFill>
-                      <a:prstDash val="solid"/>
-                      <a:round/>
-                      <a:headEnd type="none" w="med" len="med"/>
-                      <a:tailEnd type="none" w="med" len="med"/>
-                    </a:lnR>
-                    <a:lnT w="12700" cap="flat" cmpd="sng" algn="ctr">
-                      <a:solidFill>
-                        <a:srgbClr val="000000"/>
-                      </a:solidFill>
-                      <a:prstDash val="solid"/>
-                      <a:round/>
-                      <a:headEnd type="none" w="med" len="med"/>
-                      <a:tailEnd type="none" w="med" len="med"/>
-                    </a:lnT>
-                    <a:lnB w="12700" cap="flat" cmpd="sng" algn="ctr">
-                      <a:solidFill>
-                        <a:srgbClr val="000000"/>
-                      </a:solidFill>
-                      <a:prstDash val="solid"/>
-                      <a:round/>
-                      <a:headEnd type="none" w="med" len="med"/>
-                      <a:tailEnd type="none" w="med" len="med"/>
-                    </a:lnB>
-                  </a:tcPr>
-                </a:tc>
-                <a:tc>
-                  <a:txBody>
-                    <a:bodyPr/>
-                    <a:lstStyle/>
-                    <a:p>
-                      <a:pPr marL="0" marR="0" indent="177800" algn="l">
-                        <a:lnSpc>
-                          <a:spcPct val="115000"/>
-                        </a:lnSpc>
-                        <a:spcBef>
-                          <a:spcPts val="0"/>
-                        </a:spcBef>
-                        <a:spcAft>
-                          <a:spcPts val="0"/>
-                        </a:spcAft>
-                      </a:pPr>
-                      <a:r>
-                        <a:rPr lang="en-US" sz="1400">
-                          <a:solidFill>
-                            <a:srgbClr val="000000"/>
-                          </a:solidFill>
-                          <a:latin typeface="Calibri"/>
-                          <a:ea typeface="Times New Roman"/>
-                          <a:cs typeface="Times New Roman"/>
-                        </a:rPr>
-                        <a:t>The user logs into the blog</a:t>
-                      </a:r>
-                      <a:endParaRPr lang="en-US" sz="1100">
-                        <a:latin typeface="Calibri"/>
-                        <a:ea typeface="Calibri"/>
-                        <a:cs typeface="Times New Roman"/>
-                      </a:endParaRPr>
-                    </a:p>
-                  </a:txBody>
-                  <a:tcPr marL="68580" marR="68580" marT="0" marB="0" anchor="b">
-                    <a:lnL w="12700" cap="flat" cmpd="sng" algn="ctr">
-                      <a:solidFill>
-                        <a:srgbClr val="000000"/>
-                      </a:solidFill>
-                      <a:prstDash val="solid"/>
-                      <a:round/>
-                      <a:headEnd type="none" w="med" len="med"/>
-                      <a:tailEnd type="none" w="med" len="med"/>
-                    </a:lnL>
-                    <a:lnR w="12700" cap="flat" cmpd="sng" algn="ctr">
-                      <a:solidFill>
-                        <a:srgbClr val="000000"/>
-                      </a:solidFill>
-                      <a:prstDash val="solid"/>
-                      <a:round/>
-                      <a:headEnd type="none" w="med" len="med"/>
-                      <a:tailEnd type="none" w="med" len="med"/>
-                    </a:lnR>
-                    <a:lnT w="12700" cap="flat" cmpd="sng" algn="ctr">
-                      <a:solidFill>
-                        <a:srgbClr val="000000"/>
-                      </a:solidFill>
-                      <a:prstDash val="solid"/>
-                      <a:round/>
-                      <a:headEnd type="none" w="med" len="med"/>
-                      <a:tailEnd type="none" w="med" len="med"/>
-                    </a:lnT>
-                    <a:lnB w="12700" cap="flat" cmpd="sng" algn="ctr">
-                      <a:solidFill>
-                        <a:srgbClr val="000000"/>
-                      </a:solidFill>
-                      <a:prstDash val="solid"/>
-                      <a:round/>
-                      <a:headEnd type="none" w="med" len="med"/>
-                      <a:tailEnd type="none" w="med" len="med"/>
-                    </a:lnB>
-                  </a:tcPr>
-                </a:tc>
-              </a:tr>
-              <a:tr h="260350">
-                <a:tc>
-                  <a:txBody>
-                    <a:bodyPr/>
-                    <a:lstStyle/>
-                    <a:p>
-                      <a:pPr algn="l">
-                        <a:lnSpc>
-                          <a:spcPct val="115000"/>
-                        </a:lnSpc>
-                      </a:pPr>
-                      <a:endParaRPr lang="en-US" sz="1100">
-                        <a:latin typeface="Calibri"/>
-                        <a:ea typeface="Times New Roman"/>
-                      </a:endParaRPr>
-                    </a:p>
-                  </a:txBody>
-                  <a:tcPr marL="68580" marR="68580" marT="0" marB="0" anchor="b">
-                    <a:lnL>
-                      <a:noFill/>
-                    </a:lnL>
-                    <a:lnR>
-                      <a:noFill/>
-                    </a:lnR>
-                    <a:lnT w="12700" cap="flat" cmpd="sng" algn="ctr">
-                      <a:solidFill>
-                        <a:srgbClr val="000000"/>
-                      </a:solidFill>
-                      <a:prstDash val="solid"/>
-                      <a:round/>
-                      <a:headEnd type="none" w="med" len="med"/>
-                      <a:tailEnd type="none" w="med" len="med"/>
-                    </a:lnT>
-                    <a:lnB w="12700" cap="flat" cmpd="sng" algn="ctr">
-                      <a:solidFill>
-                        <a:srgbClr val="000000"/>
-                      </a:solidFill>
-                      <a:prstDash val="solid"/>
-                      <a:round/>
-                      <a:headEnd type="none" w="med" len="med"/>
-                      <a:tailEnd type="none" w="med" len="med"/>
-                    </a:lnB>
-                  </a:tcPr>
-                </a:tc>
-                <a:tc>
-                  <a:txBody>
-                    <a:bodyPr/>
-                    <a:lstStyle/>
-                    <a:p>
-                      <a:pPr algn="l">
-                        <a:lnSpc>
-                          <a:spcPct val="115000"/>
-                        </a:lnSpc>
-                      </a:pPr>
-                      <a:endParaRPr lang="en-US" sz="1100">
-                        <a:latin typeface="Calibri"/>
-                        <a:ea typeface="Times New Roman"/>
-                      </a:endParaRPr>
-                    </a:p>
-                  </a:txBody>
-                  <a:tcPr marL="68580" marR="68580" marT="0" marB="0" anchor="b">
-                    <a:lnL>
-                      <a:noFill/>
-                    </a:lnL>
-                    <a:lnR>
-                      <a:noFill/>
-                    </a:lnR>
-                    <a:lnT w="12700" cap="flat" cmpd="sng" algn="ctr">
-                      <a:solidFill>
-                        <a:srgbClr val="000000"/>
-                      </a:solidFill>
-                      <a:prstDash val="solid"/>
-                      <a:round/>
-                      <a:headEnd type="none" w="med" len="med"/>
-                      <a:tailEnd type="none" w="med" len="med"/>
-                    </a:lnT>
-                    <a:lnB w="12700" cap="flat" cmpd="sng" algn="ctr">
-                      <a:solidFill>
-                        <a:srgbClr val="000000"/>
-                      </a:solidFill>
-                      <a:prstDash val="solid"/>
-                      <a:round/>
-                      <a:headEnd type="none" w="med" len="med"/>
-                      <a:tailEnd type="none" w="med" len="med"/>
-                    </a:lnB>
-                  </a:tcPr>
-                </a:tc>
-              </a:tr>
-              <a:tr h="268265">
-                <a:tc>
-                  <a:txBody>
-                    <a:bodyPr/>
-                    <a:lstStyle/>
-                    <a:p>
-                      <a:pPr marL="0" marR="0" algn="ctr">
-                        <a:lnSpc>
-                          <a:spcPct val="115000"/>
-                        </a:lnSpc>
-                        <a:spcBef>
-                          <a:spcPts val="0"/>
-                        </a:spcBef>
-                        <a:spcAft>
-                          <a:spcPts val="0"/>
-                        </a:spcAft>
-                      </a:pPr>
-                      <a:r>
-                        <a:rPr lang="en-US" sz="1400">
-                          <a:solidFill>
-                            <a:srgbClr val="000000"/>
-                          </a:solidFill>
-                          <a:latin typeface="Calibri"/>
-                          <a:ea typeface="Times New Roman"/>
-                          <a:cs typeface="Times New Roman"/>
-                        </a:rPr>
-                        <a:t>Actor : Registered User</a:t>
-                      </a:r>
-                      <a:endParaRPr lang="en-US" sz="1100">
-                        <a:latin typeface="Calibri"/>
-                        <a:ea typeface="Calibri"/>
-                        <a:cs typeface="Times New Roman"/>
-                      </a:endParaRPr>
-                    </a:p>
-                  </a:txBody>
-                  <a:tcPr marL="68580" marR="68580" marT="0" marB="0" anchor="b">
-                    <a:lnL w="12700" cap="flat" cmpd="sng" algn="ctr">
-                      <a:solidFill>
-                        <a:srgbClr val="000000"/>
-                      </a:solidFill>
-                      <a:prstDash val="solid"/>
-                      <a:round/>
-                      <a:headEnd type="none" w="med" len="med"/>
-                      <a:tailEnd type="none" w="med" len="med"/>
-                    </a:lnL>
-                    <a:lnR w="12700" cap="flat" cmpd="sng" algn="ctr">
-                      <a:solidFill>
-                        <a:srgbClr val="000000"/>
-                      </a:solidFill>
-                      <a:prstDash val="solid"/>
-                      <a:round/>
-                      <a:headEnd type="none" w="med" len="med"/>
-                      <a:tailEnd type="none" w="med" len="med"/>
-                    </a:lnR>
-                    <a:lnT w="12700" cap="flat" cmpd="sng" algn="ctr">
-                      <a:solidFill>
-                        <a:srgbClr val="000000"/>
-                      </a:solidFill>
-                      <a:prstDash val="solid"/>
-                      <a:round/>
-                      <a:headEnd type="none" w="med" len="med"/>
-                      <a:tailEnd type="none" w="med" len="med"/>
-                    </a:lnT>
-                    <a:lnB w="12700" cap="flat" cmpd="sng" algn="ctr">
-                      <a:solidFill>
-                        <a:srgbClr val="000000"/>
-                      </a:solidFill>
-                      <a:prstDash val="solid"/>
-                      <a:round/>
-                      <a:headEnd type="none" w="med" len="med"/>
-                      <a:tailEnd type="none" w="med" len="med"/>
-                    </a:lnB>
-                  </a:tcPr>
-                </a:tc>
-                <a:tc>
-                  <a:txBody>
-                    <a:bodyPr/>
-                    <a:lstStyle/>
-                    <a:p>
-                      <a:pPr marL="0" marR="0" algn="ctr">
-                        <a:lnSpc>
-                          <a:spcPct val="115000"/>
-                        </a:lnSpc>
-                        <a:spcBef>
-                          <a:spcPts val="0"/>
-                        </a:spcBef>
-                        <a:spcAft>
-                          <a:spcPts val="0"/>
-                        </a:spcAft>
-                      </a:pPr>
-                      <a:r>
-                        <a:rPr lang="en-US" sz="1400">
-                          <a:solidFill>
-                            <a:srgbClr val="000000"/>
-                          </a:solidFill>
-                          <a:latin typeface="Calibri"/>
-                          <a:ea typeface="Times New Roman"/>
-                          <a:cs typeface="Times New Roman"/>
-                        </a:rPr>
-                        <a:t>System</a:t>
-                      </a:r>
-                      <a:endParaRPr lang="en-US" sz="1100">
-                        <a:latin typeface="Calibri"/>
-                        <a:ea typeface="Calibri"/>
-                        <a:cs typeface="Times New Roman"/>
-                      </a:endParaRPr>
-                    </a:p>
-                  </a:txBody>
-                  <a:tcPr marL="68580" marR="68580" marT="0" marB="0" anchor="b">
-                    <a:lnL w="12700" cap="flat" cmpd="sng" algn="ctr">
-                      <a:solidFill>
-                        <a:srgbClr val="000000"/>
-                      </a:solidFill>
-                      <a:prstDash val="solid"/>
-                      <a:round/>
-                      <a:headEnd type="none" w="med" len="med"/>
-                      <a:tailEnd type="none" w="med" len="med"/>
-                    </a:lnL>
-                    <a:lnR w="12700" cap="flat" cmpd="sng" algn="ctr">
-                      <a:solidFill>
-                        <a:srgbClr val="000000"/>
-                      </a:solidFill>
-                      <a:prstDash val="solid"/>
-                      <a:round/>
-                      <a:headEnd type="none" w="med" len="med"/>
-                      <a:tailEnd type="none" w="med" len="med"/>
-                    </a:lnR>
-                    <a:lnT w="12700" cap="flat" cmpd="sng" algn="ctr">
-                      <a:solidFill>
-                        <a:srgbClr val="000000"/>
-                      </a:solidFill>
-                      <a:prstDash val="solid"/>
-                      <a:round/>
-                      <a:headEnd type="none" w="med" len="med"/>
-                      <a:tailEnd type="none" w="med" len="med"/>
-                    </a:lnT>
-                    <a:lnB w="12700" cap="flat" cmpd="sng" algn="ctr">
-                      <a:solidFill>
-                        <a:srgbClr val="000000"/>
-                      </a:solidFill>
-                      <a:prstDash val="solid"/>
-                      <a:round/>
-                      <a:headEnd type="none" w="med" len="med"/>
-                      <a:tailEnd type="none" w="med" len="med"/>
-                    </a:lnB>
-                  </a:tcPr>
-                </a:tc>
-              </a:tr>
-              <a:tr h="536530">
-                <a:tc>
-                  <a:txBody>
-                    <a:bodyPr/>
-                    <a:lstStyle/>
-                    <a:p>
-                      <a:pPr marL="0" marR="0" algn="l">
-                        <a:lnSpc>
-                          <a:spcPct val="115000"/>
-                        </a:lnSpc>
-                        <a:spcBef>
-                          <a:spcPts val="0"/>
-                        </a:spcBef>
-                        <a:spcAft>
-                          <a:spcPts val="0"/>
-                        </a:spcAft>
-                      </a:pPr>
-                      <a:r>
-                        <a:rPr lang="en-US" sz="1400">
-                          <a:solidFill>
-                            <a:srgbClr val="000000"/>
-                          </a:solidFill>
-                          <a:latin typeface="Calibri"/>
-                          <a:ea typeface="Times New Roman"/>
-                          <a:cs typeface="Times New Roman"/>
-                        </a:rPr>
-                        <a:t>0. The user opens the webpage</a:t>
-                      </a:r>
-                      <a:endParaRPr lang="en-US" sz="1100">
-                        <a:latin typeface="Calibri"/>
-                        <a:ea typeface="Calibri"/>
-                        <a:cs typeface="Times New Roman"/>
-                      </a:endParaRPr>
-                    </a:p>
-                  </a:txBody>
-                  <a:tcPr marL="68580" marR="68580" marT="0" marB="0" anchor="b">
-                    <a:lnL w="12700" cap="flat" cmpd="sng" algn="ctr">
-                      <a:solidFill>
-                        <a:srgbClr val="000000"/>
-                      </a:solidFill>
-                      <a:prstDash val="solid"/>
-                      <a:round/>
-                      <a:headEnd type="none" w="med" len="med"/>
-                      <a:tailEnd type="none" w="med" len="med"/>
-                    </a:lnL>
-                    <a:lnR w="12700" cap="flat" cmpd="sng" algn="ctr">
-                      <a:solidFill>
-                        <a:srgbClr val="000000"/>
-                      </a:solidFill>
-                      <a:prstDash val="solid"/>
-                      <a:round/>
-                      <a:headEnd type="none" w="med" len="med"/>
-                      <a:tailEnd type="none" w="med" len="med"/>
-                    </a:lnR>
-                    <a:lnT w="12700" cap="flat" cmpd="sng" algn="ctr">
-                      <a:solidFill>
-                        <a:srgbClr val="000000"/>
-                      </a:solidFill>
-                      <a:prstDash val="solid"/>
-                      <a:round/>
-                      <a:headEnd type="none" w="med" len="med"/>
-                      <a:tailEnd type="none" w="med" len="med"/>
-                    </a:lnT>
-                    <a:lnB w="12700" cap="flat" cmpd="sng" algn="ctr">
-                      <a:solidFill>
-                        <a:srgbClr val="000000"/>
-                      </a:solidFill>
-                      <a:prstDash val="solid"/>
-                      <a:round/>
-                      <a:headEnd type="none" w="med" len="med"/>
-                      <a:tailEnd type="none" w="med" len="med"/>
-                    </a:lnB>
-                  </a:tcPr>
-                </a:tc>
-                <a:tc>
-                  <a:txBody>
-                    <a:bodyPr/>
-                    <a:lstStyle/>
-                    <a:p>
-                      <a:pPr marL="0" marR="0" indent="177800" algn="l">
-                        <a:lnSpc>
-                          <a:spcPct val="115000"/>
-                        </a:lnSpc>
-                        <a:spcBef>
-                          <a:spcPts val="0"/>
-                        </a:spcBef>
-                        <a:spcAft>
-                          <a:spcPts val="0"/>
-                        </a:spcAft>
-                      </a:pPr>
-                      <a:r>
-                        <a:rPr lang="en-US" sz="1400">
-                          <a:solidFill>
-                            <a:srgbClr val="000000"/>
-                          </a:solidFill>
-                          <a:latin typeface="Calibri"/>
-                          <a:ea typeface="Times New Roman"/>
-                          <a:cs typeface="Times New Roman"/>
-                        </a:rPr>
-                        <a:t>1. System displays the blog homepage</a:t>
-                      </a:r>
-                      <a:endParaRPr lang="en-US" sz="1100">
-                        <a:latin typeface="Calibri"/>
-                        <a:ea typeface="Calibri"/>
-                        <a:cs typeface="Times New Roman"/>
-                      </a:endParaRPr>
-                    </a:p>
-                  </a:txBody>
-                  <a:tcPr marL="68580" marR="68580" marT="0" marB="0" anchor="b">
-                    <a:lnL w="12700" cap="flat" cmpd="sng" algn="ctr">
-                      <a:solidFill>
-                        <a:srgbClr val="000000"/>
-                      </a:solidFill>
-                      <a:prstDash val="solid"/>
-                      <a:round/>
-                      <a:headEnd type="none" w="med" len="med"/>
-                      <a:tailEnd type="none" w="med" len="med"/>
-                    </a:lnL>
-                    <a:lnR w="12700" cap="flat" cmpd="sng" algn="ctr">
-                      <a:solidFill>
-                        <a:srgbClr val="000000"/>
-                      </a:solidFill>
-                      <a:prstDash val="solid"/>
-                      <a:round/>
-                      <a:headEnd type="none" w="med" len="med"/>
-                      <a:tailEnd type="none" w="med" len="med"/>
-                    </a:lnR>
-                    <a:lnT w="12700" cap="flat" cmpd="sng" algn="ctr">
-                      <a:solidFill>
-                        <a:srgbClr val="000000"/>
-                      </a:solidFill>
-                      <a:prstDash val="solid"/>
-                      <a:round/>
-                      <a:headEnd type="none" w="med" len="med"/>
-                      <a:tailEnd type="none" w="med" len="med"/>
-                    </a:lnT>
-                    <a:lnB w="12700" cap="flat" cmpd="sng" algn="ctr">
-                      <a:solidFill>
-                        <a:srgbClr val="000000"/>
-                      </a:solidFill>
-                      <a:prstDash val="solid"/>
-                      <a:round/>
-                      <a:headEnd type="none" w="med" len="med"/>
-                      <a:tailEnd type="none" w="med" len="med"/>
-                    </a:lnB>
-                  </a:tcPr>
-                </a:tc>
-              </a:tr>
-              <a:tr h="479381">
-                <a:tc>
-                  <a:txBody>
-                    <a:bodyPr/>
-                    <a:lstStyle/>
-                    <a:p>
-                      <a:pPr marL="0" marR="0" algn="l">
-                        <a:lnSpc>
-                          <a:spcPct val="115000"/>
-                        </a:lnSpc>
-                        <a:spcBef>
-                          <a:spcPts val="0"/>
-                        </a:spcBef>
-                        <a:spcAft>
-                          <a:spcPts val="0"/>
-                        </a:spcAft>
-                      </a:pPr>
-                      <a:r>
-                        <a:rPr lang="en-US" sz="1400">
-                          <a:solidFill>
-                            <a:srgbClr val="000000"/>
-                          </a:solidFill>
-                          <a:latin typeface="Calibri"/>
-                          <a:ea typeface="Times New Roman"/>
-                          <a:cs typeface="Times New Roman"/>
-                        </a:rPr>
-                        <a:t>2. The user enters their login credentials and clicks 'Login'</a:t>
-                      </a:r>
-                      <a:endParaRPr lang="en-US" sz="1100">
-                        <a:latin typeface="Calibri"/>
-                        <a:ea typeface="Calibri"/>
-                        <a:cs typeface="Times New Roman"/>
-                      </a:endParaRPr>
-                    </a:p>
-                  </a:txBody>
-                  <a:tcPr marL="68580" marR="68580" marT="0" marB="0" anchor="b">
-                    <a:lnL w="12700" cap="flat" cmpd="sng" algn="ctr">
-                      <a:solidFill>
-                        <a:srgbClr val="000000"/>
-                      </a:solidFill>
-                      <a:prstDash val="solid"/>
-                      <a:round/>
-                      <a:headEnd type="none" w="med" len="med"/>
-                      <a:tailEnd type="none" w="med" len="med"/>
-                    </a:lnL>
-                    <a:lnR w="12700" cap="flat" cmpd="sng" algn="ctr">
-                      <a:solidFill>
-                        <a:srgbClr val="000000"/>
-                      </a:solidFill>
-                      <a:prstDash val="solid"/>
-                      <a:round/>
-                      <a:headEnd type="none" w="med" len="med"/>
-                      <a:tailEnd type="none" w="med" len="med"/>
-                    </a:lnR>
-                    <a:lnT w="12700" cap="flat" cmpd="sng" algn="ctr">
-                      <a:solidFill>
-                        <a:srgbClr val="000000"/>
-                      </a:solidFill>
-                      <a:prstDash val="solid"/>
-                      <a:round/>
-                      <a:headEnd type="none" w="med" len="med"/>
-                      <a:tailEnd type="none" w="med" len="med"/>
-                    </a:lnT>
-                    <a:lnB w="12700" cap="flat" cmpd="sng" algn="ctr">
-                      <a:solidFill>
-                        <a:srgbClr val="000000"/>
-                      </a:solidFill>
-                      <a:prstDash val="solid"/>
-                      <a:round/>
-                      <a:headEnd type="none" w="med" len="med"/>
-                      <a:tailEnd type="none" w="med" len="med"/>
-                    </a:lnB>
-                  </a:tcPr>
-                </a:tc>
-                <a:tc>
-                  <a:txBody>
-                    <a:bodyPr/>
-                    <a:lstStyle/>
-                    <a:p>
-                      <a:pPr marL="0" marR="0" indent="177800" algn="l">
-                        <a:lnSpc>
-                          <a:spcPct val="115000"/>
-                        </a:lnSpc>
-                        <a:spcBef>
-                          <a:spcPts val="0"/>
-                        </a:spcBef>
-                        <a:spcAft>
-                          <a:spcPts val="0"/>
-                        </a:spcAft>
-                      </a:pPr>
-                      <a:r>
-                        <a:rPr lang="en-US" sz="1400" dirty="0">
-                          <a:solidFill>
-                            <a:srgbClr val="000000"/>
-                          </a:solidFill>
-                          <a:latin typeface="Calibri"/>
-                          <a:ea typeface="Times New Roman"/>
-                          <a:cs typeface="Times New Roman"/>
-                        </a:rPr>
-                        <a:t>3. System verifies user's login credentials and logs user in</a:t>
-                      </a:r>
-                      <a:endParaRPr lang="en-US" sz="1100" dirty="0">
-                        <a:latin typeface="Calibri"/>
-                        <a:ea typeface="Calibri"/>
-                        <a:cs typeface="Times New Roman"/>
-                      </a:endParaRPr>
-                    </a:p>
-                  </a:txBody>
-                  <a:tcPr marL="68580" marR="68580" marT="0" marB="0" anchor="b">
-                    <a:lnL w="12700" cap="flat" cmpd="sng" algn="ctr">
-                      <a:solidFill>
-                        <a:srgbClr val="000000"/>
-                      </a:solidFill>
-                      <a:prstDash val="solid"/>
-                      <a:round/>
-                      <a:headEnd type="none" w="med" len="med"/>
-                      <a:tailEnd type="none" w="med" len="med"/>
-                    </a:lnL>
-                    <a:lnR w="12700" cap="flat" cmpd="sng" algn="ctr">
-                      <a:solidFill>
-                        <a:srgbClr val="000000"/>
-                      </a:solidFill>
-                      <a:prstDash val="solid"/>
-                      <a:round/>
-                      <a:headEnd type="none" w="med" len="med"/>
-                      <a:tailEnd type="none" w="med" len="med"/>
-                    </a:lnR>
-                    <a:lnT w="12700" cap="flat" cmpd="sng" algn="ctr">
-                      <a:solidFill>
-                        <a:srgbClr val="000000"/>
-                      </a:solidFill>
-                      <a:prstDash val="solid"/>
-                      <a:round/>
-                      <a:headEnd type="none" w="med" len="med"/>
-                      <a:tailEnd type="none" w="med" len="med"/>
-                    </a:lnT>
-                    <a:lnB w="12700" cap="flat" cmpd="sng" algn="ctr">
-                      <a:solidFill>
-                        <a:srgbClr val="000000"/>
-                      </a:solidFill>
-                      <a:prstDash val="solid"/>
-                      <a:round/>
-                      <a:headEnd type="none" w="med" len="med"/>
-                      <a:tailEnd type="none" w="med" len="med"/>
-                    </a:lnB>
-                  </a:tcPr>
-                </a:tc>
-              </a:tr>
-            </a:tbl>
-          </a:graphicData>
-        </a:graphic>
-      </p:graphicFrame>
+        </p:nvPicPr>
+        <p:blipFill>
+          <a:blip r:embed="rId2" cstate="print"/>
+          <a:srcRect/>
+          <a:stretch>
+            <a:fillRect/>
+          </a:stretch>
+        </p:blipFill>
+        <p:spPr bwMode="auto">
+          <a:xfrm>
+            <a:off x="1390279" y="782782"/>
+            <a:ext cx="6239246" cy="4073236"/>
+          </a:xfrm>
+          <a:prstGeom prst="rect">
+            <a:avLst/>
+          </a:prstGeom>
+          <a:noFill/>
+          <a:ln w="9525">
+            <a:noFill/>
+            <a:miter lim="800000"/>
+            <a:headEnd/>
+            <a:tailEnd/>
+          </a:ln>
+        </p:spPr>
+      </p:pic>
     </p:spTree>
   </p:cSld>
   <p:clrMapOvr>
@@ -8123,7 +6959,7 @@
           <a:p>
             <a:r>
               <a:rPr lang="en-US" dirty="0" smtClean="0"/>
-              <a:t>Login</a:t>
+              <a:t>Faculty User</a:t>
             </a:r>
             <a:endParaRPr lang="en-US" dirty="0"/>
           </a:p>
@@ -8131,7 +6967,7 @@
       </p:sp>
       <p:pic>
         <p:nvPicPr>
-          <p:cNvPr id="4" name="Picture 3" descr="C:\wamp\www\CapstoneProject\Proposal\Design\Registered User Log In Sequence Diagram.JPG"/>
+          <p:cNvPr id="4" name="Picture 3" descr="C:\wamp\www\CapstoneProject\Proposal\Design\Faculty User Use Case Diagram.JPG"/>
           <p:cNvPicPr/>
           <p:nvPr/>
         </p:nvPicPr>
@@ -8144,8 +6980,8 @@
         </p:blipFill>
         <p:spPr bwMode="auto">
           <a:xfrm>
-            <a:off x="1397329" y="735280"/>
-            <a:ext cx="6203621" cy="4168239"/>
+            <a:off x="2011568" y="672068"/>
+            <a:ext cx="4579732" cy="3499881"/>
           </a:xfrm>
           <a:prstGeom prst="rect">
             <a:avLst/>
@@ -8196,44 +7032,1260 @@
         </p:nvSpPr>
         <p:spPr/>
         <p:txBody>
-          <a:bodyPr>
-            <a:normAutofit/>
-          </a:bodyPr>
+          <a:bodyPr/>
           <a:lstStyle/>
           <a:p>
             <a:r>
               <a:rPr lang="en-US" dirty="0" smtClean="0"/>
-              <a:t>UML Class Diagram</a:t>
+              <a:t>Faculty - Login</a:t>
             </a:r>
             <a:endParaRPr lang="en-US" dirty="0"/>
           </a:p>
         </p:txBody>
       </p:sp>
-      <p:sp>
-        <p:nvSpPr>
-          <p:cNvPr id="3" name="Content Placeholder 2"/>
-          <p:cNvSpPr>
-            <a:spLocks noGrp="1"/>
-          </p:cNvSpPr>
-          <p:nvPr>
-            <p:ph idx="1"/>
-          </p:nvPr>
-        </p:nvSpPr>
-        <p:spPr/>
-        <p:txBody>
-          <a:bodyPr/>
-          <a:lstStyle/>
-          <a:p>
-            <a:endParaRPr lang="en-US"/>
-          </a:p>
-        </p:txBody>
-      </p:sp>
+      <p:graphicFrame>
+        <p:nvGraphicFramePr>
+          <p:cNvPr id="4" name="Table 3"/>
+          <p:cNvGraphicFramePr>
+            <a:graphicFrameLocks noGrp="1"/>
+          </p:cNvGraphicFramePr>
+          <p:nvPr/>
+        </p:nvGraphicFramePr>
+        <p:xfrm>
+          <a:off x="1447800" y="923925"/>
+          <a:ext cx="6096000" cy="2935522"/>
+        </p:xfrm>
+        <a:graphic>
+          <a:graphicData uri="http://schemas.openxmlformats.org/drawingml/2006/table">
+            <a:tbl>
+              <a:tblPr/>
+              <a:tblGrid>
+                <a:gridCol w="3058973"/>
+                <a:gridCol w="3037027"/>
+              </a:tblGrid>
+              <a:tr h="306589">
+                <a:tc>
+                  <a:txBody>
+                    <a:bodyPr/>
+                    <a:lstStyle/>
+                    <a:p>
+                      <a:pPr marL="0" marR="0" algn="ctr">
+                        <a:lnSpc>
+                          <a:spcPct val="115000"/>
+                        </a:lnSpc>
+                        <a:spcBef>
+                          <a:spcPts val="0"/>
+                        </a:spcBef>
+                        <a:spcAft>
+                          <a:spcPts val="0"/>
+                        </a:spcAft>
+                      </a:pPr>
+                      <a:r>
+                        <a:rPr lang="en-US" sz="1600" b="1" i="1">
+                          <a:solidFill>
+                            <a:srgbClr val="000000"/>
+                          </a:solidFill>
+                          <a:latin typeface="Calibri"/>
+                          <a:ea typeface="Times New Roman"/>
+                          <a:cs typeface="Times New Roman"/>
+                        </a:rPr>
+                        <a:t>Faculty</a:t>
+                      </a:r>
+                      <a:endParaRPr lang="en-US" sz="1100">
+                        <a:latin typeface="Calibri"/>
+                        <a:ea typeface="Calibri"/>
+                        <a:cs typeface="Times New Roman"/>
+                      </a:endParaRPr>
+                    </a:p>
+                  </a:txBody>
+                  <a:tcPr marL="68580" marR="68580" marT="0" marB="0" anchor="b">
+                    <a:lnL>
+                      <a:noFill/>
+                    </a:lnL>
+                    <a:lnR>
+                      <a:noFill/>
+                    </a:lnR>
+                    <a:lnT>
+                      <a:noFill/>
+                    </a:lnT>
+                    <a:lnB w="12700" cap="flat" cmpd="sng" algn="ctr">
+                      <a:solidFill>
+                        <a:srgbClr val="000000"/>
+                      </a:solidFill>
+                      <a:prstDash val="solid"/>
+                      <a:round/>
+                      <a:headEnd type="none" w="med" len="med"/>
+                      <a:tailEnd type="none" w="med" len="med"/>
+                    </a:lnB>
+                  </a:tcPr>
+                </a:tc>
+                <a:tc>
+                  <a:txBody>
+                    <a:bodyPr/>
+                    <a:lstStyle/>
+                    <a:p>
+                      <a:pPr algn="l">
+                        <a:lnSpc>
+                          <a:spcPct val="115000"/>
+                        </a:lnSpc>
+                      </a:pPr>
+                      <a:endParaRPr lang="en-US" sz="1100">
+                        <a:latin typeface="Calibri"/>
+                        <a:ea typeface="Times New Roman"/>
+                      </a:endParaRPr>
+                    </a:p>
+                  </a:txBody>
+                  <a:tcPr marL="68580" marR="68580" marT="0" marB="0" anchor="b">
+                    <a:lnL>
+                      <a:noFill/>
+                    </a:lnL>
+                    <a:lnR>
+                      <a:noFill/>
+                    </a:lnR>
+                    <a:lnT>
+                      <a:noFill/>
+                    </a:lnT>
+                    <a:lnB w="12700" cap="flat" cmpd="sng" algn="ctr">
+                      <a:solidFill>
+                        <a:srgbClr val="000000"/>
+                      </a:solidFill>
+                      <a:prstDash val="solid"/>
+                      <a:round/>
+                      <a:headEnd type="none" w="med" len="med"/>
+                      <a:tailEnd type="none" w="med" len="med"/>
+                    </a:lnB>
+                  </a:tcPr>
+                </a:tc>
+              </a:tr>
+              <a:tr h="268265">
+                <a:tc>
+                  <a:txBody>
+                    <a:bodyPr/>
+                    <a:lstStyle/>
+                    <a:p>
+                      <a:pPr marL="0" marR="0" algn="ctr">
+                        <a:lnSpc>
+                          <a:spcPct val="115000"/>
+                        </a:lnSpc>
+                        <a:spcBef>
+                          <a:spcPts val="0"/>
+                        </a:spcBef>
+                        <a:spcAft>
+                          <a:spcPts val="0"/>
+                        </a:spcAft>
+                      </a:pPr>
+                      <a:r>
+                        <a:rPr lang="en-US" sz="1400">
+                          <a:solidFill>
+                            <a:srgbClr val="000000"/>
+                          </a:solidFill>
+                          <a:latin typeface="Calibri"/>
+                          <a:ea typeface="Times New Roman"/>
+                          <a:cs typeface="Times New Roman"/>
+                        </a:rPr>
+                        <a:t>Title</a:t>
+                      </a:r>
+                      <a:endParaRPr lang="en-US" sz="1100">
+                        <a:latin typeface="Calibri"/>
+                        <a:ea typeface="Calibri"/>
+                        <a:cs typeface="Times New Roman"/>
+                      </a:endParaRPr>
+                    </a:p>
+                  </a:txBody>
+                  <a:tcPr marL="68580" marR="68580" marT="0" marB="0" anchor="b">
+                    <a:lnL w="12700" cap="flat" cmpd="sng" algn="ctr">
+                      <a:solidFill>
+                        <a:srgbClr val="000000"/>
+                      </a:solidFill>
+                      <a:prstDash val="solid"/>
+                      <a:round/>
+                      <a:headEnd type="none" w="med" len="med"/>
+                      <a:tailEnd type="none" w="med" len="med"/>
+                    </a:lnL>
+                    <a:lnR w="12700" cap="flat" cmpd="sng" algn="ctr">
+                      <a:solidFill>
+                        <a:srgbClr val="000000"/>
+                      </a:solidFill>
+                      <a:prstDash val="solid"/>
+                      <a:round/>
+                      <a:headEnd type="none" w="med" len="med"/>
+                      <a:tailEnd type="none" w="med" len="med"/>
+                    </a:lnR>
+                    <a:lnT w="12700" cap="flat" cmpd="sng" algn="ctr">
+                      <a:solidFill>
+                        <a:srgbClr val="000000"/>
+                      </a:solidFill>
+                      <a:prstDash val="solid"/>
+                      <a:round/>
+                      <a:headEnd type="none" w="med" len="med"/>
+                      <a:tailEnd type="none" w="med" len="med"/>
+                    </a:lnT>
+                    <a:lnB w="12700" cap="flat" cmpd="sng" algn="ctr">
+                      <a:solidFill>
+                        <a:srgbClr val="000000"/>
+                      </a:solidFill>
+                      <a:prstDash val="solid"/>
+                      <a:round/>
+                      <a:headEnd type="none" w="med" len="med"/>
+                      <a:tailEnd type="none" w="med" len="med"/>
+                    </a:lnB>
+                  </a:tcPr>
+                </a:tc>
+                <a:tc>
+                  <a:txBody>
+                    <a:bodyPr/>
+                    <a:lstStyle/>
+                    <a:p>
+                      <a:pPr marL="0" marR="0" indent="178435" algn="l">
+                        <a:lnSpc>
+                          <a:spcPct val="115000"/>
+                        </a:lnSpc>
+                        <a:spcBef>
+                          <a:spcPts val="0"/>
+                        </a:spcBef>
+                        <a:spcAft>
+                          <a:spcPts val="0"/>
+                        </a:spcAft>
+                      </a:pPr>
+                      <a:r>
+                        <a:rPr lang="en-US" sz="1400" b="1">
+                          <a:solidFill>
+                            <a:srgbClr val="000000"/>
+                          </a:solidFill>
+                          <a:latin typeface="Calibri"/>
+                          <a:ea typeface="Times New Roman"/>
+                          <a:cs typeface="Times New Roman"/>
+                        </a:rPr>
+                        <a:t>Login</a:t>
+                      </a:r>
+                      <a:endParaRPr lang="en-US" sz="1100">
+                        <a:latin typeface="Calibri"/>
+                        <a:ea typeface="Calibri"/>
+                        <a:cs typeface="Times New Roman"/>
+                      </a:endParaRPr>
+                    </a:p>
+                  </a:txBody>
+                  <a:tcPr marL="68580" marR="68580" marT="0" marB="0" anchor="b">
+                    <a:lnL w="12700" cap="flat" cmpd="sng" algn="ctr">
+                      <a:solidFill>
+                        <a:srgbClr val="000000"/>
+                      </a:solidFill>
+                      <a:prstDash val="solid"/>
+                      <a:round/>
+                      <a:headEnd type="none" w="med" len="med"/>
+                      <a:tailEnd type="none" w="med" len="med"/>
+                    </a:lnL>
+                    <a:lnR w="12700" cap="flat" cmpd="sng" algn="ctr">
+                      <a:solidFill>
+                        <a:srgbClr val="000000"/>
+                      </a:solidFill>
+                      <a:prstDash val="solid"/>
+                      <a:round/>
+                      <a:headEnd type="none" w="med" len="med"/>
+                      <a:tailEnd type="none" w="med" len="med"/>
+                    </a:lnR>
+                    <a:lnT w="12700" cap="flat" cmpd="sng" algn="ctr">
+                      <a:solidFill>
+                        <a:srgbClr val="000000"/>
+                      </a:solidFill>
+                      <a:prstDash val="solid"/>
+                      <a:round/>
+                      <a:headEnd type="none" w="med" len="med"/>
+                      <a:tailEnd type="none" w="med" len="med"/>
+                    </a:lnT>
+                    <a:lnB w="12700" cap="flat" cmpd="sng" algn="ctr">
+                      <a:solidFill>
+                        <a:srgbClr val="000000"/>
+                      </a:solidFill>
+                      <a:prstDash val="solid"/>
+                      <a:round/>
+                      <a:headEnd type="none" w="med" len="med"/>
+                      <a:tailEnd type="none" w="med" len="med"/>
+                    </a:lnB>
+                  </a:tcPr>
+                </a:tc>
+              </a:tr>
+              <a:tr h="268265">
+                <a:tc>
+                  <a:txBody>
+                    <a:bodyPr/>
+                    <a:lstStyle/>
+                    <a:p>
+                      <a:pPr marL="0" marR="0" algn="ctr">
+                        <a:lnSpc>
+                          <a:spcPct val="115000"/>
+                        </a:lnSpc>
+                        <a:spcBef>
+                          <a:spcPts val="0"/>
+                        </a:spcBef>
+                        <a:spcAft>
+                          <a:spcPts val="0"/>
+                        </a:spcAft>
+                      </a:pPr>
+                      <a:r>
+                        <a:rPr lang="en-US" sz="1400">
+                          <a:solidFill>
+                            <a:srgbClr val="000000"/>
+                          </a:solidFill>
+                          <a:latin typeface="Calibri"/>
+                          <a:ea typeface="Times New Roman"/>
+                          <a:cs typeface="Times New Roman"/>
+                        </a:rPr>
+                        <a:t>Summary</a:t>
+                      </a:r>
+                      <a:endParaRPr lang="en-US" sz="1100">
+                        <a:latin typeface="Calibri"/>
+                        <a:ea typeface="Calibri"/>
+                        <a:cs typeface="Times New Roman"/>
+                      </a:endParaRPr>
+                    </a:p>
+                  </a:txBody>
+                  <a:tcPr marL="68580" marR="68580" marT="0" marB="0" anchor="b">
+                    <a:lnL w="12700" cap="flat" cmpd="sng" algn="ctr">
+                      <a:solidFill>
+                        <a:srgbClr val="000000"/>
+                      </a:solidFill>
+                      <a:prstDash val="solid"/>
+                      <a:round/>
+                      <a:headEnd type="none" w="med" len="med"/>
+                      <a:tailEnd type="none" w="med" len="med"/>
+                    </a:lnL>
+                    <a:lnR w="12700" cap="flat" cmpd="sng" algn="ctr">
+                      <a:solidFill>
+                        <a:srgbClr val="000000"/>
+                      </a:solidFill>
+                      <a:prstDash val="solid"/>
+                      <a:round/>
+                      <a:headEnd type="none" w="med" len="med"/>
+                      <a:tailEnd type="none" w="med" len="med"/>
+                    </a:lnR>
+                    <a:lnT w="12700" cap="flat" cmpd="sng" algn="ctr">
+                      <a:solidFill>
+                        <a:srgbClr val="000000"/>
+                      </a:solidFill>
+                      <a:prstDash val="solid"/>
+                      <a:round/>
+                      <a:headEnd type="none" w="med" len="med"/>
+                      <a:tailEnd type="none" w="med" len="med"/>
+                    </a:lnT>
+                    <a:lnB w="12700" cap="flat" cmpd="sng" algn="ctr">
+                      <a:solidFill>
+                        <a:srgbClr val="000000"/>
+                      </a:solidFill>
+                      <a:prstDash val="solid"/>
+                      <a:round/>
+                      <a:headEnd type="none" w="med" len="med"/>
+                      <a:tailEnd type="none" w="med" len="med"/>
+                    </a:lnB>
+                  </a:tcPr>
+                </a:tc>
+                <a:tc>
+                  <a:txBody>
+                    <a:bodyPr/>
+                    <a:lstStyle/>
+                    <a:p>
+                      <a:pPr marL="0" marR="0" indent="177800" algn="l">
+                        <a:lnSpc>
+                          <a:spcPct val="115000"/>
+                        </a:lnSpc>
+                        <a:spcBef>
+                          <a:spcPts val="0"/>
+                        </a:spcBef>
+                        <a:spcAft>
+                          <a:spcPts val="0"/>
+                        </a:spcAft>
+                      </a:pPr>
+                      <a:r>
+                        <a:rPr lang="en-US" sz="1400">
+                          <a:solidFill>
+                            <a:srgbClr val="000000"/>
+                          </a:solidFill>
+                          <a:latin typeface="Calibri"/>
+                          <a:ea typeface="Times New Roman"/>
+                          <a:cs typeface="Times New Roman"/>
+                        </a:rPr>
+                        <a:t>Users with accounts can login</a:t>
+                      </a:r>
+                      <a:endParaRPr lang="en-US" sz="1100">
+                        <a:latin typeface="Calibri"/>
+                        <a:ea typeface="Calibri"/>
+                        <a:cs typeface="Times New Roman"/>
+                      </a:endParaRPr>
+                    </a:p>
+                  </a:txBody>
+                  <a:tcPr marL="68580" marR="68580" marT="0" marB="0" anchor="b">
+                    <a:lnL w="12700" cap="flat" cmpd="sng" algn="ctr">
+                      <a:solidFill>
+                        <a:srgbClr val="000000"/>
+                      </a:solidFill>
+                      <a:prstDash val="solid"/>
+                      <a:round/>
+                      <a:headEnd type="none" w="med" len="med"/>
+                      <a:tailEnd type="none" w="med" len="med"/>
+                    </a:lnL>
+                    <a:lnR w="12700" cap="flat" cmpd="sng" algn="ctr">
+                      <a:solidFill>
+                        <a:srgbClr val="000000"/>
+                      </a:solidFill>
+                      <a:prstDash val="solid"/>
+                      <a:round/>
+                      <a:headEnd type="none" w="med" len="med"/>
+                      <a:tailEnd type="none" w="med" len="med"/>
+                    </a:lnR>
+                    <a:lnT w="12700" cap="flat" cmpd="sng" algn="ctr">
+                      <a:solidFill>
+                        <a:srgbClr val="000000"/>
+                      </a:solidFill>
+                      <a:prstDash val="solid"/>
+                      <a:round/>
+                      <a:headEnd type="none" w="med" len="med"/>
+                      <a:tailEnd type="none" w="med" len="med"/>
+                    </a:lnT>
+                    <a:lnB w="12700" cap="flat" cmpd="sng" algn="ctr">
+                      <a:solidFill>
+                        <a:srgbClr val="000000"/>
+                      </a:solidFill>
+                      <a:prstDash val="solid"/>
+                      <a:round/>
+                      <a:headEnd type="none" w="med" len="med"/>
+                      <a:tailEnd type="none" w="med" len="med"/>
+                    </a:lnB>
+                  </a:tcPr>
+                </a:tc>
+              </a:tr>
+              <a:tr h="268265">
+                <a:tc>
+                  <a:txBody>
+                    <a:bodyPr/>
+                    <a:lstStyle/>
+                    <a:p>
+                      <a:pPr marL="0" marR="0" algn="ctr">
+                        <a:lnSpc>
+                          <a:spcPct val="115000"/>
+                        </a:lnSpc>
+                        <a:spcBef>
+                          <a:spcPts val="0"/>
+                        </a:spcBef>
+                        <a:spcAft>
+                          <a:spcPts val="0"/>
+                        </a:spcAft>
+                      </a:pPr>
+                      <a:r>
+                        <a:rPr lang="en-US" sz="1400">
+                          <a:solidFill>
+                            <a:srgbClr val="000000"/>
+                          </a:solidFill>
+                          <a:latin typeface="Calibri"/>
+                          <a:ea typeface="Times New Roman"/>
+                          <a:cs typeface="Times New Roman"/>
+                        </a:rPr>
+                        <a:t>Preconditions</a:t>
+                      </a:r>
+                      <a:endParaRPr lang="en-US" sz="1100">
+                        <a:latin typeface="Calibri"/>
+                        <a:ea typeface="Calibri"/>
+                        <a:cs typeface="Times New Roman"/>
+                      </a:endParaRPr>
+                    </a:p>
+                  </a:txBody>
+                  <a:tcPr marL="68580" marR="68580" marT="0" marB="0" anchor="b">
+                    <a:lnL w="12700" cap="flat" cmpd="sng" algn="ctr">
+                      <a:solidFill>
+                        <a:srgbClr val="000000"/>
+                      </a:solidFill>
+                      <a:prstDash val="solid"/>
+                      <a:round/>
+                      <a:headEnd type="none" w="med" len="med"/>
+                      <a:tailEnd type="none" w="med" len="med"/>
+                    </a:lnL>
+                    <a:lnR w="12700" cap="flat" cmpd="sng" algn="ctr">
+                      <a:solidFill>
+                        <a:srgbClr val="000000"/>
+                      </a:solidFill>
+                      <a:prstDash val="solid"/>
+                      <a:round/>
+                      <a:headEnd type="none" w="med" len="med"/>
+                      <a:tailEnd type="none" w="med" len="med"/>
+                    </a:lnR>
+                    <a:lnT w="12700" cap="flat" cmpd="sng" algn="ctr">
+                      <a:solidFill>
+                        <a:srgbClr val="000000"/>
+                      </a:solidFill>
+                      <a:prstDash val="solid"/>
+                      <a:round/>
+                      <a:headEnd type="none" w="med" len="med"/>
+                      <a:tailEnd type="none" w="med" len="med"/>
+                    </a:lnT>
+                    <a:lnB w="12700" cap="flat" cmpd="sng" algn="ctr">
+                      <a:solidFill>
+                        <a:srgbClr val="000000"/>
+                      </a:solidFill>
+                      <a:prstDash val="solid"/>
+                      <a:round/>
+                      <a:headEnd type="none" w="med" len="med"/>
+                      <a:tailEnd type="none" w="med" len="med"/>
+                    </a:lnB>
+                  </a:tcPr>
+                </a:tc>
+                <a:tc>
+                  <a:txBody>
+                    <a:bodyPr/>
+                    <a:lstStyle/>
+                    <a:p>
+                      <a:pPr marL="0" marR="0" indent="177800" algn="l">
+                        <a:lnSpc>
+                          <a:spcPct val="115000"/>
+                        </a:lnSpc>
+                        <a:spcBef>
+                          <a:spcPts val="0"/>
+                        </a:spcBef>
+                        <a:spcAft>
+                          <a:spcPts val="0"/>
+                        </a:spcAft>
+                      </a:pPr>
+                      <a:r>
+                        <a:rPr lang="en-US" sz="1400">
+                          <a:solidFill>
+                            <a:srgbClr val="000000"/>
+                          </a:solidFill>
+                          <a:latin typeface="Calibri"/>
+                          <a:ea typeface="Times New Roman"/>
+                          <a:cs typeface="Times New Roman"/>
+                        </a:rPr>
+                        <a:t>The user has account on the blog</a:t>
+                      </a:r>
+                      <a:endParaRPr lang="en-US" sz="1100">
+                        <a:latin typeface="Calibri"/>
+                        <a:ea typeface="Calibri"/>
+                        <a:cs typeface="Times New Roman"/>
+                      </a:endParaRPr>
+                    </a:p>
+                  </a:txBody>
+                  <a:tcPr marL="68580" marR="68580" marT="0" marB="0" anchor="b">
+                    <a:lnL w="12700" cap="flat" cmpd="sng" algn="ctr">
+                      <a:solidFill>
+                        <a:srgbClr val="000000"/>
+                      </a:solidFill>
+                      <a:prstDash val="solid"/>
+                      <a:round/>
+                      <a:headEnd type="none" w="med" len="med"/>
+                      <a:tailEnd type="none" w="med" len="med"/>
+                    </a:lnL>
+                    <a:lnR w="12700" cap="flat" cmpd="sng" algn="ctr">
+                      <a:solidFill>
+                        <a:srgbClr val="000000"/>
+                      </a:solidFill>
+                      <a:prstDash val="solid"/>
+                      <a:round/>
+                      <a:headEnd type="none" w="med" len="med"/>
+                      <a:tailEnd type="none" w="med" len="med"/>
+                    </a:lnR>
+                    <a:lnT w="12700" cap="flat" cmpd="sng" algn="ctr">
+                      <a:solidFill>
+                        <a:srgbClr val="000000"/>
+                      </a:solidFill>
+                      <a:prstDash val="solid"/>
+                      <a:round/>
+                      <a:headEnd type="none" w="med" len="med"/>
+                      <a:tailEnd type="none" w="med" len="med"/>
+                    </a:lnT>
+                    <a:lnB w="12700" cap="flat" cmpd="sng" algn="ctr">
+                      <a:solidFill>
+                        <a:srgbClr val="000000"/>
+                      </a:solidFill>
+                      <a:prstDash val="solid"/>
+                      <a:round/>
+                      <a:headEnd type="none" w="med" len="med"/>
+                      <a:tailEnd type="none" w="med" len="med"/>
+                    </a:lnB>
+                  </a:tcPr>
+                </a:tc>
+              </a:tr>
+              <a:tr h="268265">
+                <a:tc>
+                  <a:txBody>
+                    <a:bodyPr/>
+                    <a:lstStyle/>
+                    <a:p>
+                      <a:pPr marL="0" marR="0" algn="ctr">
+                        <a:lnSpc>
+                          <a:spcPct val="115000"/>
+                        </a:lnSpc>
+                        <a:spcBef>
+                          <a:spcPts val="0"/>
+                        </a:spcBef>
+                        <a:spcAft>
+                          <a:spcPts val="0"/>
+                        </a:spcAft>
+                      </a:pPr>
+                      <a:r>
+                        <a:rPr lang="en-US" sz="1400">
+                          <a:solidFill>
+                            <a:srgbClr val="000000"/>
+                          </a:solidFill>
+                          <a:latin typeface="Calibri"/>
+                          <a:ea typeface="Times New Roman"/>
+                          <a:cs typeface="Times New Roman"/>
+                        </a:rPr>
+                        <a:t>Post-conditions</a:t>
+                      </a:r>
+                      <a:endParaRPr lang="en-US" sz="1100">
+                        <a:latin typeface="Calibri"/>
+                        <a:ea typeface="Calibri"/>
+                        <a:cs typeface="Times New Roman"/>
+                      </a:endParaRPr>
+                    </a:p>
+                  </a:txBody>
+                  <a:tcPr marL="68580" marR="68580" marT="0" marB="0" anchor="b">
+                    <a:lnL w="12700" cap="flat" cmpd="sng" algn="ctr">
+                      <a:solidFill>
+                        <a:srgbClr val="000000"/>
+                      </a:solidFill>
+                      <a:prstDash val="solid"/>
+                      <a:round/>
+                      <a:headEnd type="none" w="med" len="med"/>
+                      <a:tailEnd type="none" w="med" len="med"/>
+                    </a:lnL>
+                    <a:lnR w="12700" cap="flat" cmpd="sng" algn="ctr">
+                      <a:solidFill>
+                        <a:srgbClr val="000000"/>
+                      </a:solidFill>
+                      <a:prstDash val="solid"/>
+                      <a:round/>
+                      <a:headEnd type="none" w="med" len="med"/>
+                      <a:tailEnd type="none" w="med" len="med"/>
+                    </a:lnR>
+                    <a:lnT w="12700" cap="flat" cmpd="sng" algn="ctr">
+                      <a:solidFill>
+                        <a:srgbClr val="000000"/>
+                      </a:solidFill>
+                      <a:prstDash val="solid"/>
+                      <a:round/>
+                      <a:headEnd type="none" w="med" len="med"/>
+                      <a:tailEnd type="none" w="med" len="med"/>
+                    </a:lnT>
+                    <a:lnB w="12700" cap="flat" cmpd="sng" algn="ctr">
+                      <a:solidFill>
+                        <a:srgbClr val="000000"/>
+                      </a:solidFill>
+                      <a:prstDash val="solid"/>
+                      <a:round/>
+                      <a:headEnd type="none" w="med" len="med"/>
+                      <a:tailEnd type="none" w="med" len="med"/>
+                    </a:lnB>
+                  </a:tcPr>
+                </a:tc>
+                <a:tc>
+                  <a:txBody>
+                    <a:bodyPr/>
+                    <a:lstStyle/>
+                    <a:p>
+                      <a:pPr marL="0" marR="0" indent="177800" algn="l">
+                        <a:lnSpc>
+                          <a:spcPct val="115000"/>
+                        </a:lnSpc>
+                        <a:spcBef>
+                          <a:spcPts val="0"/>
+                        </a:spcBef>
+                        <a:spcAft>
+                          <a:spcPts val="0"/>
+                        </a:spcAft>
+                      </a:pPr>
+                      <a:r>
+                        <a:rPr lang="en-US" sz="1400">
+                          <a:solidFill>
+                            <a:srgbClr val="000000"/>
+                          </a:solidFill>
+                          <a:latin typeface="Calibri"/>
+                          <a:ea typeface="Times New Roman"/>
+                          <a:cs typeface="Times New Roman"/>
+                        </a:rPr>
+                        <a:t>The user logs into the blog</a:t>
+                      </a:r>
+                      <a:endParaRPr lang="en-US" sz="1100">
+                        <a:latin typeface="Calibri"/>
+                        <a:ea typeface="Calibri"/>
+                        <a:cs typeface="Times New Roman"/>
+                      </a:endParaRPr>
+                    </a:p>
+                  </a:txBody>
+                  <a:tcPr marL="68580" marR="68580" marT="0" marB="0" anchor="b">
+                    <a:lnL w="12700" cap="flat" cmpd="sng" algn="ctr">
+                      <a:solidFill>
+                        <a:srgbClr val="000000"/>
+                      </a:solidFill>
+                      <a:prstDash val="solid"/>
+                      <a:round/>
+                      <a:headEnd type="none" w="med" len="med"/>
+                      <a:tailEnd type="none" w="med" len="med"/>
+                    </a:lnL>
+                    <a:lnR w="12700" cap="flat" cmpd="sng" algn="ctr">
+                      <a:solidFill>
+                        <a:srgbClr val="000000"/>
+                      </a:solidFill>
+                      <a:prstDash val="solid"/>
+                      <a:round/>
+                      <a:headEnd type="none" w="med" len="med"/>
+                      <a:tailEnd type="none" w="med" len="med"/>
+                    </a:lnR>
+                    <a:lnT w="12700" cap="flat" cmpd="sng" algn="ctr">
+                      <a:solidFill>
+                        <a:srgbClr val="000000"/>
+                      </a:solidFill>
+                      <a:prstDash val="solid"/>
+                      <a:round/>
+                      <a:headEnd type="none" w="med" len="med"/>
+                      <a:tailEnd type="none" w="med" len="med"/>
+                    </a:lnT>
+                    <a:lnB w="12700" cap="flat" cmpd="sng" algn="ctr">
+                      <a:solidFill>
+                        <a:srgbClr val="000000"/>
+                      </a:solidFill>
+                      <a:prstDash val="solid"/>
+                      <a:round/>
+                      <a:headEnd type="none" w="med" len="med"/>
+                      <a:tailEnd type="none" w="med" len="med"/>
+                    </a:lnB>
+                  </a:tcPr>
+                </a:tc>
+              </a:tr>
+              <a:tr h="260350">
+                <a:tc>
+                  <a:txBody>
+                    <a:bodyPr/>
+                    <a:lstStyle/>
+                    <a:p>
+                      <a:pPr algn="l">
+                        <a:lnSpc>
+                          <a:spcPct val="115000"/>
+                        </a:lnSpc>
+                      </a:pPr>
+                      <a:endParaRPr lang="en-US" sz="1100">
+                        <a:latin typeface="Calibri"/>
+                        <a:ea typeface="Times New Roman"/>
+                      </a:endParaRPr>
+                    </a:p>
+                  </a:txBody>
+                  <a:tcPr marL="68580" marR="68580" marT="0" marB="0" anchor="b">
+                    <a:lnL>
+                      <a:noFill/>
+                    </a:lnL>
+                    <a:lnR>
+                      <a:noFill/>
+                    </a:lnR>
+                    <a:lnT w="12700" cap="flat" cmpd="sng" algn="ctr">
+                      <a:solidFill>
+                        <a:srgbClr val="000000"/>
+                      </a:solidFill>
+                      <a:prstDash val="solid"/>
+                      <a:round/>
+                      <a:headEnd type="none" w="med" len="med"/>
+                      <a:tailEnd type="none" w="med" len="med"/>
+                    </a:lnT>
+                    <a:lnB w="12700" cap="flat" cmpd="sng" algn="ctr">
+                      <a:solidFill>
+                        <a:srgbClr val="000000"/>
+                      </a:solidFill>
+                      <a:prstDash val="solid"/>
+                      <a:round/>
+                      <a:headEnd type="none" w="med" len="med"/>
+                      <a:tailEnd type="none" w="med" len="med"/>
+                    </a:lnB>
+                  </a:tcPr>
+                </a:tc>
+                <a:tc>
+                  <a:txBody>
+                    <a:bodyPr/>
+                    <a:lstStyle/>
+                    <a:p>
+                      <a:pPr algn="l">
+                        <a:lnSpc>
+                          <a:spcPct val="115000"/>
+                        </a:lnSpc>
+                      </a:pPr>
+                      <a:endParaRPr lang="en-US" sz="1100">
+                        <a:latin typeface="Calibri"/>
+                        <a:ea typeface="Times New Roman"/>
+                      </a:endParaRPr>
+                    </a:p>
+                  </a:txBody>
+                  <a:tcPr marL="68580" marR="68580" marT="0" marB="0" anchor="b">
+                    <a:lnL>
+                      <a:noFill/>
+                    </a:lnL>
+                    <a:lnR>
+                      <a:noFill/>
+                    </a:lnR>
+                    <a:lnT w="12700" cap="flat" cmpd="sng" algn="ctr">
+                      <a:solidFill>
+                        <a:srgbClr val="000000"/>
+                      </a:solidFill>
+                      <a:prstDash val="solid"/>
+                      <a:round/>
+                      <a:headEnd type="none" w="med" len="med"/>
+                      <a:tailEnd type="none" w="med" len="med"/>
+                    </a:lnT>
+                    <a:lnB w="12700" cap="flat" cmpd="sng" algn="ctr">
+                      <a:solidFill>
+                        <a:srgbClr val="000000"/>
+                      </a:solidFill>
+                      <a:prstDash val="solid"/>
+                      <a:round/>
+                      <a:headEnd type="none" w="med" len="med"/>
+                      <a:tailEnd type="none" w="med" len="med"/>
+                    </a:lnB>
+                  </a:tcPr>
+                </a:tc>
+              </a:tr>
+              <a:tr h="268265">
+                <a:tc>
+                  <a:txBody>
+                    <a:bodyPr/>
+                    <a:lstStyle/>
+                    <a:p>
+                      <a:pPr marL="0" marR="0" algn="ctr">
+                        <a:lnSpc>
+                          <a:spcPct val="115000"/>
+                        </a:lnSpc>
+                        <a:spcBef>
+                          <a:spcPts val="0"/>
+                        </a:spcBef>
+                        <a:spcAft>
+                          <a:spcPts val="0"/>
+                        </a:spcAft>
+                      </a:pPr>
+                      <a:r>
+                        <a:rPr lang="en-US" sz="1400">
+                          <a:solidFill>
+                            <a:srgbClr val="000000"/>
+                          </a:solidFill>
+                          <a:latin typeface="Calibri"/>
+                          <a:ea typeface="Times New Roman"/>
+                          <a:cs typeface="Times New Roman"/>
+                        </a:rPr>
+                        <a:t>Actor : Registered User</a:t>
+                      </a:r>
+                      <a:endParaRPr lang="en-US" sz="1100">
+                        <a:latin typeface="Calibri"/>
+                        <a:ea typeface="Calibri"/>
+                        <a:cs typeface="Times New Roman"/>
+                      </a:endParaRPr>
+                    </a:p>
+                  </a:txBody>
+                  <a:tcPr marL="68580" marR="68580" marT="0" marB="0" anchor="b">
+                    <a:lnL w="12700" cap="flat" cmpd="sng" algn="ctr">
+                      <a:solidFill>
+                        <a:srgbClr val="000000"/>
+                      </a:solidFill>
+                      <a:prstDash val="solid"/>
+                      <a:round/>
+                      <a:headEnd type="none" w="med" len="med"/>
+                      <a:tailEnd type="none" w="med" len="med"/>
+                    </a:lnL>
+                    <a:lnR w="12700" cap="flat" cmpd="sng" algn="ctr">
+                      <a:solidFill>
+                        <a:srgbClr val="000000"/>
+                      </a:solidFill>
+                      <a:prstDash val="solid"/>
+                      <a:round/>
+                      <a:headEnd type="none" w="med" len="med"/>
+                      <a:tailEnd type="none" w="med" len="med"/>
+                    </a:lnR>
+                    <a:lnT w="12700" cap="flat" cmpd="sng" algn="ctr">
+                      <a:solidFill>
+                        <a:srgbClr val="000000"/>
+                      </a:solidFill>
+                      <a:prstDash val="solid"/>
+                      <a:round/>
+                      <a:headEnd type="none" w="med" len="med"/>
+                      <a:tailEnd type="none" w="med" len="med"/>
+                    </a:lnT>
+                    <a:lnB w="12700" cap="flat" cmpd="sng" algn="ctr">
+                      <a:solidFill>
+                        <a:srgbClr val="000000"/>
+                      </a:solidFill>
+                      <a:prstDash val="solid"/>
+                      <a:round/>
+                      <a:headEnd type="none" w="med" len="med"/>
+                      <a:tailEnd type="none" w="med" len="med"/>
+                    </a:lnB>
+                  </a:tcPr>
+                </a:tc>
+                <a:tc>
+                  <a:txBody>
+                    <a:bodyPr/>
+                    <a:lstStyle/>
+                    <a:p>
+                      <a:pPr marL="0" marR="0" algn="ctr">
+                        <a:lnSpc>
+                          <a:spcPct val="115000"/>
+                        </a:lnSpc>
+                        <a:spcBef>
+                          <a:spcPts val="0"/>
+                        </a:spcBef>
+                        <a:spcAft>
+                          <a:spcPts val="0"/>
+                        </a:spcAft>
+                      </a:pPr>
+                      <a:r>
+                        <a:rPr lang="en-US" sz="1400">
+                          <a:solidFill>
+                            <a:srgbClr val="000000"/>
+                          </a:solidFill>
+                          <a:latin typeface="Calibri"/>
+                          <a:ea typeface="Times New Roman"/>
+                          <a:cs typeface="Times New Roman"/>
+                        </a:rPr>
+                        <a:t>System</a:t>
+                      </a:r>
+                      <a:endParaRPr lang="en-US" sz="1100">
+                        <a:latin typeface="Calibri"/>
+                        <a:ea typeface="Calibri"/>
+                        <a:cs typeface="Times New Roman"/>
+                      </a:endParaRPr>
+                    </a:p>
+                  </a:txBody>
+                  <a:tcPr marL="68580" marR="68580" marT="0" marB="0" anchor="b">
+                    <a:lnL w="12700" cap="flat" cmpd="sng" algn="ctr">
+                      <a:solidFill>
+                        <a:srgbClr val="000000"/>
+                      </a:solidFill>
+                      <a:prstDash val="solid"/>
+                      <a:round/>
+                      <a:headEnd type="none" w="med" len="med"/>
+                      <a:tailEnd type="none" w="med" len="med"/>
+                    </a:lnL>
+                    <a:lnR w="12700" cap="flat" cmpd="sng" algn="ctr">
+                      <a:solidFill>
+                        <a:srgbClr val="000000"/>
+                      </a:solidFill>
+                      <a:prstDash val="solid"/>
+                      <a:round/>
+                      <a:headEnd type="none" w="med" len="med"/>
+                      <a:tailEnd type="none" w="med" len="med"/>
+                    </a:lnR>
+                    <a:lnT w="12700" cap="flat" cmpd="sng" algn="ctr">
+                      <a:solidFill>
+                        <a:srgbClr val="000000"/>
+                      </a:solidFill>
+                      <a:prstDash val="solid"/>
+                      <a:round/>
+                      <a:headEnd type="none" w="med" len="med"/>
+                      <a:tailEnd type="none" w="med" len="med"/>
+                    </a:lnT>
+                    <a:lnB w="12700" cap="flat" cmpd="sng" algn="ctr">
+                      <a:solidFill>
+                        <a:srgbClr val="000000"/>
+                      </a:solidFill>
+                      <a:prstDash val="solid"/>
+                      <a:round/>
+                      <a:headEnd type="none" w="med" len="med"/>
+                      <a:tailEnd type="none" w="med" len="med"/>
+                    </a:lnB>
+                  </a:tcPr>
+                </a:tc>
+              </a:tr>
+              <a:tr h="536530">
+                <a:tc>
+                  <a:txBody>
+                    <a:bodyPr/>
+                    <a:lstStyle/>
+                    <a:p>
+                      <a:pPr marL="0" marR="0" algn="l">
+                        <a:lnSpc>
+                          <a:spcPct val="115000"/>
+                        </a:lnSpc>
+                        <a:spcBef>
+                          <a:spcPts val="0"/>
+                        </a:spcBef>
+                        <a:spcAft>
+                          <a:spcPts val="0"/>
+                        </a:spcAft>
+                      </a:pPr>
+                      <a:r>
+                        <a:rPr lang="en-US" sz="1400">
+                          <a:solidFill>
+                            <a:srgbClr val="000000"/>
+                          </a:solidFill>
+                          <a:latin typeface="Calibri"/>
+                          <a:ea typeface="Times New Roman"/>
+                          <a:cs typeface="Times New Roman"/>
+                        </a:rPr>
+                        <a:t>0. The user opens the webpage</a:t>
+                      </a:r>
+                      <a:endParaRPr lang="en-US" sz="1100">
+                        <a:latin typeface="Calibri"/>
+                        <a:ea typeface="Calibri"/>
+                        <a:cs typeface="Times New Roman"/>
+                      </a:endParaRPr>
+                    </a:p>
+                  </a:txBody>
+                  <a:tcPr marL="68580" marR="68580" marT="0" marB="0" anchor="b">
+                    <a:lnL w="12700" cap="flat" cmpd="sng" algn="ctr">
+                      <a:solidFill>
+                        <a:srgbClr val="000000"/>
+                      </a:solidFill>
+                      <a:prstDash val="solid"/>
+                      <a:round/>
+                      <a:headEnd type="none" w="med" len="med"/>
+                      <a:tailEnd type="none" w="med" len="med"/>
+                    </a:lnL>
+                    <a:lnR w="12700" cap="flat" cmpd="sng" algn="ctr">
+                      <a:solidFill>
+                        <a:srgbClr val="000000"/>
+                      </a:solidFill>
+                      <a:prstDash val="solid"/>
+                      <a:round/>
+                      <a:headEnd type="none" w="med" len="med"/>
+                      <a:tailEnd type="none" w="med" len="med"/>
+                    </a:lnR>
+                    <a:lnT w="12700" cap="flat" cmpd="sng" algn="ctr">
+                      <a:solidFill>
+                        <a:srgbClr val="000000"/>
+                      </a:solidFill>
+                      <a:prstDash val="solid"/>
+                      <a:round/>
+                      <a:headEnd type="none" w="med" len="med"/>
+                      <a:tailEnd type="none" w="med" len="med"/>
+                    </a:lnT>
+                    <a:lnB w="12700" cap="flat" cmpd="sng" algn="ctr">
+                      <a:solidFill>
+                        <a:srgbClr val="000000"/>
+                      </a:solidFill>
+                      <a:prstDash val="solid"/>
+                      <a:round/>
+                      <a:headEnd type="none" w="med" len="med"/>
+                      <a:tailEnd type="none" w="med" len="med"/>
+                    </a:lnB>
+                  </a:tcPr>
+                </a:tc>
+                <a:tc>
+                  <a:txBody>
+                    <a:bodyPr/>
+                    <a:lstStyle/>
+                    <a:p>
+                      <a:pPr marL="0" marR="0" indent="177800" algn="l">
+                        <a:lnSpc>
+                          <a:spcPct val="115000"/>
+                        </a:lnSpc>
+                        <a:spcBef>
+                          <a:spcPts val="0"/>
+                        </a:spcBef>
+                        <a:spcAft>
+                          <a:spcPts val="0"/>
+                        </a:spcAft>
+                      </a:pPr>
+                      <a:r>
+                        <a:rPr lang="en-US" sz="1400">
+                          <a:solidFill>
+                            <a:srgbClr val="000000"/>
+                          </a:solidFill>
+                          <a:latin typeface="Calibri"/>
+                          <a:ea typeface="Times New Roman"/>
+                          <a:cs typeface="Times New Roman"/>
+                        </a:rPr>
+                        <a:t>1. System displays the blog homepage</a:t>
+                      </a:r>
+                      <a:endParaRPr lang="en-US" sz="1100">
+                        <a:latin typeface="Calibri"/>
+                        <a:ea typeface="Calibri"/>
+                        <a:cs typeface="Times New Roman"/>
+                      </a:endParaRPr>
+                    </a:p>
+                  </a:txBody>
+                  <a:tcPr marL="68580" marR="68580" marT="0" marB="0" anchor="b">
+                    <a:lnL w="12700" cap="flat" cmpd="sng" algn="ctr">
+                      <a:solidFill>
+                        <a:srgbClr val="000000"/>
+                      </a:solidFill>
+                      <a:prstDash val="solid"/>
+                      <a:round/>
+                      <a:headEnd type="none" w="med" len="med"/>
+                      <a:tailEnd type="none" w="med" len="med"/>
+                    </a:lnL>
+                    <a:lnR w="12700" cap="flat" cmpd="sng" algn="ctr">
+                      <a:solidFill>
+                        <a:srgbClr val="000000"/>
+                      </a:solidFill>
+                      <a:prstDash val="solid"/>
+                      <a:round/>
+                      <a:headEnd type="none" w="med" len="med"/>
+                      <a:tailEnd type="none" w="med" len="med"/>
+                    </a:lnR>
+                    <a:lnT w="12700" cap="flat" cmpd="sng" algn="ctr">
+                      <a:solidFill>
+                        <a:srgbClr val="000000"/>
+                      </a:solidFill>
+                      <a:prstDash val="solid"/>
+                      <a:round/>
+                      <a:headEnd type="none" w="med" len="med"/>
+                      <a:tailEnd type="none" w="med" len="med"/>
+                    </a:lnT>
+                    <a:lnB w="12700" cap="flat" cmpd="sng" algn="ctr">
+                      <a:solidFill>
+                        <a:srgbClr val="000000"/>
+                      </a:solidFill>
+                      <a:prstDash val="solid"/>
+                      <a:round/>
+                      <a:headEnd type="none" w="med" len="med"/>
+                      <a:tailEnd type="none" w="med" len="med"/>
+                    </a:lnB>
+                  </a:tcPr>
+                </a:tc>
+              </a:tr>
+              <a:tr h="479381">
+                <a:tc>
+                  <a:txBody>
+                    <a:bodyPr/>
+                    <a:lstStyle/>
+                    <a:p>
+                      <a:pPr marL="0" marR="0" algn="l">
+                        <a:lnSpc>
+                          <a:spcPct val="115000"/>
+                        </a:lnSpc>
+                        <a:spcBef>
+                          <a:spcPts val="0"/>
+                        </a:spcBef>
+                        <a:spcAft>
+                          <a:spcPts val="0"/>
+                        </a:spcAft>
+                      </a:pPr>
+                      <a:r>
+                        <a:rPr lang="en-US" sz="1400">
+                          <a:solidFill>
+                            <a:srgbClr val="000000"/>
+                          </a:solidFill>
+                          <a:latin typeface="Calibri"/>
+                          <a:ea typeface="Times New Roman"/>
+                          <a:cs typeface="Times New Roman"/>
+                        </a:rPr>
+                        <a:t>2. The user enters their login credentials and clicks 'Login'</a:t>
+                      </a:r>
+                      <a:endParaRPr lang="en-US" sz="1100">
+                        <a:latin typeface="Calibri"/>
+                        <a:ea typeface="Calibri"/>
+                        <a:cs typeface="Times New Roman"/>
+                      </a:endParaRPr>
+                    </a:p>
+                  </a:txBody>
+                  <a:tcPr marL="68580" marR="68580" marT="0" marB="0" anchor="b">
+                    <a:lnL w="12700" cap="flat" cmpd="sng" algn="ctr">
+                      <a:solidFill>
+                        <a:srgbClr val="000000"/>
+                      </a:solidFill>
+                      <a:prstDash val="solid"/>
+                      <a:round/>
+                      <a:headEnd type="none" w="med" len="med"/>
+                      <a:tailEnd type="none" w="med" len="med"/>
+                    </a:lnL>
+                    <a:lnR w="12700" cap="flat" cmpd="sng" algn="ctr">
+                      <a:solidFill>
+                        <a:srgbClr val="000000"/>
+                      </a:solidFill>
+                      <a:prstDash val="solid"/>
+                      <a:round/>
+                      <a:headEnd type="none" w="med" len="med"/>
+                      <a:tailEnd type="none" w="med" len="med"/>
+                    </a:lnR>
+                    <a:lnT w="12700" cap="flat" cmpd="sng" algn="ctr">
+                      <a:solidFill>
+                        <a:srgbClr val="000000"/>
+                      </a:solidFill>
+                      <a:prstDash val="solid"/>
+                      <a:round/>
+                      <a:headEnd type="none" w="med" len="med"/>
+                      <a:tailEnd type="none" w="med" len="med"/>
+                    </a:lnT>
+                    <a:lnB w="12700" cap="flat" cmpd="sng" algn="ctr">
+                      <a:solidFill>
+                        <a:srgbClr val="000000"/>
+                      </a:solidFill>
+                      <a:prstDash val="solid"/>
+                      <a:round/>
+                      <a:headEnd type="none" w="med" len="med"/>
+                      <a:tailEnd type="none" w="med" len="med"/>
+                    </a:lnB>
+                  </a:tcPr>
+                </a:tc>
+                <a:tc>
+                  <a:txBody>
+                    <a:bodyPr/>
+                    <a:lstStyle/>
+                    <a:p>
+                      <a:pPr marL="0" marR="0" indent="177800" algn="l">
+                        <a:lnSpc>
+                          <a:spcPct val="115000"/>
+                        </a:lnSpc>
+                        <a:spcBef>
+                          <a:spcPts val="0"/>
+                        </a:spcBef>
+                        <a:spcAft>
+                          <a:spcPts val="0"/>
+                        </a:spcAft>
+                      </a:pPr>
+                      <a:r>
+                        <a:rPr lang="en-US" sz="1400" dirty="0">
+                          <a:solidFill>
+                            <a:srgbClr val="000000"/>
+                          </a:solidFill>
+                          <a:latin typeface="Calibri"/>
+                          <a:ea typeface="Times New Roman"/>
+                          <a:cs typeface="Times New Roman"/>
+                        </a:rPr>
+                        <a:t>3. System verifies user's login credentials and logs user in</a:t>
+                      </a:r>
+                      <a:endParaRPr lang="en-US" sz="1100" dirty="0">
+                        <a:latin typeface="Calibri"/>
+                        <a:ea typeface="Calibri"/>
+                        <a:cs typeface="Times New Roman"/>
+                      </a:endParaRPr>
+                    </a:p>
+                  </a:txBody>
+                  <a:tcPr marL="68580" marR="68580" marT="0" marB="0" anchor="b">
+                    <a:lnL w="12700" cap="flat" cmpd="sng" algn="ctr">
+                      <a:solidFill>
+                        <a:srgbClr val="000000"/>
+                      </a:solidFill>
+                      <a:prstDash val="solid"/>
+                      <a:round/>
+                      <a:headEnd type="none" w="med" len="med"/>
+                      <a:tailEnd type="none" w="med" len="med"/>
+                    </a:lnL>
+                    <a:lnR w="12700" cap="flat" cmpd="sng" algn="ctr">
+                      <a:solidFill>
+                        <a:srgbClr val="000000"/>
+                      </a:solidFill>
+                      <a:prstDash val="solid"/>
+                      <a:round/>
+                      <a:headEnd type="none" w="med" len="med"/>
+                      <a:tailEnd type="none" w="med" len="med"/>
+                    </a:lnR>
+                    <a:lnT w="12700" cap="flat" cmpd="sng" algn="ctr">
+                      <a:solidFill>
+                        <a:srgbClr val="000000"/>
+                      </a:solidFill>
+                      <a:prstDash val="solid"/>
+                      <a:round/>
+                      <a:headEnd type="none" w="med" len="med"/>
+                      <a:tailEnd type="none" w="med" len="med"/>
+                    </a:lnT>
+                    <a:lnB w="12700" cap="flat" cmpd="sng" algn="ctr">
+                      <a:solidFill>
+                        <a:srgbClr val="000000"/>
+                      </a:solidFill>
+                      <a:prstDash val="solid"/>
+                      <a:round/>
+                      <a:headEnd type="none" w="med" len="med"/>
+                      <a:tailEnd type="none" w="med" len="med"/>
+                    </a:lnB>
+                  </a:tcPr>
+                </a:tc>
+              </a:tr>
+            </a:tbl>
+          </a:graphicData>
+        </a:graphic>
+      </p:graphicFrame>
     </p:spTree>
-    <p:extLst>
-      <p:ext uri="{BB962C8B-B14F-4D97-AF65-F5344CB8AC3E}">
-        <p14:creationId xmlns:p14="http://schemas.microsoft.com/office/powerpoint/2010/main" val="3978106633"/>
-      </p:ext>
-    </p:extLst>
   </p:cSld>
   <p:clrMapOvr>
     <a:masterClrMapping/>
@@ -8364,6 +8416,158 @@
     <p:extLst>
       <p:ext uri="{BB962C8B-B14F-4D97-AF65-F5344CB8AC3E}">
         <p14:creationId xmlns:p14="http://schemas.microsoft.com/office/powerpoint/2010/main" val="1939236698"/>
+      </p:ext>
+    </p:extLst>
+  </p:cSld>
+  <p:clrMapOvr>
+    <a:masterClrMapping/>
+  </p:clrMapOvr>
+</p:sld>
+</file>
+
+<file path=ppt/slides/slide20.xml><?xml version="1.0" encoding="utf-8"?>
+<p:sld xmlns:a="http://schemas.openxmlformats.org/drawingml/2006/main" xmlns:r="http://schemas.openxmlformats.org/officeDocument/2006/relationships" xmlns:p="http://schemas.openxmlformats.org/presentationml/2006/main">
+  <p:cSld>
+    <p:spTree>
+      <p:nvGrpSpPr>
+        <p:cNvPr id="1" name=""/>
+        <p:cNvGrpSpPr/>
+        <p:nvPr/>
+      </p:nvGrpSpPr>
+      <p:grpSpPr>
+        <a:xfrm>
+          <a:off x="0" y="0"/>
+          <a:ext cx="0" cy="0"/>
+          <a:chOff x="0" y="0"/>
+          <a:chExt cx="0" cy="0"/>
+        </a:xfrm>
+      </p:grpSpPr>
+      <p:sp>
+        <p:nvSpPr>
+          <p:cNvPr id="2" name="Title 1"/>
+          <p:cNvSpPr>
+            <a:spLocks noGrp="1"/>
+          </p:cNvSpPr>
+          <p:nvPr>
+            <p:ph type="title"/>
+          </p:nvPr>
+        </p:nvSpPr>
+        <p:spPr/>
+        <p:txBody>
+          <a:bodyPr/>
+          <a:lstStyle/>
+          <a:p>
+            <a:r>
+              <a:rPr lang="en-US" dirty="0" smtClean="0"/>
+              <a:t>Login</a:t>
+            </a:r>
+            <a:endParaRPr lang="en-US" dirty="0"/>
+          </a:p>
+        </p:txBody>
+      </p:sp>
+      <p:pic>
+        <p:nvPicPr>
+          <p:cNvPr id="4" name="Picture 3" descr="C:\wamp\www\CapstoneProject\Proposal\Design\Registered User Log In Sequence Diagram.JPG"/>
+          <p:cNvPicPr/>
+          <p:nvPr/>
+        </p:nvPicPr>
+        <p:blipFill>
+          <a:blip r:embed="rId2" cstate="print"/>
+          <a:srcRect/>
+          <a:stretch>
+            <a:fillRect/>
+          </a:stretch>
+        </p:blipFill>
+        <p:spPr bwMode="auto">
+          <a:xfrm>
+            <a:off x="1397329" y="735280"/>
+            <a:ext cx="6203621" cy="4168239"/>
+          </a:xfrm>
+          <a:prstGeom prst="rect">
+            <a:avLst/>
+          </a:prstGeom>
+          <a:noFill/>
+          <a:ln w="9525">
+            <a:noFill/>
+            <a:miter lim="800000"/>
+            <a:headEnd/>
+            <a:tailEnd/>
+          </a:ln>
+        </p:spPr>
+      </p:pic>
+    </p:spTree>
+  </p:cSld>
+  <p:clrMapOvr>
+    <a:masterClrMapping/>
+  </p:clrMapOvr>
+</p:sld>
+</file>
+
+<file path=ppt/slides/slide21.xml><?xml version="1.0" encoding="utf-8"?>
+<p:sld xmlns:a="http://schemas.openxmlformats.org/drawingml/2006/main" xmlns:r="http://schemas.openxmlformats.org/officeDocument/2006/relationships" xmlns:p="http://schemas.openxmlformats.org/presentationml/2006/main">
+  <p:cSld>
+    <p:spTree>
+      <p:nvGrpSpPr>
+        <p:cNvPr id="1" name=""/>
+        <p:cNvGrpSpPr/>
+        <p:nvPr/>
+      </p:nvGrpSpPr>
+      <p:grpSpPr>
+        <a:xfrm>
+          <a:off x="0" y="0"/>
+          <a:ext cx="0" cy="0"/>
+          <a:chOff x="0" y="0"/>
+          <a:chExt cx="0" cy="0"/>
+        </a:xfrm>
+      </p:grpSpPr>
+      <p:sp>
+        <p:nvSpPr>
+          <p:cNvPr id="2" name="Title 1"/>
+          <p:cNvSpPr>
+            <a:spLocks noGrp="1"/>
+          </p:cNvSpPr>
+          <p:nvPr>
+            <p:ph type="title"/>
+          </p:nvPr>
+        </p:nvSpPr>
+        <p:spPr/>
+        <p:txBody>
+          <a:bodyPr>
+            <a:normAutofit/>
+          </a:bodyPr>
+          <a:lstStyle/>
+          <a:p>
+            <a:r>
+              <a:rPr lang="en-US" dirty="0" smtClean="0"/>
+              <a:t>UML Class Diagram</a:t>
+            </a:r>
+            <a:endParaRPr lang="en-US" dirty="0"/>
+          </a:p>
+        </p:txBody>
+      </p:sp>
+      <p:sp>
+        <p:nvSpPr>
+          <p:cNvPr id="3" name="Content Placeholder 2"/>
+          <p:cNvSpPr>
+            <a:spLocks noGrp="1"/>
+          </p:cNvSpPr>
+          <p:nvPr>
+            <p:ph idx="1"/>
+          </p:nvPr>
+        </p:nvSpPr>
+        <p:spPr/>
+        <p:txBody>
+          <a:bodyPr/>
+          <a:lstStyle/>
+          <a:p>
+            <a:endParaRPr lang="en-US"/>
+          </a:p>
+        </p:txBody>
+      </p:sp>
+    </p:spTree>
+    <p:extLst>
+      <p:ext uri="{BB962C8B-B14F-4D97-AF65-F5344CB8AC3E}">
+        <p14:creationId xmlns:p14="http://schemas.microsoft.com/office/powerpoint/2010/main" val="3978106633"/>
       </p:ext>
     </p:extLst>
   </p:cSld>

--- a/Proposal/Design/Design_Presentation.pptx
+++ b/Proposal/Design/Design_Presentation.pptx
@@ -6,24 +6,26 @@
   </p:sldMasterIdLst>
   <p:sldIdLst>
     <p:sldId id="256" r:id="rId2"/>
-    <p:sldId id="257" r:id="rId3"/>
-    <p:sldId id="258" r:id="rId4"/>
-    <p:sldId id="259" r:id="rId5"/>
-    <p:sldId id="260" r:id="rId6"/>
-    <p:sldId id="261" r:id="rId7"/>
-    <p:sldId id="262" r:id="rId8"/>
-    <p:sldId id="263" r:id="rId9"/>
-    <p:sldId id="264" r:id="rId10"/>
-    <p:sldId id="265" r:id="rId11"/>
-    <p:sldId id="266" r:id="rId12"/>
-    <p:sldId id="267" r:id="rId13"/>
-    <p:sldId id="268" r:id="rId14"/>
-    <p:sldId id="269" r:id="rId15"/>
-    <p:sldId id="270" r:id="rId16"/>
-    <p:sldId id="271" r:id="rId17"/>
-    <p:sldId id="272" r:id="rId18"/>
-    <p:sldId id="273" r:id="rId19"/>
-    <p:sldId id="274" r:id="rId20"/>
+    <p:sldId id="275" r:id="rId3"/>
+    <p:sldId id="257" r:id="rId4"/>
+    <p:sldId id="258" r:id="rId5"/>
+    <p:sldId id="259" r:id="rId6"/>
+    <p:sldId id="260" r:id="rId7"/>
+    <p:sldId id="261" r:id="rId8"/>
+    <p:sldId id="262" r:id="rId9"/>
+    <p:sldId id="263" r:id="rId10"/>
+    <p:sldId id="264" r:id="rId11"/>
+    <p:sldId id="265" r:id="rId12"/>
+    <p:sldId id="266" r:id="rId13"/>
+    <p:sldId id="267" r:id="rId14"/>
+    <p:sldId id="268" r:id="rId15"/>
+    <p:sldId id="269" r:id="rId16"/>
+    <p:sldId id="270" r:id="rId17"/>
+    <p:sldId id="271" r:id="rId18"/>
+    <p:sldId id="272" r:id="rId19"/>
+    <p:sldId id="273" r:id="rId20"/>
+    <p:sldId id="274" r:id="rId21"/>
+    <p:sldId id="276" r:id="rId22"/>
   </p:sldIdLst>
   <p:sldSz cx="9144000" cy="6858000" type="screen4x3"/>
   <p:notesSz cx="6858000" cy="9144000"/>
@@ -3636,7 +3638,7 @@
     </p:spTree>
     <p:extLst>
       <p:ext uri="{BB962C8B-B14F-4D97-AF65-F5344CB8AC3E}">
-        <p14:creationId xmlns:p14="http://schemas.microsoft.com/office/powerpoint/2010/main" val="1381402738"/>
+        <p14:creationId xmlns:p14="http://schemas.microsoft.com/office/powerpoint/2010/main" xmlns="" val="1381402738"/>
       </p:ext>
     </p:extLst>
   </p:cSld>
@@ -3680,7 +3682,7 @@
           <a:p>
             <a:r>
               <a:rPr lang="en-US" dirty="0" smtClean="0"/>
-              <a:t>Registered User</a:t>
+              <a:t>Reward Points</a:t>
             </a:r>
             <a:endParaRPr lang="en-US" dirty="0"/>
           </a:p>
@@ -3688,7 +3690,7 @@
       </p:sp>
       <p:pic>
         <p:nvPicPr>
-          <p:cNvPr id="4" name="Picture 3" descr="C:\wamp\www\CapstoneProject\Proposal\Design\Registered User Use Case Diagram.JPG"/>
+          <p:cNvPr id="4" name="Picture 3"/>
           <p:cNvPicPr/>
           <p:nvPr/>
         </p:nvPicPr>
@@ -3701,8 +3703,8 @@
         </p:blipFill>
         <p:spPr bwMode="auto">
           <a:xfrm>
-            <a:off x="1981199" y="847725"/>
-            <a:ext cx="4981575" cy="4029075"/>
+            <a:off x="1043297" y="754331"/>
+            <a:ext cx="7072003" cy="3655744"/>
           </a:xfrm>
           <a:prstGeom prst="rect">
             <a:avLst/>
@@ -3751,1268 +3753,49 @@
             <p:ph type="title"/>
           </p:nvPr>
         </p:nvSpPr>
-        <p:spPr>
-          <a:xfrm>
-            <a:off x="762000" y="4572000"/>
-            <a:ext cx="6972300" cy="1600200"/>
-          </a:xfrm>
-        </p:spPr>
+        <p:spPr/>
         <p:txBody>
-          <a:bodyPr>
-            <a:normAutofit fontScale="90000"/>
-          </a:bodyPr>
+          <a:bodyPr/>
           <a:lstStyle/>
           <a:p>
             <a:r>
               <a:rPr lang="en-US" dirty="0" smtClean="0"/>
-              <a:t>Reg. User - Post Question</a:t>
+              <a:t>Registered User</a:t>
             </a:r>
             <a:endParaRPr lang="en-US" dirty="0"/>
           </a:p>
         </p:txBody>
       </p:sp>
-      <p:graphicFrame>
-        <p:nvGraphicFramePr>
-          <p:cNvPr id="4" name="Table 3"/>
-          <p:cNvGraphicFramePr>
-            <a:graphicFrameLocks noGrp="1"/>
-          </p:cNvGraphicFramePr>
+      <p:pic>
+        <p:nvPicPr>
+          <p:cNvPr id="4" name="Picture 3" descr="C:\wamp\www\CapstoneProject\Proposal\Design\Registered User Use Case Diagram.JPG"/>
+          <p:cNvPicPr/>
           <p:nvPr/>
-        </p:nvGraphicFramePr>
-        <p:xfrm>
-          <a:off x="1390650" y="1409700"/>
-          <a:ext cx="6096000" cy="3038477"/>
-        </p:xfrm>
-        <a:graphic>
-          <a:graphicData uri="http://schemas.openxmlformats.org/drawingml/2006/table">
-            <a:tbl>
-              <a:tblPr/>
-              <a:tblGrid>
-                <a:gridCol w="2862682"/>
-                <a:gridCol w="3233318"/>
-              </a:tblGrid>
-              <a:tr h="312466">
-                <a:tc>
-                  <a:txBody>
-                    <a:bodyPr/>
-                    <a:lstStyle/>
-                    <a:p>
-                      <a:pPr marL="0" marR="0" algn="ctr">
-                        <a:lnSpc>
-                          <a:spcPct val="115000"/>
-                        </a:lnSpc>
-                        <a:spcBef>
-                          <a:spcPts val="0"/>
-                        </a:spcBef>
-                        <a:spcAft>
-                          <a:spcPts val="0"/>
-                        </a:spcAft>
-                      </a:pPr>
-                      <a:r>
-                        <a:rPr lang="en-US" sz="1600" b="1" i="1">
-                          <a:solidFill>
-                            <a:srgbClr val="000000"/>
-                          </a:solidFill>
-                          <a:latin typeface="Calibri"/>
-                          <a:ea typeface="Times New Roman"/>
-                          <a:cs typeface="Times New Roman"/>
-                        </a:rPr>
-                        <a:t>Registered User</a:t>
-                      </a:r>
-                      <a:endParaRPr lang="en-US" sz="1100">
-                        <a:latin typeface="Calibri"/>
-                        <a:ea typeface="Calibri"/>
-                        <a:cs typeface="Times New Roman"/>
-                      </a:endParaRPr>
-                    </a:p>
-                  </a:txBody>
-                  <a:tcPr marL="68580" marR="68580" marT="0" marB="0" anchor="b">
-                    <a:lnL>
-                      <a:noFill/>
-                    </a:lnL>
-                    <a:lnR>
-                      <a:noFill/>
-                    </a:lnR>
-                    <a:lnT>
-                      <a:noFill/>
-                    </a:lnT>
-                    <a:lnB w="12700" cap="flat" cmpd="sng" algn="ctr">
-                      <a:solidFill>
-                        <a:srgbClr val="000000"/>
-                      </a:solidFill>
-                      <a:prstDash val="solid"/>
-                      <a:round/>
-                      <a:headEnd type="none" w="med" len="med"/>
-                      <a:tailEnd type="none" w="med" len="med"/>
-                    </a:lnB>
-                  </a:tcPr>
-                </a:tc>
-                <a:tc>
-                  <a:txBody>
-                    <a:bodyPr/>
-                    <a:lstStyle/>
-                    <a:p>
-                      <a:pPr algn="l">
-                        <a:lnSpc>
-                          <a:spcPct val="115000"/>
-                        </a:lnSpc>
-                      </a:pPr>
-                      <a:endParaRPr lang="en-US" sz="1100">
-                        <a:latin typeface="Calibri"/>
-                        <a:ea typeface="Times New Roman"/>
-                      </a:endParaRPr>
-                    </a:p>
-                  </a:txBody>
-                  <a:tcPr marL="68580" marR="68580" marT="0" marB="0" anchor="b">
-                    <a:lnL>
-                      <a:noFill/>
-                    </a:lnL>
-                    <a:lnR>
-                      <a:noFill/>
-                    </a:lnR>
-                    <a:lnT>
-                      <a:noFill/>
-                    </a:lnT>
-                    <a:lnB w="12700" cap="flat" cmpd="sng" algn="ctr">
-                      <a:solidFill>
-                        <a:srgbClr val="000000"/>
-                      </a:solidFill>
-                      <a:prstDash val="solid"/>
-                      <a:round/>
-                      <a:headEnd type="none" w="med" len="med"/>
-                      <a:tailEnd type="none" w="med" len="med"/>
-                    </a:lnB>
-                  </a:tcPr>
-                </a:tc>
-              </a:tr>
-              <a:tr h="273408">
-                <a:tc>
-                  <a:txBody>
-                    <a:bodyPr/>
-                    <a:lstStyle/>
-                    <a:p>
-                      <a:pPr marL="0" marR="0" algn="ctr">
-                        <a:lnSpc>
-                          <a:spcPct val="115000"/>
-                        </a:lnSpc>
-                        <a:spcBef>
-                          <a:spcPts val="0"/>
-                        </a:spcBef>
-                        <a:spcAft>
-                          <a:spcPts val="0"/>
-                        </a:spcAft>
-                      </a:pPr>
-                      <a:r>
-                        <a:rPr lang="en-US" sz="1400">
-                          <a:solidFill>
-                            <a:srgbClr val="000000"/>
-                          </a:solidFill>
-                          <a:latin typeface="Calibri"/>
-                          <a:ea typeface="Times New Roman"/>
-                          <a:cs typeface="Times New Roman"/>
-                        </a:rPr>
-                        <a:t>Title</a:t>
-                      </a:r>
-                      <a:endParaRPr lang="en-US" sz="1100">
-                        <a:latin typeface="Calibri"/>
-                        <a:ea typeface="Calibri"/>
-                        <a:cs typeface="Times New Roman"/>
-                      </a:endParaRPr>
-                    </a:p>
-                  </a:txBody>
-                  <a:tcPr marL="68580" marR="68580" marT="0" marB="0" anchor="b">
-                    <a:lnL w="12700" cap="flat" cmpd="sng" algn="ctr">
-                      <a:solidFill>
-                        <a:srgbClr val="000000"/>
-                      </a:solidFill>
-                      <a:prstDash val="solid"/>
-                      <a:round/>
-                      <a:headEnd type="none" w="med" len="med"/>
-                      <a:tailEnd type="none" w="med" len="med"/>
-                    </a:lnL>
-                    <a:lnR w="12700" cap="flat" cmpd="sng" algn="ctr">
-                      <a:solidFill>
-                        <a:srgbClr val="000000"/>
-                      </a:solidFill>
-                      <a:prstDash val="solid"/>
-                      <a:round/>
-                      <a:headEnd type="none" w="med" len="med"/>
-                      <a:tailEnd type="none" w="med" len="med"/>
-                    </a:lnR>
-                    <a:lnT w="12700" cap="flat" cmpd="sng" algn="ctr">
-                      <a:solidFill>
-                        <a:srgbClr val="000000"/>
-                      </a:solidFill>
-                      <a:prstDash val="solid"/>
-                      <a:round/>
-                      <a:headEnd type="none" w="med" len="med"/>
-                      <a:tailEnd type="none" w="med" len="med"/>
-                    </a:lnT>
-                    <a:lnB w="12700" cap="flat" cmpd="sng" algn="ctr">
-                      <a:solidFill>
-                        <a:srgbClr val="000000"/>
-                      </a:solidFill>
-                      <a:prstDash val="solid"/>
-                      <a:round/>
-                      <a:headEnd type="none" w="med" len="med"/>
-                      <a:tailEnd type="none" w="med" len="med"/>
-                    </a:lnB>
-                  </a:tcPr>
-                </a:tc>
-                <a:tc>
-                  <a:txBody>
-                    <a:bodyPr/>
-                    <a:lstStyle/>
-                    <a:p>
-                      <a:pPr marL="0" marR="0" indent="178435" algn="l">
-                        <a:lnSpc>
-                          <a:spcPct val="115000"/>
-                        </a:lnSpc>
-                        <a:spcBef>
-                          <a:spcPts val="0"/>
-                        </a:spcBef>
-                        <a:spcAft>
-                          <a:spcPts val="0"/>
-                        </a:spcAft>
-                      </a:pPr>
-                      <a:r>
-                        <a:rPr lang="en-US" sz="1400" b="1">
-                          <a:solidFill>
-                            <a:srgbClr val="000000"/>
-                          </a:solidFill>
-                          <a:latin typeface="Calibri"/>
-                          <a:ea typeface="Times New Roman"/>
-                          <a:cs typeface="Times New Roman"/>
-                        </a:rPr>
-                        <a:t>Post Question</a:t>
-                      </a:r>
-                      <a:endParaRPr lang="en-US" sz="1100">
-                        <a:latin typeface="Calibri"/>
-                        <a:ea typeface="Calibri"/>
-                        <a:cs typeface="Times New Roman"/>
-                      </a:endParaRPr>
-                    </a:p>
-                  </a:txBody>
-                  <a:tcPr marL="68580" marR="68580" marT="0" marB="0" anchor="b">
-                    <a:lnL w="12700" cap="flat" cmpd="sng" algn="ctr">
-                      <a:solidFill>
-                        <a:srgbClr val="000000"/>
-                      </a:solidFill>
-                      <a:prstDash val="solid"/>
-                      <a:round/>
-                      <a:headEnd type="none" w="med" len="med"/>
-                      <a:tailEnd type="none" w="med" len="med"/>
-                    </a:lnL>
-                    <a:lnR w="12700" cap="flat" cmpd="sng" algn="ctr">
-                      <a:solidFill>
-                        <a:srgbClr val="000000"/>
-                      </a:solidFill>
-                      <a:prstDash val="solid"/>
-                      <a:round/>
-                      <a:headEnd type="none" w="med" len="med"/>
-                      <a:tailEnd type="none" w="med" len="med"/>
-                    </a:lnR>
-                    <a:lnT w="12700" cap="flat" cmpd="sng" algn="ctr">
-                      <a:solidFill>
-                        <a:srgbClr val="000000"/>
-                      </a:solidFill>
-                      <a:prstDash val="solid"/>
-                      <a:round/>
-                      <a:headEnd type="none" w="med" len="med"/>
-                      <a:tailEnd type="none" w="med" len="med"/>
-                    </a:lnT>
-                    <a:lnB w="12700" cap="flat" cmpd="sng" algn="ctr">
-                      <a:solidFill>
-                        <a:srgbClr val="000000"/>
-                      </a:solidFill>
-                      <a:prstDash val="solid"/>
-                      <a:round/>
-                      <a:headEnd type="none" w="med" len="med"/>
-                      <a:tailEnd type="none" w="med" len="med"/>
-                    </a:lnB>
-                  </a:tcPr>
-                </a:tc>
-              </a:tr>
-              <a:tr h="546815">
-                <a:tc>
-                  <a:txBody>
-                    <a:bodyPr/>
-                    <a:lstStyle/>
-                    <a:p>
-                      <a:pPr marL="0" marR="0" algn="ctr">
-                        <a:lnSpc>
-                          <a:spcPct val="115000"/>
-                        </a:lnSpc>
-                        <a:spcBef>
-                          <a:spcPts val="0"/>
-                        </a:spcBef>
-                        <a:spcAft>
-                          <a:spcPts val="0"/>
-                        </a:spcAft>
-                      </a:pPr>
-                      <a:r>
-                        <a:rPr lang="en-US" sz="1400">
-                          <a:solidFill>
-                            <a:srgbClr val="000000"/>
-                          </a:solidFill>
-                          <a:latin typeface="Calibri"/>
-                          <a:ea typeface="Times New Roman"/>
-                          <a:cs typeface="Times New Roman"/>
-                        </a:rPr>
-                        <a:t>Summary</a:t>
-                      </a:r>
-                      <a:endParaRPr lang="en-US" sz="1100">
-                        <a:latin typeface="Calibri"/>
-                        <a:ea typeface="Calibri"/>
-                        <a:cs typeface="Times New Roman"/>
-                      </a:endParaRPr>
-                    </a:p>
-                  </a:txBody>
-                  <a:tcPr marL="68580" marR="68580" marT="0" marB="0" anchor="b">
-                    <a:lnL w="12700" cap="flat" cmpd="sng" algn="ctr">
-                      <a:solidFill>
-                        <a:srgbClr val="000000"/>
-                      </a:solidFill>
-                      <a:prstDash val="solid"/>
-                      <a:round/>
-                      <a:headEnd type="none" w="med" len="med"/>
-                      <a:tailEnd type="none" w="med" len="med"/>
-                    </a:lnL>
-                    <a:lnR w="12700" cap="flat" cmpd="sng" algn="ctr">
-                      <a:solidFill>
-                        <a:srgbClr val="000000"/>
-                      </a:solidFill>
-                      <a:prstDash val="solid"/>
-                      <a:round/>
-                      <a:headEnd type="none" w="med" len="med"/>
-                      <a:tailEnd type="none" w="med" len="med"/>
-                    </a:lnR>
-                    <a:lnT w="12700" cap="flat" cmpd="sng" algn="ctr">
-                      <a:solidFill>
-                        <a:srgbClr val="000000"/>
-                      </a:solidFill>
-                      <a:prstDash val="solid"/>
-                      <a:round/>
-                      <a:headEnd type="none" w="med" len="med"/>
-                      <a:tailEnd type="none" w="med" len="med"/>
-                    </a:lnT>
-                    <a:lnB w="12700" cap="flat" cmpd="sng" algn="ctr">
-                      <a:solidFill>
-                        <a:srgbClr val="000000"/>
-                      </a:solidFill>
-                      <a:prstDash val="solid"/>
-                      <a:round/>
-                      <a:headEnd type="none" w="med" len="med"/>
-                      <a:tailEnd type="none" w="med" len="med"/>
-                    </a:lnB>
-                  </a:tcPr>
-                </a:tc>
-                <a:tc>
-                  <a:txBody>
-                    <a:bodyPr/>
-                    <a:lstStyle/>
-                    <a:p>
-                      <a:pPr marL="0" marR="0" indent="177800" algn="l">
-                        <a:lnSpc>
-                          <a:spcPct val="115000"/>
-                        </a:lnSpc>
-                        <a:spcBef>
-                          <a:spcPts val="0"/>
-                        </a:spcBef>
-                        <a:spcAft>
-                          <a:spcPts val="0"/>
-                        </a:spcAft>
-                      </a:pPr>
-                      <a:r>
-                        <a:rPr lang="en-US" sz="1400">
-                          <a:solidFill>
-                            <a:srgbClr val="000000"/>
-                          </a:solidFill>
-                          <a:latin typeface="Calibri"/>
-                          <a:ea typeface="Times New Roman"/>
-                          <a:cs typeface="Times New Roman"/>
-                        </a:rPr>
-                        <a:t>The registered user can post new questions on the blog</a:t>
-                      </a:r>
-                      <a:endParaRPr lang="en-US" sz="1100">
-                        <a:latin typeface="Calibri"/>
-                        <a:ea typeface="Calibri"/>
-                        <a:cs typeface="Times New Roman"/>
-                      </a:endParaRPr>
-                    </a:p>
-                  </a:txBody>
-                  <a:tcPr marL="68580" marR="68580" marT="0" marB="0" anchor="b">
-                    <a:lnL w="12700" cap="flat" cmpd="sng" algn="ctr">
-                      <a:solidFill>
-                        <a:srgbClr val="000000"/>
-                      </a:solidFill>
-                      <a:prstDash val="solid"/>
-                      <a:round/>
-                      <a:headEnd type="none" w="med" len="med"/>
-                      <a:tailEnd type="none" w="med" len="med"/>
-                    </a:lnL>
-                    <a:lnR w="12700" cap="flat" cmpd="sng" algn="ctr">
-                      <a:solidFill>
-                        <a:srgbClr val="000000"/>
-                      </a:solidFill>
-                      <a:prstDash val="solid"/>
-                      <a:round/>
-                      <a:headEnd type="none" w="med" len="med"/>
-                      <a:tailEnd type="none" w="med" len="med"/>
-                    </a:lnR>
-                    <a:lnT w="12700" cap="flat" cmpd="sng" algn="ctr">
-                      <a:solidFill>
-                        <a:srgbClr val="000000"/>
-                      </a:solidFill>
-                      <a:prstDash val="solid"/>
-                      <a:round/>
-                      <a:headEnd type="none" w="med" len="med"/>
-                      <a:tailEnd type="none" w="med" len="med"/>
-                    </a:lnT>
-                    <a:lnB w="12700" cap="flat" cmpd="sng" algn="ctr">
-                      <a:solidFill>
-                        <a:srgbClr val="000000"/>
-                      </a:solidFill>
-                      <a:prstDash val="solid"/>
-                      <a:round/>
-                      <a:headEnd type="none" w="med" len="med"/>
-                      <a:tailEnd type="none" w="med" len="med"/>
-                    </a:lnB>
-                  </a:tcPr>
-                </a:tc>
-              </a:tr>
-              <a:tr h="273408">
-                <a:tc>
-                  <a:txBody>
-                    <a:bodyPr/>
-                    <a:lstStyle/>
-                    <a:p>
-                      <a:pPr marL="0" marR="0" algn="ctr">
-                        <a:lnSpc>
-                          <a:spcPct val="115000"/>
-                        </a:lnSpc>
-                        <a:spcBef>
-                          <a:spcPts val="0"/>
-                        </a:spcBef>
-                        <a:spcAft>
-                          <a:spcPts val="0"/>
-                        </a:spcAft>
-                      </a:pPr>
-                      <a:r>
-                        <a:rPr lang="en-US" sz="1400">
-                          <a:solidFill>
-                            <a:srgbClr val="000000"/>
-                          </a:solidFill>
-                          <a:latin typeface="Calibri"/>
-                          <a:ea typeface="Times New Roman"/>
-                          <a:cs typeface="Times New Roman"/>
-                        </a:rPr>
-                        <a:t>Preconditions</a:t>
-                      </a:r>
-                      <a:endParaRPr lang="en-US" sz="1100">
-                        <a:latin typeface="Calibri"/>
-                        <a:ea typeface="Calibri"/>
-                        <a:cs typeface="Times New Roman"/>
-                      </a:endParaRPr>
-                    </a:p>
-                  </a:txBody>
-                  <a:tcPr marL="68580" marR="68580" marT="0" marB="0" anchor="b">
-                    <a:lnL w="12700" cap="flat" cmpd="sng" algn="ctr">
-                      <a:solidFill>
-                        <a:srgbClr val="000000"/>
-                      </a:solidFill>
-                      <a:prstDash val="solid"/>
-                      <a:round/>
-                      <a:headEnd type="none" w="med" len="med"/>
-                      <a:tailEnd type="none" w="med" len="med"/>
-                    </a:lnL>
-                    <a:lnR w="12700" cap="flat" cmpd="sng" algn="ctr">
-                      <a:solidFill>
-                        <a:srgbClr val="000000"/>
-                      </a:solidFill>
-                      <a:prstDash val="solid"/>
-                      <a:round/>
-                      <a:headEnd type="none" w="med" len="med"/>
-                      <a:tailEnd type="none" w="med" len="med"/>
-                    </a:lnR>
-                    <a:lnT w="12700" cap="flat" cmpd="sng" algn="ctr">
-                      <a:solidFill>
-                        <a:srgbClr val="000000"/>
-                      </a:solidFill>
-                      <a:prstDash val="solid"/>
-                      <a:round/>
-                      <a:headEnd type="none" w="med" len="med"/>
-                      <a:tailEnd type="none" w="med" len="med"/>
-                    </a:lnT>
-                    <a:lnB w="12700" cap="flat" cmpd="sng" algn="ctr">
-                      <a:solidFill>
-                        <a:srgbClr val="000000"/>
-                      </a:solidFill>
-                      <a:prstDash val="solid"/>
-                      <a:round/>
-                      <a:headEnd type="none" w="med" len="med"/>
-                      <a:tailEnd type="none" w="med" len="med"/>
-                    </a:lnB>
-                  </a:tcPr>
-                </a:tc>
-                <a:tc>
-                  <a:txBody>
-                    <a:bodyPr/>
-                    <a:lstStyle/>
-                    <a:p>
-                      <a:pPr marL="0" marR="0" indent="177800" algn="l">
-                        <a:lnSpc>
-                          <a:spcPct val="115000"/>
-                        </a:lnSpc>
-                        <a:spcBef>
-                          <a:spcPts val="0"/>
-                        </a:spcBef>
-                        <a:spcAft>
-                          <a:spcPts val="0"/>
-                        </a:spcAft>
-                      </a:pPr>
-                      <a:r>
-                        <a:rPr lang="en-US" sz="1400">
-                          <a:solidFill>
-                            <a:srgbClr val="000000"/>
-                          </a:solidFill>
-                          <a:latin typeface="Calibri"/>
-                          <a:ea typeface="Times New Roman"/>
-                          <a:cs typeface="Times New Roman"/>
-                        </a:rPr>
-                        <a:t>The user is registered and logged in</a:t>
-                      </a:r>
-                      <a:endParaRPr lang="en-US" sz="1100">
-                        <a:latin typeface="Calibri"/>
-                        <a:ea typeface="Calibri"/>
-                        <a:cs typeface="Times New Roman"/>
-                      </a:endParaRPr>
-                    </a:p>
-                  </a:txBody>
-                  <a:tcPr marL="68580" marR="68580" marT="0" marB="0" anchor="b">
-                    <a:lnL w="12700" cap="flat" cmpd="sng" algn="ctr">
-                      <a:solidFill>
-                        <a:srgbClr val="000000"/>
-                      </a:solidFill>
-                      <a:prstDash val="solid"/>
-                      <a:round/>
-                      <a:headEnd type="none" w="med" len="med"/>
-                      <a:tailEnd type="none" w="med" len="med"/>
-                    </a:lnL>
-                    <a:lnR w="12700" cap="flat" cmpd="sng" algn="ctr">
-                      <a:solidFill>
-                        <a:srgbClr val="000000"/>
-                      </a:solidFill>
-                      <a:prstDash val="solid"/>
-                      <a:round/>
-                      <a:headEnd type="none" w="med" len="med"/>
-                      <a:tailEnd type="none" w="med" len="med"/>
-                    </a:lnR>
-                    <a:lnT w="12700" cap="flat" cmpd="sng" algn="ctr">
-                      <a:solidFill>
-                        <a:srgbClr val="000000"/>
-                      </a:solidFill>
-                      <a:prstDash val="solid"/>
-                      <a:round/>
-                      <a:headEnd type="none" w="med" len="med"/>
-                      <a:tailEnd type="none" w="med" len="med"/>
-                    </a:lnT>
-                    <a:lnB w="12700" cap="flat" cmpd="sng" algn="ctr">
-                      <a:solidFill>
-                        <a:srgbClr val="000000"/>
-                      </a:solidFill>
-                      <a:prstDash val="solid"/>
-                      <a:round/>
-                      <a:headEnd type="none" w="med" len="med"/>
-                      <a:tailEnd type="none" w="med" len="med"/>
-                    </a:lnB>
-                  </a:tcPr>
-                </a:tc>
-              </a:tr>
-              <a:tr h="273408">
-                <a:tc>
-                  <a:txBody>
-                    <a:bodyPr/>
-                    <a:lstStyle/>
-                    <a:p>
-                      <a:pPr marL="0" marR="0" algn="ctr">
-                        <a:lnSpc>
-                          <a:spcPct val="115000"/>
-                        </a:lnSpc>
-                        <a:spcBef>
-                          <a:spcPts val="0"/>
-                        </a:spcBef>
-                        <a:spcAft>
-                          <a:spcPts val="0"/>
-                        </a:spcAft>
-                      </a:pPr>
-                      <a:r>
-                        <a:rPr lang="en-US" sz="1400">
-                          <a:solidFill>
-                            <a:srgbClr val="000000"/>
-                          </a:solidFill>
-                          <a:latin typeface="Calibri"/>
-                          <a:ea typeface="Times New Roman"/>
-                          <a:cs typeface="Times New Roman"/>
-                        </a:rPr>
-                        <a:t>Post-conditions</a:t>
-                      </a:r>
-                      <a:endParaRPr lang="en-US" sz="1100">
-                        <a:latin typeface="Calibri"/>
-                        <a:ea typeface="Calibri"/>
-                        <a:cs typeface="Times New Roman"/>
-                      </a:endParaRPr>
-                    </a:p>
-                  </a:txBody>
-                  <a:tcPr marL="68580" marR="68580" marT="0" marB="0" anchor="b">
-                    <a:lnL w="12700" cap="flat" cmpd="sng" algn="ctr">
-                      <a:solidFill>
-                        <a:srgbClr val="000000"/>
-                      </a:solidFill>
-                      <a:prstDash val="solid"/>
-                      <a:round/>
-                      <a:headEnd type="none" w="med" len="med"/>
-                      <a:tailEnd type="none" w="med" len="med"/>
-                    </a:lnL>
-                    <a:lnR w="12700" cap="flat" cmpd="sng" algn="ctr">
-                      <a:solidFill>
-                        <a:srgbClr val="000000"/>
-                      </a:solidFill>
-                      <a:prstDash val="solid"/>
-                      <a:round/>
-                      <a:headEnd type="none" w="med" len="med"/>
-                      <a:tailEnd type="none" w="med" len="med"/>
-                    </a:lnR>
-                    <a:lnT w="12700" cap="flat" cmpd="sng" algn="ctr">
-                      <a:solidFill>
-                        <a:srgbClr val="000000"/>
-                      </a:solidFill>
-                      <a:prstDash val="solid"/>
-                      <a:round/>
-                      <a:headEnd type="none" w="med" len="med"/>
-                      <a:tailEnd type="none" w="med" len="med"/>
-                    </a:lnT>
-                    <a:lnB w="12700" cap="flat" cmpd="sng" algn="ctr">
-                      <a:solidFill>
-                        <a:srgbClr val="000000"/>
-                      </a:solidFill>
-                      <a:prstDash val="solid"/>
-                      <a:round/>
-                      <a:headEnd type="none" w="med" len="med"/>
-                      <a:tailEnd type="none" w="med" len="med"/>
-                    </a:lnB>
-                  </a:tcPr>
-                </a:tc>
-                <a:tc>
-                  <a:txBody>
-                    <a:bodyPr/>
-                    <a:lstStyle/>
-                    <a:p>
-                      <a:pPr marL="0" marR="0" indent="177800" algn="l">
-                        <a:lnSpc>
-                          <a:spcPct val="115000"/>
-                        </a:lnSpc>
-                        <a:spcBef>
-                          <a:spcPts val="0"/>
-                        </a:spcBef>
-                        <a:spcAft>
-                          <a:spcPts val="0"/>
-                        </a:spcAft>
-                      </a:pPr>
-                      <a:r>
-                        <a:rPr lang="en-US" sz="1400">
-                          <a:solidFill>
-                            <a:srgbClr val="000000"/>
-                          </a:solidFill>
-                          <a:latin typeface="Calibri"/>
-                          <a:ea typeface="Times New Roman"/>
-                          <a:cs typeface="Times New Roman"/>
-                        </a:rPr>
-                        <a:t>A new question is posted onto the blog</a:t>
-                      </a:r>
-                      <a:endParaRPr lang="en-US" sz="1100">
-                        <a:latin typeface="Calibri"/>
-                        <a:ea typeface="Calibri"/>
-                        <a:cs typeface="Times New Roman"/>
-                      </a:endParaRPr>
-                    </a:p>
-                  </a:txBody>
-                  <a:tcPr marL="68580" marR="68580" marT="0" marB="0" anchor="b">
-                    <a:lnL w="12700" cap="flat" cmpd="sng" algn="ctr">
-                      <a:solidFill>
-                        <a:srgbClr val="000000"/>
-                      </a:solidFill>
-                      <a:prstDash val="solid"/>
-                      <a:round/>
-                      <a:headEnd type="none" w="med" len="med"/>
-                      <a:tailEnd type="none" w="med" len="med"/>
-                    </a:lnL>
-                    <a:lnR w="12700" cap="flat" cmpd="sng" algn="ctr">
-                      <a:solidFill>
-                        <a:srgbClr val="000000"/>
-                      </a:solidFill>
-                      <a:prstDash val="solid"/>
-                      <a:round/>
-                      <a:headEnd type="none" w="med" len="med"/>
-                      <a:tailEnd type="none" w="med" len="med"/>
-                    </a:lnR>
-                    <a:lnT w="12700" cap="flat" cmpd="sng" algn="ctr">
-                      <a:solidFill>
-                        <a:srgbClr val="000000"/>
-                      </a:solidFill>
-                      <a:prstDash val="solid"/>
-                      <a:round/>
-                      <a:headEnd type="none" w="med" len="med"/>
-                      <a:tailEnd type="none" w="med" len="med"/>
-                    </a:lnT>
-                    <a:lnB w="12700" cap="flat" cmpd="sng" algn="ctr">
-                      <a:solidFill>
-                        <a:srgbClr val="000000"/>
-                      </a:solidFill>
-                      <a:prstDash val="solid"/>
-                      <a:round/>
-                      <a:headEnd type="none" w="med" len="med"/>
-                      <a:tailEnd type="none" w="med" len="med"/>
-                    </a:lnB>
-                  </a:tcPr>
-                </a:tc>
-              </a:tr>
-              <a:tr h="265341">
-                <a:tc>
-                  <a:txBody>
-                    <a:bodyPr/>
-                    <a:lstStyle/>
-                    <a:p>
-                      <a:pPr algn="l">
-                        <a:lnSpc>
-                          <a:spcPct val="115000"/>
-                        </a:lnSpc>
-                      </a:pPr>
-                      <a:endParaRPr lang="en-US" sz="1100">
-                        <a:latin typeface="Calibri"/>
-                        <a:ea typeface="Times New Roman"/>
-                      </a:endParaRPr>
-                    </a:p>
-                  </a:txBody>
-                  <a:tcPr marL="68580" marR="68580" marT="0" marB="0" anchor="b">
-                    <a:lnL>
-                      <a:noFill/>
-                    </a:lnL>
-                    <a:lnR>
-                      <a:noFill/>
-                    </a:lnR>
-                    <a:lnT w="12700" cap="flat" cmpd="sng" algn="ctr">
-                      <a:solidFill>
-                        <a:srgbClr val="000000"/>
-                      </a:solidFill>
-                      <a:prstDash val="solid"/>
-                      <a:round/>
-                      <a:headEnd type="none" w="med" len="med"/>
-                      <a:tailEnd type="none" w="med" len="med"/>
-                    </a:lnT>
-                    <a:lnB w="12700" cap="flat" cmpd="sng" algn="ctr">
-                      <a:solidFill>
-                        <a:srgbClr val="000000"/>
-                      </a:solidFill>
-                      <a:prstDash val="solid"/>
-                      <a:round/>
-                      <a:headEnd type="none" w="med" len="med"/>
-                      <a:tailEnd type="none" w="med" len="med"/>
-                    </a:lnB>
-                  </a:tcPr>
-                </a:tc>
-                <a:tc>
-                  <a:txBody>
-                    <a:bodyPr/>
-                    <a:lstStyle/>
-                    <a:p>
-                      <a:pPr algn="l">
-                        <a:lnSpc>
-                          <a:spcPct val="115000"/>
-                        </a:lnSpc>
-                      </a:pPr>
-                      <a:endParaRPr lang="en-US" sz="1100">
-                        <a:latin typeface="Calibri"/>
-                        <a:ea typeface="Times New Roman"/>
-                      </a:endParaRPr>
-                    </a:p>
-                  </a:txBody>
-                  <a:tcPr marL="68580" marR="68580" marT="0" marB="0" anchor="b">
-                    <a:lnL>
-                      <a:noFill/>
-                    </a:lnL>
-                    <a:lnR>
-                      <a:noFill/>
-                    </a:lnR>
-                    <a:lnT w="12700" cap="flat" cmpd="sng" algn="ctr">
-                      <a:solidFill>
-                        <a:srgbClr val="000000"/>
-                      </a:solidFill>
-                      <a:prstDash val="solid"/>
-                      <a:round/>
-                      <a:headEnd type="none" w="med" len="med"/>
-                      <a:tailEnd type="none" w="med" len="med"/>
-                    </a:lnT>
-                    <a:lnB w="12700" cap="flat" cmpd="sng" algn="ctr">
-                      <a:solidFill>
-                        <a:srgbClr val="000000"/>
-                      </a:solidFill>
-                      <a:prstDash val="solid"/>
-                      <a:round/>
-                      <a:headEnd type="none" w="med" len="med"/>
-                      <a:tailEnd type="none" w="med" len="med"/>
-                    </a:lnB>
-                  </a:tcPr>
-                </a:tc>
-              </a:tr>
-              <a:tr h="273408">
-                <a:tc>
-                  <a:txBody>
-                    <a:bodyPr/>
-                    <a:lstStyle/>
-                    <a:p>
-                      <a:pPr marL="0" marR="0" algn="ctr">
-                        <a:lnSpc>
-                          <a:spcPct val="115000"/>
-                        </a:lnSpc>
-                        <a:spcBef>
-                          <a:spcPts val="0"/>
-                        </a:spcBef>
-                        <a:spcAft>
-                          <a:spcPts val="0"/>
-                        </a:spcAft>
-                      </a:pPr>
-                      <a:r>
-                        <a:rPr lang="en-US" sz="1400">
-                          <a:solidFill>
-                            <a:srgbClr val="000000"/>
-                          </a:solidFill>
-                          <a:latin typeface="Calibri"/>
-                          <a:ea typeface="Times New Roman"/>
-                          <a:cs typeface="Times New Roman"/>
-                        </a:rPr>
-                        <a:t>Actor : Registered User</a:t>
-                      </a:r>
-                      <a:endParaRPr lang="en-US" sz="1100">
-                        <a:latin typeface="Calibri"/>
-                        <a:ea typeface="Calibri"/>
-                        <a:cs typeface="Times New Roman"/>
-                      </a:endParaRPr>
-                    </a:p>
-                  </a:txBody>
-                  <a:tcPr marL="68580" marR="68580" marT="0" marB="0" anchor="b">
-                    <a:lnL w="12700" cap="flat" cmpd="sng" algn="ctr">
-                      <a:solidFill>
-                        <a:srgbClr val="000000"/>
-                      </a:solidFill>
-                      <a:prstDash val="solid"/>
-                      <a:round/>
-                      <a:headEnd type="none" w="med" len="med"/>
-                      <a:tailEnd type="none" w="med" len="med"/>
-                    </a:lnL>
-                    <a:lnR w="12700" cap="flat" cmpd="sng" algn="ctr">
-                      <a:solidFill>
-                        <a:srgbClr val="000000"/>
-                      </a:solidFill>
-                      <a:prstDash val="solid"/>
-                      <a:round/>
-                      <a:headEnd type="none" w="med" len="med"/>
-                      <a:tailEnd type="none" w="med" len="med"/>
-                    </a:lnR>
-                    <a:lnT w="12700" cap="flat" cmpd="sng" algn="ctr">
-                      <a:solidFill>
-                        <a:srgbClr val="000000"/>
-                      </a:solidFill>
-                      <a:prstDash val="solid"/>
-                      <a:round/>
-                      <a:headEnd type="none" w="med" len="med"/>
-                      <a:tailEnd type="none" w="med" len="med"/>
-                    </a:lnT>
-                    <a:lnB w="12700" cap="flat" cmpd="sng" algn="ctr">
-                      <a:solidFill>
-                        <a:srgbClr val="000000"/>
-                      </a:solidFill>
-                      <a:prstDash val="solid"/>
-                      <a:round/>
-                      <a:headEnd type="none" w="med" len="med"/>
-                      <a:tailEnd type="none" w="med" len="med"/>
-                    </a:lnB>
-                  </a:tcPr>
-                </a:tc>
-                <a:tc>
-                  <a:txBody>
-                    <a:bodyPr/>
-                    <a:lstStyle/>
-                    <a:p>
-                      <a:pPr marL="0" marR="0" algn="ctr">
-                        <a:lnSpc>
-                          <a:spcPct val="115000"/>
-                        </a:lnSpc>
-                        <a:spcBef>
-                          <a:spcPts val="0"/>
-                        </a:spcBef>
-                        <a:spcAft>
-                          <a:spcPts val="0"/>
-                        </a:spcAft>
-                      </a:pPr>
-                      <a:r>
-                        <a:rPr lang="en-US" sz="1400">
-                          <a:solidFill>
-                            <a:srgbClr val="000000"/>
-                          </a:solidFill>
-                          <a:latin typeface="Calibri"/>
-                          <a:ea typeface="Times New Roman"/>
-                          <a:cs typeface="Times New Roman"/>
-                        </a:rPr>
-                        <a:t>System</a:t>
-                      </a:r>
-                      <a:endParaRPr lang="en-US" sz="1100">
-                        <a:latin typeface="Calibri"/>
-                        <a:ea typeface="Calibri"/>
-                        <a:cs typeface="Times New Roman"/>
-                      </a:endParaRPr>
-                    </a:p>
-                  </a:txBody>
-                  <a:tcPr marL="68580" marR="68580" marT="0" marB="0" anchor="b">
-                    <a:lnL w="12700" cap="flat" cmpd="sng" algn="ctr">
-                      <a:solidFill>
-                        <a:srgbClr val="000000"/>
-                      </a:solidFill>
-                      <a:prstDash val="solid"/>
-                      <a:round/>
-                      <a:headEnd type="none" w="med" len="med"/>
-                      <a:tailEnd type="none" w="med" len="med"/>
-                    </a:lnL>
-                    <a:lnR w="12700" cap="flat" cmpd="sng" algn="ctr">
-                      <a:solidFill>
-                        <a:srgbClr val="000000"/>
-                      </a:solidFill>
-                      <a:prstDash val="solid"/>
-                      <a:round/>
-                      <a:headEnd type="none" w="med" len="med"/>
-                      <a:tailEnd type="none" w="med" len="med"/>
-                    </a:lnR>
-                    <a:lnT w="12700" cap="flat" cmpd="sng" algn="ctr">
-                      <a:solidFill>
-                        <a:srgbClr val="000000"/>
-                      </a:solidFill>
-                      <a:prstDash val="solid"/>
-                      <a:round/>
-                      <a:headEnd type="none" w="med" len="med"/>
-                      <a:tailEnd type="none" w="med" len="med"/>
-                    </a:lnT>
-                    <a:lnB w="12700" cap="flat" cmpd="sng" algn="ctr">
-                      <a:solidFill>
-                        <a:srgbClr val="000000"/>
-                      </a:solidFill>
-                      <a:prstDash val="solid"/>
-                      <a:round/>
-                      <a:headEnd type="none" w="med" len="med"/>
-                      <a:tailEnd type="none" w="med" len="med"/>
-                    </a:lnB>
-                  </a:tcPr>
-                </a:tc>
-              </a:tr>
-              <a:tr h="273408">
-                <a:tc>
-                  <a:txBody>
-                    <a:bodyPr/>
-                    <a:lstStyle/>
-                    <a:p>
-                      <a:pPr marL="0" marR="0" algn="l">
-                        <a:lnSpc>
-                          <a:spcPct val="115000"/>
-                        </a:lnSpc>
-                        <a:spcBef>
-                          <a:spcPts val="0"/>
-                        </a:spcBef>
-                        <a:spcAft>
-                          <a:spcPts val="0"/>
-                        </a:spcAft>
-                      </a:pPr>
-                      <a:r>
-                        <a:rPr lang="en-US" sz="1400">
-                          <a:solidFill>
-                            <a:srgbClr val="000000"/>
-                          </a:solidFill>
-                          <a:latin typeface="Calibri"/>
-                          <a:ea typeface="Times New Roman"/>
-                          <a:cs typeface="Times New Roman"/>
-                        </a:rPr>
-                        <a:t>0. The user clicks the 'Post' button</a:t>
-                      </a:r>
-                      <a:endParaRPr lang="en-US" sz="1100">
-                        <a:latin typeface="Calibri"/>
-                        <a:ea typeface="Calibri"/>
-                        <a:cs typeface="Times New Roman"/>
-                      </a:endParaRPr>
-                    </a:p>
-                  </a:txBody>
-                  <a:tcPr marL="68580" marR="68580" marT="0" marB="0" anchor="b">
-                    <a:lnL w="12700" cap="flat" cmpd="sng" algn="ctr">
-                      <a:solidFill>
-                        <a:srgbClr val="000000"/>
-                      </a:solidFill>
-                      <a:prstDash val="solid"/>
-                      <a:round/>
-                      <a:headEnd type="none" w="med" len="med"/>
-                      <a:tailEnd type="none" w="med" len="med"/>
-                    </a:lnL>
-                    <a:lnR w="12700" cap="flat" cmpd="sng" algn="ctr">
-                      <a:solidFill>
-                        <a:srgbClr val="000000"/>
-                      </a:solidFill>
-                      <a:prstDash val="solid"/>
-                      <a:round/>
-                      <a:headEnd type="none" w="med" len="med"/>
-                      <a:tailEnd type="none" w="med" len="med"/>
-                    </a:lnR>
-                    <a:lnT w="12700" cap="flat" cmpd="sng" algn="ctr">
-                      <a:solidFill>
-                        <a:srgbClr val="000000"/>
-                      </a:solidFill>
-                      <a:prstDash val="solid"/>
-                      <a:round/>
-                      <a:headEnd type="none" w="med" len="med"/>
-                      <a:tailEnd type="none" w="med" len="med"/>
-                    </a:lnT>
-                    <a:lnB w="12700" cap="flat" cmpd="sng" algn="ctr">
-                      <a:solidFill>
-                        <a:srgbClr val="000000"/>
-                      </a:solidFill>
-                      <a:prstDash val="solid"/>
-                      <a:round/>
-                      <a:headEnd type="none" w="med" len="med"/>
-                      <a:tailEnd type="none" w="med" len="med"/>
-                    </a:lnB>
-                  </a:tcPr>
-                </a:tc>
-                <a:tc>
-                  <a:txBody>
-                    <a:bodyPr/>
-                    <a:lstStyle/>
-                    <a:p>
-                      <a:pPr marL="0" marR="0" indent="177800" algn="l">
-                        <a:lnSpc>
-                          <a:spcPct val="115000"/>
-                        </a:lnSpc>
-                        <a:spcBef>
-                          <a:spcPts val="0"/>
-                        </a:spcBef>
-                        <a:spcAft>
-                          <a:spcPts val="0"/>
-                        </a:spcAft>
-                      </a:pPr>
-                      <a:r>
-                        <a:rPr lang="en-US" sz="1400">
-                          <a:solidFill>
-                            <a:srgbClr val="000000"/>
-                          </a:solidFill>
-                          <a:latin typeface="Calibri"/>
-                          <a:ea typeface="Times New Roman"/>
-                          <a:cs typeface="Times New Roman"/>
-                        </a:rPr>
-                        <a:t>1. System displays PostTemplate page</a:t>
-                      </a:r>
-                      <a:endParaRPr lang="en-US" sz="1100">
-                        <a:latin typeface="Calibri"/>
-                        <a:ea typeface="Calibri"/>
-                        <a:cs typeface="Times New Roman"/>
-                      </a:endParaRPr>
-                    </a:p>
-                  </a:txBody>
-                  <a:tcPr marL="68580" marR="68580" marT="0" marB="0" anchor="b">
-                    <a:lnL w="12700" cap="flat" cmpd="sng" algn="ctr">
-                      <a:solidFill>
-                        <a:srgbClr val="000000"/>
-                      </a:solidFill>
-                      <a:prstDash val="solid"/>
-                      <a:round/>
-                      <a:headEnd type="none" w="med" len="med"/>
-                      <a:tailEnd type="none" w="med" len="med"/>
-                    </a:lnL>
-                    <a:lnR w="12700" cap="flat" cmpd="sng" algn="ctr">
-                      <a:solidFill>
-                        <a:srgbClr val="000000"/>
-                      </a:solidFill>
-                      <a:prstDash val="solid"/>
-                      <a:round/>
-                      <a:headEnd type="none" w="med" len="med"/>
-                      <a:tailEnd type="none" w="med" len="med"/>
-                    </a:lnR>
-                    <a:lnT w="12700" cap="flat" cmpd="sng" algn="ctr">
-                      <a:solidFill>
-                        <a:srgbClr val="000000"/>
-                      </a:solidFill>
-                      <a:prstDash val="solid"/>
-                      <a:round/>
-                      <a:headEnd type="none" w="med" len="med"/>
-                      <a:tailEnd type="none" w="med" len="med"/>
-                    </a:lnT>
-                    <a:lnB w="12700" cap="flat" cmpd="sng" algn="ctr">
-                      <a:solidFill>
-                        <a:srgbClr val="000000"/>
-                      </a:solidFill>
-                      <a:prstDash val="solid"/>
-                      <a:round/>
-                      <a:headEnd type="none" w="med" len="med"/>
-                      <a:tailEnd type="none" w="med" len="med"/>
-                    </a:lnB>
-                  </a:tcPr>
-                </a:tc>
-              </a:tr>
-              <a:tr h="546815">
-                <a:tc>
-                  <a:txBody>
-                    <a:bodyPr/>
-                    <a:lstStyle/>
-                    <a:p>
-                      <a:pPr marL="0" marR="0" algn="l">
-                        <a:lnSpc>
-                          <a:spcPct val="115000"/>
-                        </a:lnSpc>
-                        <a:spcBef>
-                          <a:spcPts val="0"/>
-                        </a:spcBef>
-                        <a:spcAft>
-                          <a:spcPts val="0"/>
-                        </a:spcAft>
-                      </a:pPr>
-                      <a:r>
-                        <a:rPr lang="en-US" sz="1400">
-                          <a:solidFill>
-                            <a:srgbClr val="000000"/>
-                          </a:solidFill>
-                          <a:latin typeface="Calibri"/>
-                          <a:ea typeface="Times New Roman"/>
-                          <a:cs typeface="Times New Roman"/>
-                        </a:rPr>
-                        <a:t>2. The user fills out the template for their question</a:t>
-                      </a:r>
-                      <a:endParaRPr lang="en-US" sz="1100">
-                        <a:latin typeface="Calibri"/>
-                        <a:ea typeface="Calibri"/>
-                        <a:cs typeface="Times New Roman"/>
-                      </a:endParaRPr>
-                    </a:p>
-                  </a:txBody>
-                  <a:tcPr marL="68580" marR="68580" marT="0" marB="0" anchor="b">
-                    <a:lnL w="12700" cap="flat" cmpd="sng" algn="ctr">
-                      <a:solidFill>
-                        <a:srgbClr val="000000"/>
-                      </a:solidFill>
-                      <a:prstDash val="solid"/>
-                      <a:round/>
-                      <a:headEnd type="none" w="med" len="med"/>
-                      <a:tailEnd type="none" w="med" len="med"/>
-                    </a:lnL>
-                    <a:lnR w="12700" cap="flat" cmpd="sng" algn="ctr">
-                      <a:solidFill>
-                        <a:srgbClr val="000000"/>
-                      </a:solidFill>
-                      <a:prstDash val="solid"/>
-                      <a:round/>
-                      <a:headEnd type="none" w="med" len="med"/>
-                      <a:tailEnd type="none" w="med" len="med"/>
-                    </a:lnR>
-                    <a:lnT w="12700" cap="flat" cmpd="sng" algn="ctr">
-                      <a:solidFill>
-                        <a:srgbClr val="000000"/>
-                      </a:solidFill>
-                      <a:prstDash val="solid"/>
-                      <a:round/>
-                      <a:headEnd type="none" w="med" len="med"/>
-                      <a:tailEnd type="none" w="med" len="med"/>
-                    </a:lnT>
-                    <a:lnB w="12700" cap="flat" cmpd="sng" algn="ctr">
-                      <a:solidFill>
-                        <a:srgbClr val="000000"/>
-                      </a:solidFill>
-                      <a:prstDash val="solid"/>
-                      <a:round/>
-                      <a:headEnd type="none" w="med" len="med"/>
-                      <a:tailEnd type="none" w="med" len="med"/>
-                    </a:lnB>
-                  </a:tcPr>
-                </a:tc>
-                <a:tc>
-                  <a:txBody>
-                    <a:bodyPr/>
-                    <a:lstStyle/>
-                    <a:p>
-                      <a:pPr marL="0" marR="0" indent="177800" algn="l">
-                        <a:lnSpc>
-                          <a:spcPct val="115000"/>
-                        </a:lnSpc>
-                        <a:spcBef>
-                          <a:spcPts val="0"/>
-                        </a:spcBef>
-                        <a:spcAft>
-                          <a:spcPts val="0"/>
-                        </a:spcAft>
-                      </a:pPr>
-                      <a:r>
-                        <a:rPr lang="en-US" sz="1400" dirty="0">
-                          <a:solidFill>
-                            <a:srgbClr val="000000"/>
-                          </a:solidFill>
-                          <a:latin typeface="Calibri"/>
-                          <a:ea typeface="Times New Roman"/>
-                          <a:cs typeface="Times New Roman"/>
-                        </a:rPr>
-                        <a:t>3. System creates a new post page for the user's question</a:t>
-                      </a:r>
-                      <a:endParaRPr lang="en-US" sz="1100" dirty="0">
-                        <a:latin typeface="Calibri"/>
-                        <a:ea typeface="Calibri"/>
-                        <a:cs typeface="Times New Roman"/>
-                      </a:endParaRPr>
-                    </a:p>
-                  </a:txBody>
-                  <a:tcPr marL="68580" marR="68580" marT="0" marB="0" anchor="b">
-                    <a:lnL w="12700" cap="flat" cmpd="sng" algn="ctr">
-                      <a:solidFill>
-                        <a:srgbClr val="000000"/>
-                      </a:solidFill>
-                      <a:prstDash val="solid"/>
-                      <a:round/>
-                      <a:headEnd type="none" w="med" len="med"/>
-                      <a:tailEnd type="none" w="med" len="med"/>
-                    </a:lnL>
-                    <a:lnR w="12700" cap="flat" cmpd="sng" algn="ctr">
-                      <a:solidFill>
-                        <a:srgbClr val="000000"/>
-                      </a:solidFill>
-                      <a:prstDash val="solid"/>
-                      <a:round/>
-                      <a:headEnd type="none" w="med" len="med"/>
-                      <a:tailEnd type="none" w="med" len="med"/>
-                    </a:lnR>
-                    <a:lnT w="12700" cap="flat" cmpd="sng" algn="ctr">
-                      <a:solidFill>
-                        <a:srgbClr val="000000"/>
-                      </a:solidFill>
-                      <a:prstDash val="solid"/>
-                      <a:round/>
-                      <a:headEnd type="none" w="med" len="med"/>
-                      <a:tailEnd type="none" w="med" len="med"/>
-                    </a:lnT>
-                    <a:lnB w="12700" cap="flat" cmpd="sng" algn="ctr">
-                      <a:solidFill>
-                        <a:srgbClr val="000000"/>
-                      </a:solidFill>
-                      <a:prstDash val="solid"/>
-                      <a:round/>
-                      <a:headEnd type="none" w="med" len="med"/>
-                      <a:tailEnd type="none" w="med" len="med"/>
-                    </a:lnB>
-                  </a:tcPr>
-                </a:tc>
-              </a:tr>
-            </a:tbl>
-          </a:graphicData>
-        </a:graphic>
-      </p:graphicFrame>
+        </p:nvPicPr>
+        <p:blipFill>
+          <a:blip r:embed="rId2" cstate="print"/>
+          <a:srcRect/>
+          <a:stretch>
+            <a:fillRect/>
+          </a:stretch>
+        </p:blipFill>
+        <p:spPr bwMode="auto">
+          <a:xfrm>
+            <a:off x="1981199" y="847725"/>
+            <a:ext cx="4981575" cy="4029075"/>
+          </a:xfrm>
+          <a:prstGeom prst="rect">
+            <a:avLst/>
+          </a:prstGeom>
+          <a:noFill/>
+          <a:ln w="9525">
+            <a:noFill/>
+            <a:miter lim="800000"/>
+            <a:headEnd/>
+            <a:tailEnd/>
+          </a:ln>
+        </p:spPr>
+      </p:pic>
     </p:spTree>
   </p:cSld>
   <p:clrMapOvr>
@@ -5048,49 +3831,1268 @@
             <p:ph type="title"/>
           </p:nvPr>
         </p:nvSpPr>
-        <p:spPr/>
+        <p:spPr>
+          <a:xfrm>
+            <a:off x="762000" y="4572000"/>
+            <a:ext cx="6972300" cy="1600200"/>
+          </a:xfrm>
+        </p:spPr>
         <p:txBody>
-          <a:bodyPr/>
+          <a:bodyPr>
+            <a:normAutofit fontScale="90000"/>
+          </a:bodyPr>
           <a:lstStyle/>
           <a:p>
             <a:r>
               <a:rPr lang="en-US" dirty="0" smtClean="0"/>
-              <a:t>Post Question</a:t>
+              <a:t>Reg. User - Post Question</a:t>
             </a:r>
             <a:endParaRPr lang="en-US" dirty="0"/>
           </a:p>
         </p:txBody>
       </p:sp>
-      <p:pic>
-        <p:nvPicPr>
-          <p:cNvPr id="4" name="Picture 3"/>
-          <p:cNvPicPr/>
+      <p:graphicFrame>
+        <p:nvGraphicFramePr>
+          <p:cNvPr id="4" name="Table 3"/>
+          <p:cNvGraphicFramePr>
+            <a:graphicFrameLocks noGrp="1"/>
+          </p:cNvGraphicFramePr>
           <p:nvPr/>
-        </p:nvPicPr>
-        <p:blipFill>
-          <a:blip r:embed="rId2" cstate="print"/>
-          <a:srcRect/>
-          <a:stretch>
-            <a:fillRect/>
-          </a:stretch>
-        </p:blipFill>
-        <p:spPr bwMode="auto">
-          <a:xfrm>
-            <a:off x="1071191" y="854157"/>
-            <a:ext cx="7001617" cy="3111336"/>
-          </a:xfrm>
-          <a:prstGeom prst="rect">
-            <a:avLst/>
-          </a:prstGeom>
-          <a:noFill/>
-          <a:ln w="9525">
-            <a:noFill/>
-            <a:miter lim="800000"/>
-            <a:headEnd/>
-            <a:tailEnd/>
-          </a:ln>
-        </p:spPr>
-      </p:pic>
+        </p:nvGraphicFramePr>
+        <p:xfrm>
+          <a:off x="1390650" y="1409700"/>
+          <a:ext cx="6096000" cy="3038477"/>
+        </p:xfrm>
+        <a:graphic>
+          <a:graphicData uri="http://schemas.openxmlformats.org/drawingml/2006/table">
+            <a:tbl>
+              <a:tblPr/>
+              <a:tblGrid>
+                <a:gridCol w="2862682"/>
+                <a:gridCol w="3233318"/>
+              </a:tblGrid>
+              <a:tr h="312466">
+                <a:tc>
+                  <a:txBody>
+                    <a:bodyPr/>
+                    <a:lstStyle/>
+                    <a:p>
+                      <a:pPr marL="0" marR="0" algn="ctr">
+                        <a:lnSpc>
+                          <a:spcPct val="115000"/>
+                        </a:lnSpc>
+                        <a:spcBef>
+                          <a:spcPts val="0"/>
+                        </a:spcBef>
+                        <a:spcAft>
+                          <a:spcPts val="0"/>
+                        </a:spcAft>
+                      </a:pPr>
+                      <a:r>
+                        <a:rPr lang="en-US" sz="1600" b="1" i="1">
+                          <a:solidFill>
+                            <a:srgbClr val="000000"/>
+                          </a:solidFill>
+                          <a:latin typeface="Calibri"/>
+                          <a:ea typeface="Times New Roman"/>
+                          <a:cs typeface="Times New Roman"/>
+                        </a:rPr>
+                        <a:t>Registered User</a:t>
+                      </a:r>
+                      <a:endParaRPr lang="en-US" sz="1100">
+                        <a:latin typeface="Calibri"/>
+                        <a:ea typeface="Calibri"/>
+                        <a:cs typeface="Times New Roman"/>
+                      </a:endParaRPr>
+                    </a:p>
+                  </a:txBody>
+                  <a:tcPr marL="68580" marR="68580" marT="0" marB="0" anchor="b">
+                    <a:lnL>
+                      <a:noFill/>
+                    </a:lnL>
+                    <a:lnR>
+                      <a:noFill/>
+                    </a:lnR>
+                    <a:lnT>
+                      <a:noFill/>
+                    </a:lnT>
+                    <a:lnB w="12700" cap="flat" cmpd="sng" algn="ctr">
+                      <a:solidFill>
+                        <a:srgbClr val="000000"/>
+                      </a:solidFill>
+                      <a:prstDash val="solid"/>
+                      <a:round/>
+                      <a:headEnd type="none" w="med" len="med"/>
+                      <a:tailEnd type="none" w="med" len="med"/>
+                    </a:lnB>
+                  </a:tcPr>
+                </a:tc>
+                <a:tc>
+                  <a:txBody>
+                    <a:bodyPr/>
+                    <a:lstStyle/>
+                    <a:p>
+                      <a:pPr algn="l">
+                        <a:lnSpc>
+                          <a:spcPct val="115000"/>
+                        </a:lnSpc>
+                      </a:pPr>
+                      <a:endParaRPr lang="en-US" sz="1100">
+                        <a:latin typeface="Calibri"/>
+                        <a:ea typeface="Times New Roman"/>
+                      </a:endParaRPr>
+                    </a:p>
+                  </a:txBody>
+                  <a:tcPr marL="68580" marR="68580" marT="0" marB="0" anchor="b">
+                    <a:lnL>
+                      <a:noFill/>
+                    </a:lnL>
+                    <a:lnR>
+                      <a:noFill/>
+                    </a:lnR>
+                    <a:lnT>
+                      <a:noFill/>
+                    </a:lnT>
+                    <a:lnB w="12700" cap="flat" cmpd="sng" algn="ctr">
+                      <a:solidFill>
+                        <a:srgbClr val="000000"/>
+                      </a:solidFill>
+                      <a:prstDash val="solid"/>
+                      <a:round/>
+                      <a:headEnd type="none" w="med" len="med"/>
+                      <a:tailEnd type="none" w="med" len="med"/>
+                    </a:lnB>
+                  </a:tcPr>
+                </a:tc>
+              </a:tr>
+              <a:tr h="273408">
+                <a:tc>
+                  <a:txBody>
+                    <a:bodyPr/>
+                    <a:lstStyle/>
+                    <a:p>
+                      <a:pPr marL="0" marR="0" algn="ctr">
+                        <a:lnSpc>
+                          <a:spcPct val="115000"/>
+                        </a:lnSpc>
+                        <a:spcBef>
+                          <a:spcPts val="0"/>
+                        </a:spcBef>
+                        <a:spcAft>
+                          <a:spcPts val="0"/>
+                        </a:spcAft>
+                      </a:pPr>
+                      <a:r>
+                        <a:rPr lang="en-US" sz="1400">
+                          <a:solidFill>
+                            <a:srgbClr val="000000"/>
+                          </a:solidFill>
+                          <a:latin typeface="Calibri"/>
+                          <a:ea typeface="Times New Roman"/>
+                          <a:cs typeface="Times New Roman"/>
+                        </a:rPr>
+                        <a:t>Title</a:t>
+                      </a:r>
+                      <a:endParaRPr lang="en-US" sz="1100">
+                        <a:latin typeface="Calibri"/>
+                        <a:ea typeface="Calibri"/>
+                        <a:cs typeface="Times New Roman"/>
+                      </a:endParaRPr>
+                    </a:p>
+                  </a:txBody>
+                  <a:tcPr marL="68580" marR="68580" marT="0" marB="0" anchor="b">
+                    <a:lnL w="12700" cap="flat" cmpd="sng" algn="ctr">
+                      <a:solidFill>
+                        <a:srgbClr val="000000"/>
+                      </a:solidFill>
+                      <a:prstDash val="solid"/>
+                      <a:round/>
+                      <a:headEnd type="none" w="med" len="med"/>
+                      <a:tailEnd type="none" w="med" len="med"/>
+                    </a:lnL>
+                    <a:lnR w="12700" cap="flat" cmpd="sng" algn="ctr">
+                      <a:solidFill>
+                        <a:srgbClr val="000000"/>
+                      </a:solidFill>
+                      <a:prstDash val="solid"/>
+                      <a:round/>
+                      <a:headEnd type="none" w="med" len="med"/>
+                      <a:tailEnd type="none" w="med" len="med"/>
+                    </a:lnR>
+                    <a:lnT w="12700" cap="flat" cmpd="sng" algn="ctr">
+                      <a:solidFill>
+                        <a:srgbClr val="000000"/>
+                      </a:solidFill>
+                      <a:prstDash val="solid"/>
+                      <a:round/>
+                      <a:headEnd type="none" w="med" len="med"/>
+                      <a:tailEnd type="none" w="med" len="med"/>
+                    </a:lnT>
+                    <a:lnB w="12700" cap="flat" cmpd="sng" algn="ctr">
+                      <a:solidFill>
+                        <a:srgbClr val="000000"/>
+                      </a:solidFill>
+                      <a:prstDash val="solid"/>
+                      <a:round/>
+                      <a:headEnd type="none" w="med" len="med"/>
+                      <a:tailEnd type="none" w="med" len="med"/>
+                    </a:lnB>
+                  </a:tcPr>
+                </a:tc>
+                <a:tc>
+                  <a:txBody>
+                    <a:bodyPr/>
+                    <a:lstStyle/>
+                    <a:p>
+                      <a:pPr marL="0" marR="0" indent="178435" algn="l">
+                        <a:lnSpc>
+                          <a:spcPct val="115000"/>
+                        </a:lnSpc>
+                        <a:spcBef>
+                          <a:spcPts val="0"/>
+                        </a:spcBef>
+                        <a:spcAft>
+                          <a:spcPts val="0"/>
+                        </a:spcAft>
+                      </a:pPr>
+                      <a:r>
+                        <a:rPr lang="en-US" sz="1400" b="1">
+                          <a:solidFill>
+                            <a:srgbClr val="000000"/>
+                          </a:solidFill>
+                          <a:latin typeface="Calibri"/>
+                          <a:ea typeface="Times New Roman"/>
+                          <a:cs typeface="Times New Roman"/>
+                        </a:rPr>
+                        <a:t>Post Question</a:t>
+                      </a:r>
+                      <a:endParaRPr lang="en-US" sz="1100">
+                        <a:latin typeface="Calibri"/>
+                        <a:ea typeface="Calibri"/>
+                        <a:cs typeface="Times New Roman"/>
+                      </a:endParaRPr>
+                    </a:p>
+                  </a:txBody>
+                  <a:tcPr marL="68580" marR="68580" marT="0" marB="0" anchor="b">
+                    <a:lnL w="12700" cap="flat" cmpd="sng" algn="ctr">
+                      <a:solidFill>
+                        <a:srgbClr val="000000"/>
+                      </a:solidFill>
+                      <a:prstDash val="solid"/>
+                      <a:round/>
+                      <a:headEnd type="none" w="med" len="med"/>
+                      <a:tailEnd type="none" w="med" len="med"/>
+                    </a:lnL>
+                    <a:lnR w="12700" cap="flat" cmpd="sng" algn="ctr">
+                      <a:solidFill>
+                        <a:srgbClr val="000000"/>
+                      </a:solidFill>
+                      <a:prstDash val="solid"/>
+                      <a:round/>
+                      <a:headEnd type="none" w="med" len="med"/>
+                      <a:tailEnd type="none" w="med" len="med"/>
+                    </a:lnR>
+                    <a:lnT w="12700" cap="flat" cmpd="sng" algn="ctr">
+                      <a:solidFill>
+                        <a:srgbClr val="000000"/>
+                      </a:solidFill>
+                      <a:prstDash val="solid"/>
+                      <a:round/>
+                      <a:headEnd type="none" w="med" len="med"/>
+                      <a:tailEnd type="none" w="med" len="med"/>
+                    </a:lnT>
+                    <a:lnB w="12700" cap="flat" cmpd="sng" algn="ctr">
+                      <a:solidFill>
+                        <a:srgbClr val="000000"/>
+                      </a:solidFill>
+                      <a:prstDash val="solid"/>
+                      <a:round/>
+                      <a:headEnd type="none" w="med" len="med"/>
+                      <a:tailEnd type="none" w="med" len="med"/>
+                    </a:lnB>
+                  </a:tcPr>
+                </a:tc>
+              </a:tr>
+              <a:tr h="546815">
+                <a:tc>
+                  <a:txBody>
+                    <a:bodyPr/>
+                    <a:lstStyle/>
+                    <a:p>
+                      <a:pPr marL="0" marR="0" algn="ctr">
+                        <a:lnSpc>
+                          <a:spcPct val="115000"/>
+                        </a:lnSpc>
+                        <a:spcBef>
+                          <a:spcPts val="0"/>
+                        </a:spcBef>
+                        <a:spcAft>
+                          <a:spcPts val="0"/>
+                        </a:spcAft>
+                      </a:pPr>
+                      <a:r>
+                        <a:rPr lang="en-US" sz="1400">
+                          <a:solidFill>
+                            <a:srgbClr val="000000"/>
+                          </a:solidFill>
+                          <a:latin typeface="Calibri"/>
+                          <a:ea typeface="Times New Roman"/>
+                          <a:cs typeface="Times New Roman"/>
+                        </a:rPr>
+                        <a:t>Summary</a:t>
+                      </a:r>
+                      <a:endParaRPr lang="en-US" sz="1100">
+                        <a:latin typeface="Calibri"/>
+                        <a:ea typeface="Calibri"/>
+                        <a:cs typeface="Times New Roman"/>
+                      </a:endParaRPr>
+                    </a:p>
+                  </a:txBody>
+                  <a:tcPr marL="68580" marR="68580" marT="0" marB="0" anchor="b">
+                    <a:lnL w="12700" cap="flat" cmpd="sng" algn="ctr">
+                      <a:solidFill>
+                        <a:srgbClr val="000000"/>
+                      </a:solidFill>
+                      <a:prstDash val="solid"/>
+                      <a:round/>
+                      <a:headEnd type="none" w="med" len="med"/>
+                      <a:tailEnd type="none" w="med" len="med"/>
+                    </a:lnL>
+                    <a:lnR w="12700" cap="flat" cmpd="sng" algn="ctr">
+                      <a:solidFill>
+                        <a:srgbClr val="000000"/>
+                      </a:solidFill>
+                      <a:prstDash val="solid"/>
+                      <a:round/>
+                      <a:headEnd type="none" w="med" len="med"/>
+                      <a:tailEnd type="none" w="med" len="med"/>
+                    </a:lnR>
+                    <a:lnT w="12700" cap="flat" cmpd="sng" algn="ctr">
+                      <a:solidFill>
+                        <a:srgbClr val="000000"/>
+                      </a:solidFill>
+                      <a:prstDash val="solid"/>
+                      <a:round/>
+                      <a:headEnd type="none" w="med" len="med"/>
+                      <a:tailEnd type="none" w="med" len="med"/>
+                    </a:lnT>
+                    <a:lnB w="12700" cap="flat" cmpd="sng" algn="ctr">
+                      <a:solidFill>
+                        <a:srgbClr val="000000"/>
+                      </a:solidFill>
+                      <a:prstDash val="solid"/>
+                      <a:round/>
+                      <a:headEnd type="none" w="med" len="med"/>
+                      <a:tailEnd type="none" w="med" len="med"/>
+                    </a:lnB>
+                  </a:tcPr>
+                </a:tc>
+                <a:tc>
+                  <a:txBody>
+                    <a:bodyPr/>
+                    <a:lstStyle/>
+                    <a:p>
+                      <a:pPr marL="0" marR="0" indent="177800" algn="l">
+                        <a:lnSpc>
+                          <a:spcPct val="115000"/>
+                        </a:lnSpc>
+                        <a:spcBef>
+                          <a:spcPts val="0"/>
+                        </a:spcBef>
+                        <a:spcAft>
+                          <a:spcPts val="0"/>
+                        </a:spcAft>
+                      </a:pPr>
+                      <a:r>
+                        <a:rPr lang="en-US" sz="1400">
+                          <a:solidFill>
+                            <a:srgbClr val="000000"/>
+                          </a:solidFill>
+                          <a:latin typeface="Calibri"/>
+                          <a:ea typeface="Times New Roman"/>
+                          <a:cs typeface="Times New Roman"/>
+                        </a:rPr>
+                        <a:t>The registered user can post new questions on the blog</a:t>
+                      </a:r>
+                      <a:endParaRPr lang="en-US" sz="1100">
+                        <a:latin typeface="Calibri"/>
+                        <a:ea typeface="Calibri"/>
+                        <a:cs typeface="Times New Roman"/>
+                      </a:endParaRPr>
+                    </a:p>
+                  </a:txBody>
+                  <a:tcPr marL="68580" marR="68580" marT="0" marB="0" anchor="b">
+                    <a:lnL w="12700" cap="flat" cmpd="sng" algn="ctr">
+                      <a:solidFill>
+                        <a:srgbClr val="000000"/>
+                      </a:solidFill>
+                      <a:prstDash val="solid"/>
+                      <a:round/>
+                      <a:headEnd type="none" w="med" len="med"/>
+                      <a:tailEnd type="none" w="med" len="med"/>
+                    </a:lnL>
+                    <a:lnR w="12700" cap="flat" cmpd="sng" algn="ctr">
+                      <a:solidFill>
+                        <a:srgbClr val="000000"/>
+                      </a:solidFill>
+                      <a:prstDash val="solid"/>
+                      <a:round/>
+                      <a:headEnd type="none" w="med" len="med"/>
+                      <a:tailEnd type="none" w="med" len="med"/>
+                    </a:lnR>
+                    <a:lnT w="12700" cap="flat" cmpd="sng" algn="ctr">
+                      <a:solidFill>
+                        <a:srgbClr val="000000"/>
+                      </a:solidFill>
+                      <a:prstDash val="solid"/>
+                      <a:round/>
+                      <a:headEnd type="none" w="med" len="med"/>
+                      <a:tailEnd type="none" w="med" len="med"/>
+                    </a:lnT>
+                    <a:lnB w="12700" cap="flat" cmpd="sng" algn="ctr">
+                      <a:solidFill>
+                        <a:srgbClr val="000000"/>
+                      </a:solidFill>
+                      <a:prstDash val="solid"/>
+                      <a:round/>
+                      <a:headEnd type="none" w="med" len="med"/>
+                      <a:tailEnd type="none" w="med" len="med"/>
+                    </a:lnB>
+                  </a:tcPr>
+                </a:tc>
+              </a:tr>
+              <a:tr h="273408">
+                <a:tc>
+                  <a:txBody>
+                    <a:bodyPr/>
+                    <a:lstStyle/>
+                    <a:p>
+                      <a:pPr marL="0" marR="0" algn="ctr">
+                        <a:lnSpc>
+                          <a:spcPct val="115000"/>
+                        </a:lnSpc>
+                        <a:spcBef>
+                          <a:spcPts val="0"/>
+                        </a:spcBef>
+                        <a:spcAft>
+                          <a:spcPts val="0"/>
+                        </a:spcAft>
+                      </a:pPr>
+                      <a:r>
+                        <a:rPr lang="en-US" sz="1400">
+                          <a:solidFill>
+                            <a:srgbClr val="000000"/>
+                          </a:solidFill>
+                          <a:latin typeface="Calibri"/>
+                          <a:ea typeface="Times New Roman"/>
+                          <a:cs typeface="Times New Roman"/>
+                        </a:rPr>
+                        <a:t>Preconditions</a:t>
+                      </a:r>
+                      <a:endParaRPr lang="en-US" sz="1100">
+                        <a:latin typeface="Calibri"/>
+                        <a:ea typeface="Calibri"/>
+                        <a:cs typeface="Times New Roman"/>
+                      </a:endParaRPr>
+                    </a:p>
+                  </a:txBody>
+                  <a:tcPr marL="68580" marR="68580" marT="0" marB="0" anchor="b">
+                    <a:lnL w="12700" cap="flat" cmpd="sng" algn="ctr">
+                      <a:solidFill>
+                        <a:srgbClr val="000000"/>
+                      </a:solidFill>
+                      <a:prstDash val="solid"/>
+                      <a:round/>
+                      <a:headEnd type="none" w="med" len="med"/>
+                      <a:tailEnd type="none" w="med" len="med"/>
+                    </a:lnL>
+                    <a:lnR w="12700" cap="flat" cmpd="sng" algn="ctr">
+                      <a:solidFill>
+                        <a:srgbClr val="000000"/>
+                      </a:solidFill>
+                      <a:prstDash val="solid"/>
+                      <a:round/>
+                      <a:headEnd type="none" w="med" len="med"/>
+                      <a:tailEnd type="none" w="med" len="med"/>
+                    </a:lnR>
+                    <a:lnT w="12700" cap="flat" cmpd="sng" algn="ctr">
+                      <a:solidFill>
+                        <a:srgbClr val="000000"/>
+                      </a:solidFill>
+                      <a:prstDash val="solid"/>
+                      <a:round/>
+                      <a:headEnd type="none" w="med" len="med"/>
+                      <a:tailEnd type="none" w="med" len="med"/>
+                    </a:lnT>
+                    <a:lnB w="12700" cap="flat" cmpd="sng" algn="ctr">
+                      <a:solidFill>
+                        <a:srgbClr val="000000"/>
+                      </a:solidFill>
+                      <a:prstDash val="solid"/>
+                      <a:round/>
+                      <a:headEnd type="none" w="med" len="med"/>
+                      <a:tailEnd type="none" w="med" len="med"/>
+                    </a:lnB>
+                  </a:tcPr>
+                </a:tc>
+                <a:tc>
+                  <a:txBody>
+                    <a:bodyPr/>
+                    <a:lstStyle/>
+                    <a:p>
+                      <a:pPr marL="0" marR="0" indent="177800" algn="l">
+                        <a:lnSpc>
+                          <a:spcPct val="115000"/>
+                        </a:lnSpc>
+                        <a:spcBef>
+                          <a:spcPts val="0"/>
+                        </a:spcBef>
+                        <a:spcAft>
+                          <a:spcPts val="0"/>
+                        </a:spcAft>
+                      </a:pPr>
+                      <a:r>
+                        <a:rPr lang="en-US" sz="1400">
+                          <a:solidFill>
+                            <a:srgbClr val="000000"/>
+                          </a:solidFill>
+                          <a:latin typeface="Calibri"/>
+                          <a:ea typeface="Times New Roman"/>
+                          <a:cs typeface="Times New Roman"/>
+                        </a:rPr>
+                        <a:t>The user is registered and logged in</a:t>
+                      </a:r>
+                      <a:endParaRPr lang="en-US" sz="1100">
+                        <a:latin typeface="Calibri"/>
+                        <a:ea typeface="Calibri"/>
+                        <a:cs typeface="Times New Roman"/>
+                      </a:endParaRPr>
+                    </a:p>
+                  </a:txBody>
+                  <a:tcPr marL="68580" marR="68580" marT="0" marB="0" anchor="b">
+                    <a:lnL w="12700" cap="flat" cmpd="sng" algn="ctr">
+                      <a:solidFill>
+                        <a:srgbClr val="000000"/>
+                      </a:solidFill>
+                      <a:prstDash val="solid"/>
+                      <a:round/>
+                      <a:headEnd type="none" w="med" len="med"/>
+                      <a:tailEnd type="none" w="med" len="med"/>
+                    </a:lnL>
+                    <a:lnR w="12700" cap="flat" cmpd="sng" algn="ctr">
+                      <a:solidFill>
+                        <a:srgbClr val="000000"/>
+                      </a:solidFill>
+                      <a:prstDash val="solid"/>
+                      <a:round/>
+                      <a:headEnd type="none" w="med" len="med"/>
+                      <a:tailEnd type="none" w="med" len="med"/>
+                    </a:lnR>
+                    <a:lnT w="12700" cap="flat" cmpd="sng" algn="ctr">
+                      <a:solidFill>
+                        <a:srgbClr val="000000"/>
+                      </a:solidFill>
+                      <a:prstDash val="solid"/>
+                      <a:round/>
+                      <a:headEnd type="none" w="med" len="med"/>
+                      <a:tailEnd type="none" w="med" len="med"/>
+                    </a:lnT>
+                    <a:lnB w="12700" cap="flat" cmpd="sng" algn="ctr">
+                      <a:solidFill>
+                        <a:srgbClr val="000000"/>
+                      </a:solidFill>
+                      <a:prstDash val="solid"/>
+                      <a:round/>
+                      <a:headEnd type="none" w="med" len="med"/>
+                      <a:tailEnd type="none" w="med" len="med"/>
+                    </a:lnB>
+                  </a:tcPr>
+                </a:tc>
+              </a:tr>
+              <a:tr h="273408">
+                <a:tc>
+                  <a:txBody>
+                    <a:bodyPr/>
+                    <a:lstStyle/>
+                    <a:p>
+                      <a:pPr marL="0" marR="0" algn="ctr">
+                        <a:lnSpc>
+                          <a:spcPct val="115000"/>
+                        </a:lnSpc>
+                        <a:spcBef>
+                          <a:spcPts val="0"/>
+                        </a:spcBef>
+                        <a:spcAft>
+                          <a:spcPts val="0"/>
+                        </a:spcAft>
+                      </a:pPr>
+                      <a:r>
+                        <a:rPr lang="en-US" sz="1400">
+                          <a:solidFill>
+                            <a:srgbClr val="000000"/>
+                          </a:solidFill>
+                          <a:latin typeface="Calibri"/>
+                          <a:ea typeface="Times New Roman"/>
+                          <a:cs typeface="Times New Roman"/>
+                        </a:rPr>
+                        <a:t>Post-conditions</a:t>
+                      </a:r>
+                      <a:endParaRPr lang="en-US" sz="1100">
+                        <a:latin typeface="Calibri"/>
+                        <a:ea typeface="Calibri"/>
+                        <a:cs typeface="Times New Roman"/>
+                      </a:endParaRPr>
+                    </a:p>
+                  </a:txBody>
+                  <a:tcPr marL="68580" marR="68580" marT="0" marB="0" anchor="b">
+                    <a:lnL w="12700" cap="flat" cmpd="sng" algn="ctr">
+                      <a:solidFill>
+                        <a:srgbClr val="000000"/>
+                      </a:solidFill>
+                      <a:prstDash val="solid"/>
+                      <a:round/>
+                      <a:headEnd type="none" w="med" len="med"/>
+                      <a:tailEnd type="none" w="med" len="med"/>
+                    </a:lnL>
+                    <a:lnR w="12700" cap="flat" cmpd="sng" algn="ctr">
+                      <a:solidFill>
+                        <a:srgbClr val="000000"/>
+                      </a:solidFill>
+                      <a:prstDash val="solid"/>
+                      <a:round/>
+                      <a:headEnd type="none" w="med" len="med"/>
+                      <a:tailEnd type="none" w="med" len="med"/>
+                    </a:lnR>
+                    <a:lnT w="12700" cap="flat" cmpd="sng" algn="ctr">
+                      <a:solidFill>
+                        <a:srgbClr val="000000"/>
+                      </a:solidFill>
+                      <a:prstDash val="solid"/>
+                      <a:round/>
+                      <a:headEnd type="none" w="med" len="med"/>
+                      <a:tailEnd type="none" w="med" len="med"/>
+                    </a:lnT>
+                    <a:lnB w="12700" cap="flat" cmpd="sng" algn="ctr">
+                      <a:solidFill>
+                        <a:srgbClr val="000000"/>
+                      </a:solidFill>
+                      <a:prstDash val="solid"/>
+                      <a:round/>
+                      <a:headEnd type="none" w="med" len="med"/>
+                      <a:tailEnd type="none" w="med" len="med"/>
+                    </a:lnB>
+                  </a:tcPr>
+                </a:tc>
+                <a:tc>
+                  <a:txBody>
+                    <a:bodyPr/>
+                    <a:lstStyle/>
+                    <a:p>
+                      <a:pPr marL="0" marR="0" indent="177800" algn="l">
+                        <a:lnSpc>
+                          <a:spcPct val="115000"/>
+                        </a:lnSpc>
+                        <a:spcBef>
+                          <a:spcPts val="0"/>
+                        </a:spcBef>
+                        <a:spcAft>
+                          <a:spcPts val="0"/>
+                        </a:spcAft>
+                      </a:pPr>
+                      <a:r>
+                        <a:rPr lang="en-US" sz="1400">
+                          <a:solidFill>
+                            <a:srgbClr val="000000"/>
+                          </a:solidFill>
+                          <a:latin typeface="Calibri"/>
+                          <a:ea typeface="Times New Roman"/>
+                          <a:cs typeface="Times New Roman"/>
+                        </a:rPr>
+                        <a:t>A new question is posted onto the blog</a:t>
+                      </a:r>
+                      <a:endParaRPr lang="en-US" sz="1100">
+                        <a:latin typeface="Calibri"/>
+                        <a:ea typeface="Calibri"/>
+                        <a:cs typeface="Times New Roman"/>
+                      </a:endParaRPr>
+                    </a:p>
+                  </a:txBody>
+                  <a:tcPr marL="68580" marR="68580" marT="0" marB="0" anchor="b">
+                    <a:lnL w="12700" cap="flat" cmpd="sng" algn="ctr">
+                      <a:solidFill>
+                        <a:srgbClr val="000000"/>
+                      </a:solidFill>
+                      <a:prstDash val="solid"/>
+                      <a:round/>
+                      <a:headEnd type="none" w="med" len="med"/>
+                      <a:tailEnd type="none" w="med" len="med"/>
+                    </a:lnL>
+                    <a:lnR w="12700" cap="flat" cmpd="sng" algn="ctr">
+                      <a:solidFill>
+                        <a:srgbClr val="000000"/>
+                      </a:solidFill>
+                      <a:prstDash val="solid"/>
+                      <a:round/>
+                      <a:headEnd type="none" w="med" len="med"/>
+                      <a:tailEnd type="none" w="med" len="med"/>
+                    </a:lnR>
+                    <a:lnT w="12700" cap="flat" cmpd="sng" algn="ctr">
+                      <a:solidFill>
+                        <a:srgbClr val="000000"/>
+                      </a:solidFill>
+                      <a:prstDash val="solid"/>
+                      <a:round/>
+                      <a:headEnd type="none" w="med" len="med"/>
+                      <a:tailEnd type="none" w="med" len="med"/>
+                    </a:lnT>
+                    <a:lnB w="12700" cap="flat" cmpd="sng" algn="ctr">
+                      <a:solidFill>
+                        <a:srgbClr val="000000"/>
+                      </a:solidFill>
+                      <a:prstDash val="solid"/>
+                      <a:round/>
+                      <a:headEnd type="none" w="med" len="med"/>
+                      <a:tailEnd type="none" w="med" len="med"/>
+                    </a:lnB>
+                  </a:tcPr>
+                </a:tc>
+              </a:tr>
+              <a:tr h="265341">
+                <a:tc>
+                  <a:txBody>
+                    <a:bodyPr/>
+                    <a:lstStyle/>
+                    <a:p>
+                      <a:pPr algn="l">
+                        <a:lnSpc>
+                          <a:spcPct val="115000"/>
+                        </a:lnSpc>
+                      </a:pPr>
+                      <a:endParaRPr lang="en-US" sz="1100">
+                        <a:latin typeface="Calibri"/>
+                        <a:ea typeface="Times New Roman"/>
+                      </a:endParaRPr>
+                    </a:p>
+                  </a:txBody>
+                  <a:tcPr marL="68580" marR="68580" marT="0" marB="0" anchor="b">
+                    <a:lnL>
+                      <a:noFill/>
+                    </a:lnL>
+                    <a:lnR>
+                      <a:noFill/>
+                    </a:lnR>
+                    <a:lnT w="12700" cap="flat" cmpd="sng" algn="ctr">
+                      <a:solidFill>
+                        <a:srgbClr val="000000"/>
+                      </a:solidFill>
+                      <a:prstDash val="solid"/>
+                      <a:round/>
+                      <a:headEnd type="none" w="med" len="med"/>
+                      <a:tailEnd type="none" w="med" len="med"/>
+                    </a:lnT>
+                    <a:lnB w="12700" cap="flat" cmpd="sng" algn="ctr">
+                      <a:solidFill>
+                        <a:srgbClr val="000000"/>
+                      </a:solidFill>
+                      <a:prstDash val="solid"/>
+                      <a:round/>
+                      <a:headEnd type="none" w="med" len="med"/>
+                      <a:tailEnd type="none" w="med" len="med"/>
+                    </a:lnB>
+                  </a:tcPr>
+                </a:tc>
+                <a:tc>
+                  <a:txBody>
+                    <a:bodyPr/>
+                    <a:lstStyle/>
+                    <a:p>
+                      <a:pPr algn="l">
+                        <a:lnSpc>
+                          <a:spcPct val="115000"/>
+                        </a:lnSpc>
+                      </a:pPr>
+                      <a:endParaRPr lang="en-US" sz="1100">
+                        <a:latin typeface="Calibri"/>
+                        <a:ea typeface="Times New Roman"/>
+                      </a:endParaRPr>
+                    </a:p>
+                  </a:txBody>
+                  <a:tcPr marL="68580" marR="68580" marT="0" marB="0" anchor="b">
+                    <a:lnL>
+                      <a:noFill/>
+                    </a:lnL>
+                    <a:lnR>
+                      <a:noFill/>
+                    </a:lnR>
+                    <a:lnT w="12700" cap="flat" cmpd="sng" algn="ctr">
+                      <a:solidFill>
+                        <a:srgbClr val="000000"/>
+                      </a:solidFill>
+                      <a:prstDash val="solid"/>
+                      <a:round/>
+                      <a:headEnd type="none" w="med" len="med"/>
+                      <a:tailEnd type="none" w="med" len="med"/>
+                    </a:lnT>
+                    <a:lnB w="12700" cap="flat" cmpd="sng" algn="ctr">
+                      <a:solidFill>
+                        <a:srgbClr val="000000"/>
+                      </a:solidFill>
+                      <a:prstDash val="solid"/>
+                      <a:round/>
+                      <a:headEnd type="none" w="med" len="med"/>
+                      <a:tailEnd type="none" w="med" len="med"/>
+                    </a:lnB>
+                  </a:tcPr>
+                </a:tc>
+              </a:tr>
+              <a:tr h="273408">
+                <a:tc>
+                  <a:txBody>
+                    <a:bodyPr/>
+                    <a:lstStyle/>
+                    <a:p>
+                      <a:pPr marL="0" marR="0" algn="ctr">
+                        <a:lnSpc>
+                          <a:spcPct val="115000"/>
+                        </a:lnSpc>
+                        <a:spcBef>
+                          <a:spcPts val="0"/>
+                        </a:spcBef>
+                        <a:spcAft>
+                          <a:spcPts val="0"/>
+                        </a:spcAft>
+                      </a:pPr>
+                      <a:r>
+                        <a:rPr lang="en-US" sz="1400">
+                          <a:solidFill>
+                            <a:srgbClr val="000000"/>
+                          </a:solidFill>
+                          <a:latin typeface="Calibri"/>
+                          <a:ea typeface="Times New Roman"/>
+                          <a:cs typeface="Times New Roman"/>
+                        </a:rPr>
+                        <a:t>Actor : Registered User</a:t>
+                      </a:r>
+                      <a:endParaRPr lang="en-US" sz="1100">
+                        <a:latin typeface="Calibri"/>
+                        <a:ea typeface="Calibri"/>
+                        <a:cs typeface="Times New Roman"/>
+                      </a:endParaRPr>
+                    </a:p>
+                  </a:txBody>
+                  <a:tcPr marL="68580" marR="68580" marT="0" marB="0" anchor="b">
+                    <a:lnL w="12700" cap="flat" cmpd="sng" algn="ctr">
+                      <a:solidFill>
+                        <a:srgbClr val="000000"/>
+                      </a:solidFill>
+                      <a:prstDash val="solid"/>
+                      <a:round/>
+                      <a:headEnd type="none" w="med" len="med"/>
+                      <a:tailEnd type="none" w="med" len="med"/>
+                    </a:lnL>
+                    <a:lnR w="12700" cap="flat" cmpd="sng" algn="ctr">
+                      <a:solidFill>
+                        <a:srgbClr val="000000"/>
+                      </a:solidFill>
+                      <a:prstDash val="solid"/>
+                      <a:round/>
+                      <a:headEnd type="none" w="med" len="med"/>
+                      <a:tailEnd type="none" w="med" len="med"/>
+                    </a:lnR>
+                    <a:lnT w="12700" cap="flat" cmpd="sng" algn="ctr">
+                      <a:solidFill>
+                        <a:srgbClr val="000000"/>
+                      </a:solidFill>
+                      <a:prstDash val="solid"/>
+                      <a:round/>
+                      <a:headEnd type="none" w="med" len="med"/>
+                      <a:tailEnd type="none" w="med" len="med"/>
+                    </a:lnT>
+                    <a:lnB w="12700" cap="flat" cmpd="sng" algn="ctr">
+                      <a:solidFill>
+                        <a:srgbClr val="000000"/>
+                      </a:solidFill>
+                      <a:prstDash val="solid"/>
+                      <a:round/>
+                      <a:headEnd type="none" w="med" len="med"/>
+                      <a:tailEnd type="none" w="med" len="med"/>
+                    </a:lnB>
+                  </a:tcPr>
+                </a:tc>
+                <a:tc>
+                  <a:txBody>
+                    <a:bodyPr/>
+                    <a:lstStyle/>
+                    <a:p>
+                      <a:pPr marL="0" marR="0" algn="ctr">
+                        <a:lnSpc>
+                          <a:spcPct val="115000"/>
+                        </a:lnSpc>
+                        <a:spcBef>
+                          <a:spcPts val="0"/>
+                        </a:spcBef>
+                        <a:spcAft>
+                          <a:spcPts val="0"/>
+                        </a:spcAft>
+                      </a:pPr>
+                      <a:r>
+                        <a:rPr lang="en-US" sz="1400">
+                          <a:solidFill>
+                            <a:srgbClr val="000000"/>
+                          </a:solidFill>
+                          <a:latin typeface="Calibri"/>
+                          <a:ea typeface="Times New Roman"/>
+                          <a:cs typeface="Times New Roman"/>
+                        </a:rPr>
+                        <a:t>System</a:t>
+                      </a:r>
+                      <a:endParaRPr lang="en-US" sz="1100">
+                        <a:latin typeface="Calibri"/>
+                        <a:ea typeface="Calibri"/>
+                        <a:cs typeface="Times New Roman"/>
+                      </a:endParaRPr>
+                    </a:p>
+                  </a:txBody>
+                  <a:tcPr marL="68580" marR="68580" marT="0" marB="0" anchor="b">
+                    <a:lnL w="12700" cap="flat" cmpd="sng" algn="ctr">
+                      <a:solidFill>
+                        <a:srgbClr val="000000"/>
+                      </a:solidFill>
+                      <a:prstDash val="solid"/>
+                      <a:round/>
+                      <a:headEnd type="none" w="med" len="med"/>
+                      <a:tailEnd type="none" w="med" len="med"/>
+                    </a:lnL>
+                    <a:lnR w="12700" cap="flat" cmpd="sng" algn="ctr">
+                      <a:solidFill>
+                        <a:srgbClr val="000000"/>
+                      </a:solidFill>
+                      <a:prstDash val="solid"/>
+                      <a:round/>
+                      <a:headEnd type="none" w="med" len="med"/>
+                      <a:tailEnd type="none" w="med" len="med"/>
+                    </a:lnR>
+                    <a:lnT w="12700" cap="flat" cmpd="sng" algn="ctr">
+                      <a:solidFill>
+                        <a:srgbClr val="000000"/>
+                      </a:solidFill>
+                      <a:prstDash val="solid"/>
+                      <a:round/>
+                      <a:headEnd type="none" w="med" len="med"/>
+                      <a:tailEnd type="none" w="med" len="med"/>
+                    </a:lnT>
+                    <a:lnB w="12700" cap="flat" cmpd="sng" algn="ctr">
+                      <a:solidFill>
+                        <a:srgbClr val="000000"/>
+                      </a:solidFill>
+                      <a:prstDash val="solid"/>
+                      <a:round/>
+                      <a:headEnd type="none" w="med" len="med"/>
+                      <a:tailEnd type="none" w="med" len="med"/>
+                    </a:lnB>
+                  </a:tcPr>
+                </a:tc>
+              </a:tr>
+              <a:tr h="273408">
+                <a:tc>
+                  <a:txBody>
+                    <a:bodyPr/>
+                    <a:lstStyle/>
+                    <a:p>
+                      <a:pPr marL="0" marR="0" algn="l">
+                        <a:lnSpc>
+                          <a:spcPct val="115000"/>
+                        </a:lnSpc>
+                        <a:spcBef>
+                          <a:spcPts val="0"/>
+                        </a:spcBef>
+                        <a:spcAft>
+                          <a:spcPts val="0"/>
+                        </a:spcAft>
+                      </a:pPr>
+                      <a:r>
+                        <a:rPr lang="en-US" sz="1400">
+                          <a:solidFill>
+                            <a:srgbClr val="000000"/>
+                          </a:solidFill>
+                          <a:latin typeface="Calibri"/>
+                          <a:ea typeface="Times New Roman"/>
+                          <a:cs typeface="Times New Roman"/>
+                        </a:rPr>
+                        <a:t>0. The user clicks the 'Post' button</a:t>
+                      </a:r>
+                      <a:endParaRPr lang="en-US" sz="1100">
+                        <a:latin typeface="Calibri"/>
+                        <a:ea typeface="Calibri"/>
+                        <a:cs typeface="Times New Roman"/>
+                      </a:endParaRPr>
+                    </a:p>
+                  </a:txBody>
+                  <a:tcPr marL="68580" marR="68580" marT="0" marB="0" anchor="b">
+                    <a:lnL w="12700" cap="flat" cmpd="sng" algn="ctr">
+                      <a:solidFill>
+                        <a:srgbClr val="000000"/>
+                      </a:solidFill>
+                      <a:prstDash val="solid"/>
+                      <a:round/>
+                      <a:headEnd type="none" w="med" len="med"/>
+                      <a:tailEnd type="none" w="med" len="med"/>
+                    </a:lnL>
+                    <a:lnR w="12700" cap="flat" cmpd="sng" algn="ctr">
+                      <a:solidFill>
+                        <a:srgbClr val="000000"/>
+                      </a:solidFill>
+                      <a:prstDash val="solid"/>
+                      <a:round/>
+                      <a:headEnd type="none" w="med" len="med"/>
+                      <a:tailEnd type="none" w="med" len="med"/>
+                    </a:lnR>
+                    <a:lnT w="12700" cap="flat" cmpd="sng" algn="ctr">
+                      <a:solidFill>
+                        <a:srgbClr val="000000"/>
+                      </a:solidFill>
+                      <a:prstDash val="solid"/>
+                      <a:round/>
+                      <a:headEnd type="none" w="med" len="med"/>
+                      <a:tailEnd type="none" w="med" len="med"/>
+                    </a:lnT>
+                    <a:lnB w="12700" cap="flat" cmpd="sng" algn="ctr">
+                      <a:solidFill>
+                        <a:srgbClr val="000000"/>
+                      </a:solidFill>
+                      <a:prstDash val="solid"/>
+                      <a:round/>
+                      <a:headEnd type="none" w="med" len="med"/>
+                      <a:tailEnd type="none" w="med" len="med"/>
+                    </a:lnB>
+                  </a:tcPr>
+                </a:tc>
+                <a:tc>
+                  <a:txBody>
+                    <a:bodyPr/>
+                    <a:lstStyle/>
+                    <a:p>
+                      <a:pPr marL="0" marR="0" indent="177800" algn="l">
+                        <a:lnSpc>
+                          <a:spcPct val="115000"/>
+                        </a:lnSpc>
+                        <a:spcBef>
+                          <a:spcPts val="0"/>
+                        </a:spcBef>
+                        <a:spcAft>
+                          <a:spcPts val="0"/>
+                        </a:spcAft>
+                      </a:pPr>
+                      <a:r>
+                        <a:rPr lang="en-US" sz="1400">
+                          <a:solidFill>
+                            <a:srgbClr val="000000"/>
+                          </a:solidFill>
+                          <a:latin typeface="Calibri"/>
+                          <a:ea typeface="Times New Roman"/>
+                          <a:cs typeface="Times New Roman"/>
+                        </a:rPr>
+                        <a:t>1. System displays PostTemplate page</a:t>
+                      </a:r>
+                      <a:endParaRPr lang="en-US" sz="1100">
+                        <a:latin typeface="Calibri"/>
+                        <a:ea typeface="Calibri"/>
+                        <a:cs typeface="Times New Roman"/>
+                      </a:endParaRPr>
+                    </a:p>
+                  </a:txBody>
+                  <a:tcPr marL="68580" marR="68580" marT="0" marB="0" anchor="b">
+                    <a:lnL w="12700" cap="flat" cmpd="sng" algn="ctr">
+                      <a:solidFill>
+                        <a:srgbClr val="000000"/>
+                      </a:solidFill>
+                      <a:prstDash val="solid"/>
+                      <a:round/>
+                      <a:headEnd type="none" w="med" len="med"/>
+                      <a:tailEnd type="none" w="med" len="med"/>
+                    </a:lnL>
+                    <a:lnR w="12700" cap="flat" cmpd="sng" algn="ctr">
+                      <a:solidFill>
+                        <a:srgbClr val="000000"/>
+                      </a:solidFill>
+                      <a:prstDash val="solid"/>
+                      <a:round/>
+                      <a:headEnd type="none" w="med" len="med"/>
+                      <a:tailEnd type="none" w="med" len="med"/>
+                    </a:lnR>
+                    <a:lnT w="12700" cap="flat" cmpd="sng" algn="ctr">
+                      <a:solidFill>
+                        <a:srgbClr val="000000"/>
+                      </a:solidFill>
+                      <a:prstDash val="solid"/>
+                      <a:round/>
+                      <a:headEnd type="none" w="med" len="med"/>
+                      <a:tailEnd type="none" w="med" len="med"/>
+                    </a:lnT>
+                    <a:lnB w="12700" cap="flat" cmpd="sng" algn="ctr">
+                      <a:solidFill>
+                        <a:srgbClr val="000000"/>
+                      </a:solidFill>
+                      <a:prstDash val="solid"/>
+                      <a:round/>
+                      <a:headEnd type="none" w="med" len="med"/>
+                      <a:tailEnd type="none" w="med" len="med"/>
+                    </a:lnB>
+                  </a:tcPr>
+                </a:tc>
+              </a:tr>
+              <a:tr h="546815">
+                <a:tc>
+                  <a:txBody>
+                    <a:bodyPr/>
+                    <a:lstStyle/>
+                    <a:p>
+                      <a:pPr marL="0" marR="0" algn="l">
+                        <a:lnSpc>
+                          <a:spcPct val="115000"/>
+                        </a:lnSpc>
+                        <a:spcBef>
+                          <a:spcPts val="0"/>
+                        </a:spcBef>
+                        <a:spcAft>
+                          <a:spcPts val="0"/>
+                        </a:spcAft>
+                      </a:pPr>
+                      <a:r>
+                        <a:rPr lang="en-US" sz="1400">
+                          <a:solidFill>
+                            <a:srgbClr val="000000"/>
+                          </a:solidFill>
+                          <a:latin typeface="Calibri"/>
+                          <a:ea typeface="Times New Roman"/>
+                          <a:cs typeface="Times New Roman"/>
+                        </a:rPr>
+                        <a:t>2. The user fills out the template for their question</a:t>
+                      </a:r>
+                      <a:endParaRPr lang="en-US" sz="1100">
+                        <a:latin typeface="Calibri"/>
+                        <a:ea typeface="Calibri"/>
+                        <a:cs typeface="Times New Roman"/>
+                      </a:endParaRPr>
+                    </a:p>
+                  </a:txBody>
+                  <a:tcPr marL="68580" marR="68580" marT="0" marB="0" anchor="b">
+                    <a:lnL w="12700" cap="flat" cmpd="sng" algn="ctr">
+                      <a:solidFill>
+                        <a:srgbClr val="000000"/>
+                      </a:solidFill>
+                      <a:prstDash val="solid"/>
+                      <a:round/>
+                      <a:headEnd type="none" w="med" len="med"/>
+                      <a:tailEnd type="none" w="med" len="med"/>
+                    </a:lnL>
+                    <a:lnR w="12700" cap="flat" cmpd="sng" algn="ctr">
+                      <a:solidFill>
+                        <a:srgbClr val="000000"/>
+                      </a:solidFill>
+                      <a:prstDash val="solid"/>
+                      <a:round/>
+                      <a:headEnd type="none" w="med" len="med"/>
+                      <a:tailEnd type="none" w="med" len="med"/>
+                    </a:lnR>
+                    <a:lnT w="12700" cap="flat" cmpd="sng" algn="ctr">
+                      <a:solidFill>
+                        <a:srgbClr val="000000"/>
+                      </a:solidFill>
+                      <a:prstDash val="solid"/>
+                      <a:round/>
+                      <a:headEnd type="none" w="med" len="med"/>
+                      <a:tailEnd type="none" w="med" len="med"/>
+                    </a:lnT>
+                    <a:lnB w="12700" cap="flat" cmpd="sng" algn="ctr">
+                      <a:solidFill>
+                        <a:srgbClr val="000000"/>
+                      </a:solidFill>
+                      <a:prstDash val="solid"/>
+                      <a:round/>
+                      <a:headEnd type="none" w="med" len="med"/>
+                      <a:tailEnd type="none" w="med" len="med"/>
+                    </a:lnB>
+                  </a:tcPr>
+                </a:tc>
+                <a:tc>
+                  <a:txBody>
+                    <a:bodyPr/>
+                    <a:lstStyle/>
+                    <a:p>
+                      <a:pPr marL="0" marR="0" indent="177800" algn="l">
+                        <a:lnSpc>
+                          <a:spcPct val="115000"/>
+                        </a:lnSpc>
+                        <a:spcBef>
+                          <a:spcPts val="0"/>
+                        </a:spcBef>
+                        <a:spcAft>
+                          <a:spcPts val="0"/>
+                        </a:spcAft>
+                      </a:pPr>
+                      <a:r>
+                        <a:rPr lang="en-US" sz="1400" dirty="0">
+                          <a:solidFill>
+                            <a:srgbClr val="000000"/>
+                          </a:solidFill>
+                          <a:latin typeface="Calibri"/>
+                          <a:ea typeface="Times New Roman"/>
+                          <a:cs typeface="Times New Roman"/>
+                        </a:rPr>
+                        <a:t>3. System creates a new post page for the user's question</a:t>
+                      </a:r>
+                      <a:endParaRPr lang="en-US" sz="1100" dirty="0">
+                        <a:latin typeface="Calibri"/>
+                        <a:ea typeface="Calibri"/>
+                        <a:cs typeface="Times New Roman"/>
+                      </a:endParaRPr>
+                    </a:p>
+                  </a:txBody>
+                  <a:tcPr marL="68580" marR="68580" marT="0" marB="0" anchor="b">
+                    <a:lnL w="12700" cap="flat" cmpd="sng" algn="ctr">
+                      <a:solidFill>
+                        <a:srgbClr val="000000"/>
+                      </a:solidFill>
+                      <a:prstDash val="solid"/>
+                      <a:round/>
+                      <a:headEnd type="none" w="med" len="med"/>
+                      <a:tailEnd type="none" w="med" len="med"/>
+                    </a:lnL>
+                    <a:lnR w="12700" cap="flat" cmpd="sng" algn="ctr">
+                      <a:solidFill>
+                        <a:srgbClr val="000000"/>
+                      </a:solidFill>
+                      <a:prstDash val="solid"/>
+                      <a:round/>
+                      <a:headEnd type="none" w="med" len="med"/>
+                      <a:tailEnd type="none" w="med" len="med"/>
+                    </a:lnR>
+                    <a:lnT w="12700" cap="flat" cmpd="sng" algn="ctr">
+                      <a:solidFill>
+                        <a:srgbClr val="000000"/>
+                      </a:solidFill>
+                      <a:prstDash val="solid"/>
+                      <a:round/>
+                      <a:headEnd type="none" w="med" len="med"/>
+                      <a:tailEnd type="none" w="med" len="med"/>
+                    </a:lnT>
+                    <a:lnB w="12700" cap="flat" cmpd="sng" algn="ctr">
+                      <a:solidFill>
+                        <a:srgbClr val="000000"/>
+                      </a:solidFill>
+                      <a:prstDash val="solid"/>
+                      <a:round/>
+                      <a:headEnd type="none" w="med" len="med"/>
+                      <a:tailEnd type="none" w="med" len="med"/>
+                    </a:lnB>
+                  </a:tcPr>
+                </a:tc>
+              </a:tr>
+            </a:tbl>
+          </a:graphicData>
+        </a:graphic>
+      </p:graphicFrame>
     </p:spTree>
   </p:cSld>
   <p:clrMapOvr>
@@ -5133,7 +5135,7 @@
           <a:p>
             <a:r>
               <a:rPr lang="en-US" dirty="0" smtClean="0"/>
-              <a:t>Guest User</a:t>
+              <a:t>Post Question</a:t>
             </a:r>
             <a:endParaRPr lang="en-US" dirty="0"/>
           </a:p>
@@ -5141,7 +5143,7 @@
       </p:sp>
       <p:pic>
         <p:nvPicPr>
-          <p:cNvPr id="4" name="Picture 3" descr="C:\wamp\www\CapstoneProject\Proposal\Design\Guest User Use Case Diagram.JPG"/>
+          <p:cNvPr id="4" name="Picture 3"/>
           <p:cNvPicPr/>
           <p:nvPr/>
         </p:nvPicPr>
@@ -5154,8 +5156,8 @@
         </p:blipFill>
         <p:spPr bwMode="auto">
           <a:xfrm>
-            <a:off x="2276932" y="1686297"/>
-            <a:ext cx="4447717" cy="3047628"/>
+            <a:off x="1071191" y="854157"/>
+            <a:ext cx="7001617" cy="3111336"/>
           </a:xfrm>
           <a:prstGeom prst="rect">
             <a:avLst/>
@@ -5211,1430 +5213,42 @@
           <a:p>
             <a:r>
               <a:rPr lang="en-US" dirty="0" smtClean="0"/>
-              <a:t>Guest User - Search</a:t>
+              <a:t>Guest User</a:t>
             </a:r>
             <a:endParaRPr lang="en-US" dirty="0"/>
           </a:p>
         </p:txBody>
       </p:sp>
-      <p:graphicFrame>
-        <p:nvGraphicFramePr>
-          <p:cNvPr id="4" name="Table 3"/>
-          <p:cNvGraphicFramePr>
-            <a:graphicFrameLocks noGrp="1"/>
-          </p:cNvGraphicFramePr>
+      <p:pic>
+        <p:nvPicPr>
+          <p:cNvPr id="4" name="Picture 3" descr="C:\wamp\www\CapstoneProject\Proposal\Design\Guest User Use Case Diagram.JPG"/>
+          <p:cNvPicPr/>
           <p:nvPr/>
-        </p:nvGraphicFramePr>
-        <p:xfrm>
-          <a:off x="1375038" y="647700"/>
-          <a:ext cx="5974823" cy="4141690"/>
-        </p:xfrm>
-        <a:graphic>
-          <a:graphicData uri="http://schemas.openxmlformats.org/drawingml/2006/table">
-            <a:tbl>
-              <a:tblPr/>
-              <a:tblGrid>
-                <a:gridCol w="2454457"/>
-                <a:gridCol w="3520366"/>
-              </a:tblGrid>
-              <a:tr h="463796">
-                <a:tc>
-                  <a:txBody>
-                    <a:bodyPr/>
-                    <a:lstStyle/>
-                    <a:p>
-                      <a:pPr marL="0" marR="0" algn="l">
-                        <a:lnSpc>
-                          <a:spcPct val="115000"/>
-                        </a:lnSpc>
-                        <a:spcBef>
-                          <a:spcPts val="0"/>
-                        </a:spcBef>
-                        <a:spcAft>
-                          <a:spcPts val="0"/>
-                        </a:spcAft>
-                      </a:pPr>
-                      <a:endParaRPr lang="en-US" sz="1100">
-                        <a:latin typeface="Calibri"/>
-                        <a:ea typeface="Calibri"/>
-                        <a:cs typeface="Times New Roman"/>
-                      </a:endParaRPr>
-                    </a:p>
-                    <a:p>
-                      <a:pPr marL="0" marR="0" algn="l">
-                        <a:lnSpc>
-                          <a:spcPct val="115000"/>
-                        </a:lnSpc>
-                        <a:spcBef>
-                          <a:spcPts val="0"/>
-                        </a:spcBef>
-                        <a:spcAft>
-                          <a:spcPts val="0"/>
-                        </a:spcAft>
-                      </a:pPr>
-                      <a:r>
-                        <a:rPr lang="en-US" sz="1600" b="1" i="1">
-                          <a:solidFill>
-                            <a:srgbClr val="000000"/>
-                          </a:solidFill>
-                          <a:latin typeface="Calibri"/>
-                          <a:ea typeface="Times New Roman"/>
-                          <a:cs typeface="Times New Roman"/>
-                        </a:rPr>
-                        <a:t>Guest</a:t>
-                      </a:r>
-                      <a:endParaRPr lang="en-US" sz="1100">
-                        <a:latin typeface="Calibri"/>
-                        <a:ea typeface="Calibri"/>
-                        <a:cs typeface="Times New Roman"/>
-                      </a:endParaRPr>
-                    </a:p>
-                  </a:txBody>
-                  <a:tcPr marL="67217" marR="67217" marT="0" marB="0" anchor="b">
-                    <a:lnL>
-                      <a:noFill/>
-                    </a:lnL>
-                    <a:lnR>
-                      <a:noFill/>
-                    </a:lnR>
-                    <a:lnT>
-                      <a:noFill/>
-                    </a:lnT>
-                    <a:lnB w="12700" cap="flat" cmpd="sng" algn="ctr">
-                      <a:solidFill>
-                        <a:srgbClr val="000000"/>
-                      </a:solidFill>
-                      <a:prstDash val="solid"/>
-                      <a:round/>
-                      <a:headEnd type="none" w="med" len="med"/>
-                      <a:tailEnd type="none" w="med" len="med"/>
-                    </a:lnB>
-                  </a:tcPr>
-                </a:tc>
-                <a:tc>
-                  <a:txBody>
-                    <a:bodyPr/>
-                    <a:lstStyle/>
-                    <a:p>
-                      <a:pPr marL="0" marR="0" algn="l">
-                        <a:lnSpc>
-                          <a:spcPct val="115000"/>
-                        </a:lnSpc>
-                        <a:spcBef>
-                          <a:spcPts val="0"/>
-                        </a:spcBef>
-                        <a:spcAft>
-                          <a:spcPts val="0"/>
-                        </a:spcAft>
-                      </a:pPr>
-                      <a:endParaRPr lang="en-US" sz="1100">
-                        <a:solidFill>
-                          <a:srgbClr val="000000"/>
-                        </a:solidFill>
-                        <a:latin typeface="Calibri"/>
-                        <a:ea typeface="Times New Roman"/>
-                        <a:cs typeface="Times New Roman"/>
-                      </a:endParaRPr>
-                    </a:p>
-                  </a:txBody>
-                  <a:tcPr marL="67217" marR="67217" marT="0" marB="0" anchor="b">
-                    <a:lnL>
-                      <a:noFill/>
-                    </a:lnL>
-                    <a:lnR>
-                      <a:noFill/>
-                    </a:lnR>
-                    <a:lnT>
-                      <a:noFill/>
-                    </a:lnT>
-                    <a:lnB w="12700" cap="flat" cmpd="sng" algn="ctr">
-                      <a:solidFill>
-                        <a:srgbClr val="000000"/>
-                      </a:solidFill>
-                      <a:prstDash val="solid"/>
-                      <a:round/>
-                      <a:headEnd type="none" w="med" len="med"/>
-                      <a:tailEnd type="none" w="med" len="med"/>
-                    </a:lnB>
-                  </a:tcPr>
-                </a:tc>
-              </a:tr>
-              <a:tr h="240487">
-                <a:tc>
-                  <a:txBody>
-                    <a:bodyPr/>
-                    <a:lstStyle/>
-                    <a:p>
-                      <a:pPr marL="0" marR="0" algn="l">
-                        <a:lnSpc>
-                          <a:spcPct val="115000"/>
-                        </a:lnSpc>
-                        <a:spcBef>
-                          <a:spcPts val="0"/>
-                        </a:spcBef>
-                        <a:spcAft>
-                          <a:spcPts val="0"/>
-                        </a:spcAft>
-                      </a:pPr>
-                      <a:r>
-                        <a:rPr lang="en-US" sz="1400">
-                          <a:solidFill>
-                            <a:srgbClr val="000000"/>
-                          </a:solidFill>
-                          <a:latin typeface="Calibri"/>
-                          <a:ea typeface="Times New Roman"/>
-                          <a:cs typeface="Times New Roman"/>
-                        </a:rPr>
-                        <a:t>Title</a:t>
-                      </a:r>
-                      <a:endParaRPr lang="en-US" sz="1100">
-                        <a:latin typeface="Calibri"/>
-                        <a:ea typeface="Calibri"/>
-                        <a:cs typeface="Times New Roman"/>
-                      </a:endParaRPr>
-                    </a:p>
-                  </a:txBody>
-                  <a:tcPr marL="67217" marR="67217" marT="0" marB="0" anchor="b">
-                    <a:lnL w="12700" cap="flat" cmpd="sng" algn="ctr">
-                      <a:solidFill>
-                        <a:srgbClr val="000000"/>
-                      </a:solidFill>
-                      <a:prstDash val="solid"/>
-                      <a:round/>
-                      <a:headEnd type="none" w="med" len="med"/>
-                      <a:tailEnd type="none" w="med" len="med"/>
-                    </a:lnL>
-                    <a:lnR w="12700" cap="flat" cmpd="sng" algn="ctr">
-                      <a:solidFill>
-                        <a:srgbClr val="000000"/>
-                      </a:solidFill>
-                      <a:prstDash val="solid"/>
-                      <a:round/>
-                      <a:headEnd type="none" w="med" len="med"/>
-                      <a:tailEnd type="none" w="med" len="med"/>
-                    </a:lnR>
-                    <a:lnT w="12700" cap="flat" cmpd="sng" algn="ctr">
-                      <a:solidFill>
-                        <a:srgbClr val="000000"/>
-                      </a:solidFill>
-                      <a:prstDash val="solid"/>
-                      <a:round/>
-                      <a:headEnd type="none" w="med" len="med"/>
-                      <a:tailEnd type="none" w="med" len="med"/>
-                    </a:lnT>
-                    <a:lnB w="12700" cap="flat" cmpd="sng" algn="ctr">
-                      <a:solidFill>
-                        <a:srgbClr val="000000"/>
-                      </a:solidFill>
-                      <a:prstDash val="solid"/>
-                      <a:round/>
-                      <a:headEnd type="none" w="med" len="med"/>
-                      <a:tailEnd type="none" w="med" len="med"/>
-                    </a:lnB>
-                  </a:tcPr>
-                </a:tc>
-                <a:tc>
-                  <a:txBody>
-                    <a:bodyPr/>
-                    <a:lstStyle/>
-                    <a:p>
-                      <a:pPr marL="0" marR="0" indent="177800" algn="l">
-                        <a:lnSpc>
-                          <a:spcPct val="115000"/>
-                        </a:lnSpc>
-                        <a:spcBef>
-                          <a:spcPts val="0"/>
-                        </a:spcBef>
-                        <a:spcAft>
-                          <a:spcPts val="0"/>
-                        </a:spcAft>
-                      </a:pPr>
-                      <a:r>
-                        <a:rPr lang="en-US" sz="1400">
-                          <a:solidFill>
-                            <a:srgbClr val="000000"/>
-                          </a:solidFill>
-                          <a:latin typeface="Calibri"/>
-                          <a:ea typeface="Times New Roman"/>
-                          <a:cs typeface="Times New Roman"/>
-                        </a:rPr>
-                        <a:t>Search</a:t>
-                      </a:r>
-                      <a:endParaRPr lang="en-US" sz="1100">
-                        <a:latin typeface="Calibri"/>
-                        <a:ea typeface="Calibri"/>
-                        <a:cs typeface="Times New Roman"/>
-                      </a:endParaRPr>
-                    </a:p>
-                  </a:txBody>
-                  <a:tcPr marL="67217" marR="67217" marT="0" marB="0" anchor="b">
-                    <a:lnL w="12700" cap="flat" cmpd="sng" algn="ctr">
-                      <a:solidFill>
-                        <a:srgbClr val="000000"/>
-                      </a:solidFill>
-                      <a:prstDash val="solid"/>
-                      <a:round/>
-                      <a:headEnd type="none" w="med" len="med"/>
-                      <a:tailEnd type="none" w="med" len="med"/>
-                    </a:lnL>
-                    <a:lnR w="12700" cap="flat" cmpd="sng" algn="ctr">
-                      <a:solidFill>
-                        <a:srgbClr val="000000"/>
-                      </a:solidFill>
-                      <a:prstDash val="solid"/>
-                      <a:round/>
-                      <a:headEnd type="none" w="med" len="med"/>
-                      <a:tailEnd type="none" w="med" len="med"/>
-                    </a:lnR>
-                    <a:lnT w="12700" cap="flat" cmpd="sng" algn="ctr">
-                      <a:solidFill>
-                        <a:srgbClr val="000000"/>
-                      </a:solidFill>
-                      <a:prstDash val="solid"/>
-                      <a:round/>
-                      <a:headEnd type="none" w="med" len="med"/>
-                      <a:tailEnd type="none" w="med" len="med"/>
-                    </a:lnT>
-                    <a:lnB w="12700" cap="flat" cmpd="sng" algn="ctr">
-                      <a:solidFill>
-                        <a:srgbClr val="000000"/>
-                      </a:solidFill>
-                      <a:prstDash val="solid"/>
-                      <a:round/>
-                      <a:headEnd type="none" w="med" len="med"/>
-                      <a:tailEnd type="none" w="med" len="med"/>
-                    </a:lnB>
-                  </a:tcPr>
-                </a:tc>
-              </a:tr>
-              <a:tr h="480973">
-                <a:tc>
-                  <a:txBody>
-                    <a:bodyPr/>
-                    <a:lstStyle/>
-                    <a:p>
-                      <a:pPr marL="0" marR="0" algn="l">
-                        <a:lnSpc>
-                          <a:spcPct val="115000"/>
-                        </a:lnSpc>
-                        <a:spcBef>
-                          <a:spcPts val="0"/>
-                        </a:spcBef>
-                        <a:spcAft>
-                          <a:spcPts val="0"/>
-                        </a:spcAft>
-                      </a:pPr>
-                      <a:r>
-                        <a:rPr lang="en-US" sz="1400">
-                          <a:solidFill>
-                            <a:srgbClr val="000000"/>
-                          </a:solidFill>
-                          <a:latin typeface="Calibri"/>
-                          <a:ea typeface="Times New Roman"/>
-                          <a:cs typeface="Times New Roman"/>
-                        </a:rPr>
-                        <a:t>Summary</a:t>
-                      </a:r>
-                      <a:endParaRPr lang="en-US" sz="1100">
-                        <a:latin typeface="Calibri"/>
-                        <a:ea typeface="Calibri"/>
-                        <a:cs typeface="Times New Roman"/>
-                      </a:endParaRPr>
-                    </a:p>
-                  </a:txBody>
-                  <a:tcPr marL="67217" marR="67217" marT="0" marB="0" anchor="b">
-                    <a:lnL w="12700" cap="flat" cmpd="sng" algn="ctr">
-                      <a:solidFill>
-                        <a:srgbClr val="000000"/>
-                      </a:solidFill>
-                      <a:prstDash val="solid"/>
-                      <a:round/>
-                      <a:headEnd type="none" w="med" len="med"/>
-                      <a:tailEnd type="none" w="med" len="med"/>
-                    </a:lnL>
-                    <a:lnR w="12700" cap="flat" cmpd="sng" algn="ctr">
-                      <a:solidFill>
-                        <a:srgbClr val="000000"/>
-                      </a:solidFill>
-                      <a:prstDash val="solid"/>
-                      <a:round/>
-                      <a:headEnd type="none" w="med" len="med"/>
-                      <a:tailEnd type="none" w="med" len="med"/>
-                    </a:lnR>
-                    <a:lnT w="12700" cap="flat" cmpd="sng" algn="ctr">
-                      <a:solidFill>
-                        <a:srgbClr val="000000"/>
-                      </a:solidFill>
-                      <a:prstDash val="solid"/>
-                      <a:round/>
-                      <a:headEnd type="none" w="med" len="med"/>
-                      <a:tailEnd type="none" w="med" len="med"/>
-                    </a:lnT>
-                    <a:lnB w="12700" cap="flat" cmpd="sng" algn="ctr">
-                      <a:solidFill>
-                        <a:srgbClr val="000000"/>
-                      </a:solidFill>
-                      <a:prstDash val="solid"/>
-                      <a:round/>
-                      <a:headEnd type="none" w="med" len="med"/>
-                      <a:tailEnd type="none" w="med" len="med"/>
-                    </a:lnB>
-                  </a:tcPr>
-                </a:tc>
-                <a:tc>
-                  <a:txBody>
-                    <a:bodyPr/>
-                    <a:lstStyle/>
-                    <a:p>
-                      <a:pPr marL="0" marR="0" indent="177800" algn="l">
-                        <a:lnSpc>
-                          <a:spcPct val="115000"/>
-                        </a:lnSpc>
-                        <a:spcBef>
-                          <a:spcPts val="0"/>
-                        </a:spcBef>
-                        <a:spcAft>
-                          <a:spcPts val="0"/>
-                        </a:spcAft>
-                      </a:pPr>
-                      <a:r>
-                        <a:rPr lang="en-US" sz="1400">
-                          <a:solidFill>
-                            <a:srgbClr val="000000"/>
-                          </a:solidFill>
-                          <a:latin typeface="Calibri"/>
-                          <a:ea typeface="Times New Roman"/>
-                          <a:cs typeface="Times New Roman"/>
-                        </a:rPr>
-                        <a:t>The guest user can search the forums by entering a search criteria in the search bar.</a:t>
-                      </a:r>
-                      <a:endParaRPr lang="en-US" sz="1100">
-                        <a:latin typeface="Calibri"/>
-                        <a:ea typeface="Calibri"/>
-                        <a:cs typeface="Times New Roman"/>
-                      </a:endParaRPr>
-                    </a:p>
-                  </a:txBody>
-                  <a:tcPr marL="67217" marR="67217" marT="0" marB="0" anchor="b">
-                    <a:lnL w="12700" cap="flat" cmpd="sng" algn="ctr">
-                      <a:solidFill>
-                        <a:srgbClr val="000000"/>
-                      </a:solidFill>
-                      <a:prstDash val="solid"/>
-                      <a:round/>
-                      <a:headEnd type="none" w="med" len="med"/>
-                      <a:tailEnd type="none" w="med" len="med"/>
-                    </a:lnL>
-                    <a:lnR w="12700" cap="flat" cmpd="sng" algn="ctr">
-                      <a:solidFill>
-                        <a:srgbClr val="000000"/>
-                      </a:solidFill>
-                      <a:prstDash val="solid"/>
-                      <a:round/>
-                      <a:headEnd type="none" w="med" len="med"/>
-                      <a:tailEnd type="none" w="med" len="med"/>
-                    </a:lnR>
-                    <a:lnT w="12700" cap="flat" cmpd="sng" algn="ctr">
-                      <a:solidFill>
-                        <a:srgbClr val="000000"/>
-                      </a:solidFill>
-                      <a:prstDash val="solid"/>
-                      <a:round/>
-                      <a:headEnd type="none" w="med" len="med"/>
-                      <a:tailEnd type="none" w="med" len="med"/>
-                    </a:lnT>
-                    <a:lnB w="12700" cap="flat" cmpd="sng" algn="ctr">
-                      <a:solidFill>
-                        <a:srgbClr val="000000"/>
-                      </a:solidFill>
-                      <a:prstDash val="solid"/>
-                      <a:round/>
-                      <a:headEnd type="none" w="med" len="med"/>
-                      <a:tailEnd type="none" w="med" len="med"/>
-                    </a:lnB>
-                  </a:tcPr>
-                </a:tc>
-              </a:tr>
-              <a:tr h="480973">
-                <a:tc>
-                  <a:txBody>
-                    <a:bodyPr/>
-                    <a:lstStyle/>
-                    <a:p>
-                      <a:pPr marL="0" marR="0" algn="l">
-                        <a:lnSpc>
-                          <a:spcPct val="115000"/>
-                        </a:lnSpc>
-                        <a:spcBef>
-                          <a:spcPts val="0"/>
-                        </a:spcBef>
-                        <a:spcAft>
-                          <a:spcPts val="0"/>
-                        </a:spcAft>
-                      </a:pPr>
-                      <a:r>
-                        <a:rPr lang="en-US" sz="1400">
-                          <a:solidFill>
-                            <a:srgbClr val="000000"/>
-                          </a:solidFill>
-                          <a:latin typeface="Calibri"/>
-                          <a:ea typeface="Times New Roman"/>
-                          <a:cs typeface="Times New Roman"/>
-                        </a:rPr>
-                        <a:t>Preconditions</a:t>
-                      </a:r>
-                      <a:endParaRPr lang="en-US" sz="1100">
-                        <a:latin typeface="Calibri"/>
-                        <a:ea typeface="Calibri"/>
-                        <a:cs typeface="Times New Roman"/>
-                      </a:endParaRPr>
-                    </a:p>
-                  </a:txBody>
-                  <a:tcPr marL="67217" marR="67217" marT="0" marB="0" anchor="b">
-                    <a:lnL w="12700" cap="flat" cmpd="sng" algn="ctr">
-                      <a:solidFill>
-                        <a:srgbClr val="000000"/>
-                      </a:solidFill>
-                      <a:prstDash val="solid"/>
-                      <a:round/>
-                      <a:headEnd type="none" w="med" len="med"/>
-                      <a:tailEnd type="none" w="med" len="med"/>
-                    </a:lnL>
-                    <a:lnR w="12700" cap="flat" cmpd="sng" algn="ctr">
-                      <a:solidFill>
-                        <a:srgbClr val="000000"/>
-                      </a:solidFill>
-                      <a:prstDash val="solid"/>
-                      <a:round/>
-                      <a:headEnd type="none" w="med" len="med"/>
-                      <a:tailEnd type="none" w="med" len="med"/>
-                    </a:lnR>
-                    <a:lnT w="12700" cap="flat" cmpd="sng" algn="ctr">
-                      <a:solidFill>
-                        <a:srgbClr val="000000"/>
-                      </a:solidFill>
-                      <a:prstDash val="solid"/>
-                      <a:round/>
-                      <a:headEnd type="none" w="med" len="med"/>
-                      <a:tailEnd type="none" w="med" len="med"/>
-                    </a:lnT>
-                    <a:lnB w="12700" cap="flat" cmpd="sng" algn="ctr">
-                      <a:solidFill>
-                        <a:srgbClr val="000000"/>
-                      </a:solidFill>
-                      <a:prstDash val="solid"/>
-                      <a:round/>
-                      <a:headEnd type="none" w="med" len="med"/>
-                      <a:tailEnd type="none" w="med" len="med"/>
-                    </a:lnB>
-                  </a:tcPr>
-                </a:tc>
-                <a:tc>
-                  <a:txBody>
-                    <a:bodyPr/>
-                    <a:lstStyle/>
-                    <a:p>
-                      <a:pPr marL="0" marR="0" indent="177800" algn="l">
-                        <a:lnSpc>
-                          <a:spcPct val="115000"/>
-                        </a:lnSpc>
-                        <a:spcBef>
-                          <a:spcPts val="0"/>
-                        </a:spcBef>
-                        <a:spcAft>
-                          <a:spcPts val="0"/>
-                        </a:spcAft>
-                      </a:pPr>
-                      <a:r>
-                        <a:rPr lang="en-US" sz="1400">
-                          <a:solidFill>
-                            <a:srgbClr val="000000"/>
-                          </a:solidFill>
-                          <a:latin typeface="Calibri"/>
-                          <a:ea typeface="Times New Roman"/>
-                          <a:cs typeface="Times New Roman"/>
-                        </a:rPr>
-                        <a:t>The guest user must be on the forum domain.</a:t>
-                      </a:r>
-                      <a:endParaRPr lang="en-US" sz="1100">
-                        <a:latin typeface="Calibri"/>
-                        <a:ea typeface="Calibri"/>
-                        <a:cs typeface="Times New Roman"/>
-                      </a:endParaRPr>
-                    </a:p>
-                  </a:txBody>
-                  <a:tcPr marL="67217" marR="67217" marT="0" marB="0" anchor="b">
-                    <a:lnL w="12700" cap="flat" cmpd="sng" algn="ctr">
-                      <a:solidFill>
-                        <a:srgbClr val="000000"/>
-                      </a:solidFill>
-                      <a:prstDash val="solid"/>
-                      <a:round/>
-                      <a:headEnd type="none" w="med" len="med"/>
-                      <a:tailEnd type="none" w="med" len="med"/>
-                    </a:lnL>
-                    <a:lnR w="12700" cap="flat" cmpd="sng" algn="ctr">
-                      <a:solidFill>
-                        <a:srgbClr val="000000"/>
-                      </a:solidFill>
-                      <a:prstDash val="solid"/>
-                      <a:round/>
-                      <a:headEnd type="none" w="med" len="med"/>
-                      <a:tailEnd type="none" w="med" len="med"/>
-                    </a:lnR>
-                    <a:lnT w="12700" cap="flat" cmpd="sng" algn="ctr">
-                      <a:solidFill>
-                        <a:srgbClr val="000000"/>
-                      </a:solidFill>
-                      <a:prstDash val="solid"/>
-                      <a:round/>
-                      <a:headEnd type="none" w="med" len="med"/>
-                      <a:tailEnd type="none" w="med" len="med"/>
-                    </a:lnT>
-                    <a:lnB w="12700" cap="flat" cmpd="sng" algn="ctr">
-                      <a:solidFill>
-                        <a:srgbClr val="000000"/>
-                      </a:solidFill>
-                      <a:prstDash val="solid"/>
-                      <a:round/>
-                      <a:headEnd type="none" w="med" len="med"/>
-                      <a:tailEnd type="none" w="med" len="med"/>
-                    </a:lnB>
-                  </a:tcPr>
-                </a:tc>
-              </a:tr>
-              <a:tr h="480973">
-                <a:tc>
-                  <a:txBody>
-                    <a:bodyPr/>
-                    <a:lstStyle/>
-                    <a:p>
-                      <a:pPr marL="0" marR="0" algn="l">
-                        <a:lnSpc>
-                          <a:spcPct val="115000"/>
-                        </a:lnSpc>
-                        <a:spcBef>
-                          <a:spcPts val="0"/>
-                        </a:spcBef>
-                        <a:spcAft>
-                          <a:spcPts val="0"/>
-                        </a:spcAft>
-                      </a:pPr>
-                      <a:r>
-                        <a:rPr lang="en-US" sz="1400">
-                          <a:solidFill>
-                            <a:srgbClr val="000000"/>
-                          </a:solidFill>
-                          <a:latin typeface="Calibri"/>
-                          <a:ea typeface="Times New Roman"/>
-                          <a:cs typeface="Times New Roman"/>
-                        </a:rPr>
-                        <a:t>Post-conditions</a:t>
-                      </a:r>
-                      <a:endParaRPr lang="en-US" sz="1100">
-                        <a:latin typeface="Calibri"/>
-                        <a:ea typeface="Calibri"/>
-                        <a:cs typeface="Times New Roman"/>
-                      </a:endParaRPr>
-                    </a:p>
-                  </a:txBody>
-                  <a:tcPr marL="67217" marR="67217" marT="0" marB="0" anchor="b">
-                    <a:lnL w="12700" cap="flat" cmpd="sng" algn="ctr">
-                      <a:solidFill>
-                        <a:srgbClr val="000000"/>
-                      </a:solidFill>
-                      <a:prstDash val="solid"/>
-                      <a:round/>
-                      <a:headEnd type="none" w="med" len="med"/>
-                      <a:tailEnd type="none" w="med" len="med"/>
-                    </a:lnL>
-                    <a:lnR w="12700" cap="flat" cmpd="sng" algn="ctr">
-                      <a:solidFill>
-                        <a:srgbClr val="000000"/>
-                      </a:solidFill>
-                      <a:prstDash val="solid"/>
-                      <a:round/>
-                      <a:headEnd type="none" w="med" len="med"/>
-                      <a:tailEnd type="none" w="med" len="med"/>
-                    </a:lnR>
-                    <a:lnT w="12700" cap="flat" cmpd="sng" algn="ctr">
-                      <a:solidFill>
-                        <a:srgbClr val="000000"/>
-                      </a:solidFill>
-                      <a:prstDash val="solid"/>
-                      <a:round/>
-                      <a:headEnd type="none" w="med" len="med"/>
-                      <a:tailEnd type="none" w="med" len="med"/>
-                    </a:lnT>
-                    <a:lnB w="12700" cap="flat" cmpd="sng" algn="ctr">
-                      <a:solidFill>
-                        <a:srgbClr val="000000"/>
-                      </a:solidFill>
-                      <a:prstDash val="solid"/>
-                      <a:round/>
-                      <a:headEnd type="none" w="med" len="med"/>
-                      <a:tailEnd type="none" w="med" len="med"/>
-                    </a:lnB>
-                  </a:tcPr>
-                </a:tc>
-                <a:tc>
-                  <a:txBody>
-                    <a:bodyPr/>
-                    <a:lstStyle/>
-                    <a:p>
-                      <a:pPr marL="0" marR="0" indent="177800" algn="l">
-                        <a:lnSpc>
-                          <a:spcPct val="115000"/>
-                        </a:lnSpc>
-                        <a:spcBef>
-                          <a:spcPts val="0"/>
-                        </a:spcBef>
-                        <a:spcAft>
-                          <a:spcPts val="0"/>
-                        </a:spcAft>
-                      </a:pPr>
-                      <a:r>
-                        <a:rPr lang="en-US" sz="1400">
-                          <a:solidFill>
-                            <a:srgbClr val="000000"/>
-                          </a:solidFill>
-                          <a:latin typeface="Calibri"/>
-                          <a:ea typeface="Times New Roman"/>
-                          <a:cs typeface="Times New Roman"/>
-                        </a:rPr>
-                        <a:t>The guest user will have results on the searched criteria.</a:t>
-                      </a:r>
-                      <a:endParaRPr lang="en-US" sz="1100">
-                        <a:latin typeface="Calibri"/>
-                        <a:ea typeface="Calibri"/>
-                        <a:cs typeface="Times New Roman"/>
-                      </a:endParaRPr>
-                    </a:p>
-                  </a:txBody>
-                  <a:tcPr marL="67217" marR="67217" marT="0" marB="0" anchor="b">
-                    <a:lnL w="12700" cap="flat" cmpd="sng" algn="ctr">
-                      <a:solidFill>
-                        <a:srgbClr val="000000"/>
-                      </a:solidFill>
-                      <a:prstDash val="solid"/>
-                      <a:round/>
-                      <a:headEnd type="none" w="med" len="med"/>
-                      <a:tailEnd type="none" w="med" len="med"/>
-                    </a:lnL>
-                    <a:lnR w="12700" cap="flat" cmpd="sng" algn="ctr">
-                      <a:solidFill>
-                        <a:srgbClr val="000000"/>
-                      </a:solidFill>
-                      <a:prstDash val="solid"/>
-                      <a:round/>
-                      <a:headEnd type="none" w="med" len="med"/>
-                      <a:tailEnd type="none" w="med" len="med"/>
-                    </a:lnR>
-                    <a:lnT w="12700" cap="flat" cmpd="sng" algn="ctr">
-                      <a:solidFill>
-                        <a:srgbClr val="000000"/>
-                      </a:solidFill>
-                      <a:prstDash val="solid"/>
-                      <a:round/>
-                      <a:headEnd type="none" w="med" len="med"/>
-                      <a:tailEnd type="none" w="med" len="med"/>
-                    </a:lnT>
-                    <a:lnB w="12700" cap="flat" cmpd="sng" algn="ctr">
-                      <a:solidFill>
-                        <a:srgbClr val="000000"/>
-                      </a:solidFill>
-                      <a:prstDash val="solid"/>
-                      <a:round/>
-                      <a:headEnd type="none" w="med" len="med"/>
-                      <a:tailEnd type="none" w="med" len="med"/>
-                    </a:lnB>
-                  </a:tcPr>
-                </a:tc>
-              </a:tr>
-              <a:tr h="233392">
-                <a:tc>
-                  <a:txBody>
-                    <a:bodyPr/>
-                    <a:lstStyle/>
-                    <a:p>
-                      <a:pPr algn="l">
-                        <a:lnSpc>
-                          <a:spcPct val="115000"/>
-                        </a:lnSpc>
-                      </a:pPr>
-                      <a:endParaRPr lang="en-US" sz="1100">
-                        <a:latin typeface="Calibri"/>
-                        <a:ea typeface="Times New Roman"/>
-                      </a:endParaRPr>
-                    </a:p>
-                  </a:txBody>
-                  <a:tcPr marL="67217" marR="67217" marT="0" marB="0" anchor="b">
-                    <a:lnL>
-                      <a:noFill/>
-                    </a:lnL>
-                    <a:lnR>
-                      <a:noFill/>
-                    </a:lnR>
-                    <a:lnT w="12700" cap="flat" cmpd="sng" algn="ctr">
-                      <a:solidFill>
-                        <a:srgbClr val="000000"/>
-                      </a:solidFill>
-                      <a:prstDash val="solid"/>
-                      <a:round/>
-                      <a:headEnd type="none" w="med" len="med"/>
-                      <a:tailEnd type="none" w="med" len="med"/>
-                    </a:lnT>
-                    <a:lnB w="12700" cap="flat" cmpd="sng" algn="ctr">
-                      <a:solidFill>
-                        <a:srgbClr val="000000"/>
-                      </a:solidFill>
-                      <a:prstDash val="solid"/>
-                      <a:round/>
-                      <a:headEnd type="none" w="med" len="med"/>
-                      <a:tailEnd type="none" w="med" len="med"/>
-                    </a:lnB>
-                  </a:tcPr>
-                </a:tc>
-                <a:tc>
-                  <a:txBody>
-                    <a:bodyPr/>
-                    <a:lstStyle/>
-                    <a:p>
-                      <a:pPr algn="l">
-                        <a:lnSpc>
-                          <a:spcPct val="115000"/>
-                        </a:lnSpc>
-                      </a:pPr>
-                      <a:endParaRPr lang="en-US" sz="1100">
-                        <a:latin typeface="Calibri"/>
-                        <a:ea typeface="Times New Roman"/>
-                      </a:endParaRPr>
-                    </a:p>
-                  </a:txBody>
-                  <a:tcPr marL="67217" marR="67217" marT="0" marB="0" anchor="b">
-                    <a:lnL>
-                      <a:noFill/>
-                    </a:lnL>
-                    <a:lnR>
-                      <a:noFill/>
-                    </a:lnR>
-                    <a:lnT w="12700" cap="flat" cmpd="sng" algn="ctr">
-                      <a:solidFill>
-                        <a:srgbClr val="000000"/>
-                      </a:solidFill>
-                      <a:prstDash val="solid"/>
-                      <a:round/>
-                      <a:headEnd type="none" w="med" len="med"/>
-                      <a:tailEnd type="none" w="med" len="med"/>
-                    </a:lnT>
-                    <a:lnB w="12700" cap="flat" cmpd="sng" algn="ctr">
-                      <a:solidFill>
-                        <a:srgbClr val="000000"/>
-                      </a:solidFill>
-                      <a:prstDash val="solid"/>
-                      <a:round/>
-                      <a:headEnd type="none" w="med" len="med"/>
-                      <a:tailEnd type="none" w="med" len="med"/>
-                    </a:lnB>
-                  </a:tcPr>
-                </a:tc>
-              </a:tr>
-              <a:tr h="240487">
-                <a:tc>
-                  <a:txBody>
-                    <a:bodyPr/>
-                    <a:lstStyle/>
-                    <a:p>
-                      <a:pPr marL="0" marR="0" algn="ctr">
-                        <a:lnSpc>
-                          <a:spcPct val="115000"/>
-                        </a:lnSpc>
-                        <a:spcBef>
-                          <a:spcPts val="0"/>
-                        </a:spcBef>
-                        <a:spcAft>
-                          <a:spcPts val="0"/>
-                        </a:spcAft>
-                      </a:pPr>
-                      <a:r>
-                        <a:rPr lang="en-US" sz="1400">
-                          <a:solidFill>
-                            <a:srgbClr val="000000"/>
-                          </a:solidFill>
-                          <a:latin typeface="Calibri"/>
-                          <a:ea typeface="Times New Roman"/>
-                          <a:cs typeface="Times New Roman"/>
-                        </a:rPr>
-                        <a:t>Actor : Guest</a:t>
-                      </a:r>
-                      <a:endParaRPr lang="en-US" sz="1100">
-                        <a:latin typeface="Calibri"/>
-                        <a:ea typeface="Calibri"/>
-                        <a:cs typeface="Times New Roman"/>
-                      </a:endParaRPr>
-                    </a:p>
-                  </a:txBody>
-                  <a:tcPr marL="67217" marR="67217" marT="0" marB="0" anchor="b">
-                    <a:lnL w="12700" cap="flat" cmpd="sng" algn="ctr">
-                      <a:solidFill>
-                        <a:srgbClr val="000000"/>
-                      </a:solidFill>
-                      <a:prstDash val="solid"/>
-                      <a:round/>
-                      <a:headEnd type="none" w="med" len="med"/>
-                      <a:tailEnd type="none" w="med" len="med"/>
-                    </a:lnL>
-                    <a:lnR w="12700" cap="flat" cmpd="sng" algn="ctr">
-                      <a:solidFill>
-                        <a:srgbClr val="000000"/>
-                      </a:solidFill>
-                      <a:prstDash val="solid"/>
-                      <a:round/>
-                      <a:headEnd type="none" w="med" len="med"/>
-                      <a:tailEnd type="none" w="med" len="med"/>
-                    </a:lnR>
-                    <a:lnT w="12700" cap="flat" cmpd="sng" algn="ctr">
-                      <a:solidFill>
-                        <a:srgbClr val="000000"/>
-                      </a:solidFill>
-                      <a:prstDash val="solid"/>
-                      <a:round/>
-                      <a:headEnd type="none" w="med" len="med"/>
-                      <a:tailEnd type="none" w="med" len="med"/>
-                    </a:lnT>
-                    <a:lnB w="12700" cap="flat" cmpd="sng" algn="ctr">
-                      <a:solidFill>
-                        <a:srgbClr val="000000"/>
-                      </a:solidFill>
-                      <a:prstDash val="solid"/>
-                      <a:round/>
-                      <a:headEnd type="none" w="med" len="med"/>
-                      <a:tailEnd type="none" w="med" len="med"/>
-                    </a:lnB>
-                  </a:tcPr>
-                </a:tc>
-                <a:tc>
-                  <a:txBody>
-                    <a:bodyPr/>
-                    <a:lstStyle/>
-                    <a:p>
-                      <a:pPr marL="0" marR="0" algn="ctr">
-                        <a:lnSpc>
-                          <a:spcPct val="115000"/>
-                        </a:lnSpc>
-                        <a:spcBef>
-                          <a:spcPts val="0"/>
-                        </a:spcBef>
-                        <a:spcAft>
-                          <a:spcPts val="0"/>
-                        </a:spcAft>
-                      </a:pPr>
-                      <a:r>
-                        <a:rPr lang="en-US" sz="1400">
-                          <a:solidFill>
-                            <a:srgbClr val="000000"/>
-                          </a:solidFill>
-                          <a:latin typeface="Calibri"/>
-                          <a:ea typeface="Times New Roman"/>
-                          <a:cs typeface="Times New Roman"/>
-                        </a:rPr>
-                        <a:t>System</a:t>
-                      </a:r>
-                      <a:endParaRPr lang="en-US" sz="1100">
-                        <a:latin typeface="Calibri"/>
-                        <a:ea typeface="Calibri"/>
-                        <a:cs typeface="Times New Roman"/>
-                      </a:endParaRPr>
-                    </a:p>
-                  </a:txBody>
-                  <a:tcPr marL="67217" marR="67217" marT="0" marB="0" anchor="b">
-                    <a:lnL w="12700" cap="flat" cmpd="sng" algn="ctr">
-                      <a:solidFill>
-                        <a:srgbClr val="000000"/>
-                      </a:solidFill>
-                      <a:prstDash val="solid"/>
-                      <a:round/>
-                      <a:headEnd type="none" w="med" len="med"/>
-                      <a:tailEnd type="none" w="med" len="med"/>
-                    </a:lnL>
-                    <a:lnR w="12700" cap="flat" cmpd="sng" algn="ctr">
-                      <a:solidFill>
-                        <a:srgbClr val="000000"/>
-                      </a:solidFill>
-                      <a:prstDash val="solid"/>
-                      <a:round/>
-                      <a:headEnd type="none" w="med" len="med"/>
-                      <a:tailEnd type="none" w="med" len="med"/>
-                    </a:lnR>
-                    <a:lnT w="12700" cap="flat" cmpd="sng" algn="ctr">
-                      <a:solidFill>
-                        <a:srgbClr val="000000"/>
-                      </a:solidFill>
-                      <a:prstDash val="solid"/>
-                      <a:round/>
-                      <a:headEnd type="none" w="med" len="med"/>
-                      <a:tailEnd type="none" w="med" len="med"/>
-                    </a:lnT>
-                    <a:lnB w="12700" cap="flat" cmpd="sng" algn="ctr">
-                      <a:solidFill>
-                        <a:srgbClr val="000000"/>
-                      </a:solidFill>
-                      <a:prstDash val="solid"/>
-                      <a:round/>
-                      <a:headEnd type="none" w="med" len="med"/>
-                      <a:tailEnd type="none" w="med" len="med"/>
-                    </a:lnB>
-                  </a:tcPr>
-                </a:tc>
-              </a:tr>
-              <a:tr h="480973">
-                <a:tc>
-                  <a:txBody>
-                    <a:bodyPr/>
-                    <a:lstStyle/>
-                    <a:p>
-                      <a:pPr marL="0" marR="0" algn="l">
-                        <a:lnSpc>
-                          <a:spcPct val="115000"/>
-                        </a:lnSpc>
-                        <a:spcBef>
-                          <a:spcPts val="0"/>
-                        </a:spcBef>
-                        <a:spcAft>
-                          <a:spcPts val="0"/>
-                        </a:spcAft>
-                      </a:pPr>
-                      <a:r>
-                        <a:rPr lang="en-US" sz="1400">
-                          <a:solidFill>
-                            <a:srgbClr val="000000"/>
-                          </a:solidFill>
-                          <a:latin typeface="Calibri"/>
-                          <a:ea typeface="Times New Roman"/>
-                          <a:cs typeface="Times New Roman"/>
-                        </a:rPr>
-                        <a:t> </a:t>
-                      </a:r>
-                      <a:endParaRPr lang="en-US" sz="1100">
-                        <a:latin typeface="Calibri"/>
-                        <a:ea typeface="Calibri"/>
-                        <a:cs typeface="Times New Roman"/>
-                      </a:endParaRPr>
-                    </a:p>
-                  </a:txBody>
-                  <a:tcPr marL="67217" marR="67217" marT="0" marB="0" anchor="b">
-                    <a:lnL w="12700" cap="flat" cmpd="sng" algn="ctr">
-                      <a:solidFill>
-                        <a:srgbClr val="000000"/>
-                      </a:solidFill>
-                      <a:prstDash val="solid"/>
-                      <a:round/>
-                      <a:headEnd type="none" w="med" len="med"/>
-                      <a:tailEnd type="none" w="med" len="med"/>
-                    </a:lnL>
-                    <a:lnR w="12700" cap="flat" cmpd="sng" algn="ctr">
-                      <a:solidFill>
-                        <a:srgbClr val="000000"/>
-                      </a:solidFill>
-                      <a:prstDash val="solid"/>
-                      <a:round/>
-                      <a:headEnd type="none" w="med" len="med"/>
-                      <a:tailEnd type="none" w="med" len="med"/>
-                    </a:lnR>
-                    <a:lnT w="12700" cap="flat" cmpd="sng" algn="ctr">
-                      <a:solidFill>
-                        <a:srgbClr val="000000"/>
-                      </a:solidFill>
-                      <a:prstDash val="solid"/>
-                      <a:round/>
-                      <a:headEnd type="none" w="med" len="med"/>
-                      <a:tailEnd type="none" w="med" len="med"/>
-                    </a:lnT>
-                    <a:lnB w="12700" cap="flat" cmpd="sng" algn="ctr">
-                      <a:solidFill>
-                        <a:srgbClr val="000000"/>
-                      </a:solidFill>
-                      <a:prstDash val="solid"/>
-                      <a:round/>
-                      <a:headEnd type="none" w="med" len="med"/>
-                      <a:tailEnd type="none" w="med" len="med"/>
-                    </a:lnB>
-                  </a:tcPr>
-                </a:tc>
-                <a:tc>
-                  <a:txBody>
-                    <a:bodyPr/>
-                    <a:lstStyle/>
-                    <a:p>
-                      <a:pPr marL="0" marR="0" indent="177800" algn="l">
-                        <a:lnSpc>
-                          <a:spcPct val="115000"/>
-                        </a:lnSpc>
-                        <a:spcBef>
-                          <a:spcPts val="0"/>
-                        </a:spcBef>
-                        <a:spcAft>
-                          <a:spcPts val="0"/>
-                        </a:spcAft>
-                      </a:pPr>
-                      <a:r>
-                        <a:rPr lang="en-US" sz="1400">
-                          <a:solidFill>
-                            <a:srgbClr val="000000"/>
-                          </a:solidFill>
-                          <a:latin typeface="Calibri"/>
-                          <a:ea typeface="Times New Roman"/>
-                          <a:cs typeface="Times New Roman"/>
-                        </a:rPr>
-                        <a:t>0. The system displays any page on the forum domain.</a:t>
-                      </a:r>
-                      <a:endParaRPr lang="en-US" sz="1100">
-                        <a:latin typeface="Calibri"/>
-                        <a:ea typeface="Calibri"/>
-                        <a:cs typeface="Times New Roman"/>
-                      </a:endParaRPr>
-                    </a:p>
-                  </a:txBody>
-                  <a:tcPr marL="67217" marR="67217" marT="0" marB="0" anchor="b">
-                    <a:lnL w="12700" cap="flat" cmpd="sng" algn="ctr">
-                      <a:solidFill>
-                        <a:srgbClr val="000000"/>
-                      </a:solidFill>
-                      <a:prstDash val="solid"/>
-                      <a:round/>
-                      <a:headEnd type="none" w="med" len="med"/>
-                      <a:tailEnd type="none" w="med" len="med"/>
-                    </a:lnL>
-                    <a:lnR w="12700" cap="flat" cmpd="sng" algn="ctr">
-                      <a:solidFill>
-                        <a:srgbClr val="000000"/>
-                      </a:solidFill>
-                      <a:prstDash val="solid"/>
-                      <a:round/>
-                      <a:headEnd type="none" w="med" len="med"/>
-                      <a:tailEnd type="none" w="med" len="med"/>
-                    </a:lnR>
-                    <a:lnT w="12700" cap="flat" cmpd="sng" algn="ctr">
-                      <a:solidFill>
-                        <a:srgbClr val="000000"/>
-                      </a:solidFill>
-                      <a:prstDash val="solid"/>
-                      <a:round/>
-                      <a:headEnd type="none" w="med" len="med"/>
-                      <a:tailEnd type="none" w="med" len="med"/>
-                    </a:lnT>
-                    <a:lnB w="12700" cap="flat" cmpd="sng" algn="ctr">
-                      <a:solidFill>
-                        <a:srgbClr val="000000"/>
-                      </a:solidFill>
-                      <a:prstDash val="solid"/>
-                      <a:round/>
-                      <a:headEnd type="none" w="med" len="med"/>
-                      <a:tailEnd type="none" w="med" len="med"/>
-                    </a:lnB>
-                  </a:tcPr>
-                </a:tc>
-              </a:tr>
-              <a:tr h="480973">
-                <a:tc>
-                  <a:txBody>
-                    <a:bodyPr/>
-                    <a:lstStyle/>
-                    <a:p>
-                      <a:pPr marL="0" marR="0" indent="177800" algn="l">
-                        <a:lnSpc>
-                          <a:spcPct val="115000"/>
-                        </a:lnSpc>
-                        <a:spcBef>
-                          <a:spcPts val="0"/>
-                        </a:spcBef>
-                        <a:spcAft>
-                          <a:spcPts val="0"/>
-                        </a:spcAft>
-                      </a:pPr>
-                      <a:r>
-                        <a:rPr lang="en-US" sz="1400">
-                          <a:solidFill>
-                            <a:srgbClr val="000000"/>
-                          </a:solidFill>
-                          <a:latin typeface="Calibri"/>
-                          <a:ea typeface="Times New Roman"/>
-                          <a:cs typeface="Times New Roman"/>
-                        </a:rPr>
-                        <a:t>1. The guest user enters a search criteria in the search bar.</a:t>
-                      </a:r>
-                      <a:endParaRPr lang="en-US" sz="1100">
-                        <a:latin typeface="Calibri"/>
-                        <a:ea typeface="Calibri"/>
-                        <a:cs typeface="Times New Roman"/>
-                      </a:endParaRPr>
-                    </a:p>
-                  </a:txBody>
-                  <a:tcPr marL="67217" marR="67217" marT="0" marB="0" anchor="b">
-                    <a:lnL w="12700" cap="flat" cmpd="sng" algn="ctr">
-                      <a:solidFill>
-                        <a:srgbClr val="000000"/>
-                      </a:solidFill>
-                      <a:prstDash val="solid"/>
-                      <a:round/>
-                      <a:headEnd type="none" w="med" len="med"/>
-                      <a:tailEnd type="none" w="med" len="med"/>
-                    </a:lnL>
-                    <a:lnR w="12700" cap="flat" cmpd="sng" algn="ctr">
-                      <a:solidFill>
-                        <a:srgbClr val="000000"/>
-                      </a:solidFill>
-                      <a:prstDash val="solid"/>
-                      <a:round/>
-                      <a:headEnd type="none" w="med" len="med"/>
-                      <a:tailEnd type="none" w="med" len="med"/>
-                    </a:lnR>
-                    <a:lnT w="12700" cap="flat" cmpd="sng" algn="ctr">
-                      <a:solidFill>
-                        <a:srgbClr val="000000"/>
-                      </a:solidFill>
-                      <a:prstDash val="solid"/>
-                      <a:round/>
-                      <a:headEnd type="none" w="med" len="med"/>
-                      <a:tailEnd type="none" w="med" len="med"/>
-                    </a:lnT>
-                    <a:lnB w="12700" cap="flat" cmpd="sng" algn="ctr">
-                      <a:solidFill>
-                        <a:srgbClr val="000000"/>
-                      </a:solidFill>
-                      <a:prstDash val="solid"/>
-                      <a:round/>
-                      <a:headEnd type="none" w="med" len="med"/>
-                      <a:tailEnd type="none" w="med" len="med"/>
-                    </a:lnB>
-                  </a:tcPr>
-                </a:tc>
-                <a:tc>
-                  <a:txBody>
-                    <a:bodyPr/>
-                    <a:lstStyle/>
-                    <a:p>
-                      <a:pPr marL="0" marR="0" indent="177800" algn="l">
-                        <a:lnSpc>
-                          <a:spcPct val="115000"/>
-                        </a:lnSpc>
-                        <a:spcBef>
-                          <a:spcPts val="0"/>
-                        </a:spcBef>
-                        <a:spcAft>
-                          <a:spcPts val="0"/>
-                        </a:spcAft>
-                      </a:pPr>
-                      <a:r>
-                        <a:rPr lang="en-US" sz="1400">
-                          <a:solidFill>
-                            <a:srgbClr val="000000"/>
-                          </a:solidFill>
-                          <a:latin typeface="Calibri"/>
-                          <a:ea typeface="Times New Roman"/>
-                          <a:cs typeface="Times New Roman"/>
-                        </a:rPr>
-                        <a:t>2. The system displays any topics from the given search criteria.</a:t>
-                      </a:r>
-                      <a:endParaRPr lang="en-US" sz="1100">
-                        <a:latin typeface="Calibri"/>
-                        <a:ea typeface="Calibri"/>
-                        <a:cs typeface="Times New Roman"/>
-                      </a:endParaRPr>
-                    </a:p>
-                  </a:txBody>
-                  <a:tcPr marL="67217" marR="67217" marT="0" marB="0" anchor="b">
-                    <a:lnL w="12700" cap="flat" cmpd="sng" algn="ctr">
-                      <a:solidFill>
-                        <a:srgbClr val="000000"/>
-                      </a:solidFill>
-                      <a:prstDash val="solid"/>
-                      <a:round/>
-                      <a:headEnd type="none" w="med" len="med"/>
-                      <a:tailEnd type="none" w="med" len="med"/>
-                    </a:lnL>
-                    <a:lnR w="12700" cap="flat" cmpd="sng" algn="ctr">
-                      <a:solidFill>
-                        <a:srgbClr val="000000"/>
-                      </a:solidFill>
-                      <a:prstDash val="solid"/>
-                      <a:round/>
-                      <a:headEnd type="none" w="med" len="med"/>
-                      <a:tailEnd type="none" w="med" len="med"/>
-                    </a:lnR>
-                    <a:lnT w="12700" cap="flat" cmpd="sng" algn="ctr">
-                      <a:solidFill>
-                        <a:srgbClr val="000000"/>
-                      </a:solidFill>
-                      <a:prstDash val="solid"/>
-                      <a:round/>
-                      <a:headEnd type="none" w="med" len="med"/>
-                      <a:tailEnd type="none" w="med" len="med"/>
-                    </a:lnT>
-                    <a:lnB w="12700" cap="flat" cmpd="sng" algn="ctr">
-                      <a:solidFill>
-                        <a:srgbClr val="000000"/>
-                      </a:solidFill>
-                      <a:prstDash val="solid"/>
-                      <a:round/>
-                      <a:headEnd type="none" w="med" len="med"/>
-                      <a:tailEnd type="none" w="med" len="med"/>
-                    </a:lnB>
-                  </a:tcPr>
-                </a:tc>
-              </a:tr>
-              <a:tr h="480973">
-                <a:tc>
-                  <a:txBody>
-                    <a:bodyPr/>
-                    <a:lstStyle/>
-                    <a:p>
-                      <a:pPr marL="0" marR="0" indent="177800" algn="l">
-                        <a:lnSpc>
-                          <a:spcPct val="115000"/>
-                        </a:lnSpc>
-                        <a:spcBef>
-                          <a:spcPts val="0"/>
-                        </a:spcBef>
-                        <a:spcAft>
-                          <a:spcPts val="0"/>
-                        </a:spcAft>
-                      </a:pPr>
-                      <a:r>
-                        <a:rPr lang="en-US" sz="1400">
-                          <a:solidFill>
-                            <a:srgbClr val="000000"/>
-                          </a:solidFill>
-                          <a:latin typeface="Calibri"/>
-                          <a:ea typeface="Times New Roman"/>
-                          <a:cs typeface="Times New Roman"/>
-                        </a:rPr>
-                        <a:t>3. The guest user may select from the given results.</a:t>
-                      </a:r>
-                      <a:endParaRPr lang="en-US" sz="1100">
-                        <a:latin typeface="Calibri"/>
-                        <a:ea typeface="Calibri"/>
-                        <a:cs typeface="Times New Roman"/>
-                      </a:endParaRPr>
-                    </a:p>
-                  </a:txBody>
-                  <a:tcPr marL="67217" marR="67217" marT="0" marB="0" anchor="b">
-                    <a:lnL w="12700" cap="flat" cmpd="sng" algn="ctr">
-                      <a:solidFill>
-                        <a:srgbClr val="000000"/>
-                      </a:solidFill>
-                      <a:prstDash val="solid"/>
-                      <a:round/>
-                      <a:headEnd type="none" w="med" len="med"/>
-                      <a:tailEnd type="none" w="med" len="med"/>
-                    </a:lnL>
-                    <a:lnR w="12700" cap="flat" cmpd="sng" algn="ctr">
-                      <a:solidFill>
-                        <a:srgbClr val="000000"/>
-                      </a:solidFill>
-                      <a:prstDash val="solid"/>
-                      <a:round/>
-                      <a:headEnd type="none" w="med" len="med"/>
-                      <a:tailEnd type="none" w="med" len="med"/>
-                    </a:lnR>
-                    <a:lnT w="12700" cap="flat" cmpd="sng" algn="ctr">
-                      <a:solidFill>
-                        <a:srgbClr val="000000"/>
-                      </a:solidFill>
-                      <a:prstDash val="solid"/>
-                      <a:round/>
-                      <a:headEnd type="none" w="med" len="med"/>
-                      <a:tailEnd type="none" w="med" len="med"/>
-                    </a:lnT>
-                    <a:lnB w="12700" cap="flat" cmpd="sng" algn="ctr">
-                      <a:solidFill>
-                        <a:srgbClr val="000000"/>
-                      </a:solidFill>
-                      <a:prstDash val="solid"/>
-                      <a:round/>
-                      <a:headEnd type="none" w="med" len="med"/>
-                      <a:tailEnd type="none" w="med" len="med"/>
-                    </a:lnB>
-                  </a:tcPr>
-                </a:tc>
-                <a:tc>
-                  <a:txBody>
-                    <a:bodyPr/>
-                    <a:lstStyle/>
-                    <a:p>
-                      <a:pPr marL="0" marR="0" indent="177800" algn="l">
-                        <a:lnSpc>
-                          <a:spcPct val="115000"/>
-                        </a:lnSpc>
-                        <a:spcBef>
-                          <a:spcPts val="0"/>
-                        </a:spcBef>
-                        <a:spcAft>
-                          <a:spcPts val="0"/>
-                        </a:spcAft>
-                      </a:pPr>
-                      <a:r>
-                        <a:rPr lang="en-US" sz="1400" dirty="0">
-                          <a:solidFill>
-                            <a:srgbClr val="000000"/>
-                          </a:solidFill>
-                          <a:latin typeface="Calibri"/>
-                          <a:ea typeface="Times New Roman"/>
-                          <a:cs typeface="Times New Roman"/>
-                        </a:rPr>
-                        <a:t>3. The system will display the selected thread.</a:t>
-                      </a:r>
-                      <a:endParaRPr lang="en-US" sz="1100" dirty="0">
-                        <a:latin typeface="Calibri"/>
-                        <a:ea typeface="Calibri"/>
-                        <a:cs typeface="Times New Roman"/>
-                      </a:endParaRPr>
-                    </a:p>
-                  </a:txBody>
-                  <a:tcPr marL="67217" marR="67217" marT="0" marB="0" anchor="b">
-                    <a:lnL w="12700" cap="flat" cmpd="sng" algn="ctr">
-                      <a:solidFill>
-                        <a:srgbClr val="000000"/>
-                      </a:solidFill>
-                      <a:prstDash val="solid"/>
-                      <a:round/>
-                      <a:headEnd type="none" w="med" len="med"/>
-                      <a:tailEnd type="none" w="med" len="med"/>
-                    </a:lnL>
-                    <a:lnR w="12700" cap="flat" cmpd="sng" algn="ctr">
-                      <a:solidFill>
-                        <a:srgbClr val="000000"/>
-                      </a:solidFill>
-                      <a:prstDash val="solid"/>
-                      <a:round/>
-                      <a:headEnd type="none" w="med" len="med"/>
-                      <a:tailEnd type="none" w="med" len="med"/>
-                    </a:lnR>
-                    <a:lnT w="12700" cap="flat" cmpd="sng" algn="ctr">
-                      <a:solidFill>
-                        <a:srgbClr val="000000"/>
-                      </a:solidFill>
-                      <a:prstDash val="solid"/>
-                      <a:round/>
-                      <a:headEnd type="none" w="med" len="med"/>
-                      <a:tailEnd type="none" w="med" len="med"/>
-                    </a:lnT>
-                    <a:lnB w="12700" cap="flat" cmpd="sng" algn="ctr">
-                      <a:solidFill>
-                        <a:srgbClr val="000000"/>
-                      </a:solidFill>
-                      <a:prstDash val="solid"/>
-                      <a:round/>
-                      <a:headEnd type="none" w="med" len="med"/>
-                      <a:tailEnd type="none" w="med" len="med"/>
-                    </a:lnB>
-                  </a:tcPr>
-                </a:tc>
-              </a:tr>
-            </a:tbl>
-          </a:graphicData>
-        </a:graphic>
-      </p:graphicFrame>
+        </p:nvPicPr>
+        <p:blipFill>
+          <a:blip r:embed="rId2" cstate="print"/>
+          <a:srcRect/>
+          <a:stretch>
+            <a:fillRect/>
+          </a:stretch>
+        </p:blipFill>
+        <p:spPr bwMode="auto">
+          <a:xfrm>
+            <a:off x="2276932" y="1686297"/>
+            <a:ext cx="4447717" cy="3047628"/>
+          </a:xfrm>
+          <a:prstGeom prst="rect">
+            <a:avLst/>
+          </a:prstGeom>
+          <a:noFill/>
+          <a:ln w="9525">
+            <a:noFill/>
+            <a:miter lim="800000"/>
+            <a:headEnd/>
+            <a:tailEnd/>
+          </a:ln>
+        </p:spPr>
+      </p:pic>
     </p:spTree>
   </p:cSld>
   <p:clrMapOvr>
@@ -6677,42 +5291,1430 @@
           <a:p>
             <a:r>
               <a:rPr lang="en-US" dirty="0" smtClean="0"/>
-              <a:t>Search</a:t>
+              <a:t>Guest User - Search</a:t>
             </a:r>
             <a:endParaRPr lang="en-US" dirty="0"/>
           </a:p>
         </p:txBody>
       </p:sp>
-      <p:pic>
-        <p:nvPicPr>
-          <p:cNvPr id="4" name="Picture 3"/>
-          <p:cNvPicPr/>
+      <p:graphicFrame>
+        <p:nvGraphicFramePr>
+          <p:cNvPr id="4" name="Table 3"/>
+          <p:cNvGraphicFramePr>
+            <a:graphicFrameLocks noGrp="1"/>
+          </p:cNvGraphicFramePr>
           <p:nvPr/>
-        </p:nvPicPr>
-        <p:blipFill>
-          <a:blip r:embed="rId2" cstate="print"/>
-          <a:srcRect/>
-          <a:stretch>
-            <a:fillRect/>
-          </a:stretch>
-        </p:blipFill>
-        <p:spPr bwMode="auto">
-          <a:xfrm>
-            <a:off x="1390279" y="782782"/>
-            <a:ext cx="6239246" cy="4073236"/>
-          </a:xfrm>
-          <a:prstGeom prst="rect">
-            <a:avLst/>
-          </a:prstGeom>
-          <a:noFill/>
-          <a:ln w="9525">
-            <a:noFill/>
-            <a:miter lim="800000"/>
-            <a:headEnd/>
-            <a:tailEnd/>
-          </a:ln>
-        </p:spPr>
-      </p:pic>
+        </p:nvGraphicFramePr>
+        <p:xfrm>
+          <a:off x="1375038" y="647700"/>
+          <a:ext cx="5974823" cy="4141690"/>
+        </p:xfrm>
+        <a:graphic>
+          <a:graphicData uri="http://schemas.openxmlformats.org/drawingml/2006/table">
+            <a:tbl>
+              <a:tblPr/>
+              <a:tblGrid>
+                <a:gridCol w="2454457"/>
+                <a:gridCol w="3520366"/>
+              </a:tblGrid>
+              <a:tr h="463796">
+                <a:tc>
+                  <a:txBody>
+                    <a:bodyPr/>
+                    <a:lstStyle/>
+                    <a:p>
+                      <a:pPr marL="0" marR="0" algn="l">
+                        <a:lnSpc>
+                          <a:spcPct val="115000"/>
+                        </a:lnSpc>
+                        <a:spcBef>
+                          <a:spcPts val="0"/>
+                        </a:spcBef>
+                        <a:spcAft>
+                          <a:spcPts val="0"/>
+                        </a:spcAft>
+                      </a:pPr>
+                      <a:endParaRPr lang="en-US" sz="1100">
+                        <a:latin typeface="Calibri"/>
+                        <a:ea typeface="Calibri"/>
+                        <a:cs typeface="Times New Roman"/>
+                      </a:endParaRPr>
+                    </a:p>
+                    <a:p>
+                      <a:pPr marL="0" marR="0" algn="l">
+                        <a:lnSpc>
+                          <a:spcPct val="115000"/>
+                        </a:lnSpc>
+                        <a:spcBef>
+                          <a:spcPts val="0"/>
+                        </a:spcBef>
+                        <a:spcAft>
+                          <a:spcPts val="0"/>
+                        </a:spcAft>
+                      </a:pPr>
+                      <a:r>
+                        <a:rPr lang="en-US" sz="1600" b="1" i="1">
+                          <a:solidFill>
+                            <a:srgbClr val="000000"/>
+                          </a:solidFill>
+                          <a:latin typeface="Calibri"/>
+                          <a:ea typeface="Times New Roman"/>
+                          <a:cs typeface="Times New Roman"/>
+                        </a:rPr>
+                        <a:t>Guest</a:t>
+                      </a:r>
+                      <a:endParaRPr lang="en-US" sz="1100">
+                        <a:latin typeface="Calibri"/>
+                        <a:ea typeface="Calibri"/>
+                        <a:cs typeface="Times New Roman"/>
+                      </a:endParaRPr>
+                    </a:p>
+                  </a:txBody>
+                  <a:tcPr marL="67217" marR="67217" marT="0" marB="0" anchor="b">
+                    <a:lnL>
+                      <a:noFill/>
+                    </a:lnL>
+                    <a:lnR>
+                      <a:noFill/>
+                    </a:lnR>
+                    <a:lnT>
+                      <a:noFill/>
+                    </a:lnT>
+                    <a:lnB w="12700" cap="flat" cmpd="sng" algn="ctr">
+                      <a:solidFill>
+                        <a:srgbClr val="000000"/>
+                      </a:solidFill>
+                      <a:prstDash val="solid"/>
+                      <a:round/>
+                      <a:headEnd type="none" w="med" len="med"/>
+                      <a:tailEnd type="none" w="med" len="med"/>
+                    </a:lnB>
+                  </a:tcPr>
+                </a:tc>
+                <a:tc>
+                  <a:txBody>
+                    <a:bodyPr/>
+                    <a:lstStyle/>
+                    <a:p>
+                      <a:pPr marL="0" marR="0" algn="l">
+                        <a:lnSpc>
+                          <a:spcPct val="115000"/>
+                        </a:lnSpc>
+                        <a:spcBef>
+                          <a:spcPts val="0"/>
+                        </a:spcBef>
+                        <a:spcAft>
+                          <a:spcPts val="0"/>
+                        </a:spcAft>
+                      </a:pPr>
+                      <a:endParaRPr lang="en-US" sz="1100">
+                        <a:solidFill>
+                          <a:srgbClr val="000000"/>
+                        </a:solidFill>
+                        <a:latin typeface="Calibri"/>
+                        <a:ea typeface="Times New Roman"/>
+                        <a:cs typeface="Times New Roman"/>
+                      </a:endParaRPr>
+                    </a:p>
+                  </a:txBody>
+                  <a:tcPr marL="67217" marR="67217" marT="0" marB="0" anchor="b">
+                    <a:lnL>
+                      <a:noFill/>
+                    </a:lnL>
+                    <a:lnR>
+                      <a:noFill/>
+                    </a:lnR>
+                    <a:lnT>
+                      <a:noFill/>
+                    </a:lnT>
+                    <a:lnB w="12700" cap="flat" cmpd="sng" algn="ctr">
+                      <a:solidFill>
+                        <a:srgbClr val="000000"/>
+                      </a:solidFill>
+                      <a:prstDash val="solid"/>
+                      <a:round/>
+                      <a:headEnd type="none" w="med" len="med"/>
+                      <a:tailEnd type="none" w="med" len="med"/>
+                    </a:lnB>
+                  </a:tcPr>
+                </a:tc>
+              </a:tr>
+              <a:tr h="240487">
+                <a:tc>
+                  <a:txBody>
+                    <a:bodyPr/>
+                    <a:lstStyle/>
+                    <a:p>
+                      <a:pPr marL="0" marR="0" algn="l">
+                        <a:lnSpc>
+                          <a:spcPct val="115000"/>
+                        </a:lnSpc>
+                        <a:spcBef>
+                          <a:spcPts val="0"/>
+                        </a:spcBef>
+                        <a:spcAft>
+                          <a:spcPts val="0"/>
+                        </a:spcAft>
+                      </a:pPr>
+                      <a:r>
+                        <a:rPr lang="en-US" sz="1400">
+                          <a:solidFill>
+                            <a:srgbClr val="000000"/>
+                          </a:solidFill>
+                          <a:latin typeface="Calibri"/>
+                          <a:ea typeface="Times New Roman"/>
+                          <a:cs typeface="Times New Roman"/>
+                        </a:rPr>
+                        <a:t>Title</a:t>
+                      </a:r>
+                      <a:endParaRPr lang="en-US" sz="1100">
+                        <a:latin typeface="Calibri"/>
+                        <a:ea typeface="Calibri"/>
+                        <a:cs typeface="Times New Roman"/>
+                      </a:endParaRPr>
+                    </a:p>
+                  </a:txBody>
+                  <a:tcPr marL="67217" marR="67217" marT="0" marB="0" anchor="b">
+                    <a:lnL w="12700" cap="flat" cmpd="sng" algn="ctr">
+                      <a:solidFill>
+                        <a:srgbClr val="000000"/>
+                      </a:solidFill>
+                      <a:prstDash val="solid"/>
+                      <a:round/>
+                      <a:headEnd type="none" w="med" len="med"/>
+                      <a:tailEnd type="none" w="med" len="med"/>
+                    </a:lnL>
+                    <a:lnR w="12700" cap="flat" cmpd="sng" algn="ctr">
+                      <a:solidFill>
+                        <a:srgbClr val="000000"/>
+                      </a:solidFill>
+                      <a:prstDash val="solid"/>
+                      <a:round/>
+                      <a:headEnd type="none" w="med" len="med"/>
+                      <a:tailEnd type="none" w="med" len="med"/>
+                    </a:lnR>
+                    <a:lnT w="12700" cap="flat" cmpd="sng" algn="ctr">
+                      <a:solidFill>
+                        <a:srgbClr val="000000"/>
+                      </a:solidFill>
+                      <a:prstDash val="solid"/>
+                      <a:round/>
+                      <a:headEnd type="none" w="med" len="med"/>
+                      <a:tailEnd type="none" w="med" len="med"/>
+                    </a:lnT>
+                    <a:lnB w="12700" cap="flat" cmpd="sng" algn="ctr">
+                      <a:solidFill>
+                        <a:srgbClr val="000000"/>
+                      </a:solidFill>
+                      <a:prstDash val="solid"/>
+                      <a:round/>
+                      <a:headEnd type="none" w="med" len="med"/>
+                      <a:tailEnd type="none" w="med" len="med"/>
+                    </a:lnB>
+                  </a:tcPr>
+                </a:tc>
+                <a:tc>
+                  <a:txBody>
+                    <a:bodyPr/>
+                    <a:lstStyle/>
+                    <a:p>
+                      <a:pPr marL="0" marR="0" indent="177800" algn="l">
+                        <a:lnSpc>
+                          <a:spcPct val="115000"/>
+                        </a:lnSpc>
+                        <a:spcBef>
+                          <a:spcPts val="0"/>
+                        </a:spcBef>
+                        <a:spcAft>
+                          <a:spcPts val="0"/>
+                        </a:spcAft>
+                      </a:pPr>
+                      <a:r>
+                        <a:rPr lang="en-US" sz="1400">
+                          <a:solidFill>
+                            <a:srgbClr val="000000"/>
+                          </a:solidFill>
+                          <a:latin typeface="Calibri"/>
+                          <a:ea typeface="Times New Roman"/>
+                          <a:cs typeface="Times New Roman"/>
+                        </a:rPr>
+                        <a:t>Search</a:t>
+                      </a:r>
+                      <a:endParaRPr lang="en-US" sz="1100">
+                        <a:latin typeface="Calibri"/>
+                        <a:ea typeface="Calibri"/>
+                        <a:cs typeface="Times New Roman"/>
+                      </a:endParaRPr>
+                    </a:p>
+                  </a:txBody>
+                  <a:tcPr marL="67217" marR="67217" marT="0" marB="0" anchor="b">
+                    <a:lnL w="12700" cap="flat" cmpd="sng" algn="ctr">
+                      <a:solidFill>
+                        <a:srgbClr val="000000"/>
+                      </a:solidFill>
+                      <a:prstDash val="solid"/>
+                      <a:round/>
+                      <a:headEnd type="none" w="med" len="med"/>
+                      <a:tailEnd type="none" w="med" len="med"/>
+                    </a:lnL>
+                    <a:lnR w="12700" cap="flat" cmpd="sng" algn="ctr">
+                      <a:solidFill>
+                        <a:srgbClr val="000000"/>
+                      </a:solidFill>
+                      <a:prstDash val="solid"/>
+                      <a:round/>
+                      <a:headEnd type="none" w="med" len="med"/>
+                      <a:tailEnd type="none" w="med" len="med"/>
+                    </a:lnR>
+                    <a:lnT w="12700" cap="flat" cmpd="sng" algn="ctr">
+                      <a:solidFill>
+                        <a:srgbClr val="000000"/>
+                      </a:solidFill>
+                      <a:prstDash val="solid"/>
+                      <a:round/>
+                      <a:headEnd type="none" w="med" len="med"/>
+                      <a:tailEnd type="none" w="med" len="med"/>
+                    </a:lnT>
+                    <a:lnB w="12700" cap="flat" cmpd="sng" algn="ctr">
+                      <a:solidFill>
+                        <a:srgbClr val="000000"/>
+                      </a:solidFill>
+                      <a:prstDash val="solid"/>
+                      <a:round/>
+                      <a:headEnd type="none" w="med" len="med"/>
+                      <a:tailEnd type="none" w="med" len="med"/>
+                    </a:lnB>
+                  </a:tcPr>
+                </a:tc>
+              </a:tr>
+              <a:tr h="480973">
+                <a:tc>
+                  <a:txBody>
+                    <a:bodyPr/>
+                    <a:lstStyle/>
+                    <a:p>
+                      <a:pPr marL="0" marR="0" algn="l">
+                        <a:lnSpc>
+                          <a:spcPct val="115000"/>
+                        </a:lnSpc>
+                        <a:spcBef>
+                          <a:spcPts val="0"/>
+                        </a:spcBef>
+                        <a:spcAft>
+                          <a:spcPts val="0"/>
+                        </a:spcAft>
+                      </a:pPr>
+                      <a:r>
+                        <a:rPr lang="en-US" sz="1400">
+                          <a:solidFill>
+                            <a:srgbClr val="000000"/>
+                          </a:solidFill>
+                          <a:latin typeface="Calibri"/>
+                          <a:ea typeface="Times New Roman"/>
+                          <a:cs typeface="Times New Roman"/>
+                        </a:rPr>
+                        <a:t>Summary</a:t>
+                      </a:r>
+                      <a:endParaRPr lang="en-US" sz="1100">
+                        <a:latin typeface="Calibri"/>
+                        <a:ea typeface="Calibri"/>
+                        <a:cs typeface="Times New Roman"/>
+                      </a:endParaRPr>
+                    </a:p>
+                  </a:txBody>
+                  <a:tcPr marL="67217" marR="67217" marT="0" marB="0" anchor="b">
+                    <a:lnL w="12700" cap="flat" cmpd="sng" algn="ctr">
+                      <a:solidFill>
+                        <a:srgbClr val="000000"/>
+                      </a:solidFill>
+                      <a:prstDash val="solid"/>
+                      <a:round/>
+                      <a:headEnd type="none" w="med" len="med"/>
+                      <a:tailEnd type="none" w="med" len="med"/>
+                    </a:lnL>
+                    <a:lnR w="12700" cap="flat" cmpd="sng" algn="ctr">
+                      <a:solidFill>
+                        <a:srgbClr val="000000"/>
+                      </a:solidFill>
+                      <a:prstDash val="solid"/>
+                      <a:round/>
+                      <a:headEnd type="none" w="med" len="med"/>
+                      <a:tailEnd type="none" w="med" len="med"/>
+                    </a:lnR>
+                    <a:lnT w="12700" cap="flat" cmpd="sng" algn="ctr">
+                      <a:solidFill>
+                        <a:srgbClr val="000000"/>
+                      </a:solidFill>
+                      <a:prstDash val="solid"/>
+                      <a:round/>
+                      <a:headEnd type="none" w="med" len="med"/>
+                      <a:tailEnd type="none" w="med" len="med"/>
+                    </a:lnT>
+                    <a:lnB w="12700" cap="flat" cmpd="sng" algn="ctr">
+                      <a:solidFill>
+                        <a:srgbClr val="000000"/>
+                      </a:solidFill>
+                      <a:prstDash val="solid"/>
+                      <a:round/>
+                      <a:headEnd type="none" w="med" len="med"/>
+                      <a:tailEnd type="none" w="med" len="med"/>
+                    </a:lnB>
+                  </a:tcPr>
+                </a:tc>
+                <a:tc>
+                  <a:txBody>
+                    <a:bodyPr/>
+                    <a:lstStyle/>
+                    <a:p>
+                      <a:pPr marL="0" marR="0" indent="177800" algn="l">
+                        <a:lnSpc>
+                          <a:spcPct val="115000"/>
+                        </a:lnSpc>
+                        <a:spcBef>
+                          <a:spcPts val="0"/>
+                        </a:spcBef>
+                        <a:spcAft>
+                          <a:spcPts val="0"/>
+                        </a:spcAft>
+                      </a:pPr>
+                      <a:r>
+                        <a:rPr lang="en-US" sz="1400">
+                          <a:solidFill>
+                            <a:srgbClr val="000000"/>
+                          </a:solidFill>
+                          <a:latin typeface="Calibri"/>
+                          <a:ea typeface="Times New Roman"/>
+                          <a:cs typeface="Times New Roman"/>
+                        </a:rPr>
+                        <a:t>The guest user can search the forums by entering a search criteria in the search bar.</a:t>
+                      </a:r>
+                      <a:endParaRPr lang="en-US" sz="1100">
+                        <a:latin typeface="Calibri"/>
+                        <a:ea typeface="Calibri"/>
+                        <a:cs typeface="Times New Roman"/>
+                      </a:endParaRPr>
+                    </a:p>
+                  </a:txBody>
+                  <a:tcPr marL="67217" marR="67217" marT="0" marB="0" anchor="b">
+                    <a:lnL w="12700" cap="flat" cmpd="sng" algn="ctr">
+                      <a:solidFill>
+                        <a:srgbClr val="000000"/>
+                      </a:solidFill>
+                      <a:prstDash val="solid"/>
+                      <a:round/>
+                      <a:headEnd type="none" w="med" len="med"/>
+                      <a:tailEnd type="none" w="med" len="med"/>
+                    </a:lnL>
+                    <a:lnR w="12700" cap="flat" cmpd="sng" algn="ctr">
+                      <a:solidFill>
+                        <a:srgbClr val="000000"/>
+                      </a:solidFill>
+                      <a:prstDash val="solid"/>
+                      <a:round/>
+                      <a:headEnd type="none" w="med" len="med"/>
+                      <a:tailEnd type="none" w="med" len="med"/>
+                    </a:lnR>
+                    <a:lnT w="12700" cap="flat" cmpd="sng" algn="ctr">
+                      <a:solidFill>
+                        <a:srgbClr val="000000"/>
+                      </a:solidFill>
+                      <a:prstDash val="solid"/>
+                      <a:round/>
+                      <a:headEnd type="none" w="med" len="med"/>
+                      <a:tailEnd type="none" w="med" len="med"/>
+                    </a:lnT>
+                    <a:lnB w="12700" cap="flat" cmpd="sng" algn="ctr">
+                      <a:solidFill>
+                        <a:srgbClr val="000000"/>
+                      </a:solidFill>
+                      <a:prstDash val="solid"/>
+                      <a:round/>
+                      <a:headEnd type="none" w="med" len="med"/>
+                      <a:tailEnd type="none" w="med" len="med"/>
+                    </a:lnB>
+                  </a:tcPr>
+                </a:tc>
+              </a:tr>
+              <a:tr h="480973">
+                <a:tc>
+                  <a:txBody>
+                    <a:bodyPr/>
+                    <a:lstStyle/>
+                    <a:p>
+                      <a:pPr marL="0" marR="0" algn="l">
+                        <a:lnSpc>
+                          <a:spcPct val="115000"/>
+                        </a:lnSpc>
+                        <a:spcBef>
+                          <a:spcPts val="0"/>
+                        </a:spcBef>
+                        <a:spcAft>
+                          <a:spcPts val="0"/>
+                        </a:spcAft>
+                      </a:pPr>
+                      <a:r>
+                        <a:rPr lang="en-US" sz="1400">
+                          <a:solidFill>
+                            <a:srgbClr val="000000"/>
+                          </a:solidFill>
+                          <a:latin typeface="Calibri"/>
+                          <a:ea typeface="Times New Roman"/>
+                          <a:cs typeface="Times New Roman"/>
+                        </a:rPr>
+                        <a:t>Preconditions</a:t>
+                      </a:r>
+                      <a:endParaRPr lang="en-US" sz="1100">
+                        <a:latin typeface="Calibri"/>
+                        <a:ea typeface="Calibri"/>
+                        <a:cs typeface="Times New Roman"/>
+                      </a:endParaRPr>
+                    </a:p>
+                  </a:txBody>
+                  <a:tcPr marL="67217" marR="67217" marT="0" marB="0" anchor="b">
+                    <a:lnL w="12700" cap="flat" cmpd="sng" algn="ctr">
+                      <a:solidFill>
+                        <a:srgbClr val="000000"/>
+                      </a:solidFill>
+                      <a:prstDash val="solid"/>
+                      <a:round/>
+                      <a:headEnd type="none" w="med" len="med"/>
+                      <a:tailEnd type="none" w="med" len="med"/>
+                    </a:lnL>
+                    <a:lnR w="12700" cap="flat" cmpd="sng" algn="ctr">
+                      <a:solidFill>
+                        <a:srgbClr val="000000"/>
+                      </a:solidFill>
+                      <a:prstDash val="solid"/>
+                      <a:round/>
+                      <a:headEnd type="none" w="med" len="med"/>
+                      <a:tailEnd type="none" w="med" len="med"/>
+                    </a:lnR>
+                    <a:lnT w="12700" cap="flat" cmpd="sng" algn="ctr">
+                      <a:solidFill>
+                        <a:srgbClr val="000000"/>
+                      </a:solidFill>
+                      <a:prstDash val="solid"/>
+                      <a:round/>
+                      <a:headEnd type="none" w="med" len="med"/>
+                      <a:tailEnd type="none" w="med" len="med"/>
+                    </a:lnT>
+                    <a:lnB w="12700" cap="flat" cmpd="sng" algn="ctr">
+                      <a:solidFill>
+                        <a:srgbClr val="000000"/>
+                      </a:solidFill>
+                      <a:prstDash val="solid"/>
+                      <a:round/>
+                      <a:headEnd type="none" w="med" len="med"/>
+                      <a:tailEnd type="none" w="med" len="med"/>
+                    </a:lnB>
+                  </a:tcPr>
+                </a:tc>
+                <a:tc>
+                  <a:txBody>
+                    <a:bodyPr/>
+                    <a:lstStyle/>
+                    <a:p>
+                      <a:pPr marL="0" marR="0" indent="177800" algn="l">
+                        <a:lnSpc>
+                          <a:spcPct val="115000"/>
+                        </a:lnSpc>
+                        <a:spcBef>
+                          <a:spcPts val="0"/>
+                        </a:spcBef>
+                        <a:spcAft>
+                          <a:spcPts val="0"/>
+                        </a:spcAft>
+                      </a:pPr>
+                      <a:r>
+                        <a:rPr lang="en-US" sz="1400">
+                          <a:solidFill>
+                            <a:srgbClr val="000000"/>
+                          </a:solidFill>
+                          <a:latin typeface="Calibri"/>
+                          <a:ea typeface="Times New Roman"/>
+                          <a:cs typeface="Times New Roman"/>
+                        </a:rPr>
+                        <a:t>The guest user must be on the forum domain.</a:t>
+                      </a:r>
+                      <a:endParaRPr lang="en-US" sz="1100">
+                        <a:latin typeface="Calibri"/>
+                        <a:ea typeface="Calibri"/>
+                        <a:cs typeface="Times New Roman"/>
+                      </a:endParaRPr>
+                    </a:p>
+                  </a:txBody>
+                  <a:tcPr marL="67217" marR="67217" marT="0" marB="0" anchor="b">
+                    <a:lnL w="12700" cap="flat" cmpd="sng" algn="ctr">
+                      <a:solidFill>
+                        <a:srgbClr val="000000"/>
+                      </a:solidFill>
+                      <a:prstDash val="solid"/>
+                      <a:round/>
+                      <a:headEnd type="none" w="med" len="med"/>
+                      <a:tailEnd type="none" w="med" len="med"/>
+                    </a:lnL>
+                    <a:lnR w="12700" cap="flat" cmpd="sng" algn="ctr">
+                      <a:solidFill>
+                        <a:srgbClr val="000000"/>
+                      </a:solidFill>
+                      <a:prstDash val="solid"/>
+                      <a:round/>
+                      <a:headEnd type="none" w="med" len="med"/>
+                      <a:tailEnd type="none" w="med" len="med"/>
+                    </a:lnR>
+                    <a:lnT w="12700" cap="flat" cmpd="sng" algn="ctr">
+                      <a:solidFill>
+                        <a:srgbClr val="000000"/>
+                      </a:solidFill>
+                      <a:prstDash val="solid"/>
+                      <a:round/>
+                      <a:headEnd type="none" w="med" len="med"/>
+                      <a:tailEnd type="none" w="med" len="med"/>
+                    </a:lnT>
+                    <a:lnB w="12700" cap="flat" cmpd="sng" algn="ctr">
+                      <a:solidFill>
+                        <a:srgbClr val="000000"/>
+                      </a:solidFill>
+                      <a:prstDash val="solid"/>
+                      <a:round/>
+                      <a:headEnd type="none" w="med" len="med"/>
+                      <a:tailEnd type="none" w="med" len="med"/>
+                    </a:lnB>
+                  </a:tcPr>
+                </a:tc>
+              </a:tr>
+              <a:tr h="480973">
+                <a:tc>
+                  <a:txBody>
+                    <a:bodyPr/>
+                    <a:lstStyle/>
+                    <a:p>
+                      <a:pPr marL="0" marR="0" algn="l">
+                        <a:lnSpc>
+                          <a:spcPct val="115000"/>
+                        </a:lnSpc>
+                        <a:spcBef>
+                          <a:spcPts val="0"/>
+                        </a:spcBef>
+                        <a:spcAft>
+                          <a:spcPts val="0"/>
+                        </a:spcAft>
+                      </a:pPr>
+                      <a:r>
+                        <a:rPr lang="en-US" sz="1400">
+                          <a:solidFill>
+                            <a:srgbClr val="000000"/>
+                          </a:solidFill>
+                          <a:latin typeface="Calibri"/>
+                          <a:ea typeface="Times New Roman"/>
+                          <a:cs typeface="Times New Roman"/>
+                        </a:rPr>
+                        <a:t>Post-conditions</a:t>
+                      </a:r>
+                      <a:endParaRPr lang="en-US" sz="1100">
+                        <a:latin typeface="Calibri"/>
+                        <a:ea typeface="Calibri"/>
+                        <a:cs typeface="Times New Roman"/>
+                      </a:endParaRPr>
+                    </a:p>
+                  </a:txBody>
+                  <a:tcPr marL="67217" marR="67217" marT="0" marB="0" anchor="b">
+                    <a:lnL w="12700" cap="flat" cmpd="sng" algn="ctr">
+                      <a:solidFill>
+                        <a:srgbClr val="000000"/>
+                      </a:solidFill>
+                      <a:prstDash val="solid"/>
+                      <a:round/>
+                      <a:headEnd type="none" w="med" len="med"/>
+                      <a:tailEnd type="none" w="med" len="med"/>
+                    </a:lnL>
+                    <a:lnR w="12700" cap="flat" cmpd="sng" algn="ctr">
+                      <a:solidFill>
+                        <a:srgbClr val="000000"/>
+                      </a:solidFill>
+                      <a:prstDash val="solid"/>
+                      <a:round/>
+                      <a:headEnd type="none" w="med" len="med"/>
+                      <a:tailEnd type="none" w="med" len="med"/>
+                    </a:lnR>
+                    <a:lnT w="12700" cap="flat" cmpd="sng" algn="ctr">
+                      <a:solidFill>
+                        <a:srgbClr val="000000"/>
+                      </a:solidFill>
+                      <a:prstDash val="solid"/>
+                      <a:round/>
+                      <a:headEnd type="none" w="med" len="med"/>
+                      <a:tailEnd type="none" w="med" len="med"/>
+                    </a:lnT>
+                    <a:lnB w="12700" cap="flat" cmpd="sng" algn="ctr">
+                      <a:solidFill>
+                        <a:srgbClr val="000000"/>
+                      </a:solidFill>
+                      <a:prstDash val="solid"/>
+                      <a:round/>
+                      <a:headEnd type="none" w="med" len="med"/>
+                      <a:tailEnd type="none" w="med" len="med"/>
+                    </a:lnB>
+                  </a:tcPr>
+                </a:tc>
+                <a:tc>
+                  <a:txBody>
+                    <a:bodyPr/>
+                    <a:lstStyle/>
+                    <a:p>
+                      <a:pPr marL="0" marR="0" indent="177800" algn="l">
+                        <a:lnSpc>
+                          <a:spcPct val="115000"/>
+                        </a:lnSpc>
+                        <a:spcBef>
+                          <a:spcPts val="0"/>
+                        </a:spcBef>
+                        <a:spcAft>
+                          <a:spcPts val="0"/>
+                        </a:spcAft>
+                      </a:pPr>
+                      <a:r>
+                        <a:rPr lang="en-US" sz="1400">
+                          <a:solidFill>
+                            <a:srgbClr val="000000"/>
+                          </a:solidFill>
+                          <a:latin typeface="Calibri"/>
+                          <a:ea typeface="Times New Roman"/>
+                          <a:cs typeface="Times New Roman"/>
+                        </a:rPr>
+                        <a:t>The guest user will have results on the searched criteria.</a:t>
+                      </a:r>
+                      <a:endParaRPr lang="en-US" sz="1100">
+                        <a:latin typeface="Calibri"/>
+                        <a:ea typeface="Calibri"/>
+                        <a:cs typeface="Times New Roman"/>
+                      </a:endParaRPr>
+                    </a:p>
+                  </a:txBody>
+                  <a:tcPr marL="67217" marR="67217" marT="0" marB="0" anchor="b">
+                    <a:lnL w="12700" cap="flat" cmpd="sng" algn="ctr">
+                      <a:solidFill>
+                        <a:srgbClr val="000000"/>
+                      </a:solidFill>
+                      <a:prstDash val="solid"/>
+                      <a:round/>
+                      <a:headEnd type="none" w="med" len="med"/>
+                      <a:tailEnd type="none" w="med" len="med"/>
+                    </a:lnL>
+                    <a:lnR w="12700" cap="flat" cmpd="sng" algn="ctr">
+                      <a:solidFill>
+                        <a:srgbClr val="000000"/>
+                      </a:solidFill>
+                      <a:prstDash val="solid"/>
+                      <a:round/>
+                      <a:headEnd type="none" w="med" len="med"/>
+                      <a:tailEnd type="none" w="med" len="med"/>
+                    </a:lnR>
+                    <a:lnT w="12700" cap="flat" cmpd="sng" algn="ctr">
+                      <a:solidFill>
+                        <a:srgbClr val="000000"/>
+                      </a:solidFill>
+                      <a:prstDash val="solid"/>
+                      <a:round/>
+                      <a:headEnd type="none" w="med" len="med"/>
+                      <a:tailEnd type="none" w="med" len="med"/>
+                    </a:lnT>
+                    <a:lnB w="12700" cap="flat" cmpd="sng" algn="ctr">
+                      <a:solidFill>
+                        <a:srgbClr val="000000"/>
+                      </a:solidFill>
+                      <a:prstDash val="solid"/>
+                      <a:round/>
+                      <a:headEnd type="none" w="med" len="med"/>
+                      <a:tailEnd type="none" w="med" len="med"/>
+                    </a:lnB>
+                  </a:tcPr>
+                </a:tc>
+              </a:tr>
+              <a:tr h="233392">
+                <a:tc>
+                  <a:txBody>
+                    <a:bodyPr/>
+                    <a:lstStyle/>
+                    <a:p>
+                      <a:pPr algn="l">
+                        <a:lnSpc>
+                          <a:spcPct val="115000"/>
+                        </a:lnSpc>
+                      </a:pPr>
+                      <a:endParaRPr lang="en-US" sz="1100">
+                        <a:latin typeface="Calibri"/>
+                        <a:ea typeface="Times New Roman"/>
+                      </a:endParaRPr>
+                    </a:p>
+                  </a:txBody>
+                  <a:tcPr marL="67217" marR="67217" marT="0" marB="0" anchor="b">
+                    <a:lnL>
+                      <a:noFill/>
+                    </a:lnL>
+                    <a:lnR>
+                      <a:noFill/>
+                    </a:lnR>
+                    <a:lnT w="12700" cap="flat" cmpd="sng" algn="ctr">
+                      <a:solidFill>
+                        <a:srgbClr val="000000"/>
+                      </a:solidFill>
+                      <a:prstDash val="solid"/>
+                      <a:round/>
+                      <a:headEnd type="none" w="med" len="med"/>
+                      <a:tailEnd type="none" w="med" len="med"/>
+                    </a:lnT>
+                    <a:lnB w="12700" cap="flat" cmpd="sng" algn="ctr">
+                      <a:solidFill>
+                        <a:srgbClr val="000000"/>
+                      </a:solidFill>
+                      <a:prstDash val="solid"/>
+                      <a:round/>
+                      <a:headEnd type="none" w="med" len="med"/>
+                      <a:tailEnd type="none" w="med" len="med"/>
+                    </a:lnB>
+                  </a:tcPr>
+                </a:tc>
+                <a:tc>
+                  <a:txBody>
+                    <a:bodyPr/>
+                    <a:lstStyle/>
+                    <a:p>
+                      <a:pPr algn="l">
+                        <a:lnSpc>
+                          <a:spcPct val="115000"/>
+                        </a:lnSpc>
+                      </a:pPr>
+                      <a:endParaRPr lang="en-US" sz="1100">
+                        <a:latin typeface="Calibri"/>
+                        <a:ea typeface="Times New Roman"/>
+                      </a:endParaRPr>
+                    </a:p>
+                  </a:txBody>
+                  <a:tcPr marL="67217" marR="67217" marT="0" marB="0" anchor="b">
+                    <a:lnL>
+                      <a:noFill/>
+                    </a:lnL>
+                    <a:lnR>
+                      <a:noFill/>
+                    </a:lnR>
+                    <a:lnT w="12700" cap="flat" cmpd="sng" algn="ctr">
+                      <a:solidFill>
+                        <a:srgbClr val="000000"/>
+                      </a:solidFill>
+                      <a:prstDash val="solid"/>
+                      <a:round/>
+                      <a:headEnd type="none" w="med" len="med"/>
+                      <a:tailEnd type="none" w="med" len="med"/>
+                    </a:lnT>
+                    <a:lnB w="12700" cap="flat" cmpd="sng" algn="ctr">
+                      <a:solidFill>
+                        <a:srgbClr val="000000"/>
+                      </a:solidFill>
+                      <a:prstDash val="solid"/>
+                      <a:round/>
+                      <a:headEnd type="none" w="med" len="med"/>
+                      <a:tailEnd type="none" w="med" len="med"/>
+                    </a:lnB>
+                  </a:tcPr>
+                </a:tc>
+              </a:tr>
+              <a:tr h="240487">
+                <a:tc>
+                  <a:txBody>
+                    <a:bodyPr/>
+                    <a:lstStyle/>
+                    <a:p>
+                      <a:pPr marL="0" marR="0" algn="ctr">
+                        <a:lnSpc>
+                          <a:spcPct val="115000"/>
+                        </a:lnSpc>
+                        <a:spcBef>
+                          <a:spcPts val="0"/>
+                        </a:spcBef>
+                        <a:spcAft>
+                          <a:spcPts val="0"/>
+                        </a:spcAft>
+                      </a:pPr>
+                      <a:r>
+                        <a:rPr lang="en-US" sz="1400">
+                          <a:solidFill>
+                            <a:srgbClr val="000000"/>
+                          </a:solidFill>
+                          <a:latin typeface="Calibri"/>
+                          <a:ea typeface="Times New Roman"/>
+                          <a:cs typeface="Times New Roman"/>
+                        </a:rPr>
+                        <a:t>Actor : Guest</a:t>
+                      </a:r>
+                      <a:endParaRPr lang="en-US" sz="1100">
+                        <a:latin typeface="Calibri"/>
+                        <a:ea typeface="Calibri"/>
+                        <a:cs typeface="Times New Roman"/>
+                      </a:endParaRPr>
+                    </a:p>
+                  </a:txBody>
+                  <a:tcPr marL="67217" marR="67217" marT="0" marB="0" anchor="b">
+                    <a:lnL w="12700" cap="flat" cmpd="sng" algn="ctr">
+                      <a:solidFill>
+                        <a:srgbClr val="000000"/>
+                      </a:solidFill>
+                      <a:prstDash val="solid"/>
+                      <a:round/>
+                      <a:headEnd type="none" w="med" len="med"/>
+                      <a:tailEnd type="none" w="med" len="med"/>
+                    </a:lnL>
+                    <a:lnR w="12700" cap="flat" cmpd="sng" algn="ctr">
+                      <a:solidFill>
+                        <a:srgbClr val="000000"/>
+                      </a:solidFill>
+                      <a:prstDash val="solid"/>
+                      <a:round/>
+                      <a:headEnd type="none" w="med" len="med"/>
+                      <a:tailEnd type="none" w="med" len="med"/>
+                    </a:lnR>
+                    <a:lnT w="12700" cap="flat" cmpd="sng" algn="ctr">
+                      <a:solidFill>
+                        <a:srgbClr val="000000"/>
+                      </a:solidFill>
+                      <a:prstDash val="solid"/>
+                      <a:round/>
+                      <a:headEnd type="none" w="med" len="med"/>
+                      <a:tailEnd type="none" w="med" len="med"/>
+                    </a:lnT>
+                    <a:lnB w="12700" cap="flat" cmpd="sng" algn="ctr">
+                      <a:solidFill>
+                        <a:srgbClr val="000000"/>
+                      </a:solidFill>
+                      <a:prstDash val="solid"/>
+                      <a:round/>
+                      <a:headEnd type="none" w="med" len="med"/>
+                      <a:tailEnd type="none" w="med" len="med"/>
+                    </a:lnB>
+                  </a:tcPr>
+                </a:tc>
+                <a:tc>
+                  <a:txBody>
+                    <a:bodyPr/>
+                    <a:lstStyle/>
+                    <a:p>
+                      <a:pPr marL="0" marR="0" algn="ctr">
+                        <a:lnSpc>
+                          <a:spcPct val="115000"/>
+                        </a:lnSpc>
+                        <a:spcBef>
+                          <a:spcPts val="0"/>
+                        </a:spcBef>
+                        <a:spcAft>
+                          <a:spcPts val="0"/>
+                        </a:spcAft>
+                      </a:pPr>
+                      <a:r>
+                        <a:rPr lang="en-US" sz="1400">
+                          <a:solidFill>
+                            <a:srgbClr val="000000"/>
+                          </a:solidFill>
+                          <a:latin typeface="Calibri"/>
+                          <a:ea typeface="Times New Roman"/>
+                          <a:cs typeface="Times New Roman"/>
+                        </a:rPr>
+                        <a:t>System</a:t>
+                      </a:r>
+                      <a:endParaRPr lang="en-US" sz="1100">
+                        <a:latin typeface="Calibri"/>
+                        <a:ea typeface="Calibri"/>
+                        <a:cs typeface="Times New Roman"/>
+                      </a:endParaRPr>
+                    </a:p>
+                  </a:txBody>
+                  <a:tcPr marL="67217" marR="67217" marT="0" marB="0" anchor="b">
+                    <a:lnL w="12700" cap="flat" cmpd="sng" algn="ctr">
+                      <a:solidFill>
+                        <a:srgbClr val="000000"/>
+                      </a:solidFill>
+                      <a:prstDash val="solid"/>
+                      <a:round/>
+                      <a:headEnd type="none" w="med" len="med"/>
+                      <a:tailEnd type="none" w="med" len="med"/>
+                    </a:lnL>
+                    <a:lnR w="12700" cap="flat" cmpd="sng" algn="ctr">
+                      <a:solidFill>
+                        <a:srgbClr val="000000"/>
+                      </a:solidFill>
+                      <a:prstDash val="solid"/>
+                      <a:round/>
+                      <a:headEnd type="none" w="med" len="med"/>
+                      <a:tailEnd type="none" w="med" len="med"/>
+                    </a:lnR>
+                    <a:lnT w="12700" cap="flat" cmpd="sng" algn="ctr">
+                      <a:solidFill>
+                        <a:srgbClr val="000000"/>
+                      </a:solidFill>
+                      <a:prstDash val="solid"/>
+                      <a:round/>
+                      <a:headEnd type="none" w="med" len="med"/>
+                      <a:tailEnd type="none" w="med" len="med"/>
+                    </a:lnT>
+                    <a:lnB w="12700" cap="flat" cmpd="sng" algn="ctr">
+                      <a:solidFill>
+                        <a:srgbClr val="000000"/>
+                      </a:solidFill>
+                      <a:prstDash val="solid"/>
+                      <a:round/>
+                      <a:headEnd type="none" w="med" len="med"/>
+                      <a:tailEnd type="none" w="med" len="med"/>
+                    </a:lnB>
+                  </a:tcPr>
+                </a:tc>
+              </a:tr>
+              <a:tr h="480973">
+                <a:tc>
+                  <a:txBody>
+                    <a:bodyPr/>
+                    <a:lstStyle/>
+                    <a:p>
+                      <a:pPr marL="0" marR="0" algn="l">
+                        <a:lnSpc>
+                          <a:spcPct val="115000"/>
+                        </a:lnSpc>
+                        <a:spcBef>
+                          <a:spcPts val="0"/>
+                        </a:spcBef>
+                        <a:spcAft>
+                          <a:spcPts val="0"/>
+                        </a:spcAft>
+                      </a:pPr>
+                      <a:r>
+                        <a:rPr lang="en-US" sz="1400">
+                          <a:solidFill>
+                            <a:srgbClr val="000000"/>
+                          </a:solidFill>
+                          <a:latin typeface="Calibri"/>
+                          <a:ea typeface="Times New Roman"/>
+                          <a:cs typeface="Times New Roman"/>
+                        </a:rPr>
+                        <a:t> </a:t>
+                      </a:r>
+                      <a:endParaRPr lang="en-US" sz="1100">
+                        <a:latin typeface="Calibri"/>
+                        <a:ea typeface="Calibri"/>
+                        <a:cs typeface="Times New Roman"/>
+                      </a:endParaRPr>
+                    </a:p>
+                  </a:txBody>
+                  <a:tcPr marL="67217" marR="67217" marT="0" marB="0" anchor="b">
+                    <a:lnL w="12700" cap="flat" cmpd="sng" algn="ctr">
+                      <a:solidFill>
+                        <a:srgbClr val="000000"/>
+                      </a:solidFill>
+                      <a:prstDash val="solid"/>
+                      <a:round/>
+                      <a:headEnd type="none" w="med" len="med"/>
+                      <a:tailEnd type="none" w="med" len="med"/>
+                    </a:lnL>
+                    <a:lnR w="12700" cap="flat" cmpd="sng" algn="ctr">
+                      <a:solidFill>
+                        <a:srgbClr val="000000"/>
+                      </a:solidFill>
+                      <a:prstDash val="solid"/>
+                      <a:round/>
+                      <a:headEnd type="none" w="med" len="med"/>
+                      <a:tailEnd type="none" w="med" len="med"/>
+                    </a:lnR>
+                    <a:lnT w="12700" cap="flat" cmpd="sng" algn="ctr">
+                      <a:solidFill>
+                        <a:srgbClr val="000000"/>
+                      </a:solidFill>
+                      <a:prstDash val="solid"/>
+                      <a:round/>
+                      <a:headEnd type="none" w="med" len="med"/>
+                      <a:tailEnd type="none" w="med" len="med"/>
+                    </a:lnT>
+                    <a:lnB w="12700" cap="flat" cmpd="sng" algn="ctr">
+                      <a:solidFill>
+                        <a:srgbClr val="000000"/>
+                      </a:solidFill>
+                      <a:prstDash val="solid"/>
+                      <a:round/>
+                      <a:headEnd type="none" w="med" len="med"/>
+                      <a:tailEnd type="none" w="med" len="med"/>
+                    </a:lnB>
+                  </a:tcPr>
+                </a:tc>
+                <a:tc>
+                  <a:txBody>
+                    <a:bodyPr/>
+                    <a:lstStyle/>
+                    <a:p>
+                      <a:pPr marL="0" marR="0" indent="177800" algn="l">
+                        <a:lnSpc>
+                          <a:spcPct val="115000"/>
+                        </a:lnSpc>
+                        <a:spcBef>
+                          <a:spcPts val="0"/>
+                        </a:spcBef>
+                        <a:spcAft>
+                          <a:spcPts val="0"/>
+                        </a:spcAft>
+                      </a:pPr>
+                      <a:r>
+                        <a:rPr lang="en-US" sz="1400">
+                          <a:solidFill>
+                            <a:srgbClr val="000000"/>
+                          </a:solidFill>
+                          <a:latin typeface="Calibri"/>
+                          <a:ea typeface="Times New Roman"/>
+                          <a:cs typeface="Times New Roman"/>
+                        </a:rPr>
+                        <a:t>0. The system displays any page on the forum domain.</a:t>
+                      </a:r>
+                      <a:endParaRPr lang="en-US" sz="1100">
+                        <a:latin typeface="Calibri"/>
+                        <a:ea typeface="Calibri"/>
+                        <a:cs typeface="Times New Roman"/>
+                      </a:endParaRPr>
+                    </a:p>
+                  </a:txBody>
+                  <a:tcPr marL="67217" marR="67217" marT="0" marB="0" anchor="b">
+                    <a:lnL w="12700" cap="flat" cmpd="sng" algn="ctr">
+                      <a:solidFill>
+                        <a:srgbClr val="000000"/>
+                      </a:solidFill>
+                      <a:prstDash val="solid"/>
+                      <a:round/>
+                      <a:headEnd type="none" w="med" len="med"/>
+                      <a:tailEnd type="none" w="med" len="med"/>
+                    </a:lnL>
+                    <a:lnR w="12700" cap="flat" cmpd="sng" algn="ctr">
+                      <a:solidFill>
+                        <a:srgbClr val="000000"/>
+                      </a:solidFill>
+                      <a:prstDash val="solid"/>
+                      <a:round/>
+                      <a:headEnd type="none" w="med" len="med"/>
+                      <a:tailEnd type="none" w="med" len="med"/>
+                    </a:lnR>
+                    <a:lnT w="12700" cap="flat" cmpd="sng" algn="ctr">
+                      <a:solidFill>
+                        <a:srgbClr val="000000"/>
+                      </a:solidFill>
+                      <a:prstDash val="solid"/>
+                      <a:round/>
+                      <a:headEnd type="none" w="med" len="med"/>
+                      <a:tailEnd type="none" w="med" len="med"/>
+                    </a:lnT>
+                    <a:lnB w="12700" cap="flat" cmpd="sng" algn="ctr">
+                      <a:solidFill>
+                        <a:srgbClr val="000000"/>
+                      </a:solidFill>
+                      <a:prstDash val="solid"/>
+                      <a:round/>
+                      <a:headEnd type="none" w="med" len="med"/>
+                      <a:tailEnd type="none" w="med" len="med"/>
+                    </a:lnB>
+                  </a:tcPr>
+                </a:tc>
+              </a:tr>
+              <a:tr h="480973">
+                <a:tc>
+                  <a:txBody>
+                    <a:bodyPr/>
+                    <a:lstStyle/>
+                    <a:p>
+                      <a:pPr marL="0" marR="0" indent="177800" algn="l">
+                        <a:lnSpc>
+                          <a:spcPct val="115000"/>
+                        </a:lnSpc>
+                        <a:spcBef>
+                          <a:spcPts val="0"/>
+                        </a:spcBef>
+                        <a:spcAft>
+                          <a:spcPts val="0"/>
+                        </a:spcAft>
+                      </a:pPr>
+                      <a:r>
+                        <a:rPr lang="en-US" sz="1400">
+                          <a:solidFill>
+                            <a:srgbClr val="000000"/>
+                          </a:solidFill>
+                          <a:latin typeface="Calibri"/>
+                          <a:ea typeface="Times New Roman"/>
+                          <a:cs typeface="Times New Roman"/>
+                        </a:rPr>
+                        <a:t>1. The guest user enters a search criteria in the search bar.</a:t>
+                      </a:r>
+                      <a:endParaRPr lang="en-US" sz="1100">
+                        <a:latin typeface="Calibri"/>
+                        <a:ea typeface="Calibri"/>
+                        <a:cs typeface="Times New Roman"/>
+                      </a:endParaRPr>
+                    </a:p>
+                  </a:txBody>
+                  <a:tcPr marL="67217" marR="67217" marT="0" marB="0" anchor="b">
+                    <a:lnL w="12700" cap="flat" cmpd="sng" algn="ctr">
+                      <a:solidFill>
+                        <a:srgbClr val="000000"/>
+                      </a:solidFill>
+                      <a:prstDash val="solid"/>
+                      <a:round/>
+                      <a:headEnd type="none" w="med" len="med"/>
+                      <a:tailEnd type="none" w="med" len="med"/>
+                    </a:lnL>
+                    <a:lnR w="12700" cap="flat" cmpd="sng" algn="ctr">
+                      <a:solidFill>
+                        <a:srgbClr val="000000"/>
+                      </a:solidFill>
+                      <a:prstDash val="solid"/>
+                      <a:round/>
+                      <a:headEnd type="none" w="med" len="med"/>
+                      <a:tailEnd type="none" w="med" len="med"/>
+                    </a:lnR>
+                    <a:lnT w="12700" cap="flat" cmpd="sng" algn="ctr">
+                      <a:solidFill>
+                        <a:srgbClr val="000000"/>
+                      </a:solidFill>
+                      <a:prstDash val="solid"/>
+                      <a:round/>
+                      <a:headEnd type="none" w="med" len="med"/>
+                      <a:tailEnd type="none" w="med" len="med"/>
+                    </a:lnT>
+                    <a:lnB w="12700" cap="flat" cmpd="sng" algn="ctr">
+                      <a:solidFill>
+                        <a:srgbClr val="000000"/>
+                      </a:solidFill>
+                      <a:prstDash val="solid"/>
+                      <a:round/>
+                      <a:headEnd type="none" w="med" len="med"/>
+                      <a:tailEnd type="none" w="med" len="med"/>
+                    </a:lnB>
+                  </a:tcPr>
+                </a:tc>
+                <a:tc>
+                  <a:txBody>
+                    <a:bodyPr/>
+                    <a:lstStyle/>
+                    <a:p>
+                      <a:pPr marL="0" marR="0" indent="177800" algn="l">
+                        <a:lnSpc>
+                          <a:spcPct val="115000"/>
+                        </a:lnSpc>
+                        <a:spcBef>
+                          <a:spcPts val="0"/>
+                        </a:spcBef>
+                        <a:spcAft>
+                          <a:spcPts val="0"/>
+                        </a:spcAft>
+                      </a:pPr>
+                      <a:r>
+                        <a:rPr lang="en-US" sz="1400">
+                          <a:solidFill>
+                            <a:srgbClr val="000000"/>
+                          </a:solidFill>
+                          <a:latin typeface="Calibri"/>
+                          <a:ea typeface="Times New Roman"/>
+                          <a:cs typeface="Times New Roman"/>
+                        </a:rPr>
+                        <a:t>2. The system displays any topics from the given search criteria.</a:t>
+                      </a:r>
+                      <a:endParaRPr lang="en-US" sz="1100">
+                        <a:latin typeface="Calibri"/>
+                        <a:ea typeface="Calibri"/>
+                        <a:cs typeface="Times New Roman"/>
+                      </a:endParaRPr>
+                    </a:p>
+                  </a:txBody>
+                  <a:tcPr marL="67217" marR="67217" marT="0" marB="0" anchor="b">
+                    <a:lnL w="12700" cap="flat" cmpd="sng" algn="ctr">
+                      <a:solidFill>
+                        <a:srgbClr val="000000"/>
+                      </a:solidFill>
+                      <a:prstDash val="solid"/>
+                      <a:round/>
+                      <a:headEnd type="none" w="med" len="med"/>
+                      <a:tailEnd type="none" w="med" len="med"/>
+                    </a:lnL>
+                    <a:lnR w="12700" cap="flat" cmpd="sng" algn="ctr">
+                      <a:solidFill>
+                        <a:srgbClr val="000000"/>
+                      </a:solidFill>
+                      <a:prstDash val="solid"/>
+                      <a:round/>
+                      <a:headEnd type="none" w="med" len="med"/>
+                      <a:tailEnd type="none" w="med" len="med"/>
+                    </a:lnR>
+                    <a:lnT w="12700" cap="flat" cmpd="sng" algn="ctr">
+                      <a:solidFill>
+                        <a:srgbClr val="000000"/>
+                      </a:solidFill>
+                      <a:prstDash val="solid"/>
+                      <a:round/>
+                      <a:headEnd type="none" w="med" len="med"/>
+                      <a:tailEnd type="none" w="med" len="med"/>
+                    </a:lnT>
+                    <a:lnB w="12700" cap="flat" cmpd="sng" algn="ctr">
+                      <a:solidFill>
+                        <a:srgbClr val="000000"/>
+                      </a:solidFill>
+                      <a:prstDash val="solid"/>
+                      <a:round/>
+                      <a:headEnd type="none" w="med" len="med"/>
+                      <a:tailEnd type="none" w="med" len="med"/>
+                    </a:lnB>
+                  </a:tcPr>
+                </a:tc>
+              </a:tr>
+              <a:tr h="480973">
+                <a:tc>
+                  <a:txBody>
+                    <a:bodyPr/>
+                    <a:lstStyle/>
+                    <a:p>
+                      <a:pPr marL="0" marR="0" indent="177800" algn="l">
+                        <a:lnSpc>
+                          <a:spcPct val="115000"/>
+                        </a:lnSpc>
+                        <a:spcBef>
+                          <a:spcPts val="0"/>
+                        </a:spcBef>
+                        <a:spcAft>
+                          <a:spcPts val="0"/>
+                        </a:spcAft>
+                      </a:pPr>
+                      <a:r>
+                        <a:rPr lang="en-US" sz="1400">
+                          <a:solidFill>
+                            <a:srgbClr val="000000"/>
+                          </a:solidFill>
+                          <a:latin typeface="Calibri"/>
+                          <a:ea typeface="Times New Roman"/>
+                          <a:cs typeface="Times New Roman"/>
+                        </a:rPr>
+                        <a:t>3. The guest user may select from the given results.</a:t>
+                      </a:r>
+                      <a:endParaRPr lang="en-US" sz="1100">
+                        <a:latin typeface="Calibri"/>
+                        <a:ea typeface="Calibri"/>
+                        <a:cs typeface="Times New Roman"/>
+                      </a:endParaRPr>
+                    </a:p>
+                  </a:txBody>
+                  <a:tcPr marL="67217" marR="67217" marT="0" marB="0" anchor="b">
+                    <a:lnL w="12700" cap="flat" cmpd="sng" algn="ctr">
+                      <a:solidFill>
+                        <a:srgbClr val="000000"/>
+                      </a:solidFill>
+                      <a:prstDash val="solid"/>
+                      <a:round/>
+                      <a:headEnd type="none" w="med" len="med"/>
+                      <a:tailEnd type="none" w="med" len="med"/>
+                    </a:lnL>
+                    <a:lnR w="12700" cap="flat" cmpd="sng" algn="ctr">
+                      <a:solidFill>
+                        <a:srgbClr val="000000"/>
+                      </a:solidFill>
+                      <a:prstDash val="solid"/>
+                      <a:round/>
+                      <a:headEnd type="none" w="med" len="med"/>
+                      <a:tailEnd type="none" w="med" len="med"/>
+                    </a:lnR>
+                    <a:lnT w="12700" cap="flat" cmpd="sng" algn="ctr">
+                      <a:solidFill>
+                        <a:srgbClr val="000000"/>
+                      </a:solidFill>
+                      <a:prstDash val="solid"/>
+                      <a:round/>
+                      <a:headEnd type="none" w="med" len="med"/>
+                      <a:tailEnd type="none" w="med" len="med"/>
+                    </a:lnT>
+                    <a:lnB w="12700" cap="flat" cmpd="sng" algn="ctr">
+                      <a:solidFill>
+                        <a:srgbClr val="000000"/>
+                      </a:solidFill>
+                      <a:prstDash val="solid"/>
+                      <a:round/>
+                      <a:headEnd type="none" w="med" len="med"/>
+                      <a:tailEnd type="none" w="med" len="med"/>
+                    </a:lnB>
+                  </a:tcPr>
+                </a:tc>
+                <a:tc>
+                  <a:txBody>
+                    <a:bodyPr/>
+                    <a:lstStyle/>
+                    <a:p>
+                      <a:pPr marL="0" marR="0" indent="177800" algn="l">
+                        <a:lnSpc>
+                          <a:spcPct val="115000"/>
+                        </a:lnSpc>
+                        <a:spcBef>
+                          <a:spcPts val="0"/>
+                        </a:spcBef>
+                        <a:spcAft>
+                          <a:spcPts val="0"/>
+                        </a:spcAft>
+                      </a:pPr>
+                      <a:r>
+                        <a:rPr lang="en-US" sz="1400" dirty="0">
+                          <a:solidFill>
+                            <a:srgbClr val="000000"/>
+                          </a:solidFill>
+                          <a:latin typeface="Calibri"/>
+                          <a:ea typeface="Times New Roman"/>
+                          <a:cs typeface="Times New Roman"/>
+                        </a:rPr>
+                        <a:t>3. The system will display the selected thread.</a:t>
+                      </a:r>
+                      <a:endParaRPr lang="en-US" sz="1100" dirty="0">
+                        <a:latin typeface="Calibri"/>
+                        <a:ea typeface="Calibri"/>
+                        <a:cs typeface="Times New Roman"/>
+                      </a:endParaRPr>
+                    </a:p>
+                  </a:txBody>
+                  <a:tcPr marL="67217" marR="67217" marT="0" marB="0" anchor="b">
+                    <a:lnL w="12700" cap="flat" cmpd="sng" algn="ctr">
+                      <a:solidFill>
+                        <a:srgbClr val="000000"/>
+                      </a:solidFill>
+                      <a:prstDash val="solid"/>
+                      <a:round/>
+                      <a:headEnd type="none" w="med" len="med"/>
+                      <a:tailEnd type="none" w="med" len="med"/>
+                    </a:lnL>
+                    <a:lnR w="12700" cap="flat" cmpd="sng" algn="ctr">
+                      <a:solidFill>
+                        <a:srgbClr val="000000"/>
+                      </a:solidFill>
+                      <a:prstDash val="solid"/>
+                      <a:round/>
+                      <a:headEnd type="none" w="med" len="med"/>
+                      <a:tailEnd type="none" w="med" len="med"/>
+                    </a:lnR>
+                    <a:lnT w="12700" cap="flat" cmpd="sng" algn="ctr">
+                      <a:solidFill>
+                        <a:srgbClr val="000000"/>
+                      </a:solidFill>
+                      <a:prstDash val="solid"/>
+                      <a:round/>
+                      <a:headEnd type="none" w="med" len="med"/>
+                      <a:tailEnd type="none" w="med" len="med"/>
+                    </a:lnT>
+                    <a:lnB w="12700" cap="flat" cmpd="sng" algn="ctr">
+                      <a:solidFill>
+                        <a:srgbClr val="000000"/>
+                      </a:solidFill>
+                      <a:prstDash val="solid"/>
+                      <a:round/>
+                      <a:headEnd type="none" w="med" len="med"/>
+                      <a:tailEnd type="none" w="med" len="med"/>
+                    </a:lnB>
+                  </a:tcPr>
+                </a:tc>
+              </a:tr>
+            </a:tbl>
+          </a:graphicData>
+        </a:graphic>
+      </p:graphicFrame>
     </p:spTree>
   </p:cSld>
   <p:clrMapOvr>
@@ -6755,7 +6757,7 @@
           <a:p>
             <a:r>
               <a:rPr lang="en-US" dirty="0" smtClean="0"/>
-              <a:t>Faculty User</a:t>
+              <a:t>Search</a:t>
             </a:r>
             <a:endParaRPr lang="en-US" dirty="0"/>
           </a:p>
@@ -6763,7 +6765,7 @@
       </p:sp>
       <p:pic>
         <p:nvPicPr>
-          <p:cNvPr id="4" name="Picture 3" descr="C:\wamp\www\CapstoneProject\Proposal\Design\Faculty User Use Case Diagram.JPG"/>
+          <p:cNvPr id="4" name="Picture 3"/>
           <p:cNvPicPr/>
           <p:nvPr/>
         </p:nvPicPr>
@@ -6776,8 +6778,8 @@
         </p:blipFill>
         <p:spPr bwMode="auto">
           <a:xfrm>
-            <a:off x="2011568" y="672068"/>
-            <a:ext cx="4579732" cy="3499881"/>
+            <a:off x="1390279" y="782782"/>
+            <a:ext cx="6239246" cy="4073236"/>
           </a:xfrm>
           <a:prstGeom prst="rect">
             <a:avLst/>
@@ -6833,6 +6835,84 @@
           <a:p>
             <a:r>
               <a:rPr lang="en-US" dirty="0" smtClean="0"/>
+              <a:t>Faculty User</a:t>
+            </a:r>
+            <a:endParaRPr lang="en-US" dirty="0"/>
+          </a:p>
+        </p:txBody>
+      </p:sp>
+      <p:pic>
+        <p:nvPicPr>
+          <p:cNvPr id="4" name="Picture 3" descr="C:\wamp\www\CapstoneProject\Proposal\Design\Faculty User Use Case Diagram.JPG"/>
+          <p:cNvPicPr/>
+          <p:nvPr/>
+        </p:nvPicPr>
+        <p:blipFill>
+          <a:blip r:embed="rId2" cstate="print"/>
+          <a:srcRect/>
+          <a:stretch>
+            <a:fillRect/>
+          </a:stretch>
+        </p:blipFill>
+        <p:spPr bwMode="auto">
+          <a:xfrm>
+            <a:off x="2011568" y="672068"/>
+            <a:ext cx="4579732" cy="3499881"/>
+          </a:xfrm>
+          <a:prstGeom prst="rect">
+            <a:avLst/>
+          </a:prstGeom>
+          <a:noFill/>
+          <a:ln w="9525">
+            <a:noFill/>
+            <a:miter lim="800000"/>
+            <a:headEnd/>
+            <a:tailEnd/>
+          </a:ln>
+        </p:spPr>
+      </p:pic>
+    </p:spTree>
+  </p:cSld>
+  <p:clrMapOvr>
+    <a:masterClrMapping/>
+  </p:clrMapOvr>
+</p:sld>
+</file>
+
+<file path=ppt/slides/slide18.xml><?xml version="1.0" encoding="utf-8"?>
+<p:sld xmlns:a="http://schemas.openxmlformats.org/drawingml/2006/main" xmlns:r="http://schemas.openxmlformats.org/officeDocument/2006/relationships" xmlns:p="http://schemas.openxmlformats.org/presentationml/2006/main">
+  <p:cSld>
+    <p:spTree>
+      <p:nvGrpSpPr>
+        <p:cNvPr id="1" name=""/>
+        <p:cNvGrpSpPr/>
+        <p:nvPr/>
+      </p:nvGrpSpPr>
+      <p:grpSpPr>
+        <a:xfrm>
+          <a:off x="0" y="0"/>
+          <a:ext cx="0" cy="0"/>
+          <a:chOff x="0" y="0"/>
+          <a:chExt cx="0" cy="0"/>
+        </a:xfrm>
+      </p:grpSpPr>
+      <p:sp>
+        <p:nvSpPr>
+          <p:cNvPr id="2" name="Title 1"/>
+          <p:cNvSpPr>
+            <a:spLocks noGrp="1"/>
+          </p:cNvSpPr>
+          <p:nvPr>
+            <p:ph type="title"/>
+          </p:nvPr>
+        </p:nvSpPr>
+        <p:spPr/>
+        <p:txBody>
+          <a:bodyPr/>
+          <a:lstStyle/>
+          <a:p>
+            <a:r>
+              <a:rPr lang="en-US" dirty="0" smtClean="0"/>
               <a:t>Faculty - Login</a:t>
             </a:r>
             <a:endParaRPr lang="en-US" dirty="0"/>
@@ -8089,7 +8169,7 @@
 </p:sld>
 </file>
 
-<file path=ppt/slides/slide18.xml><?xml version="1.0" encoding="utf-8"?>
+<file path=ppt/slides/slide19.xml><?xml version="1.0" encoding="utf-8"?>
 <p:sld xmlns:a="http://schemas.openxmlformats.org/drawingml/2006/main" xmlns:r="http://schemas.openxmlformats.org/officeDocument/2006/relationships" xmlns:p="http://schemas.openxmlformats.org/presentationml/2006/main">
   <p:cSld>
     <p:spTree>
@@ -8167,7 +8247,80 @@
 </p:sld>
 </file>
 
-<file path=ppt/slides/slide19.xml><?xml version="1.0" encoding="utf-8"?>
+<file path=ppt/slides/slide2.xml><?xml version="1.0" encoding="utf-8"?>
+<p:sld xmlns:a="http://schemas.openxmlformats.org/drawingml/2006/main" xmlns:r="http://schemas.openxmlformats.org/officeDocument/2006/relationships" xmlns:p="http://schemas.openxmlformats.org/presentationml/2006/main">
+  <p:cSld>
+    <p:spTree>
+      <p:nvGrpSpPr>
+        <p:cNvPr id="1" name=""/>
+        <p:cNvGrpSpPr/>
+        <p:nvPr/>
+      </p:nvGrpSpPr>
+      <p:grpSpPr>
+        <a:xfrm>
+          <a:off x="0" y="0"/>
+          <a:ext cx="0" cy="0"/>
+          <a:chOff x="0" y="0"/>
+          <a:chExt cx="0" cy="0"/>
+        </a:xfrm>
+      </p:grpSpPr>
+      <p:sp>
+        <p:nvSpPr>
+          <p:cNvPr id="2" name="Title 1"/>
+          <p:cNvSpPr>
+            <a:spLocks noGrp="1"/>
+          </p:cNvSpPr>
+          <p:nvPr>
+            <p:ph type="title"/>
+          </p:nvPr>
+        </p:nvSpPr>
+        <p:spPr/>
+        <p:txBody>
+          <a:bodyPr/>
+          <a:lstStyle/>
+          <a:p>
+            <a:r>
+              <a:rPr lang="en-US" dirty="0" smtClean="0"/>
+              <a:t>Introduction</a:t>
+            </a:r>
+            <a:endParaRPr lang="en-US" dirty="0"/>
+          </a:p>
+        </p:txBody>
+      </p:sp>
+      <p:sp>
+        <p:nvSpPr>
+          <p:cNvPr id="3" name="Content Placeholder 2"/>
+          <p:cNvSpPr>
+            <a:spLocks noGrp="1"/>
+          </p:cNvSpPr>
+          <p:nvPr>
+            <p:ph idx="1"/>
+          </p:nvPr>
+        </p:nvSpPr>
+        <p:spPr/>
+        <p:txBody>
+          <a:bodyPr>
+            <a:normAutofit/>
+          </a:bodyPr>
+          <a:lstStyle/>
+          <a:p>
+            <a:r>
+              <a:rPr lang="en-US" sz="2800" dirty="0" smtClean="0"/>
+              <a:t>TTU CS Blog will be a community hub where students can reach out to peers seeking advice ranging anywhere from class topics to research. Anyone can visit the forums, but only registered users may post a question to the community. Users will be able to search through the forums for specific topics.</a:t>
+            </a:r>
+            <a:endParaRPr lang="en-US" sz="2800" dirty="0"/>
+          </a:p>
+        </p:txBody>
+      </p:sp>
+    </p:spTree>
+  </p:cSld>
+  <p:clrMapOvr>
+    <a:masterClrMapping/>
+  </p:clrMapOvr>
+</p:sld>
+</file>
+
+<file path=ppt/slides/slide20.xml><?xml version="1.0" encoding="utf-8"?>
 <p:sld xmlns:a="http://schemas.openxmlformats.org/drawingml/2006/main" xmlns:r="http://schemas.openxmlformats.org/officeDocument/2006/relationships" xmlns:p="http://schemas.openxmlformats.org/presentationml/2006/main">
   <p:cSld>
     <p:spTree>
@@ -8231,7 +8384,7 @@
     </p:spTree>
     <p:extLst>
       <p:ext uri="{BB962C8B-B14F-4D97-AF65-F5344CB8AC3E}">
-        <p14:creationId xmlns:p14="http://schemas.microsoft.com/office/powerpoint/2010/main" val="3978106633"/>
+        <p14:creationId xmlns:p14="http://schemas.microsoft.com/office/powerpoint/2010/main" xmlns="" val="3978106633"/>
       </p:ext>
     </p:extLst>
   </p:cSld>
@@ -8241,7 +8394,7 @@
 </p:sld>
 </file>
 
-<file path=ppt/slides/slide2.xml><?xml version="1.0" encoding="utf-8"?>
+<file path=ppt/slides/slide21.xml><?xml version="1.0" encoding="utf-8"?>
 <p:sld xmlns:a="http://schemas.openxmlformats.org/drawingml/2006/main" xmlns:r="http://schemas.openxmlformats.org/officeDocument/2006/relationships" xmlns:p="http://schemas.openxmlformats.org/presentationml/2006/main">
   <p:cSld>
     <p:spTree>
@@ -8268,35 +8421,10 @@
             <p:ph type="title"/>
           </p:nvPr>
         </p:nvSpPr>
-        <p:spPr/>
-        <p:txBody>
-          <a:bodyPr>
-            <a:normAutofit fontScale="90000"/>
-          </a:bodyPr>
-          <a:lstStyle/>
-          <a:p>
-            <a:r>
-              <a:rPr lang="en-US" dirty="0" smtClean="0"/>
-              <a:t>Functional Requirements</a:t>
-            </a:r>
-            <a:endParaRPr lang="en-US" dirty="0"/>
-          </a:p>
-        </p:txBody>
-      </p:sp>
-      <p:sp>
-        <p:nvSpPr>
-          <p:cNvPr id="3" name="Content Placeholder 2"/>
-          <p:cNvSpPr>
-            <a:spLocks noGrp="1"/>
-          </p:cNvSpPr>
-          <p:nvPr>
-            <p:ph idx="1"/>
-          </p:nvPr>
-        </p:nvSpPr>
         <p:spPr>
           <a:xfrm>
-            <a:off x="762000" y="685800"/>
-            <a:ext cx="7543800" cy="4438650"/>
+            <a:off x="1181100" y="2628900"/>
+            <a:ext cx="6781800" cy="1600200"/>
           </a:xfrm>
         </p:spPr>
         <p:txBody>
@@ -8305,67 +8433,16 @@
           </a:bodyPr>
           <a:lstStyle/>
           <a:p>
-            <a:pPr lvl="0">
-              <a:buNone/>
-            </a:pPr>
+            <a:pPr algn="ctr"/>
             <a:r>
-              <a:rPr lang="en-US" sz="2600" b="1" dirty="0" smtClean="0"/>
-              <a:t>User Requirements</a:t>
+              <a:rPr lang="en-US" sz="7200" dirty="0" smtClean="0"/>
+              <a:t>Q&amp;A</a:t>
             </a:r>
-          </a:p>
-          <a:p>
-            <a:pPr lvl="0"/>
-            <a:r>
-              <a:rPr lang="en-US" sz="2000" dirty="0" smtClean="0"/>
-              <a:t>The user will be able to make posts under topics.</a:t>
-            </a:r>
-          </a:p>
-          <a:p>
-            <a:pPr lvl="0"/>
-            <a:r>
-              <a:rPr lang="en-US" sz="2000" dirty="0" smtClean="0"/>
-              <a:t>The user ‘guest’ will not have access to post.</a:t>
-            </a:r>
-          </a:p>
-          <a:p>
-            <a:pPr lvl="0"/>
-            <a:r>
-              <a:rPr lang="en-US" sz="2000" dirty="0" smtClean="0"/>
-              <a:t>The user ‘faculty’ will only have access to post under the topics research and articles.</a:t>
-            </a:r>
-          </a:p>
-          <a:p>
-            <a:pPr lvl="0"/>
-            <a:r>
-              <a:rPr lang="en-US" sz="2000" dirty="0" smtClean="0"/>
-              <a:t>The user ‘administrator’ will have the authority to close and/or move a post.</a:t>
-            </a:r>
-          </a:p>
-          <a:p>
-            <a:pPr lvl="0"/>
-            <a:r>
-              <a:rPr lang="en-US" sz="2000" dirty="0" smtClean="0"/>
-              <a:t>The user ‘registered’ will mark answers on their posted questions as either ‘top answer’, ‘helpful’, or ‘incorrect’.</a:t>
-            </a:r>
-          </a:p>
-          <a:p>
-            <a:pPr lvl="0"/>
-            <a:r>
-              <a:rPr lang="en-US" sz="2000" dirty="0" smtClean="0"/>
-              <a:t>Users  'guest', 'faculty', 'administrator', and 'registered' have the ability to search the blog. </a:t>
-            </a:r>
-          </a:p>
-          <a:p>
-            <a:endParaRPr lang="en-US" dirty="0"/>
+            <a:endParaRPr lang="en-US" sz="7200" dirty="0"/>
           </a:p>
         </p:txBody>
       </p:sp>
     </p:spTree>
-    <p:extLst>
-      <p:ext uri="{BB962C8B-B14F-4D97-AF65-F5344CB8AC3E}">
-        <p14:creationId xmlns:p14="http://schemas.microsoft.com/office/powerpoint/2010/main" val="1939236698"/>
-      </p:ext>
-    </p:extLst>
   </p:cSld>
   <p:clrMapOvr>
     <a:masterClrMapping/>
@@ -8403,15 +8480,15 @@
         <p:spPr/>
         <p:txBody>
           <a:bodyPr>
-            <a:normAutofit/>
+            <a:normAutofit fontScale="90000"/>
           </a:bodyPr>
           <a:lstStyle/>
           <a:p>
             <a:r>
-              <a:rPr lang="en-US" sz="4000" dirty="0" smtClean="0"/>
-              <a:t>Functional Requirements Cont.</a:t>
+              <a:rPr lang="en-US" dirty="0" smtClean="0"/>
+              <a:t>Functional Requirements</a:t>
             </a:r>
-            <a:endParaRPr lang="en-US" sz="4000" dirty="0"/>
+            <a:endParaRPr lang="en-US" dirty="0"/>
           </a:p>
         </p:txBody>
       </p:sp>
@@ -8427,13 +8504,13 @@
         </p:nvSpPr>
         <p:spPr>
           <a:xfrm>
-            <a:off x="762000" y="685799"/>
-            <a:ext cx="7543800" cy="4657725"/>
+            <a:off x="762000" y="685800"/>
+            <a:ext cx="7543800" cy="4438650"/>
           </a:xfrm>
         </p:spPr>
         <p:txBody>
           <a:bodyPr>
-            <a:normAutofit fontScale="77500" lnSpcReduction="20000"/>
+            <a:normAutofit/>
           </a:bodyPr>
           <a:lstStyle/>
           <a:p>
@@ -8441,74 +8518,50 @@
               <a:buNone/>
             </a:pPr>
             <a:r>
-              <a:rPr lang="en-US" sz="3100" b="1" dirty="0" smtClean="0"/>
-              <a:t>System Functional Requirements</a:t>
+              <a:rPr lang="en-US" sz="2600" b="1" dirty="0" smtClean="0"/>
+              <a:t>User Requirements</a:t>
             </a:r>
           </a:p>
           <a:p>
-            <a:pPr lvl="0">
-              <a:lnSpc>
-                <a:spcPct val="120000"/>
-              </a:lnSpc>
-            </a:pPr>
+            <a:pPr lvl="0"/>
             <a:r>
-              <a:rPr lang="en-US" dirty="0" smtClean="0"/>
-              <a:t>The system shall maintain a total number of topics.</a:t>
+              <a:rPr lang="en-US" sz="2000" dirty="0" smtClean="0"/>
+              <a:t>The user will be able to make posts under topics.</a:t>
             </a:r>
           </a:p>
           <a:p>
-            <a:pPr lvl="0">
-              <a:lnSpc>
-                <a:spcPct val="120000"/>
-              </a:lnSpc>
-            </a:pPr>
+            <a:pPr lvl="0"/>
             <a:r>
-              <a:rPr lang="en-US" dirty="0" smtClean="0"/>
-              <a:t>The system shall grant users credit for correctly answered questions requested by another user. If marked ‘top answer’, the user who answered the question will receive double credit. If marked ‘helpful’, the user will gain the base credit amount. If marked ‘incorrect’, the user will not gain any credit.</a:t>
+              <a:rPr lang="en-US" sz="2000" dirty="0" smtClean="0"/>
+              <a:t>The user ‘guest’ will not have access to post.</a:t>
             </a:r>
           </a:p>
           <a:p>
-            <a:pPr lvl="0">
-              <a:lnSpc>
-                <a:spcPct val="120000"/>
-              </a:lnSpc>
-            </a:pPr>
+            <a:pPr lvl="0"/>
             <a:r>
-              <a:rPr lang="en-US" dirty="0" smtClean="0"/>
-              <a:t>The system shall automatically notify the user who made a post when another user has attempted to answer.</a:t>
+              <a:rPr lang="en-US" sz="2000" dirty="0" smtClean="0"/>
+              <a:t>The user ‘faculty’ will only have access to post under the topics research and articles.</a:t>
             </a:r>
           </a:p>
           <a:p>
-            <a:pPr lvl="0">
-              <a:lnSpc>
-                <a:spcPct val="120000"/>
-              </a:lnSpc>
-            </a:pPr>
+            <a:pPr lvl="0"/>
             <a:r>
-              <a:rPr lang="en-US" dirty="0" smtClean="0"/>
-              <a:t>The system shall automatically email the user who answered a post when it has been marked by the user who posted the question.</a:t>
+              <a:rPr lang="en-US" sz="2000" dirty="0" smtClean="0"/>
+              <a:t>The user ‘administrator’ will have the authority to close and/or move a post.</a:t>
             </a:r>
           </a:p>
           <a:p>
-            <a:pPr lvl="0">
-              <a:lnSpc>
-                <a:spcPct val="120000"/>
-              </a:lnSpc>
-            </a:pPr>
+            <a:pPr lvl="0"/>
             <a:r>
-              <a:rPr lang="en-US" dirty="0" smtClean="0"/>
-              <a:t>The system shall mark each post as answered or unanswered.</a:t>
+              <a:rPr lang="en-US" sz="2000" dirty="0" smtClean="0"/>
+              <a:t>The user ‘registered’ will mark answers on their posted questions as either ‘top answer’, ‘helpful’, or ‘incorrect’.</a:t>
             </a:r>
           </a:p>
           <a:p>
-            <a:pPr lvl="0">
-              <a:lnSpc>
-                <a:spcPct val="120000"/>
-              </a:lnSpc>
-            </a:pPr>
+            <a:pPr lvl="0"/>
             <a:r>
-              <a:rPr lang="en-US" dirty="0" smtClean="0"/>
-              <a:t>The system shall close a post if it remains unanswered after the time out period.</a:t>
+              <a:rPr lang="en-US" sz="2000" dirty="0" smtClean="0"/>
+              <a:t>Users  'guest', 'faculty', 'administrator', and 'registered' have the ability to search the blog. </a:t>
             </a:r>
           </a:p>
           <a:p>
@@ -8519,7 +8572,7 @@
     </p:spTree>
     <p:extLst>
       <p:ext uri="{BB962C8B-B14F-4D97-AF65-F5344CB8AC3E}">
-        <p14:creationId xmlns:p14="http://schemas.microsoft.com/office/powerpoint/2010/main" val="1939236698"/>
+        <p14:creationId xmlns:p14="http://schemas.microsoft.com/office/powerpoint/2010/main" xmlns="" val="1939236698"/>
       </p:ext>
     </p:extLst>
   </p:cSld>
@@ -8558,59 +8611,126 @@
         </p:nvSpPr>
         <p:spPr/>
         <p:txBody>
-          <a:bodyPr/>
+          <a:bodyPr>
+            <a:normAutofit/>
+          </a:bodyPr>
           <a:lstStyle/>
           <a:p>
+            <a:r>
+              <a:rPr lang="en-US" sz="4000" dirty="0" smtClean="0"/>
+              <a:t>Functional Requirements Cont.</a:t>
+            </a:r>
+            <a:endParaRPr lang="en-US" sz="4000" dirty="0"/>
+          </a:p>
+        </p:txBody>
+      </p:sp>
+      <p:sp>
+        <p:nvSpPr>
+          <p:cNvPr id="3" name="Content Placeholder 2"/>
+          <p:cNvSpPr>
+            <a:spLocks noGrp="1"/>
+          </p:cNvSpPr>
+          <p:nvPr>
+            <p:ph idx="1"/>
+          </p:nvPr>
+        </p:nvSpPr>
+        <p:spPr>
+          <a:xfrm>
+            <a:off x="762000" y="685799"/>
+            <a:ext cx="7543800" cy="4657725"/>
+          </a:xfrm>
+        </p:spPr>
+        <p:txBody>
+          <a:bodyPr>
+            <a:normAutofit fontScale="77500" lnSpcReduction="20000"/>
+          </a:bodyPr>
+          <a:lstStyle/>
+          <a:p>
+            <a:pPr lvl="0">
+              <a:buNone/>
+            </a:pPr>
+            <a:r>
+              <a:rPr lang="en-US" sz="3100" b="1" dirty="0" smtClean="0"/>
+              <a:t>System Functional Requirements</a:t>
+            </a:r>
+          </a:p>
+          <a:p>
+            <a:pPr lvl="0">
+              <a:lnSpc>
+                <a:spcPct val="120000"/>
+              </a:lnSpc>
+            </a:pPr>
             <a:r>
               <a:rPr lang="en-US" dirty="0" smtClean="0"/>
-              <a:t>Administrator Use Case</a:t>
+              <a:t>The system shall maintain a total number of topics.</a:t>
             </a:r>
+          </a:p>
+          <a:p>
+            <a:pPr lvl="0">
+              <a:lnSpc>
+                <a:spcPct val="120000"/>
+              </a:lnSpc>
+            </a:pPr>
+            <a:r>
+              <a:rPr lang="en-US" dirty="0" smtClean="0"/>
+              <a:t>The system shall grant users credit for correctly answered questions requested by another user. If marked ‘top answer’, the user who answered the question will receive double credit. If marked ‘helpful’, the user will gain the base credit amount. If marked ‘incorrect’, the user will not gain any credit.</a:t>
+            </a:r>
+          </a:p>
+          <a:p>
+            <a:pPr lvl="0">
+              <a:lnSpc>
+                <a:spcPct val="120000"/>
+              </a:lnSpc>
+            </a:pPr>
+            <a:r>
+              <a:rPr lang="en-US" dirty="0" smtClean="0"/>
+              <a:t>The system shall automatically notify the user who made a post when another user has attempted to answer.</a:t>
+            </a:r>
+          </a:p>
+          <a:p>
+            <a:pPr lvl="0">
+              <a:lnSpc>
+                <a:spcPct val="120000"/>
+              </a:lnSpc>
+            </a:pPr>
+            <a:r>
+              <a:rPr lang="en-US" dirty="0" smtClean="0"/>
+              <a:t>The system shall automatically email the user who answered a post when it has been marked by the user who posted the question.</a:t>
+            </a:r>
+          </a:p>
+          <a:p>
+            <a:pPr lvl="0">
+              <a:lnSpc>
+                <a:spcPct val="120000"/>
+              </a:lnSpc>
+            </a:pPr>
+            <a:r>
+              <a:rPr lang="en-US" dirty="0" smtClean="0"/>
+              <a:t>The system shall mark each post as answered or unanswered.</a:t>
+            </a:r>
+          </a:p>
+          <a:p>
+            <a:pPr lvl="0">
+              <a:lnSpc>
+                <a:spcPct val="120000"/>
+              </a:lnSpc>
+            </a:pPr>
+            <a:r>
+              <a:rPr lang="en-US" dirty="0" smtClean="0"/>
+              <a:t>The system shall close a post if it remains unanswered after the time out period.</a:t>
+            </a:r>
+          </a:p>
+          <a:p>
             <a:endParaRPr lang="en-US" dirty="0"/>
           </a:p>
         </p:txBody>
       </p:sp>
-      <p:pic>
-        <p:nvPicPr>
-          <p:cNvPr id="1026" name="Picture 2" descr="C:\wamp\www\CapstoneProject\Proposal\Design\Administrator User Use Case Diagram.JPG"/>
-          <p:cNvPicPr>
-            <a:picLocks noChangeAspect="1" noChangeArrowheads="1"/>
-          </p:cNvPicPr>
-          <p:nvPr/>
-        </p:nvPicPr>
-        <p:blipFill>
-          <a:blip r:embed="rId2">
-            <a:extLst>
-              <a:ext uri="{28A0092B-C50C-407E-A947-70E740481C1C}">
-                <a14:useLocalDpi xmlns:a14="http://schemas.microsoft.com/office/drawing/2010/main" val="0"/>
-              </a:ext>
-            </a:extLst>
-          </a:blip>
-          <a:srcRect/>
-          <a:stretch>
-            <a:fillRect/>
-          </a:stretch>
-        </p:blipFill>
-        <p:spPr bwMode="auto">
-          <a:xfrm>
-            <a:off x="2343149" y="723900"/>
-            <a:ext cx="4143375" cy="3780296"/>
-          </a:xfrm>
-          <a:prstGeom prst="rect">
-            <a:avLst/>
-          </a:prstGeom>
-          <a:noFill/>
-          <a:extLst>
-            <a:ext uri="{909E8E84-426E-40DD-AFC4-6F175D3DCCD1}">
-              <a14:hiddenFill xmlns:a14="http://schemas.microsoft.com/office/drawing/2010/main">
-                <a:solidFill>
-                  <a:srgbClr val="FFFFFF"/>
-                </a:solidFill>
-              </a14:hiddenFill>
-            </a:ext>
-          </a:extLst>
-        </p:spPr>
-      </p:pic>
     </p:spTree>
+    <p:extLst>
+      <p:ext uri="{BB962C8B-B14F-4D97-AF65-F5344CB8AC3E}">
+        <p14:creationId xmlns:p14="http://schemas.microsoft.com/office/powerpoint/2010/main" xmlns="" val="1939236698"/>
+      </p:ext>
+    </p:extLst>
   </p:cSld>
   <p:clrMapOvr>
     <a:masterClrMapping/>
@@ -8652,1399 +8772,53 @@
           <a:p>
             <a:r>
               <a:rPr lang="en-US" dirty="0" smtClean="0"/>
-              <a:t>Admin - Close Post</a:t>
+              <a:t>Administrator Use Case</a:t>
             </a:r>
             <a:endParaRPr lang="en-US" dirty="0"/>
           </a:p>
         </p:txBody>
       </p:sp>
-      <p:graphicFrame>
-        <p:nvGraphicFramePr>
-          <p:cNvPr id="4" name="Table 3"/>
-          <p:cNvGraphicFramePr>
-            <a:graphicFrameLocks noGrp="1"/>
-          </p:cNvGraphicFramePr>
+      <p:pic>
+        <p:nvPicPr>
+          <p:cNvPr id="1026" name="Picture 2" descr="C:\wamp\www\CapstoneProject\Proposal\Design\Administrator User Use Case Diagram.JPG"/>
+          <p:cNvPicPr>
+            <a:picLocks noChangeAspect="1" noChangeArrowheads="1"/>
+          </p:cNvPicPr>
           <p:nvPr/>
-        </p:nvGraphicFramePr>
-        <p:xfrm>
-          <a:off x="1621995" y="723900"/>
-          <a:ext cx="5900009" cy="4182329"/>
-        </p:xfrm>
-        <a:graphic>
-          <a:graphicData uri="http://schemas.openxmlformats.org/drawingml/2006/table">
-            <a:tbl>
-              <a:tblPr/>
-              <a:tblGrid>
-                <a:gridCol w="2430804"/>
-                <a:gridCol w="3469205"/>
-              </a:tblGrid>
-              <a:tr h="271400">
-                <a:tc>
-                  <a:txBody>
-                    <a:bodyPr/>
-                    <a:lstStyle/>
-                    <a:p>
-                      <a:pPr marL="0" marR="0" algn="ctr">
-                        <a:lnSpc>
-                          <a:spcPct val="115000"/>
-                        </a:lnSpc>
-                        <a:spcBef>
-                          <a:spcPts val="0"/>
-                        </a:spcBef>
-                        <a:spcAft>
-                          <a:spcPts val="0"/>
-                        </a:spcAft>
-                      </a:pPr>
-                      <a:r>
-                        <a:rPr lang="en-US" sz="1500" b="1" i="1">
-                          <a:solidFill>
-                            <a:srgbClr val="000000"/>
-                          </a:solidFill>
-                          <a:latin typeface="Calibri"/>
-                          <a:ea typeface="Times New Roman"/>
-                          <a:cs typeface="Times New Roman"/>
-                        </a:rPr>
-                        <a:t>Administrator</a:t>
-                      </a:r>
-                      <a:endParaRPr lang="en-US" sz="1100">
-                        <a:latin typeface="Calibri"/>
-                        <a:ea typeface="Calibri"/>
-                        <a:cs typeface="Times New Roman"/>
-                      </a:endParaRPr>
-                    </a:p>
-                  </a:txBody>
-                  <a:tcPr marL="66375" marR="66375" marT="0" marB="0" anchor="b">
-                    <a:lnL>
-                      <a:noFill/>
-                    </a:lnL>
-                    <a:lnR>
-                      <a:noFill/>
-                    </a:lnR>
-                    <a:lnT>
-                      <a:noFill/>
-                    </a:lnT>
-                    <a:lnB w="12700" cap="flat" cmpd="sng" algn="ctr">
-                      <a:solidFill>
-                        <a:srgbClr val="000000"/>
-                      </a:solidFill>
-                      <a:prstDash val="solid"/>
-                      <a:round/>
-                      <a:headEnd type="none" w="med" len="med"/>
-                      <a:tailEnd type="none" w="med" len="med"/>
-                    </a:lnB>
-                  </a:tcPr>
-                </a:tc>
-                <a:tc>
-                  <a:txBody>
-                    <a:bodyPr/>
-                    <a:lstStyle/>
-                    <a:p>
-                      <a:pPr>
-                        <a:lnSpc>
-                          <a:spcPct val="115000"/>
-                        </a:lnSpc>
-                      </a:pPr>
-                      <a:endParaRPr lang="en-US" sz="1100">
-                        <a:latin typeface="Calibri"/>
-                      </a:endParaRPr>
-                    </a:p>
-                  </a:txBody>
-                  <a:tcPr marL="66375" marR="66375" marT="0" marB="0" anchor="b">
-                    <a:lnL>
-                      <a:noFill/>
-                    </a:lnL>
-                    <a:lnR>
-                      <a:noFill/>
-                    </a:lnR>
-                    <a:lnT>
-                      <a:noFill/>
-                    </a:lnT>
-                    <a:lnB w="12700" cap="flat" cmpd="sng" algn="ctr">
-                      <a:solidFill>
-                        <a:srgbClr val="000000"/>
-                      </a:solidFill>
-                      <a:prstDash val="solid"/>
-                      <a:round/>
-                      <a:headEnd type="none" w="med" len="med"/>
-                      <a:tailEnd type="none" w="med" len="med"/>
-                    </a:lnB>
-                  </a:tcPr>
-                </a:tc>
-              </a:tr>
-              <a:tr h="237475">
-                <a:tc>
-                  <a:txBody>
-                    <a:bodyPr/>
-                    <a:lstStyle/>
-                    <a:p>
-                      <a:pPr marL="0" marR="0" algn="ctr">
-                        <a:lnSpc>
-                          <a:spcPct val="115000"/>
-                        </a:lnSpc>
-                        <a:spcBef>
-                          <a:spcPts val="0"/>
-                        </a:spcBef>
-                        <a:spcAft>
-                          <a:spcPts val="0"/>
-                        </a:spcAft>
-                      </a:pPr>
-                      <a:r>
-                        <a:rPr lang="en-US" sz="1400">
-                          <a:solidFill>
-                            <a:srgbClr val="000000"/>
-                          </a:solidFill>
-                          <a:latin typeface="Calibri"/>
-                          <a:ea typeface="Times New Roman"/>
-                          <a:cs typeface="Times New Roman"/>
-                        </a:rPr>
-                        <a:t>Title</a:t>
-                      </a:r>
-                      <a:endParaRPr lang="en-US" sz="1100">
-                        <a:latin typeface="Calibri"/>
-                        <a:ea typeface="Calibri"/>
-                        <a:cs typeface="Times New Roman"/>
-                      </a:endParaRPr>
-                    </a:p>
-                  </a:txBody>
-                  <a:tcPr marL="66375" marR="66375" marT="0" marB="0" anchor="b">
-                    <a:lnL w="12700" cap="flat" cmpd="sng" algn="ctr">
-                      <a:solidFill>
-                        <a:srgbClr val="000000"/>
-                      </a:solidFill>
-                      <a:prstDash val="solid"/>
-                      <a:round/>
-                      <a:headEnd type="none" w="med" len="med"/>
-                      <a:tailEnd type="none" w="med" len="med"/>
-                    </a:lnL>
-                    <a:lnR w="12700" cap="flat" cmpd="sng" algn="ctr">
-                      <a:solidFill>
-                        <a:srgbClr val="000000"/>
-                      </a:solidFill>
-                      <a:prstDash val="solid"/>
-                      <a:round/>
-                      <a:headEnd type="none" w="med" len="med"/>
-                      <a:tailEnd type="none" w="med" len="med"/>
-                    </a:lnR>
-                    <a:lnT w="12700" cap="flat" cmpd="sng" algn="ctr">
-                      <a:solidFill>
-                        <a:srgbClr val="000000"/>
-                      </a:solidFill>
-                      <a:prstDash val="solid"/>
-                      <a:round/>
-                      <a:headEnd type="none" w="med" len="med"/>
-                      <a:tailEnd type="none" w="med" len="med"/>
-                    </a:lnT>
-                    <a:lnB w="12700" cap="flat" cmpd="sng" algn="ctr">
-                      <a:solidFill>
-                        <a:srgbClr val="000000"/>
-                      </a:solidFill>
-                      <a:prstDash val="solid"/>
-                      <a:round/>
-                      <a:headEnd type="none" w="med" len="med"/>
-                      <a:tailEnd type="none" w="med" len="med"/>
-                    </a:lnB>
-                  </a:tcPr>
-                </a:tc>
-                <a:tc>
-                  <a:txBody>
-                    <a:bodyPr/>
-                    <a:lstStyle/>
-                    <a:p>
-                      <a:pPr marL="0" marR="0" indent="178435">
-                        <a:lnSpc>
-                          <a:spcPct val="115000"/>
-                        </a:lnSpc>
-                        <a:spcBef>
-                          <a:spcPts val="0"/>
-                        </a:spcBef>
-                        <a:spcAft>
-                          <a:spcPts val="0"/>
-                        </a:spcAft>
-                      </a:pPr>
-                      <a:r>
-                        <a:rPr lang="en-US" sz="1400" b="1">
-                          <a:solidFill>
-                            <a:srgbClr val="000000"/>
-                          </a:solidFill>
-                          <a:latin typeface="Calibri"/>
-                          <a:ea typeface="Times New Roman"/>
-                          <a:cs typeface="Times New Roman"/>
-                        </a:rPr>
-                        <a:t>Administrator Close Post</a:t>
-                      </a:r>
-                      <a:endParaRPr lang="en-US" sz="1100">
-                        <a:latin typeface="Calibri"/>
-                        <a:ea typeface="Calibri"/>
-                        <a:cs typeface="Times New Roman"/>
-                      </a:endParaRPr>
-                    </a:p>
-                  </a:txBody>
-                  <a:tcPr marL="66375" marR="66375" marT="0" marB="0" anchor="b">
-                    <a:lnL w="12700" cap="flat" cmpd="sng" algn="ctr">
-                      <a:solidFill>
-                        <a:srgbClr val="000000"/>
-                      </a:solidFill>
-                      <a:prstDash val="solid"/>
-                      <a:round/>
-                      <a:headEnd type="none" w="med" len="med"/>
-                      <a:tailEnd type="none" w="med" len="med"/>
-                    </a:lnL>
-                    <a:lnR w="12700" cap="flat" cmpd="sng" algn="ctr">
-                      <a:solidFill>
-                        <a:srgbClr val="000000"/>
-                      </a:solidFill>
-                      <a:prstDash val="solid"/>
-                      <a:round/>
-                      <a:headEnd type="none" w="med" len="med"/>
-                      <a:tailEnd type="none" w="med" len="med"/>
-                    </a:lnR>
-                    <a:lnT w="12700" cap="flat" cmpd="sng" algn="ctr">
-                      <a:solidFill>
-                        <a:srgbClr val="000000"/>
-                      </a:solidFill>
-                      <a:prstDash val="solid"/>
-                      <a:round/>
-                      <a:headEnd type="none" w="med" len="med"/>
-                      <a:tailEnd type="none" w="med" len="med"/>
-                    </a:lnT>
-                    <a:lnB w="12700" cap="flat" cmpd="sng" algn="ctr">
-                      <a:solidFill>
-                        <a:srgbClr val="000000"/>
-                      </a:solidFill>
-                      <a:prstDash val="solid"/>
-                      <a:round/>
-                      <a:headEnd type="none" w="med" len="med"/>
-                      <a:tailEnd type="none" w="med" len="med"/>
-                    </a:lnB>
-                  </a:tcPr>
-                </a:tc>
-              </a:tr>
-              <a:tr h="474951">
-                <a:tc>
-                  <a:txBody>
-                    <a:bodyPr/>
-                    <a:lstStyle/>
-                    <a:p>
-                      <a:pPr marL="0" marR="0" algn="ctr">
-                        <a:lnSpc>
-                          <a:spcPct val="115000"/>
-                        </a:lnSpc>
-                        <a:spcBef>
-                          <a:spcPts val="0"/>
-                        </a:spcBef>
-                        <a:spcAft>
-                          <a:spcPts val="0"/>
-                        </a:spcAft>
-                      </a:pPr>
-                      <a:r>
-                        <a:rPr lang="en-US" sz="1400">
-                          <a:solidFill>
-                            <a:srgbClr val="000000"/>
-                          </a:solidFill>
-                          <a:latin typeface="Calibri"/>
-                          <a:ea typeface="Times New Roman"/>
-                          <a:cs typeface="Times New Roman"/>
-                        </a:rPr>
-                        <a:t>Summary</a:t>
-                      </a:r>
-                      <a:endParaRPr lang="en-US" sz="1100">
-                        <a:latin typeface="Calibri"/>
-                        <a:ea typeface="Calibri"/>
-                        <a:cs typeface="Times New Roman"/>
-                      </a:endParaRPr>
-                    </a:p>
-                  </a:txBody>
-                  <a:tcPr marL="66375" marR="66375" marT="0" marB="0" anchor="b">
-                    <a:lnL w="12700" cap="flat" cmpd="sng" algn="ctr">
-                      <a:solidFill>
-                        <a:srgbClr val="000000"/>
-                      </a:solidFill>
-                      <a:prstDash val="solid"/>
-                      <a:round/>
-                      <a:headEnd type="none" w="med" len="med"/>
-                      <a:tailEnd type="none" w="med" len="med"/>
-                    </a:lnL>
-                    <a:lnR w="12700" cap="flat" cmpd="sng" algn="ctr">
-                      <a:solidFill>
-                        <a:srgbClr val="000000"/>
-                      </a:solidFill>
-                      <a:prstDash val="solid"/>
-                      <a:round/>
-                      <a:headEnd type="none" w="med" len="med"/>
-                      <a:tailEnd type="none" w="med" len="med"/>
-                    </a:lnR>
-                    <a:lnT w="12700" cap="flat" cmpd="sng" algn="ctr">
-                      <a:solidFill>
-                        <a:srgbClr val="000000"/>
-                      </a:solidFill>
-                      <a:prstDash val="solid"/>
-                      <a:round/>
-                      <a:headEnd type="none" w="med" len="med"/>
-                      <a:tailEnd type="none" w="med" len="med"/>
-                    </a:lnT>
-                    <a:lnB w="12700" cap="flat" cmpd="sng" algn="ctr">
-                      <a:solidFill>
-                        <a:srgbClr val="000000"/>
-                      </a:solidFill>
-                      <a:prstDash val="solid"/>
-                      <a:round/>
-                      <a:headEnd type="none" w="med" len="med"/>
-                      <a:tailEnd type="none" w="med" len="med"/>
-                    </a:lnB>
-                  </a:tcPr>
-                </a:tc>
-                <a:tc>
-                  <a:txBody>
-                    <a:bodyPr/>
-                    <a:lstStyle/>
-                    <a:p>
-                      <a:pPr marL="0" marR="0" indent="177800">
-                        <a:lnSpc>
-                          <a:spcPct val="115000"/>
-                        </a:lnSpc>
-                        <a:spcBef>
-                          <a:spcPts val="0"/>
-                        </a:spcBef>
-                        <a:spcAft>
-                          <a:spcPts val="0"/>
-                        </a:spcAft>
-                      </a:pPr>
-                      <a:r>
-                        <a:rPr lang="en-US" sz="1400">
-                          <a:solidFill>
-                            <a:srgbClr val="000000"/>
-                          </a:solidFill>
-                          <a:latin typeface="Calibri"/>
-                          <a:ea typeface="Times New Roman"/>
-                          <a:cs typeface="Times New Roman"/>
-                        </a:rPr>
-                        <a:t>The administrator user has the authority to close a post.</a:t>
-                      </a:r>
-                      <a:endParaRPr lang="en-US" sz="1100">
-                        <a:latin typeface="Calibri"/>
-                        <a:ea typeface="Calibri"/>
-                        <a:cs typeface="Times New Roman"/>
-                      </a:endParaRPr>
-                    </a:p>
-                  </a:txBody>
-                  <a:tcPr marL="66375" marR="66375" marT="0" marB="0" anchor="b">
-                    <a:lnL w="12700" cap="flat" cmpd="sng" algn="ctr">
-                      <a:solidFill>
-                        <a:srgbClr val="000000"/>
-                      </a:solidFill>
-                      <a:prstDash val="solid"/>
-                      <a:round/>
-                      <a:headEnd type="none" w="med" len="med"/>
-                      <a:tailEnd type="none" w="med" len="med"/>
-                    </a:lnL>
-                    <a:lnR w="12700" cap="flat" cmpd="sng" algn="ctr">
-                      <a:solidFill>
-                        <a:srgbClr val="000000"/>
-                      </a:solidFill>
-                      <a:prstDash val="solid"/>
-                      <a:round/>
-                      <a:headEnd type="none" w="med" len="med"/>
-                      <a:tailEnd type="none" w="med" len="med"/>
-                    </a:lnR>
-                    <a:lnT w="12700" cap="flat" cmpd="sng" algn="ctr">
-                      <a:solidFill>
-                        <a:srgbClr val="000000"/>
-                      </a:solidFill>
-                      <a:prstDash val="solid"/>
-                      <a:round/>
-                      <a:headEnd type="none" w="med" len="med"/>
-                      <a:tailEnd type="none" w="med" len="med"/>
-                    </a:lnT>
-                    <a:lnB w="12700" cap="flat" cmpd="sng" algn="ctr">
-                      <a:solidFill>
-                        <a:srgbClr val="000000"/>
-                      </a:solidFill>
-                      <a:prstDash val="solid"/>
-                      <a:round/>
-                      <a:headEnd type="none" w="med" len="med"/>
-                      <a:tailEnd type="none" w="med" len="med"/>
-                    </a:lnB>
-                  </a:tcPr>
-                </a:tc>
-              </a:tr>
-              <a:tr h="474951">
-                <a:tc>
-                  <a:txBody>
-                    <a:bodyPr/>
-                    <a:lstStyle/>
-                    <a:p>
-                      <a:pPr marL="0" marR="0" algn="ctr">
-                        <a:lnSpc>
-                          <a:spcPct val="115000"/>
-                        </a:lnSpc>
-                        <a:spcBef>
-                          <a:spcPts val="0"/>
-                        </a:spcBef>
-                        <a:spcAft>
-                          <a:spcPts val="0"/>
-                        </a:spcAft>
-                      </a:pPr>
-                      <a:r>
-                        <a:rPr lang="en-US" sz="1400">
-                          <a:solidFill>
-                            <a:srgbClr val="000000"/>
-                          </a:solidFill>
-                          <a:latin typeface="Calibri"/>
-                          <a:ea typeface="Times New Roman"/>
-                          <a:cs typeface="Times New Roman"/>
-                        </a:rPr>
-                        <a:t>Preconditions</a:t>
-                      </a:r>
-                      <a:endParaRPr lang="en-US" sz="1100">
-                        <a:latin typeface="Calibri"/>
-                        <a:ea typeface="Calibri"/>
-                        <a:cs typeface="Times New Roman"/>
-                      </a:endParaRPr>
-                    </a:p>
-                  </a:txBody>
-                  <a:tcPr marL="66375" marR="66375" marT="0" marB="0" anchor="b">
-                    <a:lnL w="12700" cap="flat" cmpd="sng" algn="ctr">
-                      <a:solidFill>
-                        <a:srgbClr val="000000"/>
-                      </a:solidFill>
-                      <a:prstDash val="solid"/>
-                      <a:round/>
-                      <a:headEnd type="none" w="med" len="med"/>
-                      <a:tailEnd type="none" w="med" len="med"/>
-                    </a:lnL>
-                    <a:lnR w="12700" cap="flat" cmpd="sng" algn="ctr">
-                      <a:solidFill>
-                        <a:srgbClr val="000000"/>
-                      </a:solidFill>
-                      <a:prstDash val="solid"/>
-                      <a:round/>
-                      <a:headEnd type="none" w="med" len="med"/>
-                      <a:tailEnd type="none" w="med" len="med"/>
-                    </a:lnR>
-                    <a:lnT w="12700" cap="flat" cmpd="sng" algn="ctr">
-                      <a:solidFill>
-                        <a:srgbClr val="000000"/>
-                      </a:solidFill>
-                      <a:prstDash val="solid"/>
-                      <a:round/>
-                      <a:headEnd type="none" w="med" len="med"/>
-                      <a:tailEnd type="none" w="med" len="med"/>
-                    </a:lnT>
-                    <a:lnB w="12700" cap="flat" cmpd="sng" algn="ctr">
-                      <a:solidFill>
-                        <a:srgbClr val="000000"/>
-                      </a:solidFill>
-                      <a:prstDash val="solid"/>
-                      <a:round/>
-                      <a:headEnd type="none" w="med" len="med"/>
-                      <a:tailEnd type="none" w="med" len="med"/>
-                    </a:lnB>
-                  </a:tcPr>
-                </a:tc>
-                <a:tc>
-                  <a:txBody>
-                    <a:bodyPr/>
-                    <a:lstStyle/>
-                    <a:p>
-                      <a:pPr marL="0" marR="0" indent="177800">
-                        <a:lnSpc>
-                          <a:spcPct val="115000"/>
-                        </a:lnSpc>
-                        <a:spcBef>
-                          <a:spcPts val="0"/>
-                        </a:spcBef>
-                        <a:spcAft>
-                          <a:spcPts val="0"/>
-                        </a:spcAft>
-                      </a:pPr>
-                      <a:r>
-                        <a:rPr lang="en-US" sz="1400">
-                          <a:solidFill>
-                            <a:srgbClr val="000000"/>
-                          </a:solidFill>
-                          <a:latin typeface="Calibri"/>
-                          <a:ea typeface="Times New Roman"/>
-                          <a:cs typeface="Times New Roman"/>
-                        </a:rPr>
-                        <a:t>The administrator user is logged in and is located on a thread on the domain.</a:t>
-                      </a:r>
-                      <a:endParaRPr lang="en-US" sz="1100">
-                        <a:latin typeface="Calibri"/>
-                        <a:ea typeface="Calibri"/>
-                        <a:cs typeface="Times New Roman"/>
-                      </a:endParaRPr>
-                    </a:p>
-                  </a:txBody>
-                  <a:tcPr marL="66375" marR="66375" marT="0" marB="0" anchor="b">
-                    <a:lnL w="12700" cap="flat" cmpd="sng" algn="ctr">
-                      <a:solidFill>
-                        <a:srgbClr val="000000"/>
-                      </a:solidFill>
-                      <a:prstDash val="solid"/>
-                      <a:round/>
-                      <a:headEnd type="none" w="med" len="med"/>
-                      <a:tailEnd type="none" w="med" len="med"/>
-                    </a:lnL>
-                    <a:lnR w="12700" cap="flat" cmpd="sng" algn="ctr">
-                      <a:solidFill>
-                        <a:srgbClr val="000000"/>
-                      </a:solidFill>
-                      <a:prstDash val="solid"/>
-                      <a:round/>
-                      <a:headEnd type="none" w="med" len="med"/>
-                      <a:tailEnd type="none" w="med" len="med"/>
-                    </a:lnR>
-                    <a:lnT w="12700" cap="flat" cmpd="sng" algn="ctr">
-                      <a:solidFill>
-                        <a:srgbClr val="000000"/>
-                      </a:solidFill>
-                      <a:prstDash val="solid"/>
-                      <a:round/>
-                      <a:headEnd type="none" w="med" len="med"/>
-                      <a:tailEnd type="none" w="med" len="med"/>
-                    </a:lnT>
-                    <a:lnB w="12700" cap="flat" cmpd="sng" algn="ctr">
-                      <a:solidFill>
-                        <a:srgbClr val="000000"/>
-                      </a:solidFill>
-                      <a:prstDash val="solid"/>
-                      <a:round/>
-                      <a:headEnd type="none" w="med" len="med"/>
-                      <a:tailEnd type="none" w="med" len="med"/>
-                    </a:lnB>
-                  </a:tcPr>
-                </a:tc>
-              </a:tr>
-              <a:tr h="237475">
-                <a:tc>
-                  <a:txBody>
-                    <a:bodyPr/>
-                    <a:lstStyle/>
-                    <a:p>
-                      <a:pPr marL="0" marR="0" algn="ctr">
-                        <a:lnSpc>
-                          <a:spcPct val="115000"/>
-                        </a:lnSpc>
-                        <a:spcBef>
-                          <a:spcPts val="0"/>
-                        </a:spcBef>
-                        <a:spcAft>
-                          <a:spcPts val="0"/>
-                        </a:spcAft>
-                      </a:pPr>
-                      <a:r>
-                        <a:rPr lang="en-US" sz="1400">
-                          <a:solidFill>
-                            <a:srgbClr val="000000"/>
-                          </a:solidFill>
-                          <a:latin typeface="Calibri"/>
-                          <a:ea typeface="Times New Roman"/>
-                          <a:cs typeface="Times New Roman"/>
-                        </a:rPr>
-                        <a:t>Post-conditions</a:t>
-                      </a:r>
-                      <a:endParaRPr lang="en-US" sz="1100">
-                        <a:latin typeface="Calibri"/>
-                        <a:ea typeface="Calibri"/>
-                        <a:cs typeface="Times New Roman"/>
-                      </a:endParaRPr>
-                    </a:p>
-                  </a:txBody>
-                  <a:tcPr marL="66375" marR="66375" marT="0" marB="0" anchor="b">
-                    <a:lnL w="12700" cap="flat" cmpd="sng" algn="ctr">
-                      <a:solidFill>
-                        <a:srgbClr val="000000"/>
-                      </a:solidFill>
-                      <a:prstDash val="solid"/>
-                      <a:round/>
-                      <a:headEnd type="none" w="med" len="med"/>
-                      <a:tailEnd type="none" w="med" len="med"/>
-                    </a:lnL>
-                    <a:lnR w="12700" cap="flat" cmpd="sng" algn="ctr">
-                      <a:solidFill>
-                        <a:srgbClr val="000000"/>
-                      </a:solidFill>
-                      <a:prstDash val="solid"/>
-                      <a:round/>
-                      <a:headEnd type="none" w="med" len="med"/>
-                      <a:tailEnd type="none" w="med" len="med"/>
-                    </a:lnR>
-                    <a:lnT w="12700" cap="flat" cmpd="sng" algn="ctr">
-                      <a:solidFill>
-                        <a:srgbClr val="000000"/>
-                      </a:solidFill>
-                      <a:prstDash val="solid"/>
-                      <a:round/>
-                      <a:headEnd type="none" w="med" len="med"/>
-                      <a:tailEnd type="none" w="med" len="med"/>
-                    </a:lnT>
-                    <a:lnB w="12700" cap="flat" cmpd="sng" algn="ctr">
-                      <a:solidFill>
-                        <a:srgbClr val="000000"/>
-                      </a:solidFill>
-                      <a:prstDash val="solid"/>
-                      <a:round/>
-                      <a:headEnd type="none" w="med" len="med"/>
-                      <a:tailEnd type="none" w="med" len="med"/>
-                    </a:lnB>
-                  </a:tcPr>
-                </a:tc>
-                <a:tc>
-                  <a:txBody>
-                    <a:bodyPr/>
-                    <a:lstStyle/>
-                    <a:p>
-                      <a:pPr marL="0" marR="0" indent="177800">
-                        <a:lnSpc>
-                          <a:spcPct val="115000"/>
-                        </a:lnSpc>
-                        <a:spcBef>
-                          <a:spcPts val="0"/>
-                        </a:spcBef>
-                        <a:spcAft>
-                          <a:spcPts val="0"/>
-                        </a:spcAft>
-                      </a:pPr>
-                      <a:r>
-                        <a:rPr lang="en-US" sz="1400">
-                          <a:solidFill>
-                            <a:srgbClr val="000000"/>
-                          </a:solidFill>
-                          <a:latin typeface="Calibri"/>
-                          <a:ea typeface="Times New Roman"/>
-                          <a:cs typeface="Times New Roman"/>
-                        </a:rPr>
-                        <a:t>The administrator user closes a thread.</a:t>
-                      </a:r>
-                      <a:endParaRPr lang="en-US" sz="1100">
-                        <a:latin typeface="Calibri"/>
-                        <a:ea typeface="Calibri"/>
-                        <a:cs typeface="Times New Roman"/>
-                      </a:endParaRPr>
-                    </a:p>
-                  </a:txBody>
-                  <a:tcPr marL="66375" marR="66375" marT="0" marB="0" anchor="b">
-                    <a:lnL w="12700" cap="flat" cmpd="sng" algn="ctr">
-                      <a:solidFill>
-                        <a:srgbClr val="000000"/>
-                      </a:solidFill>
-                      <a:prstDash val="solid"/>
-                      <a:round/>
-                      <a:headEnd type="none" w="med" len="med"/>
-                      <a:tailEnd type="none" w="med" len="med"/>
-                    </a:lnL>
-                    <a:lnR w="12700" cap="flat" cmpd="sng" algn="ctr">
-                      <a:solidFill>
-                        <a:srgbClr val="000000"/>
-                      </a:solidFill>
-                      <a:prstDash val="solid"/>
-                      <a:round/>
-                      <a:headEnd type="none" w="med" len="med"/>
-                      <a:tailEnd type="none" w="med" len="med"/>
-                    </a:lnR>
-                    <a:lnT w="12700" cap="flat" cmpd="sng" algn="ctr">
-                      <a:solidFill>
-                        <a:srgbClr val="000000"/>
-                      </a:solidFill>
-                      <a:prstDash val="solid"/>
-                      <a:round/>
-                      <a:headEnd type="none" w="med" len="med"/>
-                      <a:tailEnd type="none" w="med" len="med"/>
-                    </a:lnT>
-                    <a:lnB w="12700" cap="flat" cmpd="sng" algn="ctr">
-                      <a:solidFill>
-                        <a:srgbClr val="000000"/>
-                      </a:solidFill>
-                      <a:prstDash val="solid"/>
-                      <a:round/>
-                      <a:headEnd type="none" w="med" len="med"/>
-                      <a:tailEnd type="none" w="med" len="med"/>
-                    </a:lnB>
-                  </a:tcPr>
-                </a:tc>
-              </a:tr>
-              <a:tr h="230469">
-                <a:tc>
-                  <a:txBody>
-                    <a:bodyPr/>
-                    <a:lstStyle/>
-                    <a:p>
-                      <a:pPr>
-                        <a:lnSpc>
-                          <a:spcPct val="115000"/>
-                        </a:lnSpc>
-                      </a:pPr>
-                      <a:endParaRPr lang="en-US" sz="1100">
-                        <a:latin typeface="Calibri"/>
-                      </a:endParaRPr>
-                    </a:p>
-                  </a:txBody>
-                  <a:tcPr marL="66375" marR="66375" marT="0" marB="0" anchor="b">
-                    <a:lnL>
-                      <a:noFill/>
-                    </a:lnL>
-                    <a:lnR>
-                      <a:noFill/>
-                    </a:lnR>
-                    <a:lnT w="12700" cap="flat" cmpd="sng" algn="ctr">
-                      <a:solidFill>
-                        <a:srgbClr val="000000"/>
-                      </a:solidFill>
-                      <a:prstDash val="solid"/>
-                      <a:round/>
-                      <a:headEnd type="none" w="med" len="med"/>
-                      <a:tailEnd type="none" w="med" len="med"/>
-                    </a:lnT>
-                    <a:lnB w="12700" cap="flat" cmpd="sng" algn="ctr">
-                      <a:solidFill>
-                        <a:srgbClr val="000000"/>
-                      </a:solidFill>
-                      <a:prstDash val="solid"/>
-                      <a:round/>
-                      <a:headEnd type="none" w="med" len="med"/>
-                      <a:tailEnd type="none" w="med" len="med"/>
-                    </a:lnB>
-                  </a:tcPr>
-                </a:tc>
-                <a:tc>
-                  <a:txBody>
-                    <a:bodyPr/>
-                    <a:lstStyle/>
-                    <a:p>
-                      <a:pPr>
-                        <a:lnSpc>
-                          <a:spcPct val="115000"/>
-                        </a:lnSpc>
-                      </a:pPr>
-                      <a:endParaRPr lang="en-US" sz="1100">
-                        <a:latin typeface="Calibri"/>
-                      </a:endParaRPr>
-                    </a:p>
-                  </a:txBody>
-                  <a:tcPr marL="66375" marR="66375" marT="0" marB="0" anchor="b">
-                    <a:lnL>
-                      <a:noFill/>
-                    </a:lnL>
-                    <a:lnR>
-                      <a:noFill/>
-                    </a:lnR>
-                    <a:lnT w="12700" cap="flat" cmpd="sng" algn="ctr">
-                      <a:solidFill>
-                        <a:srgbClr val="000000"/>
-                      </a:solidFill>
-                      <a:prstDash val="solid"/>
-                      <a:round/>
-                      <a:headEnd type="none" w="med" len="med"/>
-                      <a:tailEnd type="none" w="med" len="med"/>
-                    </a:lnT>
-                    <a:lnB w="12700" cap="flat" cmpd="sng" algn="ctr">
-                      <a:solidFill>
-                        <a:srgbClr val="000000"/>
-                      </a:solidFill>
-                      <a:prstDash val="solid"/>
-                      <a:round/>
-                      <a:headEnd type="none" w="med" len="med"/>
-                      <a:tailEnd type="none" w="med" len="med"/>
-                    </a:lnB>
-                  </a:tcPr>
-                </a:tc>
-              </a:tr>
-              <a:tr h="237475">
-                <a:tc>
-                  <a:txBody>
-                    <a:bodyPr/>
-                    <a:lstStyle/>
-                    <a:p>
-                      <a:pPr marL="0" marR="0" algn="ctr">
-                        <a:lnSpc>
-                          <a:spcPct val="115000"/>
-                        </a:lnSpc>
-                        <a:spcBef>
-                          <a:spcPts val="0"/>
-                        </a:spcBef>
-                        <a:spcAft>
-                          <a:spcPts val="0"/>
-                        </a:spcAft>
-                      </a:pPr>
-                      <a:r>
-                        <a:rPr lang="en-US" sz="1400">
-                          <a:solidFill>
-                            <a:srgbClr val="000000"/>
-                          </a:solidFill>
-                          <a:latin typeface="Calibri"/>
-                          <a:ea typeface="Times New Roman"/>
-                          <a:cs typeface="Times New Roman"/>
-                        </a:rPr>
-                        <a:t>Actor : Administrator User</a:t>
-                      </a:r>
-                      <a:endParaRPr lang="en-US" sz="1100">
-                        <a:latin typeface="Calibri"/>
-                        <a:ea typeface="Calibri"/>
-                        <a:cs typeface="Times New Roman"/>
-                      </a:endParaRPr>
-                    </a:p>
-                  </a:txBody>
-                  <a:tcPr marL="66375" marR="66375" marT="0" marB="0" anchor="b">
-                    <a:lnL w="12700" cap="flat" cmpd="sng" algn="ctr">
-                      <a:solidFill>
-                        <a:srgbClr val="000000"/>
-                      </a:solidFill>
-                      <a:prstDash val="solid"/>
-                      <a:round/>
-                      <a:headEnd type="none" w="med" len="med"/>
-                      <a:tailEnd type="none" w="med" len="med"/>
-                    </a:lnL>
-                    <a:lnR w="12700" cap="flat" cmpd="sng" algn="ctr">
-                      <a:solidFill>
-                        <a:srgbClr val="000000"/>
-                      </a:solidFill>
-                      <a:prstDash val="solid"/>
-                      <a:round/>
-                      <a:headEnd type="none" w="med" len="med"/>
-                      <a:tailEnd type="none" w="med" len="med"/>
-                    </a:lnR>
-                    <a:lnT w="12700" cap="flat" cmpd="sng" algn="ctr">
-                      <a:solidFill>
-                        <a:srgbClr val="000000"/>
-                      </a:solidFill>
-                      <a:prstDash val="solid"/>
-                      <a:round/>
-                      <a:headEnd type="none" w="med" len="med"/>
-                      <a:tailEnd type="none" w="med" len="med"/>
-                    </a:lnT>
-                    <a:lnB w="12700" cap="flat" cmpd="sng" algn="ctr">
-                      <a:solidFill>
-                        <a:srgbClr val="000000"/>
-                      </a:solidFill>
-                      <a:prstDash val="solid"/>
-                      <a:round/>
-                      <a:headEnd type="none" w="med" len="med"/>
-                      <a:tailEnd type="none" w="med" len="med"/>
-                    </a:lnB>
-                  </a:tcPr>
-                </a:tc>
-                <a:tc>
-                  <a:txBody>
-                    <a:bodyPr/>
-                    <a:lstStyle/>
-                    <a:p>
-                      <a:pPr marL="0" marR="0" algn="ctr">
-                        <a:lnSpc>
-                          <a:spcPct val="115000"/>
-                        </a:lnSpc>
-                        <a:spcBef>
-                          <a:spcPts val="0"/>
-                        </a:spcBef>
-                        <a:spcAft>
-                          <a:spcPts val="0"/>
-                        </a:spcAft>
-                      </a:pPr>
-                      <a:r>
-                        <a:rPr lang="en-US" sz="1400">
-                          <a:solidFill>
-                            <a:srgbClr val="000000"/>
-                          </a:solidFill>
-                          <a:latin typeface="Calibri"/>
-                          <a:ea typeface="Times New Roman"/>
-                          <a:cs typeface="Times New Roman"/>
-                        </a:rPr>
-                        <a:t>System</a:t>
-                      </a:r>
-                      <a:endParaRPr lang="en-US" sz="1100">
-                        <a:latin typeface="Calibri"/>
-                        <a:ea typeface="Calibri"/>
-                        <a:cs typeface="Times New Roman"/>
-                      </a:endParaRPr>
-                    </a:p>
-                  </a:txBody>
-                  <a:tcPr marL="66375" marR="66375" marT="0" marB="0" anchor="b">
-                    <a:lnL w="12700" cap="flat" cmpd="sng" algn="ctr">
-                      <a:solidFill>
-                        <a:srgbClr val="000000"/>
-                      </a:solidFill>
-                      <a:prstDash val="solid"/>
-                      <a:round/>
-                      <a:headEnd type="none" w="med" len="med"/>
-                      <a:tailEnd type="none" w="med" len="med"/>
-                    </a:lnL>
-                    <a:lnR w="12700" cap="flat" cmpd="sng" algn="ctr">
-                      <a:solidFill>
-                        <a:srgbClr val="000000"/>
-                      </a:solidFill>
-                      <a:prstDash val="solid"/>
-                      <a:round/>
-                      <a:headEnd type="none" w="med" len="med"/>
-                      <a:tailEnd type="none" w="med" len="med"/>
-                    </a:lnR>
-                    <a:lnT w="12700" cap="flat" cmpd="sng" algn="ctr">
-                      <a:solidFill>
-                        <a:srgbClr val="000000"/>
-                      </a:solidFill>
-                      <a:prstDash val="solid"/>
-                      <a:round/>
-                      <a:headEnd type="none" w="med" len="med"/>
-                      <a:tailEnd type="none" w="med" len="med"/>
-                    </a:lnT>
-                    <a:lnB w="12700" cap="flat" cmpd="sng" algn="ctr">
-                      <a:solidFill>
-                        <a:srgbClr val="000000"/>
-                      </a:solidFill>
-                      <a:prstDash val="solid"/>
-                      <a:round/>
-                      <a:headEnd type="none" w="med" len="med"/>
-                      <a:tailEnd type="none" w="med" len="med"/>
-                    </a:lnB>
-                  </a:tcPr>
-                </a:tc>
-              </a:tr>
-              <a:tr h="712426">
-                <a:tc>
-                  <a:txBody>
-                    <a:bodyPr/>
-                    <a:lstStyle/>
-                    <a:p>
-                      <a:pPr marL="0" marR="0">
-                        <a:lnSpc>
-                          <a:spcPct val="115000"/>
-                        </a:lnSpc>
-                        <a:spcBef>
-                          <a:spcPts val="0"/>
-                        </a:spcBef>
-                        <a:spcAft>
-                          <a:spcPts val="0"/>
-                        </a:spcAft>
-                      </a:pPr>
-                      <a:r>
-                        <a:rPr lang="en-US" sz="1400">
-                          <a:solidFill>
-                            <a:srgbClr val="000000"/>
-                          </a:solidFill>
-                          <a:latin typeface="Calibri"/>
-                          <a:ea typeface="Times New Roman"/>
-                          <a:cs typeface="Times New Roman"/>
-                        </a:rPr>
-                        <a:t> </a:t>
-                      </a:r>
-                      <a:endParaRPr lang="en-US" sz="1100">
-                        <a:latin typeface="Calibri"/>
-                        <a:ea typeface="Calibri"/>
-                        <a:cs typeface="Times New Roman"/>
-                      </a:endParaRPr>
-                    </a:p>
-                  </a:txBody>
-                  <a:tcPr marL="66375" marR="66375" marT="0" marB="0" anchor="b">
-                    <a:lnL w="12700" cap="flat" cmpd="sng" algn="ctr">
-                      <a:solidFill>
-                        <a:srgbClr val="000000"/>
-                      </a:solidFill>
-                      <a:prstDash val="solid"/>
-                      <a:round/>
-                      <a:headEnd type="none" w="med" len="med"/>
-                      <a:tailEnd type="none" w="med" len="med"/>
-                    </a:lnL>
-                    <a:lnR w="12700" cap="flat" cmpd="sng" algn="ctr">
-                      <a:solidFill>
-                        <a:srgbClr val="000000"/>
-                      </a:solidFill>
-                      <a:prstDash val="solid"/>
-                      <a:round/>
-                      <a:headEnd type="none" w="med" len="med"/>
-                      <a:tailEnd type="none" w="med" len="med"/>
-                    </a:lnR>
-                    <a:lnT w="12700" cap="flat" cmpd="sng" algn="ctr">
-                      <a:solidFill>
-                        <a:srgbClr val="000000"/>
-                      </a:solidFill>
-                      <a:prstDash val="solid"/>
-                      <a:round/>
-                      <a:headEnd type="none" w="med" len="med"/>
-                      <a:tailEnd type="none" w="med" len="med"/>
-                    </a:lnT>
-                    <a:lnB w="12700" cap="flat" cmpd="sng" algn="ctr">
-                      <a:solidFill>
-                        <a:srgbClr val="000000"/>
-                      </a:solidFill>
-                      <a:prstDash val="solid"/>
-                      <a:round/>
-                      <a:headEnd type="none" w="med" len="med"/>
-                      <a:tailEnd type="none" w="med" len="med"/>
-                    </a:lnB>
-                  </a:tcPr>
-                </a:tc>
-                <a:tc>
-                  <a:txBody>
-                    <a:bodyPr/>
-                    <a:lstStyle/>
-                    <a:p>
-                      <a:pPr marL="0" marR="0" indent="177800">
-                        <a:lnSpc>
-                          <a:spcPct val="115000"/>
-                        </a:lnSpc>
-                        <a:spcBef>
-                          <a:spcPts val="0"/>
-                        </a:spcBef>
-                        <a:spcAft>
-                          <a:spcPts val="0"/>
-                        </a:spcAft>
-                      </a:pPr>
-                      <a:r>
-                        <a:rPr lang="en-US" sz="1400">
-                          <a:solidFill>
-                            <a:srgbClr val="000000"/>
-                          </a:solidFill>
-                          <a:latin typeface="Calibri"/>
-                          <a:ea typeface="Times New Roman"/>
-                          <a:cs typeface="Times New Roman"/>
-                        </a:rPr>
-                        <a:t>0. The system displays any page on the forum domain and an administrator user is logged in.</a:t>
-                      </a:r>
-                      <a:endParaRPr lang="en-US" sz="1100">
-                        <a:latin typeface="Calibri"/>
-                        <a:ea typeface="Calibri"/>
-                        <a:cs typeface="Times New Roman"/>
-                      </a:endParaRPr>
-                    </a:p>
-                  </a:txBody>
-                  <a:tcPr marL="66375" marR="66375" marT="0" marB="0" anchor="b">
-                    <a:lnL w="12700" cap="flat" cmpd="sng" algn="ctr">
-                      <a:solidFill>
-                        <a:srgbClr val="000000"/>
-                      </a:solidFill>
-                      <a:prstDash val="solid"/>
-                      <a:round/>
-                      <a:headEnd type="none" w="med" len="med"/>
-                      <a:tailEnd type="none" w="med" len="med"/>
-                    </a:lnL>
-                    <a:lnR w="12700" cap="flat" cmpd="sng" algn="ctr">
-                      <a:solidFill>
-                        <a:srgbClr val="000000"/>
-                      </a:solidFill>
-                      <a:prstDash val="solid"/>
-                      <a:round/>
-                      <a:headEnd type="none" w="med" len="med"/>
-                      <a:tailEnd type="none" w="med" len="med"/>
-                    </a:lnR>
-                    <a:lnT w="12700" cap="flat" cmpd="sng" algn="ctr">
-                      <a:solidFill>
-                        <a:srgbClr val="000000"/>
-                      </a:solidFill>
-                      <a:prstDash val="solid"/>
-                      <a:round/>
-                      <a:headEnd type="none" w="med" len="med"/>
-                      <a:tailEnd type="none" w="med" len="med"/>
-                    </a:lnT>
-                    <a:lnB w="12700" cap="flat" cmpd="sng" algn="ctr">
-                      <a:solidFill>
-                        <a:srgbClr val="000000"/>
-                      </a:solidFill>
-                      <a:prstDash val="solid"/>
-                      <a:round/>
-                      <a:headEnd type="none" w="med" len="med"/>
-                      <a:tailEnd type="none" w="med" len="med"/>
-                    </a:lnB>
-                  </a:tcPr>
-                </a:tc>
-              </a:tr>
-              <a:tr h="712426">
-                <a:tc>
-                  <a:txBody>
-                    <a:bodyPr/>
-                    <a:lstStyle/>
-                    <a:p>
-                      <a:pPr marL="0" marR="0" indent="177800">
-                        <a:lnSpc>
-                          <a:spcPct val="115000"/>
-                        </a:lnSpc>
-                        <a:spcBef>
-                          <a:spcPts val="0"/>
-                        </a:spcBef>
-                        <a:spcAft>
-                          <a:spcPts val="0"/>
-                        </a:spcAft>
-                      </a:pPr>
-                      <a:r>
-                        <a:rPr lang="en-US" sz="1400">
-                          <a:solidFill>
-                            <a:srgbClr val="000000"/>
-                          </a:solidFill>
-                          <a:latin typeface="Calibri"/>
-                          <a:ea typeface="Times New Roman"/>
-                          <a:cs typeface="Times New Roman"/>
-                        </a:rPr>
-                        <a:t>1. The administrator user selects a thread to be closed.</a:t>
-                      </a:r>
-                      <a:endParaRPr lang="en-US" sz="1100">
-                        <a:latin typeface="Calibri"/>
-                        <a:ea typeface="Calibri"/>
-                        <a:cs typeface="Times New Roman"/>
-                      </a:endParaRPr>
-                    </a:p>
-                  </a:txBody>
-                  <a:tcPr marL="66375" marR="66375" marT="0" marB="0" anchor="b">
-                    <a:lnL w="12700" cap="flat" cmpd="sng" algn="ctr">
-                      <a:solidFill>
-                        <a:srgbClr val="000000"/>
-                      </a:solidFill>
-                      <a:prstDash val="solid"/>
-                      <a:round/>
-                      <a:headEnd type="none" w="med" len="med"/>
-                      <a:tailEnd type="none" w="med" len="med"/>
-                    </a:lnL>
-                    <a:lnR w="12700" cap="flat" cmpd="sng" algn="ctr">
-                      <a:solidFill>
-                        <a:srgbClr val="000000"/>
-                      </a:solidFill>
-                      <a:prstDash val="solid"/>
-                      <a:round/>
-                      <a:headEnd type="none" w="med" len="med"/>
-                      <a:tailEnd type="none" w="med" len="med"/>
-                    </a:lnR>
-                    <a:lnT w="12700" cap="flat" cmpd="sng" algn="ctr">
-                      <a:solidFill>
-                        <a:srgbClr val="000000"/>
-                      </a:solidFill>
-                      <a:prstDash val="solid"/>
-                      <a:round/>
-                      <a:headEnd type="none" w="med" len="med"/>
-                      <a:tailEnd type="none" w="med" len="med"/>
-                    </a:lnT>
-                    <a:lnB w="12700" cap="flat" cmpd="sng" algn="ctr">
-                      <a:solidFill>
-                        <a:srgbClr val="000000"/>
-                      </a:solidFill>
-                      <a:prstDash val="solid"/>
-                      <a:round/>
-                      <a:headEnd type="none" w="med" len="med"/>
-                      <a:tailEnd type="none" w="med" len="med"/>
-                    </a:lnB>
-                  </a:tcPr>
-                </a:tc>
-                <a:tc>
-                  <a:txBody>
-                    <a:bodyPr/>
-                    <a:lstStyle/>
-                    <a:p>
-                      <a:pPr marL="0" marR="0" indent="177800">
-                        <a:lnSpc>
-                          <a:spcPct val="115000"/>
-                        </a:lnSpc>
-                        <a:spcBef>
-                          <a:spcPts val="0"/>
-                        </a:spcBef>
-                        <a:spcAft>
-                          <a:spcPts val="0"/>
-                        </a:spcAft>
-                      </a:pPr>
-                      <a:r>
-                        <a:rPr lang="en-US" sz="1400">
-                          <a:solidFill>
-                            <a:srgbClr val="000000"/>
-                          </a:solidFill>
-                          <a:latin typeface="Calibri"/>
-                          <a:ea typeface="Times New Roman"/>
-                          <a:cs typeface="Times New Roman"/>
-                        </a:rPr>
-                        <a:t>2. The system displays "Are you sure?" question on the thread selected by the administrator user.</a:t>
-                      </a:r>
-                      <a:endParaRPr lang="en-US" sz="1100">
-                        <a:latin typeface="Calibri"/>
-                        <a:ea typeface="Calibri"/>
-                        <a:cs typeface="Times New Roman"/>
-                      </a:endParaRPr>
-                    </a:p>
-                  </a:txBody>
-                  <a:tcPr marL="66375" marR="66375" marT="0" marB="0" anchor="b">
-                    <a:lnL w="12700" cap="flat" cmpd="sng" algn="ctr">
-                      <a:solidFill>
-                        <a:srgbClr val="000000"/>
-                      </a:solidFill>
-                      <a:prstDash val="solid"/>
-                      <a:round/>
-                      <a:headEnd type="none" w="med" len="med"/>
-                      <a:tailEnd type="none" w="med" len="med"/>
-                    </a:lnL>
-                    <a:lnR w="12700" cap="flat" cmpd="sng" algn="ctr">
-                      <a:solidFill>
-                        <a:srgbClr val="000000"/>
-                      </a:solidFill>
-                      <a:prstDash val="solid"/>
-                      <a:round/>
-                      <a:headEnd type="none" w="med" len="med"/>
-                      <a:tailEnd type="none" w="med" len="med"/>
-                    </a:lnR>
-                    <a:lnT w="12700" cap="flat" cmpd="sng" algn="ctr">
-                      <a:solidFill>
-                        <a:srgbClr val="000000"/>
-                      </a:solidFill>
-                      <a:prstDash val="solid"/>
-                      <a:round/>
-                      <a:headEnd type="none" w="med" len="med"/>
-                      <a:tailEnd type="none" w="med" len="med"/>
-                    </a:lnT>
-                    <a:lnB w="12700" cap="flat" cmpd="sng" algn="ctr">
-                      <a:solidFill>
-                        <a:srgbClr val="000000"/>
-                      </a:solidFill>
-                      <a:prstDash val="solid"/>
-                      <a:round/>
-                      <a:headEnd type="none" w="med" len="med"/>
-                      <a:tailEnd type="none" w="med" len="med"/>
-                    </a:lnB>
-                  </a:tcPr>
-                </a:tc>
-              </a:tr>
-              <a:tr h="474951">
-                <a:tc>
-                  <a:txBody>
-                    <a:bodyPr/>
-                    <a:lstStyle/>
-                    <a:p>
-                      <a:pPr marL="0" marR="0" indent="177800">
-                        <a:lnSpc>
-                          <a:spcPct val="115000"/>
-                        </a:lnSpc>
-                        <a:spcBef>
-                          <a:spcPts val="0"/>
-                        </a:spcBef>
-                        <a:spcAft>
-                          <a:spcPts val="0"/>
-                        </a:spcAft>
-                      </a:pPr>
-                      <a:r>
-                        <a:rPr lang="en-US" sz="1400">
-                          <a:solidFill>
-                            <a:srgbClr val="000000"/>
-                          </a:solidFill>
-                          <a:latin typeface="Calibri"/>
-                          <a:ea typeface="Times New Roman"/>
-                          <a:cs typeface="Times New Roman"/>
-                        </a:rPr>
-                        <a:t>3. The administrator user selects close thread.</a:t>
-                      </a:r>
-                      <a:endParaRPr lang="en-US" sz="1100">
-                        <a:latin typeface="Calibri"/>
-                        <a:ea typeface="Calibri"/>
-                        <a:cs typeface="Times New Roman"/>
-                      </a:endParaRPr>
-                    </a:p>
-                  </a:txBody>
-                  <a:tcPr marL="66375" marR="66375" marT="0" marB="0" anchor="b">
-                    <a:lnL w="12700" cap="flat" cmpd="sng" algn="ctr">
-                      <a:solidFill>
-                        <a:srgbClr val="000000"/>
-                      </a:solidFill>
-                      <a:prstDash val="solid"/>
-                      <a:round/>
-                      <a:headEnd type="none" w="med" len="med"/>
-                      <a:tailEnd type="none" w="med" len="med"/>
-                    </a:lnL>
-                    <a:lnR w="12700" cap="flat" cmpd="sng" algn="ctr">
-                      <a:solidFill>
-                        <a:srgbClr val="000000"/>
-                      </a:solidFill>
-                      <a:prstDash val="solid"/>
-                      <a:round/>
-                      <a:headEnd type="none" w="med" len="med"/>
-                      <a:tailEnd type="none" w="med" len="med"/>
-                    </a:lnR>
-                    <a:lnT w="12700" cap="flat" cmpd="sng" algn="ctr">
-                      <a:solidFill>
-                        <a:srgbClr val="000000"/>
-                      </a:solidFill>
-                      <a:prstDash val="solid"/>
-                      <a:round/>
-                      <a:headEnd type="none" w="med" len="med"/>
-                      <a:tailEnd type="none" w="med" len="med"/>
-                    </a:lnT>
-                    <a:lnB w="12700" cap="flat" cmpd="sng" algn="ctr">
-                      <a:solidFill>
-                        <a:srgbClr val="000000"/>
-                      </a:solidFill>
-                      <a:prstDash val="solid"/>
-                      <a:round/>
-                      <a:headEnd type="none" w="med" len="med"/>
-                      <a:tailEnd type="none" w="med" len="med"/>
-                    </a:lnB>
-                  </a:tcPr>
-                </a:tc>
-                <a:tc>
-                  <a:txBody>
-                    <a:bodyPr/>
-                    <a:lstStyle/>
-                    <a:p>
-                      <a:pPr marL="0" marR="0" indent="177800">
-                        <a:lnSpc>
-                          <a:spcPct val="115000"/>
-                        </a:lnSpc>
-                        <a:spcBef>
-                          <a:spcPts val="0"/>
-                        </a:spcBef>
-                        <a:spcAft>
-                          <a:spcPts val="0"/>
-                        </a:spcAft>
-                      </a:pPr>
-                      <a:r>
-                        <a:rPr lang="en-US" sz="1400" dirty="0">
-                          <a:solidFill>
-                            <a:srgbClr val="000000"/>
-                          </a:solidFill>
-                          <a:latin typeface="Calibri"/>
-                          <a:ea typeface="Times New Roman"/>
-                          <a:cs typeface="Times New Roman"/>
-                        </a:rPr>
-                        <a:t>4. The systems displays page "Thread Closed" with title of thread.</a:t>
-                      </a:r>
-                      <a:endParaRPr lang="en-US" sz="1100" dirty="0">
-                        <a:latin typeface="Calibri"/>
-                        <a:ea typeface="Calibri"/>
-                        <a:cs typeface="Times New Roman"/>
-                      </a:endParaRPr>
-                    </a:p>
-                  </a:txBody>
-                  <a:tcPr marL="66375" marR="66375" marT="0" marB="0" anchor="b">
-                    <a:lnL w="12700" cap="flat" cmpd="sng" algn="ctr">
-                      <a:solidFill>
-                        <a:srgbClr val="000000"/>
-                      </a:solidFill>
-                      <a:prstDash val="solid"/>
-                      <a:round/>
-                      <a:headEnd type="none" w="med" len="med"/>
-                      <a:tailEnd type="none" w="med" len="med"/>
-                    </a:lnL>
-                    <a:lnR w="12700" cap="flat" cmpd="sng" algn="ctr">
-                      <a:solidFill>
-                        <a:srgbClr val="000000"/>
-                      </a:solidFill>
-                      <a:prstDash val="solid"/>
-                      <a:round/>
-                      <a:headEnd type="none" w="med" len="med"/>
-                      <a:tailEnd type="none" w="med" len="med"/>
-                    </a:lnR>
-                    <a:lnT w="12700" cap="flat" cmpd="sng" algn="ctr">
-                      <a:solidFill>
-                        <a:srgbClr val="000000"/>
-                      </a:solidFill>
-                      <a:prstDash val="solid"/>
-                      <a:round/>
-                      <a:headEnd type="none" w="med" len="med"/>
-                      <a:tailEnd type="none" w="med" len="med"/>
-                    </a:lnT>
-                    <a:lnB w="12700" cap="flat" cmpd="sng" algn="ctr">
-                      <a:solidFill>
-                        <a:srgbClr val="000000"/>
-                      </a:solidFill>
-                      <a:prstDash val="solid"/>
-                      <a:round/>
-                      <a:headEnd type="none" w="med" len="med"/>
-                      <a:tailEnd type="none" w="med" len="med"/>
-                    </a:lnB>
-                  </a:tcPr>
-                </a:tc>
-              </a:tr>
-            </a:tbl>
-          </a:graphicData>
-        </a:graphic>
-      </p:graphicFrame>
+        </p:nvPicPr>
+        <p:blipFill>
+          <a:blip r:embed="rId2" cstate="print">
+            <a:extLst>
+              <a:ext uri="{28A0092B-C50C-407E-A947-70E740481C1C}">
+                <a14:useLocalDpi xmlns:a14="http://schemas.microsoft.com/office/drawing/2010/main" xmlns="" val="0"/>
+              </a:ext>
+            </a:extLst>
+          </a:blip>
+          <a:srcRect/>
+          <a:stretch>
+            <a:fillRect/>
+          </a:stretch>
+        </p:blipFill>
+        <p:spPr bwMode="auto">
+          <a:xfrm>
+            <a:off x="2343149" y="723900"/>
+            <a:ext cx="4143375" cy="3780296"/>
+          </a:xfrm>
+          <a:prstGeom prst="rect">
+            <a:avLst/>
+          </a:prstGeom>
+          <a:noFill/>
+          <a:extLst>
+            <a:ext uri="{909E8E84-426E-40DD-AFC4-6F175D3DCCD1}">
+              <a14:hiddenFill xmlns:a14="http://schemas.microsoft.com/office/drawing/2010/main" xmlns="">
+                <a:solidFill>
+                  <a:srgbClr val="FFFFFF"/>
+                </a:solidFill>
+              </a14:hiddenFill>
+            </a:ext>
+          </a:extLst>
+        </p:spPr>
+      </p:pic>
     </p:spTree>
   </p:cSld>
   <p:clrMapOvr>
@@ -10087,7 +8861,7 @@
           <a:p>
             <a:r>
               <a:rPr lang="en-US" dirty="0" smtClean="0"/>
-              <a:t>Admin - Move Post</a:t>
+              <a:t>Admin - Close Post</a:t>
             </a:r>
             <a:endParaRPr lang="en-US" dirty="0"/>
           </a:p>
@@ -10102,18 +8876,18 @@
           <p:nvPr/>
         </p:nvGraphicFramePr>
         <p:xfrm>
-          <a:off x="1447800" y="828675"/>
-          <a:ext cx="6096000" cy="3953637"/>
+          <a:off x="1621995" y="723900"/>
+          <a:ext cx="5900009" cy="4182329"/>
         </p:xfrm>
         <a:graphic>
           <a:graphicData uri="http://schemas.openxmlformats.org/drawingml/2006/table">
             <a:tbl>
               <a:tblPr/>
               <a:tblGrid>
-                <a:gridCol w="2231136"/>
-                <a:gridCol w="3864864"/>
+                <a:gridCol w="2430804"/>
+                <a:gridCol w="3469205"/>
               </a:tblGrid>
-              <a:tr h="266700">
+              <a:tr h="271400">
                 <a:tc>
                   <a:txBody>
                     <a:bodyPr/>
@@ -10131,7 +8905,7 @@
                         </a:spcAft>
                       </a:pPr>
                       <a:r>
-                        <a:rPr lang="en-US" sz="1600" b="1" i="1" dirty="0">
+                        <a:rPr lang="en-US" sz="1500" b="1" i="1">
                           <a:solidFill>
                             <a:srgbClr val="000000"/>
                           </a:solidFill>
@@ -10141,14 +8915,14 @@
                         </a:rPr>
                         <a:t>Administrator</a:t>
                       </a:r>
-                      <a:endParaRPr lang="en-US" sz="1100" dirty="0">
+                      <a:endParaRPr lang="en-US" sz="1100">
                         <a:latin typeface="Calibri"/>
                         <a:ea typeface="Calibri"/>
                         <a:cs typeface="Times New Roman"/>
                       </a:endParaRPr>
                     </a:p>
                   </a:txBody>
-                  <a:tcPr marL="68580" marR="68580" marT="0" marB="0" anchor="b">
+                  <a:tcPr marL="66375" marR="66375" marT="0" marB="0" anchor="b">
                     <a:lnL>
                       <a:noFill/>
                     </a:lnL>
@@ -10174,7 +8948,7 @@
                     <a:bodyPr/>
                     <a:lstStyle/>
                     <a:p>
-                      <a:pPr algn="l">
+                      <a:pPr>
                         <a:lnSpc>
                           <a:spcPct val="115000"/>
                         </a:lnSpc>
@@ -10184,7 +8958,7 @@
                       </a:endParaRPr>
                     </a:p>
                   </a:txBody>
-                  <a:tcPr marL="68580" marR="68580" marT="0" marB="0" anchor="b">
+                  <a:tcPr marL="66375" marR="66375" marT="0" marB="0" anchor="b">
                     <a:lnL>
                       <a:noFill/>
                     </a:lnL>
@@ -10206,13 +8980,13 @@
                   </a:tcPr>
                 </a:tc>
               </a:tr>
-              <a:tr h="238125">
+              <a:tr h="237475">
                 <a:tc>
                   <a:txBody>
                     <a:bodyPr/>
                     <a:lstStyle/>
                     <a:p>
-                      <a:pPr marL="0" marR="0" algn="l">
+                      <a:pPr marL="0" marR="0" algn="ctr">
                         <a:lnSpc>
                           <a:spcPct val="115000"/>
                         </a:lnSpc>
@@ -10241,7 +9015,7 @@
                       </a:endParaRPr>
                     </a:p>
                   </a:txBody>
-                  <a:tcPr marL="68580" marR="68580" marT="0" marB="0" anchor="b">
+                  <a:tcPr marL="66375" marR="66375" marT="0" marB="0" anchor="b">
                     <a:lnL w="12700" cap="flat" cmpd="sng" algn="ctr">
                       <a:solidFill>
                         <a:srgbClr val="000000"/>
@@ -10285,7 +9059,7 @@
                     <a:bodyPr/>
                     <a:lstStyle/>
                     <a:p>
-                      <a:pPr marL="0" marR="0" indent="178435" algn="l">
+                      <a:pPr marL="0" marR="0" indent="178435">
                         <a:lnSpc>
                           <a:spcPct val="115000"/>
                         </a:lnSpc>
@@ -10305,7 +9079,7 @@
                           <a:ea typeface="Times New Roman"/>
                           <a:cs typeface="Times New Roman"/>
                         </a:rPr>
-                        <a:t>Administrator Move Post</a:t>
+                        <a:t>Administrator Close Post</a:t>
                       </a:r>
                       <a:endParaRPr lang="en-US" sz="1100">
                         <a:latin typeface="Calibri"/>
@@ -10314,7 +9088,7 @@
                       </a:endParaRPr>
                     </a:p>
                   </a:txBody>
-                  <a:tcPr marL="68580" marR="68580" marT="0" marB="0" anchor="b">
+                  <a:tcPr marL="66375" marR="66375" marT="0" marB="0" anchor="b">
                     <a:lnL w="12700" cap="flat" cmpd="sng" algn="ctr">
                       <a:solidFill>
                         <a:srgbClr val="000000"/>
@@ -10354,13 +9128,13 @@
                   </a:tcPr>
                 </a:tc>
               </a:tr>
-              <a:tr h="238125">
+              <a:tr h="474951">
                 <a:tc>
                   <a:txBody>
                     <a:bodyPr/>
                     <a:lstStyle/>
                     <a:p>
-                      <a:pPr marL="0" marR="0" algn="l">
+                      <a:pPr marL="0" marR="0" algn="ctr">
                         <a:lnSpc>
                           <a:spcPct val="115000"/>
                         </a:lnSpc>
@@ -10389,7 +9163,7 @@
                       </a:endParaRPr>
                     </a:p>
                   </a:txBody>
-                  <a:tcPr marL="68580" marR="68580" marT="0" marB="0" anchor="b">
+                  <a:tcPr marL="66375" marR="66375" marT="0" marB="0" anchor="b">
                     <a:lnL w="12700" cap="flat" cmpd="sng" algn="ctr">
                       <a:solidFill>
                         <a:srgbClr val="000000"/>
@@ -10433,7 +9207,7 @@
                     <a:bodyPr/>
                     <a:lstStyle/>
                     <a:p>
-                      <a:pPr marL="0" marR="0" indent="177800" algn="l">
+                      <a:pPr marL="0" marR="0" indent="177800">
                         <a:lnSpc>
                           <a:spcPct val="115000"/>
                         </a:lnSpc>
@@ -10445,7 +9219,7 @@
                         </a:spcAft>
                       </a:pPr>
                       <a:r>
-                        <a:rPr lang="en-US" sz="1400" dirty="0">
+                        <a:rPr lang="en-US" sz="1400">
                           <a:solidFill>
                             <a:srgbClr val="000000"/>
                           </a:solidFill>
@@ -10453,16 +9227,16 @@
                           <a:ea typeface="Times New Roman"/>
                           <a:cs typeface="Times New Roman"/>
                         </a:rPr>
-                        <a:t>The administrator user has the authority to move a post to a different topic/category.</a:t>
+                        <a:t>The administrator user has the authority to close a post.</a:t>
                       </a:r>
-                      <a:endParaRPr lang="en-US" sz="1100" dirty="0">
+                      <a:endParaRPr lang="en-US" sz="1100">
                         <a:latin typeface="Calibri"/>
                         <a:ea typeface="Calibri"/>
                         <a:cs typeface="Times New Roman"/>
                       </a:endParaRPr>
                     </a:p>
                   </a:txBody>
-                  <a:tcPr marL="68580" marR="68580" marT="0" marB="0" anchor="b">
+                  <a:tcPr marL="66375" marR="66375" marT="0" marB="0" anchor="b">
                     <a:lnL w="12700" cap="flat" cmpd="sng" algn="ctr">
                       <a:solidFill>
                         <a:srgbClr val="000000"/>
@@ -10502,13 +9276,13 @@
                   </a:tcPr>
                 </a:tc>
               </a:tr>
-              <a:tr h="238125">
+              <a:tr h="474951">
                 <a:tc>
                   <a:txBody>
                     <a:bodyPr/>
                     <a:lstStyle/>
                     <a:p>
-                      <a:pPr marL="0" marR="0" algn="l">
+                      <a:pPr marL="0" marR="0" algn="ctr">
                         <a:lnSpc>
                           <a:spcPct val="115000"/>
                         </a:lnSpc>
@@ -10537,7 +9311,7 @@
                       </a:endParaRPr>
                     </a:p>
                   </a:txBody>
-                  <a:tcPr marL="68580" marR="68580" marT="0" marB="0" anchor="b">
+                  <a:tcPr marL="66375" marR="66375" marT="0" marB="0" anchor="b">
                     <a:lnL w="12700" cap="flat" cmpd="sng" algn="ctr">
                       <a:solidFill>
                         <a:srgbClr val="000000"/>
@@ -10581,7 +9355,7 @@
                     <a:bodyPr/>
                     <a:lstStyle/>
                     <a:p>
-                      <a:pPr marL="0" marR="0" indent="177800" algn="l">
+                      <a:pPr marL="0" marR="0" indent="177800">
                         <a:lnSpc>
                           <a:spcPct val="115000"/>
                         </a:lnSpc>
@@ -10610,7 +9384,7 @@
                       </a:endParaRPr>
                     </a:p>
                   </a:txBody>
-                  <a:tcPr marL="68580" marR="68580" marT="0" marB="0" anchor="b">
+                  <a:tcPr marL="66375" marR="66375" marT="0" marB="0" anchor="b">
                     <a:lnL w="12700" cap="flat" cmpd="sng" algn="ctr">
                       <a:solidFill>
                         <a:srgbClr val="000000"/>
@@ -10650,13 +9424,13 @@
                   </a:tcPr>
                 </a:tc>
               </a:tr>
-              <a:tr h="238125">
+              <a:tr h="237475">
                 <a:tc>
                   <a:txBody>
                     <a:bodyPr/>
                     <a:lstStyle/>
                     <a:p>
-                      <a:pPr marL="0" marR="0" algn="l">
+                      <a:pPr marL="0" marR="0" algn="ctr">
                         <a:lnSpc>
                           <a:spcPct val="115000"/>
                         </a:lnSpc>
@@ -10685,7 +9459,7 @@
                       </a:endParaRPr>
                     </a:p>
                   </a:txBody>
-                  <a:tcPr marL="68580" marR="68580" marT="0" marB="0" anchor="b">
+                  <a:tcPr marL="66375" marR="66375" marT="0" marB="0" anchor="b">
                     <a:lnL w="12700" cap="flat" cmpd="sng" algn="ctr">
                       <a:solidFill>
                         <a:srgbClr val="000000"/>
@@ -10729,7 +9503,7 @@
                     <a:bodyPr/>
                     <a:lstStyle/>
                     <a:p>
-                      <a:pPr marL="0" marR="0" indent="177800" algn="l">
+                      <a:pPr marL="0" marR="0" indent="177800">
                         <a:lnSpc>
                           <a:spcPct val="115000"/>
                         </a:lnSpc>
@@ -10749,7 +9523,7 @@
                           <a:ea typeface="Times New Roman"/>
                           <a:cs typeface="Times New Roman"/>
                         </a:rPr>
-                        <a:t>The administrator user moves a thread.</a:t>
+                        <a:t>The administrator user closes a thread.</a:t>
                       </a:r>
                       <a:endParaRPr lang="en-US" sz="1100">
                         <a:latin typeface="Calibri"/>
@@ -10758,7 +9532,7 @@
                       </a:endParaRPr>
                     </a:p>
                   </a:txBody>
-                  <a:tcPr marL="68580" marR="68580" marT="0" marB="0" anchor="b">
+                  <a:tcPr marL="66375" marR="66375" marT="0" marB="0" anchor="b">
                     <a:lnL w="12700" cap="flat" cmpd="sng" algn="ctr">
                       <a:solidFill>
                         <a:srgbClr val="000000"/>
@@ -10798,13 +9572,13 @@
                   </a:tcPr>
                 </a:tc>
               </a:tr>
-              <a:tr h="238125">
+              <a:tr h="230469">
                 <a:tc>
                   <a:txBody>
                     <a:bodyPr/>
                     <a:lstStyle/>
                     <a:p>
-                      <a:pPr algn="l">
+                      <a:pPr>
                         <a:lnSpc>
                           <a:spcPct val="115000"/>
                         </a:lnSpc>
@@ -10814,7 +9588,7 @@
                       </a:endParaRPr>
                     </a:p>
                   </a:txBody>
-                  <a:tcPr marL="68580" marR="68580" marT="0" marB="0" anchor="b">
+                  <a:tcPr marL="66375" marR="66375" marT="0" marB="0" anchor="b">
                     <a:lnL>
                       <a:noFill/>
                     </a:lnL>
@@ -10846,7 +9620,7 @@
                     <a:bodyPr/>
                     <a:lstStyle/>
                     <a:p>
-                      <a:pPr algn="l">
+                      <a:pPr>
                         <a:lnSpc>
                           <a:spcPct val="115000"/>
                         </a:lnSpc>
@@ -10856,7 +9630,7 @@
                       </a:endParaRPr>
                     </a:p>
                   </a:txBody>
-                  <a:tcPr marL="68580" marR="68580" marT="0" marB="0" anchor="b">
+                  <a:tcPr marL="66375" marR="66375" marT="0" marB="0" anchor="b">
                     <a:lnL>
                       <a:noFill/>
                     </a:lnL>
@@ -10884,7 +9658,7 @@
                   </a:tcPr>
                 </a:tc>
               </a:tr>
-              <a:tr h="238125">
+              <a:tr h="237475">
                 <a:tc>
                   <a:txBody>
                     <a:bodyPr/>
@@ -10919,7 +9693,7 @@
                       </a:endParaRPr>
                     </a:p>
                   </a:txBody>
-                  <a:tcPr marL="68580" marR="68580" marT="0" marB="0" anchor="b">
+                  <a:tcPr marL="66375" marR="66375" marT="0" marB="0" anchor="b">
                     <a:lnL w="12700" cap="flat" cmpd="sng" algn="ctr">
                       <a:solidFill>
                         <a:srgbClr val="000000"/>
@@ -10992,7 +9766,7 @@
                       </a:endParaRPr>
                     </a:p>
                   </a:txBody>
-                  <a:tcPr marL="68580" marR="68580" marT="0" marB="0" anchor="b">
+                  <a:tcPr marL="66375" marR="66375" marT="0" marB="0" anchor="b">
                     <a:lnL w="12700" cap="flat" cmpd="sng" algn="ctr">
                       <a:solidFill>
                         <a:srgbClr val="000000"/>
@@ -11032,13 +9806,13 @@
                   </a:tcPr>
                 </a:tc>
               </a:tr>
-              <a:tr h="238125">
+              <a:tr h="712426">
                 <a:tc>
                   <a:txBody>
                     <a:bodyPr/>
                     <a:lstStyle/>
                     <a:p>
-                      <a:pPr marL="0" marR="0" algn="l">
+                      <a:pPr marL="0" marR="0">
                         <a:lnSpc>
                           <a:spcPct val="115000"/>
                         </a:lnSpc>
@@ -11067,7 +9841,7 @@
                       </a:endParaRPr>
                     </a:p>
                   </a:txBody>
-                  <a:tcPr marL="68580" marR="68580" marT="0" marB="0" anchor="b">
+                  <a:tcPr marL="66375" marR="66375" marT="0" marB="0" anchor="b">
                     <a:lnL w="12700" cap="flat" cmpd="sng" algn="ctr">
                       <a:solidFill>
                         <a:srgbClr val="000000"/>
@@ -11111,7 +9885,7 @@
                     <a:bodyPr/>
                     <a:lstStyle/>
                     <a:p>
-                      <a:pPr marL="0" marR="0" indent="177800" algn="l">
+                      <a:pPr marL="0" marR="0" indent="177800">
                         <a:lnSpc>
                           <a:spcPct val="115000"/>
                         </a:lnSpc>
@@ -11140,7 +9914,7 @@
                       </a:endParaRPr>
                     </a:p>
                   </a:txBody>
-                  <a:tcPr marL="68580" marR="68580" marT="0" marB="0" anchor="b">
+                  <a:tcPr marL="66375" marR="66375" marT="0" marB="0" anchor="b">
                     <a:lnL w="12700" cap="flat" cmpd="sng" algn="ctr">
                       <a:solidFill>
                         <a:srgbClr val="000000"/>
@@ -11180,13 +9954,13 @@
                   </a:tcPr>
                 </a:tc>
               </a:tr>
-              <a:tr h="238125">
+              <a:tr h="712426">
                 <a:tc>
                   <a:txBody>
                     <a:bodyPr/>
                     <a:lstStyle/>
                     <a:p>
-                      <a:pPr marL="0" marR="0" indent="177800" algn="l">
+                      <a:pPr marL="0" marR="0" indent="177800">
                         <a:lnSpc>
                           <a:spcPct val="115000"/>
                         </a:lnSpc>
@@ -11206,7 +9980,7 @@
                           <a:ea typeface="Times New Roman"/>
                           <a:cs typeface="Times New Roman"/>
                         </a:rPr>
-                        <a:t>1. The administrator user selects a thread to be moved.</a:t>
+                        <a:t>1. The administrator user selects a thread to be closed.</a:t>
                       </a:r>
                       <a:endParaRPr lang="en-US" sz="1100">
                         <a:latin typeface="Calibri"/>
@@ -11215,7 +9989,7 @@
                       </a:endParaRPr>
                     </a:p>
                   </a:txBody>
-                  <a:tcPr marL="68580" marR="68580" marT="0" marB="0" anchor="b">
+                  <a:tcPr marL="66375" marR="66375" marT="0" marB="0" anchor="b">
                     <a:lnL w="12700" cap="flat" cmpd="sng" algn="ctr">
                       <a:solidFill>
                         <a:srgbClr val="000000"/>
@@ -11259,7 +10033,7 @@
                     <a:bodyPr/>
                     <a:lstStyle/>
                     <a:p>
-                      <a:pPr marL="0" marR="0" indent="177800" algn="l">
+                      <a:pPr marL="0" marR="0" indent="177800">
                         <a:lnSpc>
                           <a:spcPct val="115000"/>
                         </a:lnSpc>
@@ -11279,7 +10053,7 @@
                           <a:ea typeface="Times New Roman"/>
                           <a:cs typeface="Times New Roman"/>
                         </a:rPr>
-                        <a:t>2. The system displays "Are you sure?" questions on the thread selected by the administrator user.</a:t>
+                        <a:t>2. The system displays "Are you sure?" question on the thread selected by the administrator user.</a:t>
                       </a:r>
                       <a:endParaRPr lang="en-US" sz="1100">
                         <a:latin typeface="Calibri"/>
@@ -11288,7 +10062,7 @@
                       </a:endParaRPr>
                     </a:p>
                   </a:txBody>
-                  <a:tcPr marL="68580" marR="68580" marT="0" marB="0" anchor="b">
+                  <a:tcPr marL="66375" marR="66375" marT="0" marB="0" anchor="b">
                     <a:lnL w="12700" cap="flat" cmpd="sng" algn="ctr">
                       <a:solidFill>
                         <a:srgbClr val="000000"/>
@@ -11328,13 +10102,13 @@
                   </a:tcPr>
                 </a:tc>
               </a:tr>
-              <a:tr h="238125">
+              <a:tr h="474951">
                 <a:tc>
                   <a:txBody>
                     <a:bodyPr/>
                     <a:lstStyle/>
                     <a:p>
-                      <a:pPr marL="0" marR="0" indent="177800" algn="l">
+                      <a:pPr marL="0" marR="0" indent="177800">
                         <a:lnSpc>
                           <a:spcPct val="115000"/>
                         </a:lnSpc>
@@ -11354,7 +10128,7 @@
                           <a:ea typeface="Times New Roman"/>
                           <a:cs typeface="Times New Roman"/>
                         </a:rPr>
-                        <a:t>3. The administrator user selects move thread.</a:t>
+                        <a:t>3. The administrator user selects close thread.</a:t>
                       </a:r>
                       <a:endParaRPr lang="en-US" sz="1100">
                         <a:latin typeface="Calibri"/>
@@ -11363,7 +10137,7 @@
                       </a:endParaRPr>
                     </a:p>
                   </a:txBody>
-                  <a:tcPr marL="68580" marR="68580" marT="0" marB="0" anchor="b">
+                  <a:tcPr marL="66375" marR="66375" marT="0" marB="0" anchor="b">
                     <a:lnL w="12700" cap="flat" cmpd="sng" algn="ctr">
                       <a:solidFill>
                         <a:srgbClr val="000000"/>
@@ -11407,7 +10181,7 @@
                     <a:bodyPr/>
                     <a:lstStyle/>
                     <a:p>
-                      <a:pPr marL="0" marR="0" indent="177800" algn="l">
+                      <a:pPr marL="0" marR="0" indent="177800">
                         <a:lnSpc>
                           <a:spcPct val="115000"/>
                         </a:lnSpc>
@@ -11427,7 +10201,7 @@
                           <a:ea typeface="Times New Roman"/>
                           <a:cs typeface="Times New Roman"/>
                         </a:rPr>
-                        <a:t>4. The system displays page "Thread Moved" with title of thread to new location.</a:t>
+                        <a:t>4. The systems displays page "Thread Closed" with title of thread.</a:t>
                       </a:r>
                       <a:endParaRPr lang="en-US" sz="1100" dirty="0">
                         <a:latin typeface="Calibri"/>
@@ -11436,7 +10210,7 @@
                       </a:endParaRPr>
                     </a:p>
                   </a:txBody>
-                  <a:tcPr marL="68580" marR="68580" marT="0" marB="0" anchor="b">
+                  <a:tcPr marL="66375" marR="66375" marT="0" marB="0" anchor="b">
                     <a:lnL w="12700" cap="flat" cmpd="sng" algn="ctr">
                       <a:solidFill>
                         <a:srgbClr val="000000"/>
@@ -11522,6 +10296,1441 @@
           <a:p>
             <a:r>
               <a:rPr lang="en-US" dirty="0" smtClean="0"/>
+              <a:t>Admin - Move Post</a:t>
+            </a:r>
+            <a:endParaRPr lang="en-US" dirty="0"/>
+          </a:p>
+        </p:txBody>
+      </p:sp>
+      <p:graphicFrame>
+        <p:nvGraphicFramePr>
+          <p:cNvPr id="4" name="Table 3"/>
+          <p:cNvGraphicFramePr>
+            <a:graphicFrameLocks noGrp="1"/>
+          </p:cNvGraphicFramePr>
+          <p:nvPr/>
+        </p:nvGraphicFramePr>
+        <p:xfrm>
+          <a:off x="1447800" y="828675"/>
+          <a:ext cx="6096000" cy="3953637"/>
+        </p:xfrm>
+        <a:graphic>
+          <a:graphicData uri="http://schemas.openxmlformats.org/drawingml/2006/table">
+            <a:tbl>
+              <a:tblPr/>
+              <a:tblGrid>
+                <a:gridCol w="2231136"/>
+                <a:gridCol w="3864864"/>
+              </a:tblGrid>
+              <a:tr h="266700">
+                <a:tc>
+                  <a:txBody>
+                    <a:bodyPr/>
+                    <a:lstStyle/>
+                    <a:p>
+                      <a:pPr marL="0" marR="0" algn="ctr">
+                        <a:lnSpc>
+                          <a:spcPct val="115000"/>
+                        </a:lnSpc>
+                        <a:spcBef>
+                          <a:spcPts val="0"/>
+                        </a:spcBef>
+                        <a:spcAft>
+                          <a:spcPts val="0"/>
+                        </a:spcAft>
+                      </a:pPr>
+                      <a:r>
+                        <a:rPr lang="en-US" sz="1600" b="1" i="1" dirty="0">
+                          <a:solidFill>
+                            <a:srgbClr val="000000"/>
+                          </a:solidFill>
+                          <a:latin typeface="Calibri"/>
+                          <a:ea typeface="Times New Roman"/>
+                          <a:cs typeface="Times New Roman"/>
+                        </a:rPr>
+                        <a:t>Administrator</a:t>
+                      </a:r>
+                      <a:endParaRPr lang="en-US" sz="1100" dirty="0">
+                        <a:latin typeface="Calibri"/>
+                        <a:ea typeface="Calibri"/>
+                        <a:cs typeface="Times New Roman"/>
+                      </a:endParaRPr>
+                    </a:p>
+                  </a:txBody>
+                  <a:tcPr marL="68580" marR="68580" marT="0" marB="0" anchor="b">
+                    <a:lnL>
+                      <a:noFill/>
+                    </a:lnL>
+                    <a:lnR>
+                      <a:noFill/>
+                    </a:lnR>
+                    <a:lnT>
+                      <a:noFill/>
+                    </a:lnT>
+                    <a:lnB w="12700" cap="flat" cmpd="sng" algn="ctr">
+                      <a:solidFill>
+                        <a:srgbClr val="000000"/>
+                      </a:solidFill>
+                      <a:prstDash val="solid"/>
+                      <a:round/>
+                      <a:headEnd type="none" w="med" len="med"/>
+                      <a:tailEnd type="none" w="med" len="med"/>
+                    </a:lnB>
+                  </a:tcPr>
+                </a:tc>
+                <a:tc>
+                  <a:txBody>
+                    <a:bodyPr/>
+                    <a:lstStyle/>
+                    <a:p>
+                      <a:pPr algn="l">
+                        <a:lnSpc>
+                          <a:spcPct val="115000"/>
+                        </a:lnSpc>
+                      </a:pPr>
+                      <a:endParaRPr lang="en-US" sz="1100">
+                        <a:latin typeface="Calibri"/>
+                      </a:endParaRPr>
+                    </a:p>
+                  </a:txBody>
+                  <a:tcPr marL="68580" marR="68580" marT="0" marB="0" anchor="b">
+                    <a:lnL>
+                      <a:noFill/>
+                    </a:lnL>
+                    <a:lnR>
+                      <a:noFill/>
+                    </a:lnR>
+                    <a:lnT>
+                      <a:noFill/>
+                    </a:lnT>
+                    <a:lnB w="12700" cap="flat" cmpd="sng" algn="ctr">
+                      <a:solidFill>
+                        <a:srgbClr val="000000"/>
+                      </a:solidFill>
+                      <a:prstDash val="solid"/>
+                      <a:round/>
+                      <a:headEnd type="none" w="med" len="med"/>
+                      <a:tailEnd type="none" w="med" len="med"/>
+                    </a:lnB>
+                  </a:tcPr>
+                </a:tc>
+              </a:tr>
+              <a:tr h="238125">
+                <a:tc>
+                  <a:txBody>
+                    <a:bodyPr/>
+                    <a:lstStyle/>
+                    <a:p>
+                      <a:pPr marL="0" marR="0" algn="l">
+                        <a:lnSpc>
+                          <a:spcPct val="115000"/>
+                        </a:lnSpc>
+                        <a:spcBef>
+                          <a:spcPts val="0"/>
+                        </a:spcBef>
+                        <a:spcAft>
+                          <a:spcPts val="0"/>
+                        </a:spcAft>
+                      </a:pPr>
+                      <a:r>
+                        <a:rPr lang="en-US" sz="1400">
+                          <a:solidFill>
+                            <a:srgbClr val="000000"/>
+                          </a:solidFill>
+                          <a:latin typeface="Calibri"/>
+                          <a:ea typeface="Times New Roman"/>
+                          <a:cs typeface="Times New Roman"/>
+                        </a:rPr>
+                        <a:t>Title</a:t>
+                      </a:r>
+                      <a:endParaRPr lang="en-US" sz="1100">
+                        <a:latin typeface="Calibri"/>
+                        <a:ea typeface="Calibri"/>
+                        <a:cs typeface="Times New Roman"/>
+                      </a:endParaRPr>
+                    </a:p>
+                  </a:txBody>
+                  <a:tcPr marL="68580" marR="68580" marT="0" marB="0" anchor="b">
+                    <a:lnL w="12700" cap="flat" cmpd="sng" algn="ctr">
+                      <a:solidFill>
+                        <a:srgbClr val="000000"/>
+                      </a:solidFill>
+                      <a:prstDash val="solid"/>
+                      <a:round/>
+                      <a:headEnd type="none" w="med" len="med"/>
+                      <a:tailEnd type="none" w="med" len="med"/>
+                    </a:lnL>
+                    <a:lnR w="12700" cap="flat" cmpd="sng" algn="ctr">
+                      <a:solidFill>
+                        <a:srgbClr val="000000"/>
+                      </a:solidFill>
+                      <a:prstDash val="solid"/>
+                      <a:round/>
+                      <a:headEnd type="none" w="med" len="med"/>
+                      <a:tailEnd type="none" w="med" len="med"/>
+                    </a:lnR>
+                    <a:lnT w="12700" cap="flat" cmpd="sng" algn="ctr">
+                      <a:solidFill>
+                        <a:srgbClr val="000000"/>
+                      </a:solidFill>
+                      <a:prstDash val="solid"/>
+                      <a:round/>
+                      <a:headEnd type="none" w="med" len="med"/>
+                      <a:tailEnd type="none" w="med" len="med"/>
+                    </a:lnT>
+                    <a:lnB w="12700" cap="flat" cmpd="sng" algn="ctr">
+                      <a:solidFill>
+                        <a:srgbClr val="000000"/>
+                      </a:solidFill>
+                      <a:prstDash val="solid"/>
+                      <a:round/>
+                      <a:headEnd type="none" w="med" len="med"/>
+                      <a:tailEnd type="none" w="med" len="med"/>
+                    </a:lnB>
+                  </a:tcPr>
+                </a:tc>
+                <a:tc>
+                  <a:txBody>
+                    <a:bodyPr/>
+                    <a:lstStyle/>
+                    <a:p>
+                      <a:pPr marL="0" marR="0" indent="178435" algn="l">
+                        <a:lnSpc>
+                          <a:spcPct val="115000"/>
+                        </a:lnSpc>
+                        <a:spcBef>
+                          <a:spcPts val="0"/>
+                        </a:spcBef>
+                        <a:spcAft>
+                          <a:spcPts val="0"/>
+                        </a:spcAft>
+                      </a:pPr>
+                      <a:r>
+                        <a:rPr lang="en-US" sz="1400" b="1">
+                          <a:solidFill>
+                            <a:srgbClr val="000000"/>
+                          </a:solidFill>
+                          <a:latin typeface="Calibri"/>
+                          <a:ea typeface="Times New Roman"/>
+                          <a:cs typeface="Times New Roman"/>
+                        </a:rPr>
+                        <a:t>Administrator Move Post</a:t>
+                      </a:r>
+                      <a:endParaRPr lang="en-US" sz="1100">
+                        <a:latin typeface="Calibri"/>
+                        <a:ea typeface="Calibri"/>
+                        <a:cs typeface="Times New Roman"/>
+                      </a:endParaRPr>
+                    </a:p>
+                  </a:txBody>
+                  <a:tcPr marL="68580" marR="68580" marT="0" marB="0" anchor="b">
+                    <a:lnL w="12700" cap="flat" cmpd="sng" algn="ctr">
+                      <a:solidFill>
+                        <a:srgbClr val="000000"/>
+                      </a:solidFill>
+                      <a:prstDash val="solid"/>
+                      <a:round/>
+                      <a:headEnd type="none" w="med" len="med"/>
+                      <a:tailEnd type="none" w="med" len="med"/>
+                    </a:lnL>
+                    <a:lnR w="12700" cap="flat" cmpd="sng" algn="ctr">
+                      <a:solidFill>
+                        <a:srgbClr val="000000"/>
+                      </a:solidFill>
+                      <a:prstDash val="solid"/>
+                      <a:round/>
+                      <a:headEnd type="none" w="med" len="med"/>
+                      <a:tailEnd type="none" w="med" len="med"/>
+                    </a:lnR>
+                    <a:lnT w="12700" cap="flat" cmpd="sng" algn="ctr">
+                      <a:solidFill>
+                        <a:srgbClr val="000000"/>
+                      </a:solidFill>
+                      <a:prstDash val="solid"/>
+                      <a:round/>
+                      <a:headEnd type="none" w="med" len="med"/>
+                      <a:tailEnd type="none" w="med" len="med"/>
+                    </a:lnT>
+                    <a:lnB w="12700" cap="flat" cmpd="sng" algn="ctr">
+                      <a:solidFill>
+                        <a:srgbClr val="000000"/>
+                      </a:solidFill>
+                      <a:prstDash val="solid"/>
+                      <a:round/>
+                      <a:headEnd type="none" w="med" len="med"/>
+                      <a:tailEnd type="none" w="med" len="med"/>
+                    </a:lnB>
+                  </a:tcPr>
+                </a:tc>
+              </a:tr>
+              <a:tr h="238125">
+                <a:tc>
+                  <a:txBody>
+                    <a:bodyPr/>
+                    <a:lstStyle/>
+                    <a:p>
+                      <a:pPr marL="0" marR="0" algn="l">
+                        <a:lnSpc>
+                          <a:spcPct val="115000"/>
+                        </a:lnSpc>
+                        <a:spcBef>
+                          <a:spcPts val="0"/>
+                        </a:spcBef>
+                        <a:spcAft>
+                          <a:spcPts val="0"/>
+                        </a:spcAft>
+                      </a:pPr>
+                      <a:r>
+                        <a:rPr lang="en-US" sz="1400">
+                          <a:solidFill>
+                            <a:srgbClr val="000000"/>
+                          </a:solidFill>
+                          <a:latin typeface="Calibri"/>
+                          <a:ea typeface="Times New Roman"/>
+                          <a:cs typeface="Times New Roman"/>
+                        </a:rPr>
+                        <a:t>Summary</a:t>
+                      </a:r>
+                      <a:endParaRPr lang="en-US" sz="1100">
+                        <a:latin typeface="Calibri"/>
+                        <a:ea typeface="Calibri"/>
+                        <a:cs typeface="Times New Roman"/>
+                      </a:endParaRPr>
+                    </a:p>
+                  </a:txBody>
+                  <a:tcPr marL="68580" marR="68580" marT="0" marB="0" anchor="b">
+                    <a:lnL w="12700" cap="flat" cmpd="sng" algn="ctr">
+                      <a:solidFill>
+                        <a:srgbClr val="000000"/>
+                      </a:solidFill>
+                      <a:prstDash val="solid"/>
+                      <a:round/>
+                      <a:headEnd type="none" w="med" len="med"/>
+                      <a:tailEnd type="none" w="med" len="med"/>
+                    </a:lnL>
+                    <a:lnR w="12700" cap="flat" cmpd="sng" algn="ctr">
+                      <a:solidFill>
+                        <a:srgbClr val="000000"/>
+                      </a:solidFill>
+                      <a:prstDash val="solid"/>
+                      <a:round/>
+                      <a:headEnd type="none" w="med" len="med"/>
+                      <a:tailEnd type="none" w="med" len="med"/>
+                    </a:lnR>
+                    <a:lnT w="12700" cap="flat" cmpd="sng" algn="ctr">
+                      <a:solidFill>
+                        <a:srgbClr val="000000"/>
+                      </a:solidFill>
+                      <a:prstDash val="solid"/>
+                      <a:round/>
+                      <a:headEnd type="none" w="med" len="med"/>
+                      <a:tailEnd type="none" w="med" len="med"/>
+                    </a:lnT>
+                    <a:lnB w="12700" cap="flat" cmpd="sng" algn="ctr">
+                      <a:solidFill>
+                        <a:srgbClr val="000000"/>
+                      </a:solidFill>
+                      <a:prstDash val="solid"/>
+                      <a:round/>
+                      <a:headEnd type="none" w="med" len="med"/>
+                      <a:tailEnd type="none" w="med" len="med"/>
+                    </a:lnB>
+                  </a:tcPr>
+                </a:tc>
+                <a:tc>
+                  <a:txBody>
+                    <a:bodyPr/>
+                    <a:lstStyle/>
+                    <a:p>
+                      <a:pPr marL="0" marR="0" indent="177800" algn="l">
+                        <a:lnSpc>
+                          <a:spcPct val="115000"/>
+                        </a:lnSpc>
+                        <a:spcBef>
+                          <a:spcPts val="0"/>
+                        </a:spcBef>
+                        <a:spcAft>
+                          <a:spcPts val="0"/>
+                        </a:spcAft>
+                      </a:pPr>
+                      <a:r>
+                        <a:rPr lang="en-US" sz="1400" dirty="0">
+                          <a:solidFill>
+                            <a:srgbClr val="000000"/>
+                          </a:solidFill>
+                          <a:latin typeface="Calibri"/>
+                          <a:ea typeface="Times New Roman"/>
+                          <a:cs typeface="Times New Roman"/>
+                        </a:rPr>
+                        <a:t>The administrator user has the authority to move a post to a different topic/category.</a:t>
+                      </a:r>
+                      <a:endParaRPr lang="en-US" sz="1100" dirty="0">
+                        <a:latin typeface="Calibri"/>
+                        <a:ea typeface="Calibri"/>
+                        <a:cs typeface="Times New Roman"/>
+                      </a:endParaRPr>
+                    </a:p>
+                  </a:txBody>
+                  <a:tcPr marL="68580" marR="68580" marT="0" marB="0" anchor="b">
+                    <a:lnL w="12700" cap="flat" cmpd="sng" algn="ctr">
+                      <a:solidFill>
+                        <a:srgbClr val="000000"/>
+                      </a:solidFill>
+                      <a:prstDash val="solid"/>
+                      <a:round/>
+                      <a:headEnd type="none" w="med" len="med"/>
+                      <a:tailEnd type="none" w="med" len="med"/>
+                    </a:lnL>
+                    <a:lnR w="12700" cap="flat" cmpd="sng" algn="ctr">
+                      <a:solidFill>
+                        <a:srgbClr val="000000"/>
+                      </a:solidFill>
+                      <a:prstDash val="solid"/>
+                      <a:round/>
+                      <a:headEnd type="none" w="med" len="med"/>
+                      <a:tailEnd type="none" w="med" len="med"/>
+                    </a:lnR>
+                    <a:lnT w="12700" cap="flat" cmpd="sng" algn="ctr">
+                      <a:solidFill>
+                        <a:srgbClr val="000000"/>
+                      </a:solidFill>
+                      <a:prstDash val="solid"/>
+                      <a:round/>
+                      <a:headEnd type="none" w="med" len="med"/>
+                      <a:tailEnd type="none" w="med" len="med"/>
+                    </a:lnT>
+                    <a:lnB w="12700" cap="flat" cmpd="sng" algn="ctr">
+                      <a:solidFill>
+                        <a:srgbClr val="000000"/>
+                      </a:solidFill>
+                      <a:prstDash val="solid"/>
+                      <a:round/>
+                      <a:headEnd type="none" w="med" len="med"/>
+                      <a:tailEnd type="none" w="med" len="med"/>
+                    </a:lnB>
+                  </a:tcPr>
+                </a:tc>
+              </a:tr>
+              <a:tr h="238125">
+                <a:tc>
+                  <a:txBody>
+                    <a:bodyPr/>
+                    <a:lstStyle/>
+                    <a:p>
+                      <a:pPr marL="0" marR="0" algn="l">
+                        <a:lnSpc>
+                          <a:spcPct val="115000"/>
+                        </a:lnSpc>
+                        <a:spcBef>
+                          <a:spcPts val="0"/>
+                        </a:spcBef>
+                        <a:spcAft>
+                          <a:spcPts val="0"/>
+                        </a:spcAft>
+                      </a:pPr>
+                      <a:r>
+                        <a:rPr lang="en-US" sz="1400">
+                          <a:solidFill>
+                            <a:srgbClr val="000000"/>
+                          </a:solidFill>
+                          <a:latin typeface="Calibri"/>
+                          <a:ea typeface="Times New Roman"/>
+                          <a:cs typeface="Times New Roman"/>
+                        </a:rPr>
+                        <a:t>Preconditions</a:t>
+                      </a:r>
+                      <a:endParaRPr lang="en-US" sz="1100">
+                        <a:latin typeface="Calibri"/>
+                        <a:ea typeface="Calibri"/>
+                        <a:cs typeface="Times New Roman"/>
+                      </a:endParaRPr>
+                    </a:p>
+                  </a:txBody>
+                  <a:tcPr marL="68580" marR="68580" marT="0" marB="0" anchor="b">
+                    <a:lnL w="12700" cap="flat" cmpd="sng" algn="ctr">
+                      <a:solidFill>
+                        <a:srgbClr val="000000"/>
+                      </a:solidFill>
+                      <a:prstDash val="solid"/>
+                      <a:round/>
+                      <a:headEnd type="none" w="med" len="med"/>
+                      <a:tailEnd type="none" w="med" len="med"/>
+                    </a:lnL>
+                    <a:lnR w="12700" cap="flat" cmpd="sng" algn="ctr">
+                      <a:solidFill>
+                        <a:srgbClr val="000000"/>
+                      </a:solidFill>
+                      <a:prstDash val="solid"/>
+                      <a:round/>
+                      <a:headEnd type="none" w="med" len="med"/>
+                      <a:tailEnd type="none" w="med" len="med"/>
+                    </a:lnR>
+                    <a:lnT w="12700" cap="flat" cmpd="sng" algn="ctr">
+                      <a:solidFill>
+                        <a:srgbClr val="000000"/>
+                      </a:solidFill>
+                      <a:prstDash val="solid"/>
+                      <a:round/>
+                      <a:headEnd type="none" w="med" len="med"/>
+                      <a:tailEnd type="none" w="med" len="med"/>
+                    </a:lnT>
+                    <a:lnB w="12700" cap="flat" cmpd="sng" algn="ctr">
+                      <a:solidFill>
+                        <a:srgbClr val="000000"/>
+                      </a:solidFill>
+                      <a:prstDash val="solid"/>
+                      <a:round/>
+                      <a:headEnd type="none" w="med" len="med"/>
+                      <a:tailEnd type="none" w="med" len="med"/>
+                    </a:lnB>
+                  </a:tcPr>
+                </a:tc>
+                <a:tc>
+                  <a:txBody>
+                    <a:bodyPr/>
+                    <a:lstStyle/>
+                    <a:p>
+                      <a:pPr marL="0" marR="0" indent="177800" algn="l">
+                        <a:lnSpc>
+                          <a:spcPct val="115000"/>
+                        </a:lnSpc>
+                        <a:spcBef>
+                          <a:spcPts val="0"/>
+                        </a:spcBef>
+                        <a:spcAft>
+                          <a:spcPts val="0"/>
+                        </a:spcAft>
+                      </a:pPr>
+                      <a:r>
+                        <a:rPr lang="en-US" sz="1400">
+                          <a:solidFill>
+                            <a:srgbClr val="000000"/>
+                          </a:solidFill>
+                          <a:latin typeface="Calibri"/>
+                          <a:ea typeface="Times New Roman"/>
+                          <a:cs typeface="Times New Roman"/>
+                        </a:rPr>
+                        <a:t>The administrator user is logged in and is located on a thread on the domain.</a:t>
+                      </a:r>
+                      <a:endParaRPr lang="en-US" sz="1100">
+                        <a:latin typeface="Calibri"/>
+                        <a:ea typeface="Calibri"/>
+                        <a:cs typeface="Times New Roman"/>
+                      </a:endParaRPr>
+                    </a:p>
+                  </a:txBody>
+                  <a:tcPr marL="68580" marR="68580" marT="0" marB="0" anchor="b">
+                    <a:lnL w="12700" cap="flat" cmpd="sng" algn="ctr">
+                      <a:solidFill>
+                        <a:srgbClr val="000000"/>
+                      </a:solidFill>
+                      <a:prstDash val="solid"/>
+                      <a:round/>
+                      <a:headEnd type="none" w="med" len="med"/>
+                      <a:tailEnd type="none" w="med" len="med"/>
+                    </a:lnL>
+                    <a:lnR w="12700" cap="flat" cmpd="sng" algn="ctr">
+                      <a:solidFill>
+                        <a:srgbClr val="000000"/>
+                      </a:solidFill>
+                      <a:prstDash val="solid"/>
+                      <a:round/>
+                      <a:headEnd type="none" w="med" len="med"/>
+                      <a:tailEnd type="none" w="med" len="med"/>
+                    </a:lnR>
+                    <a:lnT w="12700" cap="flat" cmpd="sng" algn="ctr">
+                      <a:solidFill>
+                        <a:srgbClr val="000000"/>
+                      </a:solidFill>
+                      <a:prstDash val="solid"/>
+                      <a:round/>
+                      <a:headEnd type="none" w="med" len="med"/>
+                      <a:tailEnd type="none" w="med" len="med"/>
+                    </a:lnT>
+                    <a:lnB w="12700" cap="flat" cmpd="sng" algn="ctr">
+                      <a:solidFill>
+                        <a:srgbClr val="000000"/>
+                      </a:solidFill>
+                      <a:prstDash val="solid"/>
+                      <a:round/>
+                      <a:headEnd type="none" w="med" len="med"/>
+                      <a:tailEnd type="none" w="med" len="med"/>
+                    </a:lnB>
+                  </a:tcPr>
+                </a:tc>
+              </a:tr>
+              <a:tr h="238125">
+                <a:tc>
+                  <a:txBody>
+                    <a:bodyPr/>
+                    <a:lstStyle/>
+                    <a:p>
+                      <a:pPr marL="0" marR="0" algn="l">
+                        <a:lnSpc>
+                          <a:spcPct val="115000"/>
+                        </a:lnSpc>
+                        <a:spcBef>
+                          <a:spcPts val="0"/>
+                        </a:spcBef>
+                        <a:spcAft>
+                          <a:spcPts val="0"/>
+                        </a:spcAft>
+                      </a:pPr>
+                      <a:r>
+                        <a:rPr lang="en-US" sz="1400">
+                          <a:solidFill>
+                            <a:srgbClr val="000000"/>
+                          </a:solidFill>
+                          <a:latin typeface="Calibri"/>
+                          <a:ea typeface="Times New Roman"/>
+                          <a:cs typeface="Times New Roman"/>
+                        </a:rPr>
+                        <a:t>Post-conditions</a:t>
+                      </a:r>
+                      <a:endParaRPr lang="en-US" sz="1100">
+                        <a:latin typeface="Calibri"/>
+                        <a:ea typeface="Calibri"/>
+                        <a:cs typeface="Times New Roman"/>
+                      </a:endParaRPr>
+                    </a:p>
+                  </a:txBody>
+                  <a:tcPr marL="68580" marR="68580" marT="0" marB="0" anchor="b">
+                    <a:lnL w="12700" cap="flat" cmpd="sng" algn="ctr">
+                      <a:solidFill>
+                        <a:srgbClr val="000000"/>
+                      </a:solidFill>
+                      <a:prstDash val="solid"/>
+                      <a:round/>
+                      <a:headEnd type="none" w="med" len="med"/>
+                      <a:tailEnd type="none" w="med" len="med"/>
+                    </a:lnL>
+                    <a:lnR w="12700" cap="flat" cmpd="sng" algn="ctr">
+                      <a:solidFill>
+                        <a:srgbClr val="000000"/>
+                      </a:solidFill>
+                      <a:prstDash val="solid"/>
+                      <a:round/>
+                      <a:headEnd type="none" w="med" len="med"/>
+                      <a:tailEnd type="none" w="med" len="med"/>
+                    </a:lnR>
+                    <a:lnT w="12700" cap="flat" cmpd="sng" algn="ctr">
+                      <a:solidFill>
+                        <a:srgbClr val="000000"/>
+                      </a:solidFill>
+                      <a:prstDash val="solid"/>
+                      <a:round/>
+                      <a:headEnd type="none" w="med" len="med"/>
+                      <a:tailEnd type="none" w="med" len="med"/>
+                    </a:lnT>
+                    <a:lnB w="12700" cap="flat" cmpd="sng" algn="ctr">
+                      <a:solidFill>
+                        <a:srgbClr val="000000"/>
+                      </a:solidFill>
+                      <a:prstDash val="solid"/>
+                      <a:round/>
+                      <a:headEnd type="none" w="med" len="med"/>
+                      <a:tailEnd type="none" w="med" len="med"/>
+                    </a:lnB>
+                  </a:tcPr>
+                </a:tc>
+                <a:tc>
+                  <a:txBody>
+                    <a:bodyPr/>
+                    <a:lstStyle/>
+                    <a:p>
+                      <a:pPr marL="0" marR="0" indent="177800" algn="l">
+                        <a:lnSpc>
+                          <a:spcPct val="115000"/>
+                        </a:lnSpc>
+                        <a:spcBef>
+                          <a:spcPts val="0"/>
+                        </a:spcBef>
+                        <a:spcAft>
+                          <a:spcPts val="0"/>
+                        </a:spcAft>
+                      </a:pPr>
+                      <a:r>
+                        <a:rPr lang="en-US" sz="1400">
+                          <a:solidFill>
+                            <a:srgbClr val="000000"/>
+                          </a:solidFill>
+                          <a:latin typeface="Calibri"/>
+                          <a:ea typeface="Times New Roman"/>
+                          <a:cs typeface="Times New Roman"/>
+                        </a:rPr>
+                        <a:t>The administrator user moves a thread.</a:t>
+                      </a:r>
+                      <a:endParaRPr lang="en-US" sz="1100">
+                        <a:latin typeface="Calibri"/>
+                        <a:ea typeface="Calibri"/>
+                        <a:cs typeface="Times New Roman"/>
+                      </a:endParaRPr>
+                    </a:p>
+                  </a:txBody>
+                  <a:tcPr marL="68580" marR="68580" marT="0" marB="0" anchor="b">
+                    <a:lnL w="12700" cap="flat" cmpd="sng" algn="ctr">
+                      <a:solidFill>
+                        <a:srgbClr val="000000"/>
+                      </a:solidFill>
+                      <a:prstDash val="solid"/>
+                      <a:round/>
+                      <a:headEnd type="none" w="med" len="med"/>
+                      <a:tailEnd type="none" w="med" len="med"/>
+                    </a:lnL>
+                    <a:lnR w="12700" cap="flat" cmpd="sng" algn="ctr">
+                      <a:solidFill>
+                        <a:srgbClr val="000000"/>
+                      </a:solidFill>
+                      <a:prstDash val="solid"/>
+                      <a:round/>
+                      <a:headEnd type="none" w="med" len="med"/>
+                      <a:tailEnd type="none" w="med" len="med"/>
+                    </a:lnR>
+                    <a:lnT w="12700" cap="flat" cmpd="sng" algn="ctr">
+                      <a:solidFill>
+                        <a:srgbClr val="000000"/>
+                      </a:solidFill>
+                      <a:prstDash val="solid"/>
+                      <a:round/>
+                      <a:headEnd type="none" w="med" len="med"/>
+                      <a:tailEnd type="none" w="med" len="med"/>
+                    </a:lnT>
+                    <a:lnB w="12700" cap="flat" cmpd="sng" algn="ctr">
+                      <a:solidFill>
+                        <a:srgbClr val="000000"/>
+                      </a:solidFill>
+                      <a:prstDash val="solid"/>
+                      <a:round/>
+                      <a:headEnd type="none" w="med" len="med"/>
+                      <a:tailEnd type="none" w="med" len="med"/>
+                    </a:lnB>
+                  </a:tcPr>
+                </a:tc>
+              </a:tr>
+              <a:tr h="238125">
+                <a:tc>
+                  <a:txBody>
+                    <a:bodyPr/>
+                    <a:lstStyle/>
+                    <a:p>
+                      <a:pPr algn="l">
+                        <a:lnSpc>
+                          <a:spcPct val="115000"/>
+                        </a:lnSpc>
+                      </a:pPr>
+                      <a:endParaRPr lang="en-US" sz="1100">
+                        <a:latin typeface="Calibri"/>
+                      </a:endParaRPr>
+                    </a:p>
+                  </a:txBody>
+                  <a:tcPr marL="68580" marR="68580" marT="0" marB="0" anchor="b">
+                    <a:lnL>
+                      <a:noFill/>
+                    </a:lnL>
+                    <a:lnR>
+                      <a:noFill/>
+                    </a:lnR>
+                    <a:lnT w="12700" cap="flat" cmpd="sng" algn="ctr">
+                      <a:solidFill>
+                        <a:srgbClr val="000000"/>
+                      </a:solidFill>
+                      <a:prstDash val="solid"/>
+                      <a:round/>
+                      <a:headEnd type="none" w="med" len="med"/>
+                      <a:tailEnd type="none" w="med" len="med"/>
+                    </a:lnT>
+                    <a:lnB w="12700" cap="flat" cmpd="sng" algn="ctr">
+                      <a:solidFill>
+                        <a:srgbClr val="000000"/>
+                      </a:solidFill>
+                      <a:prstDash val="solid"/>
+                      <a:round/>
+                      <a:headEnd type="none" w="med" len="med"/>
+                      <a:tailEnd type="none" w="med" len="med"/>
+                    </a:lnB>
+                  </a:tcPr>
+                </a:tc>
+                <a:tc>
+                  <a:txBody>
+                    <a:bodyPr/>
+                    <a:lstStyle/>
+                    <a:p>
+                      <a:pPr algn="l">
+                        <a:lnSpc>
+                          <a:spcPct val="115000"/>
+                        </a:lnSpc>
+                      </a:pPr>
+                      <a:endParaRPr lang="en-US" sz="1100">
+                        <a:latin typeface="Calibri"/>
+                      </a:endParaRPr>
+                    </a:p>
+                  </a:txBody>
+                  <a:tcPr marL="68580" marR="68580" marT="0" marB="0" anchor="b">
+                    <a:lnL>
+                      <a:noFill/>
+                    </a:lnL>
+                    <a:lnR>
+                      <a:noFill/>
+                    </a:lnR>
+                    <a:lnT w="12700" cap="flat" cmpd="sng" algn="ctr">
+                      <a:solidFill>
+                        <a:srgbClr val="000000"/>
+                      </a:solidFill>
+                      <a:prstDash val="solid"/>
+                      <a:round/>
+                      <a:headEnd type="none" w="med" len="med"/>
+                      <a:tailEnd type="none" w="med" len="med"/>
+                    </a:lnT>
+                    <a:lnB w="12700" cap="flat" cmpd="sng" algn="ctr">
+                      <a:solidFill>
+                        <a:srgbClr val="000000"/>
+                      </a:solidFill>
+                      <a:prstDash val="solid"/>
+                      <a:round/>
+                      <a:headEnd type="none" w="med" len="med"/>
+                      <a:tailEnd type="none" w="med" len="med"/>
+                    </a:lnB>
+                  </a:tcPr>
+                </a:tc>
+              </a:tr>
+              <a:tr h="238125">
+                <a:tc>
+                  <a:txBody>
+                    <a:bodyPr/>
+                    <a:lstStyle/>
+                    <a:p>
+                      <a:pPr marL="0" marR="0" algn="ctr">
+                        <a:lnSpc>
+                          <a:spcPct val="115000"/>
+                        </a:lnSpc>
+                        <a:spcBef>
+                          <a:spcPts val="0"/>
+                        </a:spcBef>
+                        <a:spcAft>
+                          <a:spcPts val="0"/>
+                        </a:spcAft>
+                      </a:pPr>
+                      <a:r>
+                        <a:rPr lang="en-US" sz="1400">
+                          <a:solidFill>
+                            <a:srgbClr val="000000"/>
+                          </a:solidFill>
+                          <a:latin typeface="Calibri"/>
+                          <a:ea typeface="Times New Roman"/>
+                          <a:cs typeface="Times New Roman"/>
+                        </a:rPr>
+                        <a:t>Actor : Administrator User</a:t>
+                      </a:r>
+                      <a:endParaRPr lang="en-US" sz="1100">
+                        <a:latin typeface="Calibri"/>
+                        <a:ea typeface="Calibri"/>
+                        <a:cs typeface="Times New Roman"/>
+                      </a:endParaRPr>
+                    </a:p>
+                  </a:txBody>
+                  <a:tcPr marL="68580" marR="68580" marT="0" marB="0" anchor="b">
+                    <a:lnL w="12700" cap="flat" cmpd="sng" algn="ctr">
+                      <a:solidFill>
+                        <a:srgbClr val="000000"/>
+                      </a:solidFill>
+                      <a:prstDash val="solid"/>
+                      <a:round/>
+                      <a:headEnd type="none" w="med" len="med"/>
+                      <a:tailEnd type="none" w="med" len="med"/>
+                    </a:lnL>
+                    <a:lnR w="12700" cap="flat" cmpd="sng" algn="ctr">
+                      <a:solidFill>
+                        <a:srgbClr val="000000"/>
+                      </a:solidFill>
+                      <a:prstDash val="solid"/>
+                      <a:round/>
+                      <a:headEnd type="none" w="med" len="med"/>
+                      <a:tailEnd type="none" w="med" len="med"/>
+                    </a:lnR>
+                    <a:lnT w="12700" cap="flat" cmpd="sng" algn="ctr">
+                      <a:solidFill>
+                        <a:srgbClr val="000000"/>
+                      </a:solidFill>
+                      <a:prstDash val="solid"/>
+                      <a:round/>
+                      <a:headEnd type="none" w="med" len="med"/>
+                      <a:tailEnd type="none" w="med" len="med"/>
+                    </a:lnT>
+                    <a:lnB w="12700" cap="flat" cmpd="sng" algn="ctr">
+                      <a:solidFill>
+                        <a:srgbClr val="000000"/>
+                      </a:solidFill>
+                      <a:prstDash val="solid"/>
+                      <a:round/>
+                      <a:headEnd type="none" w="med" len="med"/>
+                      <a:tailEnd type="none" w="med" len="med"/>
+                    </a:lnB>
+                  </a:tcPr>
+                </a:tc>
+                <a:tc>
+                  <a:txBody>
+                    <a:bodyPr/>
+                    <a:lstStyle/>
+                    <a:p>
+                      <a:pPr marL="0" marR="0" algn="ctr">
+                        <a:lnSpc>
+                          <a:spcPct val="115000"/>
+                        </a:lnSpc>
+                        <a:spcBef>
+                          <a:spcPts val="0"/>
+                        </a:spcBef>
+                        <a:spcAft>
+                          <a:spcPts val="0"/>
+                        </a:spcAft>
+                      </a:pPr>
+                      <a:r>
+                        <a:rPr lang="en-US" sz="1400">
+                          <a:solidFill>
+                            <a:srgbClr val="000000"/>
+                          </a:solidFill>
+                          <a:latin typeface="Calibri"/>
+                          <a:ea typeface="Times New Roman"/>
+                          <a:cs typeface="Times New Roman"/>
+                        </a:rPr>
+                        <a:t>System</a:t>
+                      </a:r>
+                      <a:endParaRPr lang="en-US" sz="1100">
+                        <a:latin typeface="Calibri"/>
+                        <a:ea typeface="Calibri"/>
+                        <a:cs typeface="Times New Roman"/>
+                      </a:endParaRPr>
+                    </a:p>
+                  </a:txBody>
+                  <a:tcPr marL="68580" marR="68580" marT="0" marB="0" anchor="b">
+                    <a:lnL w="12700" cap="flat" cmpd="sng" algn="ctr">
+                      <a:solidFill>
+                        <a:srgbClr val="000000"/>
+                      </a:solidFill>
+                      <a:prstDash val="solid"/>
+                      <a:round/>
+                      <a:headEnd type="none" w="med" len="med"/>
+                      <a:tailEnd type="none" w="med" len="med"/>
+                    </a:lnL>
+                    <a:lnR w="12700" cap="flat" cmpd="sng" algn="ctr">
+                      <a:solidFill>
+                        <a:srgbClr val="000000"/>
+                      </a:solidFill>
+                      <a:prstDash val="solid"/>
+                      <a:round/>
+                      <a:headEnd type="none" w="med" len="med"/>
+                      <a:tailEnd type="none" w="med" len="med"/>
+                    </a:lnR>
+                    <a:lnT w="12700" cap="flat" cmpd="sng" algn="ctr">
+                      <a:solidFill>
+                        <a:srgbClr val="000000"/>
+                      </a:solidFill>
+                      <a:prstDash val="solid"/>
+                      <a:round/>
+                      <a:headEnd type="none" w="med" len="med"/>
+                      <a:tailEnd type="none" w="med" len="med"/>
+                    </a:lnT>
+                    <a:lnB w="12700" cap="flat" cmpd="sng" algn="ctr">
+                      <a:solidFill>
+                        <a:srgbClr val="000000"/>
+                      </a:solidFill>
+                      <a:prstDash val="solid"/>
+                      <a:round/>
+                      <a:headEnd type="none" w="med" len="med"/>
+                      <a:tailEnd type="none" w="med" len="med"/>
+                    </a:lnB>
+                  </a:tcPr>
+                </a:tc>
+              </a:tr>
+              <a:tr h="238125">
+                <a:tc>
+                  <a:txBody>
+                    <a:bodyPr/>
+                    <a:lstStyle/>
+                    <a:p>
+                      <a:pPr marL="0" marR="0" algn="l">
+                        <a:lnSpc>
+                          <a:spcPct val="115000"/>
+                        </a:lnSpc>
+                        <a:spcBef>
+                          <a:spcPts val="0"/>
+                        </a:spcBef>
+                        <a:spcAft>
+                          <a:spcPts val="0"/>
+                        </a:spcAft>
+                      </a:pPr>
+                      <a:r>
+                        <a:rPr lang="en-US" sz="1400">
+                          <a:solidFill>
+                            <a:srgbClr val="000000"/>
+                          </a:solidFill>
+                          <a:latin typeface="Calibri"/>
+                          <a:ea typeface="Times New Roman"/>
+                          <a:cs typeface="Times New Roman"/>
+                        </a:rPr>
+                        <a:t> </a:t>
+                      </a:r>
+                      <a:endParaRPr lang="en-US" sz="1100">
+                        <a:latin typeface="Calibri"/>
+                        <a:ea typeface="Calibri"/>
+                        <a:cs typeface="Times New Roman"/>
+                      </a:endParaRPr>
+                    </a:p>
+                  </a:txBody>
+                  <a:tcPr marL="68580" marR="68580" marT="0" marB="0" anchor="b">
+                    <a:lnL w="12700" cap="flat" cmpd="sng" algn="ctr">
+                      <a:solidFill>
+                        <a:srgbClr val="000000"/>
+                      </a:solidFill>
+                      <a:prstDash val="solid"/>
+                      <a:round/>
+                      <a:headEnd type="none" w="med" len="med"/>
+                      <a:tailEnd type="none" w="med" len="med"/>
+                    </a:lnL>
+                    <a:lnR w="12700" cap="flat" cmpd="sng" algn="ctr">
+                      <a:solidFill>
+                        <a:srgbClr val="000000"/>
+                      </a:solidFill>
+                      <a:prstDash val="solid"/>
+                      <a:round/>
+                      <a:headEnd type="none" w="med" len="med"/>
+                      <a:tailEnd type="none" w="med" len="med"/>
+                    </a:lnR>
+                    <a:lnT w="12700" cap="flat" cmpd="sng" algn="ctr">
+                      <a:solidFill>
+                        <a:srgbClr val="000000"/>
+                      </a:solidFill>
+                      <a:prstDash val="solid"/>
+                      <a:round/>
+                      <a:headEnd type="none" w="med" len="med"/>
+                      <a:tailEnd type="none" w="med" len="med"/>
+                    </a:lnT>
+                    <a:lnB w="12700" cap="flat" cmpd="sng" algn="ctr">
+                      <a:solidFill>
+                        <a:srgbClr val="000000"/>
+                      </a:solidFill>
+                      <a:prstDash val="solid"/>
+                      <a:round/>
+                      <a:headEnd type="none" w="med" len="med"/>
+                      <a:tailEnd type="none" w="med" len="med"/>
+                    </a:lnB>
+                  </a:tcPr>
+                </a:tc>
+                <a:tc>
+                  <a:txBody>
+                    <a:bodyPr/>
+                    <a:lstStyle/>
+                    <a:p>
+                      <a:pPr marL="0" marR="0" indent="177800" algn="l">
+                        <a:lnSpc>
+                          <a:spcPct val="115000"/>
+                        </a:lnSpc>
+                        <a:spcBef>
+                          <a:spcPts val="0"/>
+                        </a:spcBef>
+                        <a:spcAft>
+                          <a:spcPts val="0"/>
+                        </a:spcAft>
+                      </a:pPr>
+                      <a:r>
+                        <a:rPr lang="en-US" sz="1400">
+                          <a:solidFill>
+                            <a:srgbClr val="000000"/>
+                          </a:solidFill>
+                          <a:latin typeface="Calibri"/>
+                          <a:ea typeface="Times New Roman"/>
+                          <a:cs typeface="Times New Roman"/>
+                        </a:rPr>
+                        <a:t>0. The system displays any page on the forum domain and an administrator user is logged in.</a:t>
+                      </a:r>
+                      <a:endParaRPr lang="en-US" sz="1100">
+                        <a:latin typeface="Calibri"/>
+                        <a:ea typeface="Calibri"/>
+                        <a:cs typeface="Times New Roman"/>
+                      </a:endParaRPr>
+                    </a:p>
+                  </a:txBody>
+                  <a:tcPr marL="68580" marR="68580" marT="0" marB="0" anchor="b">
+                    <a:lnL w="12700" cap="flat" cmpd="sng" algn="ctr">
+                      <a:solidFill>
+                        <a:srgbClr val="000000"/>
+                      </a:solidFill>
+                      <a:prstDash val="solid"/>
+                      <a:round/>
+                      <a:headEnd type="none" w="med" len="med"/>
+                      <a:tailEnd type="none" w="med" len="med"/>
+                    </a:lnL>
+                    <a:lnR w="12700" cap="flat" cmpd="sng" algn="ctr">
+                      <a:solidFill>
+                        <a:srgbClr val="000000"/>
+                      </a:solidFill>
+                      <a:prstDash val="solid"/>
+                      <a:round/>
+                      <a:headEnd type="none" w="med" len="med"/>
+                      <a:tailEnd type="none" w="med" len="med"/>
+                    </a:lnR>
+                    <a:lnT w="12700" cap="flat" cmpd="sng" algn="ctr">
+                      <a:solidFill>
+                        <a:srgbClr val="000000"/>
+                      </a:solidFill>
+                      <a:prstDash val="solid"/>
+                      <a:round/>
+                      <a:headEnd type="none" w="med" len="med"/>
+                      <a:tailEnd type="none" w="med" len="med"/>
+                    </a:lnT>
+                    <a:lnB w="12700" cap="flat" cmpd="sng" algn="ctr">
+                      <a:solidFill>
+                        <a:srgbClr val="000000"/>
+                      </a:solidFill>
+                      <a:prstDash val="solid"/>
+                      <a:round/>
+                      <a:headEnd type="none" w="med" len="med"/>
+                      <a:tailEnd type="none" w="med" len="med"/>
+                    </a:lnB>
+                  </a:tcPr>
+                </a:tc>
+              </a:tr>
+              <a:tr h="238125">
+                <a:tc>
+                  <a:txBody>
+                    <a:bodyPr/>
+                    <a:lstStyle/>
+                    <a:p>
+                      <a:pPr marL="0" marR="0" indent="177800" algn="l">
+                        <a:lnSpc>
+                          <a:spcPct val="115000"/>
+                        </a:lnSpc>
+                        <a:spcBef>
+                          <a:spcPts val="0"/>
+                        </a:spcBef>
+                        <a:spcAft>
+                          <a:spcPts val="0"/>
+                        </a:spcAft>
+                      </a:pPr>
+                      <a:r>
+                        <a:rPr lang="en-US" sz="1400">
+                          <a:solidFill>
+                            <a:srgbClr val="000000"/>
+                          </a:solidFill>
+                          <a:latin typeface="Calibri"/>
+                          <a:ea typeface="Times New Roman"/>
+                          <a:cs typeface="Times New Roman"/>
+                        </a:rPr>
+                        <a:t>1. The administrator user selects a thread to be moved.</a:t>
+                      </a:r>
+                      <a:endParaRPr lang="en-US" sz="1100">
+                        <a:latin typeface="Calibri"/>
+                        <a:ea typeface="Calibri"/>
+                        <a:cs typeface="Times New Roman"/>
+                      </a:endParaRPr>
+                    </a:p>
+                  </a:txBody>
+                  <a:tcPr marL="68580" marR="68580" marT="0" marB="0" anchor="b">
+                    <a:lnL w="12700" cap="flat" cmpd="sng" algn="ctr">
+                      <a:solidFill>
+                        <a:srgbClr val="000000"/>
+                      </a:solidFill>
+                      <a:prstDash val="solid"/>
+                      <a:round/>
+                      <a:headEnd type="none" w="med" len="med"/>
+                      <a:tailEnd type="none" w="med" len="med"/>
+                    </a:lnL>
+                    <a:lnR w="12700" cap="flat" cmpd="sng" algn="ctr">
+                      <a:solidFill>
+                        <a:srgbClr val="000000"/>
+                      </a:solidFill>
+                      <a:prstDash val="solid"/>
+                      <a:round/>
+                      <a:headEnd type="none" w="med" len="med"/>
+                      <a:tailEnd type="none" w="med" len="med"/>
+                    </a:lnR>
+                    <a:lnT w="12700" cap="flat" cmpd="sng" algn="ctr">
+                      <a:solidFill>
+                        <a:srgbClr val="000000"/>
+                      </a:solidFill>
+                      <a:prstDash val="solid"/>
+                      <a:round/>
+                      <a:headEnd type="none" w="med" len="med"/>
+                      <a:tailEnd type="none" w="med" len="med"/>
+                    </a:lnT>
+                    <a:lnB w="12700" cap="flat" cmpd="sng" algn="ctr">
+                      <a:solidFill>
+                        <a:srgbClr val="000000"/>
+                      </a:solidFill>
+                      <a:prstDash val="solid"/>
+                      <a:round/>
+                      <a:headEnd type="none" w="med" len="med"/>
+                      <a:tailEnd type="none" w="med" len="med"/>
+                    </a:lnB>
+                  </a:tcPr>
+                </a:tc>
+                <a:tc>
+                  <a:txBody>
+                    <a:bodyPr/>
+                    <a:lstStyle/>
+                    <a:p>
+                      <a:pPr marL="0" marR="0" indent="177800" algn="l">
+                        <a:lnSpc>
+                          <a:spcPct val="115000"/>
+                        </a:lnSpc>
+                        <a:spcBef>
+                          <a:spcPts val="0"/>
+                        </a:spcBef>
+                        <a:spcAft>
+                          <a:spcPts val="0"/>
+                        </a:spcAft>
+                      </a:pPr>
+                      <a:r>
+                        <a:rPr lang="en-US" sz="1400">
+                          <a:solidFill>
+                            <a:srgbClr val="000000"/>
+                          </a:solidFill>
+                          <a:latin typeface="Calibri"/>
+                          <a:ea typeface="Times New Roman"/>
+                          <a:cs typeface="Times New Roman"/>
+                        </a:rPr>
+                        <a:t>2. The system displays "Are you sure?" questions on the thread selected by the administrator user.</a:t>
+                      </a:r>
+                      <a:endParaRPr lang="en-US" sz="1100">
+                        <a:latin typeface="Calibri"/>
+                        <a:ea typeface="Calibri"/>
+                        <a:cs typeface="Times New Roman"/>
+                      </a:endParaRPr>
+                    </a:p>
+                  </a:txBody>
+                  <a:tcPr marL="68580" marR="68580" marT="0" marB="0" anchor="b">
+                    <a:lnL w="12700" cap="flat" cmpd="sng" algn="ctr">
+                      <a:solidFill>
+                        <a:srgbClr val="000000"/>
+                      </a:solidFill>
+                      <a:prstDash val="solid"/>
+                      <a:round/>
+                      <a:headEnd type="none" w="med" len="med"/>
+                      <a:tailEnd type="none" w="med" len="med"/>
+                    </a:lnL>
+                    <a:lnR w="12700" cap="flat" cmpd="sng" algn="ctr">
+                      <a:solidFill>
+                        <a:srgbClr val="000000"/>
+                      </a:solidFill>
+                      <a:prstDash val="solid"/>
+                      <a:round/>
+                      <a:headEnd type="none" w="med" len="med"/>
+                      <a:tailEnd type="none" w="med" len="med"/>
+                    </a:lnR>
+                    <a:lnT w="12700" cap="flat" cmpd="sng" algn="ctr">
+                      <a:solidFill>
+                        <a:srgbClr val="000000"/>
+                      </a:solidFill>
+                      <a:prstDash val="solid"/>
+                      <a:round/>
+                      <a:headEnd type="none" w="med" len="med"/>
+                      <a:tailEnd type="none" w="med" len="med"/>
+                    </a:lnT>
+                    <a:lnB w="12700" cap="flat" cmpd="sng" algn="ctr">
+                      <a:solidFill>
+                        <a:srgbClr val="000000"/>
+                      </a:solidFill>
+                      <a:prstDash val="solid"/>
+                      <a:round/>
+                      <a:headEnd type="none" w="med" len="med"/>
+                      <a:tailEnd type="none" w="med" len="med"/>
+                    </a:lnB>
+                  </a:tcPr>
+                </a:tc>
+              </a:tr>
+              <a:tr h="238125">
+                <a:tc>
+                  <a:txBody>
+                    <a:bodyPr/>
+                    <a:lstStyle/>
+                    <a:p>
+                      <a:pPr marL="0" marR="0" indent="177800" algn="l">
+                        <a:lnSpc>
+                          <a:spcPct val="115000"/>
+                        </a:lnSpc>
+                        <a:spcBef>
+                          <a:spcPts val="0"/>
+                        </a:spcBef>
+                        <a:spcAft>
+                          <a:spcPts val="0"/>
+                        </a:spcAft>
+                      </a:pPr>
+                      <a:r>
+                        <a:rPr lang="en-US" sz="1400">
+                          <a:solidFill>
+                            <a:srgbClr val="000000"/>
+                          </a:solidFill>
+                          <a:latin typeface="Calibri"/>
+                          <a:ea typeface="Times New Roman"/>
+                          <a:cs typeface="Times New Roman"/>
+                        </a:rPr>
+                        <a:t>3. The administrator user selects move thread.</a:t>
+                      </a:r>
+                      <a:endParaRPr lang="en-US" sz="1100">
+                        <a:latin typeface="Calibri"/>
+                        <a:ea typeface="Calibri"/>
+                        <a:cs typeface="Times New Roman"/>
+                      </a:endParaRPr>
+                    </a:p>
+                  </a:txBody>
+                  <a:tcPr marL="68580" marR="68580" marT="0" marB="0" anchor="b">
+                    <a:lnL w="12700" cap="flat" cmpd="sng" algn="ctr">
+                      <a:solidFill>
+                        <a:srgbClr val="000000"/>
+                      </a:solidFill>
+                      <a:prstDash val="solid"/>
+                      <a:round/>
+                      <a:headEnd type="none" w="med" len="med"/>
+                      <a:tailEnd type="none" w="med" len="med"/>
+                    </a:lnL>
+                    <a:lnR w="12700" cap="flat" cmpd="sng" algn="ctr">
+                      <a:solidFill>
+                        <a:srgbClr val="000000"/>
+                      </a:solidFill>
+                      <a:prstDash val="solid"/>
+                      <a:round/>
+                      <a:headEnd type="none" w="med" len="med"/>
+                      <a:tailEnd type="none" w="med" len="med"/>
+                    </a:lnR>
+                    <a:lnT w="12700" cap="flat" cmpd="sng" algn="ctr">
+                      <a:solidFill>
+                        <a:srgbClr val="000000"/>
+                      </a:solidFill>
+                      <a:prstDash val="solid"/>
+                      <a:round/>
+                      <a:headEnd type="none" w="med" len="med"/>
+                      <a:tailEnd type="none" w="med" len="med"/>
+                    </a:lnT>
+                    <a:lnB w="12700" cap="flat" cmpd="sng" algn="ctr">
+                      <a:solidFill>
+                        <a:srgbClr val="000000"/>
+                      </a:solidFill>
+                      <a:prstDash val="solid"/>
+                      <a:round/>
+                      <a:headEnd type="none" w="med" len="med"/>
+                      <a:tailEnd type="none" w="med" len="med"/>
+                    </a:lnB>
+                  </a:tcPr>
+                </a:tc>
+                <a:tc>
+                  <a:txBody>
+                    <a:bodyPr/>
+                    <a:lstStyle/>
+                    <a:p>
+                      <a:pPr marL="0" marR="0" indent="177800" algn="l">
+                        <a:lnSpc>
+                          <a:spcPct val="115000"/>
+                        </a:lnSpc>
+                        <a:spcBef>
+                          <a:spcPts val="0"/>
+                        </a:spcBef>
+                        <a:spcAft>
+                          <a:spcPts val="0"/>
+                        </a:spcAft>
+                      </a:pPr>
+                      <a:r>
+                        <a:rPr lang="en-US" sz="1400" dirty="0">
+                          <a:solidFill>
+                            <a:srgbClr val="000000"/>
+                          </a:solidFill>
+                          <a:latin typeface="Calibri"/>
+                          <a:ea typeface="Times New Roman"/>
+                          <a:cs typeface="Times New Roman"/>
+                        </a:rPr>
+                        <a:t>4. The system displays page "Thread Moved" with title of thread to new location.</a:t>
+                      </a:r>
+                      <a:endParaRPr lang="en-US" sz="1100" dirty="0">
+                        <a:latin typeface="Calibri"/>
+                        <a:ea typeface="Calibri"/>
+                        <a:cs typeface="Times New Roman"/>
+                      </a:endParaRPr>
+                    </a:p>
+                  </a:txBody>
+                  <a:tcPr marL="68580" marR="68580" marT="0" marB="0" anchor="b">
+                    <a:lnL w="12700" cap="flat" cmpd="sng" algn="ctr">
+                      <a:solidFill>
+                        <a:srgbClr val="000000"/>
+                      </a:solidFill>
+                      <a:prstDash val="solid"/>
+                      <a:round/>
+                      <a:headEnd type="none" w="med" len="med"/>
+                      <a:tailEnd type="none" w="med" len="med"/>
+                    </a:lnL>
+                    <a:lnR w="12700" cap="flat" cmpd="sng" algn="ctr">
+                      <a:solidFill>
+                        <a:srgbClr val="000000"/>
+                      </a:solidFill>
+                      <a:prstDash val="solid"/>
+                      <a:round/>
+                      <a:headEnd type="none" w="med" len="med"/>
+                      <a:tailEnd type="none" w="med" len="med"/>
+                    </a:lnR>
+                    <a:lnT w="12700" cap="flat" cmpd="sng" algn="ctr">
+                      <a:solidFill>
+                        <a:srgbClr val="000000"/>
+                      </a:solidFill>
+                      <a:prstDash val="solid"/>
+                      <a:round/>
+                      <a:headEnd type="none" w="med" len="med"/>
+                      <a:tailEnd type="none" w="med" len="med"/>
+                    </a:lnT>
+                    <a:lnB w="12700" cap="flat" cmpd="sng" algn="ctr">
+                      <a:solidFill>
+                        <a:srgbClr val="000000"/>
+                      </a:solidFill>
+                      <a:prstDash val="solid"/>
+                      <a:round/>
+                      <a:headEnd type="none" w="med" len="med"/>
+                      <a:tailEnd type="none" w="med" len="med"/>
+                    </a:lnB>
+                  </a:tcPr>
+                </a:tc>
+              </a:tr>
+            </a:tbl>
+          </a:graphicData>
+        </a:graphic>
+      </p:graphicFrame>
+    </p:spTree>
+  </p:cSld>
+  <p:clrMapOvr>
+    <a:masterClrMapping/>
+  </p:clrMapOvr>
+</p:sld>
+</file>
+
+<file path=ppt/slides/slide8.xml><?xml version="1.0" encoding="utf-8"?>
+<p:sld xmlns:a="http://schemas.openxmlformats.org/drawingml/2006/main" xmlns:r="http://schemas.openxmlformats.org/officeDocument/2006/relationships" xmlns:p="http://schemas.openxmlformats.org/presentationml/2006/main">
+  <p:cSld>
+    <p:spTree>
+      <p:nvGrpSpPr>
+        <p:cNvPr id="1" name=""/>
+        <p:cNvGrpSpPr/>
+        <p:nvPr/>
+      </p:nvGrpSpPr>
+      <p:grpSpPr>
+        <a:xfrm>
+          <a:off x="0" y="0"/>
+          <a:ext cx="0" cy="0"/>
+          <a:chOff x="0" y="0"/>
+          <a:chExt cx="0" cy="0"/>
+        </a:xfrm>
+      </p:grpSpPr>
+      <p:sp>
+        <p:nvSpPr>
+          <p:cNvPr id="2" name="Title 1"/>
+          <p:cNvSpPr>
+            <a:spLocks noGrp="1"/>
+          </p:cNvSpPr>
+          <p:nvPr>
+            <p:ph type="title"/>
+          </p:nvPr>
+        </p:nvSpPr>
+        <p:spPr/>
+        <p:txBody>
+          <a:bodyPr/>
+          <a:lstStyle/>
+          <a:p>
+            <a:r>
+              <a:rPr lang="en-US" dirty="0" smtClean="0"/>
               <a:t>Blog Manager</a:t>
             </a:r>
             <a:endParaRPr lang="en-US" dirty="0"/>
@@ -11537,10 +11746,10 @@
           <p:nvPr/>
         </p:nvPicPr>
         <p:blipFill>
-          <a:blip r:embed="rId2">
+          <a:blip r:embed="rId2" cstate="print">
             <a:extLst>
               <a:ext uri="{28A0092B-C50C-407E-A947-70E740481C1C}">
-                <a14:useLocalDpi xmlns:a14="http://schemas.microsoft.com/office/drawing/2010/main" val="0"/>
+                <a14:useLocalDpi xmlns:a14="http://schemas.microsoft.com/office/drawing/2010/main" xmlns="" val="0"/>
               </a:ext>
             </a:extLst>
           </a:blip>
@@ -11560,7 +11769,7 @@
           <a:noFill/>
           <a:extLst>
             <a:ext uri="{909E8E84-426E-40DD-AFC4-6F175D3DCCD1}">
-              <a14:hiddenFill xmlns:a14="http://schemas.microsoft.com/office/drawing/2010/main">
+              <a14:hiddenFill xmlns:a14="http://schemas.microsoft.com/office/drawing/2010/main" xmlns="">
                 <a:solidFill>
                   <a:srgbClr val="FFFFFF"/>
                 </a:solidFill>
@@ -11577,7 +11786,7 @@
 </p:sld>
 </file>
 
-<file path=ppt/slides/slide8.xml><?xml version="1.0" encoding="utf-8"?>
+<file path=ppt/slides/slide9.xml><?xml version="1.0" encoding="utf-8"?>
 <p:sld xmlns:a="http://schemas.openxmlformats.org/drawingml/2006/main" xmlns:r="http://schemas.openxmlformats.org/officeDocument/2006/relationships" xmlns:p="http://schemas.openxmlformats.org/presentationml/2006/main">
   <p:cSld>
     <p:spTree>
@@ -12863,84 +13072,6 @@
           </a:graphicData>
         </a:graphic>
       </p:graphicFrame>
-    </p:spTree>
-  </p:cSld>
-  <p:clrMapOvr>
-    <a:masterClrMapping/>
-  </p:clrMapOvr>
-</p:sld>
-</file>
-
-<file path=ppt/slides/slide9.xml><?xml version="1.0" encoding="utf-8"?>
-<p:sld xmlns:a="http://schemas.openxmlformats.org/drawingml/2006/main" xmlns:r="http://schemas.openxmlformats.org/officeDocument/2006/relationships" xmlns:p="http://schemas.openxmlformats.org/presentationml/2006/main">
-  <p:cSld>
-    <p:spTree>
-      <p:nvGrpSpPr>
-        <p:cNvPr id="1" name=""/>
-        <p:cNvGrpSpPr/>
-        <p:nvPr/>
-      </p:nvGrpSpPr>
-      <p:grpSpPr>
-        <a:xfrm>
-          <a:off x="0" y="0"/>
-          <a:ext cx="0" cy="0"/>
-          <a:chOff x="0" y="0"/>
-          <a:chExt cx="0" cy="0"/>
-        </a:xfrm>
-      </p:grpSpPr>
-      <p:sp>
-        <p:nvSpPr>
-          <p:cNvPr id="2" name="Title 1"/>
-          <p:cNvSpPr>
-            <a:spLocks noGrp="1"/>
-          </p:cNvSpPr>
-          <p:nvPr>
-            <p:ph type="title"/>
-          </p:nvPr>
-        </p:nvSpPr>
-        <p:spPr/>
-        <p:txBody>
-          <a:bodyPr/>
-          <a:lstStyle/>
-          <a:p>
-            <a:r>
-              <a:rPr lang="en-US" dirty="0" smtClean="0"/>
-              <a:t>Reward Points</a:t>
-            </a:r>
-            <a:endParaRPr lang="en-US" dirty="0"/>
-          </a:p>
-        </p:txBody>
-      </p:sp>
-      <p:pic>
-        <p:nvPicPr>
-          <p:cNvPr id="4" name="Picture 3"/>
-          <p:cNvPicPr/>
-          <p:nvPr/>
-        </p:nvPicPr>
-        <p:blipFill>
-          <a:blip r:embed="rId2" cstate="print"/>
-          <a:srcRect/>
-          <a:stretch>
-            <a:fillRect/>
-          </a:stretch>
-        </p:blipFill>
-        <p:spPr bwMode="auto">
-          <a:xfrm>
-            <a:off x="1043297" y="754331"/>
-            <a:ext cx="7072003" cy="3655744"/>
-          </a:xfrm>
-          <a:prstGeom prst="rect">
-            <a:avLst/>
-          </a:prstGeom>
-          <a:noFill/>
-          <a:ln w="9525">
-            <a:noFill/>
-            <a:miter lim="800000"/>
-            <a:headEnd/>
-            <a:tailEnd/>
-          </a:ln>
-        </p:spPr>
-      </p:pic>
     </p:spTree>
   </p:cSld>
   <p:clrMapOvr>

--- a/Proposal/Design/Design_Presentation.pptx
+++ b/Proposal/Design/Design_Presentation.pptx
@@ -3638,7 +3638,7 @@
     </p:spTree>
     <p:extLst>
       <p:ext uri="{BB962C8B-B14F-4D97-AF65-F5344CB8AC3E}">
-        <p14:creationId xmlns:p14="http://schemas.microsoft.com/office/powerpoint/2010/main" xmlns="" val="1381402738"/>
+        <p14:creationId xmlns="" xmlns:p14="http://schemas.microsoft.com/office/powerpoint/2010/main" val="1381402738"/>
       </p:ext>
     </p:extLst>
   </p:cSld>
@@ -8384,7 +8384,7 @@
     </p:spTree>
     <p:extLst>
       <p:ext uri="{BB962C8B-B14F-4D97-AF65-F5344CB8AC3E}">
-        <p14:creationId xmlns:p14="http://schemas.microsoft.com/office/powerpoint/2010/main" xmlns="" val="3978106633"/>
+        <p14:creationId xmlns="" xmlns:p14="http://schemas.microsoft.com/office/powerpoint/2010/main" val="3978106633"/>
       </p:ext>
     </p:extLst>
   </p:cSld>
@@ -8510,69 +8510,157 @@
         </p:spPr>
         <p:txBody>
           <a:bodyPr>
-            <a:normAutofit/>
+            <a:noAutofit/>
           </a:bodyPr>
           <a:lstStyle/>
           <a:p>
-            <a:pPr lvl="0">
+            <a:pPr>
               <a:buNone/>
             </a:pPr>
             <a:r>
-              <a:rPr lang="en-US" sz="2600" b="1" dirty="0" smtClean="0"/>
-              <a:t>User Requirements</a:t>
+              <a:rPr lang="en-US" i="1" dirty="0" smtClean="0"/>
+              <a:t>User </a:t>
             </a:r>
-          </a:p>
-          <a:p>
-            <a:pPr lvl="0"/>
             <a:r>
-              <a:rPr lang="en-US" sz="2000" dirty="0" smtClean="0"/>
-              <a:t>The user will be able to make posts under topics.</a:t>
+              <a:rPr lang="en-US" i="1" dirty="0" smtClean="0"/>
+              <a:t>Requirements</a:t>
             </a:r>
-          </a:p>
-          <a:p>
-            <a:pPr lvl="0"/>
+            <a:endParaRPr lang="en-US" dirty="0" smtClean="0"/>
+          </a:p>
+          <a:p>
+            <a:pPr>
+              <a:buNone/>
+            </a:pPr>
             <a:r>
-              <a:rPr lang="en-US" sz="2000" dirty="0" smtClean="0"/>
-              <a:t>The user ‘guest’ will not have access to post.</a:t>
+              <a:rPr lang="en-US" sz="1600" b="1" dirty="0" smtClean="0"/>
+              <a:t>R1 Post</a:t>
             </a:r>
           </a:p>
           <a:p>
-            <a:pPr lvl="0"/>
+            <a:pPr>
+              <a:buNone/>
+            </a:pPr>
             <a:r>
-              <a:rPr lang="en-US" sz="2000" dirty="0" smtClean="0"/>
-              <a:t>The user ‘faculty’ will only have access to post under the topics research and articles.</a:t>
+              <a:rPr lang="en-US" sz="1600" dirty="0" smtClean="0"/>
+              <a:t>	R1.1 Registered users shall be able to create posts on the blog</a:t>
             </a:r>
           </a:p>
           <a:p>
-            <a:pPr lvl="0"/>
+            <a:pPr>
+              <a:buNone/>
+            </a:pPr>
             <a:r>
-              <a:rPr lang="en-US" sz="2000" dirty="0" smtClean="0"/>
-              <a:t>The user ‘administrator’ will have the authority to close and/or move a post.</a:t>
+              <a:rPr lang="en-US" sz="1600" dirty="0" smtClean="0"/>
+              <a:t>	R1.2 The system shall display a 'Post' button which takes the user to a </a:t>
             </a:r>
-          </a:p>
-          <a:p>
-            <a:pPr lvl="0"/>
             <a:r>
-              <a:rPr lang="en-US" sz="2000" dirty="0" smtClean="0"/>
-              <a:t>The user ‘registered’ will mark answers on their posted questions as either ‘top answer’, ‘helpful’, or ‘incorrect’.</a:t>
+              <a:rPr lang="en-US" sz="1600" dirty="0" smtClean="0"/>
+              <a:t>posting template </a:t>
             </a:r>
-          </a:p>
-          <a:p>
-            <a:pPr lvl="0"/>
             <a:r>
-              <a:rPr lang="en-US" sz="2000" dirty="0" smtClean="0"/>
-              <a:t>Users  'guest', 'faculty', 'administrator', and 'registered' have the ability to search the blog. </a:t>
+              <a:rPr lang="en-US" sz="1600" dirty="0" smtClean="0"/>
+              <a:t>to fill out</a:t>
             </a:r>
           </a:p>
           <a:p>
-            <a:endParaRPr lang="en-US" dirty="0"/>
+            <a:pPr>
+              <a:buNone/>
+            </a:pPr>
+            <a:r>
+              <a:rPr lang="en-US" sz="1600" dirty="0" smtClean="0"/>
+              <a:t>	R1.3 After creating the post the user is taken to the new page created for their post</a:t>
+            </a:r>
+          </a:p>
+          <a:p>
+            <a:pPr>
+              <a:buNone/>
+            </a:pPr>
+            <a:r>
+              <a:rPr lang="en-US" sz="1600" dirty="0" smtClean="0"/>
+              <a:t>	R1.4 'Administrator' user has the authority to close and/or move a post</a:t>
+            </a:r>
+          </a:p>
+          <a:p>
+            <a:pPr>
+              <a:buNone/>
+            </a:pPr>
+            <a:r>
+              <a:rPr lang="en-US" sz="1600" b="1" dirty="0" smtClean="0"/>
+              <a:t>R2 Restrict Access</a:t>
+            </a:r>
+          </a:p>
+          <a:p>
+            <a:pPr>
+              <a:buNone/>
+            </a:pPr>
+            <a:r>
+              <a:rPr lang="en-US" sz="1600" dirty="0" smtClean="0"/>
+              <a:t>	R2.1 'Guest' users do not have permission to post</a:t>
+            </a:r>
+          </a:p>
+          <a:p>
+            <a:pPr>
+              <a:buNone/>
+            </a:pPr>
+            <a:r>
+              <a:rPr lang="en-US" sz="1600" dirty="0" smtClean="0"/>
+              <a:t>	R2.2 'Faculty' users will only have permission to post research and articles</a:t>
+            </a:r>
+          </a:p>
+          <a:p>
+            <a:pPr>
+              <a:buNone/>
+            </a:pPr>
+            <a:r>
+              <a:rPr lang="en-US" sz="1600" b="1" dirty="0" smtClean="0"/>
+              <a:t>R3 Search</a:t>
+            </a:r>
+          </a:p>
+          <a:p>
+            <a:pPr>
+              <a:buNone/>
+            </a:pPr>
+            <a:r>
+              <a:rPr lang="en-US" sz="1600" dirty="0" smtClean="0"/>
+              <a:t>	R3.1 'Registered', 'Guest', 'Faculty', and 'Administrator' users have the ability to search the blog</a:t>
+            </a:r>
+          </a:p>
+          <a:p>
+            <a:pPr>
+              <a:buNone/>
+            </a:pPr>
+            <a:r>
+              <a:rPr lang="en-US" sz="1600" dirty="0" smtClean="0"/>
+              <a:t>	R3.2 The System displays any page on the blog domain</a:t>
+            </a:r>
+          </a:p>
+          <a:p>
+            <a:pPr>
+              <a:buNone/>
+            </a:pPr>
+            <a:r>
+              <a:rPr lang="en-US" sz="1600" dirty="0" smtClean="0"/>
+              <a:t>	R3.3 The user enters their search criteria in the search bar</a:t>
+            </a:r>
+          </a:p>
+          <a:p>
+            <a:pPr>
+              <a:buNone/>
+            </a:pPr>
+            <a:r>
+              <a:rPr lang="en-US" sz="1600" dirty="0" smtClean="0"/>
+              <a:t>	R3.4 The system displays a list of search results</a:t>
+            </a:r>
+          </a:p>
+          <a:p>
+            <a:endParaRPr lang="en-US" sz="1600" dirty="0"/>
           </a:p>
         </p:txBody>
       </p:sp>
     </p:spTree>
     <p:extLst>
       <p:ext uri="{BB962C8B-B14F-4D97-AF65-F5344CB8AC3E}">
-        <p14:creationId xmlns:p14="http://schemas.microsoft.com/office/powerpoint/2010/main" xmlns="" val="1939236698"/>
+        <p14:creationId xmlns="" xmlns:p14="http://schemas.microsoft.com/office/powerpoint/2010/main" val="1939236698"/>
       </p:ext>
     </p:extLst>
   </p:cSld>
@@ -8642,93 +8730,136 @@
         </p:spPr>
         <p:txBody>
           <a:bodyPr>
-            <a:normAutofit fontScale="77500" lnSpcReduction="20000"/>
+            <a:noAutofit/>
           </a:bodyPr>
           <a:lstStyle/>
           <a:p>
-            <a:pPr lvl="0">
+            <a:pPr>
               <a:buNone/>
             </a:pPr>
             <a:r>
-              <a:rPr lang="en-US" sz="3100" b="1" dirty="0" smtClean="0"/>
+              <a:rPr lang="en-US" i="1" dirty="0" smtClean="0"/>
               <a:t>System Functional Requirements</a:t>
             </a:r>
-          </a:p>
-          <a:p>
-            <a:pPr lvl="0">
-              <a:lnSpc>
-                <a:spcPct val="120000"/>
-              </a:lnSpc>
+            <a:endParaRPr lang="en-US" dirty="0" smtClean="0"/>
+          </a:p>
+          <a:p>
+            <a:pPr>
+              <a:buNone/>
             </a:pPr>
             <a:r>
-              <a:rPr lang="en-US" dirty="0" smtClean="0"/>
-              <a:t>The system shall maintain a total number of topics.</a:t>
+              <a:rPr lang="en-US" sz="1600" b="1" dirty="0" smtClean="0"/>
+              <a:t>R4 Manage</a:t>
             </a:r>
           </a:p>
           <a:p>
-            <a:pPr lvl="0">
-              <a:lnSpc>
-                <a:spcPct val="120000"/>
-              </a:lnSpc>
+            <a:pPr>
+              <a:buNone/>
             </a:pPr>
             <a:r>
-              <a:rPr lang="en-US" dirty="0" smtClean="0"/>
-              <a:t>The system shall grant users credit for correctly answered questions requested by another user. If marked ‘top answer’, the user who answered the question will receive double credit. If marked ‘helpful’, the user will gain the base credit amount. If marked ‘incorrect’, the user will not gain any credit.</a:t>
+              <a:rPr lang="en-US" sz="1600" dirty="0" smtClean="0"/>
+              <a:t>	R4.1 The System shall maintain a total number of topics</a:t>
             </a:r>
           </a:p>
           <a:p>
-            <a:pPr lvl="0">
-              <a:lnSpc>
-                <a:spcPct val="120000"/>
-              </a:lnSpc>
+            <a:pPr>
+              <a:buNone/>
             </a:pPr>
             <a:r>
-              <a:rPr lang="en-US" dirty="0" smtClean="0"/>
-              <a:t>The system shall automatically notify the user who made a post when another user has attempted to answer.</a:t>
+              <a:rPr lang="en-US" sz="1600" dirty="0" smtClean="0"/>
+              <a:t>	R4.2 The System shall mark each post as 'Answered' or 'Unanswered' </a:t>
             </a:r>
           </a:p>
           <a:p>
-            <a:pPr lvl="0">
-              <a:lnSpc>
-                <a:spcPct val="120000"/>
-              </a:lnSpc>
+            <a:pPr>
+              <a:buNone/>
             </a:pPr>
             <a:r>
-              <a:rPr lang="en-US" dirty="0" smtClean="0"/>
-              <a:t>The system shall automatically email the user who answered a post when it has been marked by the user who posted the question.</a:t>
+              <a:rPr lang="en-US" sz="1600" dirty="0" smtClean="0"/>
+              <a:t>	R4.3 The System shall close a post if it remains unanswered after the time out period</a:t>
             </a:r>
           </a:p>
           <a:p>
-            <a:pPr lvl="0">
-              <a:lnSpc>
-                <a:spcPct val="120000"/>
-              </a:lnSpc>
+            <a:pPr>
+              <a:buNone/>
             </a:pPr>
             <a:r>
-              <a:rPr lang="en-US" dirty="0" smtClean="0"/>
-              <a:t>The system shall mark each post as answered or unanswered.</a:t>
+              <a:rPr lang="en-US" sz="1600" dirty="0" smtClean="0"/>
+              <a:t>	R4.4 The System shall close a post if it remains unanswered after the time out period</a:t>
             </a:r>
           </a:p>
           <a:p>
-            <a:pPr lvl="0">
-              <a:lnSpc>
-                <a:spcPct val="120000"/>
-              </a:lnSpc>
+            <a:pPr>
+              <a:buNone/>
             </a:pPr>
             <a:r>
-              <a:rPr lang="en-US" dirty="0" smtClean="0"/>
-              <a:t>The system shall close a post if it remains unanswered after the time out period.</a:t>
+              <a:rPr lang="en-US" sz="1600" b="1" dirty="0" smtClean="0"/>
+              <a:t>R5 Reward Points</a:t>
             </a:r>
           </a:p>
           <a:p>
-            <a:endParaRPr lang="en-US" dirty="0"/>
+            <a:pPr>
+              <a:buNone/>
+            </a:pPr>
+            <a:r>
+              <a:rPr lang="en-US" sz="1600" dirty="0" smtClean="0"/>
+              <a:t>	R5.1 'Registered' users have the ability to mark answers to their posted questions as 'Correct' or 'Helpful'</a:t>
+            </a:r>
+          </a:p>
+          <a:p>
+            <a:pPr>
+              <a:buNone/>
+            </a:pPr>
+            <a:r>
+              <a:rPr lang="en-US" sz="1600" dirty="0" smtClean="0"/>
+              <a:t>	R5.2 The System will reward points to marked answers</a:t>
+            </a:r>
+          </a:p>
+          <a:p>
+            <a:pPr>
+              <a:buNone/>
+            </a:pPr>
+            <a:r>
+              <a:rPr lang="en-US" sz="1600" dirty="0" smtClean="0"/>
+              <a:t>	R5.3 The System finds an answer marked as correct and rewards a set amount of points to the account associated to it</a:t>
+            </a:r>
+          </a:p>
+          <a:p>
+            <a:pPr>
+              <a:buNone/>
+            </a:pPr>
+            <a:r>
+              <a:rPr lang="en-US" sz="1600" b="1" dirty="0" smtClean="0"/>
+              <a:t>R6 Notify</a:t>
+            </a:r>
+          </a:p>
+          <a:p>
+            <a:pPr>
+              <a:buNone/>
+            </a:pPr>
+            <a:r>
+              <a:rPr lang="en-US" sz="1600" dirty="0" smtClean="0"/>
+              <a:t>	R6.1 The System shall automatically notify a user when someone has answered their post</a:t>
+            </a:r>
+          </a:p>
+          <a:p>
+            <a:pPr>
+              <a:buNone/>
+            </a:pPr>
+            <a:r>
+              <a:rPr lang="en-US" sz="1600" dirty="0" smtClean="0"/>
+              <a:t>	R4.2 The System Shall automatically notify a user when one of their answers have been marked as 'Correct' or 'Helpful'</a:t>
+            </a:r>
+          </a:p>
+          <a:p>
+            <a:endParaRPr lang="en-US" sz="1400" dirty="0"/>
           </a:p>
         </p:txBody>
       </p:sp>
     </p:spTree>
     <p:extLst>
       <p:ext uri="{BB962C8B-B14F-4D97-AF65-F5344CB8AC3E}">
-        <p14:creationId xmlns:p14="http://schemas.microsoft.com/office/powerpoint/2010/main" xmlns="" val="1939236698"/>
+        <p14:creationId xmlns="" xmlns:p14="http://schemas.microsoft.com/office/powerpoint/2010/main" val="1939236698"/>
       </p:ext>
     </p:extLst>
   </p:cSld>
@@ -8790,7 +8921,7 @@
           <a:blip r:embed="rId2" cstate="print">
             <a:extLst>
               <a:ext uri="{28A0092B-C50C-407E-A947-70E740481C1C}">
-                <a14:useLocalDpi xmlns:a14="http://schemas.microsoft.com/office/drawing/2010/main" xmlns="" val="0"/>
+                <a14:useLocalDpi xmlns="" xmlns:a14="http://schemas.microsoft.com/office/drawing/2010/main" val="0"/>
               </a:ext>
             </a:extLst>
           </a:blip>
@@ -8810,7 +8941,7 @@
           <a:noFill/>
           <a:extLst>
             <a:ext uri="{909E8E84-426E-40DD-AFC4-6F175D3DCCD1}">
-              <a14:hiddenFill xmlns:a14="http://schemas.microsoft.com/office/drawing/2010/main" xmlns="">
+              <a14:hiddenFill xmlns="" xmlns:a14="http://schemas.microsoft.com/office/drawing/2010/main">
                 <a:solidFill>
                   <a:srgbClr val="FFFFFF"/>
                 </a:solidFill>
@@ -11749,7 +11880,7 @@
           <a:blip r:embed="rId2" cstate="print">
             <a:extLst>
               <a:ext uri="{28A0092B-C50C-407E-A947-70E740481C1C}">
-                <a14:useLocalDpi xmlns:a14="http://schemas.microsoft.com/office/drawing/2010/main" xmlns="" val="0"/>
+                <a14:useLocalDpi xmlns="" xmlns:a14="http://schemas.microsoft.com/office/drawing/2010/main" val="0"/>
               </a:ext>
             </a:extLst>
           </a:blip>
@@ -11769,7 +11900,7 @@
           <a:noFill/>
           <a:extLst>
             <a:ext uri="{909E8E84-426E-40DD-AFC4-6F175D3DCCD1}">
-              <a14:hiddenFill xmlns:a14="http://schemas.microsoft.com/office/drawing/2010/main" xmlns="">
+              <a14:hiddenFill xmlns="" xmlns:a14="http://schemas.microsoft.com/office/drawing/2010/main">
                 <a:solidFill>
                   <a:srgbClr val="FFFFFF"/>
                 </a:solidFill>
